--- a/presentations/BAS_1/OpenCL.pptx
+++ b/presentations/BAS_1/OpenCL.pptx
@@ -2,9 +2,23 @@
 <file path=ppt/presentation.xml><?xml version="1.0" encoding="utf-8"?>
 <p:presentation xmlns:a="http://schemas.openxmlformats.org/drawingml/2006/main" xmlns:r="http://schemas.openxmlformats.org/officeDocument/2006/relationships" xmlns:p="http://schemas.openxmlformats.org/presentationml/2006/main" saveSubsetFonts="1">
   <p:sldMasterIdLst>
-    <p:sldMasterId id="2147483648" r:id="rId1"/>
+    <p:sldMasterId id="2147483876" r:id="rId1"/>
   </p:sldMasterIdLst>
-  <p:sldSz cx="9144000" cy="6858000" type="screen4x3"/>
+  <p:notesMasterIdLst>
+    <p:notesMasterId r:id="rId11"/>
+  </p:notesMasterIdLst>
+  <p:sldIdLst>
+    <p:sldId id="265" r:id="rId2"/>
+    <p:sldId id="258" r:id="rId3"/>
+    <p:sldId id="259" r:id="rId4"/>
+    <p:sldId id="266" r:id="rId5"/>
+    <p:sldId id="260" r:id="rId6"/>
+    <p:sldId id="261" r:id="rId7"/>
+    <p:sldId id="262" r:id="rId8"/>
+    <p:sldId id="263" r:id="rId9"/>
+    <p:sldId id="264" r:id="rId10"/>
+  </p:sldIdLst>
+  <p:sldSz cx="9144000" cy="5143500" type="screen16x9"/>
   <p:notesSz cx="6858000" cy="9144000"/>
   <p:defaultTextStyle>
     <a:defPPr>
@@ -104,6 +118,476 @@
 </p:presentation>
 </file>
 
+<file path=ppt/notesMasters/notesMaster1.xml><?xml version="1.0" encoding="utf-8"?>
+<p:notesMaster xmlns:a="http://schemas.openxmlformats.org/drawingml/2006/main" xmlns:r="http://schemas.openxmlformats.org/officeDocument/2006/relationships" xmlns:p="http://schemas.openxmlformats.org/presentationml/2006/main">
+  <p:cSld>
+    <p:bg>
+      <p:bgRef idx="1001">
+        <a:schemeClr val="bg1"/>
+      </p:bgRef>
+    </p:bg>
+    <p:spTree>
+      <p:nvGrpSpPr>
+        <p:cNvPr id="1" name=""/>
+        <p:cNvGrpSpPr/>
+        <p:nvPr/>
+      </p:nvGrpSpPr>
+      <p:grpSpPr>
+        <a:xfrm>
+          <a:off x="0" y="0"/>
+          <a:ext cx="0" cy="0"/>
+          <a:chOff x="0" y="0"/>
+          <a:chExt cx="0" cy="0"/>
+        </a:xfrm>
+      </p:grpSpPr>
+      <p:sp>
+        <p:nvSpPr>
+          <p:cNvPr id="2" name="Header Placeholder 1"/>
+          <p:cNvSpPr>
+            <a:spLocks noGrp="1"/>
+          </p:cNvSpPr>
+          <p:nvPr>
+            <p:ph type="hdr" sz="quarter"/>
+          </p:nvPr>
+        </p:nvSpPr>
+        <p:spPr>
+          <a:xfrm>
+            <a:off x="0" y="0"/>
+            <a:ext cx="2971800" cy="457200"/>
+          </a:xfrm>
+          <a:prstGeom prst="rect">
+            <a:avLst/>
+          </a:prstGeom>
+        </p:spPr>
+        <p:txBody>
+          <a:bodyPr vert="horz" lIns="91440" tIns="45720" rIns="91440" bIns="45720" rtlCol="0"/>
+          <a:lstStyle>
+            <a:lvl1pPr algn="l">
+              <a:defRPr sz="1200"/>
+            </a:lvl1pPr>
+          </a:lstStyle>
+          <a:p>
+            <a:endParaRPr lang="en-US"/>
+          </a:p>
+        </p:txBody>
+      </p:sp>
+      <p:sp>
+        <p:nvSpPr>
+          <p:cNvPr id="3" name="Date Placeholder 2"/>
+          <p:cNvSpPr>
+            <a:spLocks noGrp="1"/>
+          </p:cNvSpPr>
+          <p:nvPr>
+            <p:ph type="dt" idx="1"/>
+          </p:nvPr>
+        </p:nvSpPr>
+        <p:spPr>
+          <a:xfrm>
+            <a:off x="3884613" y="0"/>
+            <a:ext cx="2971800" cy="457200"/>
+          </a:xfrm>
+          <a:prstGeom prst="rect">
+            <a:avLst/>
+          </a:prstGeom>
+        </p:spPr>
+        <p:txBody>
+          <a:bodyPr vert="horz" lIns="91440" tIns="45720" rIns="91440" bIns="45720" rtlCol="0"/>
+          <a:lstStyle>
+            <a:lvl1pPr algn="r">
+              <a:defRPr sz="1200"/>
+            </a:lvl1pPr>
+          </a:lstStyle>
+          <a:p>
+            <a:fld id="{FAF648E3-ABF5-4FCD-BDF2-371C3D165212}" type="datetimeFigureOut">
+              <a:rPr lang="en-US" smtClean="0"/>
+              <a:t>11/20/2012</a:t>
+            </a:fld>
+            <a:endParaRPr lang="en-US"/>
+          </a:p>
+        </p:txBody>
+      </p:sp>
+      <p:sp>
+        <p:nvSpPr>
+          <p:cNvPr id="4" name="Slide Image Placeholder 3"/>
+          <p:cNvSpPr>
+            <a:spLocks noGrp="1" noRot="1" noChangeAspect="1"/>
+          </p:cNvSpPr>
+          <p:nvPr>
+            <p:ph type="sldImg" idx="2"/>
+          </p:nvPr>
+        </p:nvSpPr>
+        <p:spPr>
+          <a:xfrm>
+            <a:off x="381000" y="685800"/>
+            <a:ext cx="6096000" cy="3429000"/>
+          </a:xfrm>
+          <a:prstGeom prst="rect">
+            <a:avLst/>
+          </a:prstGeom>
+          <a:noFill/>
+          <a:ln w="12700">
+            <a:solidFill>
+              <a:prstClr val="black"/>
+            </a:solidFill>
+          </a:ln>
+        </p:spPr>
+        <p:txBody>
+          <a:bodyPr vert="horz" lIns="91440" tIns="45720" rIns="91440" bIns="45720" rtlCol="0" anchor="ctr"/>
+          <a:lstStyle/>
+          <a:p>
+            <a:endParaRPr lang="en-US"/>
+          </a:p>
+        </p:txBody>
+      </p:sp>
+      <p:sp>
+        <p:nvSpPr>
+          <p:cNvPr id="5" name="Notes Placeholder 4"/>
+          <p:cNvSpPr>
+            <a:spLocks noGrp="1"/>
+          </p:cNvSpPr>
+          <p:nvPr>
+            <p:ph type="body" sz="quarter" idx="3"/>
+          </p:nvPr>
+        </p:nvSpPr>
+        <p:spPr>
+          <a:xfrm>
+            <a:off x="685800" y="4343400"/>
+            <a:ext cx="5486400" cy="4114800"/>
+          </a:xfrm>
+          <a:prstGeom prst="rect">
+            <a:avLst/>
+          </a:prstGeom>
+        </p:spPr>
+        <p:txBody>
+          <a:bodyPr vert="horz" lIns="91440" tIns="45720" rIns="91440" bIns="45720" rtlCol="0"/>
+          <a:lstStyle/>
+          <a:p>
+            <a:pPr lvl="0"/>
+            <a:r>
+              <a:rPr lang="en-US" smtClean="0"/>
+              <a:t>Click to edit Master text styles</a:t>
+            </a:r>
+          </a:p>
+          <a:p>
+            <a:pPr lvl="1"/>
+            <a:r>
+              <a:rPr lang="en-US" smtClean="0"/>
+              <a:t>Second level</a:t>
+            </a:r>
+          </a:p>
+          <a:p>
+            <a:pPr lvl="2"/>
+            <a:r>
+              <a:rPr lang="en-US" smtClean="0"/>
+              <a:t>Third level</a:t>
+            </a:r>
+          </a:p>
+          <a:p>
+            <a:pPr lvl="3"/>
+            <a:r>
+              <a:rPr lang="en-US" smtClean="0"/>
+              <a:t>Fourth level</a:t>
+            </a:r>
+          </a:p>
+          <a:p>
+            <a:pPr lvl="4"/>
+            <a:r>
+              <a:rPr lang="en-US" smtClean="0"/>
+              <a:t>Fifth level</a:t>
+            </a:r>
+            <a:endParaRPr lang="en-US"/>
+          </a:p>
+        </p:txBody>
+      </p:sp>
+      <p:sp>
+        <p:nvSpPr>
+          <p:cNvPr id="6" name="Footer Placeholder 5"/>
+          <p:cNvSpPr>
+            <a:spLocks noGrp="1"/>
+          </p:cNvSpPr>
+          <p:nvPr>
+            <p:ph type="ftr" sz="quarter" idx="4"/>
+          </p:nvPr>
+        </p:nvSpPr>
+        <p:spPr>
+          <a:xfrm>
+            <a:off x="0" y="8685213"/>
+            <a:ext cx="2971800" cy="457200"/>
+          </a:xfrm>
+          <a:prstGeom prst="rect">
+            <a:avLst/>
+          </a:prstGeom>
+        </p:spPr>
+        <p:txBody>
+          <a:bodyPr vert="horz" lIns="91440" tIns="45720" rIns="91440" bIns="45720" rtlCol="0" anchor="b"/>
+          <a:lstStyle>
+            <a:lvl1pPr algn="l">
+              <a:defRPr sz="1200"/>
+            </a:lvl1pPr>
+          </a:lstStyle>
+          <a:p>
+            <a:endParaRPr lang="en-US"/>
+          </a:p>
+        </p:txBody>
+      </p:sp>
+      <p:sp>
+        <p:nvSpPr>
+          <p:cNvPr id="7" name="Slide Number Placeholder 6"/>
+          <p:cNvSpPr>
+            <a:spLocks noGrp="1"/>
+          </p:cNvSpPr>
+          <p:nvPr>
+            <p:ph type="sldNum" sz="quarter" idx="5"/>
+          </p:nvPr>
+        </p:nvSpPr>
+        <p:spPr>
+          <a:xfrm>
+            <a:off x="3884613" y="8685213"/>
+            <a:ext cx="2971800" cy="457200"/>
+          </a:xfrm>
+          <a:prstGeom prst="rect">
+            <a:avLst/>
+          </a:prstGeom>
+        </p:spPr>
+        <p:txBody>
+          <a:bodyPr vert="horz" lIns="91440" tIns="45720" rIns="91440" bIns="45720" rtlCol="0" anchor="b"/>
+          <a:lstStyle>
+            <a:lvl1pPr algn="r">
+              <a:defRPr sz="1200"/>
+            </a:lvl1pPr>
+          </a:lstStyle>
+          <a:p>
+            <a:fld id="{E19E8DFC-DE97-490B-8572-C8B1A4CD170F}" type="slidenum">
+              <a:rPr lang="en-US" smtClean="0"/>
+              <a:t>‹#›</a:t>
+            </a:fld>
+            <a:endParaRPr lang="en-US"/>
+          </a:p>
+        </p:txBody>
+      </p:sp>
+    </p:spTree>
+    <p:extLst>
+      <p:ext uri="{BB962C8B-B14F-4D97-AF65-F5344CB8AC3E}">
+        <p14:creationId xmlns:p14="http://schemas.microsoft.com/office/powerpoint/2010/main" val="311596645"/>
+      </p:ext>
+    </p:extLst>
+  </p:cSld>
+  <p:clrMap bg1="lt1" tx1="dk1" bg2="lt2" tx2="dk2" accent1="accent1" accent2="accent2" accent3="accent3" accent4="accent4" accent5="accent5" accent6="accent6" hlink="hlink" folHlink="folHlink"/>
+  <p:notesStyle>
+    <a:lvl1pPr marL="0" algn="l" defTabSz="914400" rtl="0" eaLnBrk="1" latinLnBrk="0" hangingPunct="1">
+      <a:defRPr sz="1200" kern="1200">
+        <a:solidFill>
+          <a:schemeClr val="tx1"/>
+        </a:solidFill>
+        <a:latin typeface="+mn-lt"/>
+        <a:ea typeface="+mn-ea"/>
+        <a:cs typeface="+mn-cs"/>
+      </a:defRPr>
+    </a:lvl1pPr>
+    <a:lvl2pPr marL="457200" algn="l" defTabSz="914400" rtl="0" eaLnBrk="1" latinLnBrk="0" hangingPunct="1">
+      <a:defRPr sz="1200" kern="1200">
+        <a:solidFill>
+          <a:schemeClr val="tx1"/>
+        </a:solidFill>
+        <a:latin typeface="+mn-lt"/>
+        <a:ea typeface="+mn-ea"/>
+        <a:cs typeface="+mn-cs"/>
+      </a:defRPr>
+    </a:lvl2pPr>
+    <a:lvl3pPr marL="914400" algn="l" defTabSz="914400" rtl="0" eaLnBrk="1" latinLnBrk="0" hangingPunct="1">
+      <a:defRPr sz="1200" kern="1200">
+        <a:solidFill>
+          <a:schemeClr val="tx1"/>
+        </a:solidFill>
+        <a:latin typeface="+mn-lt"/>
+        <a:ea typeface="+mn-ea"/>
+        <a:cs typeface="+mn-cs"/>
+      </a:defRPr>
+    </a:lvl3pPr>
+    <a:lvl4pPr marL="1371600" algn="l" defTabSz="914400" rtl="0" eaLnBrk="1" latinLnBrk="0" hangingPunct="1">
+      <a:defRPr sz="1200" kern="1200">
+        <a:solidFill>
+          <a:schemeClr val="tx1"/>
+        </a:solidFill>
+        <a:latin typeface="+mn-lt"/>
+        <a:ea typeface="+mn-ea"/>
+        <a:cs typeface="+mn-cs"/>
+      </a:defRPr>
+    </a:lvl4pPr>
+    <a:lvl5pPr marL="1828800" algn="l" defTabSz="914400" rtl="0" eaLnBrk="1" latinLnBrk="0" hangingPunct="1">
+      <a:defRPr sz="1200" kern="1200">
+        <a:solidFill>
+          <a:schemeClr val="tx1"/>
+        </a:solidFill>
+        <a:latin typeface="+mn-lt"/>
+        <a:ea typeface="+mn-ea"/>
+        <a:cs typeface="+mn-cs"/>
+      </a:defRPr>
+    </a:lvl5pPr>
+    <a:lvl6pPr marL="2286000" algn="l" defTabSz="914400" rtl="0" eaLnBrk="1" latinLnBrk="0" hangingPunct="1">
+      <a:defRPr sz="1200" kern="1200">
+        <a:solidFill>
+          <a:schemeClr val="tx1"/>
+        </a:solidFill>
+        <a:latin typeface="+mn-lt"/>
+        <a:ea typeface="+mn-ea"/>
+        <a:cs typeface="+mn-cs"/>
+      </a:defRPr>
+    </a:lvl6pPr>
+    <a:lvl7pPr marL="2743200" algn="l" defTabSz="914400" rtl="0" eaLnBrk="1" latinLnBrk="0" hangingPunct="1">
+      <a:defRPr sz="1200" kern="1200">
+        <a:solidFill>
+          <a:schemeClr val="tx1"/>
+        </a:solidFill>
+        <a:latin typeface="+mn-lt"/>
+        <a:ea typeface="+mn-ea"/>
+        <a:cs typeface="+mn-cs"/>
+      </a:defRPr>
+    </a:lvl7pPr>
+    <a:lvl8pPr marL="3200400" algn="l" defTabSz="914400" rtl="0" eaLnBrk="1" latinLnBrk="0" hangingPunct="1">
+      <a:defRPr sz="1200" kern="1200">
+        <a:solidFill>
+          <a:schemeClr val="tx1"/>
+        </a:solidFill>
+        <a:latin typeface="+mn-lt"/>
+        <a:ea typeface="+mn-ea"/>
+        <a:cs typeface="+mn-cs"/>
+      </a:defRPr>
+    </a:lvl8pPr>
+    <a:lvl9pPr marL="3657600" algn="l" defTabSz="914400" rtl="0" eaLnBrk="1" latinLnBrk="0" hangingPunct="1">
+      <a:defRPr sz="1200" kern="1200">
+        <a:solidFill>
+          <a:schemeClr val="tx1"/>
+        </a:solidFill>
+        <a:latin typeface="+mn-lt"/>
+        <a:ea typeface="+mn-ea"/>
+        <a:cs typeface="+mn-cs"/>
+      </a:defRPr>
+    </a:lvl9pPr>
+  </p:notesStyle>
+</p:notesMaster>
+</file>
+
+<file path=ppt/notesSlides/notesSlide1.xml><?xml version="1.0" encoding="utf-8"?>
+<p:notes xmlns:a="http://schemas.openxmlformats.org/drawingml/2006/main" xmlns:r="http://schemas.openxmlformats.org/officeDocument/2006/relationships" xmlns:p="http://schemas.openxmlformats.org/presentationml/2006/main">
+  <p:cSld>
+    <p:spTree>
+      <p:nvGrpSpPr>
+        <p:cNvPr id="1" name=""/>
+        <p:cNvGrpSpPr/>
+        <p:nvPr/>
+      </p:nvGrpSpPr>
+      <p:grpSpPr>
+        <a:xfrm>
+          <a:off x="0" y="0"/>
+          <a:ext cx="0" cy="0"/>
+          <a:chOff x="0" y="0"/>
+          <a:chExt cx="0" cy="0"/>
+        </a:xfrm>
+      </p:grpSpPr>
+      <p:sp>
+        <p:nvSpPr>
+          <p:cNvPr id="2" name="Slide Image Placeholder 1"/>
+          <p:cNvSpPr>
+            <a:spLocks noGrp="1" noRot="1" noChangeAspect="1"/>
+          </p:cNvSpPr>
+          <p:nvPr>
+            <p:ph type="sldImg"/>
+          </p:nvPr>
+        </p:nvSpPr>
+        <p:spPr>
+          <a:xfrm>
+            <a:off x="381000" y="685800"/>
+            <a:ext cx="6096000" cy="3429000"/>
+          </a:xfrm>
+        </p:spPr>
+      </p:sp>
+      <p:sp>
+        <p:nvSpPr>
+          <p:cNvPr id="3" name="Notes Placeholder 2"/>
+          <p:cNvSpPr>
+            <a:spLocks noGrp="1"/>
+          </p:cNvSpPr>
+          <p:nvPr>
+            <p:ph type="body" idx="1"/>
+          </p:nvPr>
+        </p:nvSpPr>
+        <p:spPr/>
+        <p:txBody>
+          <a:bodyPr/>
+          <a:lstStyle/>
+          <a:p>
+            <a:r>
+              <a:rPr lang="en-US" dirty="0" smtClean="0"/>
+              <a:t>Hello guys</a:t>
+            </a:r>
+            <a:r>
+              <a:rPr lang="en-US" baseline="0" dirty="0" smtClean="0"/>
+              <a:t>.</a:t>
+            </a:r>
+          </a:p>
+          <a:p>
+            <a:r>
+              <a:rPr lang="en-US" baseline="0" dirty="0" smtClean="0"/>
+              <a:t>Ok, first things first: This presentation will be in English, because this is also the language I have chosen for my bachelor thesis.</a:t>
+            </a:r>
+          </a:p>
+          <a:p>
+            <a:r>
+              <a:rPr lang="en-US" baseline="0" dirty="0" smtClean="0"/>
+              <a:t>The topic description of my bachelor thesis is actually quite long, as most of you know probably know from the topic catalogue we got last year. Therefore I'll start with a simple picture.</a:t>
+            </a:r>
+          </a:p>
+          <a:p>
+            <a:r>
+              <a:rPr lang="en-US" baseline="0" dirty="0" smtClean="0"/>
+              <a:t>This picture shows the major components of a computer but the two most important ones [CLICK] are the CPU and the GPU.</a:t>
+            </a:r>
+          </a:p>
+          <a:p>
+            <a:r>
+              <a:rPr lang="en-US" baseline="0" dirty="0" smtClean="0"/>
+              <a:t>Most people know about the CPU. [CLICK] It runs basically all our applications. But what does the GPU do?</a:t>
+            </a:r>
+          </a:p>
+        </p:txBody>
+      </p:sp>
+      <p:sp>
+        <p:nvSpPr>
+          <p:cNvPr id="4" name="Slide Number Placeholder 3"/>
+          <p:cNvSpPr>
+            <a:spLocks noGrp="1"/>
+          </p:cNvSpPr>
+          <p:nvPr>
+            <p:ph type="sldNum" sz="quarter" idx="10"/>
+          </p:nvPr>
+        </p:nvSpPr>
+        <p:spPr/>
+        <p:txBody>
+          <a:bodyPr/>
+          <a:lstStyle/>
+          <a:p>
+            <a:fld id="{E19E8DFC-DE97-490B-8572-C8B1A4CD170F}" type="slidenum">
+              <a:rPr lang="en-US" smtClean="0"/>
+              <a:t>1</a:t>
+            </a:fld>
+            <a:endParaRPr lang="en-US"/>
+          </a:p>
+        </p:txBody>
+      </p:sp>
+    </p:spTree>
+    <p:extLst>
+      <p:ext uri="{BB962C8B-B14F-4D97-AF65-F5344CB8AC3E}">
+        <p14:creationId xmlns:p14="http://schemas.microsoft.com/office/powerpoint/2010/main" val="2754176817"/>
+      </p:ext>
+    </p:extLst>
+  </p:cSld>
+  <p:clrMapOvr>
+    <a:masterClrMapping/>
+  </p:clrMapOvr>
+</p:notes>
+</file>
+
 <file path=ppt/slideLayouts/slideLayout1.xml><?xml version="1.0" encoding="utf-8"?>
 <p:sldLayout xmlns:a="http://schemas.openxmlformats.org/drawingml/2006/main" xmlns:r="http://schemas.openxmlformats.org/officeDocument/2006/relationships" xmlns:p="http://schemas.openxmlformats.org/presentationml/2006/main" type="title" preserve="1">
   <p:cSld name="Title Slide">
@@ -133,8 +617,8 @@
         </p:nvSpPr>
         <p:spPr>
           <a:xfrm>
-            <a:off x="685800" y="2130425"/>
-            <a:ext cx="7772400" cy="1470025"/>
+            <a:off x="685800" y="1597819"/>
+            <a:ext cx="7772400" cy="1102519"/>
           </a:xfrm>
         </p:spPr>
         <p:txBody>
@@ -161,8 +645,8 @@
         </p:nvSpPr>
         <p:spPr>
           <a:xfrm>
-            <a:off x="1371600" y="3886200"/>
-            <a:ext cx="6400800" cy="1752600"/>
+            <a:off x="1371600" y="2914650"/>
+            <a:ext cx="6400800" cy="1314450"/>
           </a:xfrm>
         </p:spPr>
         <p:txBody>
@@ -286,7 +770,7 @@
             <a:fld id="{1D8BD707-D9CF-40AE-B4C6-C98DA3205C09}" type="datetimeFigureOut">
               <a:rPr lang="en-US" smtClean="0"/>
               <a:pPr/>
-              <a:t>9/18/2006</a:t>
+              <a:t>11/19/2012</a:t>
             </a:fld>
             <a:endParaRPr lang="en-US"/>
           </a:p>
@@ -336,6 +820,11 @@
         </p:txBody>
       </p:sp>
     </p:spTree>
+    <p:extLst>
+      <p:ext uri="{BB962C8B-B14F-4D97-AF65-F5344CB8AC3E}">
+        <p14:creationId xmlns:p14="http://schemas.microsoft.com/office/powerpoint/2010/main" val="503446040"/>
+      </p:ext>
+    </p:extLst>
   </p:cSld>
   <p:clrMapOvr>
     <a:masterClrMapping/>
@@ -453,7 +942,7 @@
             <a:fld id="{1D8BD707-D9CF-40AE-B4C6-C98DA3205C09}" type="datetimeFigureOut">
               <a:rPr lang="en-US" smtClean="0"/>
               <a:pPr/>
-              <a:t>9/18/2006</a:t>
+              <a:t>11/19/2012</a:t>
             </a:fld>
             <a:endParaRPr lang="en-US"/>
           </a:p>
@@ -503,6 +992,11 @@
         </p:txBody>
       </p:sp>
     </p:spTree>
+    <p:extLst>
+      <p:ext uri="{BB962C8B-B14F-4D97-AF65-F5344CB8AC3E}">
+        <p14:creationId xmlns:p14="http://schemas.microsoft.com/office/powerpoint/2010/main" val="3781064581"/>
+      </p:ext>
+    </p:extLst>
   </p:cSld>
   <p:clrMapOvr>
     <a:masterClrMapping/>
@@ -539,8 +1033,8 @@
         </p:nvSpPr>
         <p:spPr>
           <a:xfrm>
-            <a:off x="6629400" y="274638"/>
-            <a:ext cx="2057400" cy="5851525"/>
+            <a:off x="6629400" y="205979"/>
+            <a:ext cx="2057400" cy="4388644"/>
           </a:xfrm>
         </p:spPr>
         <p:txBody>
@@ -567,8 +1061,8 @@
         </p:nvSpPr>
         <p:spPr>
           <a:xfrm>
-            <a:off x="457200" y="274638"/>
-            <a:ext cx="6019800" cy="5851525"/>
+            <a:off x="457200" y="205979"/>
+            <a:ext cx="6019800" cy="4388644"/>
           </a:xfrm>
         </p:spPr>
         <p:txBody>
@@ -630,7 +1124,7 @@
             <a:fld id="{1D8BD707-D9CF-40AE-B4C6-C98DA3205C09}" type="datetimeFigureOut">
               <a:rPr lang="en-US" smtClean="0"/>
               <a:pPr/>
-              <a:t>9/18/2006</a:t>
+              <a:t>11/19/2012</a:t>
             </a:fld>
             <a:endParaRPr lang="en-US"/>
           </a:p>
@@ -680,6 +1174,11 @@
         </p:txBody>
       </p:sp>
     </p:spTree>
+    <p:extLst>
+      <p:ext uri="{BB962C8B-B14F-4D97-AF65-F5344CB8AC3E}">
+        <p14:creationId xmlns:p14="http://schemas.microsoft.com/office/powerpoint/2010/main" val="238021295"/>
+      </p:ext>
+    </p:extLst>
   </p:cSld>
   <p:clrMapOvr>
     <a:masterClrMapping/>
@@ -720,10 +1219,10 @@
           <a:lstStyle/>
           <a:p>
             <a:r>
-              <a:rPr lang="en-US" smtClean="0"/>
+              <a:rPr lang="en-US" dirty="0" smtClean="0"/>
               <a:t>Click to edit Master title style</a:t>
             </a:r>
-            <a:endParaRPr lang="en-US"/>
+            <a:endParaRPr lang="en-US" dirty="0"/>
           </a:p>
         </p:txBody>
       </p:sp>
@@ -797,7 +1296,7 @@
             <a:fld id="{1D8BD707-D9CF-40AE-B4C6-C98DA3205C09}" type="datetimeFigureOut">
               <a:rPr lang="en-US" smtClean="0"/>
               <a:pPr/>
-              <a:t>9/18/2006</a:t>
+              <a:t>11/19/2012</a:t>
             </a:fld>
             <a:endParaRPr lang="en-US"/>
           </a:p>
@@ -847,10 +1346,22 @@
         </p:txBody>
       </p:sp>
     </p:spTree>
+    <p:extLst>
+      <p:ext uri="{BB962C8B-B14F-4D97-AF65-F5344CB8AC3E}">
+        <p14:creationId xmlns:p14="http://schemas.microsoft.com/office/powerpoint/2010/main" val="1997439751"/>
+      </p:ext>
+    </p:extLst>
   </p:cSld>
   <p:clrMapOvr>
     <a:masterClrMapping/>
   </p:clrMapOvr>
+  <p:timing>
+    <p:tnLst>
+      <p:par>
+        <p:cTn id="1" dur="indefinite" restart="never" nodeType="tmRoot"/>
+      </p:par>
+    </p:tnLst>
+  </p:timing>
 </p:sldLayout>
 </file>
 
@@ -883,8 +1394,8 @@
         </p:nvSpPr>
         <p:spPr>
           <a:xfrm>
-            <a:off x="722313" y="4406900"/>
-            <a:ext cx="7772400" cy="1362075"/>
+            <a:off x="722313" y="3305176"/>
+            <a:ext cx="7772400" cy="1021556"/>
           </a:xfrm>
         </p:spPr>
         <p:txBody>
@@ -915,8 +1426,8 @@
         </p:nvSpPr>
         <p:spPr>
           <a:xfrm>
-            <a:off x="722313" y="2906713"/>
-            <a:ext cx="7772400" cy="1500187"/>
+            <a:off x="722313" y="2180035"/>
+            <a:ext cx="7772400" cy="1125140"/>
           </a:xfrm>
         </p:spPr>
         <p:txBody>
@@ -1040,7 +1551,7 @@
             <a:fld id="{1D8BD707-D9CF-40AE-B4C6-C98DA3205C09}" type="datetimeFigureOut">
               <a:rPr lang="en-US" smtClean="0"/>
               <a:pPr/>
-              <a:t>9/18/2006</a:t>
+              <a:t>11/19/2012</a:t>
             </a:fld>
             <a:endParaRPr lang="en-US"/>
           </a:p>
@@ -1090,6 +1601,11 @@
         </p:txBody>
       </p:sp>
     </p:spTree>
+    <p:extLst>
+      <p:ext uri="{BB962C8B-B14F-4D97-AF65-F5344CB8AC3E}">
+        <p14:creationId xmlns:p14="http://schemas.microsoft.com/office/powerpoint/2010/main" val="4274592326"/>
+      </p:ext>
+    </p:extLst>
   </p:cSld>
   <p:clrMapOvr>
     <a:masterClrMapping/>
@@ -1149,8 +1665,8 @@
         </p:nvSpPr>
         <p:spPr>
           <a:xfrm>
-            <a:off x="457200" y="1600200"/>
-            <a:ext cx="4038600" cy="4525963"/>
+            <a:off x="457200" y="1200151"/>
+            <a:ext cx="4038600" cy="3394472"/>
           </a:xfrm>
         </p:spPr>
         <p:txBody>
@@ -1234,8 +1750,8 @@
         </p:nvSpPr>
         <p:spPr>
           <a:xfrm>
-            <a:off x="4648200" y="1600200"/>
-            <a:ext cx="4038600" cy="4525963"/>
+            <a:off x="4648200" y="1200151"/>
+            <a:ext cx="4038600" cy="3394472"/>
           </a:xfrm>
         </p:spPr>
         <p:txBody>
@@ -1325,7 +1841,7 @@
             <a:fld id="{1D8BD707-D9CF-40AE-B4C6-C98DA3205C09}" type="datetimeFigureOut">
               <a:rPr lang="en-US" smtClean="0"/>
               <a:pPr/>
-              <a:t>9/18/2006</a:t>
+              <a:t>11/19/2012</a:t>
             </a:fld>
             <a:endParaRPr lang="en-US"/>
           </a:p>
@@ -1375,6 +1891,11 @@
         </p:txBody>
       </p:sp>
     </p:spTree>
+    <p:extLst>
+      <p:ext uri="{BB962C8B-B14F-4D97-AF65-F5344CB8AC3E}">
+        <p14:creationId xmlns:p14="http://schemas.microsoft.com/office/powerpoint/2010/main" val="2312154809"/>
+      </p:ext>
+    </p:extLst>
   </p:cSld>
   <p:clrMapOvr>
     <a:masterClrMapping/>
@@ -1438,8 +1959,8 @@
         </p:nvSpPr>
         <p:spPr>
           <a:xfrm>
-            <a:off x="457200" y="1535113"/>
-            <a:ext cx="4040188" cy="639762"/>
+            <a:off x="457200" y="1151335"/>
+            <a:ext cx="4040188" cy="479822"/>
           </a:xfrm>
         </p:spPr>
         <p:txBody>
@@ -1503,8 +2024,8 @@
         </p:nvSpPr>
         <p:spPr>
           <a:xfrm>
-            <a:off x="457200" y="2174875"/>
-            <a:ext cx="4040188" cy="3951288"/>
+            <a:off x="457200" y="1631156"/>
+            <a:ext cx="4040188" cy="2963466"/>
           </a:xfrm>
         </p:spPr>
         <p:txBody>
@@ -1588,8 +2109,8 @@
         </p:nvSpPr>
         <p:spPr>
           <a:xfrm>
-            <a:off x="4645025" y="1535113"/>
-            <a:ext cx="4041775" cy="639762"/>
+            <a:off x="4645026" y="1151335"/>
+            <a:ext cx="4041775" cy="479822"/>
           </a:xfrm>
         </p:spPr>
         <p:txBody>
@@ -1653,8 +2174,8 @@
         </p:nvSpPr>
         <p:spPr>
           <a:xfrm>
-            <a:off x="4645025" y="2174875"/>
-            <a:ext cx="4041775" cy="3951288"/>
+            <a:off x="4645026" y="1631156"/>
+            <a:ext cx="4041775" cy="2963466"/>
           </a:xfrm>
         </p:spPr>
         <p:txBody>
@@ -1744,7 +2265,7 @@
             <a:fld id="{1D8BD707-D9CF-40AE-B4C6-C98DA3205C09}" type="datetimeFigureOut">
               <a:rPr lang="en-US" smtClean="0"/>
               <a:pPr/>
-              <a:t>9/18/2006</a:t>
+              <a:t>11/19/2012</a:t>
             </a:fld>
             <a:endParaRPr lang="en-US"/>
           </a:p>
@@ -1794,6 +2315,11 @@
         </p:txBody>
       </p:sp>
     </p:spTree>
+    <p:extLst>
+      <p:ext uri="{BB962C8B-B14F-4D97-AF65-F5344CB8AC3E}">
+        <p14:creationId xmlns:p14="http://schemas.microsoft.com/office/powerpoint/2010/main" val="3375473042"/>
+      </p:ext>
+    </p:extLst>
   </p:cSld>
   <p:clrMapOvr>
     <a:masterClrMapping/>
@@ -1859,7 +2385,7 @@
             <a:fld id="{1D8BD707-D9CF-40AE-B4C6-C98DA3205C09}" type="datetimeFigureOut">
               <a:rPr lang="en-US" smtClean="0"/>
               <a:pPr/>
-              <a:t>9/18/2006</a:t>
+              <a:t>11/19/2012</a:t>
             </a:fld>
             <a:endParaRPr lang="en-US"/>
           </a:p>
@@ -1909,6 +2435,11 @@
         </p:txBody>
       </p:sp>
     </p:spTree>
+    <p:extLst>
+      <p:ext uri="{BB962C8B-B14F-4D97-AF65-F5344CB8AC3E}">
+        <p14:creationId xmlns:p14="http://schemas.microsoft.com/office/powerpoint/2010/main" val="3054377020"/>
+      </p:ext>
+    </p:extLst>
   </p:cSld>
   <p:clrMapOvr>
     <a:masterClrMapping/>
@@ -1951,7 +2482,7 @@
             <a:fld id="{1D8BD707-D9CF-40AE-B4C6-C98DA3205C09}" type="datetimeFigureOut">
               <a:rPr lang="en-US" smtClean="0"/>
               <a:pPr/>
-              <a:t>9/18/2006</a:t>
+              <a:t>11/19/2012</a:t>
             </a:fld>
             <a:endParaRPr lang="en-US"/>
           </a:p>
@@ -2001,6 +2532,11 @@
         </p:txBody>
       </p:sp>
     </p:spTree>
+    <p:extLst>
+      <p:ext uri="{BB962C8B-B14F-4D97-AF65-F5344CB8AC3E}">
+        <p14:creationId xmlns:p14="http://schemas.microsoft.com/office/powerpoint/2010/main" val="2114666886"/>
+      </p:ext>
+    </p:extLst>
   </p:cSld>
   <p:clrMapOvr>
     <a:masterClrMapping/>
@@ -2037,8 +2573,8 @@
         </p:nvSpPr>
         <p:spPr>
           <a:xfrm>
-            <a:off x="457200" y="273050"/>
-            <a:ext cx="3008313" cy="1162050"/>
+            <a:off x="457201" y="204787"/>
+            <a:ext cx="3008313" cy="871538"/>
           </a:xfrm>
         </p:spPr>
         <p:txBody>
@@ -2069,8 +2605,8 @@
         </p:nvSpPr>
         <p:spPr>
           <a:xfrm>
-            <a:off x="3575050" y="273050"/>
-            <a:ext cx="5111750" cy="5853113"/>
+            <a:off x="3575050" y="204788"/>
+            <a:ext cx="5111750" cy="4389835"/>
           </a:xfrm>
         </p:spPr>
         <p:txBody>
@@ -2154,8 +2690,8 @@
         </p:nvSpPr>
         <p:spPr>
           <a:xfrm>
-            <a:off x="457200" y="1435100"/>
-            <a:ext cx="3008313" cy="4691063"/>
+            <a:off x="457201" y="1076326"/>
+            <a:ext cx="3008313" cy="3518297"/>
           </a:xfrm>
         </p:spPr>
         <p:txBody>
@@ -2225,7 +2761,7 @@
             <a:fld id="{1D8BD707-D9CF-40AE-B4C6-C98DA3205C09}" type="datetimeFigureOut">
               <a:rPr lang="en-US" smtClean="0"/>
               <a:pPr/>
-              <a:t>9/18/2006</a:t>
+              <a:t>11/19/2012</a:t>
             </a:fld>
             <a:endParaRPr lang="en-US"/>
           </a:p>
@@ -2275,6 +2811,11 @@
         </p:txBody>
       </p:sp>
     </p:spTree>
+    <p:extLst>
+      <p:ext uri="{BB962C8B-B14F-4D97-AF65-F5344CB8AC3E}">
+        <p14:creationId xmlns:p14="http://schemas.microsoft.com/office/powerpoint/2010/main" val="2622671701"/>
+      </p:ext>
+    </p:extLst>
   </p:cSld>
   <p:clrMapOvr>
     <a:masterClrMapping/>
@@ -2311,8 +2852,8 @@
         </p:nvSpPr>
         <p:spPr>
           <a:xfrm>
-            <a:off x="1792288" y="4800600"/>
-            <a:ext cx="5486400" cy="566738"/>
+            <a:off x="1792288" y="3600450"/>
+            <a:ext cx="5486400" cy="425054"/>
           </a:xfrm>
         </p:spPr>
         <p:txBody>
@@ -2343,8 +2884,8 @@
         </p:nvSpPr>
         <p:spPr>
           <a:xfrm>
-            <a:off x="1792288" y="612775"/>
-            <a:ext cx="5486400" cy="4114800"/>
+            <a:off x="1792288" y="459581"/>
+            <a:ext cx="5486400" cy="3086100"/>
           </a:xfrm>
         </p:spPr>
         <p:txBody>
@@ -2404,8 +2945,8 @@
         </p:nvSpPr>
         <p:spPr>
           <a:xfrm>
-            <a:off x="1792288" y="5367338"/>
-            <a:ext cx="5486400" cy="804862"/>
+            <a:off x="1792288" y="4025503"/>
+            <a:ext cx="5486400" cy="603647"/>
           </a:xfrm>
         </p:spPr>
         <p:txBody>
@@ -2475,7 +3016,7 @@
             <a:fld id="{1D8BD707-D9CF-40AE-B4C6-C98DA3205C09}" type="datetimeFigureOut">
               <a:rPr lang="en-US" smtClean="0"/>
               <a:pPr/>
-              <a:t>9/18/2006</a:t>
+              <a:t>11/19/2012</a:t>
             </a:fld>
             <a:endParaRPr lang="en-US"/>
           </a:p>
@@ -2525,6 +3066,11 @@
         </p:txBody>
       </p:sp>
     </p:spTree>
+    <p:extLst>
+      <p:ext uri="{BB962C8B-B14F-4D97-AF65-F5344CB8AC3E}">
+        <p14:creationId xmlns:p14="http://schemas.microsoft.com/office/powerpoint/2010/main" val="4057780827"/>
+      </p:ext>
+    </p:extLst>
   </p:cSld>
   <p:clrMapOvr>
     <a:masterClrMapping/>
@@ -2536,9 +3082,33 @@
 <p:sldMaster xmlns:a="http://schemas.openxmlformats.org/drawingml/2006/main" xmlns:r="http://schemas.openxmlformats.org/officeDocument/2006/relationships" xmlns:p="http://schemas.openxmlformats.org/presentationml/2006/main">
   <p:cSld>
     <p:bg>
-      <p:bgRef idx="1001">
-        <a:schemeClr val="bg1"/>
-      </p:bgRef>
+      <p:bgPr>
+        <a:gradFill flip="none" rotWithShape="1">
+          <a:gsLst>
+            <a:gs pos="0">
+              <a:schemeClr val="bg1">
+                <a:lumMod val="85000"/>
+              </a:schemeClr>
+            </a:gs>
+            <a:gs pos="39999">
+              <a:schemeClr val="bg1">
+                <a:lumMod val="90000"/>
+              </a:schemeClr>
+            </a:gs>
+            <a:gs pos="70000">
+              <a:schemeClr val="bg1">
+                <a:lumMod val="95000"/>
+              </a:schemeClr>
+            </a:gs>
+            <a:gs pos="100000">
+              <a:schemeClr val="bg1"/>
+            </a:gs>
+          </a:gsLst>
+          <a:lin ang="5400000" scaled="0"/>
+          <a:tileRect/>
+        </a:gradFill>
+        <a:effectLst/>
+      </p:bgPr>
     </p:bg>
     <p:spTree>
       <p:nvGrpSpPr>
@@ -2566,8 +3136,8 @@
         </p:nvSpPr>
         <p:spPr>
           <a:xfrm>
-            <a:off x="457200" y="274638"/>
-            <a:ext cx="8229600" cy="1143000"/>
+            <a:off x="457200" y="205979"/>
+            <a:ext cx="8229600" cy="857250"/>
           </a:xfrm>
           <a:prstGeom prst="rect">
             <a:avLst/>
@@ -2599,8 +3169,8 @@
         </p:nvSpPr>
         <p:spPr>
           <a:xfrm>
-            <a:off x="457200" y="1600200"/>
-            <a:ext cx="8229600" cy="4525963"/>
+            <a:off x="457200" y="1200151"/>
+            <a:ext cx="8229600" cy="3394472"/>
           </a:xfrm>
           <a:prstGeom prst="rect">
             <a:avLst/>
@@ -2661,8 +3231,8 @@
         </p:nvSpPr>
         <p:spPr>
           <a:xfrm>
-            <a:off x="457200" y="6356350"/>
-            <a:ext cx="2133600" cy="365125"/>
+            <a:off x="457200" y="4767263"/>
+            <a:ext cx="2133600" cy="273844"/>
           </a:xfrm>
           <a:prstGeom prst="rect">
             <a:avLst/>
@@ -2685,7 +3255,7 @@
             <a:fld id="{1D8BD707-D9CF-40AE-B4C6-C98DA3205C09}" type="datetimeFigureOut">
               <a:rPr lang="en-US" smtClean="0"/>
               <a:pPr/>
-              <a:t>9/18/2006</a:t>
+              <a:t>11/19/2012</a:t>
             </a:fld>
             <a:endParaRPr lang="en-US"/>
           </a:p>
@@ -2703,8 +3273,8 @@
         </p:nvSpPr>
         <p:spPr>
           <a:xfrm>
-            <a:off x="3124200" y="6356350"/>
-            <a:ext cx="2895600" cy="365125"/>
+            <a:off x="3124200" y="4767263"/>
+            <a:ext cx="2895600" cy="273844"/>
           </a:xfrm>
           <a:prstGeom prst="rect">
             <a:avLst/>
@@ -2740,8 +3310,8 @@
         </p:nvSpPr>
         <p:spPr>
           <a:xfrm>
-            <a:off x="6553200" y="6356350"/>
-            <a:ext cx="2133600" cy="365125"/>
+            <a:off x="6553200" y="4767263"/>
+            <a:ext cx="2133600" cy="273844"/>
           </a:xfrm>
           <a:prstGeom prst="rect">
             <a:avLst/>
@@ -2771,20 +3341,25 @@
         </p:txBody>
       </p:sp>
     </p:spTree>
+    <p:extLst>
+      <p:ext uri="{BB962C8B-B14F-4D97-AF65-F5344CB8AC3E}">
+        <p14:creationId xmlns:p14="http://schemas.microsoft.com/office/powerpoint/2010/main" val="3887619898"/>
+      </p:ext>
+    </p:extLst>
   </p:cSld>
   <p:clrMap bg1="lt1" tx1="dk1" bg2="lt2" tx2="dk2" accent1="accent1" accent2="accent2" accent3="accent3" accent4="accent4" accent5="accent5" accent6="accent6" hlink="hlink" folHlink="folHlink"/>
   <p:sldLayoutIdLst>
-    <p:sldLayoutId id="2147483649" r:id="rId1"/>
-    <p:sldLayoutId id="2147483650" r:id="rId2"/>
-    <p:sldLayoutId id="2147483651" r:id="rId3"/>
-    <p:sldLayoutId id="2147483652" r:id="rId4"/>
-    <p:sldLayoutId id="2147483653" r:id="rId5"/>
-    <p:sldLayoutId id="2147483654" r:id="rId6"/>
-    <p:sldLayoutId id="2147483655" r:id="rId7"/>
-    <p:sldLayoutId id="2147483656" r:id="rId8"/>
-    <p:sldLayoutId id="2147483657" r:id="rId9"/>
-    <p:sldLayoutId id="2147483658" r:id="rId10"/>
-    <p:sldLayoutId id="2147483659" r:id="rId11"/>
+    <p:sldLayoutId id="2147483877" r:id="rId1"/>
+    <p:sldLayoutId id="2147483878" r:id="rId2"/>
+    <p:sldLayoutId id="2147483879" r:id="rId3"/>
+    <p:sldLayoutId id="2147483880" r:id="rId4"/>
+    <p:sldLayoutId id="2147483881" r:id="rId5"/>
+    <p:sldLayoutId id="2147483882" r:id="rId6"/>
+    <p:sldLayoutId id="2147483883" r:id="rId7"/>
+    <p:sldLayoutId id="2147483884" r:id="rId8"/>
+    <p:sldLayoutId id="2147483885" r:id="rId9"/>
+    <p:sldLayoutId id="2147483886" r:id="rId10"/>
+    <p:sldLayoutId id="2147483887" r:id="rId11"/>
   </p:sldLayoutIdLst>
   <p:txStyles>
     <p:titleStyle>
@@ -2942,7 +3517,7 @@
     </p:bodyStyle>
     <p:otherStyle>
       <a:defPPr>
-        <a:defRPr lang="en-US"/>
+        <a:defRPr lang="de-DE"/>
       </a:defPPr>
       <a:lvl1pPr marL="0" algn="l" defTabSz="914400" rtl="0" eaLnBrk="1" latinLnBrk="0" hangingPunct="1">
         <a:defRPr sz="1800" kern="1200">
@@ -3039,6 +3614,1825 @@
 </p:sldMaster>
 </file>
 
+<file path=ppt/slides/slide1.xml><?xml version="1.0" encoding="utf-8"?>
+<p:sld xmlns:a="http://schemas.openxmlformats.org/drawingml/2006/main" xmlns:r="http://schemas.openxmlformats.org/officeDocument/2006/relationships" xmlns:p="http://schemas.openxmlformats.org/presentationml/2006/main">
+  <p:cSld>
+    <p:spTree>
+      <p:nvGrpSpPr>
+        <p:cNvPr id="1" name=""/>
+        <p:cNvGrpSpPr/>
+        <p:nvPr/>
+      </p:nvGrpSpPr>
+      <p:grpSpPr>
+        <a:xfrm>
+          <a:off x="0" y="0"/>
+          <a:ext cx="0" cy="0"/>
+          <a:chOff x="0" y="0"/>
+          <a:chExt cx="0" cy="0"/>
+        </a:xfrm>
+      </p:grpSpPr>
+      <p:pic>
+        <p:nvPicPr>
+          <p:cNvPr id="1026" name="Picture 2" descr="D:\data\FH\Bachelorarbeit\svnroot\presentations\BAS_1\Chassis_Intenal-Components.jpg"/>
+          <p:cNvPicPr>
+            <a:picLocks noChangeAspect="1" noChangeArrowheads="1"/>
+          </p:cNvPicPr>
+          <p:nvPr/>
+        </p:nvPicPr>
+        <p:blipFill>
+          <a:blip r:embed="rId3">
+            <a:extLst>
+              <a:ext uri="{28A0092B-C50C-407E-A947-70E740481C1C}">
+                <a14:useLocalDpi xmlns:a14="http://schemas.microsoft.com/office/drawing/2010/main" val="0"/>
+              </a:ext>
+            </a:extLst>
+          </a:blip>
+          <a:srcRect/>
+          <a:stretch>
+            <a:fillRect/>
+          </a:stretch>
+        </p:blipFill>
+        <p:spPr bwMode="auto">
+          <a:xfrm>
+            <a:off x="1597818" y="240506"/>
+            <a:ext cx="5948363" cy="4662488"/>
+          </a:xfrm>
+          <a:prstGeom prst="roundRect">
+            <a:avLst>
+              <a:gd name="adj" fmla="val 8594"/>
+            </a:avLst>
+          </a:prstGeom>
+          <a:solidFill>
+            <a:srgbClr val="FFFFFF">
+              <a:shade val="85000"/>
+            </a:srgbClr>
+          </a:solidFill>
+          <a:ln>
+            <a:noFill/>
+          </a:ln>
+          <a:effectLst/>
+          <a:extLst>
+            <a:ext uri="{909E8E84-426E-40DD-AFC4-6F175D3DCCD1}">
+              <a14:hiddenFill xmlns:a14="http://schemas.microsoft.com/office/drawing/2010/main">
+                <a:solidFill>
+                  <a:srgbClr val="FFFFFF"/>
+                </a:solidFill>
+              </a14:hiddenFill>
+            </a:ext>
+          </a:extLst>
+        </p:spPr>
+      </p:pic>
+      <p:sp>
+        <p:nvSpPr>
+          <p:cNvPr id="4" name="TextBox 3"/>
+          <p:cNvSpPr txBox="1"/>
+          <p:nvPr/>
+        </p:nvSpPr>
+        <p:spPr>
+          <a:xfrm>
+            <a:off x="6094562" y="4981917"/>
+            <a:ext cx="3048000" cy="184666"/>
+          </a:xfrm>
+          <a:prstGeom prst="rect">
+            <a:avLst/>
+          </a:prstGeom>
+          <a:noFill/>
+        </p:spPr>
+        <p:txBody>
+          <a:bodyPr wrap="square" rtlCol="0">
+            <a:spAutoFit/>
+          </a:bodyPr>
+          <a:lstStyle/>
+          <a:p>
+            <a:pPr algn="r"/>
+            <a:r>
+              <a:rPr lang="en-US" sz="600" dirty="0"/>
+              <a:t>http://blogs.amd.com/play/2012/05/01/building-on-amd-hardware/</a:t>
+            </a:r>
+          </a:p>
+        </p:txBody>
+      </p:sp>
+      <p:sp>
+        <p:nvSpPr>
+          <p:cNvPr id="5" name="TextBox 4"/>
+          <p:cNvSpPr txBox="1"/>
+          <p:nvPr/>
+        </p:nvSpPr>
+        <p:spPr>
+          <a:xfrm>
+            <a:off x="1331568" y="501474"/>
+            <a:ext cx="1890252" cy="1015663"/>
+          </a:xfrm>
+          <a:prstGeom prst="rect">
+            <a:avLst/>
+          </a:prstGeom>
+          <a:solidFill>
+            <a:schemeClr val="accent1">
+              <a:lumMod val="60000"/>
+              <a:lumOff val="40000"/>
+            </a:schemeClr>
+          </a:solidFill>
+          <a:effectLst/>
+          <a:scene3d>
+            <a:camera prst="orthographicFront"/>
+            <a:lightRig rig="threePt" dir="t"/>
+          </a:scene3d>
+          <a:sp3d>
+            <a:bevelT h="50800"/>
+          </a:sp3d>
+        </p:spPr>
+        <p:txBody>
+          <a:bodyPr wrap="square" rtlCol="0">
+            <a:spAutoFit/>
+          </a:bodyPr>
+          <a:lstStyle/>
+          <a:p>
+            <a:pPr algn="ctr"/>
+            <a:r>
+              <a:rPr lang="en-US" sz="6000" dirty="0" smtClean="0"/>
+              <a:t>CPU</a:t>
+            </a:r>
+            <a:endParaRPr lang="en-US" sz="6000" dirty="0"/>
+          </a:p>
+        </p:txBody>
+      </p:sp>
+      <p:sp>
+        <p:nvSpPr>
+          <p:cNvPr id="7" name="TextBox 6"/>
+          <p:cNvSpPr txBox="1"/>
+          <p:nvPr/>
+        </p:nvSpPr>
+        <p:spPr>
+          <a:xfrm>
+            <a:off x="6192216" y="3201834"/>
+            <a:ext cx="1890252" cy="1015663"/>
+          </a:xfrm>
+          <a:prstGeom prst="rect">
+            <a:avLst/>
+          </a:prstGeom>
+          <a:solidFill>
+            <a:schemeClr val="accent3">
+              <a:lumMod val="60000"/>
+              <a:lumOff val="40000"/>
+            </a:schemeClr>
+          </a:solidFill>
+          <a:effectLst/>
+          <a:scene3d>
+            <a:camera prst="orthographicFront"/>
+            <a:lightRig rig="threePt" dir="t"/>
+          </a:scene3d>
+          <a:sp3d>
+            <a:bevelT/>
+          </a:sp3d>
+        </p:spPr>
+        <p:txBody>
+          <a:bodyPr wrap="square" rtlCol="0">
+            <a:spAutoFit/>
+          </a:bodyPr>
+          <a:lstStyle/>
+          <a:p>
+            <a:pPr algn="ctr"/>
+            <a:r>
+              <a:rPr lang="en-US" sz="6000" dirty="0" smtClean="0"/>
+              <a:t>GPU</a:t>
+            </a:r>
+            <a:endParaRPr lang="en-US" sz="6000" dirty="0"/>
+          </a:p>
+        </p:txBody>
+      </p:sp>
+      <p:sp>
+        <p:nvSpPr>
+          <p:cNvPr id="8" name="TextBox 7"/>
+          <p:cNvSpPr txBox="1"/>
+          <p:nvPr/>
+        </p:nvSpPr>
+        <p:spPr>
+          <a:xfrm>
+            <a:off x="1241556" y="1851654"/>
+            <a:ext cx="2070276" cy="523220"/>
+          </a:xfrm>
+          <a:prstGeom prst="rect">
+            <a:avLst/>
+          </a:prstGeom>
+          <a:solidFill>
+            <a:schemeClr val="accent1">
+              <a:lumMod val="60000"/>
+              <a:lumOff val="40000"/>
+            </a:schemeClr>
+          </a:solidFill>
+          <a:effectLst/>
+          <a:scene3d>
+            <a:camera prst="orthographicFront"/>
+            <a:lightRig rig="threePt" dir="t"/>
+          </a:scene3d>
+          <a:sp3d>
+            <a:bevelT h="50800"/>
+          </a:sp3d>
+        </p:spPr>
+        <p:txBody>
+          <a:bodyPr wrap="square" rtlCol="0">
+            <a:spAutoFit/>
+          </a:bodyPr>
+          <a:lstStyle>
+            <a:defPPr>
+              <a:defRPr lang="en-US"/>
+            </a:defPPr>
+            <a:lvl1pPr algn="ctr">
+              <a:defRPr sz="6000"/>
+            </a:lvl1pPr>
+          </a:lstStyle>
+          <a:p>
+            <a:r>
+              <a:rPr lang="en-US" sz="2800" dirty="0"/>
+              <a:t>Applications</a:t>
+            </a:r>
+          </a:p>
+        </p:txBody>
+      </p:sp>
+      <p:sp>
+        <p:nvSpPr>
+          <p:cNvPr id="10" name="TextBox 9"/>
+          <p:cNvSpPr txBox="1"/>
+          <p:nvPr/>
+        </p:nvSpPr>
+        <p:spPr>
+          <a:xfrm>
+            <a:off x="6086221" y="2301714"/>
+            <a:ext cx="2070276" cy="523220"/>
+          </a:xfrm>
+          <a:prstGeom prst="rect">
+            <a:avLst/>
+          </a:prstGeom>
+          <a:solidFill>
+            <a:schemeClr val="accent3">
+              <a:lumMod val="60000"/>
+              <a:lumOff val="40000"/>
+            </a:schemeClr>
+          </a:solidFill>
+          <a:effectLst/>
+          <a:scene3d>
+            <a:camera prst="orthographicFront"/>
+            <a:lightRig rig="threePt" dir="t"/>
+          </a:scene3d>
+          <a:sp3d>
+            <a:bevelT h="50800"/>
+          </a:sp3d>
+        </p:spPr>
+        <p:txBody>
+          <a:bodyPr wrap="square" rtlCol="0">
+            <a:spAutoFit/>
+          </a:bodyPr>
+          <a:lstStyle>
+            <a:defPPr>
+              <a:defRPr lang="en-US"/>
+            </a:defPPr>
+            <a:lvl1pPr algn="ctr">
+              <a:defRPr sz="6000"/>
+            </a:lvl1pPr>
+          </a:lstStyle>
+          <a:p>
+            <a:r>
+              <a:rPr lang="en-US" sz="2800" dirty="0" smtClean="0"/>
+              <a:t>??</a:t>
+            </a:r>
+            <a:endParaRPr lang="en-US" sz="2800" dirty="0"/>
+          </a:p>
+        </p:txBody>
+      </p:sp>
+    </p:spTree>
+    <p:extLst>
+      <p:ext uri="{BB962C8B-B14F-4D97-AF65-F5344CB8AC3E}">
+        <p14:creationId xmlns:p14="http://schemas.microsoft.com/office/powerpoint/2010/main" val="2094512384"/>
+      </p:ext>
+    </p:extLst>
+  </p:cSld>
+  <p:clrMapOvr>
+    <a:masterClrMapping/>
+  </p:clrMapOvr>
+  <p:timing>
+    <p:tnLst>
+      <p:par>
+        <p:cTn id="1" dur="indefinite" restart="never" nodeType="tmRoot">
+          <p:childTnLst>
+            <p:seq concurrent="1" nextAc="seek">
+              <p:cTn id="2" dur="indefinite" nodeType="mainSeq">
+                <p:childTnLst>
+                  <p:par>
+                    <p:cTn id="3" fill="hold">
+                      <p:stCondLst>
+                        <p:cond delay="indefinite"/>
+                      </p:stCondLst>
+                      <p:childTnLst>
+                        <p:par>
+                          <p:cTn id="4" fill="hold">
+                            <p:stCondLst>
+                              <p:cond delay="0"/>
+                            </p:stCondLst>
+                            <p:childTnLst>
+                              <p:par>
+                                <p:cTn id="5" presetID="10" presetClass="entr" presetSubtype="0" fill="hold" grpId="0" nodeType="clickEffect">
+                                  <p:stCondLst>
+                                    <p:cond delay="0"/>
+                                  </p:stCondLst>
+                                  <p:childTnLst>
+                                    <p:set>
+                                      <p:cBhvr>
+                                        <p:cTn id="6" dur="1" fill="hold">
+                                          <p:stCondLst>
+                                            <p:cond delay="0"/>
+                                          </p:stCondLst>
+                                        </p:cTn>
+                                        <p:tgtEl>
+                                          <p:spTgt spid="5"/>
+                                        </p:tgtEl>
+                                        <p:attrNameLst>
+                                          <p:attrName>style.visibility</p:attrName>
+                                        </p:attrNameLst>
+                                      </p:cBhvr>
+                                      <p:to>
+                                        <p:strVal val="visible"/>
+                                      </p:to>
+                                    </p:set>
+                                    <p:animEffect transition="in" filter="fade">
+                                      <p:cBhvr>
+                                        <p:cTn id="7" dur="500"/>
+                                        <p:tgtEl>
+                                          <p:spTgt spid="5"/>
+                                        </p:tgtEl>
+                                      </p:cBhvr>
+                                    </p:animEffect>
+                                  </p:childTnLst>
+                                </p:cTn>
+                              </p:par>
+                              <p:par>
+                                <p:cTn id="8" presetID="10" presetClass="entr" presetSubtype="0" fill="hold" grpId="0" nodeType="withEffect">
+                                  <p:stCondLst>
+                                    <p:cond delay="0"/>
+                                  </p:stCondLst>
+                                  <p:childTnLst>
+                                    <p:set>
+                                      <p:cBhvr>
+                                        <p:cTn id="9" dur="1" fill="hold">
+                                          <p:stCondLst>
+                                            <p:cond delay="0"/>
+                                          </p:stCondLst>
+                                        </p:cTn>
+                                        <p:tgtEl>
+                                          <p:spTgt spid="7"/>
+                                        </p:tgtEl>
+                                        <p:attrNameLst>
+                                          <p:attrName>style.visibility</p:attrName>
+                                        </p:attrNameLst>
+                                      </p:cBhvr>
+                                      <p:to>
+                                        <p:strVal val="visible"/>
+                                      </p:to>
+                                    </p:set>
+                                    <p:animEffect transition="in" filter="fade">
+                                      <p:cBhvr>
+                                        <p:cTn id="10" dur="500"/>
+                                        <p:tgtEl>
+                                          <p:spTgt spid="7"/>
+                                        </p:tgtEl>
+                                      </p:cBhvr>
+                                    </p:animEffect>
+                                  </p:childTnLst>
+                                </p:cTn>
+                              </p:par>
+                            </p:childTnLst>
+                          </p:cTn>
+                        </p:par>
+                      </p:childTnLst>
+                    </p:cTn>
+                  </p:par>
+                </p:childTnLst>
+              </p:cTn>
+              <p:prevCondLst>
+                <p:cond evt="onPrev" delay="0">
+                  <p:tgtEl>
+                    <p:sldTgt/>
+                  </p:tgtEl>
+                </p:cond>
+              </p:prevCondLst>
+              <p:nextCondLst>
+                <p:cond evt="onNext" delay="0">
+                  <p:tgtEl>
+                    <p:sldTgt/>
+                  </p:tgtEl>
+                </p:cond>
+              </p:nextCondLst>
+            </p:seq>
+          </p:childTnLst>
+        </p:cTn>
+      </p:par>
+    </p:tnLst>
+    <p:bldLst>
+      <p:bldP spid="5" grpId="0" animBg="1"/>
+      <p:bldP spid="7" grpId="0" animBg="1"/>
+    </p:bldLst>
+  </p:timing>
+</p:sld>
+</file>
+
+<file path=ppt/slides/slide2.xml><?xml version="1.0" encoding="utf-8"?>
+<p:sld xmlns:a="http://schemas.openxmlformats.org/drawingml/2006/main" xmlns:r="http://schemas.openxmlformats.org/officeDocument/2006/relationships" xmlns:p="http://schemas.openxmlformats.org/presentationml/2006/main">
+  <p:cSld>
+    <p:spTree>
+      <p:nvGrpSpPr>
+        <p:cNvPr id="1" name=""/>
+        <p:cNvGrpSpPr/>
+        <p:nvPr/>
+      </p:nvGrpSpPr>
+      <p:grpSpPr>
+        <a:xfrm>
+          <a:off x="0" y="0"/>
+          <a:ext cx="0" cy="0"/>
+          <a:chOff x="0" y="0"/>
+          <a:chExt cx="0" cy="0"/>
+        </a:xfrm>
+      </p:grpSpPr>
+      <p:sp>
+        <p:nvSpPr>
+          <p:cNvPr id="5" name="TextBox 4"/>
+          <p:cNvSpPr txBox="1"/>
+          <p:nvPr/>
+        </p:nvSpPr>
+        <p:spPr>
+          <a:xfrm>
+            <a:off x="4932048" y="321450"/>
+            <a:ext cx="3510468" cy="1077218"/>
+          </a:xfrm>
+          <a:prstGeom prst="rect">
+            <a:avLst/>
+          </a:prstGeom>
+          <a:solidFill>
+            <a:schemeClr val="accent3">
+              <a:lumMod val="60000"/>
+              <a:lumOff val="40000"/>
+            </a:schemeClr>
+          </a:solidFill>
+          <a:scene3d>
+            <a:camera prst="orthographicFront"/>
+            <a:lightRig rig="threePt" dir="t"/>
+          </a:scene3d>
+          <a:sp3d>
+            <a:bevelT/>
+          </a:sp3d>
+        </p:spPr>
+        <p:txBody>
+          <a:bodyPr wrap="square" rtlCol="0">
+            <a:spAutoFit/>
+          </a:bodyPr>
+          <a:lstStyle/>
+          <a:p>
+            <a:pPr algn="ctr"/>
+            <a:r>
+              <a:rPr lang="en-US" sz="3200" dirty="0" smtClean="0"/>
+              <a:t>Graphics Processing Unit</a:t>
+            </a:r>
+            <a:endParaRPr lang="en-US" sz="3200" dirty="0"/>
+          </a:p>
+        </p:txBody>
+      </p:sp>
+      <p:sp>
+        <p:nvSpPr>
+          <p:cNvPr id="14" name="TextBox 13"/>
+          <p:cNvSpPr txBox="1"/>
+          <p:nvPr/>
+        </p:nvSpPr>
+        <p:spPr>
+          <a:xfrm>
+            <a:off x="701484" y="321450"/>
+            <a:ext cx="3498325" cy="1077218"/>
+          </a:xfrm>
+          <a:prstGeom prst="rect">
+            <a:avLst/>
+          </a:prstGeom>
+          <a:solidFill>
+            <a:schemeClr val="accent4">
+              <a:lumMod val="60000"/>
+              <a:lumOff val="40000"/>
+            </a:schemeClr>
+          </a:solidFill>
+          <a:scene3d>
+            <a:camera prst="orthographicFront"/>
+            <a:lightRig rig="threePt" dir="t"/>
+          </a:scene3d>
+          <a:sp3d>
+            <a:bevelT/>
+          </a:sp3d>
+        </p:spPr>
+        <p:txBody>
+          <a:bodyPr wrap="square" rtlCol="0">
+            <a:spAutoFit/>
+          </a:bodyPr>
+          <a:lstStyle/>
+          <a:p>
+            <a:pPr algn="ctr"/>
+            <a:r>
+              <a:rPr lang="en-US" sz="3200" dirty="0" smtClean="0"/>
+              <a:t>General purpose</a:t>
+            </a:r>
+          </a:p>
+          <a:p>
+            <a:pPr algn="ctr"/>
+            <a:endParaRPr lang="en-US" sz="3200" dirty="0"/>
+          </a:p>
+        </p:txBody>
+      </p:sp>
+      <p:pic>
+        <p:nvPicPr>
+          <p:cNvPr id="2051" name="Picture 3" descr="D:\data\FH\Bachelorarbeit\svnroot\presentations\BAS_1\bf_wireframe.png"/>
+          <p:cNvPicPr>
+            <a:picLocks noChangeAspect="1" noChangeArrowheads="1"/>
+          </p:cNvPicPr>
+          <p:nvPr/>
+        </p:nvPicPr>
+        <p:blipFill>
+          <a:blip r:embed="rId2" cstate="print">
+            <a:extLst>
+              <a:ext uri="{28A0092B-C50C-407E-A947-70E740481C1C}">
+                <a14:useLocalDpi xmlns:a14="http://schemas.microsoft.com/office/drawing/2010/main" val="0"/>
+              </a:ext>
+            </a:extLst>
+          </a:blip>
+          <a:srcRect/>
+          <a:stretch>
+            <a:fillRect/>
+          </a:stretch>
+        </p:blipFill>
+        <p:spPr bwMode="auto">
+          <a:xfrm rot="240000">
+            <a:off x="5472120" y="1695401"/>
+            <a:ext cx="3330444" cy="1951621"/>
+          </a:xfrm>
+          <a:prstGeom prst="rect">
+            <a:avLst/>
+          </a:prstGeom>
+          <a:solidFill>
+            <a:srgbClr val="FFFFFF">
+              <a:shade val="85000"/>
+            </a:srgbClr>
+          </a:solidFill>
+          <a:ln w="88900" cap="sq">
+            <a:solidFill>
+              <a:srgbClr val="FFFFFF"/>
+            </a:solidFill>
+            <a:miter lim="800000"/>
+          </a:ln>
+          <a:effectLst>
+            <a:outerShdw blurRad="55000" dist="18000" dir="5400000" algn="tl" rotWithShape="0">
+              <a:srgbClr val="000000">
+                <a:alpha val="40000"/>
+              </a:srgbClr>
+            </a:outerShdw>
+          </a:effectLst>
+          <a:scene3d>
+            <a:camera prst="orthographicFront"/>
+            <a:lightRig rig="twoPt" dir="t">
+              <a:rot lat="0" lon="0" rev="7200000"/>
+            </a:lightRig>
+          </a:scene3d>
+          <a:sp3d>
+            <a:bevelT w="25400" h="19050"/>
+            <a:contourClr>
+              <a:srgbClr val="FFFFFF"/>
+            </a:contourClr>
+          </a:sp3d>
+          <a:extLst>
+            <a:ext uri="{909E8E84-426E-40DD-AFC4-6F175D3DCCD1}">
+              <a14:hiddenFill xmlns:a14="http://schemas.microsoft.com/office/drawing/2010/main">
+                <a:solidFill>
+                  <a:srgbClr val="FFFFFF"/>
+                </a:solidFill>
+              </a14:hiddenFill>
+            </a:ext>
+          </a:extLst>
+        </p:spPr>
+      </p:pic>
+      <p:pic>
+        <p:nvPicPr>
+          <p:cNvPr id="2050" name="Picture 2" descr="D:\data\FH\Bachelorarbeit\svnroot\presentations\BAS_1\bf.jpg"/>
+          <p:cNvPicPr>
+            <a:picLocks noChangeAspect="1" noChangeArrowheads="1"/>
+          </p:cNvPicPr>
+          <p:nvPr/>
+        </p:nvPicPr>
+        <p:blipFill>
+          <a:blip r:embed="rId3" cstate="print">
+            <a:extLst>
+              <a:ext uri="{28A0092B-C50C-407E-A947-70E740481C1C}">
+                <a14:useLocalDpi xmlns:a14="http://schemas.microsoft.com/office/drawing/2010/main" val="0"/>
+              </a:ext>
+            </a:extLst>
+          </a:blip>
+          <a:srcRect/>
+          <a:stretch>
+            <a:fillRect/>
+          </a:stretch>
+        </p:blipFill>
+        <p:spPr bwMode="auto">
+          <a:xfrm rot="-180000">
+            <a:off x="4572000" y="2838745"/>
+            <a:ext cx="3373231" cy="1897442"/>
+          </a:xfrm>
+          <a:prstGeom prst="rect">
+            <a:avLst/>
+          </a:prstGeom>
+          <a:solidFill>
+            <a:srgbClr val="FFFFFF">
+              <a:shade val="85000"/>
+            </a:srgbClr>
+          </a:solidFill>
+          <a:ln w="88900" cap="sq">
+            <a:solidFill>
+              <a:srgbClr val="FFFFFF"/>
+            </a:solidFill>
+            <a:miter lim="800000"/>
+          </a:ln>
+          <a:effectLst>
+            <a:outerShdw blurRad="55000" dist="18000" dir="5400000" algn="tl" rotWithShape="0">
+              <a:srgbClr val="000000">
+                <a:alpha val="40000"/>
+              </a:srgbClr>
+            </a:outerShdw>
+          </a:effectLst>
+          <a:scene3d>
+            <a:camera prst="orthographicFront"/>
+            <a:lightRig rig="twoPt" dir="t">
+              <a:rot lat="0" lon="0" rev="7200000"/>
+            </a:lightRig>
+          </a:scene3d>
+          <a:sp3d>
+            <a:bevelT w="25400" h="19050"/>
+            <a:contourClr>
+              <a:srgbClr val="FFFFFF"/>
+            </a:contourClr>
+          </a:sp3d>
+          <a:extLst>
+            <a:ext uri="{909E8E84-426E-40DD-AFC4-6F175D3DCCD1}">
+              <a14:hiddenFill xmlns:a14="http://schemas.microsoft.com/office/drawing/2010/main">
+                <a:solidFill>
+                  <a:srgbClr val="FFFFFF"/>
+                </a:solidFill>
+              </a14:hiddenFill>
+            </a:ext>
+          </a:extLst>
+        </p:spPr>
+      </p:pic>
+      <p:sp>
+        <p:nvSpPr>
+          <p:cNvPr id="166" name="TextBox 165"/>
+          <p:cNvSpPr txBox="1"/>
+          <p:nvPr/>
+        </p:nvSpPr>
+        <p:spPr>
+          <a:xfrm>
+            <a:off x="0" y="4960471"/>
+            <a:ext cx="9144001" cy="184666"/>
+          </a:xfrm>
+          <a:prstGeom prst="rect">
+            <a:avLst/>
+          </a:prstGeom>
+          <a:noFill/>
+        </p:spPr>
+        <p:txBody>
+          <a:bodyPr wrap="square" rtlCol="0">
+            <a:spAutoFit/>
+          </a:bodyPr>
+          <a:lstStyle/>
+          <a:p>
+            <a:pPr algn="ctr"/>
+            <a:r>
+              <a:rPr lang="en-US" sz="600" dirty="0"/>
+              <a:t>http://</a:t>
+            </a:r>
+            <a:r>
+              <a:rPr lang="en-US" sz="600" dirty="0" smtClean="0"/>
+              <a:t>en.wikipedia.org/wiki/File:Matrix_multiplication_diagram_2.svg     http</a:t>
+            </a:r>
+            <a:r>
+              <a:rPr lang="en-US" sz="600" dirty="0"/>
+              <a:t>://www2.gssm.otsuka.tsukuba.ac.jp/staff/kuno/csr08/hint-05.html </a:t>
+            </a:r>
+            <a:r>
+              <a:rPr lang="en-US" sz="600" dirty="0" smtClean="0"/>
+              <a:t>    http</a:t>
+            </a:r>
+            <a:r>
+              <a:rPr lang="en-US" sz="600" dirty="0"/>
+              <a:t>://</a:t>
+            </a:r>
+            <a:r>
+              <a:rPr lang="en-US" sz="600" dirty="0" smtClean="0"/>
+              <a:t>blog.allenthinks.com     http</a:t>
+            </a:r>
+            <a:r>
+              <a:rPr lang="en-US" sz="600" dirty="0"/>
+              <a:t>://www.geforce.com/games-applications/pc-games/battlefield-3</a:t>
+            </a:r>
+          </a:p>
+        </p:txBody>
+      </p:sp>
+      <p:pic>
+        <p:nvPicPr>
+          <p:cNvPr id="2054" name="Picture 6" descr="D:\data\FH\Bachelorarbeit\svnroot\presentations\BAS_1\radixsort.gif"/>
+          <p:cNvPicPr>
+            <a:picLocks noChangeAspect="1" noChangeArrowheads="1"/>
+          </p:cNvPicPr>
+          <p:nvPr/>
+        </p:nvPicPr>
+        <p:blipFill rotWithShape="1">
+          <a:blip r:embed="rId4">
+            <a:extLst>
+              <a:ext uri="{28A0092B-C50C-407E-A947-70E740481C1C}">
+                <a14:useLocalDpi xmlns:a14="http://schemas.microsoft.com/office/drawing/2010/main" val="0"/>
+              </a:ext>
+            </a:extLst>
+          </a:blip>
+          <a:srcRect l="-2132" t="-2475" r="-2330" b="-3458"/>
+          <a:stretch/>
+        </p:blipFill>
+        <p:spPr bwMode="auto">
+          <a:xfrm>
+            <a:off x="611472" y="1554554"/>
+            <a:ext cx="2862035" cy="2112335"/>
+          </a:xfrm>
+          <a:prstGeom prst="rect">
+            <a:avLst/>
+          </a:prstGeom>
+          <a:solidFill>
+            <a:srgbClr val="FFFFFF">
+              <a:shade val="85000"/>
+            </a:srgbClr>
+          </a:solidFill>
+          <a:ln w="88900" cap="sq">
+            <a:solidFill>
+              <a:srgbClr val="FFFFFF"/>
+            </a:solidFill>
+            <a:miter lim="800000"/>
+          </a:ln>
+          <a:effectLst>
+            <a:outerShdw blurRad="55000" dist="18000" dir="5400000" algn="tl" rotWithShape="0">
+              <a:srgbClr val="000000">
+                <a:alpha val="40000"/>
+              </a:srgbClr>
+            </a:outerShdw>
+          </a:effectLst>
+          <a:scene3d>
+            <a:camera prst="orthographicFront"/>
+            <a:lightRig rig="twoPt" dir="t">
+              <a:rot lat="0" lon="0" rev="7200000"/>
+            </a:lightRig>
+          </a:scene3d>
+          <a:sp3d>
+            <a:bevelT w="25400" h="19050"/>
+            <a:contourClr>
+              <a:srgbClr val="FFFFFF"/>
+            </a:contourClr>
+          </a:sp3d>
+          <a:extLst>
+            <a:ext uri="{909E8E84-426E-40DD-AFC4-6F175D3DCCD1}">
+              <a14:hiddenFill xmlns:a14="http://schemas.microsoft.com/office/drawing/2010/main">
+                <a:solidFill>
+                  <a:srgbClr val="FFFFFF"/>
+                </a:solidFill>
+              </a14:hiddenFill>
+            </a:ext>
+          </a:extLst>
+        </p:spPr>
+      </p:pic>
+      <p:pic>
+        <p:nvPicPr>
+          <p:cNvPr id="2055" name="Picture 7" descr="D:\data\FH\Bachelorarbeit\svnroot\presentations\BAS_1\matrix_mul.png"/>
+          <p:cNvPicPr>
+            <a:picLocks noChangeAspect="1" noChangeArrowheads="1"/>
+          </p:cNvPicPr>
+          <p:nvPr/>
+        </p:nvPicPr>
+        <p:blipFill rotWithShape="1">
+          <a:blip r:embed="rId5">
+            <a:extLst>
+              <a:ext uri="{28A0092B-C50C-407E-A947-70E740481C1C}">
+                <a14:useLocalDpi xmlns:a14="http://schemas.microsoft.com/office/drawing/2010/main" val="0"/>
+              </a:ext>
+            </a:extLst>
+          </a:blip>
+          <a:srcRect l="-1590" t="-2588"/>
+          <a:stretch/>
+        </p:blipFill>
+        <p:spPr bwMode="auto">
+          <a:xfrm>
+            <a:off x="1961652" y="2796468"/>
+            <a:ext cx="2148719" cy="1905128"/>
+          </a:xfrm>
+          <a:prstGeom prst="rect">
+            <a:avLst/>
+          </a:prstGeom>
+          <a:solidFill>
+            <a:srgbClr val="FFFFFF">
+              <a:shade val="85000"/>
+            </a:srgbClr>
+          </a:solidFill>
+          <a:ln w="88900" cap="sq">
+            <a:solidFill>
+              <a:srgbClr val="FFFFFF"/>
+            </a:solidFill>
+            <a:miter lim="800000"/>
+          </a:ln>
+          <a:effectLst>
+            <a:outerShdw blurRad="55000" dist="18000" dir="5400000" algn="tl" rotWithShape="0">
+              <a:srgbClr val="000000">
+                <a:alpha val="40000"/>
+              </a:srgbClr>
+            </a:outerShdw>
+          </a:effectLst>
+          <a:scene3d>
+            <a:camera prst="orthographicFront"/>
+            <a:lightRig rig="twoPt" dir="t">
+              <a:rot lat="0" lon="0" rev="7200000"/>
+            </a:lightRig>
+          </a:scene3d>
+          <a:sp3d>
+            <a:bevelT w="25400" h="19050"/>
+            <a:contourClr>
+              <a:srgbClr val="FFFFFF"/>
+            </a:contourClr>
+          </a:sp3d>
+          <a:extLst>
+            <a:ext uri="{909E8E84-426E-40DD-AFC4-6F175D3DCCD1}">
+              <a14:hiddenFill xmlns:a14="http://schemas.microsoft.com/office/drawing/2010/main">
+                <a:solidFill>
+                  <a:srgbClr val="FFFFFF"/>
+                </a:solidFill>
+              </a14:hiddenFill>
+            </a:ext>
+          </a:extLst>
+        </p:spPr>
+      </p:pic>
+      <p:pic>
+        <p:nvPicPr>
+          <p:cNvPr id="2057" name="Picture 9" descr="D:\data\FH\Bachelorarbeit\svnroot\presentations\BAS_1\derp_happy.png"/>
+          <p:cNvPicPr>
+            <a:picLocks noChangeAspect="1" noChangeArrowheads="1"/>
+          </p:cNvPicPr>
+          <p:nvPr/>
+        </p:nvPicPr>
+        <p:blipFill>
+          <a:blip r:embed="rId6" cstate="print">
+            <a:extLst>
+              <a:ext uri="{28A0092B-C50C-407E-A947-70E740481C1C}">
+                <a14:useLocalDpi xmlns:a14="http://schemas.microsoft.com/office/drawing/2010/main" val="0"/>
+              </a:ext>
+            </a:extLst>
+          </a:blip>
+          <a:srcRect/>
+          <a:stretch>
+            <a:fillRect/>
+          </a:stretch>
+        </p:blipFill>
+        <p:spPr bwMode="auto">
+          <a:xfrm>
+            <a:off x="8043961" y="3890539"/>
+            <a:ext cx="938627" cy="932619"/>
+          </a:xfrm>
+          <a:prstGeom prst="rect">
+            <a:avLst/>
+          </a:prstGeom>
+          <a:noFill/>
+          <a:extLst>
+            <a:ext uri="{909E8E84-426E-40DD-AFC4-6F175D3DCCD1}">
+              <a14:hiddenFill xmlns:a14="http://schemas.microsoft.com/office/drawing/2010/main">
+                <a:solidFill>
+                  <a:srgbClr val="FFFFFF"/>
+                </a:solidFill>
+              </a14:hiddenFill>
+            </a:ext>
+          </a:extLst>
+        </p:spPr>
+      </p:pic>
+      <p:pic>
+        <p:nvPicPr>
+          <p:cNvPr id="2058" name="Picture 10" descr="D:\data\FH\Bachelorarbeit\svnroot\presentations\BAS_1\derp_boring.png"/>
+          <p:cNvPicPr>
+            <a:picLocks noChangeAspect="1" noChangeArrowheads="1"/>
+          </p:cNvPicPr>
+          <p:nvPr/>
+        </p:nvPicPr>
+        <p:blipFill>
+          <a:blip r:embed="rId7" cstate="print">
+            <a:extLst>
+              <a:ext uri="{28A0092B-C50C-407E-A947-70E740481C1C}">
+                <a14:useLocalDpi xmlns:a14="http://schemas.microsoft.com/office/drawing/2010/main" val="0"/>
+              </a:ext>
+            </a:extLst>
+          </a:blip>
+          <a:srcRect/>
+          <a:stretch>
+            <a:fillRect/>
+          </a:stretch>
+        </p:blipFill>
+        <p:spPr bwMode="auto">
+          <a:xfrm>
+            <a:off x="603458" y="3888814"/>
+            <a:ext cx="934344" cy="934344"/>
+          </a:xfrm>
+          <a:prstGeom prst="rect">
+            <a:avLst/>
+          </a:prstGeom>
+          <a:noFill/>
+          <a:extLst>
+            <a:ext uri="{909E8E84-426E-40DD-AFC4-6F175D3DCCD1}">
+              <a14:hiddenFill xmlns:a14="http://schemas.microsoft.com/office/drawing/2010/main">
+                <a:solidFill>
+                  <a:srgbClr val="FFFFFF"/>
+                </a:solidFill>
+              </a14:hiddenFill>
+            </a:ext>
+          </a:extLst>
+        </p:spPr>
+      </p:pic>
+      <p:sp>
+        <p:nvSpPr>
+          <p:cNvPr id="167" name="TextBox 166"/>
+          <p:cNvSpPr txBox="1"/>
+          <p:nvPr/>
+        </p:nvSpPr>
+        <p:spPr>
+          <a:xfrm>
+            <a:off x="3378173" y="983169"/>
+            <a:ext cx="2387654" cy="830997"/>
+          </a:xfrm>
+          <a:prstGeom prst="rect">
+            <a:avLst/>
+          </a:prstGeom>
+          <a:solidFill>
+            <a:schemeClr val="accent2">
+              <a:lumMod val="60000"/>
+              <a:lumOff val="40000"/>
+            </a:schemeClr>
+          </a:solidFill>
+          <a:scene3d>
+            <a:camera prst="orthographicFront"/>
+            <a:lightRig rig="threePt" dir="t"/>
+          </a:scene3d>
+          <a:sp3d>
+            <a:bevelT/>
+          </a:sp3d>
+        </p:spPr>
+        <p:txBody>
+          <a:bodyPr wrap="square" rtlCol="0">
+            <a:spAutoFit/>
+          </a:bodyPr>
+          <a:lstStyle/>
+          <a:p>
+            <a:pPr algn="ctr"/>
+            <a:r>
+              <a:rPr lang="en-US" sz="4800" dirty="0"/>
+              <a:t>GPGPU</a:t>
+            </a:r>
+            <a:endParaRPr lang="en-US" sz="4800" dirty="0"/>
+          </a:p>
+        </p:txBody>
+      </p:sp>
+    </p:spTree>
+    <p:extLst>
+      <p:ext uri="{BB962C8B-B14F-4D97-AF65-F5344CB8AC3E}">
+        <p14:creationId xmlns:p14="http://schemas.microsoft.com/office/powerpoint/2010/main" val="4060906036"/>
+      </p:ext>
+    </p:extLst>
+  </p:cSld>
+  <p:clrMapOvr>
+    <a:masterClrMapping/>
+  </p:clrMapOvr>
+  <p:timing>
+    <p:tnLst>
+      <p:par>
+        <p:cTn id="1" dur="indefinite" restart="never" nodeType="tmRoot">
+          <p:childTnLst>
+            <p:seq concurrent="1" nextAc="seek">
+              <p:cTn id="2" dur="indefinite" nodeType="mainSeq">
+                <p:childTnLst>
+                  <p:par>
+                    <p:cTn id="3" fill="hold">
+                      <p:stCondLst>
+                        <p:cond delay="indefinite"/>
+                      </p:stCondLst>
+                      <p:childTnLst>
+                        <p:par>
+                          <p:cTn id="4" fill="hold">
+                            <p:stCondLst>
+                              <p:cond delay="0"/>
+                            </p:stCondLst>
+                            <p:childTnLst>
+                              <p:par>
+                                <p:cTn id="5" presetID="10" presetClass="entr" presetSubtype="0" fill="hold" grpId="0" nodeType="clickEffect">
+                                  <p:stCondLst>
+                                    <p:cond delay="0"/>
+                                  </p:stCondLst>
+                                  <p:childTnLst>
+                                    <p:set>
+                                      <p:cBhvr>
+                                        <p:cTn id="6" dur="1" fill="hold">
+                                          <p:stCondLst>
+                                            <p:cond delay="0"/>
+                                          </p:stCondLst>
+                                        </p:cTn>
+                                        <p:tgtEl>
+                                          <p:spTgt spid="14"/>
+                                        </p:tgtEl>
+                                        <p:attrNameLst>
+                                          <p:attrName>style.visibility</p:attrName>
+                                        </p:attrNameLst>
+                                      </p:cBhvr>
+                                      <p:to>
+                                        <p:strVal val="visible"/>
+                                      </p:to>
+                                    </p:set>
+                                    <p:animEffect transition="in" filter="fade">
+                                      <p:cBhvr>
+                                        <p:cTn id="7" dur="500"/>
+                                        <p:tgtEl>
+                                          <p:spTgt spid="14"/>
+                                        </p:tgtEl>
+                                      </p:cBhvr>
+                                    </p:animEffect>
+                                  </p:childTnLst>
+                                </p:cTn>
+                              </p:par>
+                              <p:par>
+                                <p:cTn id="8" presetID="10" presetClass="entr" presetSubtype="0" fill="hold" nodeType="withEffect">
+                                  <p:stCondLst>
+                                    <p:cond delay="0"/>
+                                  </p:stCondLst>
+                                  <p:childTnLst>
+                                    <p:set>
+                                      <p:cBhvr>
+                                        <p:cTn id="9" dur="1" fill="hold">
+                                          <p:stCondLst>
+                                            <p:cond delay="0"/>
+                                          </p:stCondLst>
+                                        </p:cTn>
+                                        <p:tgtEl>
+                                          <p:spTgt spid="2054"/>
+                                        </p:tgtEl>
+                                        <p:attrNameLst>
+                                          <p:attrName>style.visibility</p:attrName>
+                                        </p:attrNameLst>
+                                      </p:cBhvr>
+                                      <p:to>
+                                        <p:strVal val="visible"/>
+                                      </p:to>
+                                    </p:set>
+                                    <p:animEffect transition="in" filter="fade">
+                                      <p:cBhvr>
+                                        <p:cTn id="10" dur="500"/>
+                                        <p:tgtEl>
+                                          <p:spTgt spid="2054"/>
+                                        </p:tgtEl>
+                                      </p:cBhvr>
+                                    </p:animEffect>
+                                  </p:childTnLst>
+                                </p:cTn>
+                              </p:par>
+                              <p:par>
+                                <p:cTn id="11" presetID="10" presetClass="entr" presetSubtype="0" fill="hold" nodeType="withEffect">
+                                  <p:stCondLst>
+                                    <p:cond delay="0"/>
+                                  </p:stCondLst>
+                                  <p:childTnLst>
+                                    <p:set>
+                                      <p:cBhvr>
+                                        <p:cTn id="12" dur="1" fill="hold">
+                                          <p:stCondLst>
+                                            <p:cond delay="0"/>
+                                          </p:stCondLst>
+                                        </p:cTn>
+                                        <p:tgtEl>
+                                          <p:spTgt spid="2055"/>
+                                        </p:tgtEl>
+                                        <p:attrNameLst>
+                                          <p:attrName>style.visibility</p:attrName>
+                                        </p:attrNameLst>
+                                      </p:cBhvr>
+                                      <p:to>
+                                        <p:strVal val="visible"/>
+                                      </p:to>
+                                    </p:set>
+                                    <p:animEffect transition="in" filter="fade">
+                                      <p:cBhvr>
+                                        <p:cTn id="13" dur="500"/>
+                                        <p:tgtEl>
+                                          <p:spTgt spid="2055"/>
+                                        </p:tgtEl>
+                                      </p:cBhvr>
+                                    </p:animEffect>
+                                  </p:childTnLst>
+                                </p:cTn>
+                              </p:par>
+                              <p:par>
+                                <p:cTn id="14" presetID="10" presetClass="entr" presetSubtype="0" fill="hold" nodeType="withEffect">
+                                  <p:stCondLst>
+                                    <p:cond delay="0"/>
+                                  </p:stCondLst>
+                                  <p:childTnLst>
+                                    <p:set>
+                                      <p:cBhvr>
+                                        <p:cTn id="15" dur="1" fill="hold">
+                                          <p:stCondLst>
+                                            <p:cond delay="0"/>
+                                          </p:stCondLst>
+                                        </p:cTn>
+                                        <p:tgtEl>
+                                          <p:spTgt spid="2058"/>
+                                        </p:tgtEl>
+                                        <p:attrNameLst>
+                                          <p:attrName>style.visibility</p:attrName>
+                                        </p:attrNameLst>
+                                      </p:cBhvr>
+                                      <p:to>
+                                        <p:strVal val="visible"/>
+                                      </p:to>
+                                    </p:set>
+                                    <p:animEffect transition="in" filter="fade">
+                                      <p:cBhvr>
+                                        <p:cTn id="16" dur="500"/>
+                                        <p:tgtEl>
+                                          <p:spTgt spid="2058"/>
+                                        </p:tgtEl>
+                                      </p:cBhvr>
+                                    </p:animEffect>
+                                  </p:childTnLst>
+                                </p:cTn>
+                              </p:par>
+                            </p:childTnLst>
+                          </p:cTn>
+                        </p:par>
+                      </p:childTnLst>
+                    </p:cTn>
+                  </p:par>
+                  <p:par>
+                    <p:cTn id="17" fill="hold">
+                      <p:stCondLst>
+                        <p:cond delay="indefinite"/>
+                      </p:stCondLst>
+                      <p:childTnLst>
+                        <p:par>
+                          <p:cTn id="18" fill="hold">
+                            <p:stCondLst>
+                              <p:cond delay="0"/>
+                            </p:stCondLst>
+                            <p:childTnLst>
+                              <p:par>
+                                <p:cTn id="19" presetID="10" presetClass="entr" presetSubtype="0" fill="hold" grpId="0" nodeType="clickEffect">
+                                  <p:stCondLst>
+                                    <p:cond delay="0"/>
+                                  </p:stCondLst>
+                                  <p:childTnLst>
+                                    <p:set>
+                                      <p:cBhvr>
+                                        <p:cTn id="20" dur="1" fill="hold">
+                                          <p:stCondLst>
+                                            <p:cond delay="0"/>
+                                          </p:stCondLst>
+                                        </p:cTn>
+                                        <p:tgtEl>
+                                          <p:spTgt spid="167"/>
+                                        </p:tgtEl>
+                                        <p:attrNameLst>
+                                          <p:attrName>style.visibility</p:attrName>
+                                        </p:attrNameLst>
+                                      </p:cBhvr>
+                                      <p:to>
+                                        <p:strVal val="visible"/>
+                                      </p:to>
+                                    </p:set>
+                                    <p:animEffect transition="in" filter="fade">
+                                      <p:cBhvr>
+                                        <p:cTn id="21" dur="500"/>
+                                        <p:tgtEl>
+                                          <p:spTgt spid="167"/>
+                                        </p:tgtEl>
+                                      </p:cBhvr>
+                                    </p:animEffect>
+                                  </p:childTnLst>
+                                </p:cTn>
+                              </p:par>
+                            </p:childTnLst>
+                          </p:cTn>
+                        </p:par>
+                      </p:childTnLst>
+                    </p:cTn>
+                  </p:par>
+                </p:childTnLst>
+              </p:cTn>
+              <p:prevCondLst>
+                <p:cond evt="onPrev" delay="0">
+                  <p:tgtEl>
+                    <p:sldTgt/>
+                  </p:tgtEl>
+                </p:cond>
+              </p:prevCondLst>
+              <p:nextCondLst>
+                <p:cond evt="onNext" delay="0">
+                  <p:tgtEl>
+                    <p:sldTgt/>
+                  </p:tgtEl>
+                </p:cond>
+              </p:nextCondLst>
+            </p:seq>
+          </p:childTnLst>
+        </p:cTn>
+      </p:par>
+    </p:tnLst>
+    <p:bldLst>
+      <p:bldP spid="14" grpId="0" animBg="1"/>
+      <p:bldP spid="167" grpId="0" animBg="1"/>
+    </p:bldLst>
+  </p:timing>
+</p:sld>
+</file>
+
+<file path=ppt/slides/slide3.xml><?xml version="1.0" encoding="utf-8"?>
+<p:sld xmlns:a="http://schemas.openxmlformats.org/drawingml/2006/main" xmlns:r="http://schemas.openxmlformats.org/officeDocument/2006/relationships" xmlns:p="http://schemas.openxmlformats.org/presentationml/2006/main">
+  <p:cSld>
+    <p:spTree>
+      <p:nvGrpSpPr>
+        <p:cNvPr id="1" name=""/>
+        <p:cNvGrpSpPr/>
+        <p:nvPr/>
+      </p:nvGrpSpPr>
+      <p:grpSpPr>
+        <a:xfrm>
+          <a:off x="0" y="0"/>
+          <a:ext cx="0" cy="0"/>
+          <a:chOff x="0" y="0"/>
+          <a:chExt cx="0" cy="0"/>
+        </a:xfrm>
+      </p:grpSpPr>
+      <p:pic>
+        <p:nvPicPr>
+          <p:cNvPr id="3074" name="Picture 2" descr="D:\data\FH\Bachelorarbeit\svnroot\presentations\BAS_1\opencl_logo.jpg"/>
+          <p:cNvPicPr>
+            <a:picLocks noChangeAspect="1" noChangeArrowheads="1"/>
+          </p:cNvPicPr>
+          <p:nvPr/>
+        </p:nvPicPr>
+        <p:blipFill>
+          <a:blip r:embed="rId2">
+            <a:extLst>
+              <a:ext uri="{28A0092B-C50C-407E-A947-70E740481C1C}">
+                <a14:useLocalDpi xmlns:a14="http://schemas.microsoft.com/office/drawing/2010/main" val="0"/>
+              </a:ext>
+            </a:extLst>
+          </a:blip>
+          <a:srcRect/>
+          <a:stretch>
+            <a:fillRect/>
+          </a:stretch>
+        </p:blipFill>
+        <p:spPr bwMode="auto">
+          <a:xfrm>
+            <a:off x="2861772" y="771510"/>
+            <a:ext cx="3240520" cy="3240519"/>
+          </a:xfrm>
+          <a:prstGeom prst="rect">
+            <a:avLst/>
+          </a:prstGeom>
+          <a:noFill/>
+          <a:extLst>
+            <a:ext uri="{909E8E84-426E-40DD-AFC4-6F175D3DCCD1}">
+              <a14:hiddenFill xmlns:a14="http://schemas.microsoft.com/office/drawing/2010/main">
+                <a:solidFill>
+                  <a:srgbClr val="FFFFFF"/>
+                </a:solidFill>
+              </a14:hiddenFill>
+            </a:ext>
+          </a:extLst>
+        </p:spPr>
+      </p:pic>
+    </p:spTree>
+    <p:extLst>
+      <p:ext uri="{BB962C8B-B14F-4D97-AF65-F5344CB8AC3E}">
+        <p14:creationId xmlns:p14="http://schemas.microsoft.com/office/powerpoint/2010/main" val="1575987982"/>
+      </p:ext>
+    </p:extLst>
+  </p:cSld>
+  <p:clrMapOvr>
+    <a:masterClrMapping/>
+  </p:clrMapOvr>
+  <p:timing>
+    <p:tnLst>
+      <p:par>
+        <p:cTn id="1" dur="indefinite" restart="never" nodeType="tmRoot"/>
+      </p:par>
+    </p:tnLst>
+  </p:timing>
+</p:sld>
+</file>
+
+<file path=ppt/slides/slide4.xml><?xml version="1.0" encoding="utf-8"?>
+<p:sld xmlns:a="http://schemas.openxmlformats.org/drawingml/2006/main" xmlns:r="http://schemas.openxmlformats.org/officeDocument/2006/relationships" xmlns:p="http://schemas.openxmlformats.org/presentationml/2006/main">
+  <p:cSld>
+    <p:spTree>
+      <p:nvGrpSpPr>
+        <p:cNvPr id="1" name=""/>
+        <p:cNvGrpSpPr/>
+        <p:nvPr/>
+      </p:nvGrpSpPr>
+      <p:grpSpPr>
+        <a:xfrm>
+          <a:off x="0" y="0"/>
+          <a:ext cx="0" cy="0"/>
+          <a:chOff x="0" y="0"/>
+          <a:chExt cx="0" cy="0"/>
+        </a:xfrm>
+      </p:grpSpPr>
+      <p:sp>
+        <p:nvSpPr>
+          <p:cNvPr id="2" name="Title 1"/>
+          <p:cNvSpPr>
+            <a:spLocks noGrp="1"/>
+          </p:cNvSpPr>
+          <p:nvPr>
+            <p:ph type="title"/>
+          </p:nvPr>
+        </p:nvSpPr>
+        <p:spPr/>
+        <p:txBody>
+          <a:bodyPr/>
+          <a:lstStyle/>
+          <a:p>
+            <a:r>
+              <a:rPr lang="en-US" dirty="0" smtClean="0"/>
+              <a:t>Hardware</a:t>
+            </a:r>
+            <a:endParaRPr lang="en-US" dirty="0"/>
+          </a:p>
+        </p:txBody>
+      </p:sp>
+      <p:sp>
+        <p:nvSpPr>
+          <p:cNvPr id="3" name="Content Placeholder 2"/>
+          <p:cNvSpPr>
+            <a:spLocks noGrp="1"/>
+          </p:cNvSpPr>
+          <p:nvPr>
+            <p:ph idx="1"/>
+          </p:nvPr>
+        </p:nvSpPr>
+        <p:spPr/>
+        <p:txBody>
+          <a:bodyPr/>
+          <a:lstStyle/>
+          <a:p>
+            <a:endParaRPr lang="en-US"/>
+          </a:p>
+        </p:txBody>
+      </p:sp>
+    </p:spTree>
+    <p:extLst>
+      <p:ext uri="{BB962C8B-B14F-4D97-AF65-F5344CB8AC3E}">
+        <p14:creationId xmlns:p14="http://schemas.microsoft.com/office/powerpoint/2010/main" val="1070959989"/>
+      </p:ext>
+    </p:extLst>
+  </p:cSld>
+  <p:clrMapOvr>
+    <a:masterClrMapping/>
+  </p:clrMapOvr>
+  <p:timing>
+    <p:tnLst>
+      <p:par>
+        <p:cTn id="1" dur="indefinite" restart="never" nodeType="tmRoot"/>
+      </p:par>
+    </p:tnLst>
+  </p:timing>
+</p:sld>
+</file>
+
+<file path=ppt/slides/slide5.xml><?xml version="1.0" encoding="utf-8"?>
+<p:sld xmlns:a="http://schemas.openxmlformats.org/drawingml/2006/main" xmlns:r="http://schemas.openxmlformats.org/officeDocument/2006/relationships" xmlns:p="http://schemas.openxmlformats.org/presentationml/2006/main">
+  <p:cSld>
+    <p:spTree>
+      <p:nvGrpSpPr>
+        <p:cNvPr id="1" name=""/>
+        <p:cNvGrpSpPr/>
+        <p:nvPr/>
+      </p:nvGrpSpPr>
+      <p:grpSpPr>
+        <a:xfrm>
+          <a:off x="0" y="0"/>
+          <a:ext cx="0" cy="0"/>
+          <a:chOff x="0" y="0"/>
+          <a:chExt cx="0" cy="0"/>
+        </a:xfrm>
+      </p:grpSpPr>
+      <p:sp>
+        <p:nvSpPr>
+          <p:cNvPr id="2" name="Title 1"/>
+          <p:cNvSpPr>
+            <a:spLocks noGrp="1"/>
+          </p:cNvSpPr>
+          <p:nvPr>
+            <p:ph type="title"/>
+          </p:nvPr>
+        </p:nvSpPr>
+        <p:spPr/>
+        <p:txBody>
+          <a:bodyPr/>
+          <a:lstStyle/>
+          <a:p>
+            <a:r>
+              <a:rPr lang="de-AT" dirty="0" err="1" smtClean="0"/>
+              <a:t>Algorithms</a:t>
+            </a:r>
+            <a:endParaRPr lang="de-AT" dirty="0"/>
+          </a:p>
+        </p:txBody>
+      </p:sp>
+      <p:sp>
+        <p:nvSpPr>
+          <p:cNvPr id="3" name="Content Placeholder 2"/>
+          <p:cNvSpPr>
+            <a:spLocks noGrp="1"/>
+          </p:cNvSpPr>
+          <p:nvPr>
+            <p:ph idx="1"/>
+          </p:nvPr>
+        </p:nvSpPr>
+        <p:spPr/>
+        <p:txBody>
+          <a:bodyPr/>
+          <a:lstStyle/>
+          <a:p>
+            <a:r>
+              <a:rPr lang="de-AT" dirty="0" err="1" smtClean="0"/>
+              <a:t>Sort</a:t>
+            </a:r>
+            <a:endParaRPr lang="de-AT" dirty="0" smtClean="0"/>
+          </a:p>
+          <a:p>
+            <a:r>
+              <a:rPr lang="de-AT" dirty="0" smtClean="0"/>
+              <a:t>Scan</a:t>
+            </a:r>
+          </a:p>
+          <a:p>
+            <a:r>
+              <a:rPr lang="de-AT" dirty="0" smtClean="0"/>
+              <a:t>Matrix </a:t>
+            </a:r>
+            <a:r>
+              <a:rPr lang="de-AT" dirty="0" err="1" smtClean="0"/>
+              <a:t>multiplication</a:t>
+            </a:r>
+            <a:endParaRPr lang="de-AT" dirty="0"/>
+          </a:p>
+        </p:txBody>
+      </p:sp>
+    </p:spTree>
+    <p:extLst>
+      <p:ext uri="{BB962C8B-B14F-4D97-AF65-F5344CB8AC3E}">
+        <p14:creationId xmlns:p14="http://schemas.microsoft.com/office/powerpoint/2010/main" val="371516940"/>
+      </p:ext>
+    </p:extLst>
+  </p:cSld>
+  <p:clrMapOvr>
+    <a:masterClrMapping/>
+  </p:clrMapOvr>
+  <p:timing>
+    <p:tnLst>
+      <p:par>
+        <p:cTn id="1" dur="indefinite" restart="never" nodeType="tmRoot"/>
+      </p:par>
+    </p:tnLst>
+  </p:timing>
+</p:sld>
+</file>
+
+<file path=ppt/slides/slide6.xml><?xml version="1.0" encoding="utf-8"?>
+<p:sld xmlns:a="http://schemas.openxmlformats.org/drawingml/2006/main" xmlns:r="http://schemas.openxmlformats.org/officeDocument/2006/relationships" xmlns:p="http://schemas.openxmlformats.org/presentationml/2006/main">
+  <p:cSld>
+    <p:spTree>
+      <p:nvGrpSpPr>
+        <p:cNvPr id="1" name=""/>
+        <p:cNvGrpSpPr/>
+        <p:nvPr/>
+      </p:nvGrpSpPr>
+      <p:grpSpPr>
+        <a:xfrm>
+          <a:off x="0" y="0"/>
+          <a:ext cx="0" cy="0"/>
+          <a:chOff x="0" y="0"/>
+          <a:chExt cx="0" cy="0"/>
+        </a:xfrm>
+      </p:grpSpPr>
+      <p:sp>
+        <p:nvSpPr>
+          <p:cNvPr id="2" name="Title 1"/>
+          <p:cNvSpPr>
+            <a:spLocks noGrp="1"/>
+          </p:cNvSpPr>
+          <p:nvPr>
+            <p:ph type="title"/>
+          </p:nvPr>
+        </p:nvSpPr>
+        <p:spPr/>
+        <p:txBody>
+          <a:bodyPr/>
+          <a:lstStyle/>
+          <a:p>
+            <a:r>
+              <a:rPr lang="de-AT" dirty="0" err="1" smtClean="0"/>
+              <a:t>Sort</a:t>
+            </a:r>
+            <a:endParaRPr lang="de-AT" dirty="0"/>
+          </a:p>
+        </p:txBody>
+      </p:sp>
+      <p:sp>
+        <p:nvSpPr>
+          <p:cNvPr id="3" name="Content Placeholder 2"/>
+          <p:cNvSpPr>
+            <a:spLocks noGrp="1"/>
+          </p:cNvSpPr>
+          <p:nvPr>
+            <p:ph idx="1"/>
+          </p:nvPr>
+        </p:nvSpPr>
+        <p:spPr/>
+        <p:txBody>
+          <a:bodyPr/>
+          <a:lstStyle/>
+          <a:p>
+            <a:endParaRPr lang="de-AT" dirty="0"/>
+          </a:p>
+        </p:txBody>
+      </p:sp>
+    </p:spTree>
+    <p:extLst>
+      <p:ext uri="{BB962C8B-B14F-4D97-AF65-F5344CB8AC3E}">
+        <p14:creationId xmlns:p14="http://schemas.microsoft.com/office/powerpoint/2010/main" val="1608754944"/>
+      </p:ext>
+    </p:extLst>
+  </p:cSld>
+  <p:clrMapOvr>
+    <a:masterClrMapping/>
+  </p:clrMapOvr>
+  <p:timing>
+    <p:tnLst>
+      <p:par>
+        <p:cTn id="1" dur="indefinite" restart="never" nodeType="tmRoot"/>
+      </p:par>
+    </p:tnLst>
+  </p:timing>
+</p:sld>
+</file>
+
+<file path=ppt/slides/slide7.xml><?xml version="1.0" encoding="utf-8"?>
+<p:sld xmlns:a="http://schemas.openxmlformats.org/drawingml/2006/main" xmlns:r="http://schemas.openxmlformats.org/officeDocument/2006/relationships" xmlns:p="http://schemas.openxmlformats.org/presentationml/2006/main">
+  <p:cSld>
+    <p:spTree>
+      <p:nvGrpSpPr>
+        <p:cNvPr id="1" name=""/>
+        <p:cNvGrpSpPr/>
+        <p:nvPr/>
+      </p:nvGrpSpPr>
+      <p:grpSpPr>
+        <a:xfrm>
+          <a:off x="0" y="0"/>
+          <a:ext cx="0" cy="0"/>
+          <a:chOff x="0" y="0"/>
+          <a:chExt cx="0" cy="0"/>
+        </a:xfrm>
+      </p:grpSpPr>
+      <p:sp>
+        <p:nvSpPr>
+          <p:cNvPr id="2" name="Title 1"/>
+          <p:cNvSpPr>
+            <a:spLocks noGrp="1"/>
+          </p:cNvSpPr>
+          <p:nvPr>
+            <p:ph type="title"/>
+          </p:nvPr>
+        </p:nvSpPr>
+        <p:spPr/>
+        <p:txBody>
+          <a:bodyPr/>
+          <a:lstStyle/>
+          <a:p>
+            <a:r>
+              <a:rPr lang="de-AT" dirty="0" smtClean="0"/>
+              <a:t>Scan</a:t>
+            </a:r>
+            <a:endParaRPr lang="de-AT" dirty="0"/>
+          </a:p>
+        </p:txBody>
+      </p:sp>
+      <p:sp>
+        <p:nvSpPr>
+          <p:cNvPr id="3" name="Content Placeholder 2"/>
+          <p:cNvSpPr>
+            <a:spLocks noGrp="1"/>
+          </p:cNvSpPr>
+          <p:nvPr>
+            <p:ph idx="1"/>
+          </p:nvPr>
+        </p:nvSpPr>
+        <p:spPr/>
+        <p:txBody>
+          <a:bodyPr/>
+          <a:lstStyle/>
+          <a:p>
+            <a:endParaRPr lang="de-AT"/>
+          </a:p>
+        </p:txBody>
+      </p:sp>
+    </p:spTree>
+    <p:extLst>
+      <p:ext uri="{BB962C8B-B14F-4D97-AF65-F5344CB8AC3E}">
+        <p14:creationId xmlns:p14="http://schemas.microsoft.com/office/powerpoint/2010/main" val="3979678495"/>
+      </p:ext>
+    </p:extLst>
+  </p:cSld>
+  <p:clrMapOvr>
+    <a:masterClrMapping/>
+  </p:clrMapOvr>
+</p:sld>
+</file>
+
+<file path=ppt/slides/slide8.xml><?xml version="1.0" encoding="utf-8"?>
+<p:sld xmlns:a="http://schemas.openxmlformats.org/drawingml/2006/main" xmlns:r="http://schemas.openxmlformats.org/officeDocument/2006/relationships" xmlns:p="http://schemas.openxmlformats.org/presentationml/2006/main">
+  <p:cSld>
+    <p:spTree>
+      <p:nvGrpSpPr>
+        <p:cNvPr id="1" name=""/>
+        <p:cNvGrpSpPr/>
+        <p:nvPr/>
+      </p:nvGrpSpPr>
+      <p:grpSpPr>
+        <a:xfrm>
+          <a:off x="0" y="0"/>
+          <a:ext cx="0" cy="0"/>
+          <a:chOff x="0" y="0"/>
+          <a:chExt cx="0" cy="0"/>
+        </a:xfrm>
+      </p:grpSpPr>
+      <p:sp>
+        <p:nvSpPr>
+          <p:cNvPr id="2" name="Title 1"/>
+          <p:cNvSpPr>
+            <a:spLocks noGrp="1"/>
+          </p:cNvSpPr>
+          <p:nvPr>
+            <p:ph type="title"/>
+          </p:nvPr>
+        </p:nvSpPr>
+        <p:spPr/>
+        <p:txBody>
+          <a:bodyPr>
+            <a:normAutofit/>
+          </a:bodyPr>
+          <a:lstStyle/>
+          <a:p>
+            <a:r>
+              <a:rPr lang="de-AT" dirty="0" smtClean="0"/>
+              <a:t>Matrix </a:t>
+            </a:r>
+            <a:r>
+              <a:rPr lang="de-AT" dirty="0" err="1" smtClean="0"/>
+              <a:t>multiplication</a:t>
+            </a:r>
+            <a:r>
+              <a:rPr lang="de-AT" dirty="0" smtClean="0"/>
+              <a:t> (large)</a:t>
+            </a:r>
+            <a:endParaRPr lang="de-AT" dirty="0"/>
+          </a:p>
+        </p:txBody>
+      </p:sp>
+      <p:sp>
+        <p:nvSpPr>
+          <p:cNvPr id="3" name="Content Placeholder 2"/>
+          <p:cNvSpPr>
+            <a:spLocks noGrp="1"/>
+          </p:cNvSpPr>
+          <p:nvPr>
+            <p:ph idx="1"/>
+          </p:nvPr>
+        </p:nvSpPr>
+        <p:spPr/>
+        <p:txBody>
+          <a:bodyPr/>
+          <a:lstStyle/>
+          <a:p>
+            <a:endParaRPr lang="de-AT"/>
+          </a:p>
+        </p:txBody>
+      </p:sp>
+    </p:spTree>
+    <p:extLst>
+      <p:ext uri="{BB962C8B-B14F-4D97-AF65-F5344CB8AC3E}">
+        <p14:creationId xmlns:p14="http://schemas.microsoft.com/office/powerpoint/2010/main" val="595515649"/>
+      </p:ext>
+    </p:extLst>
+  </p:cSld>
+  <p:clrMapOvr>
+    <a:masterClrMapping/>
+  </p:clrMapOvr>
+</p:sld>
+</file>
+
+<file path=ppt/slides/slide9.xml><?xml version="1.0" encoding="utf-8"?>
+<p:sld xmlns:a="http://schemas.openxmlformats.org/drawingml/2006/main" xmlns:r="http://schemas.openxmlformats.org/officeDocument/2006/relationships" xmlns:p="http://schemas.openxmlformats.org/presentationml/2006/main">
+  <p:cSld>
+    <p:spTree>
+      <p:nvGrpSpPr>
+        <p:cNvPr id="1" name=""/>
+        <p:cNvGrpSpPr/>
+        <p:nvPr/>
+      </p:nvGrpSpPr>
+      <p:grpSpPr>
+        <a:xfrm>
+          <a:off x="0" y="0"/>
+          <a:ext cx="0" cy="0"/>
+          <a:chOff x="0" y="0"/>
+          <a:chExt cx="0" cy="0"/>
+        </a:xfrm>
+      </p:grpSpPr>
+      <p:sp>
+        <p:nvSpPr>
+          <p:cNvPr id="2" name="Title 1"/>
+          <p:cNvSpPr>
+            <a:spLocks noGrp="1"/>
+          </p:cNvSpPr>
+          <p:nvPr>
+            <p:ph type="title"/>
+          </p:nvPr>
+        </p:nvSpPr>
+        <p:spPr/>
+        <p:txBody>
+          <a:bodyPr>
+            <a:normAutofit/>
+          </a:bodyPr>
+          <a:lstStyle/>
+          <a:p>
+            <a:r>
+              <a:rPr lang="de-AT" dirty="0" smtClean="0"/>
+              <a:t>Matrix </a:t>
+            </a:r>
+            <a:r>
+              <a:rPr lang="de-AT" dirty="0" err="1" smtClean="0"/>
+              <a:t>multiplication</a:t>
+            </a:r>
+            <a:r>
+              <a:rPr lang="de-AT" dirty="0" smtClean="0"/>
+              <a:t> (</a:t>
+            </a:r>
+            <a:r>
+              <a:rPr lang="de-AT" dirty="0" err="1" smtClean="0"/>
+              <a:t>many</a:t>
+            </a:r>
+            <a:r>
+              <a:rPr lang="de-AT" dirty="0" smtClean="0"/>
+              <a:t>)</a:t>
+            </a:r>
+            <a:endParaRPr lang="de-AT" dirty="0"/>
+          </a:p>
+        </p:txBody>
+      </p:sp>
+      <p:sp>
+        <p:nvSpPr>
+          <p:cNvPr id="3" name="Content Placeholder 2"/>
+          <p:cNvSpPr>
+            <a:spLocks noGrp="1"/>
+          </p:cNvSpPr>
+          <p:nvPr>
+            <p:ph idx="1"/>
+          </p:nvPr>
+        </p:nvSpPr>
+        <p:spPr/>
+        <p:txBody>
+          <a:bodyPr/>
+          <a:lstStyle/>
+          <a:p>
+            <a:endParaRPr lang="de-AT"/>
+          </a:p>
+        </p:txBody>
+      </p:sp>
+    </p:spTree>
+    <p:extLst>
+      <p:ext uri="{BB962C8B-B14F-4D97-AF65-F5344CB8AC3E}">
+        <p14:creationId xmlns:p14="http://schemas.microsoft.com/office/powerpoint/2010/main" val="157039865"/>
+      </p:ext>
+    </p:extLst>
+  </p:cSld>
+  <p:clrMapOvr>
+    <a:masterClrMapping/>
+  </p:clrMapOvr>
+</p:sld>
+</file>
+
 <file path=ppt/theme/theme1.xml><?xml version="1.0" encoding="utf-8"?>
 <a:theme xmlns:a="http://schemas.openxmlformats.org/drawingml/2006/main" name="Office Theme">
   <a:themeElements>
@@ -3114,6 +5508,7 @@
         <a:font script="Mong" typeface="Mongolian Baiti"/>
         <a:font script="Viet" typeface="Times New Roman"/>
         <a:font script="Uigh" typeface="Microsoft Uighur"/>
+        <a:font script="Geor" typeface="Sylfaen"/>
       </a:majorFont>
       <a:minorFont>
         <a:latin typeface="Calibri"/>
@@ -3148,6 +5543,292 @@
         <a:font script="Mong" typeface="Mongolian Baiti"/>
         <a:font script="Viet" typeface="Arial"/>
         <a:font script="Uigh" typeface="Microsoft Uighur"/>
+        <a:font script="Geor" typeface="Sylfaen"/>
+      </a:minorFont>
+    </a:fontScheme>
+    <a:fmtScheme name="Office">
+      <a:fillStyleLst>
+        <a:solidFill>
+          <a:schemeClr val="phClr"/>
+        </a:solidFill>
+        <a:gradFill rotWithShape="1">
+          <a:gsLst>
+            <a:gs pos="0">
+              <a:schemeClr val="phClr">
+                <a:tint val="50000"/>
+                <a:satMod val="300000"/>
+              </a:schemeClr>
+            </a:gs>
+            <a:gs pos="35000">
+              <a:schemeClr val="phClr">
+                <a:tint val="37000"/>
+                <a:satMod val="300000"/>
+              </a:schemeClr>
+            </a:gs>
+            <a:gs pos="100000">
+              <a:schemeClr val="phClr">
+                <a:tint val="15000"/>
+                <a:satMod val="350000"/>
+              </a:schemeClr>
+            </a:gs>
+          </a:gsLst>
+          <a:lin ang="16200000" scaled="1"/>
+        </a:gradFill>
+        <a:gradFill rotWithShape="1">
+          <a:gsLst>
+            <a:gs pos="0">
+              <a:schemeClr val="phClr">
+                <a:shade val="51000"/>
+                <a:satMod val="130000"/>
+              </a:schemeClr>
+            </a:gs>
+            <a:gs pos="80000">
+              <a:schemeClr val="phClr">
+                <a:shade val="93000"/>
+                <a:satMod val="130000"/>
+              </a:schemeClr>
+            </a:gs>
+            <a:gs pos="100000">
+              <a:schemeClr val="phClr">
+                <a:shade val="94000"/>
+                <a:satMod val="135000"/>
+              </a:schemeClr>
+            </a:gs>
+          </a:gsLst>
+          <a:lin ang="16200000" scaled="0"/>
+        </a:gradFill>
+      </a:fillStyleLst>
+      <a:lnStyleLst>
+        <a:ln w="9525" cap="flat" cmpd="sng" algn="ctr">
+          <a:solidFill>
+            <a:schemeClr val="phClr">
+              <a:shade val="95000"/>
+              <a:satMod val="105000"/>
+            </a:schemeClr>
+          </a:solidFill>
+          <a:prstDash val="solid"/>
+        </a:ln>
+        <a:ln w="25400" cap="flat" cmpd="sng" algn="ctr">
+          <a:solidFill>
+            <a:schemeClr val="phClr"/>
+          </a:solidFill>
+          <a:prstDash val="solid"/>
+        </a:ln>
+        <a:ln w="38100" cap="flat" cmpd="sng" algn="ctr">
+          <a:solidFill>
+            <a:schemeClr val="phClr"/>
+          </a:solidFill>
+          <a:prstDash val="solid"/>
+        </a:ln>
+      </a:lnStyleLst>
+      <a:effectStyleLst>
+        <a:effectStyle>
+          <a:effectLst>
+            <a:outerShdw blurRad="40000" dist="20000" dir="5400000" rotWithShape="0">
+              <a:srgbClr val="000000">
+                <a:alpha val="38000"/>
+              </a:srgbClr>
+            </a:outerShdw>
+          </a:effectLst>
+        </a:effectStyle>
+        <a:effectStyle>
+          <a:effectLst>
+            <a:outerShdw blurRad="40000" dist="23000" dir="5400000" rotWithShape="0">
+              <a:srgbClr val="000000">
+                <a:alpha val="35000"/>
+              </a:srgbClr>
+            </a:outerShdw>
+          </a:effectLst>
+        </a:effectStyle>
+        <a:effectStyle>
+          <a:effectLst>
+            <a:outerShdw blurRad="40000" dist="23000" dir="5400000" rotWithShape="0">
+              <a:srgbClr val="000000">
+                <a:alpha val="35000"/>
+              </a:srgbClr>
+            </a:outerShdw>
+          </a:effectLst>
+          <a:scene3d>
+            <a:camera prst="orthographicFront">
+              <a:rot lat="0" lon="0" rev="0"/>
+            </a:camera>
+            <a:lightRig rig="threePt" dir="t">
+              <a:rot lat="0" lon="0" rev="1200000"/>
+            </a:lightRig>
+          </a:scene3d>
+          <a:sp3d>
+            <a:bevelT w="63500" h="25400"/>
+          </a:sp3d>
+        </a:effectStyle>
+      </a:effectStyleLst>
+      <a:bgFillStyleLst>
+        <a:solidFill>
+          <a:schemeClr val="phClr"/>
+        </a:solidFill>
+        <a:gradFill rotWithShape="1">
+          <a:gsLst>
+            <a:gs pos="0">
+              <a:schemeClr val="phClr">
+                <a:tint val="40000"/>
+                <a:satMod val="350000"/>
+              </a:schemeClr>
+            </a:gs>
+            <a:gs pos="40000">
+              <a:schemeClr val="phClr">
+                <a:tint val="45000"/>
+                <a:shade val="99000"/>
+                <a:satMod val="350000"/>
+              </a:schemeClr>
+            </a:gs>
+            <a:gs pos="100000">
+              <a:schemeClr val="phClr">
+                <a:shade val="20000"/>
+                <a:satMod val="255000"/>
+              </a:schemeClr>
+            </a:gs>
+          </a:gsLst>
+          <a:path path="circle">
+            <a:fillToRect l="50000" t="-80000" r="50000" b="180000"/>
+          </a:path>
+        </a:gradFill>
+        <a:gradFill rotWithShape="1">
+          <a:gsLst>
+            <a:gs pos="0">
+              <a:schemeClr val="phClr">
+                <a:tint val="80000"/>
+                <a:satMod val="300000"/>
+              </a:schemeClr>
+            </a:gs>
+            <a:gs pos="100000">
+              <a:schemeClr val="phClr">
+                <a:shade val="30000"/>
+                <a:satMod val="200000"/>
+              </a:schemeClr>
+            </a:gs>
+          </a:gsLst>
+          <a:path path="circle">
+            <a:fillToRect l="50000" t="50000" r="50000" b="50000"/>
+          </a:path>
+        </a:gradFill>
+      </a:bgFillStyleLst>
+    </a:fmtScheme>
+  </a:themeElements>
+  <a:objectDefaults/>
+  <a:extraClrSchemeLst/>
+</a:theme>
+</file>
+
+<file path=ppt/theme/theme2.xml><?xml version="1.0" encoding="utf-8"?>
+<a:theme xmlns:a="http://schemas.openxmlformats.org/drawingml/2006/main" name="Office Theme">
+  <a:themeElements>
+    <a:clrScheme name="Office">
+      <a:dk1>
+        <a:sysClr val="windowText" lastClr="000000"/>
+      </a:dk1>
+      <a:lt1>
+        <a:sysClr val="window" lastClr="FFFFFF"/>
+      </a:lt1>
+      <a:dk2>
+        <a:srgbClr val="1F497D"/>
+      </a:dk2>
+      <a:lt2>
+        <a:srgbClr val="EEECE1"/>
+      </a:lt2>
+      <a:accent1>
+        <a:srgbClr val="4F81BD"/>
+      </a:accent1>
+      <a:accent2>
+        <a:srgbClr val="C0504D"/>
+      </a:accent2>
+      <a:accent3>
+        <a:srgbClr val="9BBB59"/>
+      </a:accent3>
+      <a:accent4>
+        <a:srgbClr val="8064A2"/>
+      </a:accent4>
+      <a:accent5>
+        <a:srgbClr val="4BACC6"/>
+      </a:accent5>
+      <a:accent6>
+        <a:srgbClr val="F79646"/>
+      </a:accent6>
+      <a:hlink>
+        <a:srgbClr val="0000FF"/>
+      </a:hlink>
+      <a:folHlink>
+        <a:srgbClr val="800080"/>
+      </a:folHlink>
+    </a:clrScheme>
+    <a:fontScheme name="Office">
+      <a:majorFont>
+        <a:latin typeface="Calibri"/>
+        <a:ea typeface=""/>
+        <a:cs typeface=""/>
+        <a:font script="Jpan" typeface="ＭＳ Ｐゴシック"/>
+        <a:font script="Hang" typeface="맑은 고딕"/>
+        <a:font script="Hans" typeface="宋体"/>
+        <a:font script="Hant" typeface="新細明體"/>
+        <a:font script="Arab" typeface="Times New Roman"/>
+        <a:font script="Hebr" typeface="Times New Roman"/>
+        <a:font script="Thai" typeface="Angsana New"/>
+        <a:font script="Ethi" typeface="Nyala"/>
+        <a:font script="Beng" typeface="Vrinda"/>
+        <a:font script="Gujr" typeface="Shruti"/>
+        <a:font script="Khmr" typeface="MoolBoran"/>
+        <a:font script="Knda" typeface="Tunga"/>
+        <a:font script="Guru" typeface="Raavi"/>
+        <a:font script="Cans" typeface="Euphemia"/>
+        <a:font script="Cher" typeface="Plantagenet Cherokee"/>
+        <a:font script="Yiii" typeface="Microsoft Yi Baiti"/>
+        <a:font script="Tibt" typeface="Microsoft Himalaya"/>
+        <a:font script="Thaa" typeface="MV Boli"/>
+        <a:font script="Deva" typeface="Mangal"/>
+        <a:font script="Telu" typeface="Gautami"/>
+        <a:font script="Taml" typeface="Latha"/>
+        <a:font script="Syrc" typeface="Estrangelo Edessa"/>
+        <a:font script="Orya" typeface="Kalinga"/>
+        <a:font script="Mlym" typeface="Kartika"/>
+        <a:font script="Laoo" typeface="DokChampa"/>
+        <a:font script="Sinh" typeface="Iskoola Pota"/>
+        <a:font script="Mong" typeface="Mongolian Baiti"/>
+        <a:font script="Viet" typeface="Times New Roman"/>
+        <a:font script="Uigh" typeface="Microsoft Uighur"/>
+        <a:font script="Geor" typeface="Sylfaen"/>
+      </a:majorFont>
+      <a:minorFont>
+        <a:latin typeface="Calibri"/>
+        <a:ea typeface=""/>
+        <a:cs typeface=""/>
+        <a:font script="Jpan" typeface="ＭＳ Ｐゴシック"/>
+        <a:font script="Hang" typeface="맑은 고딕"/>
+        <a:font script="Hans" typeface="宋体"/>
+        <a:font script="Hant" typeface="新細明體"/>
+        <a:font script="Arab" typeface="Arial"/>
+        <a:font script="Hebr" typeface="Arial"/>
+        <a:font script="Thai" typeface="Cordia New"/>
+        <a:font script="Ethi" typeface="Nyala"/>
+        <a:font script="Beng" typeface="Vrinda"/>
+        <a:font script="Gujr" typeface="Shruti"/>
+        <a:font script="Khmr" typeface="DaunPenh"/>
+        <a:font script="Knda" typeface="Tunga"/>
+        <a:font script="Guru" typeface="Raavi"/>
+        <a:font script="Cans" typeface="Euphemia"/>
+        <a:font script="Cher" typeface="Plantagenet Cherokee"/>
+        <a:font script="Yiii" typeface="Microsoft Yi Baiti"/>
+        <a:font script="Tibt" typeface="Microsoft Himalaya"/>
+        <a:font script="Thaa" typeface="MV Boli"/>
+        <a:font script="Deva" typeface="Mangal"/>
+        <a:font script="Telu" typeface="Gautami"/>
+        <a:font script="Taml" typeface="Latha"/>
+        <a:font script="Syrc" typeface="Estrangelo Edessa"/>
+        <a:font script="Orya" typeface="Kalinga"/>
+        <a:font script="Mlym" typeface="Kartika"/>
+        <a:font script="Laoo" typeface="DokChampa"/>
+        <a:font script="Sinh" typeface="Iskoola Pota"/>
+        <a:font script="Mong" typeface="Mongolian Baiti"/>
+        <a:font script="Viet" typeface="Arial"/>
+        <a:font script="Uigh" typeface="Microsoft Uighur"/>
+        <a:font script="Geor" typeface="Sylfaen"/>
       </a:minorFont>
     </a:fontScheme>
     <a:fmtScheme name="Office">

--- a/presentations/BAS_1/OpenCL.pptx
+++ b/presentations/BAS_1/OpenCL.pptx
@@ -5,7 +5,7 @@
     <p:sldMasterId id="2147483876" r:id="rId1"/>
   </p:sldMasterIdLst>
   <p:notesMasterIdLst>
-    <p:notesMasterId r:id="rId11"/>
+    <p:notesMasterId r:id="rId10"/>
   </p:notesMasterIdLst>
   <p:sldIdLst>
     <p:sldId id="265" r:id="rId2"/>
@@ -13,10 +13,9 @@
     <p:sldId id="259" r:id="rId4"/>
     <p:sldId id="266" r:id="rId5"/>
     <p:sldId id="260" r:id="rId6"/>
-    <p:sldId id="261" r:id="rId7"/>
-    <p:sldId id="262" r:id="rId8"/>
+    <p:sldId id="262" r:id="rId7"/>
+    <p:sldId id="261" r:id="rId8"/>
     <p:sldId id="263" r:id="rId9"/>
-    <p:sldId id="264" r:id="rId10"/>
   </p:sldIdLst>
   <p:sldSz cx="9144000" cy="5143500" type="screen16x9"/>
   <p:notesSz cx="6858000" cy="9144000"/>
@@ -116,6 +115,6312 @@
     </a:lvl9pPr>
   </p:defaultTextStyle>
 </p:presentation>
+</file>
+
+<file path=ppt/diagrams/colors1.xml><?xml version="1.0" encoding="utf-8"?>
+<dgm:colorsDef xmlns:dgm="http://schemas.openxmlformats.org/drawingml/2006/diagram" xmlns:a="http://schemas.openxmlformats.org/drawingml/2006/main" uniqueId="urn:microsoft.com/office/officeart/2005/8/colors/accent1_2">
+  <dgm:title val=""/>
+  <dgm:desc val=""/>
+  <dgm:catLst>
+    <dgm:cat type="accent1" pri="11200"/>
+  </dgm:catLst>
+  <dgm:styleLbl name="node0">
+    <dgm:fillClrLst meth="repeat">
+      <a:schemeClr val="accent1"/>
+    </dgm:fillClrLst>
+    <dgm:linClrLst meth="repeat">
+      <a:schemeClr val="lt1"/>
+    </dgm:linClrLst>
+    <dgm:effectClrLst/>
+    <dgm:txLinClrLst/>
+    <dgm:txFillClrLst/>
+    <dgm:txEffectClrLst/>
+  </dgm:styleLbl>
+  <dgm:styleLbl name="alignNode1">
+    <dgm:fillClrLst meth="repeat">
+      <a:schemeClr val="accent1"/>
+    </dgm:fillClrLst>
+    <dgm:linClrLst meth="repeat">
+      <a:schemeClr val="accent1"/>
+    </dgm:linClrLst>
+    <dgm:effectClrLst/>
+    <dgm:txLinClrLst/>
+    <dgm:txFillClrLst/>
+    <dgm:txEffectClrLst/>
+  </dgm:styleLbl>
+  <dgm:styleLbl name="node1">
+    <dgm:fillClrLst meth="repeat">
+      <a:schemeClr val="accent1"/>
+    </dgm:fillClrLst>
+    <dgm:linClrLst meth="repeat">
+      <a:schemeClr val="lt1"/>
+    </dgm:linClrLst>
+    <dgm:effectClrLst/>
+    <dgm:txLinClrLst/>
+    <dgm:txFillClrLst/>
+    <dgm:txEffectClrLst/>
+  </dgm:styleLbl>
+  <dgm:styleLbl name="lnNode1">
+    <dgm:fillClrLst meth="repeat">
+      <a:schemeClr val="accent1"/>
+    </dgm:fillClrLst>
+    <dgm:linClrLst meth="repeat">
+      <a:schemeClr val="lt1"/>
+    </dgm:linClrLst>
+    <dgm:effectClrLst/>
+    <dgm:txLinClrLst/>
+    <dgm:txFillClrLst/>
+    <dgm:txEffectClrLst/>
+  </dgm:styleLbl>
+  <dgm:styleLbl name="vennNode1">
+    <dgm:fillClrLst meth="repeat">
+      <a:schemeClr val="accent1">
+        <a:alpha val="50000"/>
+      </a:schemeClr>
+    </dgm:fillClrLst>
+    <dgm:linClrLst meth="repeat">
+      <a:schemeClr val="lt1"/>
+    </dgm:linClrLst>
+    <dgm:effectClrLst/>
+    <dgm:txLinClrLst/>
+    <dgm:txFillClrLst/>
+    <dgm:txEffectClrLst/>
+  </dgm:styleLbl>
+  <dgm:styleLbl name="node2">
+    <dgm:fillClrLst meth="repeat">
+      <a:schemeClr val="accent1"/>
+    </dgm:fillClrLst>
+    <dgm:linClrLst meth="repeat">
+      <a:schemeClr val="lt1"/>
+    </dgm:linClrLst>
+    <dgm:effectClrLst/>
+    <dgm:txLinClrLst/>
+    <dgm:txFillClrLst/>
+    <dgm:txEffectClrLst/>
+  </dgm:styleLbl>
+  <dgm:styleLbl name="node3">
+    <dgm:fillClrLst meth="repeat">
+      <a:schemeClr val="accent1"/>
+    </dgm:fillClrLst>
+    <dgm:linClrLst meth="repeat">
+      <a:schemeClr val="lt1"/>
+    </dgm:linClrLst>
+    <dgm:effectClrLst/>
+    <dgm:txLinClrLst/>
+    <dgm:txFillClrLst/>
+    <dgm:txEffectClrLst/>
+  </dgm:styleLbl>
+  <dgm:styleLbl name="node4">
+    <dgm:fillClrLst meth="repeat">
+      <a:schemeClr val="accent1"/>
+    </dgm:fillClrLst>
+    <dgm:linClrLst meth="repeat">
+      <a:schemeClr val="lt1"/>
+    </dgm:linClrLst>
+    <dgm:effectClrLst/>
+    <dgm:txLinClrLst/>
+    <dgm:txFillClrLst/>
+    <dgm:txEffectClrLst/>
+  </dgm:styleLbl>
+  <dgm:styleLbl name="fgImgPlace1">
+    <dgm:fillClrLst meth="repeat">
+      <a:schemeClr val="accent1">
+        <a:tint val="50000"/>
+      </a:schemeClr>
+    </dgm:fillClrLst>
+    <dgm:linClrLst meth="repeat">
+      <a:schemeClr val="lt1"/>
+    </dgm:linClrLst>
+    <dgm:effectClrLst/>
+    <dgm:txLinClrLst/>
+    <dgm:txFillClrLst meth="repeat">
+      <a:schemeClr val="lt1"/>
+    </dgm:txFillClrLst>
+    <dgm:txEffectClrLst/>
+  </dgm:styleLbl>
+  <dgm:styleLbl name="alignImgPlace1">
+    <dgm:fillClrLst meth="repeat">
+      <a:schemeClr val="accent1">
+        <a:tint val="50000"/>
+      </a:schemeClr>
+    </dgm:fillClrLst>
+    <dgm:linClrLst meth="repeat">
+      <a:schemeClr val="lt1"/>
+    </dgm:linClrLst>
+    <dgm:effectClrLst/>
+    <dgm:txLinClrLst/>
+    <dgm:txFillClrLst meth="repeat">
+      <a:schemeClr val="lt1"/>
+    </dgm:txFillClrLst>
+    <dgm:txEffectClrLst/>
+  </dgm:styleLbl>
+  <dgm:styleLbl name="bgImgPlace1">
+    <dgm:fillClrLst meth="repeat">
+      <a:schemeClr val="accent1">
+        <a:tint val="50000"/>
+      </a:schemeClr>
+    </dgm:fillClrLst>
+    <dgm:linClrLst meth="repeat">
+      <a:schemeClr val="lt1"/>
+    </dgm:linClrLst>
+    <dgm:effectClrLst/>
+    <dgm:txLinClrLst/>
+    <dgm:txFillClrLst meth="repeat">
+      <a:schemeClr val="lt1"/>
+    </dgm:txFillClrLst>
+    <dgm:txEffectClrLst/>
+  </dgm:styleLbl>
+  <dgm:styleLbl name="sibTrans2D1">
+    <dgm:fillClrLst meth="repeat">
+      <a:schemeClr val="accent1">
+        <a:tint val="60000"/>
+      </a:schemeClr>
+    </dgm:fillClrLst>
+    <dgm:linClrLst meth="repeat">
+      <a:schemeClr val="accent1">
+        <a:tint val="60000"/>
+      </a:schemeClr>
+    </dgm:linClrLst>
+    <dgm:effectClrLst/>
+    <dgm:txLinClrLst/>
+    <dgm:txFillClrLst/>
+    <dgm:txEffectClrLst/>
+  </dgm:styleLbl>
+  <dgm:styleLbl name="fgSibTrans2D1">
+    <dgm:fillClrLst meth="repeat">
+      <a:schemeClr val="accent1">
+        <a:tint val="60000"/>
+      </a:schemeClr>
+    </dgm:fillClrLst>
+    <dgm:linClrLst meth="repeat">
+      <a:schemeClr val="accent1">
+        <a:tint val="60000"/>
+      </a:schemeClr>
+    </dgm:linClrLst>
+    <dgm:effectClrLst/>
+    <dgm:txLinClrLst/>
+    <dgm:txFillClrLst/>
+    <dgm:txEffectClrLst/>
+  </dgm:styleLbl>
+  <dgm:styleLbl name="bgSibTrans2D1">
+    <dgm:fillClrLst meth="repeat">
+      <a:schemeClr val="accent1">
+        <a:tint val="60000"/>
+      </a:schemeClr>
+    </dgm:fillClrLst>
+    <dgm:linClrLst meth="repeat">
+      <a:schemeClr val="accent1">
+        <a:tint val="60000"/>
+      </a:schemeClr>
+    </dgm:linClrLst>
+    <dgm:effectClrLst/>
+    <dgm:txLinClrLst/>
+    <dgm:txFillClrLst/>
+    <dgm:txEffectClrLst/>
+  </dgm:styleLbl>
+  <dgm:styleLbl name="sibTrans1D1">
+    <dgm:fillClrLst meth="repeat">
+      <a:schemeClr val="accent1"/>
+    </dgm:fillClrLst>
+    <dgm:linClrLst meth="repeat">
+      <a:schemeClr val="accent1"/>
+    </dgm:linClrLst>
+    <dgm:effectClrLst/>
+    <dgm:txLinClrLst/>
+    <dgm:txFillClrLst meth="repeat">
+      <a:schemeClr val="tx1"/>
+    </dgm:txFillClrLst>
+    <dgm:txEffectClrLst/>
+  </dgm:styleLbl>
+  <dgm:styleLbl name="callout">
+    <dgm:fillClrLst meth="repeat">
+      <a:schemeClr val="accent1"/>
+    </dgm:fillClrLst>
+    <dgm:linClrLst meth="repeat">
+      <a:schemeClr val="accent1">
+        <a:tint val="50000"/>
+      </a:schemeClr>
+    </dgm:linClrLst>
+    <dgm:effectClrLst/>
+    <dgm:txLinClrLst/>
+    <dgm:txFillClrLst meth="repeat">
+      <a:schemeClr val="tx1"/>
+    </dgm:txFillClrLst>
+    <dgm:txEffectClrLst/>
+  </dgm:styleLbl>
+  <dgm:styleLbl name="asst0">
+    <dgm:fillClrLst meth="repeat">
+      <a:schemeClr val="accent1"/>
+    </dgm:fillClrLst>
+    <dgm:linClrLst meth="repeat">
+      <a:schemeClr val="lt1"/>
+    </dgm:linClrLst>
+    <dgm:effectClrLst/>
+    <dgm:txLinClrLst/>
+    <dgm:txFillClrLst/>
+    <dgm:txEffectClrLst/>
+  </dgm:styleLbl>
+  <dgm:styleLbl name="asst1">
+    <dgm:fillClrLst meth="repeat">
+      <a:schemeClr val="accent1"/>
+    </dgm:fillClrLst>
+    <dgm:linClrLst meth="repeat">
+      <a:schemeClr val="lt1"/>
+    </dgm:linClrLst>
+    <dgm:effectClrLst/>
+    <dgm:txLinClrLst/>
+    <dgm:txFillClrLst/>
+    <dgm:txEffectClrLst/>
+  </dgm:styleLbl>
+  <dgm:styleLbl name="asst2">
+    <dgm:fillClrLst meth="repeat">
+      <a:schemeClr val="accent1"/>
+    </dgm:fillClrLst>
+    <dgm:linClrLst meth="repeat">
+      <a:schemeClr val="lt1"/>
+    </dgm:linClrLst>
+    <dgm:effectClrLst/>
+    <dgm:txLinClrLst/>
+    <dgm:txFillClrLst/>
+    <dgm:txEffectClrLst/>
+  </dgm:styleLbl>
+  <dgm:styleLbl name="asst3">
+    <dgm:fillClrLst meth="repeat">
+      <a:schemeClr val="accent1"/>
+    </dgm:fillClrLst>
+    <dgm:linClrLst meth="repeat">
+      <a:schemeClr val="lt1"/>
+    </dgm:linClrLst>
+    <dgm:effectClrLst/>
+    <dgm:txLinClrLst/>
+    <dgm:txFillClrLst/>
+    <dgm:txEffectClrLst/>
+  </dgm:styleLbl>
+  <dgm:styleLbl name="asst4">
+    <dgm:fillClrLst meth="repeat">
+      <a:schemeClr val="accent1"/>
+    </dgm:fillClrLst>
+    <dgm:linClrLst meth="repeat">
+      <a:schemeClr val="lt1"/>
+    </dgm:linClrLst>
+    <dgm:effectClrLst/>
+    <dgm:txLinClrLst/>
+    <dgm:txFillClrLst/>
+    <dgm:txEffectClrLst/>
+  </dgm:styleLbl>
+  <dgm:styleLbl name="parChTrans2D1">
+    <dgm:fillClrLst meth="repeat">
+      <a:schemeClr val="accent1">
+        <a:tint val="60000"/>
+      </a:schemeClr>
+    </dgm:fillClrLst>
+    <dgm:linClrLst meth="repeat">
+      <a:schemeClr val="accent1">
+        <a:tint val="60000"/>
+      </a:schemeClr>
+    </dgm:linClrLst>
+    <dgm:effectClrLst/>
+    <dgm:txLinClrLst/>
+    <dgm:txFillClrLst meth="repeat">
+      <a:schemeClr val="lt1"/>
+    </dgm:txFillClrLst>
+    <dgm:txEffectClrLst/>
+  </dgm:styleLbl>
+  <dgm:styleLbl name="parChTrans2D2">
+    <dgm:fillClrLst meth="repeat">
+      <a:schemeClr val="accent1"/>
+    </dgm:fillClrLst>
+    <dgm:linClrLst meth="repeat">
+      <a:schemeClr val="accent1"/>
+    </dgm:linClrLst>
+    <dgm:effectClrLst/>
+    <dgm:txLinClrLst/>
+    <dgm:txFillClrLst meth="repeat">
+      <a:schemeClr val="lt1"/>
+    </dgm:txFillClrLst>
+    <dgm:txEffectClrLst/>
+  </dgm:styleLbl>
+  <dgm:styleLbl name="parChTrans2D3">
+    <dgm:fillClrLst meth="repeat">
+      <a:schemeClr val="accent1"/>
+    </dgm:fillClrLst>
+    <dgm:linClrLst meth="repeat">
+      <a:schemeClr val="accent1"/>
+    </dgm:linClrLst>
+    <dgm:effectClrLst/>
+    <dgm:txLinClrLst/>
+    <dgm:txFillClrLst meth="repeat">
+      <a:schemeClr val="lt1"/>
+    </dgm:txFillClrLst>
+    <dgm:txEffectClrLst/>
+  </dgm:styleLbl>
+  <dgm:styleLbl name="parChTrans2D4">
+    <dgm:fillClrLst meth="repeat">
+      <a:schemeClr val="accent1"/>
+    </dgm:fillClrLst>
+    <dgm:linClrLst meth="repeat">
+      <a:schemeClr val="accent1"/>
+    </dgm:linClrLst>
+    <dgm:effectClrLst/>
+    <dgm:txLinClrLst/>
+    <dgm:txFillClrLst meth="repeat">
+      <a:schemeClr val="lt1"/>
+    </dgm:txFillClrLst>
+    <dgm:txEffectClrLst/>
+  </dgm:styleLbl>
+  <dgm:styleLbl name="parChTrans1D1">
+    <dgm:fillClrLst meth="repeat">
+      <a:schemeClr val="accent1"/>
+    </dgm:fillClrLst>
+    <dgm:linClrLst meth="repeat">
+      <a:schemeClr val="accent1">
+        <a:shade val="60000"/>
+      </a:schemeClr>
+    </dgm:linClrLst>
+    <dgm:effectClrLst/>
+    <dgm:txLinClrLst/>
+    <dgm:txFillClrLst meth="repeat">
+      <a:schemeClr val="tx1"/>
+    </dgm:txFillClrLst>
+    <dgm:txEffectClrLst/>
+  </dgm:styleLbl>
+  <dgm:styleLbl name="parChTrans1D2">
+    <dgm:fillClrLst meth="repeat">
+      <a:schemeClr val="accent1"/>
+    </dgm:fillClrLst>
+    <dgm:linClrLst meth="repeat">
+      <a:schemeClr val="accent1">
+        <a:shade val="60000"/>
+      </a:schemeClr>
+    </dgm:linClrLst>
+    <dgm:effectClrLst/>
+    <dgm:txLinClrLst/>
+    <dgm:txFillClrLst meth="repeat">
+      <a:schemeClr val="tx1"/>
+    </dgm:txFillClrLst>
+    <dgm:txEffectClrLst/>
+  </dgm:styleLbl>
+  <dgm:styleLbl name="parChTrans1D3">
+    <dgm:fillClrLst meth="repeat">
+      <a:schemeClr val="accent1"/>
+    </dgm:fillClrLst>
+    <dgm:linClrLst meth="repeat">
+      <a:schemeClr val="accent1">
+        <a:shade val="80000"/>
+      </a:schemeClr>
+    </dgm:linClrLst>
+    <dgm:effectClrLst/>
+    <dgm:txLinClrLst/>
+    <dgm:txFillClrLst meth="repeat">
+      <a:schemeClr val="tx1"/>
+    </dgm:txFillClrLst>
+    <dgm:txEffectClrLst/>
+  </dgm:styleLbl>
+  <dgm:styleLbl name="parChTrans1D4">
+    <dgm:fillClrLst meth="repeat">
+      <a:schemeClr val="accent1"/>
+    </dgm:fillClrLst>
+    <dgm:linClrLst meth="repeat">
+      <a:schemeClr val="accent1">
+        <a:shade val="80000"/>
+      </a:schemeClr>
+    </dgm:linClrLst>
+    <dgm:effectClrLst/>
+    <dgm:txLinClrLst/>
+    <dgm:txFillClrLst meth="repeat">
+      <a:schemeClr val="tx1"/>
+    </dgm:txFillClrLst>
+    <dgm:txEffectClrLst/>
+  </dgm:styleLbl>
+  <dgm:styleLbl name="fgAcc1">
+    <dgm:fillClrLst meth="repeat">
+      <a:schemeClr val="lt1">
+        <a:alpha val="90000"/>
+      </a:schemeClr>
+    </dgm:fillClrLst>
+    <dgm:linClrLst meth="repeat">
+      <a:schemeClr val="accent1"/>
+    </dgm:linClrLst>
+    <dgm:effectClrLst/>
+    <dgm:txLinClrLst/>
+    <dgm:txFillClrLst meth="repeat">
+      <a:schemeClr val="dk1"/>
+    </dgm:txFillClrLst>
+    <dgm:txEffectClrLst/>
+  </dgm:styleLbl>
+  <dgm:styleLbl name="conFgAcc1">
+    <dgm:fillClrLst meth="repeat">
+      <a:schemeClr val="lt1">
+        <a:alpha val="90000"/>
+      </a:schemeClr>
+    </dgm:fillClrLst>
+    <dgm:linClrLst meth="repeat">
+      <a:schemeClr val="accent1"/>
+    </dgm:linClrLst>
+    <dgm:effectClrLst/>
+    <dgm:txLinClrLst/>
+    <dgm:txFillClrLst meth="repeat">
+      <a:schemeClr val="dk1"/>
+    </dgm:txFillClrLst>
+    <dgm:txEffectClrLst/>
+  </dgm:styleLbl>
+  <dgm:styleLbl name="alignAcc1">
+    <dgm:fillClrLst meth="repeat">
+      <a:schemeClr val="lt1">
+        <a:alpha val="90000"/>
+      </a:schemeClr>
+    </dgm:fillClrLst>
+    <dgm:linClrLst meth="repeat">
+      <a:schemeClr val="accent1"/>
+    </dgm:linClrLst>
+    <dgm:effectClrLst/>
+    <dgm:txLinClrLst/>
+    <dgm:txFillClrLst meth="repeat">
+      <a:schemeClr val="dk1"/>
+    </dgm:txFillClrLst>
+    <dgm:txEffectClrLst/>
+  </dgm:styleLbl>
+  <dgm:styleLbl name="trAlignAcc1">
+    <dgm:fillClrLst meth="repeat">
+      <a:schemeClr val="lt1">
+        <a:alpha val="40000"/>
+      </a:schemeClr>
+    </dgm:fillClrLst>
+    <dgm:linClrLst meth="repeat">
+      <a:schemeClr val="accent1"/>
+    </dgm:linClrLst>
+    <dgm:effectClrLst/>
+    <dgm:txLinClrLst/>
+    <dgm:txFillClrLst meth="repeat">
+      <a:schemeClr val="dk1"/>
+    </dgm:txFillClrLst>
+    <dgm:txEffectClrLst/>
+  </dgm:styleLbl>
+  <dgm:styleLbl name="bgAcc1">
+    <dgm:fillClrLst meth="repeat">
+      <a:schemeClr val="lt1">
+        <a:alpha val="90000"/>
+      </a:schemeClr>
+    </dgm:fillClrLst>
+    <dgm:linClrLst meth="repeat">
+      <a:schemeClr val="accent1"/>
+    </dgm:linClrLst>
+    <dgm:effectClrLst/>
+    <dgm:txLinClrLst/>
+    <dgm:txFillClrLst meth="repeat">
+      <a:schemeClr val="dk1"/>
+    </dgm:txFillClrLst>
+    <dgm:txEffectClrLst/>
+  </dgm:styleLbl>
+  <dgm:styleLbl name="solidFgAcc1">
+    <dgm:fillClrLst meth="repeat">
+      <a:schemeClr val="lt1"/>
+    </dgm:fillClrLst>
+    <dgm:linClrLst meth="repeat">
+      <a:schemeClr val="accent1"/>
+    </dgm:linClrLst>
+    <dgm:effectClrLst/>
+    <dgm:txLinClrLst/>
+    <dgm:txFillClrLst meth="repeat">
+      <a:schemeClr val="dk1"/>
+    </dgm:txFillClrLst>
+    <dgm:txEffectClrLst/>
+  </dgm:styleLbl>
+  <dgm:styleLbl name="solidAlignAcc1">
+    <dgm:fillClrLst meth="repeat">
+      <a:schemeClr val="lt1"/>
+    </dgm:fillClrLst>
+    <dgm:linClrLst meth="repeat">
+      <a:schemeClr val="accent1"/>
+    </dgm:linClrLst>
+    <dgm:effectClrLst/>
+    <dgm:txLinClrLst/>
+    <dgm:txFillClrLst meth="repeat">
+      <a:schemeClr val="dk1"/>
+    </dgm:txFillClrLst>
+    <dgm:txEffectClrLst/>
+  </dgm:styleLbl>
+  <dgm:styleLbl name="solidBgAcc1">
+    <dgm:fillClrLst meth="repeat">
+      <a:schemeClr val="lt1"/>
+    </dgm:fillClrLst>
+    <dgm:linClrLst meth="repeat">
+      <a:schemeClr val="accent1"/>
+    </dgm:linClrLst>
+    <dgm:effectClrLst/>
+    <dgm:txLinClrLst/>
+    <dgm:txFillClrLst meth="repeat">
+      <a:schemeClr val="dk1"/>
+    </dgm:txFillClrLst>
+    <dgm:txEffectClrLst/>
+  </dgm:styleLbl>
+  <dgm:styleLbl name="fgAccFollowNode1">
+    <dgm:fillClrLst meth="repeat">
+      <a:schemeClr val="accent1">
+        <a:alpha val="90000"/>
+        <a:tint val="40000"/>
+      </a:schemeClr>
+    </dgm:fillClrLst>
+    <dgm:linClrLst meth="repeat">
+      <a:schemeClr val="accent1">
+        <a:alpha val="90000"/>
+        <a:tint val="40000"/>
+      </a:schemeClr>
+    </dgm:linClrLst>
+    <dgm:effectClrLst/>
+    <dgm:txLinClrLst/>
+    <dgm:txFillClrLst meth="repeat">
+      <a:schemeClr val="dk1"/>
+    </dgm:txFillClrLst>
+    <dgm:txEffectClrLst/>
+  </dgm:styleLbl>
+  <dgm:styleLbl name="alignAccFollowNode1">
+    <dgm:fillClrLst meth="repeat">
+      <a:schemeClr val="accent1">
+        <a:alpha val="90000"/>
+        <a:tint val="40000"/>
+      </a:schemeClr>
+    </dgm:fillClrLst>
+    <dgm:linClrLst meth="repeat">
+      <a:schemeClr val="accent1">
+        <a:alpha val="90000"/>
+        <a:tint val="40000"/>
+      </a:schemeClr>
+    </dgm:linClrLst>
+    <dgm:effectClrLst/>
+    <dgm:txLinClrLst/>
+    <dgm:txFillClrLst meth="repeat">
+      <a:schemeClr val="dk1"/>
+    </dgm:txFillClrLst>
+    <dgm:txEffectClrLst/>
+  </dgm:styleLbl>
+  <dgm:styleLbl name="bgAccFollowNode1">
+    <dgm:fillClrLst meth="repeat">
+      <a:schemeClr val="accent1">
+        <a:alpha val="90000"/>
+        <a:tint val="40000"/>
+      </a:schemeClr>
+    </dgm:fillClrLst>
+    <dgm:linClrLst meth="repeat">
+      <a:schemeClr val="accent1">
+        <a:alpha val="90000"/>
+        <a:tint val="40000"/>
+      </a:schemeClr>
+    </dgm:linClrLst>
+    <dgm:effectClrLst/>
+    <dgm:txLinClrLst/>
+    <dgm:txFillClrLst meth="repeat">
+      <a:schemeClr val="dk1"/>
+    </dgm:txFillClrLst>
+    <dgm:txEffectClrLst/>
+  </dgm:styleLbl>
+  <dgm:styleLbl name="fgAcc0">
+    <dgm:fillClrLst meth="repeat">
+      <a:schemeClr val="lt1">
+        <a:alpha val="90000"/>
+      </a:schemeClr>
+    </dgm:fillClrLst>
+    <dgm:linClrLst meth="repeat">
+      <a:schemeClr val="accent1"/>
+    </dgm:linClrLst>
+    <dgm:effectClrLst/>
+    <dgm:txLinClrLst/>
+    <dgm:txFillClrLst meth="repeat">
+      <a:schemeClr val="dk1"/>
+    </dgm:txFillClrLst>
+    <dgm:txEffectClrLst/>
+  </dgm:styleLbl>
+  <dgm:styleLbl name="fgAcc2">
+    <dgm:fillClrLst meth="repeat">
+      <a:schemeClr val="lt1">
+        <a:alpha val="90000"/>
+      </a:schemeClr>
+    </dgm:fillClrLst>
+    <dgm:linClrLst meth="repeat">
+      <a:schemeClr val="accent1"/>
+    </dgm:linClrLst>
+    <dgm:effectClrLst/>
+    <dgm:txLinClrLst/>
+    <dgm:txFillClrLst meth="repeat">
+      <a:schemeClr val="dk1"/>
+    </dgm:txFillClrLst>
+    <dgm:txEffectClrLst/>
+  </dgm:styleLbl>
+  <dgm:styleLbl name="fgAcc3">
+    <dgm:fillClrLst meth="repeat">
+      <a:schemeClr val="lt1">
+        <a:alpha val="90000"/>
+      </a:schemeClr>
+    </dgm:fillClrLst>
+    <dgm:linClrLst meth="repeat">
+      <a:schemeClr val="accent1"/>
+    </dgm:linClrLst>
+    <dgm:effectClrLst/>
+    <dgm:txLinClrLst/>
+    <dgm:txFillClrLst meth="repeat">
+      <a:schemeClr val="dk1"/>
+    </dgm:txFillClrLst>
+    <dgm:txEffectClrLst/>
+  </dgm:styleLbl>
+  <dgm:styleLbl name="fgAcc4">
+    <dgm:fillClrLst meth="repeat">
+      <a:schemeClr val="lt1">
+        <a:alpha val="90000"/>
+      </a:schemeClr>
+    </dgm:fillClrLst>
+    <dgm:linClrLst meth="repeat">
+      <a:schemeClr val="accent1"/>
+    </dgm:linClrLst>
+    <dgm:effectClrLst/>
+    <dgm:txLinClrLst/>
+    <dgm:txFillClrLst meth="repeat">
+      <a:schemeClr val="dk1"/>
+    </dgm:txFillClrLst>
+    <dgm:txEffectClrLst/>
+  </dgm:styleLbl>
+  <dgm:styleLbl name="bgShp">
+    <dgm:fillClrLst meth="repeat">
+      <a:schemeClr val="accent1">
+        <a:tint val="40000"/>
+      </a:schemeClr>
+    </dgm:fillClrLst>
+    <dgm:linClrLst meth="repeat">
+      <a:schemeClr val="accent1"/>
+    </dgm:linClrLst>
+    <dgm:effectClrLst/>
+    <dgm:txLinClrLst/>
+    <dgm:txFillClrLst meth="repeat">
+      <a:schemeClr val="dk1"/>
+    </dgm:txFillClrLst>
+    <dgm:txEffectClrLst/>
+  </dgm:styleLbl>
+  <dgm:styleLbl name="dkBgShp">
+    <dgm:fillClrLst meth="repeat">
+      <a:schemeClr val="accent1">
+        <a:shade val="80000"/>
+      </a:schemeClr>
+    </dgm:fillClrLst>
+    <dgm:linClrLst meth="repeat">
+      <a:schemeClr val="accent1"/>
+    </dgm:linClrLst>
+    <dgm:effectClrLst/>
+    <dgm:txLinClrLst/>
+    <dgm:txFillClrLst meth="repeat">
+      <a:schemeClr val="lt1"/>
+    </dgm:txFillClrLst>
+    <dgm:txEffectClrLst/>
+  </dgm:styleLbl>
+  <dgm:styleLbl name="trBgShp">
+    <dgm:fillClrLst meth="repeat">
+      <a:schemeClr val="accent1">
+        <a:tint val="50000"/>
+        <a:alpha val="40000"/>
+      </a:schemeClr>
+    </dgm:fillClrLst>
+    <dgm:linClrLst meth="repeat">
+      <a:schemeClr val="accent1"/>
+    </dgm:linClrLst>
+    <dgm:effectClrLst/>
+    <dgm:txLinClrLst/>
+    <dgm:txFillClrLst meth="repeat">
+      <a:schemeClr val="lt1"/>
+    </dgm:txFillClrLst>
+    <dgm:txEffectClrLst/>
+  </dgm:styleLbl>
+  <dgm:styleLbl name="fgShp">
+    <dgm:fillClrLst meth="repeat">
+      <a:schemeClr val="accent1">
+        <a:tint val="60000"/>
+      </a:schemeClr>
+    </dgm:fillClrLst>
+    <dgm:linClrLst meth="repeat">
+      <a:schemeClr val="lt1"/>
+    </dgm:linClrLst>
+    <dgm:effectClrLst/>
+    <dgm:txLinClrLst/>
+    <dgm:txFillClrLst meth="repeat">
+      <a:schemeClr val="dk1"/>
+    </dgm:txFillClrLst>
+    <dgm:txEffectClrLst/>
+  </dgm:styleLbl>
+  <dgm:styleLbl name="revTx">
+    <dgm:fillClrLst meth="repeat">
+      <a:schemeClr val="lt1">
+        <a:alpha val="0"/>
+      </a:schemeClr>
+    </dgm:fillClrLst>
+    <dgm:linClrLst meth="repeat">
+      <a:schemeClr val="dk1">
+        <a:alpha val="0"/>
+      </a:schemeClr>
+    </dgm:linClrLst>
+    <dgm:effectClrLst/>
+    <dgm:txLinClrLst/>
+    <dgm:txFillClrLst meth="repeat">
+      <a:schemeClr val="tx1"/>
+    </dgm:txFillClrLst>
+    <dgm:txEffectClrLst/>
+  </dgm:styleLbl>
+</dgm:colorsDef>
+</file>
+
+<file path=ppt/diagrams/colors2.xml><?xml version="1.0" encoding="utf-8"?>
+<dgm:colorsDef xmlns:dgm="http://schemas.openxmlformats.org/drawingml/2006/diagram" xmlns:a="http://schemas.openxmlformats.org/drawingml/2006/main" uniqueId="urn:microsoft.com/office/officeart/2005/8/colors/colorful4">
+  <dgm:title val=""/>
+  <dgm:desc val=""/>
+  <dgm:catLst>
+    <dgm:cat type="colorful" pri="10400"/>
+  </dgm:catLst>
+  <dgm:styleLbl name="node0">
+    <dgm:fillClrLst meth="repeat">
+      <a:schemeClr val="accent3"/>
+    </dgm:fillClrLst>
+    <dgm:linClrLst meth="repeat">
+      <a:schemeClr val="lt1"/>
+    </dgm:linClrLst>
+    <dgm:effectClrLst/>
+    <dgm:txLinClrLst/>
+    <dgm:txFillClrLst/>
+    <dgm:txEffectClrLst/>
+  </dgm:styleLbl>
+  <dgm:styleLbl name="node1">
+    <dgm:fillClrLst>
+      <a:schemeClr val="accent4"/>
+      <a:schemeClr val="accent5"/>
+    </dgm:fillClrLst>
+    <dgm:linClrLst meth="repeat">
+      <a:schemeClr val="lt1"/>
+    </dgm:linClrLst>
+    <dgm:effectClrLst/>
+    <dgm:txLinClrLst/>
+    <dgm:txFillClrLst/>
+    <dgm:txEffectClrLst/>
+  </dgm:styleLbl>
+  <dgm:styleLbl name="alignNode1">
+    <dgm:fillClrLst>
+      <a:schemeClr val="accent4"/>
+      <a:schemeClr val="accent5"/>
+    </dgm:fillClrLst>
+    <dgm:linClrLst>
+      <a:schemeClr val="accent4"/>
+      <a:schemeClr val="accent5"/>
+    </dgm:linClrLst>
+    <dgm:effectClrLst/>
+    <dgm:txLinClrLst/>
+    <dgm:txFillClrLst/>
+    <dgm:txEffectClrLst/>
+  </dgm:styleLbl>
+  <dgm:styleLbl name="lnNode1">
+    <dgm:fillClrLst>
+      <a:schemeClr val="accent4"/>
+      <a:schemeClr val="accent5"/>
+    </dgm:fillClrLst>
+    <dgm:linClrLst meth="repeat">
+      <a:schemeClr val="lt1"/>
+    </dgm:linClrLst>
+    <dgm:effectClrLst/>
+    <dgm:txLinClrLst/>
+    <dgm:txFillClrLst/>
+    <dgm:txEffectClrLst/>
+  </dgm:styleLbl>
+  <dgm:styleLbl name="vennNode1">
+    <dgm:fillClrLst>
+      <a:schemeClr val="accent4">
+        <a:alpha val="50000"/>
+      </a:schemeClr>
+      <a:schemeClr val="accent5">
+        <a:alpha val="50000"/>
+      </a:schemeClr>
+    </dgm:fillClrLst>
+    <dgm:linClrLst meth="repeat">
+      <a:schemeClr val="lt1"/>
+    </dgm:linClrLst>
+    <dgm:effectClrLst/>
+    <dgm:txLinClrLst/>
+    <dgm:txFillClrLst/>
+    <dgm:txEffectClrLst/>
+  </dgm:styleLbl>
+  <dgm:styleLbl name="node2">
+    <dgm:fillClrLst>
+      <a:schemeClr val="accent5"/>
+    </dgm:fillClrLst>
+    <dgm:linClrLst meth="repeat">
+      <a:schemeClr val="lt1"/>
+    </dgm:linClrLst>
+    <dgm:effectClrLst/>
+    <dgm:txLinClrLst/>
+    <dgm:txFillClrLst/>
+    <dgm:txEffectClrLst/>
+  </dgm:styleLbl>
+  <dgm:styleLbl name="node3">
+    <dgm:fillClrLst>
+      <a:schemeClr val="accent6"/>
+    </dgm:fillClrLst>
+    <dgm:linClrLst meth="repeat">
+      <a:schemeClr val="lt1"/>
+    </dgm:linClrLst>
+    <dgm:effectClrLst/>
+    <dgm:txLinClrLst/>
+    <dgm:txFillClrLst/>
+    <dgm:txEffectClrLst/>
+  </dgm:styleLbl>
+  <dgm:styleLbl name="node4">
+    <dgm:fillClrLst>
+      <a:schemeClr val="accent1"/>
+    </dgm:fillClrLst>
+    <dgm:linClrLst meth="repeat">
+      <a:schemeClr val="lt1"/>
+    </dgm:linClrLst>
+    <dgm:effectClrLst/>
+    <dgm:txLinClrLst/>
+    <dgm:txFillClrLst/>
+    <dgm:txEffectClrLst/>
+  </dgm:styleLbl>
+  <dgm:styleLbl name="fgImgPlace1">
+    <dgm:fillClrLst>
+      <a:schemeClr val="accent4">
+        <a:tint val="50000"/>
+      </a:schemeClr>
+      <a:schemeClr val="accent5">
+        <a:tint val="50000"/>
+      </a:schemeClr>
+    </dgm:fillClrLst>
+    <dgm:linClrLst meth="repeat">
+      <a:schemeClr val="lt1"/>
+    </dgm:linClrLst>
+    <dgm:effectClrLst/>
+    <dgm:txLinClrLst/>
+    <dgm:txFillClrLst meth="repeat">
+      <a:schemeClr val="lt1"/>
+    </dgm:txFillClrLst>
+    <dgm:txEffectClrLst/>
+  </dgm:styleLbl>
+  <dgm:styleLbl name="alignImgPlace1">
+    <dgm:fillClrLst>
+      <a:schemeClr val="accent4">
+        <a:tint val="50000"/>
+      </a:schemeClr>
+      <a:schemeClr val="accent5">
+        <a:tint val="20000"/>
+      </a:schemeClr>
+    </dgm:fillClrLst>
+    <dgm:linClrLst meth="repeat">
+      <a:schemeClr val="lt1"/>
+    </dgm:linClrLst>
+    <dgm:effectClrLst/>
+    <dgm:txLinClrLst/>
+    <dgm:txFillClrLst meth="repeat">
+      <a:schemeClr val="lt1"/>
+    </dgm:txFillClrLst>
+    <dgm:txEffectClrLst/>
+  </dgm:styleLbl>
+  <dgm:styleLbl name="bgImgPlace1">
+    <dgm:fillClrLst>
+      <a:schemeClr val="accent4">
+        <a:tint val="50000"/>
+      </a:schemeClr>
+      <a:schemeClr val="accent5">
+        <a:tint val="20000"/>
+      </a:schemeClr>
+    </dgm:fillClrLst>
+    <dgm:linClrLst meth="repeat">
+      <a:schemeClr val="lt1"/>
+    </dgm:linClrLst>
+    <dgm:effectClrLst/>
+    <dgm:txLinClrLst/>
+    <dgm:txFillClrLst meth="repeat">
+      <a:schemeClr val="lt1"/>
+    </dgm:txFillClrLst>
+    <dgm:txEffectClrLst/>
+  </dgm:styleLbl>
+  <dgm:styleLbl name="sibTrans2D1">
+    <dgm:fillClrLst>
+      <a:schemeClr val="accent4"/>
+      <a:schemeClr val="accent5"/>
+    </dgm:fillClrLst>
+    <dgm:linClrLst meth="repeat">
+      <a:schemeClr val="lt1"/>
+    </dgm:linClrLst>
+    <dgm:effectClrLst/>
+    <dgm:txLinClrLst/>
+    <dgm:txFillClrLst/>
+    <dgm:txEffectClrLst/>
+  </dgm:styleLbl>
+  <dgm:styleLbl name="fgSibTrans2D1">
+    <dgm:fillClrLst>
+      <a:schemeClr val="accent4"/>
+      <a:schemeClr val="accent5"/>
+    </dgm:fillClrLst>
+    <dgm:linClrLst meth="repeat">
+      <a:schemeClr val="lt1"/>
+    </dgm:linClrLst>
+    <dgm:effectClrLst/>
+    <dgm:txLinClrLst/>
+    <dgm:txFillClrLst meth="repeat">
+      <a:schemeClr val="lt1"/>
+    </dgm:txFillClrLst>
+    <dgm:txEffectClrLst/>
+  </dgm:styleLbl>
+  <dgm:styleLbl name="bgSibTrans2D1">
+    <dgm:fillClrLst>
+      <a:schemeClr val="accent4"/>
+      <a:schemeClr val="accent5"/>
+    </dgm:fillClrLst>
+    <dgm:linClrLst meth="repeat">
+      <a:schemeClr val="lt1"/>
+    </dgm:linClrLst>
+    <dgm:effectClrLst/>
+    <dgm:txLinClrLst/>
+    <dgm:txFillClrLst meth="repeat">
+      <a:schemeClr val="lt1"/>
+    </dgm:txFillClrLst>
+    <dgm:txEffectClrLst/>
+  </dgm:styleLbl>
+  <dgm:styleLbl name="sibTrans1D1">
+    <dgm:fillClrLst/>
+    <dgm:linClrLst>
+      <a:schemeClr val="accent4"/>
+      <a:schemeClr val="accent5"/>
+    </dgm:linClrLst>
+    <dgm:effectClrLst/>
+    <dgm:txLinClrLst/>
+    <dgm:txFillClrLst meth="repeat">
+      <a:schemeClr val="tx1"/>
+    </dgm:txFillClrLst>
+    <dgm:txEffectClrLst/>
+  </dgm:styleLbl>
+  <dgm:styleLbl name="callout">
+    <dgm:fillClrLst meth="repeat">
+      <a:schemeClr val="accent4"/>
+    </dgm:fillClrLst>
+    <dgm:linClrLst meth="repeat">
+      <a:schemeClr val="accent4">
+        <a:tint val="50000"/>
+      </a:schemeClr>
+    </dgm:linClrLst>
+    <dgm:effectClrLst/>
+    <dgm:txLinClrLst/>
+    <dgm:txFillClrLst meth="repeat">
+      <a:schemeClr val="tx1"/>
+    </dgm:txFillClrLst>
+    <dgm:txEffectClrLst/>
+  </dgm:styleLbl>
+  <dgm:styleLbl name="asst0">
+    <dgm:fillClrLst meth="repeat">
+      <a:schemeClr val="accent4"/>
+    </dgm:fillClrLst>
+    <dgm:linClrLst meth="repeat">
+      <a:schemeClr val="lt1">
+        <a:shade val="80000"/>
+      </a:schemeClr>
+    </dgm:linClrLst>
+    <dgm:effectClrLst/>
+    <dgm:txLinClrLst/>
+    <dgm:txFillClrLst/>
+    <dgm:txEffectClrLst/>
+  </dgm:styleLbl>
+  <dgm:styleLbl name="asst1">
+    <dgm:fillClrLst meth="repeat">
+      <a:schemeClr val="accent5"/>
+    </dgm:fillClrLst>
+    <dgm:linClrLst meth="repeat">
+      <a:schemeClr val="lt1">
+        <a:shade val="80000"/>
+      </a:schemeClr>
+    </dgm:linClrLst>
+    <dgm:effectClrLst/>
+    <dgm:txLinClrLst/>
+    <dgm:txFillClrLst/>
+    <dgm:txEffectClrLst/>
+  </dgm:styleLbl>
+  <dgm:styleLbl name="asst2">
+    <dgm:fillClrLst>
+      <a:schemeClr val="accent6"/>
+    </dgm:fillClrLst>
+    <dgm:linClrLst meth="repeat">
+      <a:schemeClr val="lt1"/>
+    </dgm:linClrLst>
+    <dgm:effectClrLst/>
+    <dgm:txLinClrLst/>
+    <dgm:txFillClrLst/>
+    <dgm:txEffectClrLst/>
+  </dgm:styleLbl>
+  <dgm:styleLbl name="asst3">
+    <dgm:fillClrLst>
+      <a:schemeClr val="accent1"/>
+    </dgm:fillClrLst>
+    <dgm:linClrLst meth="repeat">
+      <a:schemeClr val="lt1"/>
+    </dgm:linClrLst>
+    <dgm:effectClrLst/>
+    <dgm:txLinClrLst/>
+    <dgm:txFillClrLst/>
+    <dgm:txEffectClrLst/>
+  </dgm:styleLbl>
+  <dgm:styleLbl name="asst4">
+    <dgm:fillClrLst>
+      <a:schemeClr val="accent2"/>
+    </dgm:fillClrLst>
+    <dgm:linClrLst meth="repeat">
+      <a:schemeClr val="lt1"/>
+    </dgm:linClrLst>
+    <dgm:effectClrLst/>
+    <dgm:txLinClrLst/>
+    <dgm:txFillClrLst/>
+    <dgm:txEffectClrLst/>
+  </dgm:styleLbl>
+  <dgm:styleLbl name="parChTrans2D1">
+    <dgm:fillClrLst meth="repeat">
+      <a:schemeClr val="accent4"/>
+    </dgm:fillClrLst>
+    <dgm:linClrLst meth="repeat">
+      <a:schemeClr val="lt1"/>
+    </dgm:linClrLst>
+    <dgm:effectClrLst/>
+    <dgm:txLinClrLst/>
+    <dgm:txFillClrLst meth="repeat">
+      <a:schemeClr val="lt1"/>
+    </dgm:txFillClrLst>
+    <dgm:txEffectClrLst/>
+  </dgm:styleLbl>
+  <dgm:styleLbl name="parChTrans2D2">
+    <dgm:fillClrLst meth="repeat">
+      <a:schemeClr val="accent5"/>
+    </dgm:fillClrLst>
+    <dgm:linClrLst meth="repeat">
+      <a:schemeClr val="lt1"/>
+    </dgm:linClrLst>
+    <dgm:effectClrLst/>
+    <dgm:txLinClrLst/>
+    <dgm:txFillClrLst/>
+    <dgm:txEffectClrLst/>
+  </dgm:styleLbl>
+  <dgm:styleLbl name="parChTrans2D3">
+    <dgm:fillClrLst meth="repeat">
+      <a:schemeClr val="accent5"/>
+    </dgm:fillClrLst>
+    <dgm:linClrLst meth="repeat">
+      <a:schemeClr val="lt1"/>
+    </dgm:linClrLst>
+    <dgm:effectClrLst/>
+    <dgm:txLinClrLst/>
+    <dgm:txFillClrLst/>
+    <dgm:txEffectClrLst/>
+  </dgm:styleLbl>
+  <dgm:styleLbl name="parChTrans2D4">
+    <dgm:fillClrLst meth="repeat">
+      <a:schemeClr val="accent6"/>
+    </dgm:fillClrLst>
+    <dgm:linClrLst meth="repeat">
+      <a:schemeClr val="lt1"/>
+    </dgm:linClrLst>
+    <dgm:effectClrLst/>
+    <dgm:txLinClrLst/>
+    <dgm:txFillClrLst meth="repeat">
+      <a:schemeClr val="lt1"/>
+    </dgm:txFillClrLst>
+    <dgm:txEffectClrLst/>
+  </dgm:styleLbl>
+  <dgm:styleLbl name="parChTrans1D1">
+    <dgm:fillClrLst meth="repeat">
+      <a:schemeClr val="accent4"/>
+    </dgm:fillClrLst>
+    <dgm:linClrLst meth="repeat">
+      <a:schemeClr val="accent4"/>
+    </dgm:linClrLst>
+    <dgm:effectClrLst/>
+    <dgm:txLinClrLst/>
+    <dgm:txFillClrLst meth="repeat">
+      <a:schemeClr val="tx1"/>
+    </dgm:txFillClrLst>
+    <dgm:txEffectClrLst/>
+  </dgm:styleLbl>
+  <dgm:styleLbl name="parChTrans1D2">
+    <dgm:fillClrLst meth="repeat">
+      <a:schemeClr val="accent4">
+        <a:tint val="90000"/>
+      </a:schemeClr>
+    </dgm:fillClrLst>
+    <dgm:linClrLst meth="repeat">
+      <a:schemeClr val="accent5"/>
+    </dgm:linClrLst>
+    <dgm:effectClrLst/>
+    <dgm:txLinClrLst/>
+    <dgm:txFillClrLst meth="repeat">
+      <a:schemeClr val="tx1"/>
+    </dgm:txFillClrLst>
+    <dgm:txEffectClrLst/>
+  </dgm:styleLbl>
+  <dgm:styleLbl name="parChTrans1D3">
+    <dgm:fillClrLst meth="repeat">
+      <a:schemeClr val="accent4">
+        <a:tint val="70000"/>
+      </a:schemeClr>
+    </dgm:fillClrLst>
+    <dgm:linClrLst meth="repeat">
+      <a:schemeClr val="accent6"/>
+    </dgm:linClrLst>
+    <dgm:effectClrLst/>
+    <dgm:txLinClrLst/>
+    <dgm:txFillClrLst meth="repeat">
+      <a:schemeClr val="tx1"/>
+    </dgm:txFillClrLst>
+    <dgm:txEffectClrLst/>
+  </dgm:styleLbl>
+  <dgm:styleLbl name="parChTrans1D4">
+    <dgm:fillClrLst meth="repeat">
+      <a:schemeClr val="accent4">
+        <a:tint val="50000"/>
+      </a:schemeClr>
+    </dgm:fillClrLst>
+    <dgm:linClrLst meth="repeat">
+      <a:schemeClr val="accent1"/>
+    </dgm:linClrLst>
+    <dgm:effectClrLst/>
+    <dgm:txLinClrLst/>
+    <dgm:txFillClrLst meth="repeat">
+      <a:schemeClr val="tx1"/>
+    </dgm:txFillClrLst>
+    <dgm:txEffectClrLst/>
+  </dgm:styleLbl>
+  <dgm:styleLbl name="fgAcc1">
+    <dgm:fillClrLst meth="repeat">
+      <a:schemeClr val="lt1">
+        <a:alpha val="90000"/>
+      </a:schemeClr>
+    </dgm:fillClrLst>
+    <dgm:linClrLst>
+      <a:schemeClr val="accent4"/>
+      <a:schemeClr val="accent5"/>
+    </dgm:linClrLst>
+    <dgm:effectClrLst/>
+    <dgm:txLinClrLst/>
+    <dgm:txFillClrLst meth="repeat">
+      <a:schemeClr val="dk1"/>
+    </dgm:txFillClrLst>
+    <dgm:txEffectClrLst/>
+  </dgm:styleLbl>
+  <dgm:styleLbl name="conFgAcc1">
+    <dgm:fillClrLst meth="repeat">
+      <a:schemeClr val="lt1">
+        <a:alpha val="90000"/>
+      </a:schemeClr>
+    </dgm:fillClrLst>
+    <dgm:linClrLst>
+      <a:schemeClr val="accent4"/>
+      <a:schemeClr val="accent5"/>
+    </dgm:linClrLst>
+    <dgm:effectClrLst/>
+    <dgm:txLinClrLst/>
+    <dgm:txFillClrLst meth="repeat">
+      <a:schemeClr val="dk1"/>
+    </dgm:txFillClrLst>
+    <dgm:txEffectClrLst/>
+  </dgm:styleLbl>
+  <dgm:styleLbl name="alignAcc1">
+    <dgm:fillClrLst meth="repeat">
+      <a:schemeClr val="lt1">
+        <a:alpha val="90000"/>
+      </a:schemeClr>
+    </dgm:fillClrLst>
+    <dgm:linClrLst>
+      <a:schemeClr val="accent4"/>
+      <a:schemeClr val="accent5"/>
+    </dgm:linClrLst>
+    <dgm:effectClrLst/>
+    <dgm:txLinClrLst/>
+    <dgm:txFillClrLst meth="repeat">
+      <a:schemeClr val="dk1"/>
+    </dgm:txFillClrLst>
+    <dgm:txEffectClrLst/>
+  </dgm:styleLbl>
+  <dgm:styleLbl name="trAlignAcc1">
+    <dgm:fillClrLst meth="repeat">
+      <a:schemeClr val="lt1">
+        <a:alpha val="40000"/>
+      </a:schemeClr>
+    </dgm:fillClrLst>
+    <dgm:linClrLst meth="repeat">
+      <a:schemeClr val="accent4"/>
+    </dgm:linClrLst>
+    <dgm:effectClrLst/>
+    <dgm:txLinClrLst/>
+    <dgm:txFillClrLst meth="repeat">
+      <a:schemeClr val="dk1"/>
+    </dgm:txFillClrLst>
+    <dgm:txEffectClrLst/>
+  </dgm:styleLbl>
+  <dgm:styleLbl name="bgAcc1">
+    <dgm:fillClrLst meth="repeat">
+      <a:schemeClr val="lt1">
+        <a:alpha val="90000"/>
+      </a:schemeClr>
+    </dgm:fillClrLst>
+    <dgm:linClrLst>
+      <a:schemeClr val="accent4"/>
+      <a:schemeClr val="accent5"/>
+    </dgm:linClrLst>
+    <dgm:effectClrLst/>
+    <dgm:txLinClrLst/>
+    <dgm:txFillClrLst meth="repeat">
+      <a:schemeClr val="dk1"/>
+    </dgm:txFillClrLst>
+    <dgm:txEffectClrLst/>
+  </dgm:styleLbl>
+  <dgm:styleLbl name="solidFgAcc1">
+    <dgm:fillClrLst meth="repeat">
+      <a:schemeClr val="lt1"/>
+    </dgm:fillClrLst>
+    <dgm:linClrLst>
+      <a:schemeClr val="accent4"/>
+      <a:schemeClr val="accent5"/>
+    </dgm:linClrLst>
+    <dgm:effectClrLst/>
+    <dgm:txLinClrLst/>
+    <dgm:txFillClrLst meth="repeat">
+      <a:schemeClr val="dk1"/>
+    </dgm:txFillClrLst>
+    <dgm:txEffectClrLst/>
+  </dgm:styleLbl>
+  <dgm:styleLbl name="solidAlignAcc1">
+    <dgm:fillClrLst meth="repeat">
+      <a:schemeClr val="lt1"/>
+    </dgm:fillClrLst>
+    <dgm:linClrLst>
+      <a:schemeClr val="accent4"/>
+      <a:schemeClr val="accent5"/>
+    </dgm:linClrLst>
+    <dgm:effectClrLst/>
+    <dgm:txLinClrLst/>
+    <dgm:txFillClrLst meth="repeat">
+      <a:schemeClr val="dk1"/>
+    </dgm:txFillClrLst>
+    <dgm:txEffectClrLst/>
+  </dgm:styleLbl>
+  <dgm:styleLbl name="solidBgAcc1">
+    <dgm:fillClrLst meth="repeat">
+      <a:schemeClr val="lt1"/>
+    </dgm:fillClrLst>
+    <dgm:linClrLst>
+      <a:schemeClr val="accent4"/>
+      <a:schemeClr val="accent5"/>
+    </dgm:linClrLst>
+    <dgm:effectClrLst/>
+    <dgm:txLinClrLst/>
+    <dgm:txFillClrLst meth="repeat">
+      <a:schemeClr val="dk1"/>
+    </dgm:txFillClrLst>
+    <dgm:txEffectClrLst/>
+  </dgm:styleLbl>
+  <dgm:styleLbl name="fgAccFollowNode1">
+    <dgm:fillClrLst>
+      <a:schemeClr val="accent4">
+        <a:tint val="40000"/>
+        <a:alpha val="90000"/>
+      </a:schemeClr>
+      <a:schemeClr val="accent5">
+        <a:tint val="40000"/>
+        <a:alpha val="90000"/>
+      </a:schemeClr>
+    </dgm:fillClrLst>
+    <dgm:linClrLst>
+      <a:schemeClr val="accent4">
+        <a:tint val="40000"/>
+        <a:alpha val="90000"/>
+      </a:schemeClr>
+      <a:schemeClr val="accent5">
+        <a:tint val="40000"/>
+        <a:alpha val="90000"/>
+      </a:schemeClr>
+    </dgm:linClrLst>
+    <dgm:effectClrLst/>
+    <dgm:txLinClrLst/>
+    <dgm:txFillClrLst meth="repeat">
+      <a:schemeClr val="dk1"/>
+    </dgm:txFillClrLst>
+    <dgm:txEffectClrLst/>
+  </dgm:styleLbl>
+  <dgm:styleLbl name="alignAccFollowNode1">
+    <dgm:fillClrLst>
+      <a:schemeClr val="accent4">
+        <a:tint val="40000"/>
+        <a:alpha val="90000"/>
+      </a:schemeClr>
+      <a:schemeClr val="accent5">
+        <a:tint val="40000"/>
+        <a:alpha val="90000"/>
+      </a:schemeClr>
+    </dgm:fillClrLst>
+    <dgm:linClrLst>
+      <a:schemeClr val="accent4">
+        <a:tint val="40000"/>
+        <a:alpha val="90000"/>
+      </a:schemeClr>
+      <a:schemeClr val="accent5">
+        <a:tint val="40000"/>
+        <a:alpha val="90000"/>
+      </a:schemeClr>
+    </dgm:linClrLst>
+    <dgm:effectClrLst/>
+    <dgm:txLinClrLst/>
+    <dgm:txFillClrLst meth="repeat">
+      <a:schemeClr val="dk1"/>
+    </dgm:txFillClrLst>
+    <dgm:txEffectClrLst/>
+  </dgm:styleLbl>
+  <dgm:styleLbl name="bgAccFollowNode1">
+    <dgm:fillClrLst>
+      <a:schemeClr val="accent4">
+        <a:tint val="40000"/>
+        <a:alpha val="90000"/>
+      </a:schemeClr>
+      <a:schemeClr val="accent5">
+        <a:tint val="40000"/>
+        <a:alpha val="90000"/>
+      </a:schemeClr>
+    </dgm:fillClrLst>
+    <dgm:linClrLst>
+      <a:schemeClr val="accent4">
+        <a:tint val="40000"/>
+        <a:alpha val="90000"/>
+      </a:schemeClr>
+      <a:schemeClr val="accent5">
+        <a:tint val="40000"/>
+        <a:alpha val="90000"/>
+      </a:schemeClr>
+    </dgm:linClrLst>
+    <dgm:effectClrLst/>
+    <dgm:txLinClrLst/>
+    <dgm:txFillClrLst meth="repeat">
+      <a:schemeClr val="dk1"/>
+    </dgm:txFillClrLst>
+    <dgm:txEffectClrLst/>
+  </dgm:styleLbl>
+  <dgm:styleLbl name="fgAcc0">
+    <dgm:fillClrLst meth="repeat">
+      <a:schemeClr val="lt1">
+        <a:alpha val="90000"/>
+      </a:schemeClr>
+    </dgm:fillClrLst>
+    <dgm:linClrLst>
+      <a:schemeClr val="accent3"/>
+    </dgm:linClrLst>
+    <dgm:effectClrLst/>
+    <dgm:txLinClrLst/>
+    <dgm:txFillClrLst meth="repeat">
+      <a:schemeClr val="dk1"/>
+    </dgm:txFillClrLst>
+    <dgm:txEffectClrLst/>
+  </dgm:styleLbl>
+  <dgm:styleLbl name="fgAcc2">
+    <dgm:fillClrLst meth="repeat">
+      <a:schemeClr val="lt1">
+        <a:alpha val="90000"/>
+      </a:schemeClr>
+    </dgm:fillClrLst>
+    <dgm:linClrLst>
+      <a:schemeClr val="accent5"/>
+    </dgm:linClrLst>
+    <dgm:effectClrLst/>
+    <dgm:txLinClrLst/>
+    <dgm:txFillClrLst meth="repeat">
+      <a:schemeClr val="dk1"/>
+    </dgm:txFillClrLst>
+    <dgm:txEffectClrLst/>
+  </dgm:styleLbl>
+  <dgm:styleLbl name="fgAcc3">
+    <dgm:fillClrLst meth="repeat">
+      <a:schemeClr val="lt1">
+        <a:alpha val="90000"/>
+      </a:schemeClr>
+    </dgm:fillClrLst>
+    <dgm:linClrLst>
+      <a:schemeClr val="accent6"/>
+    </dgm:linClrLst>
+    <dgm:effectClrLst/>
+    <dgm:txLinClrLst/>
+    <dgm:txFillClrLst meth="repeat">
+      <a:schemeClr val="dk1"/>
+    </dgm:txFillClrLst>
+    <dgm:txEffectClrLst/>
+  </dgm:styleLbl>
+  <dgm:styleLbl name="fgAcc4">
+    <dgm:fillClrLst meth="repeat">
+      <a:schemeClr val="lt1">
+        <a:alpha val="90000"/>
+      </a:schemeClr>
+    </dgm:fillClrLst>
+    <dgm:linClrLst>
+      <a:schemeClr val="accent1"/>
+    </dgm:linClrLst>
+    <dgm:effectClrLst/>
+    <dgm:txLinClrLst/>
+    <dgm:txFillClrLst meth="repeat">
+      <a:schemeClr val="dk1"/>
+    </dgm:txFillClrLst>
+    <dgm:txEffectClrLst/>
+  </dgm:styleLbl>
+  <dgm:styleLbl name="bgShp">
+    <dgm:fillClrLst meth="repeat">
+      <a:schemeClr val="accent4">
+        <a:tint val="40000"/>
+      </a:schemeClr>
+    </dgm:fillClrLst>
+    <dgm:linClrLst meth="repeat">
+      <a:schemeClr val="dk1"/>
+    </dgm:linClrLst>
+    <dgm:effectClrLst/>
+    <dgm:txLinClrLst/>
+    <dgm:txFillClrLst meth="repeat">
+      <a:schemeClr val="dk1"/>
+    </dgm:txFillClrLst>
+    <dgm:txEffectClrLst/>
+  </dgm:styleLbl>
+  <dgm:styleLbl name="dkBgShp">
+    <dgm:fillClrLst meth="repeat">
+      <a:schemeClr val="accent4">
+        <a:shade val="90000"/>
+      </a:schemeClr>
+    </dgm:fillClrLst>
+    <dgm:linClrLst meth="repeat">
+      <a:schemeClr val="dk1"/>
+    </dgm:linClrLst>
+    <dgm:effectClrLst/>
+    <dgm:txLinClrLst/>
+    <dgm:txFillClrLst meth="repeat">
+      <a:schemeClr val="lt1"/>
+    </dgm:txFillClrLst>
+    <dgm:txEffectClrLst/>
+  </dgm:styleLbl>
+  <dgm:styleLbl name="trBgShp">
+    <dgm:fillClrLst meth="repeat">
+      <a:schemeClr val="accent4">
+        <a:tint val="50000"/>
+        <a:alpha val="40000"/>
+      </a:schemeClr>
+    </dgm:fillClrLst>
+    <dgm:linClrLst meth="repeat">
+      <a:schemeClr val="accent4"/>
+    </dgm:linClrLst>
+    <dgm:effectClrLst/>
+    <dgm:txLinClrLst/>
+    <dgm:txFillClrLst meth="repeat">
+      <a:schemeClr val="lt1"/>
+    </dgm:txFillClrLst>
+    <dgm:txEffectClrLst/>
+  </dgm:styleLbl>
+  <dgm:styleLbl name="fgShp">
+    <dgm:fillClrLst meth="repeat">
+      <a:schemeClr val="accent4">
+        <a:tint val="40000"/>
+      </a:schemeClr>
+    </dgm:fillClrLst>
+    <dgm:linClrLst meth="repeat">
+      <a:schemeClr val="lt1"/>
+    </dgm:linClrLst>
+    <dgm:effectClrLst/>
+    <dgm:txLinClrLst/>
+    <dgm:txFillClrLst meth="repeat">
+      <a:schemeClr val="dk1"/>
+    </dgm:txFillClrLst>
+    <dgm:txEffectClrLst/>
+  </dgm:styleLbl>
+  <dgm:styleLbl name="revTx">
+    <dgm:fillClrLst meth="repeat">
+      <a:schemeClr val="lt1">
+        <a:alpha val="0"/>
+      </a:schemeClr>
+    </dgm:fillClrLst>
+    <dgm:linClrLst meth="repeat">
+      <a:schemeClr val="dk1">
+        <a:alpha val="0"/>
+      </a:schemeClr>
+    </dgm:linClrLst>
+    <dgm:effectClrLst/>
+    <dgm:txLinClrLst/>
+    <dgm:txFillClrLst meth="repeat">
+      <a:schemeClr val="tx1"/>
+    </dgm:txFillClrLst>
+    <dgm:txEffectClrLst/>
+  </dgm:styleLbl>
+</dgm:colorsDef>
+</file>
+
+<file path=ppt/diagrams/data1.xml><?xml version="1.0" encoding="utf-8"?>
+<dgm:dataModel xmlns:dgm="http://schemas.openxmlformats.org/drawingml/2006/diagram" xmlns:a="http://schemas.openxmlformats.org/drawingml/2006/main">
+  <dgm:ptLst>
+    <dgm:pt modelId="{2570401D-BAD5-4D2D-A9B0-CC50194A0415}" type="doc">
+      <dgm:prSet loTypeId="urn:microsoft.com/office/officeart/2005/8/layout/hierarchy4" loCatId="list" qsTypeId="urn:microsoft.com/office/officeart/2005/8/quickstyle/simple1" qsCatId="simple" csTypeId="urn:microsoft.com/office/officeart/2005/8/colors/accent1_2" csCatId="accent1" phldr="1"/>
+      <dgm:spPr/>
+      <dgm:t>
+        <a:bodyPr/>
+        <a:lstStyle/>
+        <a:p>
+          <a:endParaRPr lang="en-US"/>
+        </a:p>
+      </dgm:t>
+    </dgm:pt>
+    <dgm:pt modelId="{B69724CB-F1AB-40A1-AAA4-20962A1EB9DC}">
+      <dgm:prSet>
+        <dgm:style>
+          <a:lnRef idx="3">
+            <a:schemeClr val="lt1"/>
+          </a:lnRef>
+          <a:fillRef idx="1">
+            <a:schemeClr val="accent6"/>
+          </a:fillRef>
+          <a:effectRef idx="1">
+            <a:schemeClr val="accent6"/>
+          </a:effectRef>
+          <a:fontRef idx="minor">
+            <a:schemeClr val="lt1"/>
+          </a:fontRef>
+        </dgm:style>
+      </dgm:prSet>
+      <dgm:spPr/>
+      <dgm:t>
+        <a:bodyPr/>
+        <a:lstStyle/>
+        <a:p>
+          <a:r>
+            <a:rPr lang="en-US" dirty="0" smtClean="0"/>
+            <a:t>GPU Hardware</a:t>
+          </a:r>
+          <a:endParaRPr lang="en-US" dirty="0"/>
+        </a:p>
+      </dgm:t>
+    </dgm:pt>
+    <dgm:pt modelId="{9F2EED54-A29A-4221-9653-A33E8DC38208}" type="parTrans" cxnId="{8B599F15-9680-4C99-8BC1-4EA00A174534}">
+      <dgm:prSet/>
+      <dgm:spPr/>
+      <dgm:t>
+        <a:bodyPr/>
+        <a:lstStyle/>
+        <a:p>
+          <a:endParaRPr lang="en-US"/>
+        </a:p>
+      </dgm:t>
+    </dgm:pt>
+    <dgm:pt modelId="{9578998C-583C-4BA4-A025-221238297083}" type="sibTrans" cxnId="{8B599F15-9680-4C99-8BC1-4EA00A174534}">
+      <dgm:prSet/>
+      <dgm:spPr/>
+      <dgm:t>
+        <a:bodyPr/>
+        <a:lstStyle/>
+        <a:p>
+          <a:endParaRPr lang="en-US"/>
+        </a:p>
+      </dgm:t>
+    </dgm:pt>
+    <dgm:pt modelId="{66134256-F92D-4576-AE22-D2A021C1FAA9}">
+      <dgm:prSet>
+        <dgm:style>
+          <a:lnRef idx="3">
+            <a:schemeClr val="lt1"/>
+          </a:lnRef>
+          <a:fillRef idx="1">
+            <a:schemeClr val="accent2"/>
+          </a:fillRef>
+          <a:effectRef idx="1">
+            <a:schemeClr val="accent2"/>
+          </a:effectRef>
+          <a:fontRef idx="minor">
+            <a:schemeClr val="lt1"/>
+          </a:fontRef>
+        </dgm:style>
+      </dgm:prSet>
+      <dgm:spPr/>
+      <dgm:t>
+        <a:bodyPr/>
+        <a:lstStyle/>
+        <a:p>
+          <a:r>
+            <a:rPr lang="en-US" dirty="0" err="1" smtClean="0"/>
+            <a:t>OpenCL</a:t>
+          </a:r>
+          <a:r>
+            <a:rPr lang="en-US" dirty="0" smtClean="0"/>
+            <a:t> Driver</a:t>
+          </a:r>
+          <a:endParaRPr lang="en-US" dirty="0"/>
+        </a:p>
+      </dgm:t>
+    </dgm:pt>
+    <dgm:pt modelId="{234677D8-5922-447D-BFFA-C32595B6A78E}" type="parTrans" cxnId="{2EC33B67-6F69-4503-872E-CEA26B60DA93}">
+      <dgm:prSet/>
+      <dgm:spPr/>
+      <dgm:t>
+        <a:bodyPr/>
+        <a:lstStyle/>
+        <a:p>
+          <a:endParaRPr lang="en-US"/>
+        </a:p>
+      </dgm:t>
+    </dgm:pt>
+    <dgm:pt modelId="{4BE6E731-C572-4C81-86BC-A6C72944C8BA}" type="sibTrans" cxnId="{2EC33B67-6F69-4503-872E-CEA26B60DA93}">
+      <dgm:prSet/>
+      <dgm:spPr/>
+      <dgm:t>
+        <a:bodyPr/>
+        <a:lstStyle/>
+        <a:p>
+          <a:endParaRPr lang="en-US"/>
+        </a:p>
+      </dgm:t>
+    </dgm:pt>
+    <dgm:pt modelId="{366D7E94-92CA-4670-B306-D54384B5B89A}">
+      <dgm:prSet>
+        <dgm:style>
+          <a:lnRef idx="3">
+            <a:schemeClr val="lt1"/>
+          </a:lnRef>
+          <a:fillRef idx="1">
+            <a:schemeClr val="accent3"/>
+          </a:fillRef>
+          <a:effectRef idx="1">
+            <a:schemeClr val="accent3"/>
+          </a:effectRef>
+          <a:fontRef idx="minor">
+            <a:schemeClr val="lt1"/>
+          </a:fontRef>
+        </dgm:style>
+      </dgm:prSet>
+      <dgm:spPr/>
+      <dgm:t>
+        <a:bodyPr/>
+        <a:lstStyle/>
+        <a:p>
+          <a:r>
+            <a:rPr lang="en-US" dirty="0" err="1" smtClean="0"/>
+            <a:t>OpenCL</a:t>
+          </a:r>
+          <a:r>
+            <a:rPr lang="en-US" dirty="0" smtClean="0"/>
+            <a:t> API</a:t>
+          </a:r>
+          <a:endParaRPr lang="en-US" dirty="0"/>
+        </a:p>
+      </dgm:t>
+    </dgm:pt>
+    <dgm:pt modelId="{2B5F00F2-D0BF-4754-B5B1-C751B5F775AE}" type="parTrans" cxnId="{17EEF923-D943-4588-AA01-2A8EBCB1A536}">
+      <dgm:prSet/>
+      <dgm:spPr/>
+      <dgm:t>
+        <a:bodyPr/>
+        <a:lstStyle/>
+        <a:p>
+          <a:endParaRPr lang="en-US"/>
+        </a:p>
+      </dgm:t>
+    </dgm:pt>
+    <dgm:pt modelId="{EB5516E1-F9A8-4C5A-8F82-BA4BDA2C249A}" type="sibTrans" cxnId="{17EEF923-D943-4588-AA01-2A8EBCB1A536}">
+      <dgm:prSet/>
+      <dgm:spPr/>
+      <dgm:t>
+        <a:bodyPr/>
+        <a:lstStyle/>
+        <a:p>
+          <a:endParaRPr lang="en-US"/>
+        </a:p>
+      </dgm:t>
+    </dgm:pt>
+    <dgm:pt modelId="{9AD2CF16-C82E-4D58-AAC6-45C9D90A00B6}">
+      <dgm:prSet>
+        <dgm:style>
+          <a:lnRef idx="3">
+            <a:schemeClr val="lt1"/>
+          </a:lnRef>
+          <a:fillRef idx="1">
+            <a:schemeClr val="accent4"/>
+          </a:fillRef>
+          <a:effectRef idx="1">
+            <a:schemeClr val="accent4"/>
+          </a:effectRef>
+          <a:fontRef idx="minor">
+            <a:schemeClr val="lt1"/>
+          </a:fontRef>
+        </dgm:style>
+      </dgm:prSet>
+      <dgm:spPr/>
+      <dgm:t>
+        <a:bodyPr/>
+        <a:lstStyle/>
+        <a:p>
+          <a:r>
+            <a:rPr lang="en-US" dirty="0" err="1" smtClean="0"/>
+            <a:t>OpenCL</a:t>
+          </a:r>
+          <a:r>
+            <a:rPr lang="en-US" dirty="0" smtClean="0"/>
+            <a:t> C Compiler</a:t>
+          </a:r>
+          <a:endParaRPr lang="en-US" dirty="0"/>
+        </a:p>
+      </dgm:t>
+    </dgm:pt>
+    <dgm:pt modelId="{388D13E0-9496-41A3-87F0-ECB2353CDD04}" type="parTrans" cxnId="{316FBAA0-D175-4FCD-ABE8-8EFAA4A5A7BE}">
+      <dgm:prSet/>
+      <dgm:spPr/>
+      <dgm:t>
+        <a:bodyPr/>
+        <a:lstStyle/>
+        <a:p>
+          <a:endParaRPr lang="en-US"/>
+        </a:p>
+      </dgm:t>
+    </dgm:pt>
+    <dgm:pt modelId="{80957C3C-E837-470F-8038-D69BFF6C9403}" type="sibTrans" cxnId="{316FBAA0-D175-4FCD-ABE8-8EFAA4A5A7BE}">
+      <dgm:prSet/>
+      <dgm:spPr/>
+      <dgm:t>
+        <a:bodyPr/>
+        <a:lstStyle/>
+        <a:p>
+          <a:endParaRPr lang="en-US"/>
+        </a:p>
+      </dgm:t>
+    </dgm:pt>
+    <dgm:pt modelId="{BF681AE9-5934-45B5-A6A5-7DE362FE8102}">
+      <dgm:prSet>
+        <dgm:style>
+          <a:lnRef idx="3">
+            <a:schemeClr val="lt1"/>
+          </a:lnRef>
+          <a:fillRef idx="1">
+            <a:schemeClr val="accent5"/>
+          </a:fillRef>
+          <a:effectRef idx="1">
+            <a:schemeClr val="accent5"/>
+          </a:effectRef>
+          <a:fontRef idx="minor">
+            <a:schemeClr val="lt1"/>
+          </a:fontRef>
+        </dgm:style>
+      </dgm:prSet>
+      <dgm:spPr/>
+      <dgm:t>
+        <a:bodyPr/>
+        <a:lstStyle/>
+        <a:p>
+          <a:r>
+            <a:rPr lang="en-US" dirty="0" smtClean="0"/>
+            <a:t>Application</a:t>
+          </a:r>
+          <a:endParaRPr lang="en-US" dirty="0"/>
+        </a:p>
+      </dgm:t>
+    </dgm:pt>
+    <dgm:pt modelId="{493006C7-EBB4-4DE2-B6C0-896A2242D751}" type="parTrans" cxnId="{548DE61A-A289-4441-9284-1BC90B7EC5B1}">
+      <dgm:prSet/>
+      <dgm:spPr/>
+      <dgm:t>
+        <a:bodyPr/>
+        <a:lstStyle/>
+        <a:p>
+          <a:endParaRPr lang="en-US"/>
+        </a:p>
+      </dgm:t>
+    </dgm:pt>
+    <dgm:pt modelId="{0A3AF4C2-C804-4178-9966-F319A96A46FC}" type="sibTrans" cxnId="{548DE61A-A289-4441-9284-1BC90B7EC5B1}">
+      <dgm:prSet/>
+      <dgm:spPr/>
+      <dgm:t>
+        <a:bodyPr/>
+        <a:lstStyle/>
+        <a:p>
+          <a:endParaRPr lang="en-US"/>
+        </a:p>
+      </dgm:t>
+    </dgm:pt>
+    <dgm:pt modelId="{3AC9DC90-E03E-4F68-BA8F-369FC505E9A0}">
+      <dgm:prSet>
+        <dgm:style>
+          <a:lnRef idx="3">
+            <a:schemeClr val="lt1"/>
+          </a:lnRef>
+          <a:fillRef idx="1">
+            <a:schemeClr val="accent1"/>
+          </a:fillRef>
+          <a:effectRef idx="1">
+            <a:schemeClr val="accent1"/>
+          </a:effectRef>
+          <a:fontRef idx="minor">
+            <a:schemeClr val="lt1"/>
+          </a:fontRef>
+        </dgm:style>
+      </dgm:prSet>
+      <dgm:spPr/>
+      <dgm:t>
+        <a:bodyPr/>
+        <a:lstStyle/>
+        <a:p>
+          <a:r>
+            <a:rPr lang="en-US" dirty="0" err="1" smtClean="0"/>
+            <a:t>OpenCL</a:t>
+          </a:r>
+          <a:r>
+            <a:rPr lang="en-US" dirty="0" smtClean="0"/>
+            <a:t> Kernels</a:t>
+          </a:r>
+          <a:endParaRPr lang="en-US" dirty="0"/>
+        </a:p>
+      </dgm:t>
+    </dgm:pt>
+    <dgm:pt modelId="{0B4B39FD-B547-481E-AAB5-493DB07E2EE6}" type="parTrans" cxnId="{FCE2FB4D-E044-43A2-91DD-B832EBDE4D0F}">
+      <dgm:prSet/>
+      <dgm:spPr/>
+      <dgm:t>
+        <a:bodyPr/>
+        <a:lstStyle/>
+        <a:p>
+          <a:endParaRPr lang="en-US"/>
+        </a:p>
+      </dgm:t>
+    </dgm:pt>
+    <dgm:pt modelId="{7F399DC5-060B-4D2F-91B5-6CB99FDB1117}" type="sibTrans" cxnId="{FCE2FB4D-E044-43A2-91DD-B832EBDE4D0F}">
+      <dgm:prSet/>
+      <dgm:spPr/>
+      <dgm:t>
+        <a:bodyPr/>
+        <a:lstStyle/>
+        <a:p>
+          <a:endParaRPr lang="en-US"/>
+        </a:p>
+      </dgm:t>
+    </dgm:pt>
+    <dgm:pt modelId="{87852516-88AE-4048-9609-BDA4E724FAD9}" type="pres">
+      <dgm:prSet presAssocID="{2570401D-BAD5-4D2D-A9B0-CC50194A0415}" presName="Name0" presStyleCnt="0">
+        <dgm:presLayoutVars>
+          <dgm:chPref val="1"/>
+          <dgm:dir/>
+          <dgm:animOne val="branch"/>
+          <dgm:animLvl val="lvl"/>
+          <dgm:resizeHandles/>
+        </dgm:presLayoutVars>
+      </dgm:prSet>
+      <dgm:spPr/>
+    </dgm:pt>
+    <dgm:pt modelId="{9B6E6972-E4AE-4DE4-885C-D4859D8363DC}" type="pres">
+      <dgm:prSet presAssocID="{B69724CB-F1AB-40A1-AAA4-20962A1EB9DC}" presName="vertOne" presStyleCnt="0"/>
+      <dgm:spPr/>
+    </dgm:pt>
+    <dgm:pt modelId="{F1971DE9-7C45-48F6-9EA2-BE23119F160B}" type="pres">
+      <dgm:prSet presAssocID="{B69724CB-F1AB-40A1-AAA4-20962A1EB9DC}" presName="txOne" presStyleLbl="node0" presStyleIdx="0" presStyleCnt="1" custLinFactY="300000" custLinFactNeighborX="-47" custLinFactNeighborY="348510">
+        <dgm:presLayoutVars>
+          <dgm:chPref val="3"/>
+        </dgm:presLayoutVars>
+      </dgm:prSet>
+      <dgm:spPr/>
+    </dgm:pt>
+    <dgm:pt modelId="{524D5B51-FCE5-435A-95CA-EF46512C12DA}" type="pres">
+      <dgm:prSet presAssocID="{B69724CB-F1AB-40A1-AAA4-20962A1EB9DC}" presName="parTransOne" presStyleCnt="0"/>
+      <dgm:spPr/>
+    </dgm:pt>
+    <dgm:pt modelId="{F8218940-CC01-4C58-B3C6-9103604F6885}" type="pres">
+      <dgm:prSet presAssocID="{B69724CB-F1AB-40A1-AAA4-20962A1EB9DC}" presName="horzOne" presStyleCnt="0"/>
+      <dgm:spPr/>
+    </dgm:pt>
+    <dgm:pt modelId="{FF19FC83-E148-4C90-B1CC-C732342B5482}" type="pres">
+      <dgm:prSet presAssocID="{66134256-F92D-4576-AE22-D2A021C1FAA9}" presName="vertTwo" presStyleCnt="0"/>
+      <dgm:spPr/>
+    </dgm:pt>
+    <dgm:pt modelId="{A4F4F6B8-5463-4FB2-9333-1C9CB354EF04}" type="pres">
+      <dgm:prSet presAssocID="{66134256-F92D-4576-AE22-D2A021C1FAA9}" presName="txTwo" presStyleLbl="node2" presStyleIdx="0" presStyleCnt="1" custLinFactY="99427" custLinFactNeighborX="-47" custLinFactNeighborY="100000">
+        <dgm:presLayoutVars>
+          <dgm:chPref val="3"/>
+        </dgm:presLayoutVars>
+      </dgm:prSet>
+      <dgm:spPr/>
+      <dgm:t>
+        <a:bodyPr/>
+        <a:lstStyle/>
+        <a:p>
+          <a:endParaRPr lang="en-US"/>
+        </a:p>
+      </dgm:t>
+    </dgm:pt>
+    <dgm:pt modelId="{CFC12805-679F-4153-B30F-953D536ACD0A}" type="pres">
+      <dgm:prSet presAssocID="{66134256-F92D-4576-AE22-D2A021C1FAA9}" presName="parTransTwo" presStyleCnt="0"/>
+      <dgm:spPr/>
+    </dgm:pt>
+    <dgm:pt modelId="{4F0712B1-E8DD-4758-8B63-252EB4C4830C}" type="pres">
+      <dgm:prSet presAssocID="{66134256-F92D-4576-AE22-D2A021C1FAA9}" presName="horzTwo" presStyleCnt="0"/>
+      <dgm:spPr/>
+    </dgm:pt>
+    <dgm:pt modelId="{806DBAB0-7C2D-4BB1-A20F-D040DBA8E4CE}" type="pres">
+      <dgm:prSet presAssocID="{366D7E94-92CA-4670-B306-D54384B5B89A}" presName="vertThree" presStyleCnt="0"/>
+      <dgm:spPr/>
+    </dgm:pt>
+    <dgm:pt modelId="{A7663967-F6E8-4D05-BFE7-B69A6D9FBB28}" type="pres">
+      <dgm:prSet presAssocID="{366D7E94-92CA-4670-B306-D54384B5B89A}" presName="txThree" presStyleLbl="node3" presStyleIdx="0" presStyleCnt="2" custLinFactY="-99427" custLinFactNeighborX="321" custLinFactNeighborY="-100000">
+        <dgm:presLayoutVars>
+          <dgm:chPref val="3"/>
+        </dgm:presLayoutVars>
+      </dgm:prSet>
+      <dgm:spPr/>
+    </dgm:pt>
+    <dgm:pt modelId="{28BDD9D1-2C61-435D-A54D-FF6E6688D79F}" type="pres">
+      <dgm:prSet presAssocID="{366D7E94-92CA-4670-B306-D54384B5B89A}" presName="parTransThree" presStyleCnt="0"/>
+      <dgm:spPr/>
+    </dgm:pt>
+    <dgm:pt modelId="{7C582221-B2C8-41E6-AC11-EA13FA76A47D}" type="pres">
+      <dgm:prSet presAssocID="{366D7E94-92CA-4670-B306-D54384B5B89A}" presName="horzThree" presStyleCnt="0"/>
+      <dgm:spPr/>
+    </dgm:pt>
+    <dgm:pt modelId="{450D3B10-03F7-4A18-A2E4-5B05DBC8D205}" type="pres">
+      <dgm:prSet presAssocID="{BF681AE9-5934-45B5-A6A5-7DE362FE8102}" presName="vertFour" presStyleCnt="0">
+        <dgm:presLayoutVars>
+          <dgm:chPref val="3"/>
+        </dgm:presLayoutVars>
+      </dgm:prSet>
+      <dgm:spPr/>
+    </dgm:pt>
+    <dgm:pt modelId="{9BF71997-9C86-4963-AE9E-E3D4A7D6C1FF}" type="pres">
+      <dgm:prSet presAssocID="{BF681AE9-5934-45B5-A6A5-7DE362FE8102}" presName="txFour" presStyleLbl="node4" presStyleIdx="0" presStyleCnt="2" custLinFactY="-129275" custLinFactNeighborX="-747" custLinFactNeighborY="-200000">
+        <dgm:presLayoutVars>
+          <dgm:chPref val="3"/>
+        </dgm:presLayoutVars>
+      </dgm:prSet>
+      <dgm:spPr/>
+      <dgm:t>
+        <a:bodyPr/>
+        <a:lstStyle/>
+        <a:p>
+          <a:endParaRPr lang="en-US"/>
+        </a:p>
+      </dgm:t>
+    </dgm:pt>
+    <dgm:pt modelId="{A578191A-4792-4474-B8B4-C0B14CEEB115}" type="pres">
+      <dgm:prSet presAssocID="{BF681AE9-5934-45B5-A6A5-7DE362FE8102}" presName="horzFour" presStyleCnt="0"/>
+      <dgm:spPr/>
+    </dgm:pt>
+    <dgm:pt modelId="{1C209244-C1BF-4F29-92DB-644DA40D06E9}" type="pres">
+      <dgm:prSet presAssocID="{EB5516E1-F9A8-4C5A-8F82-BA4BDA2C249A}" presName="sibSpaceThree" presStyleCnt="0"/>
+      <dgm:spPr/>
+    </dgm:pt>
+    <dgm:pt modelId="{95E3CA7B-BE1E-4235-8048-DB7C0305B163}" type="pres">
+      <dgm:prSet presAssocID="{9AD2CF16-C82E-4D58-AAC6-45C9D90A00B6}" presName="vertThree" presStyleCnt="0"/>
+      <dgm:spPr/>
+    </dgm:pt>
+    <dgm:pt modelId="{1A7D3C3B-9EA4-4035-BD96-45289FC6B969}" type="pres">
+      <dgm:prSet presAssocID="{9AD2CF16-C82E-4D58-AAC6-45C9D90A00B6}" presName="txThree" presStyleLbl="node3" presStyleIdx="1" presStyleCnt="2" custLinFactY="-99427" custLinFactNeighborX="512" custLinFactNeighborY="-100000">
+        <dgm:presLayoutVars>
+          <dgm:chPref val="3"/>
+        </dgm:presLayoutVars>
+      </dgm:prSet>
+      <dgm:spPr/>
+    </dgm:pt>
+    <dgm:pt modelId="{4DB44AE2-546F-4870-9629-E55C91C583D5}" type="pres">
+      <dgm:prSet presAssocID="{9AD2CF16-C82E-4D58-AAC6-45C9D90A00B6}" presName="parTransThree" presStyleCnt="0"/>
+      <dgm:spPr/>
+    </dgm:pt>
+    <dgm:pt modelId="{080D5472-D976-4E3F-A354-D022F579B673}" type="pres">
+      <dgm:prSet presAssocID="{9AD2CF16-C82E-4D58-AAC6-45C9D90A00B6}" presName="horzThree" presStyleCnt="0"/>
+      <dgm:spPr/>
+    </dgm:pt>
+    <dgm:pt modelId="{72A5A4D1-08AE-4592-881D-7B1F48DB628D}" type="pres">
+      <dgm:prSet presAssocID="{3AC9DC90-E03E-4F68-BA8F-369FC505E9A0}" presName="vertFour" presStyleCnt="0">
+        <dgm:presLayoutVars>
+          <dgm:chPref val="3"/>
+        </dgm:presLayoutVars>
+      </dgm:prSet>
+      <dgm:spPr/>
+    </dgm:pt>
+    <dgm:pt modelId="{19B0399D-1187-42D8-8D46-A4F53C82793D}" type="pres">
+      <dgm:prSet presAssocID="{3AC9DC90-E03E-4F68-BA8F-369FC505E9A0}" presName="txFour" presStyleLbl="node4" presStyleIdx="1" presStyleCnt="2" custLinFactY="-129275" custLinFactNeighborX="918" custLinFactNeighborY="-200000">
+        <dgm:presLayoutVars>
+          <dgm:chPref val="3"/>
+        </dgm:presLayoutVars>
+      </dgm:prSet>
+      <dgm:spPr/>
+    </dgm:pt>
+    <dgm:pt modelId="{0F6DEF01-8DE4-43A8-82CF-7E4176BFCEB3}" type="pres">
+      <dgm:prSet presAssocID="{3AC9DC90-E03E-4F68-BA8F-369FC505E9A0}" presName="horzFour" presStyleCnt="0"/>
+      <dgm:spPr/>
+    </dgm:pt>
+  </dgm:ptLst>
+  <dgm:cxnLst>
+    <dgm:cxn modelId="{F61D82EB-92BB-4A3C-BB1A-DDAED4DD8BCD}" type="presOf" srcId="{66134256-F92D-4576-AE22-D2A021C1FAA9}" destId="{A4F4F6B8-5463-4FB2-9333-1C9CB354EF04}" srcOrd="0" destOrd="0" presId="urn:microsoft.com/office/officeart/2005/8/layout/hierarchy4"/>
+    <dgm:cxn modelId="{FCE2FB4D-E044-43A2-91DD-B832EBDE4D0F}" srcId="{9AD2CF16-C82E-4D58-AAC6-45C9D90A00B6}" destId="{3AC9DC90-E03E-4F68-BA8F-369FC505E9A0}" srcOrd="0" destOrd="0" parTransId="{0B4B39FD-B547-481E-AAB5-493DB07E2EE6}" sibTransId="{7F399DC5-060B-4D2F-91B5-6CB99FDB1117}"/>
+    <dgm:cxn modelId="{316FBAA0-D175-4FCD-ABE8-8EFAA4A5A7BE}" srcId="{66134256-F92D-4576-AE22-D2A021C1FAA9}" destId="{9AD2CF16-C82E-4D58-AAC6-45C9D90A00B6}" srcOrd="1" destOrd="0" parTransId="{388D13E0-9496-41A3-87F0-ECB2353CDD04}" sibTransId="{80957C3C-E837-470F-8038-D69BFF6C9403}"/>
+    <dgm:cxn modelId="{000266EA-6A63-49A3-8F4F-D0630BE60D40}" type="presOf" srcId="{3AC9DC90-E03E-4F68-BA8F-369FC505E9A0}" destId="{19B0399D-1187-42D8-8D46-A4F53C82793D}" srcOrd="0" destOrd="0" presId="urn:microsoft.com/office/officeart/2005/8/layout/hierarchy4"/>
+    <dgm:cxn modelId="{2A329489-0E15-48E7-9E7F-3B1C2FA8FE2C}" type="presOf" srcId="{366D7E94-92CA-4670-B306-D54384B5B89A}" destId="{A7663967-F6E8-4D05-BFE7-B69A6D9FBB28}" srcOrd="0" destOrd="0" presId="urn:microsoft.com/office/officeart/2005/8/layout/hierarchy4"/>
+    <dgm:cxn modelId="{2EC33B67-6F69-4503-872E-CEA26B60DA93}" srcId="{B69724CB-F1AB-40A1-AAA4-20962A1EB9DC}" destId="{66134256-F92D-4576-AE22-D2A021C1FAA9}" srcOrd="0" destOrd="0" parTransId="{234677D8-5922-447D-BFFA-C32595B6A78E}" sibTransId="{4BE6E731-C572-4C81-86BC-A6C72944C8BA}"/>
+    <dgm:cxn modelId="{2BB37117-2EDE-43CF-84E4-00832877964A}" type="presOf" srcId="{2570401D-BAD5-4D2D-A9B0-CC50194A0415}" destId="{87852516-88AE-4048-9609-BDA4E724FAD9}" srcOrd="0" destOrd="0" presId="urn:microsoft.com/office/officeart/2005/8/layout/hierarchy4"/>
+    <dgm:cxn modelId="{FCD5F913-046B-4761-A593-ADE9CC18BD90}" type="presOf" srcId="{BF681AE9-5934-45B5-A6A5-7DE362FE8102}" destId="{9BF71997-9C86-4963-AE9E-E3D4A7D6C1FF}" srcOrd="0" destOrd="0" presId="urn:microsoft.com/office/officeart/2005/8/layout/hierarchy4"/>
+    <dgm:cxn modelId="{8B599F15-9680-4C99-8BC1-4EA00A174534}" srcId="{2570401D-BAD5-4D2D-A9B0-CC50194A0415}" destId="{B69724CB-F1AB-40A1-AAA4-20962A1EB9DC}" srcOrd="0" destOrd="0" parTransId="{9F2EED54-A29A-4221-9653-A33E8DC38208}" sibTransId="{9578998C-583C-4BA4-A025-221238297083}"/>
+    <dgm:cxn modelId="{548DE61A-A289-4441-9284-1BC90B7EC5B1}" srcId="{366D7E94-92CA-4670-B306-D54384B5B89A}" destId="{BF681AE9-5934-45B5-A6A5-7DE362FE8102}" srcOrd="0" destOrd="0" parTransId="{493006C7-EBB4-4DE2-B6C0-896A2242D751}" sibTransId="{0A3AF4C2-C804-4178-9966-F319A96A46FC}"/>
+    <dgm:cxn modelId="{17EEF923-D943-4588-AA01-2A8EBCB1A536}" srcId="{66134256-F92D-4576-AE22-D2A021C1FAA9}" destId="{366D7E94-92CA-4670-B306-D54384B5B89A}" srcOrd="0" destOrd="0" parTransId="{2B5F00F2-D0BF-4754-B5B1-C751B5F775AE}" sibTransId="{EB5516E1-F9A8-4C5A-8F82-BA4BDA2C249A}"/>
+    <dgm:cxn modelId="{676E428B-DC04-40D0-9DCF-AD7E62806DC2}" type="presOf" srcId="{9AD2CF16-C82E-4D58-AAC6-45C9D90A00B6}" destId="{1A7D3C3B-9EA4-4035-BD96-45289FC6B969}" srcOrd="0" destOrd="0" presId="urn:microsoft.com/office/officeart/2005/8/layout/hierarchy4"/>
+    <dgm:cxn modelId="{8B70B155-2BCD-426E-8D8B-CBE30D986B0D}" type="presOf" srcId="{B69724CB-F1AB-40A1-AAA4-20962A1EB9DC}" destId="{F1971DE9-7C45-48F6-9EA2-BE23119F160B}" srcOrd="0" destOrd="0" presId="urn:microsoft.com/office/officeart/2005/8/layout/hierarchy4"/>
+    <dgm:cxn modelId="{3BC36318-0F51-4CC5-B667-F9AD6CFBEB32}" type="presParOf" srcId="{87852516-88AE-4048-9609-BDA4E724FAD9}" destId="{9B6E6972-E4AE-4DE4-885C-D4859D8363DC}" srcOrd="0" destOrd="0" presId="urn:microsoft.com/office/officeart/2005/8/layout/hierarchy4"/>
+    <dgm:cxn modelId="{E21B452F-64EF-4890-84F3-ADCF5F48337C}" type="presParOf" srcId="{9B6E6972-E4AE-4DE4-885C-D4859D8363DC}" destId="{F1971DE9-7C45-48F6-9EA2-BE23119F160B}" srcOrd="0" destOrd="0" presId="urn:microsoft.com/office/officeart/2005/8/layout/hierarchy4"/>
+    <dgm:cxn modelId="{EDE4C74D-EB1E-41DE-89FD-B5F09B2E4235}" type="presParOf" srcId="{9B6E6972-E4AE-4DE4-885C-D4859D8363DC}" destId="{524D5B51-FCE5-435A-95CA-EF46512C12DA}" srcOrd="1" destOrd="0" presId="urn:microsoft.com/office/officeart/2005/8/layout/hierarchy4"/>
+    <dgm:cxn modelId="{916F2681-F72E-4BCE-AA13-A5FC79355796}" type="presParOf" srcId="{9B6E6972-E4AE-4DE4-885C-D4859D8363DC}" destId="{F8218940-CC01-4C58-B3C6-9103604F6885}" srcOrd="2" destOrd="0" presId="urn:microsoft.com/office/officeart/2005/8/layout/hierarchy4"/>
+    <dgm:cxn modelId="{A8920933-0FFC-4A0C-B7CE-CCA8211185B9}" type="presParOf" srcId="{F8218940-CC01-4C58-B3C6-9103604F6885}" destId="{FF19FC83-E148-4C90-B1CC-C732342B5482}" srcOrd="0" destOrd="0" presId="urn:microsoft.com/office/officeart/2005/8/layout/hierarchy4"/>
+    <dgm:cxn modelId="{5F862E0E-D749-448B-A9E1-ABCF4277BC52}" type="presParOf" srcId="{FF19FC83-E148-4C90-B1CC-C732342B5482}" destId="{A4F4F6B8-5463-4FB2-9333-1C9CB354EF04}" srcOrd="0" destOrd="0" presId="urn:microsoft.com/office/officeart/2005/8/layout/hierarchy4"/>
+    <dgm:cxn modelId="{4AD5B7B0-20EB-4194-995D-9419B7FFD17A}" type="presParOf" srcId="{FF19FC83-E148-4C90-B1CC-C732342B5482}" destId="{CFC12805-679F-4153-B30F-953D536ACD0A}" srcOrd="1" destOrd="0" presId="urn:microsoft.com/office/officeart/2005/8/layout/hierarchy4"/>
+    <dgm:cxn modelId="{7F0AB4CD-5D3F-4EC4-9091-B1699C03FC51}" type="presParOf" srcId="{FF19FC83-E148-4C90-B1CC-C732342B5482}" destId="{4F0712B1-E8DD-4758-8B63-252EB4C4830C}" srcOrd="2" destOrd="0" presId="urn:microsoft.com/office/officeart/2005/8/layout/hierarchy4"/>
+    <dgm:cxn modelId="{D70FE667-B4EA-41CA-A136-7173D6436732}" type="presParOf" srcId="{4F0712B1-E8DD-4758-8B63-252EB4C4830C}" destId="{806DBAB0-7C2D-4BB1-A20F-D040DBA8E4CE}" srcOrd="0" destOrd="0" presId="urn:microsoft.com/office/officeart/2005/8/layout/hierarchy4"/>
+    <dgm:cxn modelId="{1106B0DB-0BBA-4C3D-96D2-1D798098B728}" type="presParOf" srcId="{806DBAB0-7C2D-4BB1-A20F-D040DBA8E4CE}" destId="{A7663967-F6E8-4D05-BFE7-B69A6D9FBB28}" srcOrd="0" destOrd="0" presId="urn:microsoft.com/office/officeart/2005/8/layout/hierarchy4"/>
+    <dgm:cxn modelId="{C6340907-043A-4834-8B4E-94CC27CCC82A}" type="presParOf" srcId="{806DBAB0-7C2D-4BB1-A20F-D040DBA8E4CE}" destId="{28BDD9D1-2C61-435D-A54D-FF6E6688D79F}" srcOrd="1" destOrd="0" presId="urn:microsoft.com/office/officeart/2005/8/layout/hierarchy4"/>
+    <dgm:cxn modelId="{9CFA6FA4-C015-4981-A62D-83947F84B927}" type="presParOf" srcId="{806DBAB0-7C2D-4BB1-A20F-D040DBA8E4CE}" destId="{7C582221-B2C8-41E6-AC11-EA13FA76A47D}" srcOrd="2" destOrd="0" presId="urn:microsoft.com/office/officeart/2005/8/layout/hierarchy4"/>
+    <dgm:cxn modelId="{8AA447A3-5D58-4DED-95C0-A5D655320650}" type="presParOf" srcId="{7C582221-B2C8-41E6-AC11-EA13FA76A47D}" destId="{450D3B10-03F7-4A18-A2E4-5B05DBC8D205}" srcOrd="0" destOrd="0" presId="urn:microsoft.com/office/officeart/2005/8/layout/hierarchy4"/>
+    <dgm:cxn modelId="{B5B9DE99-FEDA-447A-825B-DF1FF22CC7D2}" type="presParOf" srcId="{450D3B10-03F7-4A18-A2E4-5B05DBC8D205}" destId="{9BF71997-9C86-4963-AE9E-E3D4A7D6C1FF}" srcOrd="0" destOrd="0" presId="urn:microsoft.com/office/officeart/2005/8/layout/hierarchy4"/>
+    <dgm:cxn modelId="{839A9E69-8362-45B5-90F2-17D196487748}" type="presParOf" srcId="{450D3B10-03F7-4A18-A2E4-5B05DBC8D205}" destId="{A578191A-4792-4474-B8B4-C0B14CEEB115}" srcOrd="1" destOrd="0" presId="urn:microsoft.com/office/officeart/2005/8/layout/hierarchy4"/>
+    <dgm:cxn modelId="{DAE48951-88CA-419B-9FFC-12E4D28EB5D3}" type="presParOf" srcId="{4F0712B1-E8DD-4758-8B63-252EB4C4830C}" destId="{1C209244-C1BF-4F29-92DB-644DA40D06E9}" srcOrd="1" destOrd="0" presId="urn:microsoft.com/office/officeart/2005/8/layout/hierarchy4"/>
+    <dgm:cxn modelId="{32A8F56D-7C6E-4252-9536-22F9C7BCD4C5}" type="presParOf" srcId="{4F0712B1-E8DD-4758-8B63-252EB4C4830C}" destId="{95E3CA7B-BE1E-4235-8048-DB7C0305B163}" srcOrd="2" destOrd="0" presId="urn:microsoft.com/office/officeart/2005/8/layout/hierarchy4"/>
+    <dgm:cxn modelId="{4620AB38-3B4D-4751-AF6C-3EF47ED049EB}" type="presParOf" srcId="{95E3CA7B-BE1E-4235-8048-DB7C0305B163}" destId="{1A7D3C3B-9EA4-4035-BD96-45289FC6B969}" srcOrd="0" destOrd="0" presId="urn:microsoft.com/office/officeart/2005/8/layout/hierarchy4"/>
+    <dgm:cxn modelId="{82427184-5DDC-4898-9E60-02B768C7D1C7}" type="presParOf" srcId="{95E3CA7B-BE1E-4235-8048-DB7C0305B163}" destId="{4DB44AE2-546F-4870-9629-E55C91C583D5}" srcOrd="1" destOrd="0" presId="urn:microsoft.com/office/officeart/2005/8/layout/hierarchy4"/>
+    <dgm:cxn modelId="{71BA5A4D-1152-427E-870F-A67CB117C73E}" type="presParOf" srcId="{95E3CA7B-BE1E-4235-8048-DB7C0305B163}" destId="{080D5472-D976-4E3F-A354-D022F579B673}" srcOrd="2" destOrd="0" presId="urn:microsoft.com/office/officeart/2005/8/layout/hierarchy4"/>
+    <dgm:cxn modelId="{594B95B9-CCFF-4E57-81C2-C3119D504CF0}" type="presParOf" srcId="{080D5472-D976-4E3F-A354-D022F579B673}" destId="{72A5A4D1-08AE-4592-881D-7B1F48DB628D}" srcOrd="0" destOrd="0" presId="urn:microsoft.com/office/officeart/2005/8/layout/hierarchy4"/>
+    <dgm:cxn modelId="{21A9A9CB-0C0D-4736-8F27-2286EABE6905}" type="presParOf" srcId="{72A5A4D1-08AE-4592-881D-7B1F48DB628D}" destId="{19B0399D-1187-42D8-8D46-A4F53C82793D}" srcOrd="0" destOrd="0" presId="urn:microsoft.com/office/officeart/2005/8/layout/hierarchy4"/>
+    <dgm:cxn modelId="{07BADA89-3EFB-4B6D-98B2-09DCF15531B7}" type="presParOf" srcId="{72A5A4D1-08AE-4592-881D-7B1F48DB628D}" destId="{0F6DEF01-8DE4-43A8-82CF-7E4176BFCEB3}" srcOrd="1" destOrd="0" presId="urn:microsoft.com/office/officeart/2005/8/layout/hierarchy4"/>
+  </dgm:cxnLst>
+  <dgm:bg/>
+  <dgm:whole/>
+  <dgm:extLst>
+    <a:ext uri="http://schemas.microsoft.com/office/drawing/2008/diagram">
+      <dsp:dataModelExt xmlns:dsp="http://schemas.microsoft.com/office/drawing/2008/diagram" relId="rId7" minVer="http://schemas.openxmlformats.org/drawingml/2006/diagram"/>
+    </a:ext>
+  </dgm:extLst>
+</dgm:dataModel>
+</file>
+
+<file path=ppt/diagrams/data2.xml><?xml version="1.0" encoding="utf-8"?>
+<dgm:dataModel xmlns:dgm="http://schemas.openxmlformats.org/drawingml/2006/diagram" xmlns:a="http://schemas.openxmlformats.org/drawingml/2006/main">
+  <dgm:ptLst>
+    <dgm:pt modelId="{DCBC182C-AA47-43EA-8477-6A0B81D73199}" type="doc">
+      <dgm:prSet loTypeId="urn:microsoft.com/office/officeart/2005/8/layout/gear1" loCatId="cycle" qsTypeId="urn:microsoft.com/office/officeart/2005/8/quickstyle/simple2" qsCatId="simple" csTypeId="urn:microsoft.com/office/officeart/2005/8/colors/colorful4" csCatId="colorful" phldr="1"/>
+      <dgm:spPr/>
+    </dgm:pt>
+    <dgm:pt modelId="{792C01D7-1024-4B78-AFF3-6DAE3D03F4FD}">
+      <dgm:prSet phldrT="[Text]"/>
+      <dgm:spPr/>
+      <dgm:t>
+        <a:bodyPr/>
+        <a:lstStyle/>
+        <a:p>
+          <a:r>
+            <a:rPr lang="en-US" dirty="0" smtClean="0"/>
+            <a:t>Matrix </a:t>
+          </a:r>
+          <a:r>
+            <a:rPr lang="en-US" dirty="0" err="1" smtClean="0"/>
+            <a:t>mult</a:t>
+          </a:r>
+          <a:r>
+            <a:rPr lang="en-US" dirty="0" smtClean="0"/>
+            <a:t>.</a:t>
+          </a:r>
+          <a:endParaRPr lang="en-US" dirty="0"/>
+        </a:p>
+      </dgm:t>
+    </dgm:pt>
+    <dgm:pt modelId="{0F622844-4F4E-44E0-A107-31672A7D789E}" type="parTrans" cxnId="{83358007-6DC7-4B85-95FB-6EC6766457AE}">
+      <dgm:prSet/>
+      <dgm:spPr/>
+      <dgm:t>
+        <a:bodyPr/>
+        <a:lstStyle/>
+        <a:p>
+          <a:endParaRPr lang="en-US"/>
+        </a:p>
+      </dgm:t>
+    </dgm:pt>
+    <dgm:pt modelId="{992D6724-1DEF-4692-A7B7-627684140E47}" type="sibTrans" cxnId="{83358007-6DC7-4B85-95FB-6EC6766457AE}">
+      <dgm:prSet/>
+      <dgm:spPr/>
+      <dgm:t>
+        <a:bodyPr/>
+        <a:lstStyle/>
+        <a:p>
+          <a:endParaRPr lang="en-US"/>
+        </a:p>
+      </dgm:t>
+    </dgm:pt>
+    <dgm:pt modelId="{92791D00-1E24-47FB-AA3E-D205CCC82F0C}">
+      <dgm:prSet phldrT="[Text]"/>
+      <dgm:spPr/>
+      <dgm:t>
+        <a:bodyPr/>
+        <a:lstStyle/>
+        <a:p>
+          <a:r>
+            <a:rPr lang="en-US" dirty="0" smtClean="0"/>
+            <a:t>Scan</a:t>
+          </a:r>
+          <a:endParaRPr lang="en-US" dirty="0"/>
+        </a:p>
+      </dgm:t>
+    </dgm:pt>
+    <dgm:pt modelId="{21CBF171-75B4-4A47-884E-C8C1957C90CD}" type="parTrans" cxnId="{19CC03BD-D327-4464-A793-B8DD1CF797BC}">
+      <dgm:prSet/>
+      <dgm:spPr/>
+      <dgm:t>
+        <a:bodyPr/>
+        <a:lstStyle/>
+        <a:p>
+          <a:endParaRPr lang="en-US"/>
+        </a:p>
+      </dgm:t>
+    </dgm:pt>
+    <dgm:pt modelId="{F2AABDD7-BA1C-4F18-BE2C-C4BC6D23D8E9}" type="sibTrans" cxnId="{19CC03BD-D327-4464-A793-B8DD1CF797BC}">
+      <dgm:prSet/>
+      <dgm:spPr/>
+      <dgm:t>
+        <a:bodyPr/>
+        <a:lstStyle/>
+        <a:p>
+          <a:endParaRPr lang="en-US"/>
+        </a:p>
+      </dgm:t>
+    </dgm:pt>
+    <dgm:pt modelId="{C3797602-3490-48AD-922F-26FC2B8A8D97}">
+      <dgm:prSet phldrT="[Text]"/>
+      <dgm:spPr/>
+      <dgm:t>
+        <a:bodyPr/>
+        <a:lstStyle/>
+        <a:p>
+          <a:r>
+            <a:rPr lang="en-US" dirty="0" smtClean="0"/>
+            <a:t>Sort</a:t>
+          </a:r>
+          <a:endParaRPr lang="en-US" dirty="0"/>
+        </a:p>
+      </dgm:t>
+    </dgm:pt>
+    <dgm:pt modelId="{D4A5214C-F4AC-48FB-985B-F5C4BD002A44}" type="sibTrans" cxnId="{3E728DFA-4F73-4A37-A0E9-25AD977DB2CD}">
+      <dgm:prSet/>
+      <dgm:spPr/>
+      <dgm:t>
+        <a:bodyPr/>
+        <a:lstStyle/>
+        <a:p>
+          <a:endParaRPr lang="en-US"/>
+        </a:p>
+      </dgm:t>
+    </dgm:pt>
+    <dgm:pt modelId="{7EBCA9DB-BDFB-489F-9B19-FFB9416C9CF3}" type="parTrans" cxnId="{3E728DFA-4F73-4A37-A0E9-25AD977DB2CD}">
+      <dgm:prSet/>
+      <dgm:spPr/>
+      <dgm:t>
+        <a:bodyPr/>
+        <a:lstStyle/>
+        <a:p>
+          <a:endParaRPr lang="en-US"/>
+        </a:p>
+      </dgm:t>
+    </dgm:pt>
+    <dgm:pt modelId="{945CC6C6-3ABD-4BAA-BA17-75A34FB4037B}" type="pres">
+      <dgm:prSet presAssocID="{DCBC182C-AA47-43EA-8477-6A0B81D73199}" presName="composite" presStyleCnt="0">
+        <dgm:presLayoutVars>
+          <dgm:chMax val="3"/>
+          <dgm:animLvl val="lvl"/>
+          <dgm:resizeHandles val="exact"/>
+        </dgm:presLayoutVars>
+      </dgm:prSet>
+      <dgm:spPr/>
+    </dgm:pt>
+    <dgm:pt modelId="{5A7B59C1-0946-4540-B124-AA8A64E7AF52}" type="pres">
+      <dgm:prSet presAssocID="{792C01D7-1024-4B78-AFF3-6DAE3D03F4FD}" presName="gear1" presStyleLbl="node1" presStyleIdx="0" presStyleCnt="3">
+        <dgm:presLayoutVars>
+          <dgm:chMax val="1"/>
+          <dgm:bulletEnabled val="1"/>
+        </dgm:presLayoutVars>
+      </dgm:prSet>
+      <dgm:spPr/>
+      <dgm:t>
+        <a:bodyPr/>
+        <a:lstStyle/>
+        <a:p>
+          <a:endParaRPr lang="en-US"/>
+        </a:p>
+      </dgm:t>
+    </dgm:pt>
+    <dgm:pt modelId="{C6FC2832-CAA6-42F9-8407-550B6E2DE1A1}" type="pres">
+      <dgm:prSet presAssocID="{792C01D7-1024-4B78-AFF3-6DAE3D03F4FD}" presName="gear1srcNode" presStyleLbl="node1" presStyleIdx="0" presStyleCnt="3"/>
+      <dgm:spPr/>
+    </dgm:pt>
+    <dgm:pt modelId="{AA6B7F07-241F-4F40-8BFD-0B9697D93720}" type="pres">
+      <dgm:prSet presAssocID="{792C01D7-1024-4B78-AFF3-6DAE3D03F4FD}" presName="gear1dstNode" presStyleLbl="node1" presStyleIdx="0" presStyleCnt="3"/>
+      <dgm:spPr/>
+    </dgm:pt>
+    <dgm:pt modelId="{27AFAAD3-C0F4-4315-8C52-75A0B51E69BB}" type="pres">
+      <dgm:prSet presAssocID="{C3797602-3490-48AD-922F-26FC2B8A8D97}" presName="gear2" presStyleLbl="node1" presStyleIdx="1" presStyleCnt="3">
+        <dgm:presLayoutVars>
+          <dgm:chMax val="1"/>
+          <dgm:bulletEnabled val="1"/>
+        </dgm:presLayoutVars>
+      </dgm:prSet>
+      <dgm:spPr/>
+    </dgm:pt>
+    <dgm:pt modelId="{3589FC20-8CE7-4DA3-814D-57AC02FBC32D}" type="pres">
+      <dgm:prSet presAssocID="{C3797602-3490-48AD-922F-26FC2B8A8D97}" presName="gear2srcNode" presStyleLbl="node1" presStyleIdx="1" presStyleCnt="3"/>
+      <dgm:spPr/>
+    </dgm:pt>
+    <dgm:pt modelId="{13FBA799-1D33-4B0D-BD6F-296C45337078}" type="pres">
+      <dgm:prSet presAssocID="{C3797602-3490-48AD-922F-26FC2B8A8D97}" presName="gear2dstNode" presStyleLbl="node1" presStyleIdx="1" presStyleCnt="3"/>
+      <dgm:spPr/>
+    </dgm:pt>
+    <dgm:pt modelId="{65227177-1974-43C4-BA0A-034DF813F3FB}" type="pres">
+      <dgm:prSet presAssocID="{92791D00-1E24-47FB-AA3E-D205CCC82F0C}" presName="gear3" presStyleLbl="node1" presStyleIdx="2" presStyleCnt="3"/>
+      <dgm:spPr/>
+      <dgm:t>
+        <a:bodyPr/>
+        <a:lstStyle/>
+        <a:p>
+          <a:endParaRPr lang="en-US"/>
+        </a:p>
+      </dgm:t>
+    </dgm:pt>
+    <dgm:pt modelId="{311B3811-EDE6-4023-A84F-EFB56868F924}" type="pres">
+      <dgm:prSet presAssocID="{92791D00-1E24-47FB-AA3E-D205CCC82F0C}" presName="gear3tx" presStyleLbl="node1" presStyleIdx="2" presStyleCnt="3">
+        <dgm:presLayoutVars>
+          <dgm:chMax val="1"/>
+          <dgm:bulletEnabled val="1"/>
+        </dgm:presLayoutVars>
+      </dgm:prSet>
+      <dgm:spPr/>
+      <dgm:t>
+        <a:bodyPr/>
+        <a:lstStyle/>
+        <a:p>
+          <a:endParaRPr lang="en-US"/>
+        </a:p>
+      </dgm:t>
+    </dgm:pt>
+    <dgm:pt modelId="{2C16CE49-C770-4957-AEE7-CFB4B231E9BF}" type="pres">
+      <dgm:prSet presAssocID="{92791D00-1E24-47FB-AA3E-D205CCC82F0C}" presName="gear3srcNode" presStyleLbl="node1" presStyleIdx="2" presStyleCnt="3"/>
+      <dgm:spPr/>
+    </dgm:pt>
+    <dgm:pt modelId="{F064FEDF-7075-491C-8FE7-FCAB6C6156D5}" type="pres">
+      <dgm:prSet presAssocID="{92791D00-1E24-47FB-AA3E-D205CCC82F0C}" presName="gear3dstNode" presStyleLbl="node1" presStyleIdx="2" presStyleCnt="3"/>
+      <dgm:spPr/>
+    </dgm:pt>
+    <dgm:pt modelId="{C6E633D0-E014-45CC-A2D9-749A3A0B2C5C}" type="pres">
+      <dgm:prSet presAssocID="{992D6724-1DEF-4692-A7B7-627684140E47}" presName="connector1" presStyleLbl="sibTrans2D1" presStyleIdx="0" presStyleCnt="3"/>
+      <dgm:spPr/>
+    </dgm:pt>
+    <dgm:pt modelId="{E0930DCB-5C7A-4126-BC09-F6E99DDF5CFC}" type="pres">
+      <dgm:prSet presAssocID="{D4A5214C-F4AC-48FB-985B-F5C4BD002A44}" presName="connector2" presStyleLbl="sibTrans2D1" presStyleIdx="1" presStyleCnt="3"/>
+      <dgm:spPr/>
+    </dgm:pt>
+    <dgm:pt modelId="{1A6CCD0E-EABE-4627-B762-058DAD362BB2}" type="pres">
+      <dgm:prSet presAssocID="{F2AABDD7-BA1C-4F18-BE2C-C4BC6D23D8E9}" presName="connector3" presStyleLbl="sibTrans2D1" presStyleIdx="2" presStyleCnt="3"/>
+      <dgm:spPr/>
+    </dgm:pt>
+  </dgm:ptLst>
+  <dgm:cxnLst>
+    <dgm:cxn modelId="{C86D8033-C902-430E-A243-3C9957C7D72E}" type="presOf" srcId="{92791D00-1E24-47FB-AA3E-D205CCC82F0C}" destId="{311B3811-EDE6-4023-A84F-EFB56868F924}" srcOrd="1" destOrd="0" presId="urn:microsoft.com/office/officeart/2005/8/layout/gear1"/>
+    <dgm:cxn modelId="{4168E25A-26E7-4C96-85BA-2F2190FB12DB}" type="presOf" srcId="{DCBC182C-AA47-43EA-8477-6A0B81D73199}" destId="{945CC6C6-3ABD-4BAA-BA17-75A34FB4037B}" srcOrd="0" destOrd="0" presId="urn:microsoft.com/office/officeart/2005/8/layout/gear1"/>
+    <dgm:cxn modelId="{B2ED1F4A-DCB9-493A-A4C0-7EDE4F8E7451}" type="presOf" srcId="{792C01D7-1024-4B78-AFF3-6DAE3D03F4FD}" destId="{C6FC2832-CAA6-42F9-8407-550B6E2DE1A1}" srcOrd="1" destOrd="0" presId="urn:microsoft.com/office/officeart/2005/8/layout/gear1"/>
+    <dgm:cxn modelId="{4D2FC05A-8283-435B-835F-D25E671E3C50}" type="presOf" srcId="{C3797602-3490-48AD-922F-26FC2B8A8D97}" destId="{13FBA799-1D33-4B0D-BD6F-296C45337078}" srcOrd="2" destOrd="0" presId="urn:microsoft.com/office/officeart/2005/8/layout/gear1"/>
+    <dgm:cxn modelId="{3E728DFA-4F73-4A37-A0E9-25AD977DB2CD}" srcId="{DCBC182C-AA47-43EA-8477-6A0B81D73199}" destId="{C3797602-3490-48AD-922F-26FC2B8A8D97}" srcOrd="1" destOrd="0" parTransId="{7EBCA9DB-BDFB-489F-9B19-FFB9416C9CF3}" sibTransId="{D4A5214C-F4AC-48FB-985B-F5C4BD002A44}"/>
+    <dgm:cxn modelId="{EC864A0B-235A-4705-AE5C-C939DD771960}" type="presOf" srcId="{792C01D7-1024-4B78-AFF3-6DAE3D03F4FD}" destId="{AA6B7F07-241F-4F40-8BFD-0B9697D93720}" srcOrd="2" destOrd="0" presId="urn:microsoft.com/office/officeart/2005/8/layout/gear1"/>
+    <dgm:cxn modelId="{5C20F85B-1E25-4C1E-AFE7-43DC8391B1B0}" type="presOf" srcId="{92791D00-1E24-47FB-AA3E-D205CCC82F0C}" destId="{F064FEDF-7075-491C-8FE7-FCAB6C6156D5}" srcOrd="3" destOrd="0" presId="urn:microsoft.com/office/officeart/2005/8/layout/gear1"/>
+    <dgm:cxn modelId="{8A23B4E4-6B50-4307-B0B5-CD741A88A189}" type="presOf" srcId="{92791D00-1E24-47FB-AA3E-D205CCC82F0C}" destId="{2C16CE49-C770-4957-AEE7-CFB4B231E9BF}" srcOrd="2" destOrd="0" presId="urn:microsoft.com/office/officeart/2005/8/layout/gear1"/>
+    <dgm:cxn modelId="{792476DE-6B1A-48D8-98F6-F434C48CCD13}" type="presOf" srcId="{D4A5214C-F4AC-48FB-985B-F5C4BD002A44}" destId="{E0930DCB-5C7A-4126-BC09-F6E99DDF5CFC}" srcOrd="0" destOrd="0" presId="urn:microsoft.com/office/officeart/2005/8/layout/gear1"/>
+    <dgm:cxn modelId="{5274A823-DED1-4FA3-9364-7EC1C3B0CB9B}" type="presOf" srcId="{C3797602-3490-48AD-922F-26FC2B8A8D97}" destId="{27AFAAD3-C0F4-4315-8C52-75A0B51E69BB}" srcOrd="0" destOrd="0" presId="urn:microsoft.com/office/officeart/2005/8/layout/gear1"/>
+    <dgm:cxn modelId="{19CC03BD-D327-4464-A793-B8DD1CF797BC}" srcId="{DCBC182C-AA47-43EA-8477-6A0B81D73199}" destId="{92791D00-1E24-47FB-AA3E-D205CCC82F0C}" srcOrd="2" destOrd="0" parTransId="{21CBF171-75B4-4A47-884E-C8C1957C90CD}" sibTransId="{F2AABDD7-BA1C-4F18-BE2C-C4BC6D23D8E9}"/>
+    <dgm:cxn modelId="{1D4F5DAC-F97C-48CC-BEEE-03BF52EFDC2A}" type="presOf" srcId="{92791D00-1E24-47FB-AA3E-D205CCC82F0C}" destId="{65227177-1974-43C4-BA0A-034DF813F3FB}" srcOrd="0" destOrd="0" presId="urn:microsoft.com/office/officeart/2005/8/layout/gear1"/>
+    <dgm:cxn modelId="{D72E73F6-55B9-44BF-ADCF-799600195415}" type="presOf" srcId="{792C01D7-1024-4B78-AFF3-6DAE3D03F4FD}" destId="{5A7B59C1-0946-4540-B124-AA8A64E7AF52}" srcOrd="0" destOrd="0" presId="urn:microsoft.com/office/officeart/2005/8/layout/gear1"/>
+    <dgm:cxn modelId="{83358007-6DC7-4B85-95FB-6EC6766457AE}" srcId="{DCBC182C-AA47-43EA-8477-6A0B81D73199}" destId="{792C01D7-1024-4B78-AFF3-6DAE3D03F4FD}" srcOrd="0" destOrd="0" parTransId="{0F622844-4F4E-44E0-A107-31672A7D789E}" sibTransId="{992D6724-1DEF-4692-A7B7-627684140E47}"/>
+    <dgm:cxn modelId="{6EE250D5-83DC-4A39-92A6-3A866E9C0FD5}" type="presOf" srcId="{F2AABDD7-BA1C-4F18-BE2C-C4BC6D23D8E9}" destId="{1A6CCD0E-EABE-4627-B762-058DAD362BB2}" srcOrd="0" destOrd="0" presId="urn:microsoft.com/office/officeart/2005/8/layout/gear1"/>
+    <dgm:cxn modelId="{B426949F-758A-4CFD-8614-74B358CA6F58}" type="presOf" srcId="{992D6724-1DEF-4692-A7B7-627684140E47}" destId="{C6E633D0-E014-45CC-A2D9-749A3A0B2C5C}" srcOrd="0" destOrd="0" presId="urn:microsoft.com/office/officeart/2005/8/layout/gear1"/>
+    <dgm:cxn modelId="{597DDEB2-A893-4BF0-9F86-2CF5BAB0B4E1}" type="presOf" srcId="{C3797602-3490-48AD-922F-26FC2B8A8D97}" destId="{3589FC20-8CE7-4DA3-814D-57AC02FBC32D}" srcOrd="1" destOrd="0" presId="urn:microsoft.com/office/officeart/2005/8/layout/gear1"/>
+    <dgm:cxn modelId="{C8216FFD-2024-474A-85C4-576DE8B89025}" type="presParOf" srcId="{945CC6C6-3ABD-4BAA-BA17-75A34FB4037B}" destId="{5A7B59C1-0946-4540-B124-AA8A64E7AF52}" srcOrd="0" destOrd="0" presId="urn:microsoft.com/office/officeart/2005/8/layout/gear1"/>
+    <dgm:cxn modelId="{48507C3F-DC54-4FB3-8047-AED418C8314D}" type="presParOf" srcId="{945CC6C6-3ABD-4BAA-BA17-75A34FB4037B}" destId="{C6FC2832-CAA6-42F9-8407-550B6E2DE1A1}" srcOrd="1" destOrd="0" presId="urn:microsoft.com/office/officeart/2005/8/layout/gear1"/>
+    <dgm:cxn modelId="{85F4CB68-8F94-4013-8749-E43A92821287}" type="presParOf" srcId="{945CC6C6-3ABD-4BAA-BA17-75A34FB4037B}" destId="{AA6B7F07-241F-4F40-8BFD-0B9697D93720}" srcOrd="2" destOrd="0" presId="urn:microsoft.com/office/officeart/2005/8/layout/gear1"/>
+    <dgm:cxn modelId="{76764E98-BCED-4A79-8639-5DD95E385EA3}" type="presParOf" srcId="{945CC6C6-3ABD-4BAA-BA17-75A34FB4037B}" destId="{27AFAAD3-C0F4-4315-8C52-75A0B51E69BB}" srcOrd="3" destOrd="0" presId="urn:microsoft.com/office/officeart/2005/8/layout/gear1"/>
+    <dgm:cxn modelId="{EA516765-B8C8-4EE0-8B43-217CCD1EE453}" type="presParOf" srcId="{945CC6C6-3ABD-4BAA-BA17-75A34FB4037B}" destId="{3589FC20-8CE7-4DA3-814D-57AC02FBC32D}" srcOrd="4" destOrd="0" presId="urn:microsoft.com/office/officeart/2005/8/layout/gear1"/>
+    <dgm:cxn modelId="{44A35341-859E-4CEF-AA24-61F461E2C20F}" type="presParOf" srcId="{945CC6C6-3ABD-4BAA-BA17-75A34FB4037B}" destId="{13FBA799-1D33-4B0D-BD6F-296C45337078}" srcOrd="5" destOrd="0" presId="urn:microsoft.com/office/officeart/2005/8/layout/gear1"/>
+    <dgm:cxn modelId="{8EB35F3A-C188-4936-8DE1-2F31515949F9}" type="presParOf" srcId="{945CC6C6-3ABD-4BAA-BA17-75A34FB4037B}" destId="{65227177-1974-43C4-BA0A-034DF813F3FB}" srcOrd="6" destOrd="0" presId="urn:microsoft.com/office/officeart/2005/8/layout/gear1"/>
+    <dgm:cxn modelId="{8685C099-72EF-4BF1-B9AD-B8003F4F1CCC}" type="presParOf" srcId="{945CC6C6-3ABD-4BAA-BA17-75A34FB4037B}" destId="{311B3811-EDE6-4023-A84F-EFB56868F924}" srcOrd="7" destOrd="0" presId="urn:microsoft.com/office/officeart/2005/8/layout/gear1"/>
+    <dgm:cxn modelId="{CCDEE486-D734-4A43-A0D4-0AF4BDE1CE7B}" type="presParOf" srcId="{945CC6C6-3ABD-4BAA-BA17-75A34FB4037B}" destId="{2C16CE49-C770-4957-AEE7-CFB4B231E9BF}" srcOrd="8" destOrd="0" presId="urn:microsoft.com/office/officeart/2005/8/layout/gear1"/>
+    <dgm:cxn modelId="{067E52C3-1D51-42C0-8FD0-F54BF6C6830E}" type="presParOf" srcId="{945CC6C6-3ABD-4BAA-BA17-75A34FB4037B}" destId="{F064FEDF-7075-491C-8FE7-FCAB6C6156D5}" srcOrd="9" destOrd="0" presId="urn:microsoft.com/office/officeart/2005/8/layout/gear1"/>
+    <dgm:cxn modelId="{BD6766A0-DF71-4583-88B5-FC4B1C9A5887}" type="presParOf" srcId="{945CC6C6-3ABD-4BAA-BA17-75A34FB4037B}" destId="{C6E633D0-E014-45CC-A2D9-749A3A0B2C5C}" srcOrd="10" destOrd="0" presId="urn:microsoft.com/office/officeart/2005/8/layout/gear1"/>
+    <dgm:cxn modelId="{36E44F32-49EC-44BC-85F1-BFDF7050FB91}" type="presParOf" srcId="{945CC6C6-3ABD-4BAA-BA17-75A34FB4037B}" destId="{E0930DCB-5C7A-4126-BC09-F6E99DDF5CFC}" srcOrd="11" destOrd="0" presId="urn:microsoft.com/office/officeart/2005/8/layout/gear1"/>
+    <dgm:cxn modelId="{84AB4484-BB1D-4513-ADAF-6C5291F8ACB5}" type="presParOf" srcId="{945CC6C6-3ABD-4BAA-BA17-75A34FB4037B}" destId="{1A6CCD0E-EABE-4627-B762-058DAD362BB2}" srcOrd="12" destOrd="0" presId="urn:microsoft.com/office/officeart/2005/8/layout/gear1"/>
+  </dgm:cxnLst>
+  <dgm:bg/>
+  <dgm:whole/>
+  <dgm:extLst>
+    <a:ext uri="http://schemas.microsoft.com/office/drawing/2008/diagram">
+      <dsp:dataModelExt xmlns:dsp="http://schemas.microsoft.com/office/drawing/2008/diagram" relId="rId7" minVer="http://schemas.openxmlformats.org/drawingml/2006/diagram"/>
+    </a:ext>
+  </dgm:extLst>
+</dgm:dataModel>
+</file>
+
+<file path=ppt/diagrams/drawing1.xml><?xml version="1.0" encoding="utf-8"?>
+<dsp:drawing xmlns:dgm="http://schemas.openxmlformats.org/drawingml/2006/diagram" xmlns:dsp="http://schemas.microsoft.com/office/drawing/2008/diagram" xmlns:a="http://schemas.openxmlformats.org/drawingml/2006/main">
+  <dsp:spTree>
+    <dsp:nvGrpSpPr>
+      <dsp:cNvPr id="0" name=""/>
+      <dsp:cNvGrpSpPr/>
+    </dsp:nvGrpSpPr>
+    <dsp:grpSpPr/>
+    <dsp:sp modelId="{F1971DE9-7C45-48F6-9EA2-BE23119F160B}">
+      <dsp:nvSpPr>
+        <dsp:cNvPr id="0" name=""/>
+        <dsp:cNvSpPr/>
+      </dsp:nvSpPr>
+      <dsp:spPr>
+        <a:xfrm>
+          <a:off x="0" y="3108523"/>
+          <a:ext cx="6090296" cy="955476"/>
+        </a:xfrm>
+        <a:prstGeom prst="roundRect">
+          <a:avLst>
+            <a:gd name="adj" fmla="val 10000"/>
+          </a:avLst>
+        </a:prstGeom>
+        <a:solidFill>
+          <a:schemeClr val="accent6"/>
+        </a:solidFill>
+        <a:ln w="38100" cap="flat" cmpd="sng" algn="ctr">
+          <a:solidFill>
+            <a:schemeClr val="lt1"/>
+          </a:solidFill>
+          <a:prstDash val="solid"/>
+        </a:ln>
+        <a:effectLst>
+          <a:outerShdw blurRad="40000" dist="20000" dir="5400000" rotWithShape="0">
+            <a:srgbClr val="000000">
+              <a:alpha val="38000"/>
+            </a:srgbClr>
+          </a:outerShdw>
+        </a:effectLst>
+      </dsp:spPr>
+      <dsp:style>
+        <a:lnRef idx="3">
+          <a:schemeClr val="lt1"/>
+        </a:lnRef>
+        <a:fillRef idx="1">
+          <a:schemeClr val="accent6"/>
+        </a:fillRef>
+        <a:effectRef idx="1">
+          <a:schemeClr val="accent6"/>
+        </a:effectRef>
+        <a:fontRef idx="minor">
+          <a:schemeClr val="lt1"/>
+        </a:fontRef>
+      </dsp:style>
+      <dsp:txBody>
+        <a:bodyPr spcFirstLastPara="0" vert="horz" wrap="square" lIns="156210" tIns="156210" rIns="156210" bIns="156210" numCol="1" spcCol="1270" anchor="ctr" anchorCtr="0">
+          <a:noAutofit/>
+        </a:bodyPr>
+        <a:lstStyle/>
+        <a:p>
+          <a:pPr lvl="0" algn="ctr" defTabSz="1822450">
+            <a:lnSpc>
+              <a:spcPct val="90000"/>
+            </a:lnSpc>
+            <a:spcBef>
+              <a:spcPct val="0"/>
+            </a:spcBef>
+            <a:spcAft>
+              <a:spcPct val="35000"/>
+            </a:spcAft>
+          </a:pPr>
+          <a:r>
+            <a:rPr lang="en-US" sz="4100" kern="1200" dirty="0" smtClean="0"/>
+            <a:t>GPU Hardware</a:t>
+          </a:r>
+          <a:endParaRPr lang="en-US" sz="4100" kern="1200" dirty="0"/>
+        </a:p>
+      </dsp:txBody>
+      <dsp:txXfrm>
+        <a:off x="27985" y="3136508"/>
+        <a:ext cx="6034326" cy="899506"/>
+      </dsp:txXfrm>
+    </dsp:sp>
+    <dsp:sp modelId="{A4F4F6B8-5463-4FB2-9333-1C9CB354EF04}">
+      <dsp:nvSpPr>
+        <dsp:cNvPr id="0" name=""/>
+        <dsp:cNvSpPr/>
+      </dsp:nvSpPr>
+      <dsp:spPr>
+        <a:xfrm>
+          <a:off x="0" y="2066655"/>
+          <a:ext cx="6090296" cy="955476"/>
+        </a:xfrm>
+        <a:prstGeom prst="roundRect">
+          <a:avLst>
+            <a:gd name="adj" fmla="val 10000"/>
+          </a:avLst>
+        </a:prstGeom>
+        <a:solidFill>
+          <a:schemeClr val="accent2"/>
+        </a:solidFill>
+        <a:ln w="38100" cap="flat" cmpd="sng" algn="ctr">
+          <a:solidFill>
+            <a:schemeClr val="lt1"/>
+          </a:solidFill>
+          <a:prstDash val="solid"/>
+        </a:ln>
+        <a:effectLst>
+          <a:outerShdw blurRad="40000" dist="20000" dir="5400000" rotWithShape="0">
+            <a:srgbClr val="000000">
+              <a:alpha val="38000"/>
+            </a:srgbClr>
+          </a:outerShdw>
+        </a:effectLst>
+      </dsp:spPr>
+      <dsp:style>
+        <a:lnRef idx="3">
+          <a:schemeClr val="lt1"/>
+        </a:lnRef>
+        <a:fillRef idx="1">
+          <a:schemeClr val="accent2"/>
+        </a:fillRef>
+        <a:effectRef idx="1">
+          <a:schemeClr val="accent2"/>
+        </a:effectRef>
+        <a:fontRef idx="minor">
+          <a:schemeClr val="lt1"/>
+        </a:fontRef>
+      </dsp:style>
+      <dsp:txBody>
+        <a:bodyPr spcFirstLastPara="0" vert="horz" wrap="square" lIns="156210" tIns="156210" rIns="156210" bIns="156210" numCol="1" spcCol="1270" anchor="ctr" anchorCtr="0">
+          <a:noAutofit/>
+        </a:bodyPr>
+        <a:lstStyle/>
+        <a:p>
+          <a:pPr lvl="0" algn="ctr" defTabSz="1822450">
+            <a:lnSpc>
+              <a:spcPct val="90000"/>
+            </a:lnSpc>
+            <a:spcBef>
+              <a:spcPct val="0"/>
+            </a:spcBef>
+            <a:spcAft>
+              <a:spcPct val="35000"/>
+            </a:spcAft>
+          </a:pPr>
+          <a:r>
+            <a:rPr lang="en-US" sz="4100" kern="1200" dirty="0" err="1" smtClean="0"/>
+            <a:t>OpenCL</a:t>
+          </a:r>
+          <a:r>
+            <a:rPr lang="en-US" sz="4100" kern="1200" dirty="0" smtClean="0"/>
+            <a:t> Driver</a:t>
+          </a:r>
+          <a:endParaRPr lang="en-US" sz="4100" kern="1200" dirty="0"/>
+        </a:p>
+      </dsp:txBody>
+      <dsp:txXfrm>
+        <a:off x="27985" y="2094640"/>
+        <a:ext cx="6034326" cy="899506"/>
+      </dsp:txXfrm>
+    </dsp:sp>
+    <dsp:sp modelId="{A7663967-F6E8-4D05-BFE7-B69A6D9FBB28}">
+      <dsp:nvSpPr>
+        <dsp:cNvPr id="0" name=""/>
+        <dsp:cNvSpPr/>
+      </dsp:nvSpPr>
+      <dsp:spPr>
+        <a:xfrm>
+          <a:off x="12425" y="1041868"/>
+          <a:ext cx="2982515" cy="955476"/>
+        </a:xfrm>
+        <a:prstGeom prst="roundRect">
+          <a:avLst>
+            <a:gd name="adj" fmla="val 10000"/>
+          </a:avLst>
+        </a:prstGeom>
+        <a:solidFill>
+          <a:schemeClr val="accent3"/>
+        </a:solidFill>
+        <a:ln w="38100" cap="flat" cmpd="sng" algn="ctr">
+          <a:solidFill>
+            <a:schemeClr val="lt1"/>
+          </a:solidFill>
+          <a:prstDash val="solid"/>
+        </a:ln>
+        <a:effectLst>
+          <a:outerShdw blurRad="40000" dist="20000" dir="5400000" rotWithShape="0">
+            <a:srgbClr val="000000">
+              <a:alpha val="38000"/>
+            </a:srgbClr>
+          </a:outerShdw>
+        </a:effectLst>
+      </dsp:spPr>
+      <dsp:style>
+        <a:lnRef idx="3">
+          <a:schemeClr val="lt1"/>
+        </a:lnRef>
+        <a:fillRef idx="1">
+          <a:schemeClr val="accent3"/>
+        </a:fillRef>
+        <a:effectRef idx="1">
+          <a:schemeClr val="accent3"/>
+        </a:effectRef>
+        <a:fontRef idx="minor">
+          <a:schemeClr val="lt1"/>
+        </a:fontRef>
+      </dsp:style>
+      <dsp:txBody>
+        <a:bodyPr spcFirstLastPara="0" vert="horz" wrap="square" lIns="102870" tIns="102870" rIns="102870" bIns="102870" numCol="1" spcCol="1270" anchor="ctr" anchorCtr="0">
+          <a:noAutofit/>
+        </a:bodyPr>
+        <a:lstStyle/>
+        <a:p>
+          <a:pPr lvl="0" algn="ctr" defTabSz="1200150">
+            <a:lnSpc>
+              <a:spcPct val="90000"/>
+            </a:lnSpc>
+            <a:spcBef>
+              <a:spcPct val="0"/>
+            </a:spcBef>
+            <a:spcAft>
+              <a:spcPct val="35000"/>
+            </a:spcAft>
+          </a:pPr>
+          <a:r>
+            <a:rPr lang="en-US" sz="2700" kern="1200" dirty="0" err="1" smtClean="0"/>
+            <a:t>OpenCL</a:t>
+          </a:r>
+          <a:r>
+            <a:rPr lang="en-US" sz="2700" kern="1200" dirty="0" smtClean="0"/>
+            <a:t> API</a:t>
+          </a:r>
+          <a:endParaRPr lang="en-US" sz="2700" kern="1200" dirty="0"/>
+        </a:p>
+      </dsp:txBody>
+      <dsp:txXfrm>
+        <a:off x="40410" y="1069853"/>
+        <a:ext cx="2926545" cy="899506"/>
+      </dsp:txXfrm>
+    </dsp:sp>
+    <dsp:sp modelId="{9BF71997-9C86-4963-AE9E-E3D4A7D6C1FF}">
+      <dsp:nvSpPr>
+        <dsp:cNvPr id="0" name=""/>
+        <dsp:cNvSpPr/>
+      </dsp:nvSpPr>
+      <dsp:spPr>
+        <a:xfrm>
+          <a:off x="0" y="0"/>
+          <a:ext cx="2982515" cy="955476"/>
+        </a:xfrm>
+        <a:prstGeom prst="roundRect">
+          <a:avLst>
+            <a:gd name="adj" fmla="val 10000"/>
+          </a:avLst>
+        </a:prstGeom>
+        <a:solidFill>
+          <a:schemeClr val="accent5"/>
+        </a:solidFill>
+        <a:ln w="38100" cap="flat" cmpd="sng" algn="ctr">
+          <a:solidFill>
+            <a:schemeClr val="lt1"/>
+          </a:solidFill>
+          <a:prstDash val="solid"/>
+        </a:ln>
+        <a:effectLst>
+          <a:outerShdw blurRad="40000" dist="20000" dir="5400000" rotWithShape="0">
+            <a:srgbClr val="000000">
+              <a:alpha val="38000"/>
+            </a:srgbClr>
+          </a:outerShdw>
+        </a:effectLst>
+      </dsp:spPr>
+      <dsp:style>
+        <a:lnRef idx="3">
+          <a:schemeClr val="lt1"/>
+        </a:lnRef>
+        <a:fillRef idx="1">
+          <a:schemeClr val="accent5"/>
+        </a:fillRef>
+        <a:effectRef idx="1">
+          <a:schemeClr val="accent5"/>
+        </a:effectRef>
+        <a:fontRef idx="minor">
+          <a:schemeClr val="lt1"/>
+        </a:fontRef>
+      </dsp:style>
+      <dsp:txBody>
+        <a:bodyPr spcFirstLastPara="0" vert="horz" wrap="square" lIns="102870" tIns="102870" rIns="102870" bIns="102870" numCol="1" spcCol="1270" anchor="ctr" anchorCtr="0">
+          <a:noAutofit/>
+        </a:bodyPr>
+        <a:lstStyle/>
+        <a:p>
+          <a:pPr lvl="0" algn="ctr" defTabSz="1200150">
+            <a:lnSpc>
+              <a:spcPct val="90000"/>
+            </a:lnSpc>
+            <a:spcBef>
+              <a:spcPct val="0"/>
+            </a:spcBef>
+            <a:spcAft>
+              <a:spcPct val="35000"/>
+            </a:spcAft>
+          </a:pPr>
+          <a:r>
+            <a:rPr lang="en-US" sz="2700" kern="1200" dirty="0" smtClean="0"/>
+            <a:t>Application</a:t>
+          </a:r>
+          <a:endParaRPr lang="en-US" sz="2700" kern="1200" dirty="0"/>
+        </a:p>
+      </dsp:txBody>
+      <dsp:txXfrm>
+        <a:off x="27985" y="27985"/>
+        <a:ext cx="2926545" cy="899506"/>
+      </dsp:txXfrm>
+    </dsp:sp>
+    <dsp:sp modelId="{1A7D3C3B-9EA4-4035-BD96-45289FC6B969}">
+      <dsp:nvSpPr>
+        <dsp:cNvPr id="0" name=""/>
+        <dsp:cNvSpPr/>
+      </dsp:nvSpPr>
+      <dsp:spPr>
+        <a:xfrm>
+          <a:off x="3113484" y="1041868"/>
+          <a:ext cx="2982515" cy="955476"/>
+        </a:xfrm>
+        <a:prstGeom prst="roundRect">
+          <a:avLst>
+            <a:gd name="adj" fmla="val 10000"/>
+          </a:avLst>
+        </a:prstGeom>
+        <a:solidFill>
+          <a:schemeClr val="accent4"/>
+        </a:solidFill>
+        <a:ln w="38100" cap="flat" cmpd="sng" algn="ctr">
+          <a:solidFill>
+            <a:schemeClr val="lt1"/>
+          </a:solidFill>
+          <a:prstDash val="solid"/>
+        </a:ln>
+        <a:effectLst>
+          <a:outerShdw blurRad="40000" dist="20000" dir="5400000" rotWithShape="0">
+            <a:srgbClr val="000000">
+              <a:alpha val="38000"/>
+            </a:srgbClr>
+          </a:outerShdw>
+        </a:effectLst>
+      </dsp:spPr>
+      <dsp:style>
+        <a:lnRef idx="3">
+          <a:schemeClr val="lt1"/>
+        </a:lnRef>
+        <a:fillRef idx="1">
+          <a:schemeClr val="accent4"/>
+        </a:fillRef>
+        <a:effectRef idx="1">
+          <a:schemeClr val="accent4"/>
+        </a:effectRef>
+        <a:fontRef idx="minor">
+          <a:schemeClr val="lt1"/>
+        </a:fontRef>
+      </dsp:style>
+      <dsp:txBody>
+        <a:bodyPr spcFirstLastPara="0" vert="horz" wrap="square" lIns="102870" tIns="102870" rIns="102870" bIns="102870" numCol="1" spcCol="1270" anchor="ctr" anchorCtr="0">
+          <a:noAutofit/>
+        </a:bodyPr>
+        <a:lstStyle/>
+        <a:p>
+          <a:pPr lvl="0" algn="ctr" defTabSz="1200150">
+            <a:lnSpc>
+              <a:spcPct val="90000"/>
+            </a:lnSpc>
+            <a:spcBef>
+              <a:spcPct val="0"/>
+            </a:spcBef>
+            <a:spcAft>
+              <a:spcPct val="35000"/>
+            </a:spcAft>
+          </a:pPr>
+          <a:r>
+            <a:rPr lang="en-US" sz="2700" kern="1200" dirty="0" err="1" smtClean="0"/>
+            <a:t>OpenCL</a:t>
+          </a:r>
+          <a:r>
+            <a:rPr lang="en-US" sz="2700" kern="1200" dirty="0" smtClean="0"/>
+            <a:t> C Compiler</a:t>
+          </a:r>
+          <a:endParaRPr lang="en-US" sz="2700" kern="1200" dirty="0"/>
+        </a:p>
+      </dsp:txBody>
+      <dsp:txXfrm>
+        <a:off x="3141469" y="1069853"/>
+        <a:ext cx="2926545" cy="899506"/>
+      </dsp:txXfrm>
+    </dsp:sp>
+    <dsp:sp modelId="{19B0399D-1187-42D8-8D46-A4F53C82793D}">
+      <dsp:nvSpPr>
+        <dsp:cNvPr id="0" name=""/>
+        <dsp:cNvSpPr/>
+      </dsp:nvSpPr>
+      <dsp:spPr>
+        <a:xfrm>
+          <a:off x="3113484" y="0"/>
+          <a:ext cx="2982515" cy="955476"/>
+        </a:xfrm>
+        <a:prstGeom prst="roundRect">
+          <a:avLst>
+            <a:gd name="adj" fmla="val 10000"/>
+          </a:avLst>
+        </a:prstGeom>
+        <a:solidFill>
+          <a:schemeClr val="accent1"/>
+        </a:solidFill>
+        <a:ln w="38100" cap="flat" cmpd="sng" algn="ctr">
+          <a:solidFill>
+            <a:schemeClr val="lt1"/>
+          </a:solidFill>
+          <a:prstDash val="solid"/>
+        </a:ln>
+        <a:effectLst>
+          <a:outerShdw blurRad="40000" dist="20000" dir="5400000" rotWithShape="0">
+            <a:srgbClr val="000000">
+              <a:alpha val="38000"/>
+            </a:srgbClr>
+          </a:outerShdw>
+        </a:effectLst>
+      </dsp:spPr>
+      <dsp:style>
+        <a:lnRef idx="3">
+          <a:schemeClr val="lt1"/>
+        </a:lnRef>
+        <a:fillRef idx="1">
+          <a:schemeClr val="accent1"/>
+        </a:fillRef>
+        <a:effectRef idx="1">
+          <a:schemeClr val="accent1"/>
+        </a:effectRef>
+        <a:fontRef idx="minor">
+          <a:schemeClr val="lt1"/>
+        </a:fontRef>
+      </dsp:style>
+      <dsp:txBody>
+        <a:bodyPr spcFirstLastPara="0" vert="horz" wrap="square" lIns="102870" tIns="102870" rIns="102870" bIns="102870" numCol="1" spcCol="1270" anchor="ctr" anchorCtr="0">
+          <a:noAutofit/>
+        </a:bodyPr>
+        <a:lstStyle/>
+        <a:p>
+          <a:pPr lvl="0" algn="ctr" defTabSz="1200150">
+            <a:lnSpc>
+              <a:spcPct val="90000"/>
+            </a:lnSpc>
+            <a:spcBef>
+              <a:spcPct val="0"/>
+            </a:spcBef>
+            <a:spcAft>
+              <a:spcPct val="35000"/>
+            </a:spcAft>
+          </a:pPr>
+          <a:r>
+            <a:rPr lang="en-US" sz="2700" kern="1200" dirty="0" err="1" smtClean="0"/>
+            <a:t>OpenCL</a:t>
+          </a:r>
+          <a:r>
+            <a:rPr lang="en-US" sz="2700" kern="1200" dirty="0" smtClean="0"/>
+            <a:t> Kernels</a:t>
+          </a:r>
+          <a:endParaRPr lang="en-US" sz="2700" kern="1200" dirty="0"/>
+        </a:p>
+      </dsp:txBody>
+      <dsp:txXfrm>
+        <a:off x="3141469" y="27985"/>
+        <a:ext cx="2926545" cy="899506"/>
+      </dsp:txXfrm>
+    </dsp:sp>
+  </dsp:spTree>
+</dsp:drawing>
+</file>
+
+<file path=ppt/diagrams/drawing2.xml><?xml version="1.0" encoding="utf-8"?>
+<dsp:drawing xmlns:dgm="http://schemas.openxmlformats.org/drawingml/2006/diagram" xmlns:dsp="http://schemas.microsoft.com/office/drawing/2008/diagram" xmlns:a="http://schemas.openxmlformats.org/drawingml/2006/main">
+  <dsp:spTree>
+    <dsp:nvGrpSpPr>
+      <dsp:cNvPr id="0" name=""/>
+      <dsp:cNvGrpSpPr/>
+    </dsp:nvGrpSpPr>
+    <dsp:grpSpPr/>
+    <dsp:sp modelId="{5A7B59C1-0946-4540-B124-AA8A64E7AF52}">
+      <dsp:nvSpPr>
+        <dsp:cNvPr id="0" name=""/>
+        <dsp:cNvSpPr/>
+      </dsp:nvSpPr>
+      <dsp:spPr>
+        <a:xfrm>
+          <a:off x="4068247" y="2106280"/>
+          <a:ext cx="2574343" cy="2574343"/>
+        </a:xfrm>
+        <a:prstGeom prst="gear9">
+          <a:avLst/>
+        </a:prstGeom>
+        <a:solidFill>
+          <a:schemeClr val="accent4">
+            <a:hueOff val="0"/>
+            <a:satOff val="0"/>
+            <a:lumOff val="0"/>
+            <a:alphaOff val="0"/>
+          </a:schemeClr>
+        </a:solidFill>
+        <a:ln w="38100" cap="flat" cmpd="sng" algn="ctr">
+          <a:solidFill>
+            <a:schemeClr val="lt1">
+              <a:hueOff val="0"/>
+              <a:satOff val="0"/>
+              <a:lumOff val="0"/>
+              <a:alphaOff val="0"/>
+            </a:schemeClr>
+          </a:solidFill>
+          <a:prstDash val="solid"/>
+        </a:ln>
+        <a:effectLst>
+          <a:outerShdw blurRad="40000" dist="20000" dir="5400000" rotWithShape="0">
+            <a:srgbClr val="000000">
+              <a:alpha val="38000"/>
+            </a:srgbClr>
+          </a:outerShdw>
+        </a:effectLst>
+      </dsp:spPr>
+      <dsp:style>
+        <a:lnRef idx="3">
+          <a:scrgbClr r="0" g="0" b="0"/>
+        </a:lnRef>
+        <a:fillRef idx="1">
+          <a:scrgbClr r="0" g="0" b="0"/>
+        </a:fillRef>
+        <a:effectRef idx="1">
+          <a:scrgbClr r="0" g="0" b="0"/>
+        </a:effectRef>
+        <a:fontRef idx="minor">
+          <a:schemeClr val="lt1"/>
+        </a:fontRef>
+      </dsp:style>
+      <dsp:txBody>
+        <a:bodyPr spcFirstLastPara="0" vert="horz" wrap="square" lIns="49530" tIns="49530" rIns="49530" bIns="49530" numCol="1" spcCol="1270" anchor="ctr" anchorCtr="0">
+          <a:noAutofit/>
+        </a:bodyPr>
+        <a:lstStyle/>
+        <a:p>
+          <a:pPr lvl="0" algn="ctr" defTabSz="1733550">
+            <a:lnSpc>
+              <a:spcPct val="90000"/>
+            </a:lnSpc>
+            <a:spcBef>
+              <a:spcPct val="0"/>
+            </a:spcBef>
+            <a:spcAft>
+              <a:spcPct val="35000"/>
+            </a:spcAft>
+          </a:pPr>
+          <a:r>
+            <a:rPr lang="en-US" sz="3900" kern="1200" dirty="0" smtClean="0"/>
+            <a:t>Matrix </a:t>
+          </a:r>
+          <a:r>
+            <a:rPr lang="en-US" sz="3900" kern="1200" dirty="0" err="1" smtClean="0"/>
+            <a:t>mult</a:t>
+          </a:r>
+          <a:r>
+            <a:rPr lang="en-US" sz="3900" kern="1200" dirty="0" smtClean="0"/>
+            <a:t>.</a:t>
+          </a:r>
+          <a:endParaRPr lang="en-US" sz="3900" kern="1200" dirty="0"/>
+        </a:p>
+      </dsp:txBody>
+      <dsp:txXfrm>
+        <a:off x="4585804" y="2709308"/>
+        <a:ext cx="1539229" cy="1323265"/>
+      </dsp:txXfrm>
+    </dsp:sp>
+    <dsp:sp modelId="{27AFAAD3-C0F4-4315-8C52-75A0B51E69BB}">
+      <dsp:nvSpPr>
+        <dsp:cNvPr id="0" name=""/>
+        <dsp:cNvSpPr/>
+      </dsp:nvSpPr>
+      <dsp:spPr>
+        <a:xfrm>
+          <a:off x="2570448" y="1497799"/>
+          <a:ext cx="1872249" cy="1872249"/>
+        </a:xfrm>
+        <a:prstGeom prst="gear6">
+          <a:avLst/>
+        </a:prstGeom>
+        <a:solidFill>
+          <a:schemeClr val="accent4">
+            <a:hueOff val="-2232385"/>
+            <a:satOff val="13449"/>
+            <a:lumOff val="1078"/>
+            <a:alphaOff val="0"/>
+          </a:schemeClr>
+        </a:solidFill>
+        <a:ln w="38100" cap="flat" cmpd="sng" algn="ctr">
+          <a:solidFill>
+            <a:schemeClr val="lt1">
+              <a:hueOff val="0"/>
+              <a:satOff val="0"/>
+              <a:lumOff val="0"/>
+              <a:alphaOff val="0"/>
+            </a:schemeClr>
+          </a:solidFill>
+          <a:prstDash val="solid"/>
+        </a:ln>
+        <a:effectLst>
+          <a:outerShdw blurRad="40000" dist="20000" dir="5400000" rotWithShape="0">
+            <a:srgbClr val="000000">
+              <a:alpha val="38000"/>
+            </a:srgbClr>
+          </a:outerShdw>
+        </a:effectLst>
+      </dsp:spPr>
+      <dsp:style>
+        <a:lnRef idx="3">
+          <a:scrgbClr r="0" g="0" b="0"/>
+        </a:lnRef>
+        <a:fillRef idx="1">
+          <a:scrgbClr r="0" g="0" b="0"/>
+        </a:fillRef>
+        <a:effectRef idx="1">
+          <a:scrgbClr r="0" g="0" b="0"/>
+        </a:effectRef>
+        <a:fontRef idx="minor">
+          <a:schemeClr val="lt1"/>
+        </a:fontRef>
+      </dsp:style>
+      <dsp:txBody>
+        <a:bodyPr spcFirstLastPara="0" vert="horz" wrap="square" lIns="49530" tIns="49530" rIns="49530" bIns="49530" numCol="1" spcCol="1270" anchor="ctr" anchorCtr="0">
+          <a:noAutofit/>
+        </a:bodyPr>
+        <a:lstStyle/>
+        <a:p>
+          <a:pPr lvl="0" algn="ctr" defTabSz="1733550">
+            <a:lnSpc>
+              <a:spcPct val="90000"/>
+            </a:lnSpc>
+            <a:spcBef>
+              <a:spcPct val="0"/>
+            </a:spcBef>
+            <a:spcAft>
+              <a:spcPct val="35000"/>
+            </a:spcAft>
+          </a:pPr>
+          <a:r>
+            <a:rPr lang="en-US" sz="3900" kern="1200" dirty="0" smtClean="0"/>
+            <a:t>Sort</a:t>
+          </a:r>
+          <a:endParaRPr lang="en-US" sz="3900" kern="1200" dirty="0"/>
+        </a:p>
+      </dsp:txBody>
+      <dsp:txXfrm>
+        <a:off x="3041792" y="1971992"/>
+        <a:ext cx="929561" cy="923863"/>
+      </dsp:txXfrm>
+    </dsp:sp>
+    <dsp:sp modelId="{65227177-1974-43C4-BA0A-034DF813F3FB}">
+      <dsp:nvSpPr>
+        <dsp:cNvPr id="0" name=""/>
+        <dsp:cNvSpPr/>
+      </dsp:nvSpPr>
+      <dsp:spPr>
+        <a:xfrm rot="20700000">
+          <a:off x="3619098" y="206138"/>
+          <a:ext cx="1834422" cy="1834422"/>
+        </a:xfrm>
+        <a:prstGeom prst="gear6">
+          <a:avLst/>
+        </a:prstGeom>
+        <a:solidFill>
+          <a:schemeClr val="accent4">
+            <a:hueOff val="-4464770"/>
+            <a:satOff val="26899"/>
+            <a:lumOff val="2156"/>
+            <a:alphaOff val="0"/>
+          </a:schemeClr>
+        </a:solidFill>
+        <a:ln w="38100" cap="flat" cmpd="sng" algn="ctr">
+          <a:solidFill>
+            <a:schemeClr val="lt1">
+              <a:hueOff val="0"/>
+              <a:satOff val="0"/>
+              <a:lumOff val="0"/>
+              <a:alphaOff val="0"/>
+            </a:schemeClr>
+          </a:solidFill>
+          <a:prstDash val="solid"/>
+        </a:ln>
+        <a:effectLst>
+          <a:outerShdw blurRad="40000" dist="20000" dir="5400000" rotWithShape="0">
+            <a:srgbClr val="000000">
+              <a:alpha val="38000"/>
+            </a:srgbClr>
+          </a:outerShdw>
+        </a:effectLst>
+      </dsp:spPr>
+      <dsp:style>
+        <a:lnRef idx="3">
+          <a:scrgbClr r="0" g="0" b="0"/>
+        </a:lnRef>
+        <a:fillRef idx="1">
+          <a:scrgbClr r="0" g="0" b="0"/>
+        </a:fillRef>
+        <a:effectRef idx="1">
+          <a:scrgbClr r="0" g="0" b="0"/>
+        </a:effectRef>
+        <a:fontRef idx="minor">
+          <a:schemeClr val="lt1"/>
+        </a:fontRef>
+      </dsp:style>
+      <dsp:txBody>
+        <a:bodyPr spcFirstLastPara="0" vert="horz" wrap="square" lIns="49530" tIns="49530" rIns="49530" bIns="49530" numCol="1" spcCol="1270" anchor="ctr" anchorCtr="0">
+          <a:noAutofit/>
+        </a:bodyPr>
+        <a:lstStyle/>
+        <a:p>
+          <a:pPr lvl="0" algn="ctr" defTabSz="1733550">
+            <a:lnSpc>
+              <a:spcPct val="90000"/>
+            </a:lnSpc>
+            <a:spcBef>
+              <a:spcPct val="0"/>
+            </a:spcBef>
+            <a:spcAft>
+              <a:spcPct val="35000"/>
+            </a:spcAft>
+          </a:pPr>
+          <a:r>
+            <a:rPr lang="en-US" sz="3900" kern="1200" dirty="0" smtClean="0"/>
+            <a:t>Scan</a:t>
+          </a:r>
+          <a:endParaRPr lang="en-US" sz="3900" kern="1200" dirty="0"/>
+        </a:p>
+      </dsp:txBody>
+      <dsp:txXfrm rot="-20700000">
+        <a:off x="4021441" y="608481"/>
+        <a:ext cx="1029737" cy="1029737"/>
+      </dsp:txXfrm>
+    </dsp:sp>
+    <dsp:sp modelId="{C6E633D0-E014-45CC-A2D9-749A3A0B2C5C}">
+      <dsp:nvSpPr>
+        <dsp:cNvPr id="0" name=""/>
+        <dsp:cNvSpPr/>
+      </dsp:nvSpPr>
+      <dsp:spPr>
+        <a:xfrm>
+          <a:off x="3875670" y="1714755"/>
+          <a:ext cx="3295159" cy="3295159"/>
+        </a:xfrm>
+        <a:prstGeom prst="circularArrow">
+          <a:avLst>
+            <a:gd name="adj1" fmla="val 4687"/>
+            <a:gd name="adj2" fmla="val 299029"/>
+            <a:gd name="adj3" fmla="val 2526676"/>
+            <a:gd name="adj4" fmla="val 15838819"/>
+            <a:gd name="adj5" fmla="val 5469"/>
+          </a:avLst>
+        </a:prstGeom>
+        <a:solidFill>
+          <a:schemeClr val="accent4">
+            <a:hueOff val="0"/>
+            <a:satOff val="0"/>
+            <a:lumOff val="0"/>
+            <a:alphaOff val="0"/>
+          </a:schemeClr>
+        </a:solidFill>
+        <a:ln>
+          <a:noFill/>
+        </a:ln>
+        <a:effectLst>
+          <a:outerShdw blurRad="40000" dist="20000" dir="5400000" rotWithShape="0">
+            <a:srgbClr val="000000">
+              <a:alpha val="38000"/>
+            </a:srgbClr>
+          </a:outerShdw>
+        </a:effectLst>
+      </dsp:spPr>
+      <dsp:style>
+        <a:lnRef idx="0">
+          <a:scrgbClr r="0" g="0" b="0"/>
+        </a:lnRef>
+        <a:fillRef idx="1">
+          <a:scrgbClr r="0" g="0" b="0"/>
+        </a:fillRef>
+        <a:effectRef idx="1">
+          <a:scrgbClr r="0" g="0" b="0"/>
+        </a:effectRef>
+        <a:fontRef idx="minor">
+          <a:schemeClr val="lt1"/>
+        </a:fontRef>
+      </dsp:style>
+    </dsp:sp>
+    <dsp:sp modelId="{E0930DCB-5C7A-4126-BC09-F6E99DDF5CFC}">
+      <dsp:nvSpPr>
+        <dsp:cNvPr id="0" name=""/>
+        <dsp:cNvSpPr/>
+      </dsp:nvSpPr>
+      <dsp:spPr>
+        <a:xfrm>
+          <a:off x="2238876" y="1081454"/>
+          <a:ext cx="2394139" cy="2394139"/>
+        </a:xfrm>
+        <a:prstGeom prst="leftCircularArrow">
+          <a:avLst>
+            <a:gd name="adj1" fmla="val 6452"/>
+            <a:gd name="adj2" fmla="val 429999"/>
+            <a:gd name="adj3" fmla="val 10489124"/>
+            <a:gd name="adj4" fmla="val 14837806"/>
+            <a:gd name="adj5" fmla="val 7527"/>
+          </a:avLst>
+        </a:prstGeom>
+        <a:solidFill>
+          <a:schemeClr val="accent4">
+            <a:hueOff val="-2232385"/>
+            <a:satOff val="13449"/>
+            <a:lumOff val="1078"/>
+            <a:alphaOff val="0"/>
+          </a:schemeClr>
+        </a:solidFill>
+        <a:ln>
+          <a:noFill/>
+        </a:ln>
+        <a:effectLst>
+          <a:outerShdw blurRad="40000" dist="20000" dir="5400000" rotWithShape="0">
+            <a:srgbClr val="000000">
+              <a:alpha val="38000"/>
+            </a:srgbClr>
+          </a:outerShdw>
+        </a:effectLst>
+      </dsp:spPr>
+      <dsp:style>
+        <a:lnRef idx="0">
+          <a:scrgbClr r="0" g="0" b="0"/>
+        </a:lnRef>
+        <a:fillRef idx="1">
+          <a:scrgbClr r="0" g="0" b="0"/>
+        </a:fillRef>
+        <a:effectRef idx="1">
+          <a:scrgbClr r="0" g="0" b="0"/>
+        </a:effectRef>
+        <a:fontRef idx="minor">
+          <a:schemeClr val="lt1"/>
+        </a:fontRef>
+      </dsp:style>
+    </dsp:sp>
+    <dsp:sp modelId="{1A6CCD0E-EABE-4627-B762-058DAD362BB2}">
+      <dsp:nvSpPr>
+        <dsp:cNvPr id="0" name=""/>
+        <dsp:cNvSpPr/>
+      </dsp:nvSpPr>
+      <dsp:spPr>
+        <a:xfrm>
+          <a:off x="3194778" y="-197756"/>
+          <a:ext cx="2581364" cy="2581364"/>
+        </a:xfrm>
+        <a:prstGeom prst="circularArrow">
+          <a:avLst>
+            <a:gd name="adj1" fmla="val 5984"/>
+            <a:gd name="adj2" fmla="val 394124"/>
+            <a:gd name="adj3" fmla="val 13313824"/>
+            <a:gd name="adj4" fmla="val 10508221"/>
+            <a:gd name="adj5" fmla="val 6981"/>
+          </a:avLst>
+        </a:prstGeom>
+        <a:solidFill>
+          <a:schemeClr val="accent4">
+            <a:hueOff val="-4464770"/>
+            <a:satOff val="26899"/>
+            <a:lumOff val="2156"/>
+            <a:alphaOff val="0"/>
+          </a:schemeClr>
+        </a:solidFill>
+        <a:ln>
+          <a:noFill/>
+        </a:ln>
+        <a:effectLst>
+          <a:outerShdw blurRad="40000" dist="20000" dir="5400000" rotWithShape="0">
+            <a:srgbClr val="000000">
+              <a:alpha val="38000"/>
+            </a:srgbClr>
+          </a:outerShdw>
+        </a:effectLst>
+      </dsp:spPr>
+      <dsp:style>
+        <a:lnRef idx="0">
+          <a:scrgbClr r="0" g="0" b="0"/>
+        </a:lnRef>
+        <a:fillRef idx="1">
+          <a:scrgbClr r="0" g="0" b="0"/>
+        </a:fillRef>
+        <a:effectRef idx="1">
+          <a:scrgbClr r="0" g="0" b="0"/>
+        </a:effectRef>
+        <a:fontRef idx="minor">
+          <a:schemeClr val="lt1"/>
+        </a:fontRef>
+      </dsp:style>
+    </dsp:sp>
+  </dsp:spTree>
+</dsp:drawing>
+</file>
+
+<file path=ppt/diagrams/layout1.xml><?xml version="1.0" encoding="utf-8"?>
+<dgm:layoutDef xmlns:dgm="http://schemas.openxmlformats.org/drawingml/2006/diagram" xmlns:a="http://schemas.openxmlformats.org/drawingml/2006/main" uniqueId="urn:microsoft.com/office/officeart/2005/8/layout/hierarchy4">
+  <dgm:title val=""/>
+  <dgm:desc val=""/>
+  <dgm:catLst>
+    <dgm:cat type="hierarchy" pri="4000"/>
+    <dgm:cat type="list" pri="24000"/>
+    <dgm:cat type="relationship" pri="10000"/>
+  </dgm:catLst>
+  <dgm:sampData>
+    <dgm:dataModel>
+      <dgm:ptLst>
+        <dgm:pt modelId="0" type="doc"/>
+        <dgm:pt modelId="1">
+          <dgm:prSet phldr="1"/>
+        </dgm:pt>
+        <dgm:pt modelId="2">
+          <dgm:prSet phldr="1"/>
+        </dgm:pt>
+        <dgm:pt modelId="21">
+          <dgm:prSet phldr="1"/>
+        </dgm:pt>
+        <dgm:pt modelId="22">
+          <dgm:prSet phldr="1"/>
+        </dgm:pt>
+        <dgm:pt modelId="3">
+          <dgm:prSet phldr="1"/>
+        </dgm:pt>
+        <dgm:pt modelId="31">
+          <dgm:prSet phldr="1"/>
+        </dgm:pt>
+      </dgm:ptLst>
+      <dgm:cxnLst>
+        <dgm:cxn modelId="4" srcId="0" destId="1" srcOrd="0" destOrd="0"/>
+        <dgm:cxn modelId="5" srcId="1" destId="2" srcOrd="0" destOrd="0"/>
+        <dgm:cxn modelId="6" srcId="1" destId="3" srcOrd="1" destOrd="0"/>
+        <dgm:cxn modelId="23" srcId="2" destId="21" srcOrd="0" destOrd="0"/>
+        <dgm:cxn modelId="24" srcId="2" destId="22" srcOrd="1" destOrd="0"/>
+        <dgm:cxn modelId="33" srcId="3" destId="31" srcOrd="0" destOrd="0"/>
+      </dgm:cxnLst>
+      <dgm:bg/>
+      <dgm:whole/>
+    </dgm:dataModel>
+  </dgm:sampData>
+  <dgm:styleData>
+    <dgm:dataModel>
+      <dgm:ptLst>
+        <dgm:pt modelId="0" type="doc"/>
+        <dgm:pt modelId="1"/>
+        <dgm:pt modelId="11"/>
+        <dgm:pt modelId="12"/>
+      </dgm:ptLst>
+      <dgm:cxnLst>
+        <dgm:cxn modelId="2" srcId="0" destId="1" srcOrd="0" destOrd="0"/>
+        <dgm:cxn modelId="13" srcId="1" destId="11" srcOrd="0" destOrd="0"/>
+        <dgm:cxn modelId="14" srcId="1" destId="12" srcOrd="1" destOrd="0"/>
+      </dgm:cxnLst>
+      <dgm:bg/>
+      <dgm:whole/>
+    </dgm:dataModel>
+  </dgm:styleData>
+  <dgm:clrData>
+    <dgm:dataModel>
+      <dgm:ptLst>
+        <dgm:pt modelId="0" type="doc"/>
+        <dgm:pt modelId="1"/>
+        <dgm:pt modelId="2"/>
+        <dgm:pt modelId="21"/>
+        <dgm:pt modelId="211"/>
+        <dgm:pt modelId="3"/>
+        <dgm:pt modelId="31"/>
+        <dgm:pt modelId="311"/>
+      </dgm:ptLst>
+      <dgm:cxnLst>
+        <dgm:cxn modelId="4" srcId="0" destId="1" srcOrd="0" destOrd="0"/>
+        <dgm:cxn modelId="5" srcId="1" destId="2" srcOrd="0" destOrd="0"/>
+        <dgm:cxn modelId="6" srcId="1" destId="3" srcOrd="1" destOrd="0"/>
+        <dgm:cxn modelId="23" srcId="2" destId="21" srcOrd="0" destOrd="0"/>
+        <dgm:cxn modelId="24" srcId="21" destId="211" srcOrd="0" destOrd="0"/>
+        <dgm:cxn modelId="33" srcId="3" destId="31" srcOrd="0" destOrd="0"/>
+        <dgm:cxn modelId="34" srcId="31" destId="311" srcOrd="0" destOrd="0"/>
+      </dgm:cxnLst>
+      <dgm:bg/>
+      <dgm:whole/>
+    </dgm:dataModel>
+  </dgm:clrData>
+  <dgm:layoutNode name="Name0">
+    <dgm:varLst>
+      <dgm:chPref val="1"/>
+      <dgm:dir/>
+      <dgm:animOne val="branch"/>
+      <dgm:animLvl val="lvl"/>
+      <dgm:resizeHandles/>
+    </dgm:varLst>
+    <dgm:choose name="Name1">
+      <dgm:if name="Name2" func="var" arg="dir" op="equ" val="norm">
+        <dgm:alg type="lin">
+          <dgm:param type="linDir" val="fromL"/>
+          <dgm:param type="nodeVertAlign" val="t"/>
+        </dgm:alg>
+      </dgm:if>
+      <dgm:else name="Name3">
+        <dgm:alg type="lin">
+          <dgm:param type="linDir" val="fromR"/>
+          <dgm:param type="nodeVertAlign" val="t"/>
+        </dgm:alg>
+      </dgm:else>
+    </dgm:choose>
+    <dgm:shape xmlns:r="http://schemas.openxmlformats.org/officeDocument/2006/relationships" r:blip="">
+      <dgm:adjLst/>
+    </dgm:shape>
+    <dgm:presOf/>
+    <dgm:constrLst>
+      <dgm:constr type="w" for="ch" forName="vertOne" refType="w"/>
+      <dgm:constr type="w" for="des" forName="horzOne" refType="w"/>
+      <dgm:constr type="w" for="des" forName="txOne" refType="w"/>
+      <dgm:constr type="w" for="des" forName="vertTwo" refType="w"/>
+      <dgm:constr type="w" for="des" forName="horzTwo" refType="w"/>
+      <dgm:constr type="w" for="des" forName="txTwo" refType="w"/>
+      <dgm:constr type="w" for="des" forName="vertThree" refType="w"/>
+      <dgm:constr type="w" for="des" forName="horzThree" refType="w"/>
+      <dgm:constr type="w" for="des" forName="txThree" refType="w"/>
+      <dgm:constr type="w" for="des" forName="vertFour" refType="w"/>
+      <dgm:constr type="w" for="des" forName="horzFour" refType="w"/>
+      <dgm:constr type="w" for="des" forName="txFour" refType="w"/>
+      <dgm:constr type="h" for="des" ptType="node" op="equ"/>
+      <dgm:constr type="h" for="des" forName="txOne" refType="h"/>
+      <dgm:constr type="userH" for="des" ptType="node" refType="h" refFor="des" refForName="txOne"/>
+      <dgm:constr type="primFontSz" for="des" forName="txOne" val="65"/>
+      <dgm:constr type="primFontSz" for="des" forName="txTwo" val="65"/>
+      <dgm:constr type="primFontSz" for="des" forName="txTwo" refType="primFontSz" refFor="des" refForName="txOne" op="lte"/>
+      <dgm:constr type="primFontSz" for="des" forName="txThree" val="65"/>
+      <dgm:constr type="primFontSz" for="des" forName="txThree" refType="primFontSz" refFor="des" refForName="txOne" op="lte"/>
+      <dgm:constr type="primFontSz" for="des" forName="txThree" refType="primFontSz" refFor="des" refForName="txTwo" op="lte"/>
+      <dgm:constr type="primFontSz" for="des" forName="txFour" val="65"/>
+      <dgm:constr type="primFontSz" for="des" forName="txFour" refType="primFontSz" refFor="des" refForName="txOne" op="lte"/>
+      <dgm:constr type="primFontSz" for="des" forName="txFour" refType="primFontSz" refFor="des" refForName="txTwo" op="lte"/>
+      <dgm:constr type="primFontSz" for="des" forName="txFour" refType="primFontSz" refFor="des" refForName="txThree" op="lte"/>
+      <dgm:constr type="w" for="des" forName="sibSpaceOne" refType="w" fact="0.168"/>
+      <dgm:constr type="w" for="des" forName="sibSpaceTwo" refType="w" refFor="des" refForName="sibSpaceOne" op="equ" fact="0.5"/>
+      <dgm:constr type="w" for="des" forName="sibSpaceThree" refType="w" refFor="des" refForName="sibSpaceTwo" op="equ" fact="0.5"/>
+      <dgm:constr type="w" for="des" forName="sibSpaceFour" refType="w" refFor="des" refForName="sibSpaceThree" op="equ" fact="0.5"/>
+      <dgm:constr type="h" for="des" forName="parTransOne" refType="w" fact="0.056"/>
+      <dgm:constr type="h" for="des" forName="parTransTwo" refType="h" refFor="des" refForName="parTransOne" op="equ"/>
+      <dgm:constr type="h" for="des" forName="parTransThree" refType="h" refFor="des" refForName="parTransTwo" op="equ"/>
+      <dgm:constr type="h" for="des" forName="parTransFour" refType="h" refFor="des" refForName="parTransThree" op="equ"/>
+    </dgm:constrLst>
+    <dgm:ruleLst/>
+    <dgm:forEach name="Name4" axis="ch" ptType="node">
+      <dgm:layoutNode name="vertOne">
+        <dgm:alg type="lin">
+          <dgm:param type="linDir" val="fromT"/>
+        </dgm:alg>
+        <dgm:shape xmlns:r="http://schemas.openxmlformats.org/officeDocument/2006/relationships" r:blip="">
+          <dgm:adjLst/>
+        </dgm:shape>
+        <dgm:presOf/>
+        <dgm:constrLst>
+          <dgm:constr type="w" for="ch" forName="txOne" refType="w" refFor="ch" refForName="horzOne" op="gte"/>
+        </dgm:constrLst>
+        <dgm:ruleLst/>
+        <dgm:layoutNode name="txOne" styleLbl="node0">
+          <dgm:varLst>
+            <dgm:chPref val="3"/>
+          </dgm:varLst>
+          <dgm:alg type="tx"/>
+          <dgm:shape xmlns:r="http://schemas.openxmlformats.org/officeDocument/2006/relationships" type="roundRect" r:blip="">
+            <dgm:adjLst>
+              <dgm:adj idx="1" val="0.1"/>
+            </dgm:adjLst>
+          </dgm:shape>
+          <dgm:presOf axis="self"/>
+          <dgm:constrLst>
+            <dgm:constr type="tMarg" refType="primFontSz" fact="0.3"/>
+            <dgm:constr type="bMarg" refType="primFontSz" fact="0.3"/>
+            <dgm:constr type="lMarg" refType="primFontSz" fact="0.3"/>
+            <dgm:constr type="rMarg" refType="primFontSz" fact="0.3"/>
+          </dgm:constrLst>
+          <dgm:ruleLst>
+            <dgm:rule type="primFontSz" val="5" fact="NaN" max="NaN"/>
+          </dgm:ruleLst>
+        </dgm:layoutNode>
+        <dgm:choose name="Name5">
+          <dgm:if name="Name6" axis="des" ptType="node" func="cnt" op="gt" val="0">
+            <dgm:layoutNode name="parTransOne">
+              <dgm:alg type="sp"/>
+              <dgm:shape xmlns:r="http://schemas.openxmlformats.org/officeDocument/2006/relationships" r:blip="">
+                <dgm:adjLst/>
+              </dgm:shape>
+              <dgm:presOf/>
+              <dgm:constrLst/>
+              <dgm:ruleLst/>
+            </dgm:layoutNode>
+          </dgm:if>
+          <dgm:else name="Name7"/>
+        </dgm:choose>
+        <dgm:layoutNode name="horzOne">
+          <dgm:choose name="Name8">
+            <dgm:if name="Name9" func="var" arg="dir" op="equ" val="norm">
+              <dgm:alg type="lin">
+                <dgm:param type="linDir" val="fromL"/>
+                <dgm:param type="nodeVertAlign" val="t"/>
+              </dgm:alg>
+            </dgm:if>
+            <dgm:else name="Name10">
+              <dgm:alg type="lin">
+                <dgm:param type="linDir" val="fromR"/>
+                <dgm:param type="nodeVertAlign" val="t"/>
+              </dgm:alg>
+            </dgm:else>
+          </dgm:choose>
+          <dgm:shape xmlns:r="http://schemas.openxmlformats.org/officeDocument/2006/relationships" r:blip="">
+            <dgm:adjLst/>
+          </dgm:shape>
+          <dgm:presOf/>
+          <dgm:constrLst/>
+          <dgm:ruleLst>
+            <dgm:rule type="w" val="INF" fact="NaN" max="NaN"/>
+          </dgm:ruleLst>
+          <dgm:forEach name="Name11" axis="ch" ptType="node">
+            <dgm:layoutNode name="vertTwo">
+              <dgm:alg type="lin">
+                <dgm:param type="linDir" val="fromT"/>
+              </dgm:alg>
+              <dgm:shape xmlns:r="http://schemas.openxmlformats.org/officeDocument/2006/relationships" r:blip="">
+                <dgm:adjLst/>
+              </dgm:shape>
+              <dgm:presOf/>
+              <dgm:constrLst>
+                <dgm:constr type="w" for="ch" forName="txTwo" refType="w" refFor="ch" refForName="horzTwo" op="gte"/>
+              </dgm:constrLst>
+              <dgm:ruleLst/>
+              <dgm:layoutNode name="txTwo">
+                <dgm:varLst>
+                  <dgm:chPref val="3"/>
+                </dgm:varLst>
+                <dgm:alg type="tx"/>
+                <dgm:shape xmlns:r="http://schemas.openxmlformats.org/officeDocument/2006/relationships" type="roundRect" r:blip="">
+                  <dgm:adjLst>
+                    <dgm:adj idx="1" val="0.1"/>
+                  </dgm:adjLst>
+                </dgm:shape>
+                <dgm:presOf axis="self"/>
+                <dgm:constrLst>
+                  <dgm:constr type="userH"/>
+                  <dgm:constr type="h" refType="userH"/>
+                  <dgm:constr type="tMarg" refType="primFontSz" fact="0.3"/>
+                  <dgm:constr type="bMarg" refType="primFontSz" fact="0.3"/>
+                  <dgm:constr type="lMarg" refType="primFontSz" fact="0.3"/>
+                  <dgm:constr type="rMarg" refType="primFontSz" fact="0.3"/>
+                </dgm:constrLst>
+                <dgm:ruleLst>
+                  <dgm:rule type="primFontSz" val="5" fact="NaN" max="NaN"/>
+                </dgm:ruleLst>
+              </dgm:layoutNode>
+              <dgm:choose name="Name12">
+                <dgm:if name="Name13" axis="des" ptType="node" func="cnt" op="gt" val="0">
+                  <dgm:layoutNode name="parTransTwo">
+                    <dgm:alg type="sp"/>
+                    <dgm:shape xmlns:r="http://schemas.openxmlformats.org/officeDocument/2006/relationships" r:blip="">
+                      <dgm:adjLst/>
+                    </dgm:shape>
+                    <dgm:presOf/>
+                    <dgm:constrLst/>
+                    <dgm:ruleLst/>
+                  </dgm:layoutNode>
+                </dgm:if>
+                <dgm:else name="Name14"/>
+              </dgm:choose>
+              <dgm:layoutNode name="horzTwo">
+                <dgm:choose name="Name15">
+                  <dgm:if name="Name16" func="var" arg="dir" op="equ" val="norm">
+                    <dgm:alg type="lin">
+                      <dgm:param type="linDir" val="fromL"/>
+                      <dgm:param type="nodeVertAlign" val="t"/>
+                    </dgm:alg>
+                  </dgm:if>
+                  <dgm:else name="Name17">
+                    <dgm:alg type="lin">
+                      <dgm:param type="linDir" val="fromR"/>
+                      <dgm:param type="nodeVertAlign" val="t"/>
+                    </dgm:alg>
+                  </dgm:else>
+                </dgm:choose>
+                <dgm:shape xmlns:r="http://schemas.openxmlformats.org/officeDocument/2006/relationships" r:blip="">
+                  <dgm:adjLst/>
+                </dgm:shape>
+                <dgm:presOf/>
+                <dgm:constrLst/>
+                <dgm:ruleLst>
+                  <dgm:rule type="w" val="INF" fact="NaN" max="NaN"/>
+                </dgm:ruleLst>
+                <dgm:forEach name="Name18" axis="ch" ptType="node">
+                  <dgm:layoutNode name="vertThree">
+                    <dgm:alg type="lin">
+                      <dgm:param type="linDir" val="fromT"/>
+                    </dgm:alg>
+                    <dgm:shape xmlns:r="http://schemas.openxmlformats.org/officeDocument/2006/relationships" r:blip="">
+                      <dgm:adjLst/>
+                    </dgm:shape>
+                    <dgm:presOf/>
+                    <dgm:constrLst>
+                      <dgm:constr type="w" for="ch" forName="txThree" refType="w" refFor="ch" refForName="horzThree" op="gte"/>
+                    </dgm:constrLst>
+                    <dgm:ruleLst/>
+                    <dgm:layoutNode name="txThree">
+                      <dgm:varLst>
+                        <dgm:chPref val="3"/>
+                      </dgm:varLst>
+                      <dgm:alg type="tx"/>
+                      <dgm:shape xmlns:r="http://schemas.openxmlformats.org/officeDocument/2006/relationships" type="roundRect" r:blip="">
+                        <dgm:adjLst>
+                          <dgm:adj idx="1" val="0.1"/>
+                        </dgm:adjLst>
+                      </dgm:shape>
+                      <dgm:presOf axis="self"/>
+                      <dgm:constrLst>
+                        <dgm:constr type="userH"/>
+                        <dgm:constr type="h" refType="userH"/>
+                        <dgm:constr type="tMarg" refType="primFontSz" fact="0.3"/>
+                        <dgm:constr type="bMarg" refType="primFontSz" fact="0.3"/>
+                        <dgm:constr type="lMarg" refType="primFontSz" fact="0.3"/>
+                        <dgm:constr type="rMarg" refType="primFontSz" fact="0.3"/>
+                      </dgm:constrLst>
+                      <dgm:ruleLst>
+                        <dgm:rule type="primFontSz" val="5" fact="NaN" max="NaN"/>
+                      </dgm:ruleLst>
+                    </dgm:layoutNode>
+                    <dgm:choose name="Name19">
+                      <dgm:if name="Name20" axis="des" ptType="node" func="cnt" op="gt" val="0">
+                        <dgm:layoutNode name="parTransThree">
+                          <dgm:alg type="sp"/>
+                          <dgm:shape xmlns:r="http://schemas.openxmlformats.org/officeDocument/2006/relationships" r:blip="">
+                            <dgm:adjLst/>
+                          </dgm:shape>
+                          <dgm:presOf/>
+                          <dgm:constrLst/>
+                          <dgm:ruleLst/>
+                        </dgm:layoutNode>
+                      </dgm:if>
+                      <dgm:else name="Name21"/>
+                    </dgm:choose>
+                    <dgm:layoutNode name="horzThree">
+                      <dgm:choose name="Name22">
+                        <dgm:if name="Name23" func="var" arg="dir" op="equ" val="norm">
+                          <dgm:alg type="lin">
+                            <dgm:param type="linDir" val="fromL"/>
+                            <dgm:param type="nodeVertAlign" val="t"/>
+                          </dgm:alg>
+                        </dgm:if>
+                        <dgm:else name="Name24">
+                          <dgm:alg type="lin">
+                            <dgm:param type="linDir" val="fromR"/>
+                            <dgm:param type="nodeVertAlign" val="t"/>
+                          </dgm:alg>
+                        </dgm:else>
+                      </dgm:choose>
+                      <dgm:shape xmlns:r="http://schemas.openxmlformats.org/officeDocument/2006/relationships" r:blip="">
+                        <dgm:adjLst/>
+                      </dgm:shape>
+                      <dgm:presOf/>
+                      <dgm:constrLst/>
+                      <dgm:ruleLst>
+                        <dgm:rule type="w" val="INF" fact="NaN" max="NaN"/>
+                      </dgm:ruleLst>
+                      <dgm:forEach name="repeat" axis="ch" ptType="node">
+                        <dgm:layoutNode name="vertFour">
+                          <dgm:varLst>
+                            <dgm:chPref val="3"/>
+                          </dgm:varLst>
+                          <dgm:alg type="lin">
+                            <dgm:param type="linDir" val="fromT"/>
+                          </dgm:alg>
+                          <dgm:shape xmlns:r="http://schemas.openxmlformats.org/officeDocument/2006/relationships" r:blip="">
+                            <dgm:adjLst/>
+                          </dgm:shape>
+                          <dgm:presOf/>
+                          <dgm:constrLst>
+                            <dgm:constr type="w" for="ch" forName="txFour" refType="w" refFor="ch" refForName="horzFour" op="gte"/>
+                          </dgm:constrLst>
+                          <dgm:ruleLst/>
+                          <dgm:layoutNode name="txFour">
+                            <dgm:varLst>
+                              <dgm:chPref val="3"/>
+                            </dgm:varLst>
+                            <dgm:alg type="tx"/>
+                            <dgm:shape xmlns:r="http://schemas.openxmlformats.org/officeDocument/2006/relationships" type="roundRect" r:blip="">
+                              <dgm:adjLst>
+                                <dgm:adj idx="1" val="0.1"/>
+                              </dgm:adjLst>
+                            </dgm:shape>
+                            <dgm:presOf axis="self"/>
+                            <dgm:constrLst>
+                              <dgm:constr type="userH"/>
+                              <dgm:constr type="h" refType="userH"/>
+                              <dgm:constr type="tMarg" refType="primFontSz" fact="0.3"/>
+                              <dgm:constr type="bMarg" refType="primFontSz" fact="0.3"/>
+                              <dgm:constr type="lMarg" refType="primFontSz" fact="0.3"/>
+                              <dgm:constr type="rMarg" refType="primFontSz" fact="0.3"/>
+                            </dgm:constrLst>
+                            <dgm:ruleLst>
+                              <dgm:rule type="primFontSz" val="5" fact="NaN" max="NaN"/>
+                            </dgm:ruleLst>
+                          </dgm:layoutNode>
+                          <dgm:choose name="Name25">
+                            <dgm:if name="Name26" axis="des" ptType="node" func="cnt" op="gt" val="0">
+                              <dgm:layoutNode name="parTransFour">
+                                <dgm:alg type="sp"/>
+                                <dgm:shape xmlns:r="http://schemas.openxmlformats.org/officeDocument/2006/relationships" r:blip="">
+                                  <dgm:adjLst/>
+                                </dgm:shape>
+                                <dgm:presOf/>
+                                <dgm:constrLst/>
+                                <dgm:ruleLst/>
+                              </dgm:layoutNode>
+                            </dgm:if>
+                            <dgm:else name="Name27"/>
+                          </dgm:choose>
+                          <dgm:layoutNode name="horzFour">
+                            <dgm:choose name="Name28">
+                              <dgm:if name="Name29" func="var" arg="dir" op="equ" val="norm">
+                                <dgm:alg type="lin">
+                                  <dgm:param type="linDir" val="fromL"/>
+                                  <dgm:param type="nodeVertAlign" val="t"/>
+                                </dgm:alg>
+                              </dgm:if>
+                              <dgm:else name="Name30">
+                                <dgm:alg type="lin">
+                                  <dgm:param type="linDir" val="fromR"/>
+                                  <dgm:param type="nodeVertAlign" val="t"/>
+                                </dgm:alg>
+                              </dgm:else>
+                            </dgm:choose>
+                            <dgm:shape xmlns:r="http://schemas.openxmlformats.org/officeDocument/2006/relationships" r:blip="">
+                              <dgm:adjLst/>
+                            </dgm:shape>
+                            <dgm:presOf/>
+                            <dgm:constrLst/>
+                            <dgm:ruleLst>
+                              <dgm:rule type="w" val="INF" fact="NaN" max="NaN"/>
+                            </dgm:ruleLst>
+                            <dgm:forEach name="Name31" ref="repeat"/>
+                          </dgm:layoutNode>
+                        </dgm:layoutNode>
+                        <dgm:choose name="Name32">
+                          <dgm:if name="Name33" axis="self" ptType="node" func="revPos" op="gte" val="2">
+                            <dgm:forEach name="Name34" axis="followSib" ptType="sibTrans" cnt="1">
+                              <dgm:layoutNode name="sibSpaceFour">
+                                <dgm:alg type="sp"/>
+                                <dgm:shape xmlns:r="http://schemas.openxmlformats.org/officeDocument/2006/relationships" r:blip="">
+                                  <dgm:adjLst/>
+                                </dgm:shape>
+                                <dgm:presOf/>
+                                <dgm:constrLst/>
+                                <dgm:ruleLst/>
+                              </dgm:layoutNode>
+                            </dgm:forEach>
+                          </dgm:if>
+                          <dgm:else name="Name35"/>
+                        </dgm:choose>
+                      </dgm:forEach>
+                    </dgm:layoutNode>
+                  </dgm:layoutNode>
+                  <dgm:choose name="Name36">
+                    <dgm:if name="Name37" axis="self" ptType="node" func="revPos" op="gte" val="2">
+                      <dgm:forEach name="Name38" axis="followSib" ptType="sibTrans" cnt="1">
+                        <dgm:layoutNode name="sibSpaceThree">
+                          <dgm:alg type="sp"/>
+                          <dgm:shape xmlns:r="http://schemas.openxmlformats.org/officeDocument/2006/relationships" r:blip="">
+                            <dgm:adjLst/>
+                          </dgm:shape>
+                          <dgm:presOf/>
+                          <dgm:constrLst/>
+                          <dgm:ruleLst/>
+                        </dgm:layoutNode>
+                      </dgm:forEach>
+                    </dgm:if>
+                    <dgm:else name="Name39"/>
+                  </dgm:choose>
+                </dgm:forEach>
+              </dgm:layoutNode>
+            </dgm:layoutNode>
+            <dgm:choose name="Name40">
+              <dgm:if name="Name41" axis="self" ptType="node" func="revPos" op="gte" val="2">
+                <dgm:forEach name="Name42" axis="followSib" ptType="sibTrans" cnt="1">
+                  <dgm:layoutNode name="sibSpaceTwo">
+                    <dgm:alg type="sp"/>
+                    <dgm:shape xmlns:r="http://schemas.openxmlformats.org/officeDocument/2006/relationships" r:blip="">
+                      <dgm:adjLst/>
+                    </dgm:shape>
+                    <dgm:presOf/>
+                    <dgm:constrLst/>
+                    <dgm:ruleLst/>
+                  </dgm:layoutNode>
+                </dgm:forEach>
+              </dgm:if>
+              <dgm:else name="Name43"/>
+            </dgm:choose>
+          </dgm:forEach>
+        </dgm:layoutNode>
+      </dgm:layoutNode>
+      <dgm:choose name="Name44">
+        <dgm:if name="Name45" axis="self" ptType="node" func="revPos" op="gte" val="2">
+          <dgm:forEach name="Name46" axis="followSib" ptType="sibTrans" cnt="1">
+            <dgm:layoutNode name="sibSpaceOne">
+              <dgm:alg type="sp"/>
+              <dgm:shape xmlns:r="http://schemas.openxmlformats.org/officeDocument/2006/relationships" r:blip="">
+                <dgm:adjLst/>
+              </dgm:shape>
+              <dgm:presOf/>
+              <dgm:constrLst/>
+              <dgm:ruleLst/>
+            </dgm:layoutNode>
+          </dgm:forEach>
+        </dgm:if>
+        <dgm:else name="Name47"/>
+      </dgm:choose>
+    </dgm:forEach>
+  </dgm:layoutNode>
+</dgm:layoutDef>
+</file>
+
+<file path=ppt/diagrams/layout2.xml><?xml version="1.0" encoding="utf-8"?>
+<dgm:layoutDef xmlns:dgm="http://schemas.openxmlformats.org/drawingml/2006/diagram" xmlns:a="http://schemas.openxmlformats.org/drawingml/2006/main" uniqueId="urn:microsoft.com/office/officeart/2005/8/layout/gear1">
+  <dgm:title val=""/>
+  <dgm:desc val=""/>
+  <dgm:catLst>
+    <dgm:cat type="relationship" pri="3000"/>
+    <dgm:cat type="process" pri="28000"/>
+    <dgm:cat type="cycle" pri="14000"/>
+  </dgm:catLst>
+  <dgm:sampData useDef="1">
+    <dgm:dataModel>
+      <dgm:ptLst/>
+      <dgm:bg/>
+      <dgm:whole/>
+    </dgm:dataModel>
+  </dgm:sampData>
+  <dgm:styleData>
+    <dgm:dataModel>
+      <dgm:ptLst>
+        <dgm:pt modelId="0" type="doc"/>
+        <dgm:pt modelId="1"/>
+        <dgm:pt modelId="2"/>
+      </dgm:ptLst>
+      <dgm:cxnLst>
+        <dgm:cxn modelId="3" srcId="0" destId="1" srcOrd="0" destOrd="0"/>
+        <dgm:cxn modelId="4" srcId="0" destId="2" srcOrd="1" destOrd="0"/>
+      </dgm:cxnLst>
+      <dgm:bg/>
+      <dgm:whole/>
+    </dgm:dataModel>
+  </dgm:styleData>
+  <dgm:clrData useDef="1">
+    <dgm:dataModel>
+      <dgm:ptLst/>
+      <dgm:bg/>
+      <dgm:whole/>
+    </dgm:dataModel>
+  </dgm:clrData>
+  <dgm:layoutNode name="composite">
+    <dgm:varLst>
+      <dgm:chMax val="3"/>
+      <dgm:animLvl val="lvl"/>
+      <dgm:resizeHandles val="exact"/>
+    </dgm:varLst>
+    <dgm:alg type="composite">
+      <dgm:param type="ar" val="1"/>
+    </dgm:alg>
+    <dgm:shape xmlns:r="http://schemas.openxmlformats.org/officeDocument/2006/relationships" r:blip="">
+      <dgm:adjLst/>
+    </dgm:shape>
+    <dgm:presOf/>
+    <dgm:choose name="Name0">
+      <dgm:if name="Name1" axis="ch" ptType="node" func="cnt" op="lte" val="1">
+        <dgm:constrLst>
+          <dgm:constr type="primFontSz" for="ch" ptType="node" op="equ" val="65"/>
+          <dgm:constr type="w" for="ch" forName="gear1" refType="w" fact="0.55"/>
+          <dgm:constr type="h" for="ch" forName="gear1" refType="w" fact="0.55"/>
+          <dgm:constr type="l" for="ch" forName="gear1" refType="w" fact="0.05"/>
+          <dgm:constr type="t" for="ch" forName="gear1" refType="w" fact="0.05"/>
+          <dgm:constr type="w" for="ch" forName="gear1srcNode" val="1"/>
+          <dgm:constr type="h" for="ch" forName="gear1srcNode" val="1"/>
+          <dgm:constr type="l" for="ch" forName="gear1srcNode" refType="w" fact="0.32"/>
+          <dgm:constr type="t" for="ch" forName="gear1srcNode"/>
+          <dgm:constr type="w" for="ch" forName="gear1dstNode" val="1"/>
+          <dgm:constr type="h" for="ch" forName="gear1dstNode" val="1"/>
+          <dgm:constr type="r" for="ch" forName="gear1dstNode" refType="w" fact="0.58"/>
+          <dgm:constr type="t" for="ch" forName="gear1dstNode" refType="h" fact="0.55"/>
+          <dgm:constr type="diam" for="des" forName="connector1" refType="w" refFor="ch" refForName="gear1" op="equ" fact="1.1"/>
+          <dgm:constr type="h" for="des" forName="connector1" refType="w" refFor="ch" refForName="gear1" op="equ" fact="0.1"/>
+          <dgm:constr type="w" for="ch" forName="gear1ch" refType="w" fact="0.35"/>
+          <dgm:constr type="h" for="ch" forName="gear1ch" refType="w" refFor="ch" refForName="gear1ch" fact="0.6"/>
+          <dgm:constr type="l" for="ch" forName="gear1ch"/>
+          <dgm:constr type="b" for="ch" forName="gear1ch" refType="h" fact="0.6"/>
+        </dgm:constrLst>
+      </dgm:if>
+      <dgm:if name="Name2" axis="ch" ptType="node" func="cnt" op="equ" val="2">
+        <dgm:constrLst>
+          <dgm:constr type="primFontSz" for="ch" ptType="node" op="equ" val="65"/>
+          <dgm:constr type="w" for="ch" forName="gear1" refType="w" fact="0.55"/>
+          <dgm:constr type="h" for="ch" forName="gear1" refType="w" fact="0.55"/>
+          <dgm:constr type="l" for="ch" forName="gear1" refType="w" fact="0.45"/>
+          <dgm:constr type="t" for="ch" forName="gear1" refType="w" fact="0.25"/>
+          <dgm:constr type="w" for="ch" forName="gear1srcNode" val="1"/>
+          <dgm:constr type="h" for="ch" forName="gear1srcNode" val="1"/>
+          <dgm:constr type="l" for="ch" forName="gear1srcNode" refType="w" fact="0.72"/>
+          <dgm:constr type="t" for="ch" forName="gear1srcNode" refType="w" fact="0.2"/>
+          <dgm:constr type="w" for="ch" forName="gear1dstNode" val="1"/>
+          <dgm:constr type="h" for="ch" forName="gear1dstNode" val="1"/>
+          <dgm:constr type="r" for="ch" forName="gear1dstNode" refType="w" fact="0.98"/>
+          <dgm:constr type="t" for="ch" forName="gear1dstNode" refType="h" fact="0.75"/>
+          <dgm:constr type="diam" for="des" forName="connector1" refType="w" refFor="ch" refForName="gear1" op="equ" fact="1.1"/>
+          <dgm:constr type="h" for="des" forName="connector1" refType="w" refFor="ch" refForName="gear1" op="equ" fact="0.1"/>
+          <dgm:constr type="w" for="ch" forName="gear1ch" refType="w" fact="0.35"/>
+          <dgm:constr type="h" for="ch" forName="gear1ch" refType="w" refFor="ch" refForName="gear1ch" fact="0.6"/>
+          <dgm:constr type="l" for="ch" forName="gear1ch" refType="w" fact="0.38"/>
+          <dgm:constr type="b" for="ch" forName="gear1ch" refType="w" fact="0.8"/>
+          <dgm:constr type="w" for="ch" forName="gear2" refType="w" fact="0.4"/>
+          <dgm:constr type="h" for="ch" forName="gear2" refType="w" fact="0.4"/>
+          <dgm:constr type="l" for="ch" forName="gear2" refType="w" fact="0.13"/>
+          <dgm:constr type="t" for="ch" forName="gear2" refType="w" fact="0.12"/>
+          <dgm:constr type="w" for="ch" forName="gear2srcNode" val="1"/>
+          <dgm:constr type="h" for="ch" forName="gear2srcNode" val="1"/>
+          <dgm:constr type="l" for="ch" forName="gear2srcNode" refType="w" fact="0.23"/>
+          <dgm:constr type="t" for="ch" forName="gear2srcNode" refType="w" fact="0.08"/>
+          <dgm:constr type="w" for="ch" forName="gear2dstNode" val="1"/>
+          <dgm:constr type="h" for="ch" forName="gear2dstNode" val="1"/>
+          <dgm:constr type="l" for="ch" forName="gear2dstNode" refType="w" fact="0.1"/>
+          <dgm:constr type="t" for="ch" forName="gear2dstNode" refType="h" fact="0.33"/>
+          <dgm:constr type="diam" for="des" forName="connector2" refType="w" refFor="ch" refForName="gear2" op="equ" fact="-1.1"/>
+          <dgm:constr type="h" for="des" forName="connector2" refType="w" refFor="ch" refForName="gear1" op="equ" fact="0.1"/>
+          <dgm:constr type="w" for="ch" forName="gear2ch" refType="w" fact="0.35"/>
+          <dgm:constr type="h" for="ch" forName="gear2ch" refType="w" refFor="ch" refForName="gear2ch" fact="0.6"/>
+          <dgm:constr type="l" for="ch" forName="gear2ch" refType="w" fact="0.34"/>
+          <dgm:constr type="t" for="ch" forName="gear2ch" refType="w" fact="0.04"/>
+        </dgm:constrLst>
+      </dgm:if>
+      <dgm:else name="Name3">
+        <dgm:constrLst>
+          <dgm:constr type="primFontSz" for="ch" ptType="node" op="equ" val="65"/>
+          <dgm:constr type="w" for="ch" forName="gear1" refType="w" fact="0.55"/>
+          <dgm:constr type="h" for="ch" forName="gear1" refType="w" fact="0.55"/>
+          <dgm:constr type="l" for="ch" forName="gear1" refType="w" fact="0.45"/>
+          <dgm:constr type="t" for="ch" forName="gear1" refType="w" fact="0.45"/>
+          <dgm:constr type="w" for="ch" forName="gear1srcNode" val="1"/>
+          <dgm:constr type="h" for="ch" forName="gear1srcNode" val="1"/>
+          <dgm:constr type="l" for="ch" forName="gear1srcNode" refType="w" fact="0.72"/>
+          <dgm:constr type="t" for="ch" forName="gear1srcNode" refType="w" fact="0.4"/>
+          <dgm:constr type="w" for="ch" forName="gear1dstNode" val="1"/>
+          <dgm:constr type="h" for="ch" forName="gear1dstNode" val="1"/>
+          <dgm:constr type="r" for="ch" forName="gear1dstNode" refType="w" fact="0.98"/>
+          <dgm:constr type="t" for="ch" forName="gear1dstNode" refType="h" fact="0.95"/>
+          <dgm:constr type="diam" for="des" forName="connector1" refType="w" refFor="ch" refForName="gear1" op="equ" fact="1.15"/>
+          <dgm:constr type="h" for="des" forName="connector1" refType="w" refFor="ch" refForName="gear1" op="equ" fact="0.1"/>
+          <dgm:constr type="w" for="ch" forName="gear1ch" refType="w" fact="0.35"/>
+          <dgm:constr type="h" for="ch" forName="gear1ch" refType="w" refFor="ch" refForName="gear1ch" fact="0.6"/>
+          <dgm:constr type="l" for="ch" forName="gear1ch" refType="w" fact="0.38"/>
+          <dgm:constr type="b" for="ch" forName="gear1ch" refType="h"/>
+          <dgm:constr type="w" for="ch" forName="gear2" refType="w" fact="0.4"/>
+          <dgm:constr type="h" for="ch" forName="gear2" refType="w" fact="0.4"/>
+          <dgm:constr type="l" for="ch" forName="gear2" refType="w" fact="0.13"/>
+          <dgm:constr type="t" for="ch" forName="gear2" refType="w" fact="0.32"/>
+          <dgm:constr type="w" for="ch" forName="gear2srcNode" val="1"/>
+          <dgm:constr type="h" for="ch" forName="gear2srcNode" val="1"/>
+          <dgm:constr type="l" for="ch" forName="gear2srcNode" refType="w" fact="0.23"/>
+          <dgm:constr type="t" for="ch" forName="gear2srcNode" refType="w" fact="0.28"/>
+          <dgm:constr type="w" for="ch" forName="gear2dstNode" val="1"/>
+          <dgm:constr type="h" for="ch" forName="gear2dstNode" val="1"/>
+          <dgm:constr type="l" for="ch" forName="gear2dstNode" refType="w" fact="0.1"/>
+          <dgm:constr type="t" for="ch" forName="gear2dstNode" refType="h" fact="0.53"/>
+          <dgm:constr type="diam" for="des" forName="connector2" refType="w" refFor="ch" refForName="gear2" op="equ" fact="-1.1"/>
+          <dgm:constr type="h" for="des" forName="connector2" refType="w" refFor="ch" refForName="gear1" op="equ" fact="0.1"/>
+          <dgm:constr type="w" for="ch" forName="gear2ch" refType="w" fact="0.35"/>
+          <dgm:constr type="h" for="ch" forName="gear2ch" refType="w" refFor="ch" refForName="gear2ch" fact="0.6"/>
+          <dgm:constr type="l" for="ch" forName="gear2ch"/>
+          <dgm:constr type="t" for="ch" forName="gear2ch" refType="w" fact="0.58"/>
+          <dgm:constr type="w" for="ch" forName="gear3" refType="w" fact="0.48"/>
+          <dgm:constr type="h" for="ch" forName="gear3" refType="w" fact="0.48"/>
+          <dgm:constr type="l" for="ch" forName="gear3" refType="w" fact="0.31"/>
+          <dgm:constr type="t" for="ch" forName="gear3"/>
+          <dgm:constr type="w" for="ch" forName="gear3tx" refType="w" fact="0.22"/>
+          <dgm:constr type="h" for="ch" forName="gear3tx" refType="w" fact="0.22"/>
+          <dgm:constr type="ctrX" for="ch" forName="gear3tx" refType="ctrX" refFor="ch" refForName="gear3"/>
+          <dgm:constr type="ctrY" for="ch" forName="gear3tx" refType="ctrY" refFor="ch" refForName="gear3"/>
+          <dgm:constr type="w" for="ch" forName="gear3srcNode" val="1"/>
+          <dgm:constr type="h" for="ch" forName="gear3srcNode" val="1"/>
+          <dgm:constr type="l" for="ch" forName="gear3srcNode" refType="w" fact="0.3"/>
+          <dgm:constr type="t" for="ch" forName="gear3srcNode" refType="w" fact="0.25"/>
+          <dgm:constr type="w" for="ch" forName="gear3dstNode" val="1"/>
+          <dgm:constr type="h" for="ch" forName="gear3dstNode" val="1"/>
+          <dgm:constr type="l" for="ch" forName="gear3dstNode" refType="w" fact="0.38"/>
+          <dgm:constr type="t" for="ch" forName="gear3dstNode" refType="h" fact="0.05"/>
+          <dgm:constr type="diam" for="des" forName="connector3" refType="w" refFor="ch" refForName="gear3" op="equ"/>
+          <dgm:constr type="h" for="des" forName="connector3" refType="w" refFor="ch" refForName="gear1" op="equ" fact="0.1"/>
+          <dgm:constr type="w" for="ch" forName="gear3ch" refType="w" fact="0.35"/>
+          <dgm:constr type="h" for="ch" forName="gear3ch" refType="w" refFor="ch" refForName="gear3ch" fact="0.6"/>
+          <dgm:constr type="l" for="ch" forName="gear3ch" refType="w" fact="0.65"/>
+          <dgm:constr type="t" for="ch" forName="gear3ch" refType="h" fact="0.13"/>
+        </dgm:constrLst>
+      </dgm:else>
+    </dgm:choose>
+    <dgm:ruleLst/>
+    <dgm:forEach name="Name4" axis="ch" ptType="node" cnt="1">
+      <dgm:layoutNode name="gear1" styleLbl="node1">
+        <dgm:varLst>
+          <dgm:chMax val="1"/>
+          <dgm:bulletEnabled val="1"/>
+        </dgm:varLst>
+        <dgm:alg type="tx">
+          <dgm:param type="txAnchorVertCh" val="mid"/>
+        </dgm:alg>
+        <dgm:shape xmlns:r="http://schemas.openxmlformats.org/officeDocument/2006/relationships" type="gear9" r:blip="">
+          <dgm:adjLst/>
+        </dgm:shape>
+        <dgm:presOf axis="self"/>
+        <dgm:constrLst>
+          <dgm:constr type="tMarg" refType="primFontSz" fact="0.1"/>
+          <dgm:constr type="bMarg" refType="primFontSz" fact="0.1"/>
+          <dgm:constr type="lMarg" refType="primFontSz" fact="0.1"/>
+          <dgm:constr type="rMarg" refType="primFontSz" fact="0.1"/>
+        </dgm:constrLst>
+        <dgm:ruleLst>
+          <dgm:rule type="primFontSz" val="5" fact="NaN" max="NaN"/>
+        </dgm:ruleLst>
+      </dgm:layoutNode>
+      <dgm:layoutNode name="gear1srcNode">
+        <dgm:alg type="sp"/>
+        <dgm:shape xmlns:r="http://schemas.openxmlformats.org/officeDocument/2006/relationships" type="rect" r:blip="" hideGeom="1">
+          <dgm:adjLst/>
+        </dgm:shape>
+        <dgm:presOf axis="self"/>
+        <dgm:constrLst/>
+        <dgm:ruleLst/>
+      </dgm:layoutNode>
+      <dgm:layoutNode name="gear1dstNode">
+        <dgm:alg type="sp"/>
+        <dgm:shape xmlns:r="http://schemas.openxmlformats.org/officeDocument/2006/relationships" type="rect" r:blip="" hideGeom="1">
+          <dgm:adjLst/>
+        </dgm:shape>
+        <dgm:presOf axis="self"/>
+        <dgm:constrLst/>
+        <dgm:ruleLst/>
+      </dgm:layoutNode>
+      <dgm:choose name="Name5">
+        <dgm:if name="Name6" axis="ch" ptType="node" func="cnt" op="gte" val="1">
+          <dgm:layoutNode name="gear1ch" styleLbl="fgAcc1">
+            <dgm:varLst>
+              <dgm:chMax val="0"/>
+              <dgm:bulletEnabled val="1"/>
+            </dgm:varLst>
+            <dgm:alg type="tx">
+              <dgm:param type="stBulletLvl" val="1"/>
+            </dgm:alg>
+            <dgm:shape xmlns:r="http://schemas.openxmlformats.org/officeDocument/2006/relationships" type="roundRect" r:blip="">
+              <dgm:adjLst>
+                <dgm:adj idx="1" val="0.1"/>
+              </dgm:adjLst>
+            </dgm:shape>
+            <dgm:presOf axis="des" ptType="node"/>
+            <dgm:constrLst>
+              <dgm:constr type="tMarg" refType="primFontSz" fact="0.3"/>
+              <dgm:constr type="bMarg" refType="primFontSz" fact="0.3"/>
+              <dgm:constr type="lMarg" refType="primFontSz" fact="0.3"/>
+              <dgm:constr type="rMarg" refType="primFontSz" fact="0.3"/>
+            </dgm:constrLst>
+            <dgm:ruleLst>
+              <dgm:rule type="primFontSz" val="5" fact="NaN" max="NaN"/>
+            </dgm:ruleLst>
+          </dgm:layoutNode>
+        </dgm:if>
+        <dgm:else name="Name7"/>
+      </dgm:choose>
+    </dgm:forEach>
+    <dgm:forEach name="Name8" axis="ch" ptType="node" st="2" cnt="1">
+      <dgm:layoutNode name="gear2" styleLbl="node1">
+        <dgm:varLst>
+          <dgm:chMax val="1"/>
+          <dgm:bulletEnabled val="1"/>
+        </dgm:varLst>
+        <dgm:alg type="tx">
+          <dgm:param type="txAnchorVertCh" val="mid"/>
+        </dgm:alg>
+        <dgm:shape xmlns:r="http://schemas.openxmlformats.org/officeDocument/2006/relationships" type="gear6" r:blip="">
+          <dgm:adjLst/>
+        </dgm:shape>
+        <dgm:presOf axis="self"/>
+        <dgm:constrLst>
+          <dgm:constr type="tMarg" refType="primFontSz" fact="0.1"/>
+          <dgm:constr type="bMarg" refType="primFontSz" fact="0.1"/>
+          <dgm:constr type="lMarg" refType="primFontSz" fact="0.1"/>
+          <dgm:constr type="rMarg" refType="primFontSz" fact="0.1"/>
+        </dgm:constrLst>
+        <dgm:ruleLst>
+          <dgm:rule type="primFontSz" val="5" fact="NaN" max="NaN"/>
+        </dgm:ruleLst>
+      </dgm:layoutNode>
+      <dgm:layoutNode name="gear2srcNode">
+        <dgm:alg type="sp"/>
+        <dgm:shape xmlns:r="http://schemas.openxmlformats.org/officeDocument/2006/relationships" type="rect" r:blip="" hideGeom="1">
+          <dgm:adjLst/>
+        </dgm:shape>
+        <dgm:presOf axis="self"/>
+        <dgm:constrLst/>
+        <dgm:ruleLst/>
+      </dgm:layoutNode>
+      <dgm:layoutNode name="gear2dstNode">
+        <dgm:alg type="sp"/>
+        <dgm:shape xmlns:r="http://schemas.openxmlformats.org/officeDocument/2006/relationships" type="rect" r:blip="" hideGeom="1">
+          <dgm:adjLst/>
+        </dgm:shape>
+        <dgm:presOf axis="self"/>
+        <dgm:constrLst/>
+        <dgm:ruleLst/>
+      </dgm:layoutNode>
+      <dgm:choose name="Name9">
+        <dgm:if name="Name10" axis="ch" ptType="node" func="cnt" op="gte" val="1">
+          <dgm:layoutNode name="gear2ch" styleLbl="fgAcc1">
+            <dgm:varLst>
+              <dgm:chMax val="0"/>
+              <dgm:bulletEnabled val="1"/>
+            </dgm:varLst>
+            <dgm:alg type="tx">
+              <dgm:param type="stBulletLvl" val="1"/>
+            </dgm:alg>
+            <dgm:shape xmlns:r="http://schemas.openxmlformats.org/officeDocument/2006/relationships" type="roundRect" r:blip="">
+              <dgm:adjLst>
+                <dgm:adj idx="1" val="0.1"/>
+              </dgm:adjLst>
+            </dgm:shape>
+            <dgm:presOf axis="des" ptType="node"/>
+            <dgm:constrLst>
+              <dgm:constr type="tMarg" refType="primFontSz" fact="0.3"/>
+              <dgm:constr type="bMarg" refType="primFontSz" fact="0.3"/>
+              <dgm:constr type="lMarg" refType="primFontSz" fact="0.3"/>
+              <dgm:constr type="rMarg" refType="primFontSz" fact="0.3"/>
+            </dgm:constrLst>
+            <dgm:ruleLst>
+              <dgm:rule type="primFontSz" val="5" fact="NaN" max="NaN"/>
+            </dgm:ruleLst>
+          </dgm:layoutNode>
+        </dgm:if>
+        <dgm:else name="Name11"/>
+      </dgm:choose>
+    </dgm:forEach>
+    <dgm:forEach name="Name12" axis="ch" ptType="node" st="3" cnt="1">
+      <dgm:layoutNode name="gear3" styleLbl="node1">
+        <dgm:alg type="sp"/>
+        <dgm:shape xmlns:r="http://schemas.openxmlformats.org/officeDocument/2006/relationships" rot="-15" type="gear6" r:blip="">
+          <dgm:adjLst/>
+        </dgm:shape>
+        <dgm:presOf axis="self"/>
+        <dgm:constrLst/>
+        <dgm:ruleLst/>
+      </dgm:layoutNode>
+      <dgm:layoutNode name="gear3tx" styleLbl="node1">
+        <dgm:varLst>
+          <dgm:chMax val="1"/>
+          <dgm:bulletEnabled val="1"/>
+        </dgm:varLst>
+        <dgm:alg type="tx">
+          <dgm:param type="txAnchorVertCh" val="mid"/>
+        </dgm:alg>
+        <dgm:shape xmlns:r="http://schemas.openxmlformats.org/officeDocument/2006/relationships" type="rect" r:blip="" hideGeom="1">
+          <dgm:adjLst/>
+        </dgm:shape>
+        <dgm:presOf axis="self"/>
+        <dgm:constrLst>
+          <dgm:constr type="tMarg" refType="primFontSz" fact="0.1"/>
+          <dgm:constr type="bMarg" refType="primFontSz" fact="0.1"/>
+          <dgm:constr type="lMarg" refType="primFontSz" fact="0.1"/>
+          <dgm:constr type="rMarg" refType="primFontSz" fact="0.1"/>
+        </dgm:constrLst>
+        <dgm:ruleLst>
+          <dgm:rule type="primFontSz" val="5" fact="NaN" max="NaN"/>
+        </dgm:ruleLst>
+      </dgm:layoutNode>
+      <dgm:layoutNode name="gear3srcNode">
+        <dgm:alg type="sp"/>
+        <dgm:shape xmlns:r="http://schemas.openxmlformats.org/officeDocument/2006/relationships" type="rect" r:blip="" hideGeom="1">
+          <dgm:adjLst/>
+        </dgm:shape>
+        <dgm:presOf axis="self"/>
+        <dgm:constrLst/>
+        <dgm:ruleLst/>
+      </dgm:layoutNode>
+      <dgm:layoutNode name="gear3dstNode">
+        <dgm:alg type="sp"/>
+        <dgm:shape xmlns:r="http://schemas.openxmlformats.org/officeDocument/2006/relationships" type="rect" r:blip="" hideGeom="1">
+          <dgm:adjLst/>
+        </dgm:shape>
+        <dgm:presOf axis="self"/>
+        <dgm:constrLst/>
+        <dgm:ruleLst/>
+      </dgm:layoutNode>
+      <dgm:choose name="Name13">
+        <dgm:if name="Name14" axis="ch" ptType="node" func="cnt" op="gte" val="1">
+          <dgm:layoutNode name="gear3ch" styleLbl="fgAcc1">
+            <dgm:varLst>
+              <dgm:chMax val="0"/>
+              <dgm:bulletEnabled val="1"/>
+            </dgm:varLst>
+            <dgm:alg type="tx">
+              <dgm:param type="stBulletLvl" val="1"/>
+            </dgm:alg>
+            <dgm:shape xmlns:r="http://schemas.openxmlformats.org/officeDocument/2006/relationships" type="roundRect" r:blip="">
+              <dgm:adjLst>
+                <dgm:adj idx="1" val="0.1"/>
+              </dgm:adjLst>
+            </dgm:shape>
+            <dgm:presOf axis="des" ptType="node"/>
+            <dgm:constrLst>
+              <dgm:constr type="tMarg" refType="primFontSz" fact="0.3"/>
+              <dgm:constr type="bMarg" refType="primFontSz" fact="0.3"/>
+              <dgm:constr type="lMarg" refType="primFontSz" fact="0.3"/>
+              <dgm:constr type="rMarg" refType="primFontSz" fact="0.3"/>
+            </dgm:constrLst>
+            <dgm:ruleLst>
+              <dgm:rule type="primFontSz" val="5" fact="NaN" max="NaN"/>
+            </dgm:ruleLst>
+          </dgm:layoutNode>
+        </dgm:if>
+        <dgm:else name="Name15"/>
+      </dgm:choose>
+    </dgm:forEach>
+    <dgm:forEach name="Name16" axis="ch" ptType="sibTrans" hideLastTrans="0" cnt="1">
+      <dgm:layoutNode name="connector1" styleLbl="sibTrans2D1">
+        <dgm:alg type="conn">
+          <dgm:param type="connRout" val="curve"/>
+          <dgm:param type="srcNode" val="gear1srcNode"/>
+          <dgm:param type="dstNode" val="gear1dstNode"/>
+          <dgm:param type="begPts" val="midR"/>
+          <dgm:param type="endPts" val="tCtr"/>
+        </dgm:alg>
+        <dgm:shape xmlns:r="http://schemas.openxmlformats.org/officeDocument/2006/relationships" type="conn" r:blip="">
+          <dgm:adjLst/>
+        </dgm:shape>
+        <dgm:presOf axis="self"/>
+        <dgm:constrLst>
+          <dgm:constr type="w" val="10"/>
+          <dgm:constr type="h" val="10"/>
+          <dgm:constr type="begPad"/>
+          <dgm:constr type="endPad"/>
+        </dgm:constrLst>
+        <dgm:ruleLst/>
+      </dgm:layoutNode>
+    </dgm:forEach>
+    <dgm:forEach name="Name17" axis="ch" ptType="sibTrans" hideLastTrans="0" st="2" cnt="1">
+      <dgm:layoutNode name="connector2" styleLbl="sibTrans2D1">
+        <dgm:alg type="conn">
+          <dgm:param type="connRout" val="curve"/>
+          <dgm:param type="srcNode" val="gear2srcNode"/>
+          <dgm:param type="dstNode" val="gear2dstNode"/>
+          <dgm:param type="begPts" val="midL"/>
+          <dgm:param type="endPts" val="midL"/>
+        </dgm:alg>
+        <dgm:shape xmlns:r="http://schemas.openxmlformats.org/officeDocument/2006/relationships" type="conn" r:blip="">
+          <dgm:adjLst/>
+        </dgm:shape>
+        <dgm:presOf axis="self"/>
+        <dgm:constrLst>
+          <dgm:constr type="w" val="10"/>
+          <dgm:constr type="h" val="10"/>
+          <dgm:constr type="begPad"/>
+          <dgm:constr type="endPad"/>
+        </dgm:constrLst>
+        <dgm:ruleLst/>
+      </dgm:layoutNode>
+    </dgm:forEach>
+    <dgm:forEach name="Name18" axis="ch" ptType="sibTrans" hideLastTrans="0" st="3" cnt="1">
+      <dgm:layoutNode name="connector3" styleLbl="sibTrans2D1">
+        <dgm:alg type="conn">
+          <dgm:param type="connRout" val="curve"/>
+          <dgm:param type="srcNode" val="gear3srcNode"/>
+          <dgm:param type="dstNode" val="gear3dstNode"/>
+          <dgm:param type="begPts" val="midL"/>
+          <dgm:param type="endPts" val="midL"/>
+        </dgm:alg>
+        <dgm:shape xmlns:r="http://schemas.openxmlformats.org/officeDocument/2006/relationships" type="conn" r:blip="">
+          <dgm:adjLst/>
+        </dgm:shape>
+        <dgm:presOf axis="self"/>
+        <dgm:constrLst>
+          <dgm:constr type="w" val="10"/>
+          <dgm:constr type="h" val="10"/>
+          <dgm:constr type="begPad"/>
+          <dgm:constr type="endPad"/>
+        </dgm:constrLst>
+        <dgm:ruleLst/>
+      </dgm:layoutNode>
+    </dgm:forEach>
+  </dgm:layoutNode>
+</dgm:layoutDef>
+</file>
+
+<file path=ppt/diagrams/quickStyle1.xml><?xml version="1.0" encoding="utf-8"?>
+<dgm:styleDef xmlns:dgm="http://schemas.openxmlformats.org/drawingml/2006/diagram" xmlns:a="http://schemas.openxmlformats.org/drawingml/2006/main" uniqueId="urn:microsoft.com/office/officeart/2005/8/quickstyle/simple1">
+  <dgm:title val=""/>
+  <dgm:desc val=""/>
+  <dgm:catLst>
+    <dgm:cat type="simple" pri="10100"/>
+  </dgm:catLst>
+  <dgm:scene3d>
+    <a:camera prst="orthographicFront"/>
+    <a:lightRig rig="threePt" dir="t"/>
+  </dgm:scene3d>
+  <dgm:styleLbl name="node0">
+    <dgm:scene3d>
+      <a:camera prst="orthographicFront"/>
+      <a:lightRig rig="threePt" dir="t"/>
+    </dgm:scene3d>
+    <dgm:sp3d/>
+    <dgm:txPr/>
+    <dgm:style>
+      <a:lnRef idx="2">
+        <a:scrgbClr r="0" g="0" b="0"/>
+      </a:lnRef>
+      <a:fillRef idx="1">
+        <a:scrgbClr r="0" g="0" b="0"/>
+      </a:fillRef>
+      <a:effectRef idx="0">
+        <a:scrgbClr r="0" g="0" b="0"/>
+      </a:effectRef>
+      <a:fontRef idx="minor">
+        <a:schemeClr val="lt1"/>
+      </a:fontRef>
+    </dgm:style>
+  </dgm:styleLbl>
+  <dgm:styleLbl name="lnNode1">
+    <dgm:scene3d>
+      <a:camera prst="orthographicFront"/>
+      <a:lightRig rig="threePt" dir="t"/>
+    </dgm:scene3d>
+    <dgm:sp3d/>
+    <dgm:txPr/>
+    <dgm:style>
+      <a:lnRef idx="2">
+        <a:scrgbClr r="0" g="0" b="0"/>
+      </a:lnRef>
+      <a:fillRef idx="1">
+        <a:scrgbClr r="0" g="0" b="0"/>
+      </a:fillRef>
+      <a:effectRef idx="0">
+        <a:scrgbClr r="0" g="0" b="0"/>
+      </a:effectRef>
+      <a:fontRef idx="minor">
+        <a:schemeClr val="lt1"/>
+      </a:fontRef>
+    </dgm:style>
+  </dgm:styleLbl>
+  <dgm:styleLbl name="vennNode1">
+    <dgm:scene3d>
+      <a:camera prst="orthographicFront"/>
+      <a:lightRig rig="threePt" dir="t"/>
+    </dgm:scene3d>
+    <dgm:sp3d/>
+    <dgm:txPr/>
+    <dgm:style>
+      <a:lnRef idx="2">
+        <a:scrgbClr r="0" g="0" b="0"/>
+      </a:lnRef>
+      <a:fillRef idx="1">
+        <a:scrgbClr r="0" g="0" b="0"/>
+      </a:fillRef>
+      <a:effectRef idx="0">
+        <a:scrgbClr r="0" g="0" b="0"/>
+      </a:effectRef>
+      <a:fontRef idx="minor">
+        <a:schemeClr val="tx1"/>
+      </a:fontRef>
+    </dgm:style>
+  </dgm:styleLbl>
+  <dgm:styleLbl name="alignNode1">
+    <dgm:scene3d>
+      <a:camera prst="orthographicFront"/>
+      <a:lightRig rig="threePt" dir="t"/>
+    </dgm:scene3d>
+    <dgm:sp3d/>
+    <dgm:txPr/>
+    <dgm:style>
+      <a:lnRef idx="2">
+        <a:scrgbClr r="0" g="0" b="0"/>
+      </a:lnRef>
+      <a:fillRef idx="1">
+        <a:scrgbClr r="0" g="0" b="0"/>
+      </a:fillRef>
+      <a:effectRef idx="0">
+        <a:scrgbClr r="0" g="0" b="0"/>
+      </a:effectRef>
+      <a:fontRef idx="minor">
+        <a:schemeClr val="lt1"/>
+      </a:fontRef>
+    </dgm:style>
+  </dgm:styleLbl>
+  <dgm:styleLbl name="node1">
+    <dgm:scene3d>
+      <a:camera prst="orthographicFront"/>
+      <a:lightRig rig="threePt" dir="t"/>
+    </dgm:scene3d>
+    <dgm:sp3d/>
+    <dgm:txPr/>
+    <dgm:style>
+      <a:lnRef idx="2">
+        <a:scrgbClr r="0" g="0" b="0"/>
+      </a:lnRef>
+      <a:fillRef idx="1">
+        <a:scrgbClr r="0" g="0" b="0"/>
+      </a:fillRef>
+      <a:effectRef idx="0">
+        <a:scrgbClr r="0" g="0" b="0"/>
+      </a:effectRef>
+      <a:fontRef idx="minor">
+        <a:schemeClr val="lt1"/>
+      </a:fontRef>
+    </dgm:style>
+  </dgm:styleLbl>
+  <dgm:styleLbl name="node2">
+    <dgm:scene3d>
+      <a:camera prst="orthographicFront"/>
+      <a:lightRig rig="threePt" dir="t"/>
+    </dgm:scene3d>
+    <dgm:sp3d/>
+    <dgm:txPr/>
+    <dgm:style>
+      <a:lnRef idx="2">
+        <a:scrgbClr r="0" g="0" b="0"/>
+      </a:lnRef>
+      <a:fillRef idx="1">
+        <a:scrgbClr r="0" g="0" b="0"/>
+      </a:fillRef>
+      <a:effectRef idx="0">
+        <a:scrgbClr r="0" g="0" b="0"/>
+      </a:effectRef>
+      <a:fontRef idx="minor">
+        <a:schemeClr val="lt1"/>
+      </a:fontRef>
+    </dgm:style>
+  </dgm:styleLbl>
+  <dgm:styleLbl name="node3">
+    <dgm:scene3d>
+      <a:camera prst="orthographicFront"/>
+      <a:lightRig rig="threePt" dir="t"/>
+    </dgm:scene3d>
+    <dgm:sp3d/>
+    <dgm:txPr/>
+    <dgm:style>
+      <a:lnRef idx="2">
+        <a:scrgbClr r="0" g="0" b="0"/>
+      </a:lnRef>
+      <a:fillRef idx="1">
+        <a:scrgbClr r="0" g="0" b="0"/>
+      </a:fillRef>
+      <a:effectRef idx="0">
+        <a:scrgbClr r="0" g="0" b="0"/>
+      </a:effectRef>
+      <a:fontRef idx="minor">
+        <a:schemeClr val="lt1"/>
+      </a:fontRef>
+    </dgm:style>
+  </dgm:styleLbl>
+  <dgm:styleLbl name="node4">
+    <dgm:scene3d>
+      <a:camera prst="orthographicFront"/>
+      <a:lightRig rig="threePt" dir="t"/>
+    </dgm:scene3d>
+    <dgm:sp3d/>
+    <dgm:txPr/>
+    <dgm:style>
+      <a:lnRef idx="2">
+        <a:scrgbClr r="0" g="0" b="0"/>
+      </a:lnRef>
+      <a:fillRef idx="1">
+        <a:scrgbClr r="0" g="0" b="0"/>
+      </a:fillRef>
+      <a:effectRef idx="0">
+        <a:scrgbClr r="0" g="0" b="0"/>
+      </a:effectRef>
+      <a:fontRef idx="minor">
+        <a:schemeClr val="lt1"/>
+      </a:fontRef>
+    </dgm:style>
+  </dgm:styleLbl>
+  <dgm:styleLbl name="fgImgPlace1">
+    <dgm:scene3d>
+      <a:camera prst="orthographicFront"/>
+      <a:lightRig rig="threePt" dir="t"/>
+    </dgm:scene3d>
+    <dgm:sp3d/>
+    <dgm:txPr/>
+    <dgm:style>
+      <a:lnRef idx="2">
+        <a:scrgbClr r="0" g="0" b="0"/>
+      </a:lnRef>
+      <a:fillRef idx="1">
+        <a:scrgbClr r="0" g="0" b="0"/>
+      </a:fillRef>
+      <a:effectRef idx="0">
+        <a:scrgbClr r="0" g="0" b="0"/>
+      </a:effectRef>
+      <a:fontRef idx="minor"/>
+    </dgm:style>
+  </dgm:styleLbl>
+  <dgm:styleLbl name="alignImgPlace1">
+    <dgm:scene3d>
+      <a:camera prst="orthographicFront"/>
+      <a:lightRig rig="threePt" dir="t"/>
+    </dgm:scene3d>
+    <dgm:sp3d/>
+    <dgm:txPr/>
+    <dgm:style>
+      <a:lnRef idx="2">
+        <a:scrgbClr r="0" g="0" b="0"/>
+      </a:lnRef>
+      <a:fillRef idx="1">
+        <a:scrgbClr r="0" g="0" b="0"/>
+      </a:fillRef>
+      <a:effectRef idx="0">
+        <a:scrgbClr r="0" g="0" b="0"/>
+      </a:effectRef>
+      <a:fontRef idx="minor"/>
+    </dgm:style>
+  </dgm:styleLbl>
+  <dgm:styleLbl name="bgImgPlace1">
+    <dgm:scene3d>
+      <a:camera prst="orthographicFront"/>
+      <a:lightRig rig="threePt" dir="t"/>
+    </dgm:scene3d>
+    <dgm:sp3d/>
+    <dgm:txPr/>
+    <dgm:style>
+      <a:lnRef idx="2">
+        <a:scrgbClr r="0" g="0" b="0"/>
+      </a:lnRef>
+      <a:fillRef idx="1">
+        <a:scrgbClr r="0" g="0" b="0"/>
+      </a:fillRef>
+      <a:effectRef idx="0">
+        <a:scrgbClr r="0" g="0" b="0"/>
+      </a:effectRef>
+      <a:fontRef idx="minor"/>
+    </dgm:style>
+  </dgm:styleLbl>
+  <dgm:styleLbl name="sibTrans2D1">
+    <dgm:scene3d>
+      <a:camera prst="orthographicFront"/>
+      <a:lightRig rig="threePt" dir="t"/>
+    </dgm:scene3d>
+    <dgm:sp3d/>
+    <dgm:txPr/>
+    <dgm:style>
+      <a:lnRef idx="0">
+        <a:scrgbClr r="0" g="0" b="0"/>
+      </a:lnRef>
+      <a:fillRef idx="1">
+        <a:scrgbClr r="0" g="0" b="0"/>
+      </a:fillRef>
+      <a:effectRef idx="0">
+        <a:scrgbClr r="0" g="0" b="0"/>
+      </a:effectRef>
+      <a:fontRef idx="minor">
+        <a:schemeClr val="lt1"/>
+      </a:fontRef>
+    </dgm:style>
+  </dgm:styleLbl>
+  <dgm:styleLbl name="fgSibTrans2D1">
+    <dgm:scene3d>
+      <a:camera prst="orthographicFront"/>
+      <a:lightRig rig="threePt" dir="t"/>
+    </dgm:scene3d>
+    <dgm:sp3d/>
+    <dgm:txPr/>
+    <dgm:style>
+      <a:lnRef idx="0">
+        <a:scrgbClr r="0" g="0" b="0"/>
+      </a:lnRef>
+      <a:fillRef idx="1">
+        <a:scrgbClr r="0" g="0" b="0"/>
+      </a:fillRef>
+      <a:effectRef idx="0">
+        <a:scrgbClr r="0" g="0" b="0"/>
+      </a:effectRef>
+      <a:fontRef idx="minor">
+        <a:schemeClr val="lt1"/>
+      </a:fontRef>
+    </dgm:style>
+  </dgm:styleLbl>
+  <dgm:styleLbl name="bgSibTrans2D1">
+    <dgm:scene3d>
+      <a:camera prst="orthographicFront"/>
+      <a:lightRig rig="threePt" dir="t"/>
+    </dgm:scene3d>
+    <dgm:sp3d/>
+    <dgm:txPr/>
+    <dgm:style>
+      <a:lnRef idx="0">
+        <a:scrgbClr r="0" g="0" b="0"/>
+      </a:lnRef>
+      <a:fillRef idx="1">
+        <a:scrgbClr r="0" g="0" b="0"/>
+      </a:fillRef>
+      <a:effectRef idx="0">
+        <a:scrgbClr r="0" g="0" b="0"/>
+      </a:effectRef>
+      <a:fontRef idx="minor">
+        <a:schemeClr val="lt1"/>
+      </a:fontRef>
+    </dgm:style>
+  </dgm:styleLbl>
+  <dgm:styleLbl name="sibTrans1D1">
+    <dgm:scene3d>
+      <a:camera prst="orthographicFront"/>
+      <a:lightRig rig="threePt" dir="t"/>
+    </dgm:scene3d>
+    <dgm:sp3d/>
+    <dgm:txPr/>
+    <dgm:style>
+      <a:lnRef idx="1">
+        <a:scrgbClr r="0" g="0" b="0"/>
+      </a:lnRef>
+      <a:fillRef idx="0">
+        <a:scrgbClr r="0" g="0" b="0"/>
+      </a:fillRef>
+      <a:effectRef idx="0">
+        <a:scrgbClr r="0" g="0" b="0"/>
+      </a:effectRef>
+      <a:fontRef idx="minor"/>
+    </dgm:style>
+  </dgm:styleLbl>
+  <dgm:styleLbl name="callout">
+    <dgm:scene3d>
+      <a:camera prst="orthographicFront"/>
+      <a:lightRig rig="threePt" dir="t"/>
+    </dgm:scene3d>
+    <dgm:sp3d/>
+    <dgm:txPr/>
+    <dgm:style>
+      <a:lnRef idx="2">
+        <a:scrgbClr r="0" g="0" b="0"/>
+      </a:lnRef>
+      <a:fillRef idx="1">
+        <a:scrgbClr r="0" g="0" b="0"/>
+      </a:fillRef>
+      <a:effectRef idx="0">
+        <a:scrgbClr r="0" g="0" b="0"/>
+      </a:effectRef>
+      <a:fontRef idx="minor"/>
+    </dgm:style>
+  </dgm:styleLbl>
+  <dgm:styleLbl name="asst0">
+    <dgm:scene3d>
+      <a:camera prst="orthographicFront"/>
+      <a:lightRig rig="threePt" dir="t"/>
+    </dgm:scene3d>
+    <dgm:sp3d/>
+    <dgm:txPr/>
+    <dgm:style>
+      <a:lnRef idx="2">
+        <a:scrgbClr r="0" g="0" b="0"/>
+      </a:lnRef>
+      <a:fillRef idx="1">
+        <a:scrgbClr r="0" g="0" b="0"/>
+      </a:fillRef>
+      <a:effectRef idx="0">
+        <a:scrgbClr r="0" g="0" b="0"/>
+      </a:effectRef>
+      <a:fontRef idx="minor">
+        <a:schemeClr val="lt1"/>
+      </a:fontRef>
+    </dgm:style>
+  </dgm:styleLbl>
+  <dgm:styleLbl name="asst1">
+    <dgm:scene3d>
+      <a:camera prst="orthographicFront"/>
+      <a:lightRig rig="threePt" dir="t"/>
+    </dgm:scene3d>
+    <dgm:sp3d/>
+    <dgm:txPr/>
+    <dgm:style>
+      <a:lnRef idx="2">
+        <a:scrgbClr r="0" g="0" b="0"/>
+      </a:lnRef>
+      <a:fillRef idx="1">
+        <a:scrgbClr r="0" g="0" b="0"/>
+      </a:fillRef>
+      <a:effectRef idx="0">
+        <a:scrgbClr r="0" g="0" b="0"/>
+      </a:effectRef>
+      <a:fontRef idx="minor">
+        <a:schemeClr val="lt1"/>
+      </a:fontRef>
+    </dgm:style>
+  </dgm:styleLbl>
+  <dgm:styleLbl name="asst2">
+    <dgm:scene3d>
+      <a:camera prst="orthographicFront"/>
+      <a:lightRig rig="threePt" dir="t"/>
+    </dgm:scene3d>
+    <dgm:sp3d/>
+    <dgm:txPr/>
+    <dgm:style>
+      <a:lnRef idx="2">
+        <a:scrgbClr r="0" g="0" b="0"/>
+      </a:lnRef>
+      <a:fillRef idx="1">
+        <a:scrgbClr r="0" g="0" b="0"/>
+      </a:fillRef>
+      <a:effectRef idx="0">
+        <a:scrgbClr r="0" g="0" b="0"/>
+      </a:effectRef>
+      <a:fontRef idx="minor">
+        <a:schemeClr val="lt1"/>
+      </a:fontRef>
+    </dgm:style>
+  </dgm:styleLbl>
+  <dgm:styleLbl name="asst3">
+    <dgm:scene3d>
+      <a:camera prst="orthographicFront"/>
+      <a:lightRig rig="threePt" dir="t"/>
+    </dgm:scene3d>
+    <dgm:sp3d/>
+    <dgm:txPr/>
+    <dgm:style>
+      <a:lnRef idx="2">
+        <a:scrgbClr r="0" g="0" b="0"/>
+      </a:lnRef>
+      <a:fillRef idx="1">
+        <a:scrgbClr r="0" g="0" b="0"/>
+      </a:fillRef>
+      <a:effectRef idx="0">
+        <a:scrgbClr r="0" g="0" b="0"/>
+      </a:effectRef>
+      <a:fontRef idx="minor">
+        <a:schemeClr val="lt1"/>
+      </a:fontRef>
+    </dgm:style>
+  </dgm:styleLbl>
+  <dgm:styleLbl name="asst4">
+    <dgm:scene3d>
+      <a:camera prst="orthographicFront"/>
+      <a:lightRig rig="threePt" dir="t"/>
+    </dgm:scene3d>
+    <dgm:sp3d/>
+    <dgm:txPr/>
+    <dgm:style>
+      <a:lnRef idx="2">
+        <a:scrgbClr r="0" g="0" b="0"/>
+      </a:lnRef>
+      <a:fillRef idx="1">
+        <a:scrgbClr r="0" g="0" b="0"/>
+      </a:fillRef>
+      <a:effectRef idx="0">
+        <a:scrgbClr r="0" g="0" b="0"/>
+      </a:effectRef>
+      <a:fontRef idx="minor">
+        <a:schemeClr val="lt1"/>
+      </a:fontRef>
+    </dgm:style>
+  </dgm:styleLbl>
+  <dgm:styleLbl name="parChTrans2D1">
+    <dgm:scene3d>
+      <a:camera prst="orthographicFront"/>
+      <a:lightRig rig="threePt" dir="t"/>
+    </dgm:scene3d>
+    <dgm:sp3d/>
+    <dgm:txPr/>
+    <dgm:style>
+      <a:lnRef idx="2">
+        <a:scrgbClr r="0" g="0" b="0"/>
+      </a:lnRef>
+      <a:fillRef idx="1">
+        <a:scrgbClr r="0" g="0" b="0"/>
+      </a:fillRef>
+      <a:effectRef idx="0">
+        <a:scrgbClr r="0" g="0" b="0"/>
+      </a:effectRef>
+      <a:fontRef idx="minor">
+        <a:schemeClr val="lt1"/>
+      </a:fontRef>
+    </dgm:style>
+  </dgm:styleLbl>
+  <dgm:styleLbl name="parChTrans2D2">
+    <dgm:scene3d>
+      <a:camera prst="orthographicFront"/>
+      <a:lightRig rig="threePt" dir="t"/>
+    </dgm:scene3d>
+    <dgm:sp3d/>
+    <dgm:txPr/>
+    <dgm:style>
+      <a:lnRef idx="2">
+        <a:scrgbClr r="0" g="0" b="0"/>
+      </a:lnRef>
+      <a:fillRef idx="1">
+        <a:scrgbClr r="0" g="0" b="0"/>
+      </a:fillRef>
+      <a:effectRef idx="0">
+        <a:scrgbClr r="0" g="0" b="0"/>
+      </a:effectRef>
+      <a:fontRef idx="minor">
+        <a:schemeClr val="lt1"/>
+      </a:fontRef>
+    </dgm:style>
+  </dgm:styleLbl>
+  <dgm:styleLbl name="parChTrans2D3">
+    <dgm:scene3d>
+      <a:camera prst="orthographicFront"/>
+      <a:lightRig rig="threePt" dir="t"/>
+    </dgm:scene3d>
+    <dgm:sp3d/>
+    <dgm:txPr/>
+    <dgm:style>
+      <a:lnRef idx="2">
+        <a:scrgbClr r="0" g="0" b="0"/>
+      </a:lnRef>
+      <a:fillRef idx="1">
+        <a:scrgbClr r="0" g="0" b="0"/>
+      </a:fillRef>
+      <a:effectRef idx="0">
+        <a:scrgbClr r="0" g="0" b="0"/>
+      </a:effectRef>
+      <a:fontRef idx="minor">
+        <a:schemeClr val="lt1"/>
+      </a:fontRef>
+    </dgm:style>
+  </dgm:styleLbl>
+  <dgm:styleLbl name="parChTrans2D4">
+    <dgm:scene3d>
+      <a:camera prst="orthographicFront"/>
+      <a:lightRig rig="threePt" dir="t"/>
+    </dgm:scene3d>
+    <dgm:sp3d/>
+    <dgm:txPr/>
+    <dgm:style>
+      <a:lnRef idx="2">
+        <a:scrgbClr r="0" g="0" b="0"/>
+      </a:lnRef>
+      <a:fillRef idx="1">
+        <a:scrgbClr r="0" g="0" b="0"/>
+      </a:fillRef>
+      <a:effectRef idx="0">
+        <a:scrgbClr r="0" g="0" b="0"/>
+      </a:effectRef>
+      <a:fontRef idx="minor">
+        <a:schemeClr val="lt1"/>
+      </a:fontRef>
+    </dgm:style>
+  </dgm:styleLbl>
+  <dgm:styleLbl name="parChTrans1D1">
+    <dgm:scene3d>
+      <a:camera prst="orthographicFront"/>
+      <a:lightRig rig="threePt" dir="t"/>
+    </dgm:scene3d>
+    <dgm:sp3d/>
+    <dgm:txPr/>
+    <dgm:style>
+      <a:lnRef idx="2">
+        <a:scrgbClr r="0" g="0" b="0"/>
+      </a:lnRef>
+      <a:fillRef idx="0">
+        <a:scrgbClr r="0" g="0" b="0"/>
+      </a:fillRef>
+      <a:effectRef idx="0">
+        <a:scrgbClr r="0" g="0" b="0"/>
+      </a:effectRef>
+      <a:fontRef idx="minor"/>
+    </dgm:style>
+  </dgm:styleLbl>
+  <dgm:styleLbl name="parChTrans1D2">
+    <dgm:scene3d>
+      <a:camera prst="orthographicFront"/>
+      <a:lightRig rig="threePt" dir="t"/>
+    </dgm:scene3d>
+    <dgm:sp3d/>
+    <dgm:txPr/>
+    <dgm:style>
+      <a:lnRef idx="2">
+        <a:scrgbClr r="0" g="0" b="0"/>
+      </a:lnRef>
+      <a:fillRef idx="0">
+        <a:scrgbClr r="0" g="0" b="0"/>
+      </a:fillRef>
+      <a:effectRef idx="0">
+        <a:scrgbClr r="0" g="0" b="0"/>
+      </a:effectRef>
+      <a:fontRef idx="minor"/>
+    </dgm:style>
+  </dgm:styleLbl>
+  <dgm:styleLbl name="parChTrans1D3">
+    <dgm:scene3d>
+      <a:camera prst="orthographicFront"/>
+      <a:lightRig rig="threePt" dir="t"/>
+    </dgm:scene3d>
+    <dgm:sp3d/>
+    <dgm:txPr/>
+    <dgm:style>
+      <a:lnRef idx="2">
+        <a:scrgbClr r="0" g="0" b="0"/>
+      </a:lnRef>
+      <a:fillRef idx="0">
+        <a:scrgbClr r="0" g="0" b="0"/>
+      </a:fillRef>
+      <a:effectRef idx="0">
+        <a:scrgbClr r="0" g="0" b="0"/>
+      </a:effectRef>
+      <a:fontRef idx="minor"/>
+    </dgm:style>
+  </dgm:styleLbl>
+  <dgm:styleLbl name="parChTrans1D4">
+    <dgm:scene3d>
+      <a:camera prst="orthographicFront"/>
+      <a:lightRig rig="threePt" dir="t"/>
+    </dgm:scene3d>
+    <dgm:sp3d/>
+    <dgm:txPr/>
+    <dgm:style>
+      <a:lnRef idx="2">
+        <a:scrgbClr r="0" g="0" b="0"/>
+      </a:lnRef>
+      <a:fillRef idx="0">
+        <a:scrgbClr r="0" g="0" b="0"/>
+      </a:fillRef>
+      <a:effectRef idx="0">
+        <a:scrgbClr r="0" g="0" b="0"/>
+      </a:effectRef>
+      <a:fontRef idx="minor"/>
+    </dgm:style>
+  </dgm:styleLbl>
+  <dgm:styleLbl name="fgAcc1">
+    <dgm:scene3d>
+      <a:camera prst="orthographicFront"/>
+      <a:lightRig rig="threePt" dir="t"/>
+    </dgm:scene3d>
+    <dgm:sp3d/>
+    <dgm:txPr/>
+    <dgm:style>
+      <a:lnRef idx="2">
+        <a:scrgbClr r="0" g="0" b="0"/>
+      </a:lnRef>
+      <a:fillRef idx="1">
+        <a:scrgbClr r="0" g="0" b="0"/>
+      </a:fillRef>
+      <a:effectRef idx="0">
+        <a:scrgbClr r="0" g="0" b="0"/>
+      </a:effectRef>
+      <a:fontRef idx="minor"/>
+    </dgm:style>
+  </dgm:styleLbl>
+  <dgm:styleLbl name="conFgAcc1">
+    <dgm:scene3d>
+      <a:camera prst="orthographicFront"/>
+      <a:lightRig rig="threePt" dir="t"/>
+    </dgm:scene3d>
+    <dgm:sp3d/>
+    <dgm:txPr/>
+    <dgm:style>
+      <a:lnRef idx="2">
+        <a:scrgbClr r="0" g="0" b="0"/>
+      </a:lnRef>
+      <a:fillRef idx="1">
+        <a:scrgbClr r="0" g="0" b="0"/>
+      </a:fillRef>
+      <a:effectRef idx="0">
+        <a:scrgbClr r="0" g="0" b="0"/>
+      </a:effectRef>
+      <a:fontRef idx="minor"/>
+    </dgm:style>
+  </dgm:styleLbl>
+  <dgm:styleLbl name="alignAcc1">
+    <dgm:scene3d>
+      <a:camera prst="orthographicFront"/>
+      <a:lightRig rig="threePt" dir="t"/>
+    </dgm:scene3d>
+    <dgm:sp3d/>
+    <dgm:txPr/>
+    <dgm:style>
+      <a:lnRef idx="2">
+        <a:scrgbClr r="0" g="0" b="0"/>
+      </a:lnRef>
+      <a:fillRef idx="1">
+        <a:scrgbClr r="0" g="0" b="0"/>
+      </a:fillRef>
+      <a:effectRef idx="0">
+        <a:scrgbClr r="0" g="0" b="0"/>
+      </a:effectRef>
+      <a:fontRef idx="minor"/>
+    </dgm:style>
+  </dgm:styleLbl>
+  <dgm:styleLbl name="trAlignAcc1">
+    <dgm:scene3d>
+      <a:camera prst="orthographicFront"/>
+      <a:lightRig rig="threePt" dir="t"/>
+    </dgm:scene3d>
+    <dgm:sp3d/>
+    <dgm:txPr/>
+    <dgm:style>
+      <a:lnRef idx="1">
+        <a:scrgbClr r="0" g="0" b="0"/>
+      </a:lnRef>
+      <a:fillRef idx="1">
+        <a:scrgbClr r="0" g="0" b="0"/>
+      </a:fillRef>
+      <a:effectRef idx="0">
+        <a:scrgbClr r="0" g="0" b="0"/>
+      </a:effectRef>
+      <a:fontRef idx="minor"/>
+    </dgm:style>
+  </dgm:styleLbl>
+  <dgm:styleLbl name="bgAcc1">
+    <dgm:scene3d>
+      <a:camera prst="orthographicFront"/>
+      <a:lightRig rig="threePt" dir="t"/>
+    </dgm:scene3d>
+    <dgm:sp3d/>
+    <dgm:txPr/>
+    <dgm:style>
+      <a:lnRef idx="2">
+        <a:scrgbClr r="0" g="0" b="0"/>
+      </a:lnRef>
+      <a:fillRef idx="1">
+        <a:scrgbClr r="0" g="0" b="0"/>
+      </a:fillRef>
+      <a:effectRef idx="0">
+        <a:scrgbClr r="0" g="0" b="0"/>
+      </a:effectRef>
+      <a:fontRef idx="minor"/>
+    </dgm:style>
+  </dgm:styleLbl>
+  <dgm:styleLbl name="solidFgAcc1">
+    <dgm:scene3d>
+      <a:camera prst="orthographicFront"/>
+      <a:lightRig rig="threePt" dir="t"/>
+    </dgm:scene3d>
+    <dgm:sp3d/>
+    <dgm:txPr/>
+    <dgm:style>
+      <a:lnRef idx="2">
+        <a:scrgbClr r="0" g="0" b="0"/>
+      </a:lnRef>
+      <a:fillRef idx="1">
+        <a:scrgbClr r="0" g="0" b="0"/>
+      </a:fillRef>
+      <a:effectRef idx="0">
+        <a:scrgbClr r="0" g="0" b="0"/>
+      </a:effectRef>
+      <a:fontRef idx="minor"/>
+    </dgm:style>
+  </dgm:styleLbl>
+  <dgm:styleLbl name="solidAlignAcc1">
+    <dgm:scene3d>
+      <a:camera prst="orthographicFront"/>
+      <a:lightRig rig="threePt" dir="t"/>
+    </dgm:scene3d>
+    <dgm:sp3d/>
+    <dgm:txPr/>
+    <dgm:style>
+      <a:lnRef idx="2">
+        <a:scrgbClr r="0" g="0" b="0"/>
+      </a:lnRef>
+      <a:fillRef idx="1">
+        <a:scrgbClr r="0" g="0" b="0"/>
+      </a:fillRef>
+      <a:effectRef idx="0">
+        <a:scrgbClr r="0" g="0" b="0"/>
+      </a:effectRef>
+      <a:fontRef idx="minor"/>
+    </dgm:style>
+  </dgm:styleLbl>
+  <dgm:styleLbl name="solidBgAcc1">
+    <dgm:scene3d>
+      <a:camera prst="orthographicFront"/>
+      <a:lightRig rig="threePt" dir="t"/>
+    </dgm:scene3d>
+    <dgm:sp3d/>
+    <dgm:txPr/>
+    <dgm:style>
+      <a:lnRef idx="2">
+        <a:scrgbClr r="0" g="0" b="0"/>
+      </a:lnRef>
+      <a:fillRef idx="1">
+        <a:scrgbClr r="0" g="0" b="0"/>
+      </a:fillRef>
+      <a:effectRef idx="0">
+        <a:scrgbClr r="0" g="0" b="0"/>
+      </a:effectRef>
+      <a:fontRef idx="minor"/>
+    </dgm:style>
+  </dgm:styleLbl>
+  <dgm:styleLbl name="fgAccFollowNode1">
+    <dgm:scene3d>
+      <a:camera prst="orthographicFront"/>
+      <a:lightRig rig="threePt" dir="t"/>
+    </dgm:scene3d>
+    <dgm:sp3d/>
+    <dgm:txPr/>
+    <dgm:style>
+      <a:lnRef idx="2">
+        <a:scrgbClr r="0" g="0" b="0"/>
+      </a:lnRef>
+      <a:fillRef idx="1">
+        <a:scrgbClr r="0" g="0" b="0"/>
+      </a:fillRef>
+      <a:effectRef idx="0">
+        <a:scrgbClr r="0" g="0" b="0"/>
+      </a:effectRef>
+      <a:fontRef idx="minor"/>
+    </dgm:style>
+  </dgm:styleLbl>
+  <dgm:styleLbl name="alignAccFollowNode1">
+    <dgm:scene3d>
+      <a:camera prst="orthographicFront"/>
+      <a:lightRig rig="threePt" dir="t"/>
+    </dgm:scene3d>
+    <dgm:sp3d/>
+    <dgm:txPr/>
+    <dgm:style>
+      <a:lnRef idx="2">
+        <a:scrgbClr r="0" g="0" b="0"/>
+      </a:lnRef>
+      <a:fillRef idx="1">
+        <a:scrgbClr r="0" g="0" b="0"/>
+      </a:fillRef>
+      <a:effectRef idx="0">
+        <a:scrgbClr r="0" g="0" b="0"/>
+      </a:effectRef>
+      <a:fontRef idx="minor"/>
+    </dgm:style>
+  </dgm:styleLbl>
+  <dgm:styleLbl name="bgAccFollowNode1">
+    <dgm:scene3d>
+      <a:camera prst="orthographicFront"/>
+      <a:lightRig rig="threePt" dir="t"/>
+    </dgm:scene3d>
+    <dgm:sp3d/>
+    <dgm:txPr/>
+    <dgm:style>
+      <a:lnRef idx="2">
+        <a:scrgbClr r="0" g="0" b="0"/>
+      </a:lnRef>
+      <a:fillRef idx="1">
+        <a:scrgbClr r="0" g="0" b="0"/>
+      </a:fillRef>
+      <a:effectRef idx="0">
+        <a:scrgbClr r="0" g="0" b="0"/>
+      </a:effectRef>
+      <a:fontRef idx="minor"/>
+    </dgm:style>
+  </dgm:styleLbl>
+  <dgm:styleLbl name="fgAcc0">
+    <dgm:scene3d>
+      <a:camera prst="orthographicFront"/>
+      <a:lightRig rig="threePt" dir="t"/>
+    </dgm:scene3d>
+    <dgm:sp3d/>
+    <dgm:txPr/>
+    <dgm:style>
+      <a:lnRef idx="2">
+        <a:scrgbClr r="0" g="0" b="0"/>
+      </a:lnRef>
+      <a:fillRef idx="1">
+        <a:scrgbClr r="0" g="0" b="0"/>
+      </a:fillRef>
+      <a:effectRef idx="0">
+        <a:scrgbClr r="0" g="0" b="0"/>
+      </a:effectRef>
+      <a:fontRef idx="minor"/>
+    </dgm:style>
+  </dgm:styleLbl>
+  <dgm:styleLbl name="fgAcc2">
+    <dgm:scene3d>
+      <a:camera prst="orthographicFront"/>
+      <a:lightRig rig="threePt" dir="t"/>
+    </dgm:scene3d>
+    <dgm:sp3d/>
+    <dgm:txPr/>
+    <dgm:style>
+      <a:lnRef idx="2">
+        <a:scrgbClr r="0" g="0" b="0"/>
+      </a:lnRef>
+      <a:fillRef idx="1">
+        <a:scrgbClr r="0" g="0" b="0"/>
+      </a:fillRef>
+      <a:effectRef idx="0">
+        <a:scrgbClr r="0" g="0" b="0"/>
+      </a:effectRef>
+      <a:fontRef idx="minor"/>
+    </dgm:style>
+  </dgm:styleLbl>
+  <dgm:styleLbl name="fgAcc3">
+    <dgm:scene3d>
+      <a:camera prst="orthographicFront"/>
+      <a:lightRig rig="threePt" dir="t"/>
+    </dgm:scene3d>
+    <dgm:sp3d/>
+    <dgm:txPr/>
+    <dgm:style>
+      <a:lnRef idx="2">
+        <a:scrgbClr r="0" g="0" b="0"/>
+      </a:lnRef>
+      <a:fillRef idx="1">
+        <a:scrgbClr r="0" g="0" b="0"/>
+      </a:fillRef>
+      <a:effectRef idx="0">
+        <a:scrgbClr r="0" g="0" b="0"/>
+      </a:effectRef>
+      <a:fontRef idx="minor"/>
+    </dgm:style>
+  </dgm:styleLbl>
+  <dgm:styleLbl name="fgAcc4">
+    <dgm:scene3d>
+      <a:camera prst="orthographicFront"/>
+      <a:lightRig rig="threePt" dir="t"/>
+    </dgm:scene3d>
+    <dgm:sp3d/>
+    <dgm:txPr/>
+    <dgm:style>
+      <a:lnRef idx="2">
+        <a:scrgbClr r="0" g="0" b="0"/>
+      </a:lnRef>
+      <a:fillRef idx="1">
+        <a:scrgbClr r="0" g="0" b="0"/>
+      </a:fillRef>
+      <a:effectRef idx="0">
+        <a:scrgbClr r="0" g="0" b="0"/>
+      </a:effectRef>
+      <a:fontRef idx="minor"/>
+    </dgm:style>
+  </dgm:styleLbl>
+  <dgm:styleLbl name="bgShp">
+    <dgm:scene3d>
+      <a:camera prst="orthographicFront"/>
+      <a:lightRig rig="threePt" dir="t"/>
+    </dgm:scene3d>
+    <dgm:sp3d/>
+    <dgm:txPr/>
+    <dgm:style>
+      <a:lnRef idx="0">
+        <a:scrgbClr r="0" g="0" b="0"/>
+      </a:lnRef>
+      <a:fillRef idx="1">
+        <a:scrgbClr r="0" g="0" b="0"/>
+      </a:fillRef>
+      <a:effectRef idx="0">
+        <a:scrgbClr r="0" g="0" b="0"/>
+      </a:effectRef>
+      <a:fontRef idx="minor"/>
+    </dgm:style>
+  </dgm:styleLbl>
+  <dgm:styleLbl name="dkBgShp">
+    <dgm:scene3d>
+      <a:camera prst="orthographicFront"/>
+      <a:lightRig rig="threePt" dir="t"/>
+    </dgm:scene3d>
+    <dgm:sp3d/>
+    <dgm:txPr/>
+    <dgm:style>
+      <a:lnRef idx="0">
+        <a:scrgbClr r="0" g="0" b="0"/>
+      </a:lnRef>
+      <a:fillRef idx="1">
+        <a:scrgbClr r="0" g="0" b="0"/>
+      </a:fillRef>
+      <a:effectRef idx="0">
+        <a:scrgbClr r="0" g="0" b="0"/>
+      </a:effectRef>
+      <a:fontRef idx="minor"/>
+    </dgm:style>
+  </dgm:styleLbl>
+  <dgm:styleLbl name="trBgShp">
+    <dgm:scene3d>
+      <a:camera prst="orthographicFront"/>
+      <a:lightRig rig="threePt" dir="t"/>
+    </dgm:scene3d>
+    <dgm:sp3d/>
+    <dgm:txPr/>
+    <dgm:style>
+      <a:lnRef idx="0">
+        <a:scrgbClr r="0" g="0" b="0"/>
+      </a:lnRef>
+      <a:fillRef idx="1">
+        <a:scrgbClr r="0" g="0" b="0"/>
+      </a:fillRef>
+      <a:effectRef idx="0">
+        <a:scrgbClr r="0" g="0" b="0"/>
+      </a:effectRef>
+      <a:fontRef idx="minor"/>
+    </dgm:style>
+  </dgm:styleLbl>
+  <dgm:styleLbl name="fgShp">
+    <dgm:scene3d>
+      <a:camera prst="orthographicFront"/>
+      <a:lightRig rig="threePt" dir="t"/>
+    </dgm:scene3d>
+    <dgm:sp3d/>
+    <dgm:txPr/>
+    <dgm:style>
+      <a:lnRef idx="2">
+        <a:scrgbClr r="0" g="0" b="0"/>
+      </a:lnRef>
+      <a:fillRef idx="1">
+        <a:scrgbClr r="0" g="0" b="0"/>
+      </a:fillRef>
+      <a:effectRef idx="0">
+        <a:scrgbClr r="0" g="0" b="0"/>
+      </a:effectRef>
+      <a:fontRef idx="minor"/>
+    </dgm:style>
+  </dgm:styleLbl>
+  <dgm:styleLbl name="revTx">
+    <dgm:scene3d>
+      <a:camera prst="orthographicFront"/>
+      <a:lightRig rig="threePt" dir="t"/>
+    </dgm:scene3d>
+    <dgm:sp3d/>
+    <dgm:txPr/>
+    <dgm:style>
+      <a:lnRef idx="0">
+        <a:scrgbClr r="0" g="0" b="0"/>
+      </a:lnRef>
+      <a:fillRef idx="0">
+        <a:scrgbClr r="0" g="0" b="0"/>
+      </a:fillRef>
+      <a:effectRef idx="0">
+        <a:scrgbClr r="0" g="0" b="0"/>
+      </a:effectRef>
+      <a:fontRef idx="minor"/>
+    </dgm:style>
+  </dgm:styleLbl>
+</dgm:styleDef>
+</file>
+
+<file path=ppt/diagrams/quickStyle2.xml><?xml version="1.0" encoding="utf-8"?>
+<dgm:styleDef xmlns:dgm="http://schemas.openxmlformats.org/drawingml/2006/diagram" xmlns:a="http://schemas.openxmlformats.org/drawingml/2006/main" uniqueId="urn:microsoft.com/office/officeart/2005/8/quickstyle/simple2">
+  <dgm:title val=""/>
+  <dgm:desc val=""/>
+  <dgm:catLst>
+    <dgm:cat type="simple" pri="10200"/>
+  </dgm:catLst>
+  <dgm:scene3d>
+    <a:camera prst="orthographicFront"/>
+    <a:lightRig rig="threePt" dir="t"/>
+  </dgm:scene3d>
+  <dgm:styleLbl name="node0">
+    <dgm:scene3d>
+      <a:camera prst="orthographicFront"/>
+      <a:lightRig rig="threePt" dir="t"/>
+    </dgm:scene3d>
+    <dgm:sp3d/>
+    <dgm:txPr/>
+    <dgm:style>
+      <a:lnRef idx="3">
+        <a:scrgbClr r="0" g="0" b="0"/>
+      </a:lnRef>
+      <a:fillRef idx="1">
+        <a:scrgbClr r="0" g="0" b="0"/>
+      </a:fillRef>
+      <a:effectRef idx="1">
+        <a:scrgbClr r="0" g="0" b="0"/>
+      </a:effectRef>
+      <a:fontRef idx="minor">
+        <a:schemeClr val="lt1"/>
+      </a:fontRef>
+    </dgm:style>
+  </dgm:styleLbl>
+  <dgm:styleLbl name="lnNode1">
+    <dgm:scene3d>
+      <a:camera prst="orthographicFront"/>
+      <a:lightRig rig="threePt" dir="t"/>
+    </dgm:scene3d>
+    <dgm:sp3d/>
+    <dgm:txPr/>
+    <dgm:style>
+      <a:lnRef idx="3">
+        <a:scrgbClr r="0" g="0" b="0"/>
+      </a:lnRef>
+      <a:fillRef idx="1">
+        <a:scrgbClr r="0" g="0" b="0"/>
+      </a:fillRef>
+      <a:effectRef idx="1">
+        <a:scrgbClr r="0" g="0" b="0"/>
+      </a:effectRef>
+      <a:fontRef idx="minor">
+        <a:schemeClr val="lt1"/>
+      </a:fontRef>
+    </dgm:style>
+  </dgm:styleLbl>
+  <dgm:styleLbl name="vennNode1">
+    <dgm:scene3d>
+      <a:camera prst="orthographicFront"/>
+      <a:lightRig rig="threePt" dir="t"/>
+    </dgm:scene3d>
+    <dgm:sp3d/>
+    <dgm:txPr/>
+    <dgm:style>
+      <a:lnRef idx="3">
+        <a:scrgbClr r="0" g="0" b="0"/>
+      </a:lnRef>
+      <a:fillRef idx="1">
+        <a:scrgbClr r="0" g="0" b="0"/>
+      </a:fillRef>
+      <a:effectRef idx="0">
+        <a:scrgbClr r="0" g="0" b="0"/>
+      </a:effectRef>
+      <a:fontRef idx="minor">
+        <a:schemeClr val="tx1"/>
+      </a:fontRef>
+    </dgm:style>
+  </dgm:styleLbl>
+  <dgm:styleLbl name="alignNode1">
+    <dgm:scene3d>
+      <a:camera prst="orthographicFront"/>
+      <a:lightRig rig="threePt" dir="t"/>
+    </dgm:scene3d>
+    <dgm:sp3d/>
+    <dgm:txPr/>
+    <dgm:style>
+      <a:lnRef idx="2">
+        <a:scrgbClr r="0" g="0" b="0"/>
+      </a:lnRef>
+      <a:fillRef idx="1">
+        <a:scrgbClr r="0" g="0" b="0"/>
+      </a:fillRef>
+      <a:effectRef idx="1">
+        <a:scrgbClr r="0" g="0" b="0"/>
+      </a:effectRef>
+      <a:fontRef idx="minor">
+        <a:schemeClr val="lt1"/>
+      </a:fontRef>
+    </dgm:style>
+  </dgm:styleLbl>
+  <dgm:styleLbl name="node1">
+    <dgm:scene3d>
+      <a:camera prst="orthographicFront"/>
+      <a:lightRig rig="threePt" dir="t"/>
+    </dgm:scene3d>
+    <dgm:sp3d/>
+    <dgm:txPr/>
+    <dgm:style>
+      <a:lnRef idx="3">
+        <a:scrgbClr r="0" g="0" b="0"/>
+      </a:lnRef>
+      <a:fillRef idx="1">
+        <a:scrgbClr r="0" g="0" b="0"/>
+      </a:fillRef>
+      <a:effectRef idx="1">
+        <a:scrgbClr r="0" g="0" b="0"/>
+      </a:effectRef>
+      <a:fontRef idx="minor">
+        <a:schemeClr val="lt1"/>
+      </a:fontRef>
+    </dgm:style>
+  </dgm:styleLbl>
+  <dgm:styleLbl name="node2">
+    <dgm:scene3d>
+      <a:camera prst="orthographicFront"/>
+      <a:lightRig rig="threePt" dir="t"/>
+    </dgm:scene3d>
+    <dgm:sp3d/>
+    <dgm:txPr/>
+    <dgm:style>
+      <a:lnRef idx="3">
+        <a:scrgbClr r="0" g="0" b="0"/>
+      </a:lnRef>
+      <a:fillRef idx="1">
+        <a:scrgbClr r="0" g="0" b="0"/>
+      </a:fillRef>
+      <a:effectRef idx="1">
+        <a:scrgbClr r="0" g="0" b="0"/>
+      </a:effectRef>
+      <a:fontRef idx="minor">
+        <a:schemeClr val="lt1"/>
+      </a:fontRef>
+    </dgm:style>
+  </dgm:styleLbl>
+  <dgm:styleLbl name="node3">
+    <dgm:scene3d>
+      <a:camera prst="orthographicFront"/>
+      <a:lightRig rig="threePt" dir="t"/>
+    </dgm:scene3d>
+    <dgm:sp3d/>
+    <dgm:txPr/>
+    <dgm:style>
+      <a:lnRef idx="3">
+        <a:scrgbClr r="0" g="0" b="0"/>
+      </a:lnRef>
+      <a:fillRef idx="1">
+        <a:scrgbClr r="0" g="0" b="0"/>
+      </a:fillRef>
+      <a:effectRef idx="1">
+        <a:scrgbClr r="0" g="0" b="0"/>
+      </a:effectRef>
+      <a:fontRef idx="minor">
+        <a:schemeClr val="lt1"/>
+      </a:fontRef>
+    </dgm:style>
+  </dgm:styleLbl>
+  <dgm:styleLbl name="node4">
+    <dgm:scene3d>
+      <a:camera prst="orthographicFront"/>
+      <a:lightRig rig="threePt" dir="t"/>
+    </dgm:scene3d>
+    <dgm:sp3d/>
+    <dgm:txPr/>
+    <dgm:style>
+      <a:lnRef idx="3">
+        <a:scrgbClr r="0" g="0" b="0"/>
+      </a:lnRef>
+      <a:fillRef idx="1">
+        <a:scrgbClr r="0" g="0" b="0"/>
+      </a:fillRef>
+      <a:effectRef idx="1">
+        <a:scrgbClr r="0" g="0" b="0"/>
+      </a:effectRef>
+      <a:fontRef idx="minor">
+        <a:schemeClr val="lt1"/>
+      </a:fontRef>
+    </dgm:style>
+  </dgm:styleLbl>
+  <dgm:styleLbl name="fgImgPlace1">
+    <dgm:scene3d>
+      <a:camera prst="orthographicFront"/>
+      <a:lightRig rig="threePt" dir="t"/>
+    </dgm:scene3d>
+    <dgm:sp3d/>
+    <dgm:txPr/>
+    <dgm:style>
+      <a:lnRef idx="3">
+        <a:scrgbClr r="0" g="0" b="0"/>
+      </a:lnRef>
+      <a:fillRef idx="1">
+        <a:scrgbClr r="0" g="0" b="0"/>
+      </a:fillRef>
+      <a:effectRef idx="1">
+        <a:scrgbClr r="0" g="0" b="0"/>
+      </a:effectRef>
+      <a:fontRef idx="minor"/>
+    </dgm:style>
+  </dgm:styleLbl>
+  <dgm:styleLbl name="alignImgPlace1">
+    <dgm:scene3d>
+      <a:camera prst="orthographicFront"/>
+      <a:lightRig rig="threePt" dir="t"/>
+    </dgm:scene3d>
+    <dgm:sp3d/>
+    <dgm:txPr/>
+    <dgm:style>
+      <a:lnRef idx="3">
+        <a:scrgbClr r="0" g="0" b="0"/>
+      </a:lnRef>
+      <a:fillRef idx="1">
+        <a:scrgbClr r="0" g="0" b="0"/>
+      </a:fillRef>
+      <a:effectRef idx="1">
+        <a:scrgbClr r="0" g="0" b="0"/>
+      </a:effectRef>
+      <a:fontRef idx="minor"/>
+    </dgm:style>
+  </dgm:styleLbl>
+  <dgm:styleLbl name="bgImgPlace1">
+    <dgm:scene3d>
+      <a:camera prst="orthographicFront"/>
+      <a:lightRig rig="threePt" dir="t"/>
+    </dgm:scene3d>
+    <dgm:sp3d/>
+    <dgm:txPr/>
+    <dgm:style>
+      <a:lnRef idx="3">
+        <a:scrgbClr r="0" g="0" b="0"/>
+      </a:lnRef>
+      <a:fillRef idx="1">
+        <a:scrgbClr r="0" g="0" b="0"/>
+      </a:fillRef>
+      <a:effectRef idx="1">
+        <a:scrgbClr r="0" g="0" b="0"/>
+      </a:effectRef>
+      <a:fontRef idx="minor"/>
+    </dgm:style>
+  </dgm:styleLbl>
+  <dgm:styleLbl name="sibTrans2D1">
+    <dgm:scene3d>
+      <a:camera prst="orthographicFront"/>
+      <a:lightRig rig="threePt" dir="t"/>
+    </dgm:scene3d>
+    <dgm:sp3d/>
+    <dgm:txPr/>
+    <dgm:style>
+      <a:lnRef idx="0">
+        <a:scrgbClr r="0" g="0" b="0"/>
+      </a:lnRef>
+      <a:fillRef idx="1">
+        <a:scrgbClr r="0" g="0" b="0"/>
+      </a:fillRef>
+      <a:effectRef idx="1">
+        <a:scrgbClr r="0" g="0" b="0"/>
+      </a:effectRef>
+      <a:fontRef idx="minor">
+        <a:schemeClr val="lt1"/>
+      </a:fontRef>
+    </dgm:style>
+  </dgm:styleLbl>
+  <dgm:styleLbl name="fgSibTrans2D1">
+    <dgm:scene3d>
+      <a:camera prst="orthographicFront"/>
+      <a:lightRig rig="threePt" dir="t"/>
+    </dgm:scene3d>
+    <dgm:sp3d/>
+    <dgm:txPr/>
+    <dgm:style>
+      <a:lnRef idx="0">
+        <a:scrgbClr r="0" g="0" b="0"/>
+      </a:lnRef>
+      <a:fillRef idx="1">
+        <a:scrgbClr r="0" g="0" b="0"/>
+      </a:fillRef>
+      <a:effectRef idx="1">
+        <a:scrgbClr r="0" g="0" b="0"/>
+      </a:effectRef>
+      <a:fontRef idx="minor">
+        <a:schemeClr val="lt1"/>
+      </a:fontRef>
+    </dgm:style>
+  </dgm:styleLbl>
+  <dgm:styleLbl name="bgSibTrans2D1">
+    <dgm:scene3d>
+      <a:camera prst="orthographicFront"/>
+      <a:lightRig rig="threePt" dir="t"/>
+    </dgm:scene3d>
+    <dgm:sp3d/>
+    <dgm:txPr/>
+    <dgm:style>
+      <a:lnRef idx="0">
+        <a:scrgbClr r="0" g="0" b="0"/>
+      </a:lnRef>
+      <a:fillRef idx="1">
+        <a:scrgbClr r="0" g="0" b="0"/>
+      </a:fillRef>
+      <a:effectRef idx="1">
+        <a:scrgbClr r="0" g="0" b="0"/>
+      </a:effectRef>
+      <a:fontRef idx="minor">
+        <a:schemeClr val="lt1"/>
+      </a:fontRef>
+    </dgm:style>
+  </dgm:styleLbl>
+  <dgm:styleLbl name="sibTrans1D1">
+    <dgm:scene3d>
+      <a:camera prst="orthographicFront"/>
+      <a:lightRig rig="threePt" dir="t"/>
+    </dgm:scene3d>
+    <dgm:sp3d/>
+    <dgm:txPr/>
+    <dgm:style>
+      <a:lnRef idx="1">
+        <a:scrgbClr r="0" g="0" b="0"/>
+      </a:lnRef>
+      <a:fillRef idx="0">
+        <a:scrgbClr r="0" g="0" b="0"/>
+      </a:fillRef>
+      <a:effectRef idx="0">
+        <a:scrgbClr r="0" g="0" b="0"/>
+      </a:effectRef>
+      <a:fontRef idx="minor"/>
+    </dgm:style>
+  </dgm:styleLbl>
+  <dgm:styleLbl name="callout">
+    <dgm:scene3d>
+      <a:camera prst="orthographicFront"/>
+      <a:lightRig rig="threePt" dir="t"/>
+    </dgm:scene3d>
+    <dgm:sp3d/>
+    <dgm:txPr/>
+    <dgm:style>
+      <a:lnRef idx="2">
+        <a:scrgbClr r="0" g="0" b="0"/>
+      </a:lnRef>
+      <a:fillRef idx="1">
+        <a:scrgbClr r="0" g="0" b="0"/>
+      </a:fillRef>
+      <a:effectRef idx="1">
+        <a:scrgbClr r="0" g="0" b="0"/>
+      </a:effectRef>
+      <a:fontRef idx="minor"/>
+    </dgm:style>
+  </dgm:styleLbl>
+  <dgm:styleLbl name="asst0">
+    <dgm:scene3d>
+      <a:camera prst="orthographicFront"/>
+      <a:lightRig rig="threePt" dir="t"/>
+    </dgm:scene3d>
+    <dgm:sp3d/>
+    <dgm:txPr/>
+    <dgm:style>
+      <a:lnRef idx="3">
+        <a:scrgbClr r="0" g="0" b="0"/>
+      </a:lnRef>
+      <a:fillRef idx="1">
+        <a:scrgbClr r="0" g="0" b="0"/>
+      </a:fillRef>
+      <a:effectRef idx="1">
+        <a:scrgbClr r="0" g="0" b="0"/>
+      </a:effectRef>
+      <a:fontRef idx="minor">
+        <a:schemeClr val="lt1"/>
+      </a:fontRef>
+    </dgm:style>
+  </dgm:styleLbl>
+  <dgm:styleLbl name="asst1">
+    <dgm:scene3d>
+      <a:camera prst="orthographicFront"/>
+      <a:lightRig rig="threePt" dir="t"/>
+    </dgm:scene3d>
+    <dgm:sp3d/>
+    <dgm:txPr/>
+    <dgm:style>
+      <a:lnRef idx="3">
+        <a:scrgbClr r="0" g="0" b="0"/>
+      </a:lnRef>
+      <a:fillRef idx="1">
+        <a:scrgbClr r="0" g="0" b="0"/>
+      </a:fillRef>
+      <a:effectRef idx="1">
+        <a:scrgbClr r="0" g="0" b="0"/>
+      </a:effectRef>
+      <a:fontRef idx="minor">
+        <a:schemeClr val="lt1"/>
+      </a:fontRef>
+    </dgm:style>
+  </dgm:styleLbl>
+  <dgm:styleLbl name="asst2">
+    <dgm:scene3d>
+      <a:camera prst="orthographicFront"/>
+      <a:lightRig rig="threePt" dir="t"/>
+    </dgm:scene3d>
+    <dgm:sp3d/>
+    <dgm:txPr/>
+    <dgm:style>
+      <a:lnRef idx="3">
+        <a:scrgbClr r="0" g="0" b="0"/>
+      </a:lnRef>
+      <a:fillRef idx="1">
+        <a:scrgbClr r="0" g="0" b="0"/>
+      </a:fillRef>
+      <a:effectRef idx="1">
+        <a:scrgbClr r="0" g="0" b="0"/>
+      </a:effectRef>
+      <a:fontRef idx="minor">
+        <a:schemeClr val="lt1"/>
+      </a:fontRef>
+    </dgm:style>
+  </dgm:styleLbl>
+  <dgm:styleLbl name="asst3">
+    <dgm:scene3d>
+      <a:camera prst="orthographicFront"/>
+      <a:lightRig rig="threePt" dir="t"/>
+    </dgm:scene3d>
+    <dgm:sp3d/>
+    <dgm:txPr/>
+    <dgm:style>
+      <a:lnRef idx="3">
+        <a:scrgbClr r="0" g="0" b="0"/>
+      </a:lnRef>
+      <a:fillRef idx="1">
+        <a:scrgbClr r="0" g="0" b="0"/>
+      </a:fillRef>
+      <a:effectRef idx="1">
+        <a:scrgbClr r="0" g="0" b="0"/>
+      </a:effectRef>
+      <a:fontRef idx="minor">
+        <a:schemeClr val="lt1"/>
+      </a:fontRef>
+    </dgm:style>
+  </dgm:styleLbl>
+  <dgm:styleLbl name="asst4">
+    <dgm:scene3d>
+      <a:camera prst="orthographicFront"/>
+      <a:lightRig rig="threePt" dir="t"/>
+    </dgm:scene3d>
+    <dgm:sp3d/>
+    <dgm:txPr/>
+    <dgm:style>
+      <a:lnRef idx="3">
+        <a:scrgbClr r="0" g="0" b="0"/>
+      </a:lnRef>
+      <a:fillRef idx="1">
+        <a:scrgbClr r="0" g="0" b="0"/>
+      </a:fillRef>
+      <a:effectRef idx="1">
+        <a:scrgbClr r="0" g="0" b="0"/>
+      </a:effectRef>
+      <a:fontRef idx="minor">
+        <a:schemeClr val="lt1"/>
+      </a:fontRef>
+    </dgm:style>
+  </dgm:styleLbl>
+  <dgm:styleLbl name="parChTrans2D1">
+    <dgm:scene3d>
+      <a:camera prst="orthographicFront"/>
+      <a:lightRig rig="threePt" dir="t"/>
+    </dgm:scene3d>
+    <dgm:sp3d/>
+    <dgm:txPr/>
+    <dgm:style>
+      <a:lnRef idx="3">
+        <a:scrgbClr r="0" g="0" b="0"/>
+      </a:lnRef>
+      <a:fillRef idx="1">
+        <a:scrgbClr r="0" g="0" b="0"/>
+      </a:fillRef>
+      <a:effectRef idx="1">
+        <a:scrgbClr r="0" g="0" b="0"/>
+      </a:effectRef>
+      <a:fontRef idx="minor">
+        <a:schemeClr val="lt1"/>
+      </a:fontRef>
+    </dgm:style>
+  </dgm:styleLbl>
+  <dgm:styleLbl name="parChTrans2D2">
+    <dgm:scene3d>
+      <a:camera prst="orthographicFront"/>
+      <a:lightRig rig="threePt" dir="t"/>
+    </dgm:scene3d>
+    <dgm:sp3d/>
+    <dgm:txPr/>
+    <dgm:style>
+      <a:lnRef idx="3">
+        <a:scrgbClr r="0" g="0" b="0"/>
+      </a:lnRef>
+      <a:fillRef idx="1">
+        <a:scrgbClr r="0" g="0" b="0"/>
+      </a:fillRef>
+      <a:effectRef idx="1">
+        <a:scrgbClr r="0" g="0" b="0"/>
+      </a:effectRef>
+      <a:fontRef idx="minor">
+        <a:schemeClr val="lt1"/>
+      </a:fontRef>
+    </dgm:style>
+  </dgm:styleLbl>
+  <dgm:styleLbl name="parChTrans2D3">
+    <dgm:scene3d>
+      <a:camera prst="orthographicFront"/>
+      <a:lightRig rig="threePt" dir="t"/>
+    </dgm:scene3d>
+    <dgm:sp3d/>
+    <dgm:txPr/>
+    <dgm:style>
+      <a:lnRef idx="3">
+        <a:scrgbClr r="0" g="0" b="0"/>
+      </a:lnRef>
+      <a:fillRef idx="1">
+        <a:scrgbClr r="0" g="0" b="0"/>
+      </a:fillRef>
+      <a:effectRef idx="1">
+        <a:scrgbClr r="0" g="0" b="0"/>
+      </a:effectRef>
+      <a:fontRef idx="minor">
+        <a:schemeClr val="lt1"/>
+      </a:fontRef>
+    </dgm:style>
+  </dgm:styleLbl>
+  <dgm:styleLbl name="parChTrans2D4">
+    <dgm:scene3d>
+      <a:camera prst="orthographicFront"/>
+      <a:lightRig rig="threePt" dir="t"/>
+    </dgm:scene3d>
+    <dgm:sp3d/>
+    <dgm:txPr/>
+    <dgm:style>
+      <a:lnRef idx="3">
+        <a:scrgbClr r="0" g="0" b="0"/>
+      </a:lnRef>
+      <a:fillRef idx="1">
+        <a:scrgbClr r="0" g="0" b="0"/>
+      </a:fillRef>
+      <a:effectRef idx="1">
+        <a:scrgbClr r="0" g="0" b="0"/>
+      </a:effectRef>
+      <a:fontRef idx="minor">
+        <a:schemeClr val="lt1"/>
+      </a:fontRef>
+    </dgm:style>
+  </dgm:styleLbl>
+  <dgm:styleLbl name="parChTrans1D1">
+    <dgm:scene3d>
+      <a:camera prst="orthographicFront"/>
+      <a:lightRig rig="threePt" dir="t"/>
+    </dgm:scene3d>
+    <dgm:sp3d/>
+    <dgm:txPr/>
+    <dgm:style>
+      <a:lnRef idx="2">
+        <a:scrgbClr r="0" g="0" b="0"/>
+      </a:lnRef>
+      <a:fillRef idx="0">
+        <a:scrgbClr r="0" g="0" b="0"/>
+      </a:fillRef>
+      <a:effectRef idx="0">
+        <a:scrgbClr r="0" g="0" b="0"/>
+      </a:effectRef>
+      <a:fontRef idx="minor"/>
+    </dgm:style>
+  </dgm:styleLbl>
+  <dgm:styleLbl name="parChTrans1D2">
+    <dgm:scene3d>
+      <a:camera prst="orthographicFront"/>
+      <a:lightRig rig="threePt" dir="t"/>
+    </dgm:scene3d>
+    <dgm:sp3d/>
+    <dgm:txPr/>
+    <dgm:style>
+      <a:lnRef idx="2">
+        <a:scrgbClr r="0" g="0" b="0"/>
+      </a:lnRef>
+      <a:fillRef idx="0">
+        <a:scrgbClr r="0" g="0" b="0"/>
+      </a:fillRef>
+      <a:effectRef idx="0">
+        <a:scrgbClr r="0" g="0" b="0"/>
+      </a:effectRef>
+      <a:fontRef idx="minor"/>
+    </dgm:style>
+  </dgm:styleLbl>
+  <dgm:styleLbl name="parChTrans1D3">
+    <dgm:scene3d>
+      <a:camera prst="orthographicFront"/>
+      <a:lightRig rig="threePt" dir="t"/>
+    </dgm:scene3d>
+    <dgm:sp3d/>
+    <dgm:txPr/>
+    <dgm:style>
+      <a:lnRef idx="2">
+        <a:scrgbClr r="0" g="0" b="0"/>
+      </a:lnRef>
+      <a:fillRef idx="0">
+        <a:scrgbClr r="0" g="0" b="0"/>
+      </a:fillRef>
+      <a:effectRef idx="0">
+        <a:scrgbClr r="0" g="0" b="0"/>
+      </a:effectRef>
+      <a:fontRef idx="minor"/>
+    </dgm:style>
+  </dgm:styleLbl>
+  <dgm:styleLbl name="parChTrans1D4">
+    <dgm:scene3d>
+      <a:camera prst="orthographicFront"/>
+      <a:lightRig rig="threePt" dir="t"/>
+    </dgm:scene3d>
+    <dgm:sp3d/>
+    <dgm:txPr/>
+    <dgm:style>
+      <a:lnRef idx="2">
+        <a:scrgbClr r="0" g="0" b="0"/>
+      </a:lnRef>
+      <a:fillRef idx="0">
+        <a:scrgbClr r="0" g="0" b="0"/>
+      </a:fillRef>
+      <a:effectRef idx="0">
+        <a:scrgbClr r="0" g="0" b="0"/>
+      </a:effectRef>
+      <a:fontRef idx="minor"/>
+    </dgm:style>
+  </dgm:styleLbl>
+  <dgm:styleLbl name="fgAcc1">
+    <dgm:scene3d>
+      <a:camera prst="orthographicFront"/>
+      <a:lightRig rig="threePt" dir="t"/>
+    </dgm:scene3d>
+    <dgm:sp3d/>
+    <dgm:txPr/>
+    <dgm:style>
+      <a:lnRef idx="2">
+        <a:scrgbClr r="0" g="0" b="0"/>
+      </a:lnRef>
+      <a:fillRef idx="1">
+        <a:scrgbClr r="0" g="0" b="0"/>
+      </a:fillRef>
+      <a:effectRef idx="0">
+        <a:scrgbClr r="0" g="0" b="0"/>
+      </a:effectRef>
+      <a:fontRef idx="minor"/>
+    </dgm:style>
+  </dgm:styleLbl>
+  <dgm:styleLbl name="conFgAcc1">
+    <dgm:scene3d>
+      <a:camera prst="orthographicFront"/>
+      <a:lightRig rig="threePt" dir="t"/>
+    </dgm:scene3d>
+    <dgm:sp3d/>
+    <dgm:txPr/>
+    <dgm:style>
+      <a:lnRef idx="2">
+        <a:scrgbClr r="0" g="0" b="0"/>
+      </a:lnRef>
+      <a:fillRef idx="1">
+        <a:scrgbClr r="0" g="0" b="0"/>
+      </a:fillRef>
+      <a:effectRef idx="0">
+        <a:scrgbClr r="0" g="0" b="0"/>
+      </a:effectRef>
+      <a:fontRef idx="minor"/>
+    </dgm:style>
+  </dgm:styleLbl>
+  <dgm:styleLbl name="alignAcc1">
+    <dgm:scene3d>
+      <a:camera prst="orthographicFront"/>
+      <a:lightRig rig="threePt" dir="t"/>
+    </dgm:scene3d>
+    <dgm:sp3d/>
+    <dgm:txPr/>
+    <dgm:style>
+      <a:lnRef idx="2">
+        <a:scrgbClr r="0" g="0" b="0"/>
+      </a:lnRef>
+      <a:fillRef idx="1">
+        <a:scrgbClr r="0" g="0" b="0"/>
+      </a:fillRef>
+      <a:effectRef idx="0">
+        <a:scrgbClr r="0" g="0" b="0"/>
+      </a:effectRef>
+      <a:fontRef idx="minor"/>
+    </dgm:style>
+  </dgm:styleLbl>
+  <dgm:styleLbl name="trAlignAcc1">
+    <dgm:scene3d>
+      <a:camera prst="orthographicFront"/>
+      <a:lightRig rig="threePt" dir="t"/>
+    </dgm:scene3d>
+    <dgm:sp3d/>
+    <dgm:txPr/>
+    <dgm:style>
+      <a:lnRef idx="1">
+        <a:scrgbClr r="0" g="0" b="0"/>
+      </a:lnRef>
+      <a:fillRef idx="1">
+        <a:scrgbClr r="0" g="0" b="0"/>
+      </a:fillRef>
+      <a:effectRef idx="0">
+        <a:scrgbClr r="0" g="0" b="0"/>
+      </a:effectRef>
+      <a:fontRef idx="minor"/>
+    </dgm:style>
+  </dgm:styleLbl>
+  <dgm:styleLbl name="bgAcc1">
+    <dgm:scene3d>
+      <a:camera prst="orthographicFront"/>
+      <a:lightRig rig="threePt" dir="t"/>
+    </dgm:scene3d>
+    <dgm:sp3d/>
+    <dgm:txPr/>
+    <dgm:style>
+      <a:lnRef idx="2">
+        <a:scrgbClr r="0" g="0" b="0"/>
+      </a:lnRef>
+      <a:fillRef idx="1">
+        <a:scrgbClr r="0" g="0" b="0"/>
+      </a:fillRef>
+      <a:effectRef idx="0">
+        <a:scrgbClr r="0" g="0" b="0"/>
+      </a:effectRef>
+      <a:fontRef idx="minor"/>
+    </dgm:style>
+  </dgm:styleLbl>
+  <dgm:styleLbl name="solidFgAcc1">
+    <dgm:scene3d>
+      <a:camera prst="orthographicFront"/>
+      <a:lightRig rig="threePt" dir="t"/>
+    </dgm:scene3d>
+    <dgm:sp3d/>
+    <dgm:txPr/>
+    <dgm:style>
+      <a:lnRef idx="2">
+        <a:scrgbClr r="0" g="0" b="0"/>
+      </a:lnRef>
+      <a:fillRef idx="1">
+        <a:scrgbClr r="0" g="0" b="0"/>
+      </a:fillRef>
+      <a:effectRef idx="0">
+        <a:scrgbClr r="0" g="0" b="0"/>
+      </a:effectRef>
+      <a:fontRef idx="minor"/>
+    </dgm:style>
+  </dgm:styleLbl>
+  <dgm:styleLbl name="solidAlignAcc1">
+    <dgm:scene3d>
+      <a:camera prst="orthographicFront"/>
+      <a:lightRig rig="threePt" dir="t"/>
+    </dgm:scene3d>
+    <dgm:sp3d/>
+    <dgm:txPr/>
+    <dgm:style>
+      <a:lnRef idx="2">
+        <a:scrgbClr r="0" g="0" b="0"/>
+      </a:lnRef>
+      <a:fillRef idx="1">
+        <a:scrgbClr r="0" g="0" b="0"/>
+      </a:fillRef>
+      <a:effectRef idx="0">
+        <a:scrgbClr r="0" g="0" b="0"/>
+      </a:effectRef>
+      <a:fontRef idx="minor"/>
+    </dgm:style>
+  </dgm:styleLbl>
+  <dgm:styleLbl name="solidBgAcc1">
+    <dgm:scene3d>
+      <a:camera prst="orthographicFront"/>
+      <a:lightRig rig="threePt" dir="t"/>
+    </dgm:scene3d>
+    <dgm:sp3d/>
+    <dgm:txPr/>
+    <dgm:style>
+      <a:lnRef idx="2">
+        <a:scrgbClr r="0" g="0" b="0"/>
+      </a:lnRef>
+      <a:fillRef idx="1">
+        <a:scrgbClr r="0" g="0" b="0"/>
+      </a:fillRef>
+      <a:effectRef idx="0">
+        <a:scrgbClr r="0" g="0" b="0"/>
+      </a:effectRef>
+      <a:fontRef idx="minor"/>
+    </dgm:style>
+  </dgm:styleLbl>
+  <dgm:styleLbl name="fgAccFollowNode1">
+    <dgm:scene3d>
+      <a:camera prst="orthographicFront"/>
+      <a:lightRig rig="threePt" dir="t"/>
+    </dgm:scene3d>
+    <dgm:sp3d/>
+    <dgm:txPr/>
+    <dgm:style>
+      <a:lnRef idx="2">
+        <a:scrgbClr r="0" g="0" b="0"/>
+      </a:lnRef>
+      <a:fillRef idx="1">
+        <a:scrgbClr r="0" g="0" b="0"/>
+      </a:fillRef>
+      <a:effectRef idx="0">
+        <a:scrgbClr r="0" g="0" b="0"/>
+      </a:effectRef>
+      <a:fontRef idx="minor"/>
+    </dgm:style>
+  </dgm:styleLbl>
+  <dgm:styleLbl name="alignAccFollowNode1">
+    <dgm:scene3d>
+      <a:camera prst="orthographicFront"/>
+      <a:lightRig rig="threePt" dir="t"/>
+    </dgm:scene3d>
+    <dgm:sp3d/>
+    <dgm:txPr/>
+    <dgm:style>
+      <a:lnRef idx="2">
+        <a:scrgbClr r="0" g="0" b="0"/>
+      </a:lnRef>
+      <a:fillRef idx="1">
+        <a:scrgbClr r="0" g="0" b="0"/>
+      </a:fillRef>
+      <a:effectRef idx="0">
+        <a:scrgbClr r="0" g="0" b="0"/>
+      </a:effectRef>
+      <a:fontRef idx="minor"/>
+    </dgm:style>
+  </dgm:styleLbl>
+  <dgm:styleLbl name="bgAccFollowNode1">
+    <dgm:scene3d>
+      <a:camera prst="orthographicFront"/>
+      <a:lightRig rig="threePt" dir="t"/>
+    </dgm:scene3d>
+    <dgm:sp3d/>
+    <dgm:txPr/>
+    <dgm:style>
+      <a:lnRef idx="2">
+        <a:scrgbClr r="0" g="0" b="0"/>
+      </a:lnRef>
+      <a:fillRef idx="1">
+        <a:scrgbClr r="0" g="0" b="0"/>
+      </a:fillRef>
+      <a:effectRef idx="0">
+        <a:scrgbClr r="0" g="0" b="0"/>
+      </a:effectRef>
+      <a:fontRef idx="minor"/>
+    </dgm:style>
+  </dgm:styleLbl>
+  <dgm:styleLbl name="fgAcc0">
+    <dgm:scene3d>
+      <a:camera prst="orthographicFront"/>
+      <a:lightRig rig="threePt" dir="t"/>
+    </dgm:scene3d>
+    <dgm:sp3d/>
+    <dgm:txPr/>
+    <dgm:style>
+      <a:lnRef idx="2">
+        <a:scrgbClr r="0" g="0" b="0"/>
+      </a:lnRef>
+      <a:fillRef idx="1">
+        <a:scrgbClr r="0" g="0" b="0"/>
+      </a:fillRef>
+      <a:effectRef idx="0">
+        <a:scrgbClr r="0" g="0" b="0"/>
+      </a:effectRef>
+      <a:fontRef idx="minor"/>
+    </dgm:style>
+  </dgm:styleLbl>
+  <dgm:styleLbl name="fgAcc2">
+    <dgm:scene3d>
+      <a:camera prst="orthographicFront"/>
+      <a:lightRig rig="threePt" dir="t"/>
+    </dgm:scene3d>
+    <dgm:sp3d/>
+    <dgm:txPr/>
+    <dgm:style>
+      <a:lnRef idx="2">
+        <a:scrgbClr r="0" g="0" b="0"/>
+      </a:lnRef>
+      <a:fillRef idx="1">
+        <a:scrgbClr r="0" g="0" b="0"/>
+      </a:fillRef>
+      <a:effectRef idx="0">
+        <a:scrgbClr r="0" g="0" b="0"/>
+      </a:effectRef>
+      <a:fontRef idx="minor"/>
+    </dgm:style>
+  </dgm:styleLbl>
+  <dgm:styleLbl name="fgAcc3">
+    <dgm:scene3d>
+      <a:camera prst="orthographicFront"/>
+      <a:lightRig rig="threePt" dir="t"/>
+    </dgm:scene3d>
+    <dgm:sp3d/>
+    <dgm:txPr/>
+    <dgm:style>
+      <a:lnRef idx="2">
+        <a:scrgbClr r="0" g="0" b="0"/>
+      </a:lnRef>
+      <a:fillRef idx="1">
+        <a:scrgbClr r="0" g="0" b="0"/>
+      </a:fillRef>
+      <a:effectRef idx="0">
+        <a:scrgbClr r="0" g="0" b="0"/>
+      </a:effectRef>
+      <a:fontRef idx="minor"/>
+    </dgm:style>
+  </dgm:styleLbl>
+  <dgm:styleLbl name="fgAcc4">
+    <dgm:scene3d>
+      <a:camera prst="orthographicFront"/>
+      <a:lightRig rig="threePt" dir="t"/>
+    </dgm:scene3d>
+    <dgm:sp3d/>
+    <dgm:txPr/>
+    <dgm:style>
+      <a:lnRef idx="2">
+        <a:scrgbClr r="0" g="0" b="0"/>
+      </a:lnRef>
+      <a:fillRef idx="1">
+        <a:scrgbClr r="0" g="0" b="0"/>
+      </a:fillRef>
+      <a:effectRef idx="0">
+        <a:scrgbClr r="0" g="0" b="0"/>
+      </a:effectRef>
+      <a:fontRef idx="minor"/>
+    </dgm:style>
+  </dgm:styleLbl>
+  <dgm:styleLbl name="bgShp">
+    <dgm:scene3d>
+      <a:camera prst="orthographicFront"/>
+      <a:lightRig rig="threePt" dir="t"/>
+    </dgm:scene3d>
+    <dgm:sp3d/>
+    <dgm:txPr/>
+    <dgm:style>
+      <a:lnRef idx="0">
+        <a:scrgbClr r="0" g="0" b="0"/>
+      </a:lnRef>
+      <a:fillRef idx="1">
+        <a:scrgbClr r="0" g="0" b="0"/>
+      </a:fillRef>
+      <a:effectRef idx="0">
+        <a:scrgbClr r="0" g="0" b="0"/>
+      </a:effectRef>
+      <a:fontRef idx="minor"/>
+    </dgm:style>
+  </dgm:styleLbl>
+  <dgm:styleLbl name="dkBgShp">
+    <dgm:scene3d>
+      <a:camera prst="orthographicFront"/>
+      <a:lightRig rig="threePt" dir="t"/>
+    </dgm:scene3d>
+    <dgm:sp3d/>
+    <dgm:txPr/>
+    <dgm:style>
+      <a:lnRef idx="0">
+        <a:scrgbClr r="0" g="0" b="0"/>
+      </a:lnRef>
+      <a:fillRef idx="1">
+        <a:scrgbClr r="0" g="0" b="0"/>
+      </a:fillRef>
+      <a:effectRef idx="0">
+        <a:scrgbClr r="0" g="0" b="0"/>
+      </a:effectRef>
+      <a:fontRef idx="minor"/>
+    </dgm:style>
+  </dgm:styleLbl>
+  <dgm:styleLbl name="trBgShp">
+    <dgm:scene3d>
+      <a:camera prst="orthographicFront"/>
+      <a:lightRig rig="threePt" dir="t"/>
+    </dgm:scene3d>
+    <dgm:sp3d/>
+    <dgm:txPr/>
+    <dgm:style>
+      <a:lnRef idx="0">
+        <a:scrgbClr r="0" g="0" b="0"/>
+      </a:lnRef>
+      <a:fillRef idx="1">
+        <a:scrgbClr r="0" g="0" b="0"/>
+      </a:fillRef>
+      <a:effectRef idx="0">
+        <a:scrgbClr r="0" g="0" b="0"/>
+      </a:effectRef>
+      <a:fontRef idx="minor"/>
+    </dgm:style>
+  </dgm:styleLbl>
+  <dgm:styleLbl name="fgShp">
+    <dgm:scene3d>
+      <a:camera prst="orthographicFront"/>
+      <a:lightRig rig="threePt" dir="t"/>
+    </dgm:scene3d>
+    <dgm:sp3d/>
+    <dgm:txPr/>
+    <dgm:style>
+      <a:lnRef idx="3">
+        <a:scrgbClr r="0" g="0" b="0"/>
+      </a:lnRef>
+      <a:fillRef idx="1">
+        <a:scrgbClr r="0" g="0" b="0"/>
+      </a:fillRef>
+      <a:effectRef idx="1">
+        <a:scrgbClr r="0" g="0" b="0"/>
+      </a:effectRef>
+      <a:fontRef idx="minor"/>
+    </dgm:style>
+  </dgm:styleLbl>
+  <dgm:styleLbl name="revTx">
+    <dgm:scene3d>
+      <a:camera prst="orthographicFront"/>
+      <a:lightRig rig="threePt" dir="t"/>
+    </dgm:scene3d>
+    <dgm:sp3d/>
+    <dgm:txPr/>
+    <dgm:style>
+      <a:lnRef idx="0">
+        <a:scrgbClr r="0" g="0" b="0"/>
+      </a:lnRef>
+      <a:fillRef idx="0">
+        <a:scrgbClr r="0" g="0" b="0"/>
+      </a:fillRef>
+      <a:effectRef idx="0">
+        <a:scrgbClr r="0" g="0" b="0"/>
+      </a:effectRef>
+      <a:fontRef idx="minor"/>
+    </dgm:style>
+  </dgm:styleLbl>
+</dgm:styleDef>
 </file>
 
 <file path=ppt/notesMasters/notesMaster1.xml><?xml version="1.0" encoding="utf-8"?>
@@ -579,6 +6884,274 @@
     <p:extLst>
       <p:ext uri="{BB962C8B-B14F-4D97-AF65-F5344CB8AC3E}">
         <p14:creationId xmlns:p14="http://schemas.microsoft.com/office/powerpoint/2010/main" val="2754176817"/>
+      </p:ext>
+    </p:extLst>
+  </p:cSld>
+  <p:clrMapOvr>
+    <a:masterClrMapping/>
+  </p:clrMapOvr>
+</p:notes>
+</file>
+
+<file path=ppt/notesSlides/notesSlide2.xml><?xml version="1.0" encoding="utf-8"?>
+<p:notes xmlns:a="http://schemas.openxmlformats.org/drawingml/2006/main" xmlns:r="http://schemas.openxmlformats.org/officeDocument/2006/relationships" xmlns:p="http://schemas.openxmlformats.org/presentationml/2006/main">
+  <p:cSld>
+    <p:spTree>
+      <p:nvGrpSpPr>
+        <p:cNvPr id="1" name=""/>
+        <p:cNvGrpSpPr/>
+        <p:nvPr/>
+      </p:nvGrpSpPr>
+      <p:grpSpPr>
+        <a:xfrm>
+          <a:off x="0" y="0"/>
+          <a:ext cx="0" cy="0"/>
+          <a:chOff x="0" y="0"/>
+          <a:chExt cx="0" cy="0"/>
+        </a:xfrm>
+      </p:grpSpPr>
+      <p:sp>
+        <p:nvSpPr>
+          <p:cNvPr id="2" name="Slide Image Placeholder 1"/>
+          <p:cNvSpPr>
+            <a:spLocks noGrp="1" noRot="1" noChangeAspect="1"/>
+          </p:cNvSpPr>
+          <p:nvPr>
+            <p:ph type="sldImg"/>
+          </p:nvPr>
+        </p:nvSpPr>
+        <p:spPr/>
+      </p:sp>
+      <p:sp>
+        <p:nvSpPr>
+          <p:cNvPr id="3" name="Notes Placeholder 2"/>
+          <p:cNvSpPr>
+            <a:spLocks noGrp="1"/>
+          </p:cNvSpPr>
+          <p:nvPr>
+            <p:ph type="body" idx="1"/>
+          </p:nvPr>
+        </p:nvSpPr>
+        <p:spPr/>
+        <p:txBody>
+          <a:bodyPr/>
+          <a:lstStyle/>
+          <a:p>
+            <a:endParaRPr lang="en-US" dirty="0"/>
+          </a:p>
+        </p:txBody>
+      </p:sp>
+      <p:sp>
+        <p:nvSpPr>
+          <p:cNvPr id="4" name="Slide Number Placeholder 3"/>
+          <p:cNvSpPr>
+            <a:spLocks noGrp="1"/>
+          </p:cNvSpPr>
+          <p:nvPr>
+            <p:ph type="sldNum" sz="quarter" idx="10"/>
+          </p:nvPr>
+        </p:nvSpPr>
+        <p:spPr/>
+        <p:txBody>
+          <a:bodyPr/>
+          <a:lstStyle/>
+          <a:p>
+            <a:fld id="{E19E8DFC-DE97-490B-8572-C8B1A4CD170F}" type="slidenum">
+              <a:rPr lang="en-US" smtClean="0"/>
+              <a:t>2</a:t>
+            </a:fld>
+            <a:endParaRPr lang="en-US"/>
+          </a:p>
+        </p:txBody>
+      </p:sp>
+    </p:spTree>
+    <p:extLst>
+      <p:ext uri="{BB962C8B-B14F-4D97-AF65-F5344CB8AC3E}">
+        <p14:creationId xmlns:p14="http://schemas.microsoft.com/office/powerpoint/2010/main" val="123693612"/>
+      </p:ext>
+    </p:extLst>
+  </p:cSld>
+  <p:clrMapOvr>
+    <a:masterClrMapping/>
+  </p:clrMapOvr>
+</p:notes>
+</file>
+
+<file path=ppt/notesSlides/notesSlide3.xml><?xml version="1.0" encoding="utf-8"?>
+<p:notes xmlns:a="http://schemas.openxmlformats.org/drawingml/2006/main" xmlns:r="http://schemas.openxmlformats.org/officeDocument/2006/relationships" xmlns:p="http://schemas.openxmlformats.org/presentationml/2006/main">
+  <p:cSld>
+    <p:spTree>
+      <p:nvGrpSpPr>
+        <p:cNvPr id="1" name=""/>
+        <p:cNvGrpSpPr/>
+        <p:nvPr/>
+      </p:nvGrpSpPr>
+      <p:grpSpPr>
+        <a:xfrm>
+          <a:off x="0" y="0"/>
+          <a:ext cx="0" cy="0"/>
+          <a:chOff x="0" y="0"/>
+          <a:chExt cx="0" cy="0"/>
+        </a:xfrm>
+      </p:grpSpPr>
+      <p:sp>
+        <p:nvSpPr>
+          <p:cNvPr id="2" name="Slide Image Placeholder 1"/>
+          <p:cNvSpPr>
+            <a:spLocks noGrp="1" noRot="1" noChangeAspect="1"/>
+          </p:cNvSpPr>
+          <p:nvPr>
+            <p:ph type="sldImg"/>
+          </p:nvPr>
+        </p:nvSpPr>
+        <p:spPr/>
+      </p:sp>
+      <p:sp>
+        <p:nvSpPr>
+          <p:cNvPr id="3" name="Notes Placeholder 2"/>
+          <p:cNvSpPr>
+            <a:spLocks noGrp="1"/>
+          </p:cNvSpPr>
+          <p:nvPr>
+            <p:ph type="body" idx="1"/>
+          </p:nvPr>
+        </p:nvSpPr>
+        <p:spPr/>
+        <p:txBody>
+          <a:bodyPr/>
+          <a:lstStyle/>
+          <a:p>
+            <a:r>
+              <a:rPr lang="en-US" dirty="0" smtClean="0"/>
+              <a:t>This is a very</a:t>
+            </a:r>
+            <a:r>
+              <a:rPr lang="en-US" baseline="0" dirty="0" smtClean="0"/>
+              <a:t>, very abstract view of a CPU and a GPU. </a:t>
+            </a:r>
+            <a:endParaRPr lang="en-US" dirty="0"/>
+          </a:p>
+        </p:txBody>
+      </p:sp>
+      <p:sp>
+        <p:nvSpPr>
+          <p:cNvPr id="4" name="Slide Number Placeholder 3"/>
+          <p:cNvSpPr>
+            <a:spLocks noGrp="1"/>
+          </p:cNvSpPr>
+          <p:nvPr>
+            <p:ph type="sldNum" sz="quarter" idx="10"/>
+          </p:nvPr>
+        </p:nvSpPr>
+        <p:spPr/>
+        <p:txBody>
+          <a:bodyPr/>
+          <a:lstStyle/>
+          <a:p>
+            <a:fld id="{E19E8DFC-DE97-490B-8572-C8B1A4CD170F}" type="slidenum">
+              <a:rPr lang="en-US" smtClean="0"/>
+              <a:t>4</a:t>
+            </a:fld>
+            <a:endParaRPr lang="en-US"/>
+          </a:p>
+        </p:txBody>
+      </p:sp>
+    </p:spTree>
+    <p:extLst>
+      <p:ext uri="{BB962C8B-B14F-4D97-AF65-F5344CB8AC3E}">
+        <p14:creationId xmlns:p14="http://schemas.microsoft.com/office/powerpoint/2010/main" val="829777646"/>
+      </p:ext>
+    </p:extLst>
+  </p:cSld>
+  <p:clrMapOvr>
+    <a:masterClrMapping/>
+  </p:clrMapOvr>
+</p:notes>
+</file>
+
+<file path=ppt/notesSlides/notesSlide4.xml><?xml version="1.0" encoding="utf-8"?>
+<p:notes xmlns:a="http://schemas.openxmlformats.org/drawingml/2006/main" xmlns:r="http://schemas.openxmlformats.org/officeDocument/2006/relationships" xmlns:p="http://schemas.openxmlformats.org/presentationml/2006/main">
+  <p:cSld>
+    <p:spTree>
+      <p:nvGrpSpPr>
+        <p:cNvPr id="1" name=""/>
+        <p:cNvGrpSpPr/>
+        <p:nvPr/>
+      </p:nvGrpSpPr>
+      <p:grpSpPr>
+        <a:xfrm>
+          <a:off x="0" y="0"/>
+          <a:ext cx="0" cy="0"/>
+          <a:chOff x="0" y="0"/>
+          <a:chExt cx="0" cy="0"/>
+        </a:xfrm>
+      </p:grpSpPr>
+      <p:sp>
+        <p:nvSpPr>
+          <p:cNvPr id="2" name="Slide Image Placeholder 1"/>
+          <p:cNvSpPr>
+            <a:spLocks noGrp="1" noRot="1" noChangeAspect="1"/>
+          </p:cNvSpPr>
+          <p:nvPr>
+            <p:ph type="sldImg"/>
+          </p:nvPr>
+        </p:nvSpPr>
+        <p:spPr/>
+      </p:sp>
+      <p:sp>
+        <p:nvSpPr>
+          <p:cNvPr id="3" name="Notes Placeholder 2"/>
+          <p:cNvSpPr>
+            <a:spLocks noGrp="1"/>
+          </p:cNvSpPr>
+          <p:nvPr>
+            <p:ph type="body" idx="1"/>
+          </p:nvPr>
+        </p:nvSpPr>
+        <p:spPr/>
+        <p:txBody>
+          <a:bodyPr/>
+          <a:lstStyle/>
+          <a:p>
+            <a:r>
+              <a:rPr lang="en-US" dirty="0" smtClean="0"/>
+              <a:t>The</a:t>
+            </a:r>
+            <a:r>
+              <a:rPr lang="en-US" baseline="0" dirty="0" smtClean="0"/>
+              <a:t> major focus of my bachelor thesis will be the implementation and benchmark of several standard algorithms. These include algorithms for sorting, scanning and matrix multiplication. I have chosen this algorithms because they often form fundamental blocks for various applications. </a:t>
+            </a:r>
+            <a:endParaRPr lang="en-US" dirty="0"/>
+          </a:p>
+        </p:txBody>
+      </p:sp>
+      <p:sp>
+        <p:nvSpPr>
+          <p:cNvPr id="4" name="Slide Number Placeholder 3"/>
+          <p:cNvSpPr>
+            <a:spLocks noGrp="1"/>
+          </p:cNvSpPr>
+          <p:nvPr>
+            <p:ph type="sldNum" sz="quarter" idx="10"/>
+          </p:nvPr>
+        </p:nvSpPr>
+        <p:spPr/>
+        <p:txBody>
+          <a:bodyPr/>
+          <a:lstStyle/>
+          <a:p>
+            <a:fld id="{E19E8DFC-DE97-490B-8572-C8B1A4CD170F}" type="slidenum">
+              <a:rPr lang="en-US" smtClean="0"/>
+              <a:t>5</a:t>
+            </a:fld>
+            <a:endParaRPr lang="en-US"/>
+          </a:p>
+        </p:txBody>
+      </p:sp>
+    </p:spTree>
+    <p:extLst>
+      <p:ext uri="{BB962C8B-B14F-4D97-AF65-F5344CB8AC3E}">
+        <p14:creationId xmlns:p14="http://schemas.microsoft.com/office/powerpoint/2010/main" val="3393549385"/>
       </p:ext>
     </p:extLst>
   </p:cSld>
@@ -3726,21 +10299,21 @@
           <a:prstGeom prst="rect">
             <a:avLst/>
           </a:prstGeom>
-          <a:solidFill>
-            <a:schemeClr val="accent1">
-              <a:lumMod val="60000"/>
-              <a:lumOff val="40000"/>
-            </a:schemeClr>
-          </a:solidFill>
-          <a:effectLst/>
-          <a:scene3d>
-            <a:camera prst="orthographicFront"/>
-            <a:lightRig rig="threePt" dir="t"/>
-          </a:scene3d>
-          <a:sp3d>
-            <a:bevelT h="50800"/>
-          </a:sp3d>
         </p:spPr>
+        <p:style>
+          <a:lnRef idx="3">
+            <a:schemeClr val="lt1"/>
+          </a:lnRef>
+          <a:fillRef idx="1">
+            <a:schemeClr val="accent1"/>
+          </a:fillRef>
+          <a:effectRef idx="1">
+            <a:schemeClr val="accent1"/>
+          </a:effectRef>
+          <a:fontRef idx="minor">
+            <a:schemeClr val="lt1"/>
+          </a:fontRef>
+        </p:style>
         <p:txBody>
           <a:bodyPr wrap="square" rtlCol="0">
             <a:spAutoFit/>
@@ -3770,21 +10343,21 @@
           <a:prstGeom prst="rect">
             <a:avLst/>
           </a:prstGeom>
-          <a:solidFill>
-            <a:schemeClr val="accent3">
-              <a:lumMod val="60000"/>
-              <a:lumOff val="40000"/>
-            </a:schemeClr>
-          </a:solidFill>
-          <a:effectLst/>
-          <a:scene3d>
-            <a:camera prst="orthographicFront"/>
-            <a:lightRig rig="threePt" dir="t"/>
-          </a:scene3d>
-          <a:sp3d>
-            <a:bevelT/>
-          </a:sp3d>
         </p:spPr>
+        <p:style>
+          <a:lnRef idx="3">
+            <a:schemeClr val="lt1"/>
+          </a:lnRef>
+          <a:fillRef idx="1">
+            <a:schemeClr val="accent3"/>
+          </a:fillRef>
+          <a:effectRef idx="1">
+            <a:schemeClr val="accent3"/>
+          </a:effectRef>
+          <a:fontRef idx="minor">
+            <a:schemeClr val="lt1"/>
+          </a:fontRef>
+        </p:style>
         <p:txBody>
           <a:bodyPr wrap="square" rtlCol="0">
             <a:spAutoFit/>
@@ -3814,21 +10387,21 @@
           <a:prstGeom prst="rect">
             <a:avLst/>
           </a:prstGeom>
-          <a:solidFill>
-            <a:schemeClr val="accent1">
-              <a:lumMod val="60000"/>
-              <a:lumOff val="40000"/>
-            </a:schemeClr>
-          </a:solidFill>
-          <a:effectLst/>
-          <a:scene3d>
-            <a:camera prst="orthographicFront"/>
-            <a:lightRig rig="threePt" dir="t"/>
-          </a:scene3d>
-          <a:sp3d>
-            <a:bevelT h="50800"/>
-          </a:sp3d>
         </p:spPr>
+        <p:style>
+          <a:lnRef idx="3">
+            <a:schemeClr val="lt1"/>
+          </a:lnRef>
+          <a:fillRef idx="1">
+            <a:schemeClr val="accent1"/>
+          </a:fillRef>
+          <a:effectRef idx="1">
+            <a:schemeClr val="accent1"/>
+          </a:effectRef>
+          <a:fontRef idx="minor">
+            <a:schemeClr val="lt1"/>
+          </a:fontRef>
+        </p:style>
         <p:txBody>
           <a:bodyPr wrap="square" rtlCol="0">
             <a:spAutoFit/>
@@ -3863,21 +10436,21 @@
           <a:prstGeom prst="rect">
             <a:avLst/>
           </a:prstGeom>
-          <a:solidFill>
-            <a:schemeClr val="accent3">
-              <a:lumMod val="60000"/>
-              <a:lumOff val="40000"/>
-            </a:schemeClr>
-          </a:solidFill>
-          <a:effectLst/>
-          <a:scene3d>
-            <a:camera prst="orthographicFront"/>
-            <a:lightRig rig="threePt" dir="t"/>
-          </a:scene3d>
-          <a:sp3d>
-            <a:bevelT h="50800"/>
-          </a:sp3d>
         </p:spPr>
+        <p:style>
+          <a:lnRef idx="3">
+            <a:schemeClr val="lt1"/>
+          </a:lnRef>
+          <a:fillRef idx="1">
+            <a:schemeClr val="accent3"/>
+          </a:fillRef>
+          <a:effectRef idx="1">
+            <a:schemeClr val="accent3"/>
+          </a:effectRef>
+          <a:fontRef idx="minor">
+            <a:schemeClr val="lt1"/>
+          </a:fontRef>
+        </p:style>
         <p:txBody>
           <a:bodyPr wrap="square" rtlCol="0">
             <a:spAutoFit/>
@@ -4065,20 +10638,21 @@
           <a:prstGeom prst="rect">
             <a:avLst/>
           </a:prstGeom>
-          <a:solidFill>
-            <a:schemeClr val="accent3">
-              <a:lumMod val="60000"/>
-              <a:lumOff val="40000"/>
-            </a:schemeClr>
-          </a:solidFill>
-          <a:scene3d>
-            <a:camera prst="orthographicFront"/>
-            <a:lightRig rig="threePt" dir="t"/>
-          </a:scene3d>
-          <a:sp3d>
-            <a:bevelT/>
-          </a:sp3d>
         </p:spPr>
+        <p:style>
+          <a:lnRef idx="3">
+            <a:schemeClr val="lt1"/>
+          </a:lnRef>
+          <a:fillRef idx="1">
+            <a:schemeClr val="accent3"/>
+          </a:fillRef>
+          <a:effectRef idx="1">
+            <a:schemeClr val="accent3"/>
+          </a:effectRef>
+          <a:fontRef idx="minor">
+            <a:schemeClr val="lt1"/>
+          </a:fontRef>
+        </p:style>
         <p:txBody>
           <a:bodyPr wrap="square" rtlCol="0">
             <a:spAutoFit/>
@@ -4108,20 +10682,21 @@
           <a:prstGeom prst="rect">
             <a:avLst/>
           </a:prstGeom>
-          <a:solidFill>
-            <a:schemeClr val="accent4">
-              <a:lumMod val="60000"/>
-              <a:lumOff val="40000"/>
-            </a:schemeClr>
-          </a:solidFill>
-          <a:scene3d>
-            <a:camera prst="orthographicFront"/>
-            <a:lightRig rig="threePt" dir="t"/>
-          </a:scene3d>
-          <a:sp3d>
-            <a:bevelT/>
-          </a:sp3d>
         </p:spPr>
+        <p:style>
+          <a:lnRef idx="3">
+            <a:schemeClr val="lt1"/>
+          </a:lnRef>
+          <a:fillRef idx="1">
+            <a:schemeClr val="accent4"/>
+          </a:fillRef>
+          <a:effectRef idx="1">
+            <a:schemeClr val="accent4"/>
+          </a:effectRef>
+          <a:fontRef idx="minor">
+            <a:schemeClr val="lt1"/>
+          </a:fontRef>
+        </p:style>
         <p:txBody>
           <a:bodyPr wrap="square" rtlCol="0">
             <a:spAutoFit/>
@@ -4149,7 +10724,7 @@
           <p:nvPr/>
         </p:nvPicPr>
         <p:blipFill>
-          <a:blip r:embed="rId2" cstate="print">
+          <a:blip r:embed="rId3" cstate="print">
             <a:extLst>
               <a:ext uri="{28A0092B-C50C-407E-A947-70E740481C1C}">
                 <a14:useLocalDpi xmlns:a14="http://schemas.microsoft.com/office/drawing/2010/main" val="0"/>
@@ -4219,7 +10794,7 @@
           <p:nvPr/>
         </p:nvPicPr>
         <p:blipFill>
-          <a:blip r:embed="rId3" cstate="print">
+          <a:blip r:embed="rId4" cstate="print">
             <a:extLst>
               <a:ext uri="{28A0092B-C50C-407E-A947-70E740481C1C}">
                 <a14:useLocalDpi xmlns:a14="http://schemas.microsoft.com/office/drawing/2010/main" val="0"/>
@@ -4343,7 +10918,7 @@
           <p:nvPr/>
         </p:nvPicPr>
         <p:blipFill rotWithShape="1">
-          <a:blip r:embed="rId4">
+          <a:blip r:embed="rId5">
             <a:extLst>
               <a:ext uri="{28A0092B-C50C-407E-A947-70E740481C1C}">
                 <a14:useLocalDpi xmlns:a14="http://schemas.microsoft.com/office/drawing/2010/main" val="0"/>
@@ -4411,7 +10986,7 @@
           <p:nvPr/>
         </p:nvPicPr>
         <p:blipFill rotWithShape="1">
-          <a:blip r:embed="rId5">
+          <a:blip r:embed="rId6">
             <a:extLst>
               <a:ext uri="{28A0092B-C50C-407E-A947-70E740481C1C}">
                 <a14:useLocalDpi xmlns:a14="http://schemas.microsoft.com/office/drawing/2010/main" val="0"/>
@@ -4479,7 +11054,7 @@
           <p:nvPr/>
         </p:nvPicPr>
         <p:blipFill>
-          <a:blip r:embed="rId6" cstate="print">
+          <a:blip r:embed="rId7" cstate="print">
             <a:extLst>
               <a:ext uri="{28A0092B-C50C-407E-A947-70E740481C1C}">
                 <a14:useLocalDpi xmlns:a14="http://schemas.microsoft.com/office/drawing/2010/main" val="0"/>
@@ -4520,7 +11095,7 @@
           <p:nvPr/>
         </p:nvPicPr>
         <p:blipFill>
-          <a:blip r:embed="rId7" cstate="print">
+          <a:blip r:embed="rId8" cstate="print">
             <a:extLst>
               <a:ext uri="{28A0092B-C50C-407E-A947-70E740481C1C}">
                 <a14:useLocalDpi xmlns:a14="http://schemas.microsoft.com/office/drawing/2010/main" val="0"/>
@@ -4566,20 +11141,21 @@
           <a:prstGeom prst="rect">
             <a:avLst/>
           </a:prstGeom>
-          <a:solidFill>
-            <a:schemeClr val="accent2">
-              <a:lumMod val="60000"/>
-              <a:lumOff val="40000"/>
-            </a:schemeClr>
-          </a:solidFill>
-          <a:scene3d>
-            <a:camera prst="orthographicFront"/>
-            <a:lightRig rig="threePt" dir="t"/>
-          </a:scene3d>
-          <a:sp3d>
-            <a:bevelT/>
-          </a:sp3d>
         </p:spPr>
+        <p:style>
+          <a:lnRef idx="3">
+            <a:schemeClr val="lt1"/>
+          </a:lnRef>
+          <a:fillRef idx="1">
+            <a:schemeClr val="accent2"/>
+          </a:fillRef>
+          <a:effectRef idx="1">
+            <a:schemeClr val="accent2"/>
+          </a:effectRef>
+          <a:fontRef idx="minor">
+            <a:schemeClr val="lt1"/>
+          </a:fontRef>
+        </p:style>
         <p:txBody>
           <a:bodyPr wrap="square" rtlCol="0">
             <a:spAutoFit/>
@@ -4899,7 +11475,36 @@
           <a:prstGeom prst="rect">
             <a:avLst/>
           </a:prstGeom>
-          <a:noFill/>
+          <a:solidFill>
+            <a:srgbClr val="FFFFFF">
+              <a:shade val="85000"/>
+            </a:srgbClr>
+          </a:solidFill>
+          <a:ln w="88900" cap="sq">
+            <a:solidFill>
+              <a:srgbClr val="FFFFFF"/>
+            </a:solidFill>
+            <a:miter lim="800000"/>
+          </a:ln>
+          <a:effectLst>
+            <a:outerShdw blurRad="55000" dist="18000" dir="5400000" algn="tl" rotWithShape="0">
+              <a:srgbClr val="000000">
+                <a:alpha val="40000"/>
+              </a:srgbClr>
+            </a:outerShdw>
+          </a:effectLst>
+          <a:scene3d>
+            <a:camera prst="orthographicFront"/>
+            <a:lightRig rig="twoPt" dir="t">
+              <a:rot lat="0" lon="0" rev="7200000"/>
+            </a:lightRig>
+          </a:scene3d>
+          <a:sp3d>
+            <a:bevelT w="25400" h="19050"/>
+            <a:contourClr>
+              <a:srgbClr val="FFFFFF"/>
+            </a:contourClr>
+          </a:sp3d>
           <a:extLst>
             <a:ext uri="{909E8E84-426E-40DD-AFC4-6F175D3DCCD1}">
               <a14:hiddenFill xmlns:a14="http://schemas.microsoft.com/office/drawing/2010/main">
@@ -4911,6 +11516,28 @@
           </a:extLst>
         </p:spPr>
       </p:pic>
+      <p:graphicFrame>
+        <p:nvGraphicFramePr>
+          <p:cNvPr id="8" name="Diagram 7"/>
+          <p:cNvGraphicFramePr/>
+          <p:nvPr>
+            <p:extLst>
+              <p:ext uri="{D42A27DB-BD31-4B8C-83A1-F6EECF244321}">
+                <p14:modId xmlns:p14="http://schemas.microsoft.com/office/powerpoint/2010/main" val="83880676"/>
+              </p:ext>
+            </p:extLst>
+          </p:nvPr>
+        </p:nvGraphicFramePr>
+        <p:xfrm>
+          <a:off x="1524000" y="539750"/>
+          <a:ext cx="6096000" cy="4064000"/>
+        </p:xfrm>
+        <a:graphic>
+          <a:graphicData uri="http://schemas.openxmlformats.org/drawingml/2006/diagram">
+            <dgm:relIds xmlns:dgm="http://schemas.openxmlformats.org/drawingml/2006/diagram" xmlns:r="http://schemas.openxmlformats.org/officeDocument/2006/relationships" r:dm="rId3" r:lo="rId4" r:qs="rId5" r:cs="rId6"/>
+          </a:graphicData>
+        </a:graphic>
+      </p:graphicFrame>
     </p:spTree>
     <p:extLst>
       <p:ext uri="{BB962C8B-B14F-4D97-AF65-F5344CB8AC3E}">
@@ -4924,9 +11551,90 @@
   <p:timing>
     <p:tnLst>
       <p:par>
-        <p:cTn id="1" dur="indefinite" restart="never" nodeType="tmRoot"/>
+        <p:cTn id="1" dur="indefinite" restart="never" nodeType="tmRoot">
+          <p:childTnLst>
+            <p:seq concurrent="1" nextAc="seek">
+              <p:cTn id="2" dur="indefinite" nodeType="mainSeq">
+                <p:childTnLst>
+                  <p:par>
+                    <p:cTn id="3" fill="hold">
+                      <p:stCondLst>
+                        <p:cond delay="indefinite"/>
+                      </p:stCondLst>
+                      <p:childTnLst>
+                        <p:par>
+                          <p:cTn id="4" fill="hold">
+                            <p:stCondLst>
+                              <p:cond delay="0"/>
+                            </p:stCondLst>
+                            <p:childTnLst>
+                              <p:par>
+                                <p:cTn id="5" presetID="10" presetClass="entr" presetSubtype="0" fill="hold" grpId="0" nodeType="clickEffect">
+                                  <p:stCondLst>
+                                    <p:cond delay="0"/>
+                                  </p:stCondLst>
+                                  <p:childTnLst>
+                                    <p:set>
+                                      <p:cBhvr>
+                                        <p:cTn id="6" dur="1" fill="hold">
+                                          <p:stCondLst>
+                                            <p:cond delay="0"/>
+                                          </p:stCondLst>
+                                        </p:cTn>
+                                        <p:tgtEl>
+                                          <p:spTgt spid="8"/>
+                                        </p:tgtEl>
+                                        <p:attrNameLst>
+                                          <p:attrName>style.visibility</p:attrName>
+                                        </p:attrNameLst>
+                                      </p:cBhvr>
+                                      <p:to>
+                                        <p:strVal val="visible"/>
+                                      </p:to>
+                                    </p:set>
+                                    <p:animEffect transition="in" filter="fade">
+                                      <p:cBhvr>
+                                        <p:cTn id="7" dur="500"/>
+                                        <p:tgtEl>
+                                          <p:spTgt spid="8"/>
+                                        </p:tgtEl>
+                                      </p:cBhvr>
+                                    </p:animEffect>
+                                  </p:childTnLst>
+                                </p:cTn>
+                              </p:par>
+                            </p:childTnLst>
+                          </p:cTn>
+                        </p:par>
+                      </p:childTnLst>
+                    </p:cTn>
+                  </p:par>
+                </p:childTnLst>
+              </p:cTn>
+              <p:prevCondLst>
+                <p:cond evt="onPrev" delay="0">
+                  <p:tgtEl>
+                    <p:sldTgt/>
+                  </p:tgtEl>
+                </p:cond>
+              </p:prevCondLst>
+              <p:nextCondLst>
+                <p:cond evt="onNext" delay="0">
+                  <p:tgtEl>
+                    <p:sldTgt/>
+                  </p:tgtEl>
+                </p:cond>
+              </p:nextCondLst>
+            </p:seq>
+          </p:childTnLst>
+        </p:cTn>
       </p:par>
     </p:tnLst>
+    <p:bldLst>
+      <p:bldGraphic spid="8" grpId="0">
+        <p:bldAsOne/>
+      </p:bldGraphic>
+    </p:bldLst>
   </p:timing>
 </p:sld>
 </file>
@@ -4958,7 +11666,26 @@
             <p:ph type="title"/>
           </p:nvPr>
         </p:nvSpPr>
-        <p:spPr/>
+        <p:spPr>
+          <a:xfrm>
+            <a:off x="345812" y="231438"/>
+            <a:ext cx="3124668" cy="857250"/>
+          </a:xfrm>
+        </p:spPr>
+        <p:style>
+          <a:lnRef idx="3">
+            <a:schemeClr val="lt1"/>
+          </a:lnRef>
+          <a:fillRef idx="1">
+            <a:schemeClr val="accent1"/>
+          </a:fillRef>
+          <a:effectRef idx="1">
+            <a:schemeClr val="accent1"/>
+          </a:effectRef>
+          <a:fontRef idx="minor">
+            <a:schemeClr val="lt1"/>
+          </a:fontRef>
+        </p:style>
         <p:txBody>
           <a:bodyPr/>
           <a:lstStyle/>
@@ -4973,23 +11700,123 @@
       </p:sp>
       <p:sp>
         <p:nvSpPr>
-          <p:cNvPr id="3" name="Content Placeholder 2"/>
-          <p:cNvSpPr>
-            <a:spLocks noGrp="1"/>
-          </p:cNvSpPr>
-          <p:nvPr>
-            <p:ph idx="1"/>
-          </p:nvPr>
+          <p:cNvPr id="4" name="TextBox 3"/>
+          <p:cNvSpPr txBox="1"/>
+          <p:nvPr/>
         </p:nvSpPr>
-        <p:spPr/>
+        <p:spPr>
+          <a:xfrm>
+            <a:off x="4373364" y="4958834"/>
+            <a:ext cx="4770636" cy="184666"/>
+          </a:xfrm>
+          <a:prstGeom prst="rect">
+            <a:avLst/>
+          </a:prstGeom>
+          <a:noFill/>
+        </p:spPr>
         <p:txBody>
-          <a:bodyPr/>
+          <a:bodyPr wrap="square" rtlCol="0">
+            <a:spAutoFit/>
+          </a:bodyPr>
           <a:lstStyle/>
           <a:p>
-            <a:endParaRPr lang="en-US"/>
+            <a:pPr algn="r"/>
+            <a:r>
+              <a:rPr lang="en-US" sz="600" dirty="0"/>
+              <a:t>http://gpgpu.org/static/sc2007/SC07_CUDA_1_Introduction_Luebke.pdf/</a:t>
+            </a:r>
           </a:p>
         </p:txBody>
       </p:sp>
+      <p:pic>
+        <p:nvPicPr>
+          <p:cNvPr id="5123" name="Picture 3"/>
+          <p:cNvPicPr>
+            <a:picLocks noChangeAspect="1" noChangeArrowheads="1"/>
+          </p:cNvPicPr>
+          <p:nvPr/>
+        </p:nvPicPr>
+        <p:blipFill>
+          <a:blip r:embed="rId3">
+            <a:extLst>
+              <a:ext uri="{28A0092B-C50C-407E-A947-70E740481C1C}">
+                <a14:useLocalDpi xmlns:a14="http://schemas.microsoft.com/office/drawing/2010/main" val="0"/>
+              </a:ext>
+            </a:extLst>
+          </a:blip>
+          <a:srcRect/>
+          <a:stretch>
+            <a:fillRect/>
+          </a:stretch>
+        </p:blipFill>
+        <p:spPr bwMode="auto">
+          <a:xfrm>
+            <a:off x="709359" y="1401594"/>
+            <a:ext cx="7725283" cy="3060409"/>
+          </a:xfrm>
+          <a:prstGeom prst="rect">
+            <a:avLst/>
+          </a:prstGeom>
+          <a:solidFill>
+            <a:srgbClr val="FFFFFF">
+              <a:shade val="85000"/>
+            </a:srgbClr>
+          </a:solidFill>
+          <a:ln w="88900" cap="sq">
+            <a:solidFill>
+              <a:srgbClr val="FFFFFF"/>
+            </a:solidFill>
+            <a:miter lim="800000"/>
+          </a:ln>
+          <a:effectLst>
+            <a:outerShdw blurRad="55000" dist="18000" dir="5400000" algn="tl" rotWithShape="0">
+              <a:srgbClr val="000000">
+                <a:alpha val="40000"/>
+              </a:srgbClr>
+            </a:outerShdw>
+          </a:effectLst>
+          <a:scene3d>
+            <a:camera prst="orthographicFront"/>
+            <a:lightRig rig="twoPt" dir="t">
+              <a:rot lat="0" lon="0" rev="7200000"/>
+            </a:lightRig>
+          </a:scene3d>
+          <a:sp3d>
+            <a:bevelT w="25400" h="19050"/>
+            <a:contourClr>
+              <a:srgbClr val="FFFFFF"/>
+            </a:contourClr>
+          </a:sp3d>
+          <a:extLst>
+            <a:ext uri="{909E8E84-426E-40DD-AFC4-6F175D3DCCD1}">
+              <a14:hiddenFill xmlns:a14="http://schemas.microsoft.com/office/drawing/2010/main">
+                <a:solidFill>
+                  <a:schemeClr val="accent1"/>
+                </a:solidFill>
+              </a14:hiddenFill>
+            </a:ext>
+            <a:ext uri="{91240B29-F687-4F45-9708-019B960494DF}">
+              <a14:hiddenLine xmlns:a14="http://schemas.microsoft.com/office/drawing/2010/main" w="9525">
+                <a:solidFill>
+                  <a:schemeClr val="tx1"/>
+                </a:solidFill>
+                <a:miter lim="800000"/>
+                <a:headEnd/>
+                <a:tailEnd/>
+              </a14:hiddenLine>
+            </a:ext>
+            <a:ext uri="{AF507438-7753-43E0-B8FC-AC1667EBCBE1}">
+              <a14:hiddenEffects xmlns:a14="http://schemas.microsoft.com/office/drawing/2010/main">
+                <a:effectLst>
+                  <a:outerShdw dist="35921" dir="2700000" algn="ctr" rotWithShape="0">
+                    <a:schemeClr val="bg2"/>
+                  </a:outerShdw>
+                </a:effectLst>
+              </a14:hiddenEffects>
+            </a:ext>
+          </a:extLst>
+        </p:spPr>
+      </p:pic>
     </p:spTree>
     <p:extLst>
       <p:ext uri="{BB962C8B-B14F-4D97-AF65-F5344CB8AC3E}">
@@ -5037,59 +11864,62 @@
             <p:ph type="title"/>
           </p:nvPr>
         </p:nvSpPr>
-        <p:spPr/>
+        <p:spPr>
+          <a:xfrm>
+            <a:off x="4932048" y="591486"/>
+            <a:ext cx="3567823" cy="857250"/>
+          </a:xfrm>
+        </p:spPr>
+        <p:style>
+          <a:lnRef idx="3">
+            <a:schemeClr val="lt1"/>
+          </a:lnRef>
+          <a:fillRef idx="1">
+            <a:schemeClr val="accent3"/>
+          </a:fillRef>
+          <a:effectRef idx="1">
+            <a:schemeClr val="accent3"/>
+          </a:effectRef>
+          <a:fontRef idx="minor">
+            <a:schemeClr val="lt1"/>
+          </a:fontRef>
+        </p:style>
         <p:txBody>
-          <a:bodyPr/>
+          <a:bodyPr>
+            <a:noAutofit/>
+          </a:bodyPr>
           <a:lstStyle/>
           <a:p>
             <a:r>
-              <a:rPr lang="de-AT" dirty="0" err="1" smtClean="0"/>
+              <a:rPr lang="de-AT" sz="6000" dirty="0" err="1" smtClean="0"/>
               <a:t>Algorithms</a:t>
             </a:r>
-            <a:endParaRPr lang="de-AT" dirty="0"/>
+            <a:endParaRPr lang="de-AT" sz="6000" dirty="0"/>
           </a:p>
         </p:txBody>
       </p:sp>
-      <p:sp>
-        <p:nvSpPr>
-          <p:cNvPr id="3" name="Content Placeholder 2"/>
-          <p:cNvSpPr>
-            <a:spLocks noGrp="1"/>
-          </p:cNvSpPr>
+      <p:graphicFrame>
+        <p:nvGraphicFramePr>
+          <p:cNvPr id="5" name="Diagram 4"/>
+          <p:cNvGraphicFramePr/>
           <p:nvPr>
-            <p:ph idx="1"/>
+            <p:extLst>
+              <p:ext uri="{D42A27DB-BD31-4B8C-83A1-F6EECF244321}">
+                <p14:modId xmlns:p14="http://schemas.microsoft.com/office/powerpoint/2010/main" val="116951972"/>
+              </p:ext>
+            </p:extLst>
           </p:nvPr>
-        </p:nvSpPr>
-        <p:spPr/>
-        <p:txBody>
-          <a:bodyPr/>
-          <a:lstStyle/>
-          <a:p>
-            <a:r>
-              <a:rPr lang="de-AT" dirty="0" err="1" smtClean="0"/>
-              <a:t>Sort</a:t>
-            </a:r>
-            <a:endParaRPr lang="de-AT" dirty="0" smtClean="0"/>
-          </a:p>
-          <a:p>
-            <a:r>
-              <a:rPr lang="de-AT" dirty="0" smtClean="0"/>
-              <a:t>Scan</a:t>
-            </a:r>
-          </a:p>
-          <a:p>
-            <a:r>
-              <a:rPr lang="de-AT" dirty="0" smtClean="0"/>
-              <a:t>Matrix </a:t>
-            </a:r>
-            <a:r>
-              <a:rPr lang="de-AT" dirty="0" err="1" smtClean="0"/>
-              <a:t>multiplication</a:t>
-            </a:r>
-            <a:endParaRPr lang="de-AT" dirty="0"/>
-          </a:p>
-        </p:txBody>
-      </p:sp>
+        </p:nvGraphicFramePr>
+        <p:xfrm>
+          <a:off x="-918732" y="141426"/>
+          <a:ext cx="8604558" cy="4680624"/>
+        </p:xfrm>
+        <a:graphic>
+          <a:graphicData uri="http://schemas.openxmlformats.org/drawingml/2006/diagram">
+            <dgm:relIds xmlns:dgm="http://schemas.openxmlformats.org/drawingml/2006/diagram" xmlns:r="http://schemas.openxmlformats.org/officeDocument/2006/relationships" r:dm="rId3" r:lo="rId4" r:qs="rId5" r:cs="rId6"/>
+          </a:graphicData>
+        </a:graphic>
+      </p:graphicFrame>
     </p:spTree>
     <p:extLst>
       <p:ext uri="{BB962C8B-B14F-4D97-AF65-F5344CB8AC3E}">
@@ -5127,52 +11957,643 @@
           <a:chExt cx="0" cy="0"/>
         </a:xfrm>
       </p:grpSpPr>
+      <p:grpSp>
+        <p:nvGrpSpPr>
+          <p:cNvPr id="9" name="Group 8"/>
+          <p:cNvGrpSpPr/>
+          <p:nvPr/>
+        </p:nvGrpSpPr>
+        <p:grpSpPr>
+          <a:xfrm>
+            <a:off x="1351684" y="20589"/>
+            <a:ext cx="1872249" cy="1872249"/>
+            <a:chOff x="2570448" y="1497799"/>
+            <a:chExt cx="1872249" cy="1872249"/>
+          </a:xfrm>
+        </p:grpSpPr>
+        <p:sp>
+          <p:nvSpPr>
+            <p:cNvPr id="10" name="Shape 9"/>
+            <p:cNvSpPr/>
+            <p:nvPr/>
+          </p:nvSpPr>
+          <p:spPr>
+            <a:xfrm>
+              <a:off x="2570448" y="1497799"/>
+              <a:ext cx="1872249" cy="1872249"/>
+            </a:xfrm>
+            <a:prstGeom prst="gear6">
+              <a:avLst/>
+            </a:prstGeom>
+          </p:spPr>
+          <p:style>
+            <a:lnRef idx="3">
+              <a:schemeClr val="lt1">
+                <a:hueOff val="0"/>
+                <a:satOff val="0"/>
+                <a:lumOff val="0"/>
+                <a:alphaOff val="0"/>
+              </a:schemeClr>
+            </a:lnRef>
+            <a:fillRef idx="1">
+              <a:schemeClr val="accent4">
+                <a:hueOff val="-2232385"/>
+                <a:satOff val="13449"/>
+                <a:lumOff val="1078"/>
+                <a:alphaOff val="0"/>
+              </a:schemeClr>
+            </a:fillRef>
+            <a:effectRef idx="1">
+              <a:schemeClr val="accent4">
+                <a:hueOff val="-2232385"/>
+                <a:satOff val="13449"/>
+                <a:lumOff val="1078"/>
+                <a:alphaOff val="0"/>
+              </a:schemeClr>
+            </a:effectRef>
+            <a:fontRef idx="minor">
+              <a:schemeClr val="lt1"/>
+            </a:fontRef>
+          </p:style>
+        </p:sp>
+        <p:sp>
+          <p:nvSpPr>
+            <p:cNvPr id="11" name="Shape 4"/>
+            <p:cNvSpPr/>
+            <p:nvPr/>
+          </p:nvSpPr>
+          <p:spPr>
+            <a:xfrm>
+              <a:off x="3041792" y="1971992"/>
+              <a:ext cx="929561" cy="923863"/>
+            </a:xfrm>
+            <a:prstGeom prst="rect">
+              <a:avLst/>
+            </a:prstGeom>
+          </p:spPr>
+          <p:style>
+            <a:lnRef idx="0">
+              <a:scrgbClr r="0" g="0" b="0"/>
+            </a:lnRef>
+            <a:fillRef idx="0">
+              <a:scrgbClr r="0" g="0" b="0"/>
+            </a:fillRef>
+            <a:effectRef idx="0">
+              <a:scrgbClr r="0" g="0" b="0"/>
+            </a:effectRef>
+            <a:fontRef idx="minor">
+              <a:schemeClr val="lt1"/>
+            </a:fontRef>
+          </p:style>
+          <p:txBody>
+            <a:bodyPr spcFirstLastPara="0" vert="horz" wrap="square" lIns="49530" tIns="49530" rIns="49530" bIns="49530" numCol="1" spcCol="1270" anchor="ctr" anchorCtr="0">
+              <a:noAutofit/>
+            </a:bodyPr>
+            <a:lstStyle/>
+            <a:p>
+              <a:pPr lvl="0" algn="ctr" defTabSz="1733550">
+                <a:lnSpc>
+                  <a:spcPct val="90000"/>
+                </a:lnSpc>
+                <a:spcBef>
+                  <a:spcPct val="0"/>
+                </a:spcBef>
+                <a:spcAft>
+                  <a:spcPct val="35000"/>
+                </a:spcAft>
+              </a:pPr>
+              <a:r>
+                <a:rPr lang="en-US" sz="3900" kern="1200" dirty="0" smtClean="0"/>
+                <a:t>Sort</a:t>
+              </a:r>
+              <a:endParaRPr lang="en-US" sz="3900" kern="1200" dirty="0"/>
+            </a:p>
+          </p:txBody>
+        </p:sp>
+      </p:grpSp>
+      <p:grpSp>
+        <p:nvGrpSpPr>
+          <p:cNvPr id="12" name="Group 11"/>
+          <p:cNvGrpSpPr/>
+          <p:nvPr/>
+        </p:nvGrpSpPr>
+        <p:grpSpPr>
+          <a:xfrm rot="21199876">
+            <a:off x="94182" y="1280154"/>
+            <a:ext cx="2021778" cy="2021778"/>
+            <a:chOff x="2570448" y="1497799"/>
+            <a:chExt cx="1872249" cy="1872249"/>
+          </a:xfrm>
+        </p:grpSpPr>
+        <p:sp>
+          <p:nvSpPr>
+            <p:cNvPr id="13" name="Shape 12"/>
+            <p:cNvSpPr/>
+            <p:nvPr/>
+          </p:nvSpPr>
+          <p:spPr>
+            <a:xfrm>
+              <a:off x="2570448" y="1497799"/>
+              <a:ext cx="1872249" cy="1872249"/>
+            </a:xfrm>
+            <a:prstGeom prst="gear6">
+              <a:avLst/>
+            </a:prstGeom>
+          </p:spPr>
+          <p:style>
+            <a:lnRef idx="3">
+              <a:schemeClr val="lt1">
+                <a:hueOff val="0"/>
+                <a:satOff val="0"/>
+                <a:lumOff val="0"/>
+                <a:alphaOff val="0"/>
+              </a:schemeClr>
+            </a:lnRef>
+            <a:fillRef idx="1">
+              <a:schemeClr val="accent4">
+                <a:hueOff val="-2232385"/>
+                <a:satOff val="13449"/>
+                <a:lumOff val="1078"/>
+                <a:alphaOff val="0"/>
+              </a:schemeClr>
+            </a:fillRef>
+            <a:effectRef idx="1">
+              <a:schemeClr val="accent4">
+                <a:hueOff val="-2232385"/>
+                <a:satOff val="13449"/>
+                <a:lumOff val="1078"/>
+                <a:alphaOff val="0"/>
+              </a:schemeClr>
+            </a:effectRef>
+            <a:fontRef idx="minor">
+              <a:schemeClr val="lt1"/>
+            </a:fontRef>
+          </p:style>
+        </p:sp>
+        <p:sp>
+          <p:nvSpPr>
+            <p:cNvPr id="14" name="Shape 4"/>
+            <p:cNvSpPr/>
+            <p:nvPr/>
+          </p:nvSpPr>
+          <p:spPr>
+            <a:xfrm rot="400124">
+              <a:off x="2875094" y="1975921"/>
+              <a:ext cx="1273128" cy="923863"/>
+            </a:xfrm>
+            <a:prstGeom prst="rect">
+              <a:avLst/>
+            </a:prstGeom>
+          </p:spPr>
+          <p:style>
+            <a:lnRef idx="0">
+              <a:scrgbClr r="0" g="0" b="0"/>
+            </a:lnRef>
+            <a:fillRef idx="0">
+              <a:scrgbClr r="0" g="0" b="0"/>
+            </a:fillRef>
+            <a:effectRef idx="0">
+              <a:scrgbClr r="0" g="0" b="0"/>
+            </a:effectRef>
+            <a:fontRef idx="minor">
+              <a:schemeClr val="lt1"/>
+            </a:fontRef>
+          </p:style>
+          <p:txBody>
+            <a:bodyPr spcFirstLastPara="0" vert="horz" wrap="square" lIns="49530" tIns="49530" rIns="49530" bIns="49530" numCol="1" spcCol="1270" anchor="ctr" anchorCtr="0">
+              <a:noAutofit/>
+            </a:bodyPr>
+            <a:lstStyle/>
+            <a:p>
+              <a:pPr lvl="0" algn="ctr" defTabSz="1733550">
+                <a:lnSpc>
+                  <a:spcPct val="90000"/>
+                </a:lnSpc>
+                <a:spcBef>
+                  <a:spcPct val="0"/>
+                </a:spcBef>
+                <a:spcAft>
+                  <a:spcPct val="35000"/>
+                </a:spcAft>
+              </a:pPr>
+              <a:r>
+                <a:rPr lang="en-US" sz="3200" kern="1200" dirty="0" smtClean="0"/>
+                <a:t>n log(n)</a:t>
+              </a:r>
+              <a:endParaRPr lang="en-US" sz="3200" kern="1200" dirty="0"/>
+            </a:p>
+          </p:txBody>
+        </p:sp>
+      </p:grpSp>
+      <p:grpSp>
+        <p:nvGrpSpPr>
+          <p:cNvPr id="15" name="Group 14"/>
+          <p:cNvGrpSpPr/>
+          <p:nvPr/>
+        </p:nvGrpSpPr>
+        <p:grpSpPr>
+          <a:xfrm rot="1184599">
+            <a:off x="415560" y="3054643"/>
+            <a:ext cx="1872249" cy="1872249"/>
+            <a:chOff x="2570448" y="1497799"/>
+            <a:chExt cx="1872249" cy="1872249"/>
+          </a:xfrm>
+        </p:grpSpPr>
+        <p:sp>
+          <p:nvSpPr>
+            <p:cNvPr id="16" name="Shape 15"/>
+            <p:cNvSpPr/>
+            <p:nvPr/>
+          </p:nvSpPr>
+          <p:spPr>
+            <a:xfrm>
+              <a:off x="2570448" y="1497799"/>
+              <a:ext cx="1872249" cy="1872249"/>
+            </a:xfrm>
+            <a:prstGeom prst="gear6">
+              <a:avLst/>
+            </a:prstGeom>
+          </p:spPr>
+          <p:style>
+            <a:lnRef idx="3">
+              <a:schemeClr val="lt1">
+                <a:hueOff val="0"/>
+                <a:satOff val="0"/>
+                <a:lumOff val="0"/>
+                <a:alphaOff val="0"/>
+              </a:schemeClr>
+            </a:lnRef>
+            <a:fillRef idx="1">
+              <a:schemeClr val="accent4">
+                <a:hueOff val="-2232385"/>
+                <a:satOff val="13449"/>
+                <a:lumOff val="1078"/>
+                <a:alphaOff val="0"/>
+              </a:schemeClr>
+            </a:fillRef>
+            <a:effectRef idx="1">
+              <a:schemeClr val="accent4">
+                <a:hueOff val="-2232385"/>
+                <a:satOff val="13449"/>
+                <a:lumOff val="1078"/>
+                <a:alphaOff val="0"/>
+              </a:schemeClr>
+            </a:effectRef>
+            <a:fontRef idx="minor">
+              <a:schemeClr val="lt1"/>
+            </a:fontRef>
+          </p:style>
+        </p:sp>
+        <p:sp>
+          <p:nvSpPr>
+            <p:cNvPr id="17" name="Shape 4"/>
+            <p:cNvSpPr/>
+            <p:nvPr/>
+          </p:nvSpPr>
+          <p:spPr>
+            <a:xfrm rot="20415401">
+              <a:off x="3041792" y="1971992"/>
+              <a:ext cx="929561" cy="923863"/>
+            </a:xfrm>
+            <a:prstGeom prst="rect">
+              <a:avLst/>
+            </a:prstGeom>
+          </p:spPr>
+          <p:style>
+            <a:lnRef idx="0">
+              <a:scrgbClr r="0" g="0" b="0"/>
+            </a:lnRef>
+            <a:fillRef idx="0">
+              <a:scrgbClr r="0" g="0" b="0"/>
+            </a:fillRef>
+            <a:effectRef idx="0">
+              <a:scrgbClr r="0" g="0" b="0"/>
+            </a:effectRef>
+            <a:fontRef idx="minor">
+              <a:schemeClr val="lt1"/>
+            </a:fontRef>
+          </p:style>
+          <p:txBody>
+            <a:bodyPr spcFirstLastPara="0" vert="horz" wrap="square" lIns="49530" tIns="49530" rIns="49530" bIns="49530" numCol="1" spcCol="1270" anchor="ctr" anchorCtr="0">
+              <a:noAutofit/>
+            </a:bodyPr>
+            <a:lstStyle/>
+            <a:p>
+              <a:pPr lvl="0" algn="ctr" defTabSz="1733550">
+                <a:lnSpc>
+                  <a:spcPct val="90000"/>
+                </a:lnSpc>
+                <a:spcBef>
+                  <a:spcPct val="0"/>
+                </a:spcBef>
+                <a:spcAft>
+                  <a:spcPct val="35000"/>
+                </a:spcAft>
+              </a:pPr>
+              <a:r>
+                <a:rPr lang="en-US" sz="3900" dirty="0"/>
+                <a:t>n</a:t>
+              </a:r>
+              <a:r>
+                <a:rPr lang="en-US" sz="3900" kern="1200" dirty="0" smtClean="0"/>
+                <a:t>²</a:t>
+              </a:r>
+              <a:endParaRPr lang="en-US" sz="3900" kern="1200" dirty="0"/>
+            </a:p>
+          </p:txBody>
+        </p:sp>
+      </p:grpSp>
+      <p:pic>
+        <p:nvPicPr>
+          <p:cNvPr id="4098" name="Picture 2" descr="D:\data\FH\Bachelorarbeit\svnroot\presentations\BAS_1\bitonic.png"/>
+          <p:cNvPicPr>
+            <a:picLocks noChangeAspect="1" noChangeArrowheads="1"/>
+          </p:cNvPicPr>
+          <p:nvPr/>
+        </p:nvPicPr>
+        <p:blipFill>
+          <a:blip r:embed="rId2">
+            <a:extLst>
+              <a:ext uri="{28A0092B-C50C-407E-A947-70E740481C1C}">
+                <a14:useLocalDpi xmlns:a14="http://schemas.microsoft.com/office/drawing/2010/main" val="0"/>
+              </a:ext>
+            </a:extLst>
+          </a:blip>
+          <a:srcRect/>
+          <a:stretch>
+            <a:fillRect/>
+          </a:stretch>
+        </p:blipFill>
+        <p:spPr bwMode="auto">
+          <a:xfrm>
+            <a:off x="2785791" y="2715453"/>
+            <a:ext cx="5316867" cy="1626766"/>
+          </a:xfrm>
+          <a:prstGeom prst="rect">
+            <a:avLst/>
+          </a:prstGeom>
+          <a:noFill/>
+          <a:extLst>
+            <a:ext uri="{909E8E84-426E-40DD-AFC4-6F175D3DCCD1}">
+              <a14:hiddenFill xmlns:a14="http://schemas.microsoft.com/office/drawing/2010/main">
+                <a:solidFill>
+                  <a:srgbClr val="FFFFFF"/>
+                </a:solidFill>
+              </a14:hiddenFill>
+            </a:ext>
+          </a:extLst>
+        </p:spPr>
+      </p:pic>
       <p:sp>
         <p:nvSpPr>
-          <p:cNvPr id="2" name="Title 1"/>
-          <p:cNvSpPr>
-            <a:spLocks noGrp="1"/>
-          </p:cNvSpPr>
-          <p:nvPr>
-            <p:ph type="title"/>
-          </p:nvPr>
+          <p:cNvPr id="18" name="TextBox 17"/>
+          <p:cNvSpPr txBox="1"/>
+          <p:nvPr/>
         </p:nvSpPr>
-        <p:spPr/>
+        <p:spPr>
+          <a:xfrm>
+            <a:off x="5049406" y="4281978"/>
+            <a:ext cx="3600480" cy="523220"/>
+          </a:xfrm>
+          <a:prstGeom prst="rect">
+            <a:avLst/>
+          </a:prstGeom>
+        </p:spPr>
+        <p:style>
+          <a:lnRef idx="3">
+            <a:schemeClr val="lt1"/>
+          </a:lnRef>
+          <a:fillRef idx="1">
+            <a:schemeClr val="accent3"/>
+          </a:fillRef>
+          <a:effectRef idx="1">
+            <a:schemeClr val="accent3"/>
+          </a:effectRef>
+          <a:fontRef idx="minor">
+            <a:schemeClr val="lt1"/>
+          </a:fontRef>
+        </p:style>
         <p:txBody>
-          <a:bodyPr/>
+          <a:bodyPr wrap="square" rtlCol="0">
+            <a:spAutoFit/>
+          </a:bodyPr>
           <a:lstStyle/>
           <a:p>
+            <a:pPr algn="ctr"/>
             <a:r>
-              <a:rPr lang="de-AT" dirty="0" err="1" smtClean="0"/>
-              <a:t>Sort</a:t>
+              <a:rPr lang="en-US" sz="2800" dirty="0" err="1" smtClean="0"/>
+              <a:t>Bitonic</a:t>
             </a:r>
-            <a:endParaRPr lang="de-AT" dirty="0"/>
+            <a:r>
+              <a:rPr lang="en-US" sz="2800" dirty="0" smtClean="0"/>
+              <a:t> sorting network</a:t>
+            </a:r>
+            <a:endParaRPr lang="en-US" sz="2800" dirty="0"/>
           </a:p>
         </p:txBody>
       </p:sp>
       <p:sp>
         <p:nvSpPr>
-          <p:cNvPr id="3" name="Content Placeholder 2"/>
-          <p:cNvSpPr>
-            <a:spLocks noGrp="1"/>
-          </p:cNvSpPr>
-          <p:nvPr>
-            <p:ph idx="1"/>
-          </p:nvPr>
+          <p:cNvPr id="19" name="TextBox 18"/>
+          <p:cNvSpPr txBox="1"/>
+          <p:nvPr/>
         </p:nvSpPr>
-        <p:spPr/>
+        <p:spPr>
+          <a:xfrm>
+            <a:off x="2681748" y="4958834"/>
+            <a:ext cx="6462252" cy="184666"/>
+          </a:xfrm>
+          <a:prstGeom prst="rect">
+            <a:avLst/>
+          </a:prstGeom>
+          <a:noFill/>
+        </p:spPr>
         <p:txBody>
-          <a:bodyPr/>
+          <a:bodyPr wrap="square" rtlCol="0">
+            <a:spAutoFit/>
+          </a:bodyPr>
           <a:lstStyle/>
           <a:p>
-            <a:endParaRPr lang="de-AT" dirty="0"/>
+            <a:pPr algn="r"/>
+            <a:r>
+              <a:rPr lang="en-US" sz="600" dirty="0"/>
+              <a:t>http://</a:t>
+            </a:r>
+            <a:r>
+              <a:rPr lang="en-US" sz="600" dirty="0" smtClean="0"/>
+              <a:t>en.wikipedia.org/wiki/File:Partition_example.svg     http</a:t>
+            </a:r>
+            <a:r>
+              <a:rPr lang="en-US" sz="600" dirty="0"/>
+              <a:t>://en.wikipedia.org/wiki/File:Quicksort.gif     http://</a:t>
+            </a:r>
+            <a:r>
+              <a:rPr lang="en-US" sz="600" dirty="0" smtClean="0"/>
+              <a:t>en.wikipedia.org/w/index.php?title=File:BitonicSort1.svg&amp;page=1</a:t>
+            </a:r>
+            <a:endParaRPr lang="en-US" sz="600" dirty="0"/>
           </a:p>
         </p:txBody>
       </p:sp>
+      <p:pic>
+        <p:nvPicPr>
+          <p:cNvPr id="4100" name="Picture 4" descr="D:\data\FH\Bachelorarbeit\svnroot\presentations\BAS_1\quicksort_first_pass.png"/>
+          <p:cNvPicPr>
+            <a:picLocks noChangeAspect="1" noChangeArrowheads="1"/>
+          </p:cNvPicPr>
+          <p:nvPr/>
+        </p:nvPicPr>
+        <p:blipFill>
+          <a:blip r:embed="rId3" cstate="print">
+            <a:extLst>
+              <a:ext uri="{28A0092B-C50C-407E-A947-70E740481C1C}">
+                <a14:useLocalDpi xmlns:a14="http://schemas.microsoft.com/office/drawing/2010/main" val="0"/>
+              </a:ext>
+            </a:extLst>
+          </a:blip>
+          <a:srcRect/>
+          <a:stretch>
+            <a:fillRect/>
+          </a:stretch>
+        </p:blipFill>
+        <p:spPr bwMode="auto">
+          <a:xfrm>
+            <a:off x="6898804" y="314440"/>
+            <a:ext cx="1779856" cy="2167298"/>
+          </a:xfrm>
+          <a:prstGeom prst="rect">
+            <a:avLst/>
+          </a:prstGeom>
+          <a:noFill/>
+          <a:extLst>
+            <a:ext uri="{909E8E84-426E-40DD-AFC4-6F175D3DCCD1}">
+              <a14:hiddenFill xmlns:a14="http://schemas.microsoft.com/office/drawing/2010/main">
+                <a:solidFill>
+                  <a:srgbClr val="FFFFFF"/>
+                </a:solidFill>
+              </a14:hiddenFill>
+            </a:ext>
+          </a:extLst>
+        </p:spPr>
+      </p:pic>
+      <p:sp>
+        <p:nvSpPr>
+          <p:cNvPr id="23" name="TextBox 22"/>
+          <p:cNvSpPr txBox="1"/>
+          <p:nvPr/>
+        </p:nvSpPr>
+        <p:spPr>
+          <a:xfrm>
+            <a:off x="4031928" y="591486"/>
+            <a:ext cx="2160288" cy="646331"/>
+          </a:xfrm>
+          <a:prstGeom prst="rect">
+            <a:avLst/>
+          </a:prstGeom>
+        </p:spPr>
+        <p:style>
+          <a:lnRef idx="3">
+            <a:schemeClr val="lt1"/>
+          </a:lnRef>
+          <a:fillRef idx="1">
+            <a:schemeClr val="accent3"/>
+          </a:fillRef>
+          <a:effectRef idx="1">
+            <a:schemeClr val="accent3"/>
+          </a:effectRef>
+          <a:fontRef idx="minor">
+            <a:schemeClr val="lt1"/>
+          </a:fontRef>
+        </p:style>
+        <p:txBody>
+          <a:bodyPr wrap="square" rtlCol="0">
+            <a:spAutoFit/>
+          </a:bodyPr>
+          <a:lstStyle/>
+          <a:p>
+            <a:pPr algn="ctr"/>
+            <a:r>
+              <a:rPr lang="en-US" sz="3600" dirty="0" smtClean="0"/>
+              <a:t>Quicksort</a:t>
+            </a:r>
+            <a:endParaRPr lang="en-US" sz="3600" dirty="0"/>
+          </a:p>
+        </p:txBody>
+      </p:sp>
+      <p:pic>
+        <p:nvPicPr>
+          <p:cNvPr id="4101" name="Picture 5" descr="D:\data\FH\Bachelorarbeit\svnroot\presentations\BAS_1\quicksort.gif"/>
+          <p:cNvPicPr>
+            <a:picLocks noChangeAspect="1" noChangeArrowheads="1"/>
+          </p:cNvPicPr>
+          <p:nvPr/>
+        </p:nvPicPr>
+        <p:blipFill>
+          <a:blip r:embed="rId4" cstate="print">
+            <a:extLst>
+              <a:ext uri="{28A0092B-C50C-407E-A947-70E740481C1C}">
+                <a14:useLocalDpi xmlns:a14="http://schemas.microsoft.com/office/drawing/2010/main" val="0"/>
+              </a:ext>
+            </a:extLst>
+          </a:blip>
+          <a:srcRect/>
+          <a:stretch>
+            <a:fillRect/>
+          </a:stretch>
+        </p:blipFill>
+        <p:spPr bwMode="auto">
+          <a:xfrm>
+            <a:off x="3311832" y="1435050"/>
+            <a:ext cx="3286157" cy="915576"/>
+          </a:xfrm>
+          <a:prstGeom prst="rect">
+            <a:avLst/>
+          </a:prstGeom>
+          <a:solidFill>
+            <a:srgbClr val="FFFFFF">
+              <a:shade val="85000"/>
+            </a:srgbClr>
+          </a:solidFill>
+          <a:ln w="88900" cap="sq">
+            <a:solidFill>
+              <a:srgbClr val="FFFFFF"/>
+            </a:solidFill>
+            <a:miter lim="800000"/>
+          </a:ln>
+          <a:effectLst>
+            <a:outerShdw blurRad="55000" dist="18000" dir="5400000" algn="tl" rotWithShape="0">
+              <a:srgbClr val="000000">
+                <a:alpha val="40000"/>
+              </a:srgbClr>
+            </a:outerShdw>
+          </a:effectLst>
+          <a:scene3d>
+            <a:camera prst="orthographicFront"/>
+            <a:lightRig rig="twoPt" dir="t">
+              <a:rot lat="0" lon="0" rev="7200000"/>
+            </a:lightRig>
+          </a:scene3d>
+          <a:sp3d>
+            <a:bevelT w="25400" h="19050"/>
+            <a:contourClr>
+              <a:srgbClr val="FFFFFF"/>
+            </a:contourClr>
+          </a:sp3d>
+          <a:extLst>
+            <a:ext uri="{909E8E84-426E-40DD-AFC4-6F175D3DCCD1}">
+              <a14:hiddenFill xmlns:a14="http://schemas.microsoft.com/office/drawing/2010/main">
+                <a:solidFill>
+                  <a:srgbClr val="FFFFFF"/>
+                </a:solidFill>
+              </a14:hiddenFill>
+            </a:ext>
+          </a:extLst>
+        </p:spPr>
+      </p:pic>
     </p:spTree>
     <p:extLst>
       <p:ext uri="{BB962C8B-B14F-4D97-AF65-F5344CB8AC3E}">
-        <p14:creationId xmlns:p14="http://schemas.microsoft.com/office/powerpoint/2010/main" val="1608754944"/>
+        <p14:creationId xmlns:p14="http://schemas.microsoft.com/office/powerpoint/2010/main" val="3979678495"/>
       </p:ext>
     </p:extLst>
   </p:cSld>
@@ -5206,58 +12627,1186 @@
           <a:chExt cx="0" cy="0"/>
         </a:xfrm>
       </p:grpSpPr>
+      <p:grpSp>
+        <p:nvGrpSpPr>
+          <p:cNvPr id="4" name="Group 3"/>
+          <p:cNvGrpSpPr/>
+          <p:nvPr/>
+        </p:nvGrpSpPr>
+        <p:grpSpPr>
+          <a:xfrm>
+            <a:off x="1241556" y="115311"/>
+            <a:ext cx="1834422" cy="1834422"/>
+            <a:chOff x="3619098" y="206138"/>
+            <a:chExt cx="1834422" cy="1834422"/>
+          </a:xfrm>
+        </p:grpSpPr>
+        <p:sp>
+          <p:nvSpPr>
+            <p:cNvPr id="5" name="Shape 4"/>
+            <p:cNvSpPr/>
+            <p:nvPr/>
+          </p:nvSpPr>
+          <p:spPr>
+            <a:xfrm rot="20700000">
+              <a:off x="3619098" y="206138"/>
+              <a:ext cx="1834422" cy="1834422"/>
+            </a:xfrm>
+            <a:prstGeom prst="gear6">
+              <a:avLst/>
+            </a:prstGeom>
+          </p:spPr>
+          <p:style>
+            <a:lnRef idx="3">
+              <a:schemeClr val="lt1">
+                <a:hueOff val="0"/>
+                <a:satOff val="0"/>
+                <a:lumOff val="0"/>
+                <a:alphaOff val="0"/>
+              </a:schemeClr>
+            </a:lnRef>
+            <a:fillRef idx="1">
+              <a:schemeClr val="accent4">
+                <a:hueOff val="-4464770"/>
+                <a:satOff val="26899"/>
+                <a:lumOff val="2156"/>
+                <a:alphaOff val="0"/>
+              </a:schemeClr>
+            </a:fillRef>
+            <a:effectRef idx="1">
+              <a:schemeClr val="accent4">
+                <a:hueOff val="-4464770"/>
+                <a:satOff val="26899"/>
+                <a:lumOff val="2156"/>
+                <a:alphaOff val="0"/>
+              </a:schemeClr>
+            </a:effectRef>
+            <a:fontRef idx="minor">
+              <a:schemeClr val="lt1"/>
+            </a:fontRef>
+          </p:style>
+        </p:sp>
+        <p:sp>
+          <p:nvSpPr>
+            <p:cNvPr id="6" name="Shape 4"/>
+            <p:cNvSpPr/>
+            <p:nvPr/>
+          </p:nvSpPr>
+          <p:spPr>
+            <a:xfrm>
+              <a:off x="4021441" y="608481"/>
+              <a:ext cx="1029737" cy="1029737"/>
+            </a:xfrm>
+            <a:prstGeom prst="rect">
+              <a:avLst/>
+            </a:prstGeom>
+          </p:spPr>
+          <p:style>
+            <a:lnRef idx="0">
+              <a:scrgbClr r="0" g="0" b="0"/>
+            </a:lnRef>
+            <a:fillRef idx="0">
+              <a:scrgbClr r="0" g="0" b="0"/>
+            </a:fillRef>
+            <a:effectRef idx="0">
+              <a:scrgbClr r="0" g="0" b="0"/>
+            </a:effectRef>
+            <a:fontRef idx="minor">
+              <a:schemeClr val="lt1"/>
+            </a:fontRef>
+          </p:style>
+          <p:txBody>
+            <a:bodyPr spcFirstLastPara="0" vert="horz" wrap="square" lIns="49530" tIns="49530" rIns="49530" bIns="49530" numCol="1" spcCol="1270" anchor="ctr" anchorCtr="0">
+              <a:noAutofit/>
+            </a:bodyPr>
+            <a:lstStyle/>
+            <a:p>
+              <a:pPr lvl="0" algn="ctr" defTabSz="1733550">
+                <a:lnSpc>
+                  <a:spcPct val="90000"/>
+                </a:lnSpc>
+                <a:spcBef>
+                  <a:spcPct val="0"/>
+                </a:spcBef>
+                <a:spcAft>
+                  <a:spcPct val="35000"/>
+                </a:spcAft>
+              </a:pPr>
+              <a:r>
+                <a:rPr lang="en-US" sz="3900" kern="1200" dirty="0" smtClean="0"/>
+                <a:t>Scan</a:t>
+              </a:r>
+              <a:endParaRPr lang="en-US" sz="3900" kern="1200" dirty="0"/>
+            </a:p>
+          </p:txBody>
+        </p:sp>
+      </p:grpSp>
+      <p:grpSp>
+        <p:nvGrpSpPr>
+          <p:cNvPr id="8" name="Group 7"/>
+          <p:cNvGrpSpPr/>
+          <p:nvPr/>
+        </p:nvGrpSpPr>
+        <p:grpSpPr>
+          <a:xfrm rot="21323611">
+            <a:off x="150025" y="1517614"/>
+            <a:ext cx="2223459" cy="2223459"/>
+            <a:chOff x="3619098" y="206138"/>
+            <a:chExt cx="1834422" cy="1834422"/>
+          </a:xfrm>
+        </p:grpSpPr>
+        <p:sp>
+          <p:nvSpPr>
+            <p:cNvPr id="9" name="Shape 8"/>
+            <p:cNvSpPr/>
+            <p:nvPr/>
+          </p:nvSpPr>
+          <p:spPr>
+            <a:xfrm rot="20700000">
+              <a:off x="3619098" y="206138"/>
+              <a:ext cx="1834422" cy="1834422"/>
+            </a:xfrm>
+            <a:prstGeom prst="gear6">
+              <a:avLst/>
+            </a:prstGeom>
+          </p:spPr>
+          <p:style>
+            <a:lnRef idx="3">
+              <a:schemeClr val="lt1">
+                <a:hueOff val="0"/>
+                <a:satOff val="0"/>
+                <a:lumOff val="0"/>
+                <a:alphaOff val="0"/>
+              </a:schemeClr>
+            </a:lnRef>
+            <a:fillRef idx="1">
+              <a:schemeClr val="accent4">
+                <a:hueOff val="-4464770"/>
+                <a:satOff val="26899"/>
+                <a:lumOff val="2156"/>
+                <a:alphaOff val="0"/>
+              </a:schemeClr>
+            </a:fillRef>
+            <a:effectRef idx="1">
+              <a:schemeClr val="accent4">
+                <a:hueOff val="-4464770"/>
+                <a:satOff val="26899"/>
+                <a:lumOff val="2156"/>
+                <a:alphaOff val="0"/>
+              </a:schemeClr>
+            </a:effectRef>
+            <a:fontRef idx="minor">
+              <a:schemeClr val="lt1"/>
+            </a:fontRef>
+          </p:style>
+        </p:sp>
+        <p:sp>
+          <p:nvSpPr>
+            <p:cNvPr id="10" name="Shape 4"/>
+            <p:cNvSpPr/>
+            <p:nvPr/>
+          </p:nvSpPr>
+          <p:spPr>
+            <a:xfrm rot="276389">
+              <a:off x="4021441" y="608481"/>
+              <a:ext cx="1029737" cy="1029737"/>
+            </a:xfrm>
+            <a:prstGeom prst="rect">
+              <a:avLst/>
+            </a:prstGeom>
+          </p:spPr>
+          <p:style>
+            <a:lnRef idx="0">
+              <a:scrgbClr r="0" g="0" b="0"/>
+            </a:lnRef>
+            <a:fillRef idx="0">
+              <a:scrgbClr r="0" g="0" b="0"/>
+            </a:fillRef>
+            <a:effectRef idx="0">
+              <a:scrgbClr r="0" g="0" b="0"/>
+            </a:effectRef>
+            <a:fontRef idx="minor">
+              <a:schemeClr val="lt1"/>
+            </a:fontRef>
+          </p:style>
+          <p:txBody>
+            <a:bodyPr spcFirstLastPara="0" vert="horz" wrap="square" lIns="49530" tIns="49530" rIns="49530" bIns="49530" numCol="1" spcCol="1270" anchor="ctr" anchorCtr="0">
+              <a:noAutofit/>
+            </a:bodyPr>
+            <a:lstStyle/>
+            <a:p>
+              <a:pPr lvl="0" algn="ctr" defTabSz="1733550">
+                <a:lnSpc>
+                  <a:spcPct val="90000"/>
+                </a:lnSpc>
+                <a:spcBef>
+                  <a:spcPct val="0"/>
+                </a:spcBef>
+                <a:spcAft>
+                  <a:spcPct val="35000"/>
+                </a:spcAft>
+              </a:pPr>
+              <a:r>
+                <a:rPr lang="en-US" sz="6000" kern="1200" dirty="0" smtClean="0"/>
+                <a:t>n</a:t>
+              </a:r>
+              <a:endParaRPr lang="en-US" sz="6000" kern="1200" dirty="0"/>
+            </a:p>
+          </p:txBody>
+        </p:sp>
+      </p:grpSp>
+      <p:pic>
+        <p:nvPicPr>
+          <p:cNvPr id="6146" name="Picture 2" descr="D:\data\FH\Bachelorarbeit\svnroot\presentations\BAS_1\prefix_sum.png"/>
+          <p:cNvPicPr>
+            <a:picLocks noChangeAspect="1" noChangeArrowheads="1"/>
+          </p:cNvPicPr>
+          <p:nvPr/>
+        </p:nvPicPr>
+        <p:blipFill>
+          <a:blip r:embed="rId2">
+            <a:extLst>
+              <a:ext uri="{28A0092B-C50C-407E-A947-70E740481C1C}">
+                <a14:useLocalDpi xmlns:a14="http://schemas.microsoft.com/office/drawing/2010/main" val="0"/>
+              </a:ext>
+            </a:extLst>
+          </a:blip>
+          <a:srcRect/>
+          <a:stretch>
+            <a:fillRect/>
+          </a:stretch>
+        </p:blipFill>
+        <p:spPr bwMode="auto">
+          <a:xfrm>
+            <a:off x="5292096" y="231438"/>
+            <a:ext cx="3422770" cy="3477444"/>
+          </a:xfrm>
+          <a:prstGeom prst="rect">
+            <a:avLst/>
+          </a:prstGeom>
+          <a:noFill/>
+          <a:extLst>
+            <a:ext uri="{909E8E84-426E-40DD-AFC4-6F175D3DCCD1}">
+              <a14:hiddenFill xmlns:a14="http://schemas.microsoft.com/office/drawing/2010/main">
+                <a:solidFill>
+                  <a:srgbClr val="FFFFFF"/>
+                </a:solidFill>
+              </a14:hiddenFill>
+            </a:ext>
+          </a:extLst>
+        </p:spPr>
+      </p:pic>
       <p:sp>
         <p:nvSpPr>
-          <p:cNvPr id="2" name="Title 1"/>
-          <p:cNvSpPr>
-            <a:spLocks noGrp="1"/>
-          </p:cNvSpPr>
-          <p:nvPr>
-            <p:ph type="title"/>
-          </p:nvPr>
+          <p:cNvPr id="12" name="Rectangle 11"/>
+          <p:cNvSpPr/>
+          <p:nvPr/>
         </p:nvSpPr>
-        <p:spPr/>
+        <p:spPr>
+          <a:xfrm>
+            <a:off x="2709752" y="1738065"/>
+            <a:ext cx="3745843" cy="835613"/>
+          </a:xfrm>
+          <a:prstGeom prst="rect">
+            <a:avLst/>
+          </a:prstGeom>
+        </p:spPr>
+        <p:style>
+          <a:lnRef idx="2">
+            <a:schemeClr val="accent2"/>
+          </a:lnRef>
+          <a:fillRef idx="1">
+            <a:schemeClr val="lt1"/>
+          </a:fillRef>
+          <a:effectRef idx="0">
+            <a:schemeClr val="accent2"/>
+          </a:effectRef>
+          <a:fontRef idx="minor">
+            <a:schemeClr val="dk1"/>
+          </a:fontRef>
+        </p:style>
         <p:txBody>
-          <a:bodyPr/>
+          <a:bodyPr wrap="square">
+            <a:spAutoFit/>
+          </a:bodyPr>
           <a:lstStyle/>
           <a:p>
+            <a:pPr>
+              <a:lnSpc>
+                <a:spcPct val="115000"/>
+              </a:lnSpc>
+              <a:spcAft>
+                <a:spcPts val="0"/>
+              </a:spcAft>
+            </a:pPr>
             <a:r>
-              <a:rPr lang="de-AT" dirty="0" smtClean="0"/>
-              <a:t>Scan</a:t>
+              <a:rPr lang="en-US" sz="1400" dirty="0">
+                <a:solidFill>
+                  <a:srgbClr val="000000"/>
+                </a:solidFill>
+                <a:latin typeface="Courier New"/>
+                <a:ea typeface="Times New Roman"/>
+                <a:cs typeface="Times New Roman"/>
+              </a:rPr>
+              <a:t>sum</a:t>
             </a:r>
-            <a:endParaRPr lang="de-AT" dirty="0"/>
+            <a:r>
+              <a:rPr lang="en-US" sz="1400" dirty="0">
+                <a:solidFill>
+                  <a:srgbClr val="FF0000"/>
+                </a:solidFill>
+                <a:latin typeface="Courier New"/>
+                <a:ea typeface="Times New Roman"/>
+                <a:cs typeface="Times New Roman"/>
+              </a:rPr>
+              <a:t>[</a:t>
+            </a:r>
+            <a:r>
+              <a:rPr lang="en-US" sz="1400" dirty="0">
+                <a:solidFill>
+                  <a:srgbClr val="F000F0"/>
+                </a:solidFill>
+                <a:latin typeface="Courier New"/>
+                <a:ea typeface="Times New Roman"/>
+                <a:cs typeface="Times New Roman"/>
+              </a:rPr>
+              <a:t>0</a:t>
+            </a:r>
+            <a:r>
+              <a:rPr lang="en-US" sz="1400" dirty="0">
+                <a:solidFill>
+                  <a:srgbClr val="FF0000"/>
+                </a:solidFill>
+                <a:latin typeface="Courier New"/>
+                <a:ea typeface="Times New Roman"/>
+                <a:cs typeface="Times New Roman"/>
+              </a:rPr>
+              <a:t>] = </a:t>
+            </a:r>
+            <a:r>
+              <a:rPr lang="en-US" sz="1400" dirty="0" err="1">
+                <a:solidFill>
+                  <a:srgbClr val="000000"/>
+                </a:solidFill>
+                <a:latin typeface="Courier New"/>
+                <a:ea typeface="Times New Roman"/>
+                <a:cs typeface="Times New Roman"/>
+              </a:rPr>
+              <a:t>arr</a:t>
+            </a:r>
+            <a:r>
+              <a:rPr lang="en-US" sz="1400" dirty="0">
+                <a:solidFill>
+                  <a:srgbClr val="FF0000"/>
+                </a:solidFill>
+                <a:latin typeface="Courier New"/>
+                <a:ea typeface="Times New Roman"/>
+                <a:cs typeface="Times New Roman"/>
+              </a:rPr>
+              <a:t>[</a:t>
+            </a:r>
+            <a:r>
+              <a:rPr lang="en-US" sz="1400" dirty="0">
+                <a:solidFill>
+                  <a:srgbClr val="F000F0"/>
+                </a:solidFill>
+                <a:latin typeface="Courier New"/>
+                <a:ea typeface="Times New Roman"/>
+                <a:cs typeface="Times New Roman"/>
+              </a:rPr>
+              <a:t>0</a:t>
+            </a:r>
+            <a:r>
+              <a:rPr lang="en-US" sz="1400" dirty="0">
+                <a:solidFill>
+                  <a:srgbClr val="FF0000"/>
+                </a:solidFill>
+                <a:latin typeface="Courier New"/>
+                <a:ea typeface="Times New Roman"/>
+                <a:cs typeface="Times New Roman"/>
+              </a:rPr>
+              <a:t>];</a:t>
+            </a:r>
+            <a:endParaRPr lang="en-US" sz="1400" dirty="0">
+              <a:ea typeface="Times New Roman"/>
+              <a:cs typeface="Times New Roman"/>
+            </a:endParaRPr>
+          </a:p>
+          <a:p>
+            <a:pPr>
+              <a:lnSpc>
+                <a:spcPct val="115000"/>
+              </a:lnSpc>
+              <a:spcAft>
+                <a:spcPts val="0"/>
+              </a:spcAft>
+            </a:pPr>
+            <a:r>
+              <a:rPr lang="en-US" sz="1400" b="1" dirty="0">
+                <a:solidFill>
+                  <a:srgbClr val="0000A0"/>
+                </a:solidFill>
+                <a:latin typeface="Courier New"/>
+                <a:ea typeface="Times New Roman"/>
+                <a:cs typeface="Times New Roman"/>
+              </a:rPr>
+              <a:t>for</a:t>
+            </a:r>
+            <a:r>
+              <a:rPr lang="en-US" sz="1400" dirty="0">
+                <a:solidFill>
+                  <a:srgbClr val="FF0000"/>
+                </a:solidFill>
+                <a:latin typeface="Courier New"/>
+                <a:ea typeface="Times New Roman"/>
+                <a:cs typeface="Times New Roman"/>
+              </a:rPr>
+              <a:t>(</a:t>
+            </a:r>
+            <a:r>
+              <a:rPr lang="en-US" sz="1400" b="1" dirty="0" err="1">
+                <a:solidFill>
+                  <a:srgbClr val="0000A0"/>
+                </a:solidFill>
+                <a:latin typeface="Courier New"/>
+                <a:ea typeface="Times New Roman"/>
+                <a:cs typeface="Times New Roman"/>
+              </a:rPr>
+              <a:t>int</a:t>
+            </a:r>
+            <a:r>
+              <a:rPr lang="en-US" sz="1400" b="1" dirty="0">
+                <a:solidFill>
+                  <a:srgbClr val="0000A0"/>
+                </a:solidFill>
+                <a:latin typeface="Courier New"/>
+                <a:ea typeface="Times New Roman"/>
+                <a:cs typeface="Times New Roman"/>
+              </a:rPr>
+              <a:t> </a:t>
+            </a:r>
+            <a:r>
+              <a:rPr lang="en-US" sz="1400" dirty="0" err="1">
+                <a:solidFill>
+                  <a:srgbClr val="000000"/>
+                </a:solidFill>
+                <a:latin typeface="Courier New"/>
+                <a:ea typeface="Times New Roman"/>
+                <a:cs typeface="Times New Roman"/>
+              </a:rPr>
+              <a:t>i</a:t>
+            </a:r>
+            <a:r>
+              <a:rPr lang="en-US" sz="1400" dirty="0">
+                <a:solidFill>
+                  <a:srgbClr val="000000"/>
+                </a:solidFill>
+                <a:latin typeface="Courier New"/>
+                <a:ea typeface="Times New Roman"/>
+                <a:cs typeface="Times New Roman"/>
+              </a:rPr>
+              <a:t> </a:t>
+            </a:r>
+            <a:r>
+              <a:rPr lang="en-US" sz="1400" dirty="0">
+                <a:solidFill>
+                  <a:srgbClr val="FF0000"/>
+                </a:solidFill>
+                <a:latin typeface="Courier New"/>
+                <a:ea typeface="Times New Roman"/>
+                <a:cs typeface="Times New Roman"/>
+              </a:rPr>
+              <a:t>= </a:t>
+            </a:r>
+            <a:r>
+              <a:rPr lang="en-US" sz="1400" dirty="0">
+                <a:solidFill>
+                  <a:srgbClr val="F000F0"/>
+                </a:solidFill>
+                <a:latin typeface="Courier New"/>
+                <a:ea typeface="Times New Roman"/>
+                <a:cs typeface="Times New Roman"/>
+              </a:rPr>
+              <a:t>1</a:t>
+            </a:r>
+            <a:r>
+              <a:rPr lang="en-US" sz="1400" dirty="0">
+                <a:solidFill>
+                  <a:srgbClr val="FF0000"/>
+                </a:solidFill>
+                <a:latin typeface="Courier New"/>
+                <a:ea typeface="Times New Roman"/>
+                <a:cs typeface="Times New Roman"/>
+              </a:rPr>
+              <a:t>; </a:t>
+            </a:r>
+            <a:r>
+              <a:rPr lang="en-US" sz="1400" dirty="0" err="1">
+                <a:solidFill>
+                  <a:srgbClr val="000000"/>
+                </a:solidFill>
+                <a:latin typeface="Courier New"/>
+                <a:ea typeface="Times New Roman"/>
+                <a:cs typeface="Times New Roman"/>
+              </a:rPr>
+              <a:t>i</a:t>
+            </a:r>
+            <a:r>
+              <a:rPr lang="en-US" sz="1400" dirty="0">
+                <a:solidFill>
+                  <a:srgbClr val="000000"/>
+                </a:solidFill>
+                <a:latin typeface="Courier New"/>
+                <a:ea typeface="Times New Roman"/>
+                <a:cs typeface="Times New Roman"/>
+              </a:rPr>
+              <a:t> </a:t>
+            </a:r>
+            <a:r>
+              <a:rPr lang="en-US" sz="1400" dirty="0">
+                <a:solidFill>
+                  <a:srgbClr val="FF0000"/>
+                </a:solidFill>
+                <a:latin typeface="Courier New"/>
+                <a:ea typeface="Times New Roman"/>
+                <a:cs typeface="Times New Roman"/>
+              </a:rPr>
+              <a:t>&lt; </a:t>
+            </a:r>
+            <a:r>
+              <a:rPr lang="en-US" sz="1400" dirty="0" err="1" smtClean="0">
+                <a:solidFill>
+                  <a:srgbClr val="000000"/>
+                </a:solidFill>
+                <a:latin typeface="Courier New"/>
+                <a:ea typeface="Times New Roman"/>
+                <a:cs typeface="Times New Roman"/>
+              </a:rPr>
+              <a:t>len</a:t>
+            </a:r>
+            <a:r>
+              <a:rPr lang="en-US" sz="1400" dirty="0" smtClean="0">
+                <a:solidFill>
+                  <a:srgbClr val="FF0000"/>
+                </a:solidFill>
+                <a:latin typeface="Courier New"/>
+                <a:ea typeface="Times New Roman"/>
+                <a:cs typeface="Times New Roman"/>
+              </a:rPr>
+              <a:t>(</a:t>
+            </a:r>
+            <a:r>
+              <a:rPr lang="en-US" sz="1400" dirty="0" err="1" smtClean="0">
+                <a:solidFill>
+                  <a:srgbClr val="000000"/>
+                </a:solidFill>
+                <a:latin typeface="Courier New"/>
+                <a:ea typeface="Times New Roman"/>
+                <a:cs typeface="Times New Roman"/>
+              </a:rPr>
+              <a:t>arr</a:t>
+            </a:r>
+            <a:r>
+              <a:rPr lang="en-US" sz="1400" dirty="0">
+                <a:solidFill>
+                  <a:srgbClr val="FF0000"/>
+                </a:solidFill>
+                <a:latin typeface="Courier New"/>
+                <a:ea typeface="Times New Roman"/>
+                <a:cs typeface="Times New Roman"/>
+              </a:rPr>
+              <a:t>); </a:t>
+            </a:r>
+            <a:r>
+              <a:rPr lang="en-US" sz="1400" dirty="0" err="1">
+                <a:solidFill>
+                  <a:srgbClr val="000000"/>
+                </a:solidFill>
+                <a:latin typeface="Courier New"/>
+                <a:ea typeface="Times New Roman"/>
+                <a:cs typeface="Times New Roman"/>
+              </a:rPr>
+              <a:t>i</a:t>
+            </a:r>
+            <a:r>
+              <a:rPr lang="en-US" sz="1400" dirty="0">
+                <a:solidFill>
+                  <a:srgbClr val="FF0000"/>
+                </a:solidFill>
+                <a:latin typeface="Courier New"/>
+                <a:ea typeface="Times New Roman"/>
+                <a:cs typeface="Times New Roman"/>
+              </a:rPr>
+              <a:t>++)</a:t>
+            </a:r>
+            <a:endParaRPr lang="en-US" sz="1400" dirty="0">
+              <a:ea typeface="Times New Roman"/>
+              <a:cs typeface="Times New Roman"/>
+            </a:endParaRPr>
+          </a:p>
+          <a:p>
+            <a:pPr>
+              <a:lnSpc>
+                <a:spcPct val="115000"/>
+              </a:lnSpc>
+              <a:spcAft>
+                <a:spcPts val="0"/>
+              </a:spcAft>
+            </a:pPr>
+            <a:r>
+              <a:rPr lang="en-US" sz="1400" dirty="0">
+                <a:solidFill>
+                  <a:srgbClr val="FF0000"/>
+                </a:solidFill>
+                <a:latin typeface="Courier New"/>
+                <a:ea typeface="Times New Roman"/>
+                <a:cs typeface="Times New Roman"/>
+              </a:rPr>
+              <a:t>    </a:t>
+            </a:r>
+            <a:r>
+              <a:rPr lang="en-US" sz="1400" dirty="0">
+                <a:solidFill>
+                  <a:srgbClr val="000000"/>
+                </a:solidFill>
+                <a:latin typeface="Courier New"/>
+                <a:ea typeface="Times New Roman"/>
+                <a:cs typeface="Times New Roman"/>
+              </a:rPr>
+              <a:t>sum</a:t>
+            </a:r>
+            <a:r>
+              <a:rPr lang="en-US" sz="1400" dirty="0">
+                <a:solidFill>
+                  <a:srgbClr val="FF0000"/>
+                </a:solidFill>
+                <a:latin typeface="Courier New"/>
+                <a:ea typeface="Times New Roman"/>
+                <a:cs typeface="Times New Roman"/>
+              </a:rPr>
+              <a:t>[</a:t>
+            </a:r>
+            <a:r>
+              <a:rPr lang="en-US" sz="1400" dirty="0" err="1">
+                <a:solidFill>
+                  <a:srgbClr val="000000"/>
+                </a:solidFill>
+                <a:latin typeface="Courier New"/>
+                <a:ea typeface="Times New Roman"/>
+                <a:cs typeface="Times New Roman"/>
+              </a:rPr>
+              <a:t>i</a:t>
+            </a:r>
+            <a:r>
+              <a:rPr lang="en-US" sz="1400" dirty="0">
+                <a:solidFill>
+                  <a:srgbClr val="FF0000"/>
+                </a:solidFill>
+                <a:latin typeface="Courier New"/>
+                <a:ea typeface="Times New Roman"/>
+                <a:cs typeface="Times New Roman"/>
+              </a:rPr>
+              <a:t>] = </a:t>
+            </a:r>
+            <a:r>
+              <a:rPr lang="en-US" sz="1400" dirty="0">
+                <a:solidFill>
+                  <a:srgbClr val="000000"/>
+                </a:solidFill>
+                <a:latin typeface="Courier New"/>
+                <a:ea typeface="Times New Roman"/>
+                <a:cs typeface="Times New Roman"/>
+              </a:rPr>
+              <a:t>sum</a:t>
+            </a:r>
+            <a:r>
+              <a:rPr lang="en-US" sz="1400" dirty="0">
+                <a:solidFill>
+                  <a:srgbClr val="FF0000"/>
+                </a:solidFill>
+                <a:latin typeface="Courier New"/>
+                <a:ea typeface="Times New Roman"/>
+                <a:cs typeface="Times New Roman"/>
+              </a:rPr>
+              <a:t>[</a:t>
+            </a:r>
+            <a:r>
+              <a:rPr lang="en-US" sz="1400" dirty="0" err="1">
+                <a:solidFill>
+                  <a:srgbClr val="000000"/>
+                </a:solidFill>
+                <a:latin typeface="Courier New"/>
+                <a:ea typeface="Times New Roman"/>
+                <a:cs typeface="Times New Roman"/>
+              </a:rPr>
+              <a:t>i</a:t>
+            </a:r>
+            <a:r>
+              <a:rPr lang="en-US" sz="1400" dirty="0">
+                <a:solidFill>
+                  <a:srgbClr val="000000"/>
+                </a:solidFill>
+                <a:latin typeface="Courier New"/>
+                <a:ea typeface="Times New Roman"/>
+                <a:cs typeface="Times New Roman"/>
+              </a:rPr>
+              <a:t> </a:t>
+            </a:r>
+            <a:r>
+              <a:rPr lang="en-US" sz="1400" dirty="0">
+                <a:solidFill>
+                  <a:srgbClr val="FF0000"/>
+                </a:solidFill>
+                <a:latin typeface="Courier New"/>
+                <a:ea typeface="Times New Roman"/>
+                <a:cs typeface="Times New Roman"/>
+              </a:rPr>
+              <a:t>- </a:t>
+            </a:r>
+            <a:r>
+              <a:rPr lang="en-US" sz="1400" dirty="0">
+                <a:solidFill>
+                  <a:srgbClr val="F000F0"/>
+                </a:solidFill>
+                <a:latin typeface="Courier New"/>
+                <a:ea typeface="Times New Roman"/>
+                <a:cs typeface="Times New Roman"/>
+              </a:rPr>
+              <a:t>1</a:t>
+            </a:r>
+            <a:r>
+              <a:rPr lang="en-US" sz="1400" dirty="0">
+                <a:solidFill>
+                  <a:srgbClr val="FF0000"/>
+                </a:solidFill>
+                <a:latin typeface="Courier New"/>
+                <a:ea typeface="Times New Roman"/>
+                <a:cs typeface="Times New Roman"/>
+              </a:rPr>
+              <a:t>] + </a:t>
+            </a:r>
+            <a:r>
+              <a:rPr lang="en-US" sz="1400" dirty="0" err="1">
+                <a:solidFill>
+                  <a:srgbClr val="000000"/>
+                </a:solidFill>
+                <a:latin typeface="Courier New"/>
+                <a:ea typeface="Times New Roman"/>
+                <a:cs typeface="Times New Roman"/>
+              </a:rPr>
+              <a:t>arr</a:t>
+            </a:r>
+            <a:r>
+              <a:rPr lang="en-US" sz="1400" dirty="0">
+                <a:solidFill>
+                  <a:srgbClr val="FF0000"/>
+                </a:solidFill>
+                <a:latin typeface="Courier New"/>
+                <a:ea typeface="Times New Roman"/>
+                <a:cs typeface="Times New Roman"/>
+              </a:rPr>
+              <a:t>[</a:t>
+            </a:r>
+            <a:r>
+              <a:rPr lang="en-US" sz="1400" dirty="0" err="1">
+                <a:solidFill>
+                  <a:srgbClr val="000000"/>
+                </a:solidFill>
+                <a:latin typeface="Courier New"/>
+                <a:ea typeface="Times New Roman"/>
+                <a:cs typeface="Times New Roman"/>
+              </a:rPr>
+              <a:t>i</a:t>
+            </a:r>
+            <a:r>
+              <a:rPr lang="en-US" sz="1400" dirty="0">
+                <a:solidFill>
+                  <a:srgbClr val="FF0000"/>
+                </a:solidFill>
+                <a:latin typeface="Courier New"/>
+                <a:ea typeface="Times New Roman"/>
+                <a:cs typeface="Times New Roman"/>
+              </a:rPr>
+              <a:t>];</a:t>
+            </a:r>
+            <a:endParaRPr lang="en-US" sz="1400" dirty="0">
+              <a:ea typeface="Times New Roman"/>
+              <a:cs typeface="Times New Roman"/>
+            </a:endParaRPr>
           </a:p>
         </p:txBody>
       </p:sp>
+      <p:graphicFrame>
+        <p:nvGraphicFramePr>
+          <p:cNvPr id="13" name="Table 12"/>
+          <p:cNvGraphicFramePr>
+            <a:graphicFrameLocks noGrp="1"/>
+          </p:cNvGraphicFramePr>
+          <p:nvPr>
+            <p:extLst>
+              <p:ext uri="{D42A27DB-BD31-4B8C-83A1-F6EECF244321}">
+                <p14:modId xmlns:p14="http://schemas.microsoft.com/office/powerpoint/2010/main" val="1124955541"/>
+              </p:ext>
+            </p:extLst>
+          </p:nvPr>
+        </p:nvGraphicFramePr>
+        <p:xfrm>
+          <a:off x="1534673" y="3921930"/>
+          <a:ext cx="6096000" cy="741680"/>
+        </p:xfrm>
+        <a:graphic>
+          <a:graphicData uri="http://schemas.openxmlformats.org/drawingml/2006/table">
+            <a:tbl>
+              <a:tblPr firstRow="1" bandRow="1">
+                <a:tableStyleId>{5C22544A-7EE6-4342-B048-85BDC9FD1C3A}</a:tableStyleId>
+              </a:tblPr>
+              <a:tblGrid>
+                <a:gridCol w="609600"/>
+                <a:gridCol w="609600"/>
+                <a:gridCol w="609600"/>
+                <a:gridCol w="609600"/>
+                <a:gridCol w="609600"/>
+                <a:gridCol w="609600"/>
+                <a:gridCol w="609600"/>
+                <a:gridCol w="609600"/>
+                <a:gridCol w="609600"/>
+                <a:gridCol w="609600"/>
+              </a:tblGrid>
+              <a:tr h="370840">
+                <a:tc>
+                  <a:txBody>
+                    <a:bodyPr/>
+                    <a:lstStyle/>
+                    <a:p>
+                      <a:r>
+                        <a:rPr lang="en-US" dirty="0" err="1" smtClean="0"/>
+                        <a:t>arr</a:t>
+                      </a:r>
+                      <a:endParaRPr lang="en-US" dirty="0"/>
+                    </a:p>
+                  </a:txBody>
+                  <a:tcPr/>
+                </a:tc>
+                <a:tc>
+                  <a:txBody>
+                    <a:bodyPr/>
+                    <a:lstStyle/>
+                    <a:p>
+                      <a:r>
+                        <a:rPr lang="en-US" dirty="0" smtClean="0"/>
+                        <a:t>5</a:t>
+                      </a:r>
+                      <a:endParaRPr lang="en-US" dirty="0"/>
+                    </a:p>
+                  </a:txBody>
+                  <a:tcPr/>
+                </a:tc>
+                <a:tc>
+                  <a:txBody>
+                    <a:bodyPr/>
+                    <a:lstStyle/>
+                    <a:p>
+                      <a:r>
+                        <a:rPr lang="en-US" dirty="0" smtClean="0"/>
+                        <a:t>1</a:t>
+                      </a:r>
+                      <a:endParaRPr lang="en-US" dirty="0"/>
+                    </a:p>
+                  </a:txBody>
+                  <a:tcPr/>
+                </a:tc>
+                <a:tc>
+                  <a:txBody>
+                    <a:bodyPr/>
+                    <a:lstStyle/>
+                    <a:p>
+                      <a:r>
+                        <a:rPr lang="en-US" dirty="0" smtClean="0"/>
+                        <a:t>3</a:t>
+                      </a:r>
+                      <a:endParaRPr lang="en-US" dirty="0"/>
+                    </a:p>
+                  </a:txBody>
+                  <a:tcPr/>
+                </a:tc>
+                <a:tc>
+                  <a:txBody>
+                    <a:bodyPr/>
+                    <a:lstStyle/>
+                    <a:p>
+                      <a:r>
+                        <a:rPr lang="en-US" dirty="0" smtClean="0"/>
+                        <a:t>4</a:t>
+                      </a:r>
+                      <a:endParaRPr lang="en-US" dirty="0"/>
+                    </a:p>
+                  </a:txBody>
+                  <a:tcPr/>
+                </a:tc>
+                <a:tc>
+                  <a:txBody>
+                    <a:bodyPr/>
+                    <a:lstStyle/>
+                    <a:p>
+                      <a:r>
+                        <a:rPr lang="en-US" dirty="0" smtClean="0"/>
+                        <a:t>2</a:t>
+                      </a:r>
+                      <a:endParaRPr lang="en-US" dirty="0"/>
+                    </a:p>
+                  </a:txBody>
+                  <a:tcPr/>
+                </a:tc>
+                <a:tc>
+                  <a:txBody>
+                    <a:bodyPr/>
+                    <a:lstStyle/>
+                    <a:p>
+                      <a:r>
+                        <a:rPr lang="en-US" dirty="0" smtClean="0"/>
+                        <a:t>8</a:t>
+                      </a:r>
+                      <a:endParaRPr lang="en-US" dirty="0"/>
+                    </a:p>
+                  </a:txBody>
+                  <a:tcPr/>
+                </a:tc>
+                <a:tc>
+                  <a:txBody>
+                    <a:bodyPr/>
+                    <a:lstStyle/>
+                    <a:p>
+                      <a:r>
+                        <a:rPr lang="en-US" dirty="0" smtClean="0"/>
+                        <a:t>0</a:t>
+                      </a:r>
+                      <a:endParaRPr lang="en-US" dirty="0"/>
+                    </a:p>
+                  </a:txBody>
+                  <a:tcPr/>
+                </a:tc>
+                <a:tc>
+                  <a:txBody>
+                    <a:bodyPr/>
+                    <a:lstStyle/>
+                    <a:p>
+                      <a:r>
+                        <a:rPr lang="en-US" dirty="0" smtClean="0"/>
+                        <a:t>4</a:t>
+                      </a:r>
+                      <a:endParaRPr lang="en-US" dirty="0"/>
+                    </a:p>
+                  </a:txBody>
+                  <a:tcPr/>
+                </a:tc>
+                <a:tc>
+                  <a:txBody>
+                    <a:bodyPr/>
+                    <a:lstStyle/>
+                    <a:p>
+                      <a:r>
+                        <a:rPr lang="en-US" dirty="0" smtClean="0"/>
+                        <a:t>7</a:t>
+                      </a:r>
+                      <a:endParaRPr lang="en-US" dirty="0"/>
+                    </a:p>
+                  </a:txBody>
+                  <a:tcPr/>
+                </a:tc>
+              </a:tr>
+              <a:tr h="370840">
+                <a:tc>
+                  <a:txBody>
+                    <a:bodyPr/>
+                    <a:lstStyle/>
+                    <a:p>
+                      <a:r>
+                        <a:rPr lang="en-US" dirty="0" smtClean="0"/>
+                        <a:t>sum</a:t>
+                      </a:r>
+                      <a:endParaRPr lang="en-US" dirty="0"/>
+                    </a:p>
+                  </a:txBody>
+                  <a:tcPr/>
+                </a:tc>
+                <a:tc>
+                  <a:txBody>
+                    <a:bodyPr/>
+                    <a:lstStyle/>
+                    <a:p>
+                      <a:r>
+                        <a:rPr lang="en-US" dirty="0" smtClean="0"/>
+                        <a:t>5</a:t>
+                      </a:r>
+                      <a:endParaRPr lang="en-US" dirty="0"/>
+                    </a:p>
+                  </a:txBody>
+                  <a:tcPr/>
+                </a:tc>
+                <a:tc>
+                  <a:txBody>
+                    <a:bodyPr/>
+                    <a:lstStyle/>
+                    <a:p>
+                      <a:r>
+                        <a:rPr lang="en-US" dirty="0" smtClean="0"/>
+                        <a:t>6</a:t>
+                      </a:r>
+                      <a:endParaRPr lang="en-US" dirty="0"/>
+                    </a:p>
+                  </a:txBody>
+                  <a:tcPr/>
+                </a:tc>
+                <a:tc>
+                  <a:txBody>
+                    <a:bodyPr/>
+                    <a:lstStyle/>
+                    <a:p>
+                      <a:r>
+                        <a:rPr lang="en-US" dirty="0" smtClean="0"/>
+                        <a:t>9</a:t>
+                      </a:r>
+                      <a:endParaRPr lang="en-US" dirty="0"/>
+                    </a:p>
+                  </a:txBody>
+                  <a:tcPr/>
+                </a:tc>
+                <a:tc>
+                  <a:txBody>
+                    <a:bodyPr/>
+                    <a:lstStyle/>
+                    <a:p>
+                      <a:r>
+                        <a:rPr lang="en-US" dirty="0" smtClean="0"/>
+                        <a:t>13</a:t>
+                      </a:r>
+                      <a:endParaRPr lang="en-US" dirty="0"/>
+                    </a:p>
+                  </a:txBody>
+                  <a:tcPr/>
+                </a:tc>
+                <a:tc>
+                  <a:txBody>
+                    <a:bodyPr/>
+                    <a:lstStyle/>
+                    <a:p>
+                      <a:r>
+                        <a:rPr lang="en-US" dirty="0" smtClean="0"/>
+                        <a:t>15</a:t>
+                      </a:r>
+                      <a:endParaRPr lang="en-US" dirty="0"/>
+                    </a:p>
+                  </a:txBody>
+                  <a:tcPr/>
+                </a:tc>
+                <a:tc>
+                  <a:txBody>
+                    <a:bodyPr/>
+                    <a:lstStyle/>
+                    <a:p>
+                      <a:r>
+                        <a:rPr lang="en-US" dirty="0" smtClean="0"/>
+                        <a:t>23</a:t>
+                      </a:r>
+                      <a:endParaRPr lang="en-US" dirty="0"/>
+                    </a:p>
+                  </a:txBody>
+                  <a:tcPr/>
+                </a:tc>
+                <a:tc>
+                  <a:txBody>
+                    <a:bodyPr/>
+                    <a:lstStyle/>
+                    <a:p>
+                      <a:r>
+                        <a:rPr lang="en-US" dirty="0" smtClean="0"/>
+                        <a:t>23</a:t>
+                      </a:r>
+                      <a:endParaRPr lang="en-US" dirty="0"/>
+                    </a:p>
+                  </a:txBody>
+                  <a:tcPr/>
+                </a:tc>
+                <a:tc>
+                  <a:txBody>
+                    <a:bodyPr/>
+                    <a:lstStyle/>
+                    <a:p>
+                      <a:r>
+                        <a:rPr lang="en-US" dirty="0" smtClean="0"/>
+                        <a:t>27</a:t>
+                      </a:r>
+                      <a:endParaRPr lang="en-US" dirty="0"/>
+                    </a:p>
+                  </a:txBody>
+                  <a:tcPr/>
+                </a:tc>
+                <a:tc>
+                  <a:txBody>
+                    <a:bodyPr/>
+                    <a:lstStyle/>
+                    <a:p>
+                      <a:r>
+                        <a:rPr lang="en-US" dirty="0" smtClean="0"/>
+                        <a:t>34</a:t>
+                      </a:r>
+                      <a:endParaRPr lang="en-US" dirty="0"/>
+                    </a:p>
+                  </a:txBody>
+                  <a:tcPr/>
+                </a:tc>
+              </a:tr>
+            </a:tbl>
+          </a:graphicData>
+        </a:graphic>
+      </p:graphicFrame>
       <p:sp>
         <p:nvSpPr>
-          <p:cNvPr id="3" name="Content Placeholder 2"/>
-          <p:cNvSpPr>
-            <a:spLocks noGrp="1"/>
-          </p:cNvSpPr>
-          <p:nvPr>
-            <p:ph idx="1"/>
-          </p:nvPr>
+          <p:cNvPr id="14" name="TextBox 13"/>
+          <p:cNvSpPr txBox="1"/>
+          <p:nvPr/>
         </p:nvSpPr>
-        <p:spPr/>
+        <p:spPr>
+          <a:xfrm>
+            <a:off x="7080381" y="4958834"/>
+            <a:ext cx="2063619" cy="184666"/>
+          </a:xfrm>
+          <a:prstGeom prst="rect">
+            <a:avLst/>
+          </a:prstGeom>
+          <a:noFill/>
+        </p:spPr>
         <p:txBody>
-          <a:bodyPr/>
+          <a:bodyPr wrap="square" rtlCol="0">
+            <a:spAutoFit/>
+          </a:bodyPr>
           <a:lstStyle/>
           <a:p>
-            <a:endParaRPr lang="de-AT"/>
+            <a:pPr algn="r"/>
+            <a:r>
+              <a:rPr lang="en-US" sz="600" dirty="0"/>
+              <a:t>http://en.wikipedia.org/wiki/File:Prefix_sum_16.svg</a:t>
+            </a:r>
           </a:p>
         </p:txBody>
       </p:sp>
     </p:spTree>
     <p:extLst>
       <p:ext uri="{BB962C8B-B14F-4D97-AF65-F5344CB8AC3E}">
-        <p14:creationId xmlns:p14="http://schemas.microsoft.com/office/powerpoint/2010/main" val="3979678495"/>
+        <p14:creationId xmlns:p14="http://schemas.microsoft.com/office/powerpoint/2010/main" val="1608754944"/>
       </p:ext>
     </p:extLst>
   </p:cSld>
   <p:clrMapOvr>
     <a:masterClrMapping/>
   </p:clrMapOvr>
+  <p:timing>
+    <p:tnLst>
+      <p:par>
+        <p:cTn id="1" dur="indefinite" restart="never" nodeType="tmRoot"/>
+      </p:par>
+    </p:tnLst>
+  </p:timing>
 </p:sld>
 </file>
 
@@ -5278,55 +13827,313 @@
           <a:chExt cx="0" cy="0"/>
         </a:xfrm>
       </p:grpSpPr>
+      <p:grpSp>
+        <p:nvGrpSpPr>
+          <p:cNvPr id="5" name="Group 4"/>
+          <p:cNvGrpSpPr/>
+          <p:nvPr/>
+        </p:nvGrpSpPr>
+        <p:grpSpPr>
+          <a:xfrm>
+            <a:off x="791496" y="141426"/>
+            <a:ext cx="2574343" cy="2574343"/>
+            <a:chOff x="4068247" y="2106280"/>
+            <a:chExt cx="2574343" cy="2574343"/>
+          </a:xfrm>
+        </p:grpSpPr>
+        <p:sp>
+          <p:nvSpPr>
+            <p:cNvPr id="6" name="Shape 5"/>
+            <p:cNvSpPr/>
+            <p:nvPr/>
+          </p:nvSpPr>
+          <p:spPr>
+            <a:xfrm>
+              <a:off x="4068247" y="2106280"/>
+              <a:ext cx="2574343" cy="2574343"/>
+            </a:xfrm>
+            <a:prstGeom prst="gear9">
+              <a:avLst/>
+            </a:prstGeom>
+          </p:spPr>
+          <p:style>
+            <a:lnRef idx="3">
+              <a:schemeClr val="lt1">
+                <a:hueOff val="0"/>
+                <a:satOff val="0"/>
+                <a:lumOff val="0"/>
+                <a:alphaOff val="0"/>
+              </a:schemeClr>
+            </a:lnRef>
+            <a:fillRef idx="1">
+              <a:schemeClr val="accent4">
+                <a:hueOff val="0"/>
+                <a:satOff val="0"/>
+                <a:lumOff val="0"/>
+                <a:alphaOff val="0"/>
+              </a:schemeClr>
+            </a:fillRef>
+            <a:effectRef idx="1">
+              <a:schemeClr val="accent4">
+                <a:hueOff val="0"/>
+                <a:satOff val="0"/>
+                <a:lumOff val="0"/>
+                <a:alphaOff val="0"/>
+              </a:schemeClr>
+            </a:effectRef>
+            <a:fontRef idx="minor">
+              <a:schemeClr val="lt1"/>
+            </a:fontRef>
+          </p:style>
+        </p:sp>
+        <p:sp>
+          <p:nvSpPr>
+            <p:cNvPr id="7" name="Shape 4"/>
+            <p:cNvSpPr/>
+            <p:nvPr/>
+          </p:nvSpPr>
+          <p:spPr>
+            <a:xfrm>
+              <a:off x="4585804" y="2709308"/>
+              <a:ext cx="1539229" cy="1323265"/>
+            </a:xfrm>
+            <a:prstGeom prst="rect">
+              <a:avLst/>
+            </a:prstGeom>
+          </p:spPr>
+          <p:style>
+            <a:lnRef idx="0">
+              <a:scrgbClr r="0" g="0" b="0"/>
+            </a:lnRef>
+            <a:fillRef idx="0">
+              <a:scrgbClr r="0" g="0" b="0"/>
+            </a:fillRef>
+            <a:effectRef idx="0">
+              <a:scrgbClr r="0" g="0" b="0"/>
+            </a:effectRef>
+            <a:fontRef idx="minor">
+              <a:schemeClr val="lt1"/>
+            </a:fontRef>
+          </p:style>
+          <p:txBody>
+            <a:bodyPr spcFirstLastPara="0" vert="horz" wrap="square" lIns="49530" tIns="49530" rIns="49530" bIns="49530" numCol="1" spcCol="1270" anchor="ctr" anchorCtr="0">
+              <a:noAutofit/>
+            </a:bodyPr>
+            <a:lstStyle/>
+            <a:p>
+              <a:pPr lvl="0" algn="ctr" defTabSz="1733550">
+                <a:lnSpc>
+                  <a:spcPct val="90000"/>
+                </a:lnSpc>
+                <a:spcBef>
+                  <a:spcPct val="0"/>
+                </a:spcBef>
+                <a:spcAft>
+                  <a:spcPct val="35000"/>
+                </a:spcAft>
+              </a:pPr>
+              <a:r>
+                <a:rPr lang="en-US" sz="3900" kern="1200" dirty="0" smtClean="0"/>
+                <a:t>Matrix </a:t>
+              </a:r>
+              <a:r>
+                <a:rPr lang="en-US" sz="3900" kern="1200" dirty="0" err="1" smtClean="0"/>
+                <a:t>mult</a:t>
+              </a:r>
+              <a:r>
+                <a:rPr lang="en-US" sz="3900" kern="1200" dirty="0" smtClean="0"/>
+                <a:t>.</a:t>
+              </a:r>
+              <a:endParaRPr lang="en-US" sz="3900" kern="1200" dirty="0"/>
+            </a:p>
+          </p:txBody>
+        </p:sp>
+      </p:grpSp>
+      <p:grpSp>
+        <p:nvGrpSpPr>
+          <p:cNvPr id="11" name="Group 10"/>
+          <p:cNvGrpSpPr/>
+          <p:nvPr/>
+        </p:nvGrpSpPr>
+        <p:grpSpPr>
+          <a:xfrm rot="162158">
+            <a:off x="247104" y="2326622"/>
+            <a:ext cx="2223459" cy="2223459"/>
+            <a:chOff x="3619098" y="206138"/>
+            <a:chExt cx="1834422" cy="1834422"/>
+          </a:xfrm>
+        </p:grpSpPr>
+        <p:sp>
+          <p:nvSpPr>
+            <p:cNvPr id="12" name="Shape 11"/>
+            <p:cNvSpPr/>
+            <p:nvPr/>
+          </p:nvSpPr>
+          <p:spPr>
+            <a:xfrm rot="20700000">
+              <a:off x="3619098" y="206138"/>
+              <a:ext cx="1834422" cy="1834422"/>
+            </a:xfrm>
+            <a:prstGeom prst="gear6">
+              <a:avLst/>
+            </a:prstGeom>
+            <a:solidFill>
+              <a:schemeClr val="accent4"/>
+            </a:solidFill>
+          </p:spPr>
+          <p:style>
+            <a:lnRef idx="3">
+              <a:schemeClr val="lt1">
+                <a:hueOff val="0"/>
+                <a:satOff val="0"/>
+                <a:lumOff val="0"/>
+                <a:alphaOff val="0"/>
+              </a:schemeClr>
+            </a:lnRef>
+            <a:fillRef idx="1">
+              <a:schemeClr val="accent4">
+                <a:hueOff val="-4464770"/>
+                <a:satOff val="26899"/>
+                <a:lumOff val="2156"/>
+                <a:alphaOff val="0"/>
+              </a:schemeClr>
+            </a:fillRef>
+            <a:effectRef idx="1">
+              <a:schemeClr val="accent4">
+                <a:hueOff val="-4464770"/>
+                <a:satOff val="26899"/>
+                <a:lumOff val="2156"/>
+                <a:alphaOff val="0"/>
+              </a:schemeClr>
+            </a:effectRef>
+            <a:fontRef idx="minor">
+              <a:schemeClr val="lt1"/>
+            </a:fontRef>
+          </p:style>
+        </p:sp>
+        <p:sp>
+          <p:nvSpPr>
+            <p:cNvPr id="13" name="Shape 4"/>
+            <p:cNvSpPr/>
+            <p:nvPr/>
+          </p:nvSpPr>
+          <p:spPr>
+            <a:xfrm rot="21437842">
+              <a:off x="4021441" y="608481"/>
+              <a:ext cx="1029737" cy="1029737"/>
+            </a:xfrm>
+            <a:prstGeom prst="rect">
+              <a:avLst/>
+            </a:prstGeom>
+          </p:spPr>
+          <p:style>
+            <a:lnRef idx="0">
+              <a:scrgbClr r="0" g="0" b="0"/>
+            </a:lnRef>
+            <a:fillRef idx="0">
+              <a:scrgbClr r="0" g="0" b="0"/>
+            </a:fillRef>
+            <a:effectRef idx="0">
+              <a:scrgbClr r="0" g="0" b="0"/>
+            </a:effectRef>
+            <a:fontRef idx="minor">
+              <a:schemeClr val="lt1"/>
+            </a:fontRef>
+          </p:style>
+          <p:txBody>
+            <a:bodyPr spcFirstLastPara="0" vert="horz" wrap="square" lIns="49530" tIns="49530" rIns="49530" bIns="49530" numCol="1" spcCol="1270" anchor="ctr" anchorCtr="0">
+              <a:noAutofit/>
+            </a:bodyPr>
+            <a:lstStyle/>
+            <a:p>
+              <a:pPr lvl="0" algn="ctr" defTabSz="1733550">
+                <a:lnSpc>
+                  <a:spcPct val="90000"/>
+                </a:lnSpc>
+                <a:spcBef>
+                  <a:spcPct val="0"/>
+                </a:spcBef>
+                <a:spcAft>
+                  <a:spcPct val="35000"/>
+                </a:spcAft>
+              </a:pPr>
+              <a:r>
+                <a:rPr lang="en-US" sz="6000" kern="1200" dirty="0" smtClean="0"/>
+                <a:t>n³</a:t>
+              </a:r>
+              <a:endParaRPr lang="en-US" sz="6000" kern="1200" dirty="0"/>
+            </a:p>
+          </p:txBody>
+        </p:sp>
+      </p:grpSp>
+      <p:pic>
+        <p:nvPicPr>
+          <p:cNvPr id="7171" name="Picture 3" descr="D:\data\FH\Bachelorarbeit\svnroot\presentations\BAS_1\matrix_mul_trans.png"/>
+          <p:cNvPicPr>
+            <a:picLocks noChangeAspect="1" noChangeArrowheads="1"/>
+          </p:cNvPicPr>
+          <p:nvPr/>
+        </p:nvPicPr>
+        <p:blipFill>
+          <a:blip r:embed="rId2">
+            <a:extLst>
+              <a:ext uri="{28A0092B-C50C-407E-A947-70E740481C1C}">
+                <a14:useLocalDpi xmlns:a14="http://schemas.microsoft.com/office/drawing/2010/main" val="0"/>
+              </a:ext>
+            </a:extLst>
+          </a:blip>
+          <a:srcRect/>
+          <a:stretch>
+            <a:fillRect/>
+          </a:stretch>
+        </p:blipFill>
+        <p:spPr bwMode="auto">
+          <a:xfrm>
+            <a:off x="3401844" y="412844"/>
+            <a:ext cx="4728775" cy="4150853"/>
+          </a:xfrm>
+          <a:prstGeom prst="rect">
+            <a:avLst/>
+          </a:prstGeom>
+          <a:noFill/>
+          <a:extLst>
+            <a:ext uri="{909E8E84-426E-40DD-AFC4-6F175D3DCCD1}">
+              <a14:hiddenFill xmlns:a14="http://schemas.microsoft.com/office/drawing/2010/main">
+                <a:solidFill>
+                  <a:srgbClr val="FFFFFF"/>
+                </a:solidFill>
+              </a14:hiddenFill>
+            </a:ext>
+          </a:extLst>
+        </p:spPr>
+      </p:pic>
       <p:sp>
         <p:nvSpPr>
-          <p:cNvPr id="2" name="Title 1"/>
-          <p:cNvSpPr>
-            <a:spLocks noGrp="1"/>
-          </p:cNvSpPr>
-          <p:nvPr>
-            <p:ph type="title"/>
-          </p:nvPr>
+          <p:cNvPr id="16" name="TextBox 15"/>
+          <p:cNvSpPr txBox="1"/>
+          <p:nvPr/>
         </p:nvSpPr>
-        <p:spPr/>
+        <p:spPr>
+          <a:xfrm>
+            <a:off x="6642277" y="4958834"/>
+            <a:ext cx="2501724" cy="184666"/>
+          </a:xfrm>
+          <a:prstGeom prst="rect">
+            <a:avLst/>
+          </a:prstGeom>
+          <a:noFill/>
+        </p:spPr>
         <p:txBody>
-          <a:bodyPr>
-            <a:normAutofit/>
+          <a:bodyPr wrap="square" rtlCol="0">
+            <a:spAutoFit/>
           </a:bodyPr>
           <a:lstStyle/>
           <a:p>
+            <a:pPr algn="r"/>
             <a:r>
-              <a:rPr lang="de-AT" dirty="0" smtClean="0"/>
-              <a:t>Matrix </a:t>
+              <a:rPr lang="en-US" sz="600" dirty="0"/>
+              <a:t>http://en.wikipedia.org/wiki/File:Matrix_multiplication_diagram_2.svg</a:t>
             </a:r>
-            <a:r>
-              <a:rPr lang="de-AT" dirty="0" err="1" smtClean="0"/>
-              <a:t>multiplication</a:t>
-            </a:r>
-            <a:r>
-              <a:rPr lang="de-AT" dirty="0" smtClean="0"/>
-              <a:t> (large)</a:t>
-            </a:r>
-            <a:endParaRPr lang="de-AT" dirty="0"/>
-          </a:p>
-        </p:txBody>
-      </p:sp>
-      <p:sp>
-        <p:nvSpPr>
-          <p:cNvPr id="3" name="Content Placeholder 2"/>
-          <p:cNvSpPr>
-            <a:spLocks noGrp="1"/>
-          </p:cNvSpPr>
-          <p:nvPr>
-            <p:ph idx="1"/>
-          </p:nvPr>
-        </p:nvSpPr>
-        <p:spPr/>
-        <p:txBody>
-          <a:bodyPr/>
-          <a:lstStyle/>
-          <a:p>
-            <a:endParaRPr lang="de-AT"/>
           </a:p>
         </p:txBody>
       </p:sp>
@@ -5340,96 +14147,13 @@
   <p:clrMapOvr>
     <a:masterClrMapping/>
   </p:clrMapOvr>
-</p:sld>
-</file>
-
-<file path=ppt/slides/slide9.xml><?xml version="1.0" encoding="utf-8"?>
-<p:sld xmlns:a="http://schemas.openxmlformats.org/drawingml/2006/main" xmlns:r="http://schemas.openxmlformats.org/officeDocument/2006/relationships" xmlns:p="http://schemas.openxmlformats.org/presentationml/2006/main">
-  <p:cSld>
-    <p:spTree>
-      <p:nvGrpSpPr>
-        <p:cNvPr id="1" name=""/>
-        <p:cNvGrpSpPr/>
-        <p:nvPr/>
-      </p:nvGrpSpPr>
-      <p:grpSpPr>
-        <a:xfrm>
-          <a:off x="0" y="0"/>
-          <a:ext cx="0" cy="0"/>
-          <a:chOff x="0" y="0"/>
-          <a:chExt cx="0" cy="0"/>
-        </a:xfrm>
-      </p:grpSpPr>
-      <p:sp>
-        <p:nvSpPr>
-          <p:cNvPr id="2" name="Title 1"/>
-          <p:cNvSpPr>
-            <a:spLocks noGrp="1"/>
-          </p:cNvSpPr>
-          <p:nvPr>
-            <p:ph type="title"/>
-          </p:nvPr>
-        </p:nvSpPr>
-        <p:spPr/>
-        <p:txBody>
-          <a:bodyPr>
-            <a:normAutofit/>
-          </a:bodyPr>
-          <a:lstStyle/>
-          <a:p>
-            <a:r>
-              <a:rPr lang="de-AT" dirty="0" smtClean="0"/>
-              <a:t>Matrix </a:t>
-            </a:r>
-            <a:r>
-              <a:rPr lang="de-AT" dirty="0" err="1" smtClean="0"/>
-              <a:t>multiplication</a:t>
-            </a:r>
-            <a:r>
-              <a:rPr lang="de-AT" dirty="0" smtClean="0"/>
-              <a:t> (</a:t>
-            </a:r>
-            <a:r>
-              <a:rPr lang="de-AT" dirty="0" err="1" smtClean="0"/>
-              <a:t>many</a:t>
-            </a:r>
-            <a:r>
-              <a:rPr lang="de-AT" dirty="0" smtClean="0"/>
-              <a:t>)</a:t>
-            </a:r>
-            <a:endParaRPr lang="de-AT" dirty="0"/>
-          </a:p>
-        </p:txBody>
-      </p:sp>
-      <p:sp>
-        <p:nvSpPr>
-          <p:cNvPr id="3" name="Content Placeholder 2"/>
-          <p:cNvSpPr>
-            <a:spLocks noGrp="1"/>
-          </p:cNvSpPr>
-          <p:nvPr>
-            <p:ph idx="1"/>
-          </p:nvPr>
-        </p:nvSpPr>
-        <p:spPr/>
-        <p:txBody>
-          <a:bodyPr/>
-          <a:lstStyle/>
-          <a:p>
-            <a:endParaRPr lang="de-AT"/>
-          </a:p>
-        </p:txBody>
-      </p:sp>
-    </p:spTree>
-    <p:extLst>
-      <p:ext uri="{BB962C8B-B14F-4D97-AF65-F5344CB8AC3E}">
-        <p14:creationId xmlns:p14="http://schemas.microsoft.com/office/powerpoint/2010/main" val="157039865"/>
-      </p:ext>
-    </p:extLst>
-  </p:cSld>
-  <p:clrMapOvr>
-    <a:masterClrMapping/>
-  </p:clrMapOvr>
+  <p:timing>
+    <p:tnLst>
+      <p:par>
+        <p:cTn id="1" dur="indefinite" restart="never" nodeType="tmRoot"/>
+      </p:par>
+    </p:tnLst>
+  </p:timing>
 </p:sld>
 </file>
 

--- a/presentations/BAS_1/OpenCL.pptx
+++ b/presentations/BAS_1/OpenCL.pptx
@@ -5,17 +5,19 @@
     <p:sldMasterId id="2147483876" r:id="rId1"/>
   </p:sldMasterIdLst>
   <p:notesMasterIdLst>
-    <p:notesMasterId r:id="rId10"/>
+    <p:notesMasterId r:id="rId12"/>
   </p:notesMasterIdLst>
   <p:sldIdLst>
-    <p:sldId id="265" r:id="rId2"/>
-    <p:sldId id="258" r:id="rId3"/>
-    <p:sldId id="259" r:id="rId4"/>
-    <p:sldId id="266" r:id="rId5"/>
-    <p:sldId id="260" r:id="rId6"/>
-    <p:sldId id="262" r:id="rId7"/>
-    <p:sldId id="261" r:id="rId8"/>
-    <p:sldId id="263" r:id="rId9"/>
+    <p:sldId id="268" r:id="rId2"/>
+    <p:sldId id="265" r:id="rId3"/>
+    <p:sldId id="258" r:id="rId4"/>
+    <p:sldId id="259" r:id="rId5"/>
+    <p:sldId id="266" r:id="rId6"/>
+    <p:sldId id="260" r:id="rId7"/>
+    <p:sldId id="262" r:id="rId8"/>
+    <p:sldId id="261" r:id="rId9"/>
+    <p:sldId id="263" r:id="rId10"/>
+    <p:sldId id="267" r:id="rId11"/>
   </p:sldIdLst>
   <p:sldSz cx="9144000" cy="5143500" type="screen16x9"/>
   <p:notesSz cx="6858000" cy="9144000"/>
@@ -865,6 +867,788 @@
 </file>
 
 <file path=ppt/diagrams/colors2.xml><?xml version="1.0" encoding="utf-8"?>
+<dgm:colorsDef xmlns:dgm="http://schemas.openxmlformats.org/drawingml/2006/diagram" xmlns:a="http://schemas.openxmlformats.org/drawingml/2006/main" uniqueId="urn:microsoft.com/office/officeart/2005/8/colors/colorful4">
+  <dgm:title val=""/>
+  <dgm:desc val=""/>
+  <dgm:catLst>
+    <dgm:cat type="colorful" pri="10400"/>
+  </dgm:catLst>
+  <dgm:styleLbl name="node0">
+    <dgm:fillClrLst meth="repeat">
+      <a:schemeClr val="accent3"/>
+    </dgm:fillClrLst>
+    <dgm:linClrLst meth="repeat">
+      <a:schemeClr val="lt1"/>
+    </dgm:linClrLst>
+    <dgm:effectClrLst/>
+    <dgm:txLinClrLst/>
+    <dgm:txFillClrLst/>
+    <dgm:txEffectClrLst/>
+  </dgm:styleLbl>
+  <dgm:styleLbl name="node1">
+    <dgm:fillClrLst>
+      <a:schemeClr val="accent4"/>
+      <a:schemeClr val="accent5"/>
+    </dgm:fillClrLst>
+    <dgm:linClrLst meth="repeat">
+      <a:schemeClr val="lt1"/>
+    </dgm:linClrLst>
+    <dgm:effectClrLst/>
+    <dgm:txLinClrLst/>
+    <dgm:txFillClrLst/>
+    <dgm:txEffectClrLst/>
+  </dgm:styleLbl>
+  <dgm:styleLbl name="alignNode1">
+    <dgm:fillClrLst>
+      <a:schemeClr val="accent4"/>
+      <a:schemeClr val="accent5"/>
+    </dgm:fillClrLst>
+    <dgm:linClrLst>
+      <a:schemeClr val="accent4"/>
+      <a:schemeClr val="accent5"/>
+    </dgm:linClrLst>
+    <dgm:effectClrLst/>
+    <dgm:txLinClrLst/>
+    <dgm:txFillClrLst/>
+    <dgm:txEffectClrLst/>
+  </dgm:styleLbl>
+  <dgm:styleLbl name="lnNode1">
+    <dgm:fillClrLst>
+      <a:schemeClr val="accent4"/>
+      <a:schemeClr val="accent5"/>
+    </dgm:fillClrLst>
+    <dgm:linClrLst meth="repeat">
+      <a:schemeClr val="lt1"/>
+    </dgm:linClrLst>
+    <dgm:effectClrLst/>
+    <dgm:txLinClrLst/>
+    <dgm:txFillClrLst/>
+    <dgm:txEffectClrLst/>
+  </dgm:styleLbl>
+  <dgm:styleLbl name="vennNode1">
+    <dgm:fillClrLst>
+      <a:schemeClr val="accent4">
+        <a:alpha val="50000"/>
+      </a:schemeClr>
+      <a:schemeClr val="accent5">
+        <a:alpha val="50000"/>
+      </a:schemeClr>
+    </dgm:fillClrLst>
+    <dgm:linClrLst meth="repeat">
+      <a:schemeClr val="lt1"/>
+    </dgm:linClrLst>
+    <dgm:effectClrLst/>
+    <dgm:txLinClrLst/>
+    <dgm:txFillClrLst/>
+    <dgm:txEffectClrLst/>
+  </dgm:styleLbl>
+  <dgm:styleLbl name="node2">
+    <dgm:fillClrLst>
+      <a:schemeClr val="accent5"/>
+    </dgm:fillClrLst>
+    <dgm:linClrLst meth="repeat">
+      <a:schemeClr val="lt1"/>
+    </dgm:linClrLst>
+    <dgm:effectClrLst/>
+    <dgm:txLinClrLst/>
+    <dgm:txFillClrLst/>
+    <dgm:txEffectClrLst/>
+  </dgm:styleLbl>
+  <dgm:styleLbl name="node3">
+    <dgm:fillClrLst>
+      <a:schemeClr val="accent6"/>
+    </dgm:fillClrLst>
+    <dgm:linClrLst meth="repeat">
+      <a:schemeClr val="lt1"/>
+    </dgm:linClrLst>
+    <dgm:effectClrLst/>
+    <dgm:txLinClrLst/>
+    <dgm:txFillClrLst/>
+    <dgm:txEffectClrLst/>
+  </dgm:styleLbl>
+  <dgm:styleLbl name="node4">
+    <dgm:fillClrLst>
+      <a:schemeClr val="accent1"/>
+    </dgm:fillClrLst>
+    <dgm:linClrLst meth="repeat">
+      <a:schemeClr val="lt1"/>
+    </dgm:linClrLst>
+    <dgm:effectClrLst/>
+    <dgm:txLinClrLst/>
+    <dgm:txFillClrLst/>
+    <dgm:txEffectClrLst/>
+  </dgm:styleLbl>
+  <dgm:styleLbl name="fgImgPlace1">
+    <dgm:fillClrLst>
+      <a:schemeClr val="accent4">
+        <a:tint val="50000"/>
+      </a:schemeClr>
+      <a:schemeClr val="accent5">
+        <a:tint val="50000"/>
+      </a:schemeClr>
+    </dgm:fillClrLst>
+    <dgm:linClrLst meth="repeat">
+      <a:schemeClr val="lt1"/>
+    </dgm:linClrLst>
+    <dgm:effectClrLst/>
+    <dgm:txLinClrLst/>
+    <dgm:txFillClrLst meth="repeat">
+      <a:schemeClr val="lt1"/>
+    </dgm:txFillClrLst>
+    <dgm:txEffectClrLst/>
+  </dgm:styleLbl>
+  <dgm:styleLbl name="alignImgPlace1">
+    <dgm:fillClrLst>
+      <a:schemeClr val="accent4">
+        <a:tint val="50000"/>
+      </a:schemeClr>
+      <a:schemeClr val="accent5">
+        <a:tint val="20000"/>
+      </a:schemeClr>
+    </dgm:fillClrLst>
+    <dgm:linClrLst meth="repeat">
+      <a:schemeClr val="lt1"/>
+    </dgm:linClrLst>
+    <dgm:effectClrLst/>
+    <dgm:txLinClrLst/>
+    <dgm:txFillClrLst meth="repeat">
+      <a:schemeClr val="lt1"/>
+    </dgm:txFillClrLst>
+    <dgm:txEffectClrLst/>
+  </dgm:styleLbl>
+  <dgm:styleLbl name="bgImgPlace1">
+    <dgm:fillClrLst>
+      <a:schemeClr val="accent4">
+        <a:tint val="50000"/>
+      </a:schemeClr>
+      <a:schemeClr val="accent5">
+        <a:tint val="20000"/>
+      </a:schemeClr>
+    </dgm:fillClrLst>
+    <dgm:linClrLst meth="repeat">
+      <a:schemeClr val="lt1"/>
+    </dgm:linClrLst>
+    <dgm:effectClrLst/>
+    <dgm:txLinClrLst/>
+    <dgm:txFillClrLst meth="repeat">
+      <a:schemeClr val="lt1"/>
+    </dgm:txFillClrLst>
+    <dgm:txEffectClrLst/>
+  </dgm:styleLbl>
+  <dgm:styleLbl name="sibTrans2D1">
+    <dgm:fillClrLst>
+      <a:schemeClr val="accent4"/>
+      <a:schemeClr val="accent5"/>
+    </dgm:fillClrLst>
+    <dgm:linClrLst meth="repeat">
+      <a:schemeClr val="lt1"/>
+    </dgm:linClrLst>
+    <dgm:effectClrLst/>
+    <dgm:txLinClrLst/>
+    <dgm:txFillClrLst/>
+    <dgm:txEffectClrLst/>
+  </dgm:styleLbl>
+  <dgm:styleLbl name="fgSibTrans2D1">
+    <dgm:fillClrLst>
+      <a:schemeClr val="accent4"/>
+      <a:schemeClr val="accent5"/>
+    </dgm:fillClrLst>
+    <dgm:linClrLst meth="repeat">
+      <a:schemeClr val="lt1"/>
+    </dgm:linClrLst>
+    <dgm:effectClrLst/>
+    <dgm:txLinClrLst/>
+    <dgm:txFillClrLst meth="repeat">
+      <a:schemeClr val="lt1"/>
+    </dgm:txFillClrLst>
+    <dgm:txEffectClrLst/>
+  </dgm:styleLbl>
+  <dgm:styleLbl name="bgSibTrans2D1">
+    <dgm:fillClrLst>
+      <a:schemeClr val="accent4"/>
+      <a:schemeClr val="accent5"/>
+    </dgm:fillClrLst>
+    <dgm:linClrLst meth="repeat">
+      <a:schemeClr val="lt1"/>
+    </dgm:linClrLst>
+    <dgm:effectClrLst/>
+    <dgm:txLinClrLst/>
+    <dgm:txFillClrLst meth="repeat">
+      <a:schemeClr val="lt1"/>
+    </dgm:txFillClrLst>
+    <dgm:txEffectClrLst/>
+  </dgm:styleLbl>
+  <dgm:styleLbl name="sibTrans1D1">
+    <dgm:fillClrLst/>
+    <dgm:linClrLst>
+      <a:schemeClr val="accent4"/>
+      <a:schemeClr val="accent5"/>
+    </dgm:linClrLst>
+    <dgm:effectClrLst/>
+    <dgm:txLinClrLst/>
+    <dgm:txFillClrLst meth="repeat">
+      <a:schemeClr val="tx1"/>
+    </dgm:txFillClrLst>
+    <dgm:txEffectClrLst/>
+  </dgm:styleLbl>
+  <dgm:styleLbl name="callout">
+    <dgm:fillClrLst meth="repeat">
+      <a:schemeClr val="accent4"/>
+    </dgm:fillClrLst>
+    <dgm:linClrLst meth="repeat">
+      <a:schemeClr val="accent4">
+        <a:tint val="50000"/>
+      </a:schemeClr>
+    </dgm:linClrLst>
+    <dgm:effectClrLst/>
+    <dgm:txLinClrLst/>
+    <dgm:txFillClrLst meth="repeat">
+      <a:schemeClr val="tx1"/>
+    </dgm:txFillClrLst>
+    <dgm:txEffectClrLst/>
+  </dgm:styleLbl>
+  <dgm:styleLbl name="asst0">
+    <dgm:fillClrLst meth="repeat">
+      <a:schemeClr val="accent4"/>
+    </dgm:fillClrLst>
+    <dgm:linClrLst meth="repeat">
+      <a:schemeClr val="lt1">
+        <a:shade val="80000"/>
+      </a:schemeClr>
+    </dgm:linClrLst>
+    <dgm:effectClrLst/>
+    <dgm:txLinClrLst/>
+    <dgm:txFillClrLst/>
+    <dgm:txEffectClrLst/>
+  </dgm:styleLbl>
+  <dgm:styleLbl name="asst1">
+    <dgm:fillClrLst meth="repeat">
+      <a:schemeClr val="accent5"/>
+    </dgm:fillClrLst>
+    <dgm:linClrLst meth="repeat">
+      <a:schemeClr val="lt1">
+        <a:shade val="80000"/>
+      </a:schemeClr>
+    </dgm:linClrLst>
+    <dgm:effectClrLst/>
+    <dgm:txLinClrLst/>
+    <dgm:txFillClrLst/>
+    <dgm:txEffectClrLst/>
+  </dgm:styleLbl>
+  <dgm:styleLbl name="asst2">
+    <dgm:fillClrLst>
+      <a:schemeClr val="accent6"/>
+    </dgm:fillClrLst>
+    <dgm:linClrLst meth="repeat">
+      <a:schemeClr val="lt1"/>
+    </dgm:linClrLst>
+    <dgm:effectClrLst/>
+    <dgm:txLinClrLst/>
+    <dgm:txFillClrLst/>
+    <dgm:txEffectClrLst/>
+  </dgm:styleLbl>
+  <dgm:styleLbl name="asst3">
+    <dgm:fillClrLst>
+      <a:schemeClr val="accent1"/>
+    </dgm:fillClrLst>
+    <dgm:linClrLst meth="repeat">
+      <a:schemeClr val="lt1"/>
+    </dgm:linClrLst>
+    <dgm:effectClrLst/>
+    <dgm:txLinClrLst/>
+    <dgm:txFillClrLst/>
+    <dgm:txEffectClrLst/>
+  </dgm:styleLbl>
+  <dgm:styleLbl name="asst4">
+    <dgm:fillClrLst>
+      <a:schemeClr val="accent2"/>
+    </dgm:fillClrLst>
+    <dgm:linClrLst meth="repeat">
+      <a:schemeClr val="lt1"/>
+    </dgm:linClrLst>
+    <dgm:effectClrLst/>
+    <dgm:txLinClrLst/>
+    <dgm:txFillClrLst/>
+    <dgm:txEffectClrLst/>
+  </dgm:styleLbl>
+  <dgm:styleLbl name="parChTrans2D1">
+    <dgm:fillClrLst meth="repeat">
+      <a:schemeClr val="accent4"/>
+    </dgm:fillClrLst>
+    <dgm:linClrLst meth="repeat">
+      <a:schemeClr val="lt1"/>
+    </dgm:linClrLst>
+    <dgm:effectClrLst/>
+    <dgm:txLinClrLst/>
+    <dgm:txFillClrLst meth="repeat">
+      <a:schemeClr val="lt1"/>
+    </dgm:txFillClrLst>
+    <dgm:txEffectClrLst/>
+  </dgm:styleLbl>
+  <dgm:styleLbl name="parChTrans2D2">
+    <dgm:fillClrLst meth="repeat">
+      <a:schemeClr val="accent5"/>
+    </dgm:fillClrLst>
+    <dgm:linClrLst meth="repeat">
+      <a:schemeClr val="lt1"/>
+    </dgm:linClrLst>
+    <dgm:effectClrLst/>
+    <dgm:txLinClrLst/>
+    <dgm:txFillClrLst/>
+    <dgm:txEffectClrLst/>
+  </dgm:styleLbl>
+  <dgm:styleLbl name="parChTrans2D3">
+    <dgm:fillClrLst meth="repeat">
+      <a:schemeClr val="accent5"/>
+    </dgm:fillClrLst>
+    <dgm:linClrLst meth="repeat">
+      <a:schemeClr val="lt1"/>
+    </dgm:linClrLst>
+    <dgm:effectClrLst/>
+    <dgm:txLinClrLst/>
+    <dgm:txFillClrLst/>
+    <dgm:txEffectClrLst/>
+  </dgm:styleLbl>
+  <dgm:styleLbl name="parChTrans2D4">
+    <dgm:fillClrLst meth="repeat">
+      <a:schemeClr val="accent6"/>
+    </dgm:fillClrLst>
+    <dgm:linClrLst meth="repeat">
+      <a:schemeClr val="lt1"/>
+    </dgm:linClrLst>
+    <dgm:effectClrLst/>
+    <dgm:txLinClrLst/>
+    <dgm:txFillClrLst meth="repeat">
+      <a:schemeClr val="lt1"/>
+    </dgm:txFillClrLst>
+    <dgm:txEffectClrLst/>
+  </dgm:styleLbl>
+  <dgm:styleLbl name="parChTrans1D1">
+    <dgm:fillClrLst meth="repeat">
+      <a:schemeClr val="accent4"/>
+    </dgm:fillClrLst>
+    <dgm:linClrLst meth="repeat">
+      <a:schemeClr val="accent4"/>
+    </dgm:linClrLst>
+    <dgm:effectClrLst/>
+    <dgm:txLinClrLst/>
+    <dgm:txFillClrLst meth="repeat">
+      <a:schemeClr val="tx1"/>
+    </dgm:txFillClrLst>
+    <dgm:txEffectClrLst/>
+  </dgm:styleLbl>
+  <dgm:styleLbl name="parChTrans1D2">
+    <dgm:fillClrLst meth="repeat">
+      <a:schemeClr val="accent4">
+        <a:tint val="90000"/>
+      </a:schemeClr>
+    </dgm:fillClrLst>
+    <dgm:linClrLst meth="repeat">
+      <a:schemeClr val="accent5"/>
+    </dgm:linClrLst>
+    <dgm:effectClrLst/>
+    <dgm:txLinClrLst/>
+    <dgm:txFillClrLst meth="repeat">
+      <a:schemeClr val="tx1"/>
+    </dgm:txFillClrLst>
+    <dgm:txEffectClrLst/>
+  </dgm:styleLbl>
+  <dgm:styleLbl name="parChTrans1D3">
+    <dgm:fillClrLst meth="repeat">
+      <a:schemeClr val="accent4">
+        <a:tint val="70000"/>
+      </a:schemeClr>
+    </dgm:fillClrLst>
+    <dgm:linClrLst meth="repeat">
+      <a:schemeClr val="accent6"/>
+    </dgm:linClrLst>
+    <dgm:effectClrLst/>
+    <dgm:txLinClrLst/>
+    <dgm:txFillClrLst meth="repeat">
+      <a:schemeClr val="tx1"/>
+    </dgm:txFillClrLst>
+    <dgm:txEffectClrLst/>
+  </dgm:styleLbl>
+  <dgm:styleLbl name="parChTrans1D4">
+    <dgm:fillClrLst meth="repeat">
+      <a:schemeClr val="accent4">
+        <a:tint val="50000"/>
+      </a:schemeClr>
+    </dgm:fillClrLst>
+    <dgm:linClrLst meth="repeat">
+      <a:schemeClr val="accent1"/>
+    </dgm:linClrLst>
+    <dgm:effectClrLst/>
+    <dgm:txLinClrLst/>
+    <dgm:txFillClrLst meth="repeat">
+      <a:schemeClr val="tx1"/>
+    </dgm:txFillClrLst>
+    <dgm:txEffectClrLst/>
+  </dgm:styleLbl>
+  <dgm:styleLbl name="fgAcc1">
+    <dgm:fillClrLst meth="repeat">
+      <a:schemeClr val="lt1">
+        <a:alpha val="90000"/>
+      </a:schemeClr>
+    </dgm:fillClrLst>
+    <dgm:linClrLst>
+      <a:schemeClr val="accent4"/>
+      <a:schemeClr val="accent5"/>
+    </dgm:linClrLst>
+    <dgm:effectClrLst/>
+    <dgm:txLinClrLst/>
+    <dgm:txFillClrLst meth="repeat">
+      <a:schemeClr val="dk1"/>
+    </dgm:txFillClrLst>
+    <dgm:txEffectClrLst/>
+  </dgm:styleLbl>
+  <dgm:styleLbl name="conFgAcc1">
+    <dgm:fillClrLst meth="repeat">
+      <a:schemeClr val="lt1">
+        <a:alpha val="90000"/>
+      </a:schemeClr>
+    </dgm:fillClrLst>
+    <dgm:linClrLst>
+      <a:schemeClr val="accent4"/>
+      <a:schemeClr val="accent5"/>
+    </dgm:linClrLst>
+    <dgm:effectClrLst/>
+    <dgm:txLinClrLst/>
+    <dgm:txFillClrLst meth="repeat">
+      <a:schemeClr val="dk1"/>
+    </dgm:txFillClrLst>
+    <dgm:txEffectClrLst/>
+  </dgm:styleLbl>
+  <dgm:styleLbl name="alignAcc1">
+    <dgm:fillClrLst meth="repeat">
+      <a:schemeClr val="lt1">
+        <a:alpha val="90000"/>
+      </a:schemeClr>
+    </dgm:fillClrLst>
+    <dgm:linClrLst>
+      <a:schemeClr val="accent4"/>
+      <a:schemeClr val="accent5"/>
+    </dgm:linClrLst>
+    <dgm:effectClrLst/>
+    <dgm:txLinClrLst/>
+    <dgm:txFillClrLst meth="repeat">
+      <a:schemeClr val="dk1"/>
+    </dgm:txFillClrLst>
+    <dgm:txEffectClrLst/>
+  </dgm:styleLbl>
+  <dgm:styleLbl name="trAlignAcc1">
+    <dgm:fillClrLst meth="repeat">
+      <a:schemeClr val="lt1">
+        <a:alpha val="40000"/>
+      </a:schemeClr>
+    </dgm:fillClrLst>
+    <dgm:linClrLst meth="repeat">
+      <a:schemeClr val="accent4"/>
+    </dgm:linClrLst>
+    <dgm:effectClrLst/>
+    <dgm:txLinClrLst/>
+    <dgm:txFillClrLst meth="repeat">
+      <a:schemeClr val="dk1"/>
+    </dgm:txFillClrLst>
+    <dgm:txEffectClrLst/>
+  </dgm:styleLbl>
+  <dgm:styleLbl name="bgAcc1">
+    <dgm:fillClrLst meth="repeat">
+      <a:schemeClr val="lt1">
+        <a:alpha val="90000"/>
+      </a:schemeClr>
+    </dgm:fillClrLst>
+    <dgm:linClrLst>
+      <a:schemeClr val="accent4"/>
+      <a:schemeClr val="accent5"/>
+    </dgm:linClrLst>
+    <dgm:effectClrLst/>
+    <dgm:txLinClrLst/>
+    <dgm:txFillClrLst meth="repeat">
+      <a:schemeClr val="dk1"/>
+    </dgm:txFillClrLst>
+    <dgm:txEffectClrLst/>
+  </dgm:styleLbl>
+  <dgm:styleLbl name="solidFgAcc1">
+    <dgm:fillClrLst meth="repeat">
+      <a:schemeClr val="lt1"/>
+    </dgm:fillClrLst>
+    <dgm:linClrLst>
+      <a:schemeClr val="accent4"/>
+      <a:schemeClr val="accent5"/>
+    </dgm:linClrLst>
+    <dgm:effectClrLst/>
+    <dgm:txLinClrLst/>
+    <dgm:txFillClrLst meth="repeat">
+      <a:schemeClr val="dk1"/>
+    </dgm:txFillClrLst>
+    <dgm:txEffectClrLst/>
+  </dgm:styleLbl>
+  <dgm:styleLbl name="solidAlignAcc1">
+    <dgm:fillClrLst meth="repeat">
+      <a:schemeClr val="lt1"/>
+    </dgm:fillClrLst>
+    <dgm:linClrLst>
+      <a:schemeClr val="accent4"/>
+      <a:schemeClr val="accent5"/>
+    </dgm:linClrLst>
+    <dgm:effectClrLst/>
+    <dgm:txLinClrLst/>
+    <dgm:txFillClrLst meth="repeat">
+      <a:schemeClr val="dk1"/>
+    </dgm:txFillClrLst>
+    <dgm:txEffectClrLst/>
+  </dgm:styleLbl>
+  <dgm:styleLbl name="solidBgAcc1">
+    <dgm:fillClrLst meth="repeat">
+      <a:schemeClr val="lt1"/>
+    </dgm:fillClrLst>
+    <dgm:linClrLst>
+      <a:schemeClr val="accent4"/>
+      <a:schemeClr val="accent5"/>
+    </dgm:linClrLst>
+    <dgm:effectClrLst/>
+    <dgm:txLinClrLst/>
+    <dgm:txFillClrLst meth="repeat">
+      <a:schemeClr val="dk1"/>
+    </dgm:txFillClrLst>
+    <dgm:txEffectClrLst/>
+  </dgm:styleLbl>
+  <dgm:styleLbl name="fgAccFollowNode1">
+    <dgm:fillClrLst>
+      <a:schemeClr val="accent4">
+        <a:tint val="40000"/>
+        <a:alpha val="90000"/>
+      </a:schemeClr>
+      <a:schemeClr val="accent5">
+        <a:tint val="40000"/>
+        <a:alpha val="90000"/>
+      </a:schemeClr>
+    </dgm:fillClrLst>
+    <dgm:linClrLst>
+      <a:schemeClr val="accent4">
+        <a:tint val="40000"/>
+        <a:alpha val="90000"/>
+      </a:schemeClr>
+      <a:schemeClr val="accent5">
+        <a:tint val="40000"/>
+        <a:alpha val="90000"/>
+      </a:schemeClr>
+    </dgm:linClrLst>
+    <dgm:effectClrLst/>
+    <dgm:txLinClrLst/>
+    <dgm:txFillClrLst meth="repeat">
+      <a:schemeClr val="dk1"/>
+    </dgm:txFillClrLst>
+    <dgm:txEffectClrLst/>
+  </dgm:styleLbl>
+  <dgm:styleLbl name="alignAccFollowNode1">
+    <dgm:fillClrLst>
+      <a:schemeClr val="accent4">
+        <a:tint val="40000"/>
+        <a:alpha val="90000"/>
+      </a:schemeClr>
+      <a:schemeClr val="accent5">
+        <a:tint val="40000"/>
+        <a:alpha val="90000"/>
+      </a:schemeClr>
+    </dgm:fillClrLst>
+    <dgm:linClrLst>
+      <a:schemeClr val="accent4">
+        <a:tint val="40000"/>
+        <a:alpha val="90000"/>
+      </a:schemeClr>
+      <a:schemeClr val="accent5">
+        <a:tint val="40000"/>
+        <a:alpha val="90000"/>
+      </a:schemeClr>
+    </dgm:linClrLst>
+    <dgm:effectClrLst/>
+    <dgm:txLinClrLst/>
+    <dgm:txFillClrLst meth="repeat">
+      <a:schemeClr val="dk1"/>
+    </dgm:txFillClrLst>
+    <dgm:txEffectClrLst/>
+  </dgm:styleLbl>
+  <dgm:styleLbl name="bgAccFollowNode1">
+    <dgm:fillClrLst>
+      <a:schemeClr val="accent4">
+        <a:tint val="40000"/>
+        <a:alpha val="90000"/>
+      </a:schemeClr>
+      <a:schemeClr val="accent5">
+        <a:tint val="40000"/>
+        <a:alpha val="90000"/>
+      </a:schemeClr>
+    </dgm:fillClrLst>
+    <dgm:linClrLst>
+      <a:schemeClr val="accent4">
+        <a:tint val="40000"/>
+        <a:alpha val="90000"/>
+      </a:schemeClr>
+      <a:schemeClr val="accent5">
+        <a:tint val="40000"/>
+        <a:alpha val="90000"/>
+      </a:schemeClr>
+    </dgm:linClrLst>
+    <dgm:effectClrLst/>
+    <dgm:txLinClrLst/>
+    <dgm:txFillClrLst meth="repeat">
+      <a:schemeClr val="dk1"/>
+    </dgm:txFillClrLst>
+    <dgm:txEffectClrLst/>
+  </dgm:styleLbl>
+  <dgm:styleLbl name="fgAcc0">
+    <dgm:fillClrLst meth="repeat">
+      <a:schemeClr val="lt1">
+        <a:alpha val="90000"/>
+      </a:schemeClr>
+    </dgm:fillClrLst>
+    <dgm:linClrLst>
+      <a:schemeClr val="accent3"/>
+    </dgm:linClrLst>
+    <dgm:effectClrLst/>
+    <dgm:txLinClrLst/>
+    <dgm:txFillClrLst meth="repeat">
+      <a:schemeClr val="dk1"/>
+    </dgm:txFillClrLst>
+    <dgm:txEffectClrLst/>
+  </dgm:styleLbl>
+  <dgm:styleLbl name="fgAcc2">
+    <dgm:fillClrLst meth="repeat">
+      <a:schemeClr val="lt1">
+        <a:alpha val="90000"/>
+      </a:schemeClr>
+    </dgm:fillClrLst>
+    <dgm:linClrLst>
+      <a:schemeClr val="accent5"/>
+    </dgm:linClrLst>
+    <dgm:effectClrLst/>
+    <dgm:txLinClrLst/>
+    <dgm:txFillClrLst meth="repeat">
+      <a:schemeClr val="dk1"/>
+    </dgm:txFillClrLst>
+    <dgm:txEffectClrLst/>
+  </dgm:styleLbl>
+  <dgm:styleLbl name="fgAcc3">
+    <dgm:fillClrLst meth="repeat">
+      <a:schemeClr val="lt1">
+        <a:alpha val="90000"/>
+      </a:schemeClr>
+    </dgm:fillClrLst>
+    <dgm:linClrLst>
+      <a:schemeClr val="accent6"/>
+    </dgm:linClrLst>
+    <dgm:effectClrLst/>
+    <dgm:txLinClrLst/>
+    <dgm:txFillClrLst meth="repeat">
+      <a:schemeClr val="dk1"/>
+    </dgm:txFillClrLst>
+    <dgm:txEffectClrLst/>
+  </dgm:styleLbl>
+  <dgm:styleLbl name="fgAcc4">
+    <dgm:fillClrLst meth="repeat">
+      <a:schemeClr val="lt1">
+        <a:alpha val="90000"/>
+      </a:schemeClr>
+    </dgm:fillClrLst>
+    <dgm:linClrLst>
+      <a:schemeClr val="accent1"/>
+    </dgm:linClrLst>
+    <dgm:effectClrLst/>
+    <dgm:txLinClrLst/>
+    <dgm:txFillClrLst meth="repeat">
+      <a:schemeClr val="dk1"/>
+    </dgm:txFillClrLst>
+    <dgm:txEffectClrLst/>
+  </dgm:styleLbl>
+  <dgm:styleLbl name="bgShp">
+    <dgm:fillClrLst meth="repeat">
+      <a:schemeClr val="accent4">
+        <a:tint val="40000"/>
+      </a:schemeClr>
+    </dgm:fillClrLst>
+    <dgm:linClrLst meth="repeat">
+      <a:schemeClr val="dk1"/>
+    </dgm:linClrLst>
+    <dgm:effectClrLst/>
+    <dgm:txLinClrLst/>
+    <dgm:txFillClrLst meth="repeat">
+      <a:schemeClr val="dk1"/>
+    </dgm:txFillClrLst>
+    <dgm:txEffectClrLst/>
+  </dgm:styleLbl>
+  <dgm:styleLbl name="dkBgShp">
+    <dgm:fillClrLst meth="repeat">
+      <a:schemeClr val="accent4">
+        <a:shade val="90000"/>
+      </a:schemeClr>
+    </dgm:fillClrLst>
+    <dgm:linClrLst meth="repeat">
+      <a:schemeClr val="dk1"/>
+    </dgm:linClrLst>
+    <dgm:effectClrLst/>
+    <dgm:txLinClrLst/>
+    <dgm:txFillClrLst meth="repeat">
+      <a:schemeClr val="lt1"/>
+    </dgm:txFillClrLst>
+    <dgm:txEffectClrLst/>
+  </dgm:styleLbl>
+  <dgm:styleLbl name="trBgShp">
+    <dgm:fillClrLst meth="repeat">
+      <a:schemeClr val="accent4">
+        <a:tint val="50000"/>
+        <a:alpha val="40000"/>
+      </a:schemeClr>
+    </dgm:fillClrLst>
+    <dgm:linClrLst meth="repeat">
+      <a:schemeClr val="accent4"/>
+    </dgm:linClrLst>
+    <dgm:effectClrLst/>
+    <dgm:txLinClrLst/>
+    <dgm:txFillClrLst meth="repeat">
+      <a:schemeClr val="lt1"/>
+    </dgm:txFillClrLst>
+    <dgm:txEffectClrLst/>
+  </dgm:styleLbl>
+  <dgm:styleLbl name="fgShp">
+    <dgm:fillClrLst meth="repeat">
+      <a:schemeClr val="accent4">
+        <a:tint val="40000"/>
+      </a:schemeClr>
+    </dgm:fillClrLst>
+    <dgm:linClrLst meth="repeat">
+      <a:schemeClr val="lt1"/>
+    </dgm:linClrLst>
+    <dgm:effectClrLst/>
+    <dgm:txLinClrLst/>
+    <dgm:txFillClrLst meth="repeat">
+      <a:schemeClr val="dk1"/>
+    </dgm:txFillClrLst>
+    <dgm:txEffectClrLst/>
+  </dgm:styleLbl>
+  <dgm:styleLbl name="revTx">
+    <dgm:fillClrLst meth="repeat">
+      <a:schemeClr val="lt1">
+        <a:alpha val="0"/>
+      </a:schemeClr>
+    </dgm:fillClrLst>
+    <dgm:linClrLst meth="repeat">
+      <a:schemeClr val="dk1">
+        <a:alpha val="0"/>
+      </a:schemeClr>
+    </dgm:linClrLst>
+    <dgm:effectClrLst/>
+    <dgm:txLinClrLst/>
+    <dgm:txFillClrLst meth="repeat">
+      <a:schemeClr val="tx1"/>
+    </dgm:txFillClrLst>
+    <dgm:txEffectClrLst/>
+  </dgm:styleLbl>
+</dgm:colorsDef>
+</file>
+
+<file path=ppt/diagrams/colors3.xml><?xml version="1.0" encoding="utf-8"?>
 <dgm:colorsDef xmlns:dgm="http://schemas.openxmlformats.org/drawingml/2006/diagram" xmlns:a="http://schemas.openxmlformats.org/drawingml/2006/main" uniqueId="urn:microsoft.com/office/officeart/2005/8/colors/colorful4">
   <dgm:title val=""/>
   <dgm:desc val=""/>
@@ -1999,6 +2783,13 @@
         </dgm:presLayoutVars>
       </dgm:prSet>
       <dgm:spPr/>
+      <dgm:t>
+        <a:bodyPr/>
+        <a:lstStyle/>
+        <a:p>
+          <a:endParaRPr lang="en-US"/>
+        </a:p>
+      </dgm:t>
     </dgm:pt>
     <dgm:pt modelId="{9B6E6972-E4AE-4DE4-885C-D4859D8363DC}" type="pres">
       <dgm:prSet presAssocID="{B69724CB-F1AB-40A1-AAA4-20962A1EB9DC}" presName="vertOne" presStyleCnt="0"/>
@@ -2011,6 +2802,13 @@
         </dgm:presLayoutVars>
       </dgm:prSet>
       <dgm:spPr/>
+      <dgm:t>
+        <a:bodyPr/>
+        <a:lstStyle/>
+        <a:p>
+          <a:endParaRPr lang="en-US"/>
+        </a:p>
+      </dgm:t>
     </dgm:pt>
     <dgm:pt modelId="{524D5B51-FCE5-435A-95CA-EF46512C12DA}" type="pres">
       <dgm:prSet presAssocID="{B69724CB-F1AB-40A1-AAA4-20962A1EB9DC}" presName="parTransOne" presStyleCnt="0"/>
@@ -2058,6 +2856,13 @@
         </dgm:presLayoutVars>
       </dgm:prSet>
       <dgm:spPr/>
+      <dgm:t>
+        <a:bodyPr/>
+        <a:lstStyle/>
+        <a:p>
+          <a:endParaRPr lang="en-US"/>
+        </a:p>
+      </dgm:t>
     </dgm:pt>
     <dgm:pt modelId="{28BDD9D1-2C61-435D-A54D-FF6E6688D79F}" type="pres">
       <dgm:prSet presAssocID="{366D7E94-92CA-4670-B306-D54384B5B89A}" presName="parTransThree" presStyleCnt="0"/>
@@ -2076,7 +2881,7 @@
       <dgm:spPr/>
     </dgm:pt>
     <dgm:pt modelId="{9BF71997-9C86-4963-AE9E-E3D4A7D6C1FF}" type="pres">
-      <dgm:prSet presAssocID="{BF681AE9-5934-45B5-A6A5-7DE362FE8102}" presName="txFour" presStyleLbl="node4" presStyleIdx="0" presStyleCnt="2" custLinFactY="-129275" custLinFactNeighborX="-747" custLinFactNeighborY="-200000">
+      <dgm:prSet presAssocID="{BF681AE9-5934-45B5-A6A5-7DE362FE8102}" presName="txFour" presStyleLbl="node4" presStyleIdx="0" presStyleCnt="2" custLinFactY="-122365" custLinFactNeighborX="-5753" custLinFactNeighborY="-200000">
         <dgm:presLayoutVars>
           <dgm:chPref val="3"/>
         </dgm:presLayoutVars>
@@ -2109,6 +2914,13 @@
         </dgm:presLayoutVars>
       </dgm:prSet>
       <dgm:spPr/>
+      <dgm:t>
+        <a:bodyPr/>
+        <a:lstStyle/>
+        <a:p>
+          <a:endParaRPr lang="en-US"/>
+        </a:p>
+      </dgm:t>
     </dgm:pt>
     <dgm:pt modelId="{4DB44AE2-546F-4870-9629-E55C91C583D5}" type="pres">
       <dgm:prSet presAssocID="{9AD2CF16-C82E-4D58-AAC6-45C9D90A00B6}" presName="parTransThree" presStyleCnt="0"/>
@@ -2133,6 +2945,13 @@
         </dgm:presLayoutVars>
       </dgm:prSet>
       <dgm:spPr/>
+      <dgm:t>
+        <a:bodyPr/>
+        <a:lstStyle/>
+        <a:p>
+          <a:endParaRPr lang="en-US"/>
+        </a:p>
+      </dgm:t>
     </dgm:pt>
     <dgm:pt modelId="{0F6DEF01-8DE4-43A8-82CF-7E4176BFCEB3}" type="pres">
       <dgm:prSet presAssocID="{3AC9DC90-E03E-4F68-BA8F-369FC505E9A0}" presName="horzFour" presStyleCnt="0"/>
@@ -2342,10 +3161,24 @@
     <dgm:pt modelId="{C6FC2832-CAA6-42F9-8407-550B6E2DE1A1}" type="pres">
       <dgm:prSet presAssocID="{792C01D7-1024-4B78-AFF3-6DAE3D03F4FD}" presName="gear1srcNode" presStyleLbl="node1" presStyleIdx="0" presStyleCnt="3"/>
       <dgm:spPr/>
+      <dgm:t>
+        <a:bodyPr/>
+        <a:lstStyle/>
+        <a:p>
+          <a:endParaRPr lang="en-US"/>
+        </a:p>
+      </dgm:t>
     </dgm:pt>
     <dgm:pt modelId="{AA6B7F07-241F-4F40-8BFD-0B9697D93720}" type="pres">
       <dgm:prSet presAssocID="{792C01D7-1024-4B78-AFF3-6DAE3D03F4FD}" presName="gear1dstNode" presStyleLbl="node1" presStyleIdx="0" presStyleCnt="3"/>
       <dgm:spPr/>
+      <dgm:t>
+        <a:bodyPr/>
+        <a:lstStyle/>
+        <a:p>
+          <a:endParaRPr lang="en-US"/>
+        </a:p>
+      </dgm:t>
     </dgm:pt>
     <dgm:pt modelId="{27AFAAD3-C0F4-4315-8C52-75A0B51E69BB}" type="pres">
       <dgm:prSet presAssocID="{C3797602-3490-48AD-922F-26FC2B8A8D97}" presName="gear2" presStyleLbl="node1" presStyleIdx="1" presStyleCnt="3">
@@ -2355,14 +3188,35 @@
         </dgm:presLayoutVars>
       </dgm:prSet>
       <dgm:spPr/>
+      <dgm:t>
+        <a:bodyPr/>
+        <a:lstStyle/>
+        <a:p>
+          <a:endParaRPr lang="en-US"/>
+        </a:p>
+      </dgm:t>
     </dgm:pt>
     <dgm:pt modelId="{3589FC20-8CE7-4DA3-814D-57AC02FBC32D}" type="pres">
       <dgm:prSet presAssocID="{C3797602-3490-48AD-922F-26FC2B8A8D97}" presName="gear2srcNode" presStyleLbl="node1" presStyleIdx="1" presStyleCnt="3"/>
       <dgm:spPr/>
+      <dgm:t>
+        <a:bodyPr/>
+        <a:lstStyle/>
+        <a:p>
+          <a:endParaRPr lang="en-US"/>
+        </a:p>
+      </dgm:t>
     </dgm:pt>
     <dgm:pt modelId="{13FBA799-1D33-4B0D-BD6F-296C45337078}" type="pres">
       <dgm:prSet presAssocID="{C3797602-3490-48AD-922F-26FC2B8A8D97}" presName="gear2dstNode" presStyleLbl="node1" presStyleIdx="1" presStyleCnt="3"/>
       <dgm:spPr/>
+      <dgm:t>
+        <a:bodyPr/>
+        <a:lstStyle/>
+        <a:p>
+          <a:endParaRPr lang="en-US"/>
+        </a:p>
+      </dgm:t>
     </dgm:pt>
     <dgm:pt modelId="{65227177-1974-43C4-BA0A-034DF813F3FB}" type="pres">
       <dgm:prSet presAssocID="{92791D00-1E24-47FB-AA3E-D205CCC82F0C}" presName="gear3" presStyleLbl="node1" presStyleIdx="2" presStyleCnt="3"/>
@@ -2394,22 +3248,57 @@
     <dgm:pt modelId="{2C16CE49-C770-4957-AEE7-CFB4B231E9BF}" type="pres">
       <dgm:prSet presAssocID="{92791D00-1E24-47FB-AA3E-D205CCC82F0C}" presName="gear3srcNode" presStyleLbl="node1" presStyleIdx="2" presStyleCnt="3"/>
       <dgm:spPr/>
+      <dgm:t>
+        <a:bodyPr/>
+        <a:lstStyle/>
+        <a:p>
+          <a:endParaRPr lang="en-US"/>
+        </a:p>
+      </dgm:t>
     </dgm:pt>
     <dgm:pt modelId="{F064FEDF-7075-491C-8FE7-FCAB6C6156D5}" type="pres">
       <dgm:prSet presAssocID="{92791D00-1E24-47FB-AA3E-D205CCC82F0C}" presName="gear3dstNode" presStyleLbl="node1" presStyleIdx="2" presStyleCnt="3"/>
       <dgm:spPr/>
+      <dgm:t>
+        <a:bodyPr/>
+        <a:lstStyle/>
+        <a:p>
+          <a:endParaRPr lang="en-US"/>
+        </a:p>
+      </dgm:t>
     </dgm:pt>
     <dgm:pt modelId="{C6E633D0-E014-45CC-A2D9-749A3A0B2C5C}" type="pres">
       <dgm:prSet presAssocID="{992D6724-1DEF-4692-A7B7-627684140E47}" presName="connector1" presStyleLbl="sibTrans2D1" presStyleIdx="0" presStyleCnt="3"/>
       <dgm:spPr/>
+      <dgm:t>
+        <a:bodyPr/>
+        <a:lstStyle/>
+        <a:p>
+          <a:endParaRPr lang="en-US"/>
+        </a:p>
+      </dgm:t>
     </dgm:pt>
     <dgm:pt modelId="{E0930DCB-5C7A-4126-BC09-F6E99DDF5CFC}" type="pres">
       <dgm:prSet presAssocID="{D4A5214C-F4AC-48FB-985B-F5C4BD002A44}" presName="connector2" presStyleLbl="sibTrans2D1" presStyleIdx="1" presStyleCnt="3"/>
       <dgm:spPr/>
+      <dgm:t>
+        <a:bodyPr/>
+        <a:lstStyle/>
+        <a:p>
+          <a:endParaRPr lang="en-US"/>
+        </a:p>
+      </dgm:t>
     </dgm:pt>
     <dgm:pt modelId="{1A6CCD0E-EABE-4627-B762-058DAD362BB2}" type="pres">
       <dgm:prSet presAssocID="{F2AABDD7-BA1C-4F18-BE2C-C4BC6D23D8E9}" presName="connector3" presStyleLbl="sibTrans2D1" presStyleIdx="2" presStyleCnt="3"/>
       <dgm:spPr/>
+      <dgm:t>
+        <a:bodyPr/>
+        <a:lstStyle/>
+        <a:p>
+          <a:endParaRPr lang="en-US"/>
+        </a:p>
+      </dgm:t>
     </dgm:pt>
   </dgm:ptLst>
   <dgm:cxnLst>
@@ -2454,6 +3343,218 @@
 </dgm:dataModel>
 </file>
 
+<file path=ppt/diagrams/data3.xml><?xml version="1.0" encoding="utf-8"?>
+<dgm:dataModel xmlns:dgm="http://schemas.openxmlformats.org/drawingml/2006/diagram" xmlns:a="http://schemas.openxmlformats.org/drawingml/2006/main">
+  <dgm:ptLst>
+    <dgm:pt modelId="{3641C281-B84B-41AA-BF3C-FC38CA2820DB}" type="doc">
+      <dgm:prSet loTypeId="urn:microsoft.com/office/officeart/2009/layout/CircleArrowProcess" loCatId="cycle" qsTypeId="urn:microsoft.com/office/officeart/2005/8/quickstyle/simple1" qsCatId="simple" csTypeId="urn:microsoft.com/office/officeart/2005/8/colors/colorful4" csCatId="colorful" phldr="1"/>
+      <dgm:spPr/>
+    </dgm:pt>
+    <dgm:pt modelId="{2FC93E6D-CE85-423D-B821-3E0EBEB6883B}">
+      <dgm:prSet phldrT="[Text]"/>
+      <dgm:spPr/>
+      <dgm:t>
+        <a:bodyPr/>
+        <a:lstStyle/>
+        <a:p>
+          <a:r>
+            <a:rPr lang="de-AT" dirty="0" err="1" smtClean="0"/>
+            <a:t>Statistics</a:t>
+          </a:r>
+          <a:endParaRPr lang="en-US" dirty="0"/>
+        </a:p>
+      </dgm:t>
+    </dgm:pt>
+    <dgm:pt modelId="{A0E96022-18A1-4900-A43E-32B9A0844B1D}" type="parTrans" cxnId="{D90C8446-DE61-46C7-9ADB-A2AFD64BC077}">
+      <dgm:prSet/>
+      <dgm:spPr/>
+      <dgm:t>
+        <a:bodyPr/>
+        <a:lstStyle/>
+        <a:p>
+          <a:endParaRPr lang="en-US"/>
+        </a:p>
+      </dgm:t>
+    </dgm:pt>
+    <dgm:pt modelId="{67ABD75D-4F2D-48F4-B00D-CBE87C74253D}" type="sibTrans" cxnId="{D90C8446-DE61-46C7-9ADB-A2AFD64BC077}">
+      <dgm:prSet/>
+      <dgm:spPr/>
+      <dgm:t>
+        <a:bodyPr/>
+        <a:lstStyle/>
+        <a:p>
+          <a:endParaRPr lang="en-US"/>
+        </a:p>
+      </dgm:t>
+    </dgm:pt>
+    <dgm:pt modelId="{5B84C4CA-7D9B-4F18-A34A-67D93C0CB7CA}">
+      <dgm:prSet phldrT="[Text]"/>
+      <dgm:spPr/>
+      <dgm:t>
+        <a:bodyPr/>
+        <a:lstStyle/>
+        <a:p>
+          <a:r>
+            <a:rPr lang="de-AT" dirty="0" smtClean="0"/>
+            <a:t>Code</a:t>
+          </a:r>
+          <a:endParaRPr lang="en-US" dirty="0"/>
+        </a:p>
+      </dgm:t>
+    </dgm:pt>
+    <dgm:pt modelId="{4747D2DD-6192-491A-B149-FD23808E8AEF}" type="sibTrans" cxnId="{D91DC3FD-AFE9-43CE-B95A-CD459B22F276}">
+      <dgm:prSet/>
+      <dgm:spPr/>
+      <dgm:t>
+        <a:bodyPr/>
+        <a:lstStyle/>
+        <a:p>
+          <a:endParaRPr lang="en-US"/>
+        </a:p>
+      </dgm:t>
+    </dgm:pt>
+    <dgm:pt modelId="{A3F6544F-C569-4F50-B675-60F8A0ECE2AF}" type="parTrans" cxnId="{D91DC3FD-AFE9-43CE-B95A-CD459B22F276}">
+      <dgm:prSet/>
+      <dgm:spPr/>
+      <dgm:t>
+        <a:bodyPr/>
+        <a:lstStyle/>
+        <a:p>
+          <a:endParaRPr lang="en-US"/>
+        </a:p>
+      </dgm:t>
+    </dgm:pt>
+    <dgm:pt modelId="{6170F9BC-A939-44B3-AD8A-FBA10CCE3037}">
+      <dgm:prSet phldrT="[Text]"/>
+      <dgm:spPr/>
+      <dgm:t>
+        <a:bodyPr/>
+        <a:lstStyle/>
+        <a:p>
+          <a:r>
+            <a:rPr lang="de-AT" dirty="0" err="1" smtClean="0"/>
+            <a:t>Conclusions</a:t>
+          </a:r>
+          <a:endParaRPr lang="en-US" dirty="0"/>
+        </a:p>
+      </dgm:t>
+    </dgm:pt>
+    <dgm:pt modelId="{4DE7F452-68C8-48F9-8DD1-A2E3FAC9817D}" type="sibTrans" cxnId="{4FEA4C12-B33E-487B-9975-1439085288ED}">
+      <dgm:prSet/>
+      <dgm:spPr/>
+      <dgm:t>
+        <a:bodyPr/>
+        <a:lstStyle/>
+        <a:p>
+          <a:endParaRPr lang="en-US"/>
+        </a:p>
+      </dgm:t>
+    </dgm:pt>
+    <dgm:pt modelId="{D7DB0869-4DDC-4C0E-BC38-85563BC78E64}" type="parTrans" cxnId="{4FEA4C12-B33E-487B-9975-1439085288ED}">
+      <dgm:prSet/>
+      <dgm:spPr/>
+      <dgm:t>
+        <a:bodyPr/>
+        <a:lstStyle/>
+        <a:p>
+          <a:endParaRPr lang="en-US"/>
+        </a:p>
+      </dgm:t>
+    </dgm:pt>
+    <dgm:pt modelId="{5BA6A6F9-389F-447E-ACE8-E96AB7E52F5C}" type="pres">
+      <dgm:prSet presAssocID="{3641C281-B84B-41AA-BF3C-FC38CA2820DB}" presName="Name0" presStyleCnt="0">
+        <dgm:presLayoutVars>
+          <dgm:chMax val="7"/>
+          <dgm:chPref val="7"/>
+          <dgm:dir/>
+          <dgm:animLvl val="lvl"/>
+        </dgm:presLayoutVars>
+      </dgm:prSet>
+      <dgm:spPr/>
+    </dgm:pt>
+    <dgm:pt modelId="{B762E3DF-F437-47DC-82F6-D5E38A806AD8}" type="pres">
+      <dgm:prSet presAssocID="{5B84C4CA-7D9B-4F18-A34A-67D93C0CB7CA}" presName="Accent1" presStyleCnt="0"/>
+      <dgm:spPr/>
+    </dgm:pt>
+    <dgm:pt modelId="{9F6D928F-326D-44A3-BBFF-E871DAE748D7}" type="pres">
+      <dgm:prSet presAssocID="{5B84C4CA-7D9B-4F18-A34A-67D93C0CB7CA}" presName="Accent" presStyleLbl="node1" presStyleIdx="0" presStyleCnt="3"/>
+      <dgm:spPr/>
+    </dgm:pt>
+    <dgm:pt modelId="{93F4FA67-5CAE-43CA-B731-5A4E44AEA011}" type="pres">
+      <dgm:prSet presAssocID="{5B84C4CA-7D9B-4F18-A34A-67D93C0CB7CA}" presName="Parent1" presStyleLbl="revTx" presStyleIdx="0" presStyleCnt="3">
+        <dgm:presLayoutVars>
+          <dgm:chMax val="1"/>
+          <dgm:chPref val="1"/>
+          <dgm:bulletEnabled val="1"/>
+        </dgm:presLayoutVars>
+      </dgm:prSet>
+      <dgm:spPr/>
+    </dgm:pt>
+    <dgm:pt modelId="{CA4E46A2-7984-40C8-B9D5-65E5094C7022}" type="pres">
+      <dgm:prSet presAssocID="{2FC93E6D-CE85-423D-B821-3E0EBEB6883B}" presName="Accent2" presStyleCnt="0"/>
+      <dgm:spPr/>
+    </dgm:pt>
+    <dgm:pt modelId="{599DAC59-C5C9-49A8-95DC-55512560B95A}" type="pres">
+      <dgm:prSet presAssocID="{2FC93E6D-CE85-423D-B821-3E0EBEB6883B}" presName="Accent" presStyleLbl="node1" presStyleIdx="1" presStyleCnt="3"/>
+      <dgm:spPr/>
+    </dgm:pt>
+    <dgm:pt modelId="{4C9189C0-B4F2-47D5-8547-C29DDCBFDCF6}" type="pres">
+      <dgm:prSet presAssocID="{2FC93E6D-CE85-423D-B821-3E0EBEB6883B}" presName="Parent2" presStyleLbl="revTx" presStyleIdx="1" presStyleCnt="3">
+        <dgm:presLayoutVars>
+          <dgm:chMax val="1"/>
+          <dgm:chPref val="1"/>
+          <dgm:bulletEnabled val="1"/>
+        </dgm:presLayoutVars>
+      </dgm:prSet>
+      <dgm:spPr/>
+    </dgm:pt>
+    <dgm:pt modelId="{B1EC30EC-6B67-4DD0-803F-02091C695D2F}" type="pres">
+      <dgm:prSet presAssocID="{6170F9BC-A939-44B3-AD8A-FBA10CCE3037}" presName="Accent3" presStyleCnt="0"/>
+      <dgm:spPr/>
+    </dgm:pt>
+    <dgm:pt modelId="{A4270A77-A732-4D29-908A-D49507576CB8}" type="pres">
+      <dgm:prSet presAssocID="{6170F9BC-A939-44B3-AD8A-FBA10CCE3037}" presName="Accent" presStyleLbl="node1" presStyleIdx="2" presStyleCnt="3"/>
+      <dgm:spPr/>
+    </dgm:pt>
+    <dgm:pt modelId="{0528A936-3559-4B27-89F2-0EC4544A63EC}" type="pres">
+      <dgm:prSet presAssocID="{6170F9BC-A939-44B3-AD8A-FBA10CCE3037}" presName="Parent3" presStyleLbl="revTx" presStyleIdx="2" presStyleCnt="3">
+        <dgm:presLayoutVars>
+          <dgm:chMax val="1"/>
+          <dgm:chPref val="1"/>
+          <dgm:bulletEnabled val="1"/>
+        </dgm:presLayoutVars>
+      </dgm:prSet>
+      <dgm:spPr/>
+    </dgm:pt>
+  </dgm:ptLst>
+  <dgm:cxnLst>
+    <dgm:cxn modelId="{CE5DD3B2-741A-47D0-BB95-1E3AE1B817B2}" type="presOf" srcId="{5B84C4CA-7D9B-4F18-A34A-67D93C0CB7CA}" destId="{93F4FA67-5CAE-43CA-B731-5A4E44AEA011}" srcOrd="0" destOrd="0" presId="urn:microsoft.com/office/officeart/2009/layout/CircleArrowProcess"/>
+    <dgm:cxn modelId="{3EF96770-D809-4E0F-8BB2-87F39D5E48F8}" type="presOf" srcId="{3641C281-B84B-41AA-BF3C-FC38CA2820DB}" destId="{5BA6A6F9-389F-447E-ACE8-E96AB7E52F5C}" srcOrd="0" destOrd="0" presId="urn:microsoft.com/office/officeart/2009/layout/CircleArrowProcess"/>
+    <dgm:cxn modelId="{D90C8446-DE61-46C7-9ADB-A2AFD64BC077}" srcId="{3641C281-B84B-41AA-BF3C-FC38CA2820DB}" destId="{2FC93E6D-CE85-423D-B821-3E0EBEB6883B}" srcOrd="1" destOrd="0" parTransId="{A0E96022-18A1-4900-A43E-32B9A0844B1D}" sibTransId="{67ABD75D-4F2D-48F4-B00D-CBE87C74253D}"/>
+    <dgm:cxn modelId="{4FEA4C12-B33E-487B-9975-1439085288ED}" srcId="{3641C281-B84B-41AA-BF3C-FC38CA2820DB}" destId="{6170F9BC-A939-44B3-AD8A-FBA10CCE3037}" srcOrd="2" destOrd="0" parTransId="{D7DB0869-4DDC-4C0E-BC38-85563BC78E64}" sibTransId="{4DE7F452-68C8-48F9-8DD1-A2E3FAC9817D}"/>
+    <dgm:cxn modelId="{485BDBF3-D8C0-4DB6-94D4-59A2B610403D}" type="presOf" srcId="{6170F9BC-A939-44B3-AD8A-FBA10CCE3037}" destId="{0528A936-3559-4B27-89F2-0EC4544A63EC}" srcOrd="0" destOrd="0" presId="urn:microsoft.com/office/officeart/2009/layout/CircleArrowProcess"/>
+    <dgm:cxn modelId="{D91DC3FD-AFE9-43CE-B95A-CD459B22F276}" srcId="{3641C281-B84B-41AA-BF3C-FC38CA2820DB}" destId="{5B84C4CA-7D9B-4F18-A34A-67D93C0CB7CA}" srcOrd="0" destOrd="0" parTransId="{A3F6544F-C569-4F50-B675-60F8A0ECE2AF}" sibTransId="{4747D2DD-6192-491A-B149-FD23808E8AEF}"/>
+    <dgm:cxn modelId="{25ECC1CD-867D-4D42-8B9D-2FBD5C6BDE20}" type="presOf" srcId="{2FC93E6D-CE85-423D-B821-3E0EBEB6883B}" destId="{4C9189C0-B4F2-47D5-8547-C29DDCBFDCF6}" srcOrd="0" destOrd="0" presId="urn:microsoft.com/office/officeart/2009/layout/CircleArrowProcess"/>
+    <dgm:cxn modelId="{37664AA0-E585-4425-8661-B3CD19013914}" type="presParOf" srcId="{5BA6A6F9-389F-447E-ACE8-E96AB7E52F5C}" destId="{B762E3DF-F437-47DC-82F6-D5E38A806AD8}" srcOrd="0" destOrd="0" presId="urn:microsoft.com/office/officeart/2009/layout/CircleArrowProcess"/>
+    <dgm:cxn modelId="{465E6D67-3899-4A48-8684-31BDA657C6C6}" type="presParOf" srcId="{B762E3DF-F437-47DC-82F6-D5E38A806AD8}" destId="{9F6D928F-326D-44A3-BBFF-E871DAE748D7}" srcOrd="0" destOrd="0" presId="urn:microsoft.com/office/officeart/2009/layout/CircleArrowProcess"/>
+    <dgm:cxn modelId="{F6E6E89B-F59F-4DFD-833E-22F34769F31E}" type="presParOf" srcId="{5BA6A6F9-389F-447E-ACE8-E96AB7E52F5C}" destId="{93F4FA67-5CAE-43CA-B731-5A4E44AEA011}" srcOrd="1" destOrd="0" presId="urn:microsoft.com/office/officeart/2009/layout/CircleArrowProcess"/>
+    <dgm:cxn modelId="{9388EB7F-B0FB-46CC-B5F7-BAE9806D0EDA}" type="presParOf" srcId="{5BA6A6F9-389F-447E-ACE8-E96AB7E52F5C}" destId="{CA4E46A2-7984-40C8-B9D5-65E5094C7022}" srcOrd="2" destOrd="0" presId="urn:microsoft.com/office/officeart/2009/layout/CircleArrowProcess"/>
+    <dgm:cxn modelId="{DE071EE0-B68A-4D69-B611-2EE5B40A6D9B}" type="presParOf" srcId="{CA4E46A2-7984-40C8-B9D5-65E5094C7022}" destId="{599DAC59-C5C9-49A8-95DC-55512560B95A}" srcOrd="0" destOrd="0" presId="urn:microsoft.com/office/officeart/2009/layout/CircleArrowProcess"/>
+    <dgm:cxn modelId="{C41F2FC4-145D-4E15-9418-CE90B1E9E96A}" type="presParOf" srcId="{5BA6A6F9-389F-447E-ACE8-E96AB7E52F5C}" destId="{4C9189C0-B4F2-47D5-8547-C29DDCBFDCF6}" srcOrd="3" destOrd="0" presId="urn:microsoft.com/office/officeart/2009/layout/CircleArrowProcess"/>
+    <dgm:cxn modelId="{790CBE0B-8F2B-4751-A7EA-4003E6CD5D45}" type="presParOf" srcId="{5BA6A6F9-389F-447E-ACE8-E96AB7E52F5C}" destId="{B1EC30EC-6B67-4DD0-803F-02091C695D2F}" srcOrd="4" destOrd="0" presId="urn:microsoft.com/office/officeart/2009/layout/CircleArrowProcess"/>
+    <dgm:cxn modelId="{3B7E9DF1-6F17-4C00-9577-55B40B659BCC}" type="presParOf" srcId="{B1EC30EC-6B67-4DD0-803F-02091C695D2F}" destId="{A4270A77-A732-4D29-908A-D49507576CB8}" srcOrd="0" destOrd="0" presId="urn:microsoft.com/office/officeart/2009/layout/CircleArrowProcess"/>
+    <dgm:cxn modelId="{4BB60812-A496-4349-91A7-307D07306332}" type="presParOf" srcId="{5BA6A6F9-389F-447E-ACE8-E96AB7E52F5C}" destId="{0528A936-3559-4B27-89F2-0EC4544A63EC}" srcOrd="5" destOrd="0" presId="urn:microsoft.com/office/officeart/2009/layout/CircleArrowProcess"/>
+  </dgm:cxnLst>
+  <dgm:bg/>
+  <dgm:whole/>
+  <dgm:extLst>
+    <a:ext uri="http://schemas.microsoft.com/office/drawing/2008/diagram">
+      <dsp:dataModelExt xmlns:dsp="http://schemas.microsoft.com/office/drawing/2008/diagram" relId="rId6" minVer="http://schemas.openxmlformats.org/drawingml/2006/diagram"/>
+    </a:ext>
+  </dgm:extLst>
+</dgm:dataModel>
+</file>
+
 <file path=ppt/diagrams/drawing1.xml><?xml version="1.0" encoding="utf-8"?>
 <dsp:drawing xmlns:dgm="http://schemas.openxmlformats.org/drawingml/2006/diagram" xmlns:dsp="http://schemas.microsoft.com/office/drawing/2008/diagram" xmlns:a="http://schemas.openxmlformats.org/drawingml/2006/main">
   <dsp:spTree>
@@ -2469,8 +3570,8 @@
       </dsp:nvSpPr>
       <dsp:spPr>
         <a:xfrm>
-          <a:off x="0" y="3108523"/>
-          <a:ext cx="6090296" cy="955476"/>
+          <a:off x="0" y="2463617"/>
+          <a:ext cx="3245556" cy="776901"/>
         </a:xfrm>
         <a:prstGeom prst="roundRect">
           <a:avLst>
@@ -2509,12 +3610,12 @@
         </a:fontRef>
       </dsp:style>
       <dsp:txBody>
-        <a:bodyPr spcFirstLastPara="0" vert="horz" wrap="square" lIns="156210" tIns="156210" rIns="156210" bIns="156210" numCol="1" spcCol="1270" anchor="ctr" anchorCtr="0">
+        <a:bodyPr spcFirstLastPara="0" vert="horz" wrap="square" lIns="125730" tIns="125730" rIns="125730" bIns="125730" numCol="1" spcCol="1270" anchor="ctr" anchorCtr="0">
           <a:noAutofit/>
         </a:bodyPr>
         <a:lstStyle/>
         <a:p>
-          <a:pPr lvl="0" algn="ctr" defTabSz="1822450">
+          <a:pPr lvl="0" algn="ctr" defTabSz="1466850">
             <a:lnSpc>
               <a:spcPct val="90000"/>
             </a:lnSpc>
@@ -2526,15 +3627,15 @@
             </a:spcAft>
           </a:pPr>
           <a:r>
-            <a:rPr lang="en-US" sz="4100" kern="1200" dirty="0" smtClean="0"/>
+            <a:rPr lang="en-US" sz="3300" kern="1200" dirty="0" smtClean="0"/>
             <a:t>GPU Hardware</a:t>
           </a:r>
-          <a:endParaRPr lang="en-US" sz="4100" kern="1200" dirty="0"/>
+          <a:endParaRPr lang="en-US" sz="3300" kern="1200" dirty="0"/>
         </a:p>
       </dsp:txBody>
       <dsp:txXfrm>
-        <a:off x="27985" y="3136508"/>
-        <a:ext cx="6034326" cy="899506"/>
+        <a:off x="22755" y="2486372"/>
+        <a:ext cx="3200046" cy="731391"/>
       </dsp:txXfrm>
     </dsp:sp>
     <dsp:sp modelId="{A4F4F6B8-5463-4FB2-9333-1C9CB354EF04}">
@@ -2544,8 +3645,8 @@
       </dsp:nvSpPr>
       <dsp:spPr>
         <a:xfrm>
-          <a:off x="0" y="2066655"/>
-          <a:ext cx="6090296" cy="955476"/>
+          <a:off x="0" y="1637615"/>
+          <a:ext cx="3245556" cy="776901"/>
         </a:xfrm>
         <a:prstGeom prst="roundRect">
           <a:avLst>
@@ -2584,12 +3685,12 @@
         </a:fontRef>
       </dsp:style>
       <dsp:txBody>
-        <a:bodyPr spcFirstLastPara="0" vert="horz" wrap="square" lIns="156210" tIns="156210" rIns="156210" bIns="156210" numCol="1" spcCol="1270" anchor="ctr" anchorCtr="0">
+        <a:bodyPr spcFirstLastPara="0" vert="horz" wrap="square" lIns="125730" tIns="125730" rIns="125730" bIns="125730" numCol="1" spcCol="1270" anchor="ctr" anchorCtr="0">
           <a:noAutofit/>
         </a:bodyPr>
         <a:lstStyle/>
         <a:p>
-          <a:pPr lvl="0" algn="ctr" defTabSz="1822450">
+          <a:pPr lvl="0" algn="ctr" defTabSz="1466850">
             <a:lnSpc>
               <a:spcPct val="90000"/>
             </a:lnSpc>
@@ -2601,19 +3702,19 @@
             </a:spcAft>
           </a:pPr>
           <a:r>
-            <a:rPr lang="en-US" sz="4100" kern="1200" dirty="0" err="1" smtClean="0"/>
+            <a:rPr lang="en-US" sz="3300" kern="1200" dirty="0" err="1" smtClean="0"/>
             <a:t>OpenCL</a:t>
           </a:r>
           <a:r>
-            <a:rPr lang="en-US" sz="4100" kern="1200" dirty="0" smtClean="0"/>
+            <a:rPr lang="en-US" sz="3300" kern="1200" dirty="0" smtClean="0"/>
             <a:t> Driver</a:t>
           </a:r>
-          <a:endParaRPr lang="en-US" sz="4100" kern="1200" dirty="0"/>
+          <a:endParaRPr lang="en-US" sz="3300" kern="1200" dirty="0"/>
         </a:p>
       </dsp:txBody>
       <dsp:txXfrm>
-        <a:off x="27985" y="2094640"/>
-        <a:ext cx="6034326" cy="899506"/>
+        <a:off x="22755" y="1660370"/>
+        <a:ext cx="3200046" cy="731391"/>
       </dsp:txXfrm>
     </dsp:sp>
     <dsp:sp modelId="{A7663967-F6E8-4D05-BFE7-B69A6D9FBB28}">
@@ -2623,8 +3724,8 @@
       </dsp:nvSpPr>
       <dsp:spPr>
         <a:xfrm>
-          <a:off x="12425" y="1041868"/>
-          <a:ext cx="2982515" cy="955476"/>
+          <a:off x="6621" y="826001"/>
+          <a:ext cx="1589400" cy="776901"/>
         </a:xfrm>
         <a:prstGeom prst="roundRect">
           <a:avLst>
@@ -2663,12 +3764,12 @@
         </a:fontRef>
       </dsp:style>
       <dsp:txBody>
-        <a:bodyPr spcFirstLastPara="0" vert="horz" wrap="square" lIns="102870" tIns="102870" rIns="102870" bIns="102870" numCol="1" spcCol="1270" anchor="ctr" anchorCtr="0">
+        <a:bodyPr spcFirstLastPara="0" vert="horz" wrap="square" lIns="76200" tIns="76200" rIns="76200" bIns="76200" numCol="1" spcCol="1270" anchor="ctr" anchorCtr="0">
           <a:noAutofit/>
         </a:bodyPr>
         <a:lstStyle/>
         <a:p>
-          <a:pPr lvl="0" algn="ctr" defTabSz="1200150">
+          <a:pPr lvl="0" algn="ctr" defTabSz="889000">
             <a:lnSpc>
               <a:spcPct val="90000"/>
             </a:lnSpc>
@@ -2680,19 +3781,19 @@
             </a:spcAft>
           </a:pPr>
           <a:r>
-            <a:rPr lang="en-US" sz="2700" kern="1200" dirty="0" err="1" smtClean="0"/>
+            <a:rPr lang="en-US" sz="2000" kern="1200" dirty="0" err="1" smtClean="0"/>
             <a:t>OpenCL</a:t>
           </a:r>
           <a:r>
-            <a:rPr lang="en-US" sz="2700" kern="1200" dirty="0" smtClean="0"/>
+            <a:rPr lang="en-US" sz="2000" kern="1200" dirty="0" smtClean="0"/>
             <a:t> API</a:t>
           </a:r>
-          <a:endParaRPr lang="en-US" sz="2700" kern="1200" dirty="0"/>
+          <a:endParaRPr lang="en-US" sz="2000" kern="1200" dirty="0"/>
         </a:p>
       </dsp:txBody>
       <dsp:txXfrm>
-        <a:off x="40410" y="1069853"/>
-        <a:ext cx="2926545" cy="899506"/>
+        <a:off x="29376" y="848756"/>
+        <a:ext cx="1543890" cy="731391"/>
       </dsp:txXfrm>
     </dsp:sp>
     <dsp:sp modelId="{9BF71997-9C86-4963-AE9E-E3D4A7D6C1FF}">
@@ -2703,7 +3804,7 @@
       <dsp:spPr>
         <a:xfrm>
           <a:off x="0" y="0"/>
-          <a:ext cx="2982515" cy="955476"/>
+          <a:ext cx="1589400" cy="776901"/>
         </a:xfrm>
         <a:prstGeom prst="roundRect">
           <a:avLst>
@@ -2742,12 +3843,12 @@
         </a:fontRef>
       </dsp:style>
       <dsp:txBody>
-        <a:bodyPr spcFirstLastPara="0" vert="horz" wrap="square" lIns="102870" tIns="102870" rIns="102870" bIns="102870" numCol="1" spcCol="1270" anchor="ctr" anchorCtr="0">
+        <a:bodyPr spcFirstLastPara="0" vert="horz" wrap="square" lIns="76200" tIns="76200" rIns="76200" bIns="76200" numCol="1" spcCol="1270" anchor="ctr" anchorCtr="0">
           <a:noAutofit/>
         </a:bodyPr>
         <a:lstStyle/>
         <a:p>
-          <a:pPr lvl="0" algn="ctr" defTabSz="1200150">
+          <a:pPr lvl="0" algn="ctr" defTabSz="889000">
             <a:lnSpc>
               <a:spcPct val="90000"/>
             </a:lnSpc>
@@ -2759,15 +3860,15 @@
             </a:spcAft>
           </a:pPr>
           <a:r>
-            <a:rPr lang="en-US" sz="2700" kern="1200" dirty="0" smtClean="0"/>
+            <a:rPr lang="en-US" sz="2000" kern="1200" dirty="0" smtClean="0"/>
             <a:t>Application</a:t>
           </a:r>
-          <a:endParaRPr lang="en-US" sz="2700" kern="1200" dirty="0"/>
+          <a:endParaRPr lang="en-US" sz="2000" kern="1200" dirty="0"/>
         </a:p>
       </dsp:txBody>
       <dsp:txXfrm>
-        <a:off x="27985" y="27985"/>
-        <a:ext cx="2926545" cy="899506"/>
+        <a:off x="22755" y="22755"/>
+        <a:ext cx="1543890" cy="731391"/>
       </dsp:txXfrm>
     </dsp:sp>
     <dsp:sp modelId="{1A7D3C3B-9EA4-4035-BD96-45289FC6B969}">
@@ -2777,8 +3878,8 @@
       </dsp:nvSpPr>
       <dsp:spPr>
         <a:xfrm>
-          <a:off x="3113484" y="1041868"/>
-          <a:ext cx="2982515" cy="955476"/>
+          <a:off x="1659195" y="826001"/>
+          <a:ext cx="1589400" cy="776901"/>
         </a:xfrm>
         <a:prstGeom prst="roundRect">
           <a:avLst>
@@ -2817,12 +3918,12 @@
         </a:fontRef>
       </dsp:style>
       <dsp:txBody>
-        <a:bodyPr spcFirstLastPara="0" vert="horz" wrap="square" lIns="102870" tIns="102870" rIns="102870" bIns="102870" numCol="1" spcCol="1270" anchor="ctr" anchorCtr="0">
+        <a:bodyPr spcFirstLastPara="0" vert="horz" wrap="square" lIns="76200" tIns="76200" rIns="76200" bIns="76200" numCol="1" spcCol="1270" anchor="ctr" anchorCtr="0">
           <a:noAutofit/>
         </a:bodyPr>
         <a:lstStyle/>
         <a:p>
-          <a:pPr lvl="0" algn="ctr" defTabSz="1200150">
+          <a:pPr lvl="0" algn="ctr" defTabSz="889000">
             <a:lnSpc>
               <a:spcPct val="90000"/>
             </a:lnSpc>
@@ -2834,19 +3935,19 @@
             </a:spcAft>
           </a:pPr>
           <a:r>
-            <a:rPr lang="en-US" sz="2700" kern="1200" dirty="0" err="1" smtClean="0"/>
+            <a:rPr lang="en-US" sz="2000" kern="1200" dirty="0" err="1" smtClean="0"/>
             <a:t>OpenCL</a:t>
           </a:r>
           <a:r>
-            <a:rPr lang="en-US" sz="2700" kern="1200" dirty="0" smtClean="0"/>
+            <a:rPr lang="en-US" sz="2000" kern="1200" dirty="0" smtClean="0"/>
             <a:t> C Compiler</a:t>
           </a:r>
-          <a:endParaRPr lang="en-US" sz="2700" kern="1200" dirty="0"/>
+          <a:endParaRPr lang="en-US" sz="2000" kern="1200" dirty="0"/>
         </a:p>
       </dsp:txBody>
       <dsp:txXfrm>
-        <a:off x="3141469" y="1069853"/>
-        <a:ext cx="2926545" cy="899506"/>
+        <a:off x="1681950" y="848756"/>
+        <a:ext cx="1543890" cy="731391"/>
       </dsp:txXfrm>
     </dsp:sp>
     <dsp:sp modelId="{19B0399D-1187-42D8-8D46-A4F53C82793D}">
@@ -2856,8 +3957,8 @@
       </dsp:nvSpPr>
       <dsp:spPr>
         <a:xfrm>
-          <a:off x="3113484" y="0"/>
-          <a:ext cx="2982515" cy="955476"/>
+          <a:off x="1659195" y="0"/>
+          <a:ext cx="1589400" cy="776901"/>
         </a:xfrm>
         <a:prstGeom prst="roundRect">
           <a:avLst>
@@ -2896,12 +3997,12 @@
         </a:fontRef>
       </dsp:style>
       <dsp:txBody>
-        <a:bodyPr spcFirstLastPara="0" vert="horz" wrap="square" lIns="102870" tIns="102870" rIns="102870" bIns="102870" numCol="1" spcCol="1270" anchor="ctr" anchorCtr="0">
+        <a:bodyPr spcFirstLastPara="0" vert="horz" wrap="square" lIns="76200" tIns="76200" rIns="76200" bIns="76200" numCol="1" spcCol="1270" anchor="ctr" anchorCtr="0">
           <a:noAutofit/>
         </a:bodyPr>
         <a:lstStyle/>
         <a:p>
-          <a:pPr lvl="0" algn="ctr" defTabSz="1200150">
+          <a:pPr lvl="0" algn="ctr" defTabSz="889000">
             <a:lnSpc>
               <a:spcPct val="90000"/>
             </a:lnSpc>
@@ -2913,19 +4014,19 @@
             </a:spcAft>
           </a:pPr>
           <a:r>
-            <a:rPr lang="en-US" sz="2700" kern="1200" dirty="0" err="1" smtClean="0"/>
+            <a:rPr lang="en-US" sz="2000" kern="1200" dirty="0" err="1" smtClean="0"/>
             <a:t>OpenCL</a:t>
           </a:r>
           <a:r>
-            <a:rPr lang="en-US" sz="2700" kern="1200" dirty="0" smtClean="0"/>
+            <a:rPr lang="en-US" sz="2000" kern="1200" dirty="0" smtClean="0"/>
             <a:t> Kernels</a:t>
           </a:r>
-          <a:endParaRPr lang="en-US" sz="2700" kern="1200" dirty="0"/>
+          <a:endParaRPr lang="en-US" sz="2000" kern="1200" dirty="0"/>
         </a:p>
       </dsp:txBody>
       <dsp:txXfrm>
-        <a:off x="3141469" y="27985"/>
-        <a:ext cx="2926545" cy="899506"/>
+        <a:off x="1681950" y="22755"/>
+        <a:ext cx="1543890" cy="731391"/>
       </dsp:txXfrm>
     </dsp:sp>
   </dsp:spTree>
@@ -3355,6 +4456,361 @@
           <a:schemeClr val="lt1"/>
         </a:fontRef>
       </dsp:style>
+    </dsp:sp>
+  </dsp:spTree>
+</dsp:drawing>
+</file>
+
+<file path=ppt/diagrams/drawing3.xml><?xml version="1.0" encoding="utf-8"?>
+<dsp:drawing xmlns:dgm="http://schemas.openxmlformats.org/drawingml/2006/diagram" xmlns:dsp="http://schemas.microsoft.com/office/drawing/2008/diagram" xmlns:a="http://schemas.openxmlformats.org/drawingml/2006/main">
+  <dsp:spTree>
+    <dsp:nvGrpSpPr>
+      <dsp:cNvPr id="0" name=""/>
+      <dsp:cNvGrpSpPr/>
+    </dsp:nvGrpSpPr>
+    <dsp:grpSpPr/>
+    <dsp:sp modelId="{9F6D928F-326D-44A3-BBFF-E871DAE748D7}">
+      <dsp:nvSpPr>
+        <dsp:cNvPr id="0" name=""/>
+        <dsp:cNvSpPr/>
+      </dsp:nvSpPr>
+      <dsp:spPr>
+        <a:xfrm>
+          <a:off x="2571101" y="0"/>
+          <a:ext cx="2147835" cy="2148162"/>
+        </a:xfrm>
+        <a:prstGeom prst="circularArrow">
+          <a:avLst>
+            <a:gd name="adj1" fmla="val 10980"/>
+            <a:gd name="adj2" fmla="val 1142322"/>
+            <a:gd name="adj3" fmla="val 4500000"/>
+            <a:gd name="adj4" fmla="val 10800000"/>
+            <a:gd name="adj5" fmla="val 12500"/>
+          </a:avLst>
+        </a:prstGeom>
+        <a:solidFill>
+          <a:schemeClr val="accent4">
+            <a:hueOff val="0"/>
+            <a:satOff val="0"/>
+            <a:lumOff val="0"/>
+            <a:alphaOff val="0"/>
+          </a:schemeClr>
+        </a:solidFill>
+        <a:ln w="25400" cap="flat" cmpd="sng" algn="ctr">
+          <a:solidFill>
+            <a:schemeClr val="lt1">
+              <a:hueOff val="0"/>
+              <a:satOff val="0"/>
+              <a:lumOff val="0"/>
+              <a:alphaOff val="0"/>
+            </a:schemeClr>
+          </a:solidFill>
+          <a:prstDash val="solid"/>
+        </a:ln>
+        <a:effectLst/>
+      </dsp:spPr>
+      <dsp:style>
+        <a:lnRef idx="2">
+          <a:scrgbClr r="0" g="0" b="0"/>
+        </a:lnRef>
+        <a:fillRef idx="1">
+          <a:scrgbClr r="0" g="0" b="0"/>
+        </a:fillRef>
+        <a:effectRef idx="0">
+          <a:scrgbClr r="0" g="0" b="0"/>
+        </a:effectRef>
+        <a:fontRef idx="minor">
+          <a:schemeClr val="lt1"/>
+        </a:fontRef>
+      </dsp:style>
+    </dsp:sp>
+    <dsp:sp modelId="{93F4FA67-5CAE-43CA-B731-5A4E44AEA011}">
+      <dsp:nvSpPr>
+        <dsp:cNvPr id="0" name=""/>
+        <dsp:cNvSpPr/>
+      </dsp:nvSpPr>
+      <dsp:spPr>
+        <a:xfrm>
+          <a:off x="3045844" y="775551"/>
+          <a:ext cx="1193511" cy="596612"/>
+        </a:xfrm>
+        <a:prstGeom prst="rect">
+          <a:avLst/>
+        </a:prstGeom>
+        <a:noFill/>
+        <a:ln>
+          <a:noFill/>
+        </a:ln>
+        <a:effectLst/>
+      </dsp:spPr>
+      <dsp:style>
+        <a:lnRef idx="0">
+          <a:scrgbClr r="0" g="0" b="0"/>
+        </a:lnRef>
+        <a:fillRef idx="0">
+          <a:scrgbClr r="0" g="0" b="0"/>
+        </a:fillRef>
+        <a:effectRef idx="0">
+          <a:scrgbClr r="0" g="0" b="0"/>
+        </a:effectRef>
+        <a:fontRef idx="minor"/>
+      </dsp:style>
+      <dsp:txBody>
+        <a:bodyPr spcFirstLastPara="0" vert="horz" wrap="square" lIns="12065" tIns="12065" rIns="12065" bIns="12065" numCol="1" spcCol="1270" anchor="ctr" anchorCtr="0">
+          <a:noAutofit/>
+        </a:bodyPr>
+        <a:lstStyle/>
+        <a:p>
+          <a:pPr lvl="0" algn="ctr" defTabSz="844550">
+            <a:lnSpc>
+              <a:spcPct val="90000"/>
+            </a:lnSpc>
+            <a:spcBef>
+              <a:spcPct val="0"/>
+            </a:spcBef>
+            <a:spcAft>
+              <a:spcPct val="35000"/>
+            </a:spcAft>
+          </a:pPr>
+          <a:r>
+            <a:rPr lang="de-AT" sz="1900" kern="1200" dirty="0" smtClean="0"/>
+            <a:t>Code</a:t>
+          </a:r>
+          <a:endParaRPr lang="en-US" sz="1900" kern="1200" dirty="0"/>
+        </a:p>
+      </dsp:txBody>
+      <dsp:txXfrm>
+        <a:off x="3045844" y="775551"/>
+        <a:ext cx="1193511" cy="596612"/>
+      </dsp:txXfrm>
+    </dsp:sp>
+    <dsp:sp modelId="{599DAC59-C5C9-49A8-95DC-55512560B95A}">
+      <dsp:nvSpPr>
+        <dsp:cNvPr id="0" name=""/>
+        <dsp:cNvSpPr/>
+      </dsp:nvSpPr>
+      <dsp:spPr>
+        <a:xfrm>
+          <a:off x="1974548" y="1234278"/>
+          <a:ext cx="2147835" cy="2148162"/>
+        </a:xfrm>
+        <a:prstGeom prst="leftCircularArrow">
+          <a:avLst>
+            <a:gd name="adj1" fmla="val 10980"/>
+            <a:gd name="adj2" fmla="val 1142322"/>
+            <a:gd name="adj3" fmla="val 6300000"/>
+            <a:gd name="adj4" fmla="val 18900000"/>
+            <a:gd name="adj5" fmla="val 12500"/>
+          </a:avLst>
+        </a:prstGeom>
+        <a:solidFill>
+          <a:schemeClr val="accent4">
+            <a:hueOff val="-2232385"/>
+            <a:satOff val="13449"/>
+            <a:lumOff val="1078"/>
+            <a:alphaOff val="0"/>
+          </a:schemeClr>
+        </a:solidFill>
+        <a:ln w="25400" cap="flat" cmpd="sng" algn="ctr">
+          <a:solidFill>
+            <a:schemeClr val="lt1">
+              <a:hueOff val="0"/>
+              <a:satOff val="0"/>
+              <a:lumOff val="0"/>
+              <a:alphaOff val="0"/>
+            </a:schemeClr>
+          </a:solidFill>
+          <a:prstDash val="solid"/>
+        </a:ln>
+        <a:effectLst/>
+      </dsp:spPr>
+      <dsp:style>
+        <a:lnRef idx="2">
+          <a:scrgbClr r="0" g="0" b="0"/>
+        </a:lnRef>
+        <a:fillRef idx="1">
+          <a:scrgbClr r="0" g="0" b="0"/>
+        </a:fillRef>
+        <a:effectRef idx="0">
+          <a:scrgbClr r="0" g="0" b="0"/>
+        </a:effectRef>
+        <a:fontRef idx="minor">
+          <a:schemeClr val="lt1"/>
+        </a:fontRef>
+      </dsp:style>
+    </dsp:sp>
+    <dsp:sp modelId="{4C9189C0-B4F2-47D5-8547-C29DDCBFDCF6}">
+      <dsp:nvSpPr>
+        <dsp:cNvPr id="0" name=""/>
+        <dsp:cNvSpPr/>
+      </dsp:nvSpPr>
+      <dsp:spPr>
+        <a:xfrm>
+          <a:off x="2451710" y="2016970"/>
+          <a:ext cx="1193511" cy="596612"/>
+        </a:xfrm>
+        <a:prstGeom prst="rect">
+          <a:avLst/>
+        </a:prstGeom>
+        <a:noFill/>
+        <a:ln>
+          <a:noFill/>
+        </a:ln>
+        <a:effectLst/>
+      </dsp:spPr>
+      <dsp:style>
+        <a:lnRef idx="0">
+          <a:scrgbClr r="0" g="0" b="0"/>
+        </a:lnRef>
+        <a:fillRef idx="0">
+          <a:scrgbClr r="0" g="0" b="0"/>
+        </a:fillRef>
+        <a:effectRef idx="0">
+          <a:scrgbClr r="0" g="0" b="0"/>
+        </a:effectRef>
+        <a:fontRef idx="minor"/>
+      </dsp:style>
+      <dsp:txBody>
+        <a:bodyPr spcFirstLastPara="0" vert="horz" wrap="square" lIns="12065" tIns="12065" rIns="12065" bIns="12065" numCol="1" spcCol="1270" anchor="ctr" anchorCtr="0">
+          <a:noAutofit/>
+        </a:bodyPr>
+        <a:lstStyle/>
+        <a:p>
+          <a:pPr lvl="0" algn="ctr" defTabSz="844550">
+            <a:lnSpc>
+              <a:spcPct val="90000"/>
+            </a:lnSpc>
+            <a:spcBef>
+              <a:spcPct val="0"/>
+            </a:spcBef>
+            <a:spcAft>
+              <a:spcPct val="35000"/>
+            </a:spcAft>
+          </a:pPr>
+          <a:r>
+            <a:rPr lang="de-AT" sz="1900" kern="1200" dirty="0" err="1" smtClean="0"/>
+            <a:t>Statistics</a:t>
+          </a:r>
+          <a:endParaRPr lang="en-US" sz="1900" kern="1200" dirty="0"/>
+        </a:p>
+      </dsp:txBody>
+      <dsp:txXfrm>
+        <a:off x="2451710" y="2016970"/>
+        <a:ext cx="1193511" cy="596612"/>
+      </dsp:txXfrm>
+    </dsp:sp>
+    <dsp:sp modelId="{A4270A77-A732-4D29-908A-D49507576CB8}">
+      <dsp:nvSpPr>
+        <dsp:cNvPr id="0" name=""/>
+        <dsp:cNvSpPr/>
+      </dsp:nvSpPr>
+      <dsp:spPr>
+        <a:xfrm>
+          <a:off x="2723971" y="2616260"/>
+          <a:ext cx="1845323" cy="1846063"/>
+        </a:xfrm>
+        <a:prstGeom prst="blockArc">
+          <a:avLst>
+            <a:gd name="adj1" fmla="val 13500000"/>
+            <a:gd name="adj2" fmla="val 10800000"/>
+            <a:gd name="adj3" fmla="val 12740"/>
+          </a:avLst>
+        </a:prstGeom>
+        <a:solidFill>
+          <a:schemeClr val="accent4">
+            <a:hueOff val="-4464770"/>
+            <a:satOff val="26899"/>
+            <a:lumOff val="2156"/>
+            <a:alphaOff val="0"/>
+          </a:schemeClr>
+        </a:solidFill>
+        <a:ln w="25400" cap="flat" cmpd="sng" algn="ctr">
+          <a:solidFill>
+            <a:schemeClr val="lt1">
+              <a:hueOff val="0"/>
+              <a:satOff val="0"/>
+              <a:lumOff val="0"/>
+              <a:alphaOff val="0"/>
+            </a:schemeClr>
+          </a:solidFill>
+          <a:prstDash val="solid"/>
+        </a:ln>
+        <a:effectLst/>
+      </dsp:spPr>
+      <dsp:style>
+        <a:lnRef idx="2">
+          <a:scrgbClr r="0" g="0" b="0"/>
+        </a:lnRef>
+        <a:fillRef idx="1">
+          <a:scrgbClr r="0" g="0" b="0"/>
+        </a:fillRef>
+        <a:effectRef idx="0">
+          <a:scrgbClr r="0" g="0" b="0"/>
+        </a:effectRef>
+        <a:fontRef idx="minor">
+          <a:schemeClr val="lt1"/>
+        </a:fontRef>
+      </dsp:style>
+    </dsp:sp>
+    <dsp:sp modelId="{0528A936-3559-4B27-89F2-0EC4544A63EC}">
+      <dsp:nvSpPr>
+        <dsp:cNvPr id="0" name=""/>
+        <dsp:cNvSpPr/>
+      </dsp:nvSpPr>
+      <dsp:spPr>
+        <a:xfrm>
+          <a:off x="3048667" y="3260173"/>
+          <a:ext cx="1193511" cy="596612"/>
+        </a:xfrm>
+        <a:prstGeom prst="rect">
+          <a:avLst/>
+        </a:prstGeom>
+        <a:noFill/>
+        <a:ln>
+          <a:noFill/>
+        </a:ln>
+        <a:effectLst/>
+      </dsp:spPr>
+      <dsp:style>
+        <a:lnRef idx="0">
+          <a:scrgbClr r="0" g="0" b="0"/>
+        </a:lnRef>
+        <a:fillRef idx="0">
+          <a:scrgbClr r="0" g="0" b="0"/>
+        </a:fillRef>
+        <a:effectRef idx="0">
+          <a:scrgbClr r="0" g="0" b="0"/>
+        </a:effectRef>
+        <a:fontRef idx="minor"/>
+      </dsp:style>
+      <dsp:txBody>
+        <a:bodyPr spcFirstLastPara="0" vert="horz" wrap="square" lIns="12065" tIns="12065" rIns="12065" bIns="12065" numCol="1" spcCol="1270" anchor="ctr" anchorCtr="0">
+          <a:noAutofit/>
+        </a:bodyPr>
+        <a:lstStyle/>
+        <a:p>
+          <a:pPr lvl="0" algn="ctr" defTabSz="844550">
+            <a:lnSpc>
+              <a:spcPct val="90000"/>
+            </a:lnSpc>
+            <a:spcBef>
+              <a:spcPct val="0"/>
+            </a:spcBef>
+            <a:spcAft>
+              <a:spcPct val="35000"/>
+            </a:spcAft>
+          </a:pPr>
+          <a:r>
+            <a:rPr lang="de-AT" sz="1900" kern="1200" dirty="0" err="1" smtClean="0"/>
+            <a:t>Conclusions</a:t>
+          </a:r>
+          <a:endParaRPr lang="en-US" sz="1900" kern="1200" dirty="0"/>
+        </a:p>
+      </dsp:txBody>
+      <dsp:txXfrm>
+        <a:off x="3048667" y="3260173"/>
+        <a:ext cx="1193511" cy="596612"/>
+      </dsp:txXfrm>
     </dsp:sp>
   </dsp:spTree>
 </dsp:drawing>
@@ -4355,6 +5811,2082 @@
 </dgm:layoutDef>
 </file>
 
+<file path=ppt/diagrams/layout3.xml><?xml version="1.0" encoding="utf-8"?>
+<dgm:layoutDef xmlns:dgm="http://schemas.openxmlformats.org/drawingml/2006/diagram" xmlns:a="http://schemas.openxmlformats.org/drawingml/2006/main" uniqueId="urn:microsoft.com/office/officeart/2009/layout/CircleArrowProcess">
+  <dgm:title val=""/>
+  <dgm:desc val=""/>
+  <dgm:catLst>
+    <dgm:cat type="process" pri="16500"/>
+    <dgm:cat type="cycle" pri="16000"/>
+  </dgm:catLst>
+  <dgm:sampData>
+    <dgm:dataModel>
+      <dgm:ptLst>
+        <dgm:pt modelId="0" type="doc"/>
+        <dgm:pt modelId="10">
+          <dgm:prSet phldr="1"/>
+        </dgm:pt>
+        <dgm:pt modelId="20">
+          <dgm:prSet phldr="1"/>
+        </dgm:pt>
+        <dgm:pt modelId="30">
+          <dgm:prSet phldr="1"/>
+        </dgm:pt>
+      </dgm:ptLst>
+      <dgm:cxnLst>
+        <dgm:cxn modelId="40" srcId="0" destId="10" srcOrd="0" destOrd="0"/>
+        <dgm:cxn modelId="50" srcId="0" destId="20" srcOrd="1" destOrd="0"/>
+        <dgm:cxn modelId="60" srcId="0" destId="30" srcOrd="2" destOrd="0"/>
+      </dgm:cxnLst>
+      <dgm:bg/>
+      <dgm:whole/>
+    </dgm:dataModel>
+  </dgm:sampData>
+  <dgm:styleData>
+    <dgm:dataModel>
+      <dgm:ptLst>
+        <dgm:pt modelId="0" type="doc"/>
+        <dgm:pt modelId="10">
+          <dgm:prSet phldr="1"/>
+        </dgm:pt>
+        <dgm:pt modelId="20">
+          <dgm:prSet phldr="1"/>
+        </dgm:pt>
+      </dgm:ptLst>
+      <dgm:cxnLst>
+        <dgm:cxn modelId="30" srcId="0" destId="10" srcOrd="0" destOrd="0"/>
+        <dgm:cxn modelId="40" srcId="0" destId="20" srcOrd="1" destOrd="0"/>
+      </dgm:cxnLst>
+      <dgm:bg/>
+      <dgm:whole/>
+    </dgm:dataModel>
+  </dgm:styleData>
+  <dgm:clrData>
+    <dgm:dataModel>
+      <dgm:ptLst>
+        <dgm:pt modelId="0" type="doc"/>
+        <dgm:pt modelId="10">
+          <dgm:prSet phldr="1"/>
+        </dgm:pt>
+        <dgm:pt modelId="20">
+          <dgm:prSet phldr="1"/>
+        </dgm:pt>
+        <dgm:pt modelId="30">
+          <dgm:prSet phldr="1"/>
+        </dgm:pt>
+        <dgm:pt modelId="40">
+          <dgm:prSet phldr="1"/>
+        </dgm:pt>
+      </dgm:ptLst>
+      <dgm:cxnLst>
+        <dgm:cxn modelId="50" srcId="0" destId="10" srcOrd="0" destOrd="0"/>
+        <dgm:cxn modelId="60" srcId="0" destId="20" srcOrd="1" destOrd="0"/>
+        <dgm:cxn modelId="70" srcId="0" destId="30" srcOrd="2" destOrd="0"/>
+        <dgm:cxn modelId="80" srcId="0" destId="40" srcOrd="3" destOrd="0"/>
+      </dgm:cxnLst>
+      <dgm:bg/>
+      <dgm:whole/>
+    </dgm:dataModel>
+  </dgm:clrData>
+  <dgm:layoutNode name="Name0">
+    <dgm:varLst>
+      <dgm:chMax val="7"/>
+      <dgm:chPref val="7"/>
+      <dgm:dir/>
+      <dgm:animLvl val="lvl"/>
+    </dgm:varLst>
+    <dgm:shape xmlns:r="http://schemas.openxmlformats.org/officeDocument/2006/relationships" r:blip="">
+      <dgm:adjLst/>
+    </dgm:shape>
+    <dgm:choose name="Name1">
+      <dgm:if name="Name2" func="var" arg="dir" op="equ" val="norm">
+        <dgm:choose name="Name3">
+          <dgm:if name="Name4" axis="ch" ptType="node" func="cnt" op="equ" val="1">
+            <dgm:alg type="composite">
+              <dgm:param type="ar" val="1.5999"/>
+            </dgm:alg>
+            <dgm:constrLst>
+              <dgm:constr type="primFontSz" for="des" forName="Child1" val="65"/>
+              <dgm:constr type="primFontSz" for="des" forName="Parent1" val="65"/>
+              <dgm:constr type="primFontSz" for="des" forName="Child1" refType="primFontSz" refFor="des" refForName="Parent1" op="lte"/>
+              <dgm:constr type="l" for="ch" forName="Child1" refType="w" fact="0.625"/>
+              <dgm:constr type="t" for="ch" forName="Child1" refType="h" fact="0.2981"/>
+              <dgm:constr type="w" for="ch" forName="Child1" refType="w" fact="0.375"/>
+              <dgm:constr type="h" for="ch" forName="Child1" refType="h" fact="0.4001"/>
+              <dgm:constr type="l" for="ch" forName="Accent1" refType="w" fact="0"/>
+              <dgm:constr type="t" for="ch" forName="Accent1" refType="h" fact="0"/>
+              <dgm:constr type="w" for="ch" forName="Accent1" refType="w" fact="0.6249"/>
+              <dgm:constr type="h" for="ch" forName="Accent1" refType="h"/>
+              <dgm:constr type="l" for="ch" forName="Parent1" refType="w" fact="0.138"/>
+              <dgm:constr type="t" for="ch" forName="Parent1" refType="h" fact="0.362"/>
+              <dgm:constr type="w" for="ch" forName="Parent1" refType="w" fact="0.3487"/>
+              <dgm:constr type="h" for="ch" forName="Parent1" refType="h" fact="0.2789"/>
+            </dgm:constrLst>
+          </dgm:if>
+          <dgm:if name="Name5" axis="ch" ptType="node" func="cnt" op="equ" val="2">
+            <dgm:alg type="composite">
+              <dgm:param type="ar" val="1.2026"/>
+            </dgm:alg>
+            <dgm:constrLst>
+              <dgm:constr type="primFontSz" for="des" forName="Child1" val="65"/>
+              <dgm:constr type="primFontSz" for="des" forName="Parent1" val="65"/>
+              <dgm:constr type="primFontSz" for="des" forName="Child1" refType="primFontSz" refFor="des" refForName="Parent1" op="lte"/>
+              <dgm:constr type="primFontSz" for="des" forName="Child2" refType="primFontSz" refFor="des" refForName="Parent1" op="lte"/>
+              <dgm:constr type="primFontSz" for="des" forName="Child1" refType="primFontSz" refFor="des" refForName="Parent2" op="lte"/>
+              <dgm:constr type="primFontSz" for="des" forName="Child2" refType="primFontSz" refFor="des" refForName="Parent2" op="lte"/>
+              <dgm:constr type="primFontSz" for="des" forName="Parent2" refType="primFontSz" refFor="des" refForName="Parent1" op="equ"/>
+              <dgm:constr type="primFontSz" for="des" forName="Child2" refType="primFontSz" refFor="des" refForName="Child1" op="equ"/>
+              <dgm:constr type="l" for="ch" forName="Accent1" refType="w" fact="0.1144"/>
+              <dgm:constr type="t" for="ch" forName="Accent1" refType="h" fact="0"/>
+              <dgm:constr type="w" for="ch" forName="Accent1" refType="w" fact="0.5542"/>
+              <dgm:constr type="h" for="ch" forName="Accent1" refType="h" fact="0.6665"/>
+              <dgm:constr type="l" for="ch" forName="Parent1" refType="w" fact="0.2368"/>
+              <dgm:constr type="t" for="ch" forName="Parent1" refType="h" fact="0.2413"/>
+              <dgm:constr type="w" for="ch" forName="Parent1" refType="w" fact="0.3092"/>
+              <dgm:constr type="h" for="ch" forName="Parent1" refType="h" fact="0.1859"/>
+              <dgm:constr type="l" for="ch" forName="Parent2" refType="w" fact="0.0822"/>
+              <dgm:constr type="t" for="ch" forName="Parent2" refType="h" fact="0.625"/>
+              <dgm:constr type="w" for="ch" forName="Parent2" refType="w" fact="0.3092"/>
+              <dgm:constr type="h" for="ch" forName="Parent2" refType="h" fact="0.1859"/>
+              <dgm:constr type="l" for="ch" forName="Child1" refType="w" fact="0.6678"/>
+              <dgm:constr type="t" for="ch" forName="Child1" refType="h" fact="0.1978"/>
+              <dgm:constr type="w" for="ch" forName="Child1" refType="w" fact="0.3322"/>
+              <dgm:constr type="h" for="ch" forName="Child1" refType="h" fact="0.265"/>
+              <dgm:constr type="l" for="ch" forName="Child2" refType="w" fact="0.5164"/>
+              <dgm:constr type="t" for="ch" forName="Child2" refType="h" fact="0.5855"/>
+              <dgm:constr type="w" for="ch" forName="Child2" refType="w" fact="0.3322"/>
+              <dgm:constr type="h" for="ch" forName="Child2" refType="h" fact="0.265"/>
+              <dgm:constr type="l" for="ch" forName="Accent2" refType="w" fact="0"/>
+              <dgm:constr type="t" for="ch" forName="Accent2" refType="h" fact="0.4272"/>
+              <dgm:constr type="w" for="ch" forName="Accent2" refType="w" fact="0.4761"/>
+              <dgm:constr type="h" for="ch" forName="Accent2" refType="h" fact="0.5728"/>
+            </dgm:constrLst>
+          </dgm:if>
+          <dgm:if name="Name6" axis="ch" ptType="node" func="cnt" op="equ" val="3">
+            <dgm:alg type="composite">
+              <dgm:param type="ar" val="0.9039"/>
+            </dgm:alg>
+            <dgm:shape xmlns:r="http://schemas.openxmlformats.org/officeDocument/2006/relationships" r:blip="">
+              <dgm:adjLst/>
+            </dgm:shape>
+            <dgm:constrLst>
+              <dgm:constr type="primFontSz" for="des" forName="Child1" val="65"/>
+              <dgm:constr type="primFontSz" for="des" forName="Parent1" val="65"/>
+              <dgm:constr type="primFontSz" for="des" forName="Child1" refType="primFontSz" refFor="des" refForName="Parent1" op="lte"/>
+              <dgm:constr type="primFontSz" for="des" forName="Child2" refType="primFontSz" refFor="des" refForName="Parent1" op="lte"/>
+              <dgm:constr type="primFontSz" for="des" forName="Child3" refType="primFontSz" refFor="des" refForName="Parent1" op="lte"/>
+              <dgm:constr type="primFontSz" for="des" forName="Child1" refType="primFontSz" refFor="des" refForName="Parent2" op="lte"/>
+              <dgm:constr type="primFontSz" for="des" forName="Child2" refType="primFontSz" refFor="des" refForName="Parent2" op="lte"/>
+              <dgm:constr type="primFontSz" for="des" forName="Child3" refType="primFontSz" refFor="des" refForName="Parent2" op="lte"/>
+              <dgm:constr type="primFontSz" for="des" forName="Child1" refType="primFontSz" refFor="des" refForName="Parent3" op="lte"/>
+              <dgm:constr type="primFontSz" for="des" forName="Child2" refType="primFontSz" refFor="des" refForName="Parent3" op="lte"/>
+              <dgm:constr type="primFontSz" for="des" forName="Child3" refType="primFontSz" refFor="des" refForName="Parent3" op="lte"/>
+              <dgm:constr type="primFontSz" for="des" forName="Parent2" refType="primFontSz" refFor="des" refForName="Parent1" op="equ"/>
+              <dgm:constr type="primFontSz" for="des" forName="Parent3" refType="primFontSz" refFor="des" refForName="Parent1" op="equ"/>
+              <dgm:constr type="primFontSz" for="des" forName="Child2" refType="primFontSz" refFor="des" refForName="Child1" op="equ"/>
+              <dgm:constr type="primFontSz" for="des" forName="Child3" refType="primFontSz" refFor="des" refForName="Child1" op="equ"/>
+              <dgm:constr type="l" for="ch" forName="Accent1" refType="w" fact="0.1479"/>
+              <dgm:constr type="t" for="ch" forName="Accent1" refType="h" fact="0"/>
+              <dgm:constr type="w" for="ch" forName="Accent1" refType="w" fact="0.5325"/>
+              <dgm:constr type="h" for="ch" forName="Accent1" refType="h" fact="0.4814"/>
+              <dgm:constr type="l" for="ch" forName="Accent2" refType="w" fact="0"/>
+              <dgm:constr type="t" for="ch" forName="Accent2" refType="h" fact="0.2766"/>
+              <dgm:constr type="w" for="ch" forName="Accent2" refType="w" fact="0.5325"/>
+              <dgm:constr type="h" for="ch" forName="Accent2" refType="h" fact="0.4814"/>
+              <dgm:constr type="l" for="ch" forName="Parent1" refType="w" fact="0.2656"/>
+              <dgm:constr type="t" for="ch" forName="Parent1" refType="h" fact="0.1738"/>
+              <dgm:constr type="w" for="ch" forName="Parent1" refType="w" fact="0.2959"/>
+              <dgm:constr type="h" for="ch" forName="Parent1" refType="h" fact="0.1337"/>
+              <dgm:constr type="l" for="ch" forName="Accent3" refType="w" fact="0.1858"/>
+              <dgm:constr type="t" for="ch" forName="Accent3" refType="h" fact="0.5863"/>
+              <dgm:constr type="w" for="ch" forName="Accent3" refType="w" fact="0.4575"/>
+              <dgm:constr type="h" for="ch" forName="Accent3" refType="h" fact="0.4137"/>
+              <dgm:constr type="l" for="ch" forName="Parent2" refType="w" fact="0.1183"/>
+              <dgm:constr type="t" for="ch" forName="Parent2" refType="h" fact="0.452"/>
+              <dgm:constr type="w" for="ch" forName="Parent2" refType="w" fact="0.2959"/>
+              <dgm:constr type="h" for="ch" forName="Parent2" refType="h" fact="0.1337"/>
+              <dgm:constr type="l" for="ch" forName="Parent3" refType="w" fact="0.2663"/>
+              <dgm:constr type="t" for="ch" forName="Parent3" refType="h" fact="0.7306"/>
+              <dgm:constr type="w" for="ch" forName="Parent3" refType="w" fact="0.2959"/>
+              <dgm:constr type="h" for="ch" forName="Parent3" refType="h" fact="0.1337"/>
+              <dgm:constr type="l" for="ch" forName="Child2" refType="w" fact="0.5325"/>
+              <dgm:constr type="t" for="ch" forName="Child2" refType="h" fact="0.4217"/>
+              <dgm:constr type="w" for="ch" forName="Child2" refType="w" fact="0.3195"/>
+              <dgm:constr type="h" for="ch" forName="Child2" refType="h" fact="0.1926"/>
+              <dgm:constr type="l" for="ch" forName="Child1" refType="w" fact="0.6805"/>
+              <dgm:constr type="t" for="ch" forName="Child1" refType="h" fact="0.1435"/>
+              <dgm:constr type="w" for="ch" forName="Child1" refType="w" fact="0.3195"/>
+              <dgm:constr type="h" for="ch" forName="Child1" refType="h" fact="0.1926"/>
+              <dgm:constr type="l" for="ch" forName="Child3" refType="w" fact="0.6805"/>
+              <dgm:constr type="t" for="ch" forName="Child3" refType="h" fact="0.6998"/>
+              <dgm:constr type="w" for="ch" forName="Child3" refType="w" fact="0.3195"/>
+              <dgm:constr type="h" for="ch" forName="Child3" refType="h" fact="0.1926"/>
+            </dgm:constrLst>
+          </dgm:if>
+          <dgm:if name="Name7" axis="ch" ptType="node" func="cnt" op="equ" val="4">
+            <dgm:alg type="composite">
+              <dgm:param type="ar" val="0.7073"/>
+            </dgm:alg>
+            <dgm:constrLst>
+              <dgm:constr type="primFontSz" for="des" forName="Child1" val="65"/>
+              <dgm:constr type="primFontSz" for="des" forName="Parent1" val="65"/>
+              <dgm:constr type="primFontSz" for="des" forName="Child1" refType="primFontSz" refFor="des" refForName="Parent1" op="lte"/>
+              <dgm:constr type="primFontSz" for="des" forName="Child2" refType="primFontSz" refFor="des" refForName="Parent1" op="lte"/>
+              <dgm:constr type="primFontSz" for="des" forName="Child3" refType="primFontSz" refFor="des" refForName="Parent1" op="lte"/>
+              <dgm:constr type="primFontSz" for="des" forName="Child4" refType="primFontSz" refFor="des" refForName="Parent1" op="lte"/>
+              <dgm:constr type="primFontSz" for="des" forName="Child1" refType="primFontSz" refFor="des" refForName="Parent2" op="lte"/>
+              <dgm:constr type="primFontSz" for="des" forName="Child2" refType="primFontSz" refFor="des" refForName="Parent2" op="lte"/>
+              <dgm:constr type="primFontSz" for="des" forName="Child3" refType="primFontSz" refFor="des" refForName="Parent2" op="lte"/>
+              <dgm:constr type="primFontSz" for="des" forName="Child4" refType="primFontSz" refFor="des" refForName="Parent2" op="lte"/>
+              <dgm:constr type="primFontSz" for="des" forName="Child1" refType="primFontSz" refFor="des" refForName="Parent3" op="lte"/>
+              <dgm:constr type="primFontSz" for="des" forName="Child2" refType="primFontSz" refFor="des" refForName="Parent3" op="lte"/>
+              <dgm:constr type="primFontSz" for="des" forName="Child3" refType="primFontSz" refFor="des" refForName="Parent3" op="lte"/>
+              <dgm:constr type="primFontSz" for="des" forName="Child4" refType="primFontSz" refFor="des" refForName="Parent3" op="lte"/>
+              <dgm:constr type="primFontSz" for="des" forName="Child1" refType="primFontSz" refFor="des" refForName="Parent4" op="lte"/>
+              <dgm:constr type="primFontSz" for="des" forName="Child2" refType="primFontSz" refFor="des" refForName="Parent4" op="lte"/>
+              <dgm:constr type="primFontSz" for="des" forName="Child3" refType="primFontSz" refFor="des" refForName="Parent4" op="lte"/>
+              <dgm:constr type="primFontSz" for="des" forName="Child4" refType="primFontSz" refFor="des" refForName="Parent4" op="lte"/>
+              <dgm:constr type="primFontSz" for="des" forName="Parent2" refType="primFontSz" refFor="des" refForName="Parent1" op="equ"/>
+              <dgm:constr type="primFontSz" for="des" forName="Parent3" refType="primFontSz" refFor="des" refForName="Parent1" op="equ"/>
+              <dgm:constr type="primFontSz" for="des" forName="Parent4" refType="primFontSz" refFor="des" refForName="Parent1" op="equ"/>
+              <dgm:constr type="primFontSz" for="des" forName="Child2" refType="primFontSz" refFor="des" refForName="Child1" op="equ"/>
+              <dgm:constr type="primFontSz" for="des" forName="Child3" refType="primFontSz" refFor="des" refForName="Child1" op="equ"/>
+              <dgm:constr type="primFontSz" for="des" forName="Child4" refType="primFontSz" refFor="des" refForName="Child1" op="equ"/>
+              <dgm:constr type="l" for="ch" forName="Accent1" refType="w" fact="0.1481"/>
+              <dgm:constr type="t" for="ch" forName="Accent1" refType="h" fact="0"/>
+              <dgm:constr type="w" for="ch" forName="Accent1" refType="w" fact="0.5331"/>
+              <dgm:constr type="h" for="ch" forName="Accent1" refType="h" fact="0.3771"/>
+              <dgm:constr type="l" for="ch" forName="Accent2" refType="w" fact="0"/>
+              <dgm:constr type="t" for="ch" forName="Accent2" refType="h" fact="0.2167"/>
+              <dgm:constr type="w" for="ch" forName="Accent2" refType="w" fact="0.5331"/>
+              <dgm:constr type="h" for="ch" forName="Accent2" refType="h" fact="0.3771"/>
+              <dgm:constr type="l" for="ch" forName="Accent3" refType="w" fact="0.1481"/>
+              <dgm:constr type="t" for="ch" forName="Accent3" refType="h" fact="0.4342"/>
+              <dgm:constr type="w" for="ch" forName="Accent3" refType="w" fact="0.5331"/>
+              <dgm:constr type="h" for="ch" forName="Accent3" refType="h" fact="0.3771"/>
+              <dgm:constr type="l" for="ch" forName="Parent1" refType="w" fact="0.2658"/>
+              <dgm:constr type="t" for="ch" forName="Parent1" refType="h" fact="0.1365"/>
+              <dgm:constr type="w" for="ch" forName="Parent1" refType="w" fact="0.2975"/>
+              <dgm:constr type="h" for="ch" forName="Parent1" refType="h" fact="0.1052"/>
+              <dgm:constr type="l" for="ch" forName="Parent2" refType="w" fact="0.1171"/>
+              <dgm:constr type="t" for="ch" forName="Parent2" refType="h" fact="0.3536"/>
+              <dgm:constr type="w" for="ch" forName="Parent2" refType="w" fact="0.2975"/>
+              <dgm:constr type="h" for="ch" forName="Parent2" refType="h" fact="0.1052"/>
+              <dgm:constr type="l" for="ch" forName="Parent3" refType="w" fact="0.2658"/>
+              <dgm:constr type="t" for="ch" forName="Parent3" refType="h" fact="0.5707"/>
+              <dgm:constr type="w" for="ch" forName="Parent3" refType="w" fact="0.2975"/>
+              <dgm:constr type="h" for="ch" forName="Parent3" refType="h" fact="0.1052"/>
+              <dgm:constr type="l" for="ch" forName="Parent4" refType="w" fact="0.1171"/>
+              <dgm:constr type="t" for="ch" forName="Parent4" refType="h" fact="0.7878"/>
+              <dgm:constr type="w" for="ch" forName="Parent4" refType="w" fact="0.2975"/>
+              <dgm:constr type="h" for="ch" forName="Parent4" refType="h" fact="0.1052"/>
+              <dgm:constr type="l" for="ch" forName="Child1" refType="w" fact="0.6804"/>
+              <dgm:constr type="t" for="ch" forName="Child1" refType="h" fact="0.1119"/>
+              <dgm:constr type="w" for="ch" forName="Child1" refType="w" fact="0.3196"/>
+              <dgm:constr type="h" for="ch" forName="Child1" refType="h" fact="0.15"/>
+              <dgm:constr type="l" for="ch" forName="Child2" refType="w" fact="0.5348"/>
+              <dgm:constr type="t" for="ch" forName="Child2" refType="h" fact="0.3312"/>
+              <dgm:constr type="w" for="ch" forName="Child2" refType="w" fact="0.3196"/>
+              <dgm:constr type="h" for="ch" forName="Child2" refType="h" fact="0.15"/>
+              <dgm:constr type="l" for="ch" forName="Child3" refType="w" fact="0.6804"/>
+              <dgm:constr type="t" for="ch" forName="Child3" refType="h" fact="0.5461"/>
+              <dgm:constr type="w" for="ch" forName="Child3" refType="w" fact="0.3196"/>
+              <dgm:constr type="h" for="ch" forName="Child3" refType="h" fact="0.15"/>
+              <dgm:constr type="l" for="ch" forName="Child4" refType="w" fact="0.5348"/>
+              <dgm:constr type="t" for="ch" forName="Child4" refType="h" fact="0.7632"/>
+              <dgm:constr type="w" for="ch" forName="Child4" refType="w" fact="0.3196"/>
+              <dgm:constr type="h" for="ch" forName="Child4" refType="h" fact="0.15"/>
+              <dgm:constr type="l" for="ch" forName="Accent4" refType="w" fact="0.038"/>
+              <dgm:constr type="t" for="ch" forName="Accent4" refType="h" fact="0.6759"/>
+              <dgm:constr type="w" for="ch" forName="Accent4" refType="w" fact="0.458"/>
+              <dgm:constr type="h" for="ch" forName="Accent4" refType="h" fact="0.3241"/>
+            </dgm:constrLst>
+          </dgm:if>
+          <dgm:if name="Name8" axis="ch" ptType="node" func="cnt" op="equ" val="5">
+            <dgm:alg type="composite">
+              <dgm:param type="ar" val="0.5811"/>
+            </dgm:alg>
+            <dgm:constrLst>
+              <dgm:constr type="primFontSz" for="des" forName="Child1" val="65"/>
+              <dgm:constr type="primFontSz" for="des" forName="Parent1" val="65"/>
+              <dgm:constr type="primFontSz" for="des" forName="Child1" refType="primFontSz" refFor="des" refForName="Parent1" op="lte"/>
+              <dgm:constr type="primFontSz" for="des" forName="Child2" refType="primFontSz" refFor="des" refForName="Parent1" op="lte"/>
+              <dgm:constr type="primFontSz" for="des" forName="Child3" refType="primFontSz" refFor="des" refForName="Parent1" op="lte"/>
+              <dgm:constr type="primFontSz" for="des" forName="Child4" refType="primFontSz" refFor="des" refForName="Parent1" op="lte"/>
+              <dgm:constr type="primFontSz" for="des" forName="Child5" refType="primFontSz" refFor="des" refForName="Parent1" op="lte"/>
+              <dgm:constr type="primFontSz" for="des" forName="Child1" refType="primFontSz" refFor="des" refForName="Parent2" op="lte"/>
+              <dgm:constr type="primFontSz" for="des" forName="Child2" refType="primFontSz" refFor="des" refForName="Parent2" op="lte"/>
+              <dgm:constr type="primFontSz" for="des" forName="Child3" refType="primFontSz" refFor="des" refForName="Parent2" op="lte"/>
+              <dgm:constr type="primFontSz" for="des" forName="Child4" refType="primFontSz" refFor="des" refForName="Parent2" op="lte"/>
+              <dgm:constr type="primFontSz" for="des" forName="Child5" refType="primFontSz" refFor="des" refForName="Parent2" op="lte"/>
+              <dgm:constr type="primFontSz" for="des" forName="Child1" refType="primFontSz" refFor="des" refForName="Parent3" op="lte"/>
+              <dgm:constr type="primFontSz" for="des" forName="Child2" refType="primFontSz" refFor="des" refForName="Parent3" op="lte"/>
+              <dgm:constr type="primFontSz" for="des" forName="Child3" refType="primFontSz" refFor="des" refForName="Parent3" op="lte"/>
+              <dgm:constr type="primFontSz" for="des" forName="Child4" refType="primFontSz" refFor="des" refForName="Parent3" op="lte"/>
+              <dgm:constr type="primFontSz" for="des" forName="Child5" refType="primFontSz" refFor="des" refForName="Parent3" op="lte"/>
+              <dgm:constr type="primFontSz" for="des" forName="Child1" refType="primFontSz" refFor="des" refForName="Parent4" op="lte"/>
+              <dgm:constr type="primFontSz" for="des" forName="Child2" refType="primFontSz" refFor="des" refForName="Parent4" op="lte"/>
+              <dgm:constr type="primFontSz" for="des" forName="Child3" refType="primFontSz" refFor="des" refForName="Parent4" op="lte"/>
+              <dgm:constr type="primFontSz" for="des" forName="Child4" refType="primFontSz" refFor="des" refForName="Parent4" op="lte"/>
+              <dgm:constr type="primFontSz" for="des" forName="Child5" refType="primFontSz" refFor="des" refForName="Parent4" op="lte"/>
+              <dgm:constr type="primFontSz" for="des" forName="Child1" refType="primFontSz" refFor="des" refForName="Parent5" op="lte"/>
+              <dgm:constr type="primFontSz" for="des" forName="Child2" refType="primFontSz" refFor="des" refForName="Parent5" op="lte"/>
+              <dgm:constr type="primFontSz" for="des" forName="Child3" refType="primFontSz" refFor="des" refForName="Parent5" op="lte"/>
+              <dgm:constr type="primFontSz" for="des" forName="Child4" refType="primFontSz" refFor="des" refForName="Parent5" op="lte"/>
+              <dgm:constr type="primFontSz" for="des" forName="Child5" refType="primFontSz" refFor="des" refForName="Parent5" op="lte"/>
+              <dgm:constr type="primFontSz" for="des" forName="Parent2" refType="primFontSz" refFor="des" refForName="Parent1" op="equ"/>
+              <dgm:constr type="primFontSz" for="des" forName="Parent3" refType="primFontSz" refFor="des" refForName="Parent1" op="equ"/>
+              <dgm:constr type="primFontSz" for="des" forName="Parent4" refType="primFontSz" refFor="des" refForName="Parent1" op="equ"/>
+              <dgm:constr type="primFontSz" for="des" forName="Parent5" refType="primFontSz" refFor="des" refForName="Parent1" op="equ"/>
+              <dgm:constr type="primFontSz" for="des" forName="Child2" refType="primFontSz" refFor="des" refForName="Child1" op="equ"/>
+              <dgm:constr type="primFontSz" for="des" forName="Child3" refType="primFontSz" refFor="des" refForName="Child1" op="equ"/>
+              <dgm:constr type="primFontSz" for="des" forName="Child4" refType="primFontSz" refFor="des" refForName="Child1" op="equ"/>
+              <dgm:constr type="primFontSz" for="des" forName="Child5" refType="primFontSz" refFor="des" refForName="Child1" op="equ"/>
+              <dgm:constr type="l" for="ch" forName="Accent1" refType="w" fact="0.1481"/>
+              <dgm:constr type="t" for="ch" forName="Accent1" refType="h" fact="0"/>
+              <dgm:constr type="w" for="ch" forName="Accent1" refType="w" fact="0.5331"/>
+              <dgm:constr type="h" for="ch" forName="Accent1" refType="h" fact="0.3098"/>
+              <dgm:constr type="l" for="ch" forName="Accent2" refType="w" fact="0"/>
+              <dgm:constr type="t" for="ch" forName="Accent2" refType="h" fact="0.178"/>
+              <dgm:constr type="w" for="ch" forName="Accent2" refType="w" fact="0.5331"/>
+              <dgm:constr type="h" for="ch" forName="Accent2" refType="h" fact="0.3098"/>
+              <dgm:constr type="l" for="ch" forName="Accent3" refType="w" fact="0.1481"/>
+              <dgm:constr type="t" for="ch" forName="Accent3" refType="h" fact="0.3568"/>
+              <dgm:constr type="w" for="ch" forName="Accent3" refType="w" fact="0.5331"/>
+              <dgm:constr type="h" for="ch" forName="Accent3" refType="h" fact="0.3098"/>
+              <dgm:constr type="l" for="ch" forName="Accent4" refType="w" fact="0"/>
+              <dgm:constr type="t" for="ch" forName="Accent4" refType="h" fact="0.5351"/>
+              <dgm:constr type="w" for="ch" forName="Accent4" refType="w" fact="0.5331"/>
+              <dgm:constr type="h" for="ch" forName="Accent4" refType="h" fact="0.3098"/>
+              <dgm:constr type="l" for="ch" forName="Accent5" refType="w" fact="0.186"/>
+              <dgm:constr type="t" for="ch" forName="Accent5" refType="h" fact="0.7337"/>
+              <dgm:constr type="w" for="ch" forName="Accent5" refType="w" fact="0.458"/>
+              <dgm:constr type="h" for="ch" forName="Accent5" refType="h" fact="0.2663"/>
+              <dgm:constr type="l" for="ch" forName="Parent1" refType="w" fact="0.2658"/>
+              <dgm:constr type="t" for="ch" forName="Parent1" refType="h" fact="0.1122"/>
+              <dgm:constr type="w" for="ch" forName="Parent1" refType="w" fact="0.2975"/>
+              <dgm:constr type="h" for="ch" forName="Parent1" refType="h" fact="0.0864"/>
+              <dgm:constr type="l" for="ch" forName="Parent2" refType="w" fact="0.1171"/>
+              <dgm:constr type="t" for="ch" forName="Parent2" refType="h" fact="0.2906"/>
+              <dgm:constr type="w" for="ch" forName="Parent2" refType="w" fact="0.2975"/>
+              <dgm:constr type="h" for="ch" forName="Parent2" refType="h" fact="0.0864"/>
+              <dgm:constr type="l" for="ch" forName="Parent3" refType="w" fact="0.2658"/>
+              <dgm:constr type="t" for="ch" forName="Parent3" refType="h" fact="0.4689"/>
+              <dgm:constr type="w" for="ch" forName="Parent3" refType="w" fact="0.2975"/>
+              <dgm:constr type="h" for="ch" forName="Parent3" refType="h" fact="0.0864"/>
+              <dgm:constr type="l" for="ch" forName="Parent4" refType="w" fact="0.1171"/>
+              <dgm:constr type="t" for="ch" forName="Parent4" refType="h" fact="0.6473"/>
+              <dgm:constr type="w" for="ch" forName="Parent4" refType="w" fact="0.2975"/>
+              <dgm:constr type="h" for="ch" forName="Parent4" refType="h" fact="0.0864"/>
+              <dgm:constr type="l" for="ch" forName="Parent5" refType="w" fact="0.2658"/>
+              <dgm:constr type="t" for="ch" forName="Parent5" refType="h" fact="0.8257"/>
+              <dgm:constr type="w" for="ch" forName="Parent5" refType="w" fact="0.2975"/>
+              <dgm:constr type="h" for="ch" forName="Parent5" refType="h" fact="0.0864"/>
+              <dgm:constr type="l" for="ch" forName="Child1" refType="w" fact="0.6804"/>
+              <dgm:constr type="t" for="ch" forName="Child1" refType="h" fact="0.0919"/>
+              <dgm:constr type="w" for="ch" forName="Child1" refType="w" fact="0.3196"/>
+              <dgm:constr type="h" for="ch" forName="Child1" refType="h" fact="0.1232"/>
+              <dgm:constr type="l" for="ch" forName="Child2" refType="w" fact="0.5348"/>
+              <dgm:constr type="t" for="ch" forName="Child2" refType="h" fact="0.2722"/>
+              <dgm:constr type="w" for="ch" forName="Child2" refType="w" fact="0.3196"/>
+              <dgm:constr type="h" for="ch" forName="Child2" refType="h" fact="0.1232"/>
+              <dgm:constr type="l" for="ch" forName="Child3" refType="w" fact="0.6804"/>
+              <dgm:constr type="t" for="ch" forName="Child3" refType="h" fact="0.4487"/>
+              <dgm:constr type="w" for="ch" forName="Child3" refType="w" fact="0.3196"/>
+              <dgm:constr type="h" for="ch" forName="Child3" refType="h" fact="0.1232"/>
+              <dgm:constr type="l" for="ch" forName="Child4" refType="w" fact="0.5348"/>
+              <dgm:constr type="t" for="ch" forName="Child4" refType="h" fact="0.6271"/>
+              <dgm:constr type="w" for="ch" forName="Child4" refType="w" fact="0.3196"/>
+              <dgm:constr type="h" for="ch" forName="Child4" refType="h" fact="0.1232"/>
+              <dgm:constr type="l" for="ch" forName="Child5" refType="w" fact="0.6804"/>
+              <dgm:constr type="t" for="ch" forName="Child5" refType="h" fact="0.8073"/>
+              <dgm:constr type="w" for="ch" forName="Child5" refType="w" fact="0.3196"/>
+              <dgm:constr type="h" for="ch" forName="Child5" refType="h" fact="0.1232"/>
+            </dgm:constrLst>
+          </dgm:if>
+          <dgm:if name="Name9" axis="ch" ptType="node" func="cnt" op="equ" val="6">
+            <dgm:alg type="composite">
+              <dgm:param type="ar" val="0.4931"/>
+            </dgm:alg>
+            <dgm:constrLst>
+              <dgm:constr type="primFontSz" for="des" forName="Child1" val="65"/>
+              <dgm:constr type="primFontSz" for="des" forName="Parent1" val="65"/>
+              <dgm:constr type="primFontSz" for="des" forName="Child1" refType="primFontSz" refFor="des" refForName="Parent1" op="lte"/>
+              <dgm:constr type="primFontSz" for="des" forName="Child2" refType="primFontSz" refFor="des" refForName="Parent1" op="lte"/>
+              <dgm:constr type="primFontSz" for="des" forName="Child3" refType="primFontSz" refFor="des" refForName="Parent1" op="lte"/>
+              <dgm:constr type="primFontSz" for="des" forName="Child4" refType="primFontSz" refFor="des" refForName="Parent1" op="lte"/>
+              <dgm:constr type="primFontSz" for="des" forName="Child5" refType="primFontSz" refFor="des" refForName="Parent1" op="lte"/>
+              <dgm:constr type="primFontSz" for="des" forName="Child6" refType="primFontSz" refFor="des" refForName="Parent1" op="lte"/>
+              <dgm:constr type="primFontSz" for="des" forName="Child1" refType="primFontSz" refFor="des" refForName="Parent2" op="lte"/>
+              <dgm:constr type="primFontSz" for="des" forName="Child2" refType="primFontSz" refFor="des" refForName="Parent2" op="lte"/>
+              <dgm:constr type="primFontSz" for="des" forName="Child3" refType="primFontSz" refFor="des" refForName="Parent2" op="lte"/>
+              <dgm:constr type="primFontSz" for="des" forName="Child4" refType="primFontSz" refFor="des" refForName="Parent2" op="lte"/>
+              <dgm:constr type="primFontSz" for="des" forName="Child5" refType="primFontSz" refFor="des" refForName="Parent2" op="lte"/>
+              <dgm:constr type="primFontSz" for="des" forName="Child6" refType="primFontSz" refFor="des" refForName="Parent2" op="lte"/>
+              <dgm:constr type="primFontSz" for="des" forName="Child1" refType="primFontSz" refFor="des" refForName="Parent3" op="lte"/>
+              <dgm:constr type="primFontSz" for="des" forName="Child2" refType="primFontSz" refFor="des" refForName="Parent3" op="lte"/>
+              <dgm:constr type="primFontSz" for="des" forName="Child3" refType="primFontSz" refFor="des" refForName="Parent3" op="lte"/>
+              <dgm:constr type="primFontSz" for="des" forName="Child4" refType="primFontSz" refFor="des" refForName="Parent3" op="lte"/>
+              <dgm:constr type="primFontSz" for="des" forName="Child5" refType="primFontSz" refFor="des" refForName="Parent3" op="lte"/>
+              <dgm:constr type="primFontSz" for="des" forName="Child6" refType="primFontSz" refFor="des" refForName="Parent3" op="lte"/>
+              <dgm:constr type="primFontSz" for="des" forName="Child1" refType="primFontSz" refFor="des" refForName="Parent4" op="lte"/>
+              <dgm:constr type="primFontSz" for="des" forName="Child2" refType="primFontSz" refFor="des" refForName="Parent4" op="lte"/>
+              <dgm:constr type="primFontSz" for="des" forName="Child3" refType="primFontSz" refFor="des" refForName="Parent4" op="lte"/>
+              <dgm:constr type="primFontSz" for="des" forName="Child4" refType="primFontSz" refFor="des" refForName="Parent4" op="lte"/>
+              <dgm:constr type="primFontSz" for="des" forName="Child5" refType="primFontSz" refFor="des" refForName="Parent4" op="lte"/>
+              <dgm:constr type="primFontSz" for="des" forName="Child6" refType="primFontSz" refFor="des" refForName="Parent4" op="lte"/>
+              <dgm:constr type="primFontSz" for="des" forName="Child1" refType="primFontSz" refFor="des" refForName="Parent5" op="lte"/>
+              <dgm:constr type="primFontSz" for="des" forName="Child2" refType="primFontSz" refFor="des" refForName="Parent5" op="lte"/>
+              <dgm:constr type="primFontSz" for="des" forName="Child3" refType="primFontSz" refFor="des" refForName="Parent5" op="lte"/>
+              <dgm:constr type="primFontSz" for="des" forName="Child4" refType="primFontSz" refFor="des" refForName="Parent5" op="lte"/>
+              <dgm:constr type="primFontSz" for="des" forName="Child5" refType="primFontSz" refFor="des" refForName="Parent5" op="lte"/>
+              <dgm:constr type="primFontSz" for="des" forName="Child6" refType="primFontSz" refFor="des" refForName="Parent5" op="lte"/>
+              <dgm:constr type="primFontSz" for="des" forName="Child1" refType="primFontSz" refFor="des" refForName="Parent6" op="lte"/>
+              <dgm:constr type="primFontSz" for="des" forName="Child2" refType="primFontSz" refFor="des" refForName="Parent6" op="lte"/>
+              <dgm:constr type="primFontSz" for="des" forName="Child3" refType="primFontSz" refFor="des" refForName="Parent6" op="lte"/>
+              <dgm:constr type="primFontSz" for="des" forName="Child4" refType="primFontSz" refFor="des" refForName="Parent6" op="lte"/>
+              <dgm:constr type="primFontSz" for="des" forName="Child5" refType="primFontSz" refFor="des" refForName="Parent6" op="lte"/>
+              <dgm:constr type="primFontSz" for="des" forName="Child6" refType="primFontSz" refFor="des" refForName="Parent6" op="lte"/>
+              <dgm:constr type="primFontSz" for="des" forName="Parent2" refType="primFontSz" refFor="des" refForName="Parent1" op="equ"/>
+              <dgm:constr type="primFontSz" for="des" forName="Parent3" refType="primFontSz" refFor="des" refForName="Parent1" op="equ"/>
+              <dgm:constr type="primFontSz" for="des" forName="Parent4" refType="primFontSz" refFor="des" refForName="Parent1" op="equ"/>
+              <dgm:constr type="primFontSz" for="des" forName="Parent5" refType="primFontSz" refFor="des" refForName="Parent1" op="equ"/>
+              <dgm:constr type="primFontSz" for="des" forName="Parent6" refType="primFontSz" refFor="des" refForName="Parent1" op="equ"/>
+              <dgm:constr type="primFontSz" for="des" forName="Child2" refType="primFontSz" refFor="des" refForName="Child1" op="equ"/>
+              <dgm:constr type="primFontSz" for="des" forName="Child3" refType="primFontSz" refFor="des" refForName="Child1" op="equ"/>
+              <dgm:constr type="primFontSz" for="des" forName="Child4" refType="primFontSz" refFor="des" refForName="Child1" op="equ"/>
+              <dgm:constr type="primFontSz" for="des" forName="Child5" refType="primFontSz" refFor="des" refForName="Child1" op="equ"/>
+              <dgm:constr type="primFontSz" for="des" forName="Child6" refType="primFontSz" refFor="des" refForName="Child1" op="equ"/>
+              <dgm:constr type="l" for="ch" forName="Accent1" refType="w" fact="0.1481"/>
+              <dgm:constr type="t" for="ch" forName="Accent1" refType="h" fact="0"/>
+              <dgm:constr type="w" for="ch" forName="Accent1" refType="w" fact="0.5331"/>
+              <dgm:constr type="h" for="ch" forName="Accent1" refType="h" fact="0.2629"/>
+              <dgm:constr type="l" for="ch" forName="Accent2" refType="w" fact="0"/>
+              <dgm:constr type="t" for="ch" forName="Accent2" refType="h" fact="0.1511"/>
+              <dgm:constr type="w" for="ch" forName="Accent2" refType="w" fact="0.5331"/>
+              <dgm:constr type="h" for="ch" forName="Accent2" refType="h" fact="0.2629"/>
+              <dgm:constr type="l" for="ch" forName="Accent3" refType="w" fact="0.1481"/>
+              <dgm:constr type="t" for="ch" forName="Accent3" refType="h" fact="0.3027"/>
+              <dgm:constr type="w" for="ch" forName="Accent3" refType="w" fact="0.5331"/>
+              <dgm:constr type="h" for="ch" forName="Accent3" refType="h" fact="0.2629"/>
+              <dgm:constr type="l" for="ch" forName="Accent4" refType="w" fact="0"/>
+              <dgm:constr type="t" for="ch" forName="Accent4" refType="h" fact="0.4541"/>
+              <dgm:constr type="w" for="ch" forName="Accent4" refType="w" fact="0.5331"/>
+              <dgm:constr type="h" for="ch" forName="Accent4" refType="h" fact="0.2629"/>
+              <dgm:constr type="l" for="ch" forName="Parent1" refType="w" fact="0.2658"/>
+              <dgm:constr type="t" for="ch" forName="Parent1" refType="h" fact="0.0952"/>
+              <dgm:constr type="w" for="ch" forName="Parent1" refType="w" fact="0.2975"/>
+              <dgm:constr type="h" for="ch" forName="Parent1" refType="h" fact="0.0733"/>
+              <dgm:constr type="l" for="ch" forName="Parent2" refType="w" fact="0.1171"/>
+              <dgm:constr type="t" for="ch" forName="Parent2" refType="h" fact="0.2466"/>
+              <dgm:constr type="w" for="ch" forName="Parent2" refType="w" fact="0.2975"/>
+              <dgm:constr type="h" for="ch" forName="Parent2" refType="h" fact="0.0733"/>
+              <dgm:constr type="l" for="ch" forName="Parent3" refType="w" fact="0.2658"/>
+              <dgm:constr type="t" for="ch" forName="Parent3" refType="h" fact="0.3979"/>
+              <dgm:constr type="w" for="ch" forName="Parent3" refType="w" fact="0.2975"/>
+              <dgm:constr type="h" for="ch" forName="Parent3" refType="h" fact="0.0733"/>
+              <dgm:constr type="l" for="ch" forName="Parent4" refType="w" fact="0.1171"/>
+              <dgm:constr type="t" for="ch" forName="Parent4" refType="h" fact="0.5493"/>
+              <dgm:constr type="w" for="ch" forName="Parent4" refType="w" fact="0.2975"/>
+              <dgm:constr type="h" for="ch" forName="Parent4" refType="h" fact="0.0733"/>
+              <dgm:constr type="l" for="ch" forName="Child1" refType="w" fact="0.6804"/>
+              <dgm:constr type="t" for="ch" forName="Child1" refType="h" fact="0.078"/>
+              <dgm:constr type="w" for="ch" forName="Child1" refType="w" fact="0.3196"/>
+              <dgm:constr type="h" for="ch" forName="Child1" refType="h" fact="0.1046"/>
+              <dgm:constr type="l" for="ch" forName="Child2" refType="w" fact="0.5348"/>
+              <dgm:constr type="t" for="ch" forName="Child2" refType="h" fact="0.231"/>
+              <dgm:constr type="w" for="ch" forName="Child2" refType="w" fact="0.3196"/>
+              <dgm:constr type="h" for="ch" forName="Child2" refType="h" fact="0.1046"/>
+              <dgm:constr type="l" for="ch" forName="Child3" refType="w" fact="0.6804"/>
+              <dgm:constr type="t" for="ch" forName="Child3" refType="h" fact="0.3808"/>
+              <dgm:constr type="w" for="ch" forName="Child3" refType="w" fact="0.3196"/>
+              <dgm:constr type="h" for="ch" forName="Child3" refType="h" fact="0.1046"/>
+              <dgm:constr type="l" for="ch" forName="Child4" refType="w" fact="0.5348"/>
+              <dgm:constr type="t" for="ch" forName="Child4" refType="h" fact="0.5322"/>
+              <dgm:constr type="w" for="ch" forName="Child4" refType="w" fact="0.3196"/>
+              <dgm:constr type="h" for="ch" forName="Child4" refType="h" fact="0.1046"/>
+              <dgm:constr type="l" for="ch" forName="Accent5" refType="w" fact="0.1481"/>
+              <dgm:constr type="t" for="ch" forName="Accent5" refType="h" fact="0.6053"/>
+              <dgm:constr type="w" for="ch" forName="Accent5" refType="w" fact="0.5331"/>
+              <dgm:constr type="h" for="ch" forName="Accent5" refType="h" fact="0.2629"/>
+              <dgm:constr type="l" for="ch" forName="Accent6" refType="w" fact="0.038"/>
+              <dgm:constr type="t" for="ch" forName="Accent6" refType="h" fact="0.774"/>
+              <dgm:constr type="w" for="ch" forName="Accent6" refType="w" fact="0.458"/>
+              <dgm:constr type="h" for="ch" forName="Accent6" refType="h" fact="0.226"/>
+              <dgm:constr type="l" for="ch" forName="Parent5" refType="w" fact="0.2658"/>
+              <dgm:constr type="t" for="ch" forName="Parent5" refType="h" fact="0.7005"/>
+              <dgm:constr type="w" for="ch" forName="Parent5" refType="w" fact="0.2975"/>
+              <dgm:constr type="h" for="ch" forName="Parent5" refType="h" fact="0.0733"/>
+              <dgm:constr type="l" for="ch" forName="Parent6" refType="w" fact="0.1171"/>
+              <dgm:constr type="t" for="ch" forName="Parent6" refType="h" fact="0.8519"/>
+              <dgm:constr type="w" for="ch" forName="Parent6" refType="w" fact="0.2975"/>
+              <dgm:constr type="h" for="ch" forName="Parent6" refType="h" fact="0.0733"/>
+              <dgm:constr type="l" for="ch" forName="Child5" refType="w" fact="0.6804"/>
+              <dgm:constr type="t" for="ch" forName="Child5" refType="h" fact="0.6833"/>
+              <dgm:constr type="w" for="ch" forName="Child5" refType="w" fact="0.3196"/>
+              <dgm:constr type="h" for="ch" forName="Child5" refType="h" fact="0.1046"/>
+              <dgm:constr type="l" for="ch" forName="Child6" refType="w" fact="0.5348"/>
+              <dgm:constr type="t" for="ch" forName="Child6" refType="h" fact="0.8347"/>
+              <dgm:constr type="w" for="ch" forName="Child6" refType="w" fact="0.3196"/>
+              <dgm:constr type="h" for="ch" forName="Child6" refType="h" fact="0.1046"/>
+            </dgm:constrLst>
+          </dgm:if>
+          <dgm:else name="Name10">
+            <dgm:alg type="composite">
+              <dgm:param type="ar" val="0.4284"/>
+            </dgm:alg>
+            <dgm:constrLst>
+              <dgm:constr type="primFontSz" for="des" forName="Child1" val="65"/>
+              <dgm:constr type="primFontSz" for="des" forName="Parent1" val="65"/>
+              <dgm:constr type="primFontSz" for="des" forName="Child1" refType="primFontSz" refFor="des" refForName="Parent1" op="lte"/>
+              <dgm:constr type="primFontSz" for="des" forName="Child2" refType="primFontSz" refFor="des" refForName="Parent1" op="lte"/>
+              <dgm:constr type="primFontSz" for="des" forName="Child3" refType="primFontSz" refFor="des" refForName="Parent1" op="lte"/>
+              <dgm:constr type="primFontSz" for="des" forName="Child4" refType="primFontSz" refFor="des" refForName="Parent1" op="lte"/>
+              <dgm:constr type="primFontSz" for="des" forName="Child5" refType="primFontSz" refFor="des" refForName="Parent1" op="lte"/>
+              <dgm:constr type="primFontSz" for="des" forName="Child6" refType="primFontSz" refFor="des" refForName="Parent1" op="lte"/>
+              <dgm:constr type="primFontSz" for="des" forName="Child7" refType="primFontSz" refFor="des" refForName="Parent1" op="lte"/>
+              <dgm:constr type="primFontSz" for="des" forName="Child1" refType="primFontSz" refFor="des" refForName="Parent2" op="lte"/>
+              <dgm:constr type="primFontSz" for="des" forName="Child2" refType="primFontSz" refFor="des" refForName="Parent2" op="lte"/>
+              <dgm:constr type="primFontSz" for="des" forName="Child3" refType="primFontSz" refFor="des" refForName="Parent2" op="lte"/>
+              <dgm:constr type="primFontSz" for="des" forName="Child4" refType="primFontSz" refFor="des" refForName="Parent2" op="lte"/>
+              <dgm:constr type="primFontSz" for="des" forName="Child5" refType="primFontSz" refFor="des" refForName="Parent2" op="lte"/>
+              <dgm:constr type="primFontSz" for="des" forName="Child6" refType="primFontSz" refFor="des" refForName="Parent2" op="lte"/>
+              <dgm:constr type="primFontSz" for="des" forName="Child7" refType="primFontSz" refFor="des" refForName="Parent2" op="lte"/>
+              <dgm:constr type="primFontSz" for="des" forName="Child1" refType="primFontSz" refFor="des" refForName="Parent3" op="lte"/>
+              <dgm:constr type="primFontSz" for="des" forName="Child2" refType="primFontSz" refFor="des" refForName="Parent3" op="lte"/>
+              <dgm:constr type="primFontSz" for="des" forName="Child3" refType="primFontSz" refFor="des" refForName="Parent3" op="lte"/>
+              <dgm:constr type="primFontSz" for="des" forName="Child4" refType="primFontSz" refFor="des" refForName="Parent3" op="lte"/>
+              <dgm:constr type="primFontSz" for="des" forName="Child5" refType="primFontSz" refFor="des" refForName="Parent3" op="lte"/>
+              <dgm:constr type="primFontSz" for="des" forName="Child6" refType="primFontSz" refFor="des" refForName="Parent3" op="lte"/>
+              <dgm:constr type="primFontSz" for="des" forName="Child7" refType="primFontSz" refFor="des" refForName="Parent3" op="lte"/>
+              <dgm:constr type="primFontSz" for="des" forName="Child1" refType="primFontSz" refFor="des" refForName="Parent4" op="lte"/>
+              <dgm:constr type="primFontSz" for="des" forName="Child2" refType="primFontSz" refFor="des" refForName="Parent4" op="lte"/>
+              <dgm:constr type="primFontSz" for="des" forName="Child3" refType="primFontSz" refFor="des" refForName="Parent4" op="lte"/>
+              <dgm:constr type="primFontSz" for="des" forName="Child4" refType="primFontSz" refFor="des" refForName="Parent4" op="lte"/>
+              <dgm:constr type="primFontSz" for="des" forName="Child5" refType="primFontSz" refFor="des" refForName="Parent4" op="lte"/>
+              <dgm:constr type="primFontSz" for="des" forName="Child6" refType="primFontSz" refFor="des" refForName="Parent4" op="lte"/>
+              <dgm:constr type="primFontSz" for="des" forName="Child7" refType="primFontSz" refFor="des" refForName="Parent4" op="lte"/>
+              <dgm:constr type="primFontSz" for="des" forName="Child1" refType="primFontSz" refFor="des" refForName="Parent5" op="lte"/>
+              <dgm:constr type="primFontSz" for="des" forName="Child2" refType="primFontSz" refFor="des" refForName="Parent5" op="lte"/>
+              <dgm:constr type="primFontSz" for="des" forName="Child3" refType="primFontSz" refFor="des" refForName="Parent5" op="lte"/>
+              <dgm:constr type="primFontSz" for="des" forName="Child4" refType="primFontSz" refFor="des" refForName="Parent5" op="lte"/>
+              <dgm:constr type="primFontSz" for="des" forName="Child5" refType="primFontSz" refFor="des" refForName="Parent5" op="lte"/>
+              <dgm:constr type="primFontSz" for="des" forName="Child6" refType="primFontSz" refFor="des" refForName="Parent5" op="lte"/>
+              <dgm:constr type="primFontSz" for="des" forName="Child7" refType="primFontSz" refFor="des" refForName="Parent5" op="lte"/>
+              <dgm:constr type="primFontSz" for="des" forName="Child1" refType="primFontSz" refFor="des" refForName="Parent6" op="lte"/>
+              <dgm:constr type="primFontSz" for="des" forName="Child2" refType="primFontSz" refFor="des" refForName="Parent6" op="lte"/>
+              <dgm:constr type="primFontSz" for="des" forName="Child3" refType="primFontSz" refFor="des" refForName="Parent6" op="lte"/>
+              <dgm:constr type="primFontSz" for="des" forName="Child4" refType="primFontSz" refFor="des" refForName="Parent6" op="lte"/>
+              <dgm:constr type="primFontSz" for="des" forName="Child5" refType="primFontSz" refFor="des" refForName="Parent6" op="lte"/>
+              <dgm:constr type="primFontSz" for="des" forName="Child6" refType="primFontSz" refFor="des" refForName="Parent6" op="lte"/>
+              <dgm:constr type="primFontSz" for="des" forName="Child7" refType="primFontSz" refFor="des" refForName="Parent6" op="lte"/>
+              <dgm:constr type="primFontSz" for="des" forName="Child1" refType="primFontSz" refFor="des" refForName="Parent7" op="lte"/>
+              <dgm:constr type="primFontSz" for="des" forName="Child2" refType="primFontSz" refFor="des" refForName="Parent7" op="lte"/>
+              <dgm:constr type="primFontSz" for="des" forName="Child3" refType="primFontSz" refFor="des" refForName="Parent7" op="lte"/>
+              <dgm:constr type="primFontSz" for="des" forName="Child4" refType="primFontSz" refFor="des" refForName="Parent7" op="lte"/>
+              <dgm:constr type="primFontSz" for="des" forName="Child5" refType="primFontSz" refFor="des" refForName="Parent7" op="lte"/>
+              <dgm:constr type="primFontSz" for="des" forName="Child6" refType="primFontSz" refFor="des" refForName="Parent7" op="lte"/>
+              <dgm:constr type="primFontSz" for="des" forName="Child7" refType="primFontSz" refFor="des" refForName="Parent7" op="lte"/>
+              <dgm:constr type="primFontSz" for="des" forName="Parent2" refType="primFontSz" refFor="des" refForName="Parent1" op="equ"/>
+              <dgm:constr type="primFontSz" for="des" forName="Parent3" refType="primFontSz" refFor="des" refForName="Parent1" op="equ"/>
+              <dgm:constr type="primFontSz" for="des" forName="Parent4" refType="primFontSz" refFor="des" refForName="Parent1" op="equ"/>
+              <dgm:constr type="primFontSz" for="des" forName="Parent5" refType="primFontSz" refFor="des" refForName="Parent1" op="equ"/>
+              <dgm:constr type="primFontSz" for="des" forName="Parent6" refType="primFontSz" refFor="des" refForName="Parent1" op="equ"/>
+              <dgm:constr type="primFontSz" for="des" forName="Parent7" refType="primFontSz" refFor="des" refForName="Parent1" op="equ"/>
+              <dgm:constr type="primFontSz" for="des" forName="Child2" refType="primFontSz" refFor="des" refForName="Child1" op="equ"/>
+              <dgm:constr type="primFontSz" for="des" forName="Child3" refType="primFontSz" refFor="des" refForName="Child1" op="equ"/>
+              <dgm:constr type="primFontSz" for="des" forName="Child4" refType="primFontSz" refFor="des" refForName="Child1" op="equ"/>
+              <dgm:constr type="primFontSz" for="des" forName="Child5" refType="primFontSz" refFor="des" refForName="Child1" op="equ"/>
+              <dgm:constr type="primFontSz" for="des" forName="Child6" refType="primFontSz" refFor="des" refForName="Child1" op="equ"/>
+              <dgm:constr type="primFontSz" for="des" forName="Child7" refType="primFontSz" refFor="des" refForName="Child1" op="equ"/>
+              <dgm:constr type="l" for="ch" forName="Accent1" refType="w" fact="0.1481"/>
+              <dgm:constr type="t" for="ch" forName="Accent1" refType="h" fact="0"/>
+              <dgm:constr type="w" for="ch" forName="Accent1" refType="w" fact="0.5331"/>
+              <dgm:constr type="h" for="ch" forName="Accent1" refType="h" fact="0.2284"/>
+              <dgm:constr type="l" for="ch" forName="Accent2" refType="w" fact="0"/>
+              <dgm:constr type="t" for="ch" forName="Accent2" refType="h" fact="0.1312"/>
+              <dgm:constr type="w" for="ch" forName="Accent2" refType="w" fact="0.5331"/>
+              <dgm:constr type="h" for="ch" forName="Accent2" refType="h" fact="0.2284"/>
+              <dgm:constr type="l" for="ch" forName="Accent3" refType="w" fact="0.1481"/>
+              <dgm:constr type="t" for="ch" forName="Accent3" refType="h" fact="0.263"/>
+              <dgm:constr type="w" for="ch" forName="Accent3" refType="w" fact="0.5331"/>
+              <dgm:constr type="h" for="ch" forName="Accent3" refType="h" fact="0.2284"/>
+              <dgm:constr type="l" for="ch" forName="Accent4" refType="w" fact="0"/>
+              <dgm:constr type="t" for="ch" forName="Accent4" refType="h" fact="0.3945"/>
+              <dgm:constr type="w" for="ch" forName="Accent4" refType="w" fact="0.5331"/>
+              <dgm:constr type="h" for="ch" forName="Accent4" refType="h" fact="0.2284"/>
+              <dgm:constr type="l" for="ch" forName="Parent1" refType="w" fact="0.2658"/>
+              <dgm:constr type="t" for="ch" forName="Parent1" refType="h" fact="0.0827"/>
+              <dgm:constr type="w" for="ch" forName="Parent1" refType="w" fact="0.2975"/>
+              <dgm:constr type="h" for="ch" forName="Parent1" refType="h" fact="0.0637"/>
+              <dgm:constr type="l" for="ch" forName="Parent2" refType="w" fact="0.1171"/>
+              <dgm:constr type="t" for="ch" forName="Parent2" refType="h" fact="0.2142"/>
+              <dgm:constr type="w" for="ch" forName="Parent2" refType="w" fact="0.2975"/>
+              <dgm:constr type="h" for="ch" forName="Parent2" refType="h" fact="0.0637"/>
+              <dgm:constr type="l" for="ch" forName="Parent3" refType="w" fact="0.2658"/>
+              <dgm:constr type="t" for="ch" forName="Parent3" refType="h" fact="0.3457"/>
+              <dgm:constr type="w" for="ch" forName="Parent3" refType="w" fact="0.2975"/>
+              <dgm:constr type="h" for="ch" forName="Parent3" refType="h" fact="0.0637"/>
+              <dgm:constr type="l" for="ch" forName="Parent4" refType="w" fact="0.1171"/>
+              <dgm:constr type="t" for="ch" forName="Parent4" refType="h" fact="0.4772"/>
+              <dgm:constr type="w" for="ch" forName="Parent4" refType="w" fact="0.2975"/>
+              <dgm:constr type="h" for="ch" forName="Parent4" refType="h" fact="0.0637"/>
+              <dgm:constr type="l" for="ch" forName="Child1" refType="w" fact="0.6804"/>
+              <dgm:constr type="t" for="ch" forName="Child1" refType="h" fact="0.0678"/>
+              <dgm:constr type="w" for="ch" forName="Child1" refType="w" fact="0.3196"/>
+              <dgm:constr type="h" for="ch" forName="Child1" refType="h" fact="0.0908"/>
+              <dgm:constr type="l" for="ch" forName="Child2" refType="w" fact="0.5348"/>
+              <dgm:constr type="t" for="ch" forName="Child2" refType="h" fact="0.2006"/>
+              <dgm:constr type="w" for="ch" forName="Child2" refType="w" fact="0.3196"/>
+              <dgm:constr type="h" for="ch" forName="Child2" refType="h" fact="0.0908"/>
+              <dgm:constr type="l" for="ch" forName="Child3" refType="w" fact="0.6804"/>
+              <dgm:constr type="t" for="ch" forName="Child3" refType="h" fact="0.3308"/>
+              <dgm:constr type="w" for="ch" forName="Child3" refType="w" fact="0.3196"/>
+              <dgm:constr type="h" for="ch" forName="Child3" refType="h" fact="0.0908"/>
+              <dgm:constr type="l" for="ch" forName="Child4" refType="w" fact="0.5348"/>
+              <dgm:constr type="t" for="ch" forName="Child4" refType="h" fact="0.4623"/>
+              <dgm:constr type="w" for="ch" forName="Child4" refType="w" fact="0.3196"/>
+              <dgm:constr type="h" for="ch" forName="Child4" refType="h" fact="0.0908"/>
+              <dgm:constr type="l" for="ch" forName="Accent5" refType="w" fact="0.1481"/>
+              <dgm:constr type="t" for="ch" forName="Accent5" refType="h" fact="0.5258"/>
+              <dgm:constr type="w" for="ch" forName="Accent5" refType="w" fact="0.5331"/>
+              <dgm:constr type="h" for="ch" forName="Accent5" refType="h" fact="0.2284"/>
+              <dgm:constr type="l" for="ch" forName="Accent6" refType="w" fact="0"/>
+              <dgm:constr type="t" for="ch" forName="Accent6" refType="h" fact="0.6573"/>
+              <dgm:constr type="w" for="ch" forName="Accent6" refType="w" fact="0.5331"/>
+              <dgm:constr type="h" for="ch" forName="Accent6" refType="h" fact="0.2284"/>
+              <dgm:constr type="l" for="ch" forName="Accent7" refType="w" fact="0.186"/>
+              <dgm:constr type="t" for="ch" forName="Accent7" refType="h" fact="0.8037"/>
+              <dgm:constr type="w" for="ch" forName="Accent7" refType="w" fact="0.458"/>
+              <dgm:constr type="h" for="ch" forName="Accent7" refType="h" fact="0.1963"/>
+              <dgm:constr type="l" for="ch" forName="Parent5" refType="w" fact="0.2658"/>
+              <dgm:constr type="t" for="ch" forName="Parent5" refType="h" fact="0.6085"/>
+              <dgm:constr type="w" for="ch" forName="Parent5" refType="w" fact="0.2975"/>
+              <dgm:constr type="h" for="ch" forName="Parent5" refType="h" fact="0.0637"/>
+              <dgm:constr type="l" for="ch" forName="Parent6" refType="w" fact="0.1171"/>
+              <dgm:constr type="t" for="ch" forName="Parent6" refType="h" fact="0.74"/>
+              <dgm:constr type="w" for="ch" forName="Parent6" refType="w" fact="0.2975"/>
+              <dgm:constr type="h" for="ch" forName="Parent6" refType="h" fact="0.0637"/>
+              <dgm:constr type="l" for="ch" forName="Parent7" refType="w" fact="0.2658"/>
+              <dgm:constr type="t" for="ch" forName="Parent7" refType="h" fact="0.8715"/>
+              <dgm:constr type="w" for="ch" forName="Parent7" refType="w" fact="0.2975"/>
+              <dgm:constr type="h" for="ch" forName="Parent7" refType="h" fact="0.0637"/>
+              <dgm:constr type="l" for="ch" forName="Child5" refType="w" fact="0.6804"/>
+              <dgm:constr type="t" for="ch" forName="Child5" refType="h" fact="0.5936"/>
+              <dgm:constr type="w" for="ch" forName="Child5" refType="w" fact="0.3196"/>
+              <dgm:constr type="h" for="ch" forName="Child5" refType="h" fact="0.0908"/>
+              <dgm:constr type="l" for="ch" forName="Child6" refType="w" fact="0.5348"/>
+              <dgm:constr type="t" for="ch" forName="Child6" refType="h" fact="0.7251"/>
+              <dgm:constr type="w" for="ch" forName="Child6" refType="w" fact="0.3196"/>
+              <dgm:constr type="h" for="ch" forName="Child6" refType="h" fact="0.0908"/>
+              <dgm:constr type="l" for="ch" forName="Child7" refType="w" fact="0.6804"/>
+              <dgm:constr type="t" for="ch" forName="Child7" refType="h" fact="0.8579"/>
+              <dgm:constr type="w" for="ch" forName="Child7" refType="w" fact="0.3196"/>
+              <dgm:constr type="h" for="ch" forName="Child7" refType="h" fact="0.0908"/>
+            </dgm:constrLst>
+          </dgm:else>
+        </dgm:choose>
+      </dgm:if>
+      <dgm:else name="Name11">
+        <dgm:choose name="Name12">
+          <dgm:if name="Name13" axis="ch" ptType="node" func="cnt" op="equ" val="1">
+            <dgm:alg type="composite">
+              <dgm:param type="ar" val="1.5999"/>
+            </dgm:alg>
+            <dgm:constrLst>
+              <dgm:constr type="primFontSz" for="des" forName="Child1" val="65"/>
+              <dgm:constr type="primFontSz" for="des" forName="Parent1" val="65"/>
+              <dgm:constr type="primFontSz" for="des" forName="Child1" refType="primFontSz" refFor="des" refForName="Parent1" op="lte"/>
+              <dgm:constr type="l" for="ch" forName="Child1" refType="w" fact="0.625"/>
+              <dgm:constr type="t" for="ch" forName="Child1" refType="h" fact="0.2981"/>
+              <dgm:constr type="w" for="ch" forName="Child1" refType="w" fact="0.375"/>
+              <dgm:constr type="h" for="ch" forName="Child1" refType="h" fact="0.4001"/>
+              <dgm:constr type="l" for="ch" forName="Accent1" refType="w" fact="0"/>
+              <dgm:constr type="t" for="ch" forName="Accent1" refType="h" fact="0"/>
+              <dgm:constr type="w" for="ch" forName="Accent1" refType="w" fact="0.6249"/>
+              <dgm:constr type="h" for="ch" forName="Accent1" refType="h"/>
+              <dgm:constr type="l" for="ch" forName="Parent1" refType="w" fact="0.138"/>
+              <dgm:constr type="t" for="ch" forName="Parent1" refType="h" fact="0.362"/>
+              <dgm:constr type="w" for="ch" forName="Parent1" refType="w" fact="0.3487"/>
+              <dgm:constr type="h" for="ch" forName="Parent1" refType="h" fact="0.2789"/>
+            </dgm:constrLst>
+          </dgm:if>
+          <dgm:if name="Name14" axis="ch" ptType="node" func="cnt" op="equ" val="2">
+            <dgm:alg type="composite">
+              <dgm:param type="ar" val="1.2026"/>
+            </dgm:alg>
+            <dgm:constrLst>
+              <dgm:constr type="primFontSz" for="des" forName="Child1" val="65"/>
+              <dgm:constr type="primFontSz" for="des" forName="Parent1" val="65"/>
+              <dgm:constr type="primFontSz" for="des" forName="Child1" refType="primFontSz" refFor="des" refForName="Parent1" op="lte"/>
+              <dgm:constr type="primFontSz" for="des" forName="Child2" refType="primFontSz" refFor="des" refForName="Parent1" op="lte"/>
+              <dgm:constr type="primFontSz" for="des" forName="Child1" refType="primFontSz" refFor="des" refForName="Parent2" op="lte"/>
+              <dgm:constr type="primFontSz" for="des" forName="Child2" refType="primFontSz" refFor="des" refForName="Parent2" op="lte"/>
+              <dgm:constr type="primFontSz" for="des" forName="Parent2" refType="primFontSz" refFor="des" refForName="Parent1" op="equ"/>
+              <dgm:constr type="primFontSz" for="des" forName="Child2" refType="primFontSz" refFor="des" refForName="Child1" op="equ"/>
+              <dgm:constr type="l" for="ch" forName="Accent1" refType="w" fact="-0.0407"/>
+              <dgm:constr type="t" for="ch" forName="Accent1" refType="h" fact="0"/>
+              <dgm:constr type="w" for="ch" forName="Accent1" refType="w" fact="0.5542"/>
+              <dgm:constr type="h" for="ch" forName="Accent1" refType="h" fact="0.6665"/>
+              <dgm:constr type="l" for="ch" forName="Accent2" refType="w" fact="0.1533"/>
+              <dgm:constr type="t" for="ch" forName="Accent2" refType="h" fact="0.4272"/>
+              <dgm:constr type="w" for="ch" forName="Accent2" refType="w" fact="0.4761"/>
+              <dgm:constr type="h" for="ch" forName="Accent2" refType="h" fact="0.5728"/>
+              <dgm:constr type="l" for="ch" forName="Parent1" refType="w" fact="0.0822"/>
+              <dgm:constr type="t" for="ch" forName="Parent1" refType="h" fact="0.2413"/>
+              <dgm:constr type="w" for="ch" forName="Parent1" refType="w" fact="0.3092"/>
+              <dgm:constr type="h" for="ch" forName="Parent1" refType="h" fact="0.1859"/>
+              <dgm:constr type="l" for="ch" forName="Parent2" refType="w" fact="0.2368"/>
+              <dgm:constr type="t" for="ch" forName="Parent2" refType="h" fact="0.625"/>
+              <dgm:constr type="w" for="ch" forName="Parent2" refType="w" fact="0.3092"/>
+              <dgm:constr type="h" for="ch" forName="Parent2" refType="h" fact="0.1859"/>
+              <dgm:constr type="l" for="ch" forName="Child1" refType="w" fact="0.5164"/>
+              <dgm:constr type="t" for="ch" forName="Child1" refType="h" fact="0.1978"/>
+              <dgm:constr type="w" for="ch" forName="Child1" refType="w" fact="0.3322"/>
+              <dgm:constr type="h" for="ch" forName="Child1" refType="h" fact="0.265"/>
+              <dgm:constr type="l" for="ch" forName="Child2" refType="w" fact="0.6678"/>
+              <dgm:constr type="t" for="ch" forName="Child2" refType="h" fact="0.5855"/>
+              <dgm:constr type="w" for="ch" forName="Child2" refType="w" fact="0.3322"/>
+              <dgm:constr type="h" for="ch" forName="Child2" refType="h" fact="0.265"/>
+            </dgm:constrLst>
+          </dgm:if>
+          <dgm:if name="Name15" axis="ch" ptType="node" func="cnt" op="equ" val="3">
+            <dgm:alg type="composite">
+              <dgm:param type="ar" val="0.9039"/>
+            </dgm:alg>
+            <dgm:shape xmlns:r="http://schemas.openxmlformats.org/officeDocument/2006/relationships" r:blip="">
+              <dgm:adjLst/>
+            </dgm:shape>
+            <dgm:constrLst>
+              <dgm:constr type="primFontSz" for="des" forName="Child1" val="65"/>
+              <dgm:constr type="primFontSz" for="des" forName="Parent1" val="65"/>
+              <dgm:constr type="primFontSz" for="des" forName="Child1" refType="primFontSz" refFor="des" refForName="Parent1" op="lte"/>
+              <dgm:constr type="primFontSz" for="des" forName="Child2" refType="primFontSz" refFor="des" refForName="Parent1" op="lte"/>
+              <dgm:constr type="primFontSz" for="des" forName="Child3" refType="primFontSz" refFor="des" refForName="Parent1" op="lte"/>
+              <dgm:constr type="primFontSz" for="des" forName="Child1" refType="primFontSz" refFor="des" refForName="Parent2" op="lte"/>
+              <dgm:constr type="primFontSz" for="des" forName="Child2" refType="primFontSz" refFor="des" refForName="Parent2" op="lte"/>
+              <dgm:constr type="primFontSz" for="des" forName="Child3" refType="primFontSz" refFor="des" refForName="Parent2" op="lte"/>
+              <dgm:constr type="primFontSz" for="des" forName="Child1" refType="primFontSz" refFor="des" refForName="Parent3" op="lte"/>
+              <dgm:constr type="primFontSz" for="des" forName="Child2" refType="primFontSz" refFor="des" refForName="Parent3" op="lte"/>
+              <dgm:constr type="primFontSz" for="des" forName="Child3" refType="primFontSz" refFor="des" refForName="Parent3" op="lte"/>
+              <dgm:constr type="primFontSz" for="des" forName="Parent2" refType="primFontSz" refFor="des" refForName="Parent1" op="equ"/>
+              <dgm:constr type="primFontSz" for="des" forName="Parent3" refType="primFontSz" refFor="des" refForName="Parent1" op="equ"/>
+              <dgm:constr type="primFontSz" for="des" forName="Child2" refType="primFontSz" refFor="des" refForName="Child1" op="equ"/>
+              <dgm:constr type="primFontSz" for="des" forName="Child3" refType="primFontSz" refFor="des" refForName="Child1" op="equ"/>
+              <dgm:constr type="l" for="ch" forName="Accent1" refType="w" fact="0"/>
+              <dgm:constr type="t" for="ch" forName="Accent1" refType="h" fact="0"/>
+              <dgm:constr type="w" for="ch" forName="Accent1" refType="w" fact="0.5325"/>
+              <dgm:constr type="h" for="ch" forName="Accent1" refType="h" fact="0.4814"/>
+              <dgm:constr type="l" for="ch" forName="Accent2" refType="w" fact="0.1479"/>
+              <dgm:constr type="t" for="ch" forName="Accent2" refType="h" fact="0.2766"/>
+              <dgm:constr type="w" for="ch" forName="Accent2" refType="w" fact="0.5325"/>
+              <dgm:constr type="h" for="ch" forName="Accent2" refType="h" fact="0.4814"/>
+              <dgm:constr type="l" for="ch" forName="Accent3" refType="w" fact="0.0378"/>
+              <dgm:constr type="t" for="ch" forName="Accent3" refType="h" fact="0.5863"/>
+              <dgm:constr type="w" for="ch" forName="Accent3" refType="w" fact="0.4575"/>
+              <dgm:constr type="h" for="ch" forName="Accent3" refType="h" fact="0.4137"/>
+              <dgm:constr type="l" for="ch" forName="Parent1" refType="w" fact="0.1183"/>
+              <dgm:constr type="t" for="ch" forName="Parent1" refType="h" fact="0.1738"/>
+              <dgm:constr type="w" for="ch" forName="Parent1" refType="w" fact="0.2959"/>
+              <dgm:constr type="h" for="ch" forName="Parent1" refType="h" fact="0.1337"/>
+              <dgm:constr type="l" for="ch" forName="Parent2" refType="w" fact="0.2656"/>
+              <dgm:constr type="t" for="ch" forName="Parent2" refType="h" fact="0.452"/>
+              <dgm:constr type="w" for="ch" forName="Parent2" refType="w" fact="0.2959"/>
+              <dgm:constr type="h" for="ch" forName="Parent2" refType="h" fact="0.1337"/>
+              <dgm:constr type="l" for="ch" forName="Parent3" refType="w" fact="0.1183"/>
+              <dgm:constr type="t" for="ch" forName="Parent3" refType="h" fact="0.7306"/>
+              <dgm:constr type="w" for="ch" forName="Parent3" refType="w" fact="0.2959"/>
+              <dgm:constr type="h" for="ch" forName="Parent3" refType="h" fact="0.1337"/>
+              <dgm:constr type="l" for="ch" forName="Child1" refType="w" fact="0.5325"/>
+              <dgm:constr type="t" for="ch" forName="Child1" refType="h" fact="0.1435"/>
+              <dgm:constr type="w" for="ch" forName="Child1" refType="w" fact="0.3195"/>
+              <dgm:constr type="h" for="ch" forName="Child1" refType="h" fact="0.1926"/>
+              <dgm:constr type="l" for="ch" forName="Child2" refType="w" fact="0.6805"/>
+              <dgm:constr type="t" for="ch" forName="Child2" refType="h" fact="0.4217"/>
+              <dgm:constr type="w" for="ch" forName="Child2" refType="w" fact="0.3195"/>
+              <dgm:constr type="h" for="ch" forName="Child2" refType="h" fact="0.1926"/>
+              <dgm:constr type="l" for="ch" forName="Child3" refType="w" fact="0.5325"/>
+              <dgm:constr type="t" for="ch" forName="Child3" refType="h" fact="0.6998"/>
+              <dgm:constr type="w" for="ch" forName="Child3" refType="w" fact="0.3195"/>
+              <dgm:constr type="h" for="ch" forName="Child3" refType="h" fact="0.1926"/>
+            </dgm:constrLst>
+          </dgm:if>
+          <dgm:if name="Name16" axis="ch" ptType="node" func="cnt" op="equ" val="4">
+            <dgm:alg type="composite">
+              <dgm:param type="ar" val="0.7073"/>
+            </dgm:alg>
+            <dgm:constrLst>
+              <dgm:constr type="primFontSz" for="des" forName="Child1" val="65"/>
+              <dgm:constr type="primFontSz" for="des" forName="Parent1" val="65"/>
+              <dgm:constr type="primFontSz" for="des" forName="Child1" refType="primFontSz" refFor="des" refForName="Parent1" op="lte"/>
+              <dgm:constr type="primFontSz" for="des" forName="Child2" refType="primFontSz" refFor="des" refForName="Parent1" op="lte"/>
+              <dgm:constr type="primFontSz" for="des" forName="Child3" refType="primFontSz" refFor="des" refForName="Parent1" op="lte"/>
+              <dgm:constr type="primFontSz" for="des" forName="Child4" refType="primFontSz" refFor="des" refForName="Parent1" op="lte"/>
+              <dgm:constr type="primFontSz" for="des" forName="Child1" refType="primFontSz" refFor="des" refForName="Parent2" op="lte"/>
+              <dgm:constr type="primFontSz" for="des" forName="Child2" refType="primFontSz" refFor="des" refForName="Parent2" op="lte"/>
+              <dgm:constr type="primFontSz" for="des" forName="Child3" refType="primFontSz" refFor="des" refForName="Parent2" op="lte"/>
+              <dgm:constr type="primFontSz" for="des" forName="Child4" refType="primFontSz" refFor="des" refForName="Parent2" op="lte"/>
+              <dgm:constr type="primFontSz" for="des" forName="Child1" refType="primFontSz" refFor="des" refForName="Parent3" op="lte"/>
+              <dgm:constr type="primFontSz" for="des" forName="Child2" refType="primFontSz" refFor="des" refForName="Parent3" op="lte"/>
+              <dgm:constr type="primFontSz" for="des" forName="Child3" refType="primFontSz" refFor="des" refForName="Parent3" op="lte"/>
+              <dgm:constr type="primFontSz" for="des" forName="Child4" refType="primFontSz" refFor="des" refForName="Parent3" op="lte"/>
+              <dgm:constr type="primFontSz" for="des" forName="Child1" refType="primFontSz" refFor="des" refForName="Parent4" op="lte"/>
+              <dgm:constr type="primFontSz" for="des" forName="Child2" refType="primFontSz" refFor="des" refForName="Parent4" op="lte"/>
+              <dgm:constr type="primFontSz" for="des" forName="Child3" refType="primFontSz" refFor="des" refForName="Parent4" op="lte"/>
+              <dgm:constr type="primFontSz" for="des" forName="Child4" refType="primFontSz" refFor="des" refForName="Parent4" op="lte"/>
+              <dgm:constr type="primFontSz" for="des" forName="Parent2" refType="primFontSz" refFor="des" refForName="Parent1" op="equ"/>
+              <dgm:constr type="primFontSz" for="des" forName="Parent3" refType="primFontSz" refFor="des" refForName="Parent1" op="equ"/>
+              <dgm:constr type="primFontSz" for="des" forName="Parent4" refType="primFontSz" refFor="des" refForName="Parent1" op="equ"/>
+              <dgm:constr type="primFontSz" for="des" forName="Child2" refType="primFontSz" refFor="des" refForName="Child1" op="equ"/>
+              <dgm:constr type="primFontSz" for="des" forName="Child3" refType="primFontSz" refFor="des" refForName="Child1" op="equ"/>
+              <dgm:constr type="primFontSz" for="des" forName="Child4" refType="primFontSz" refFor="des" refForName="Child1" op="equ"/>
+              <dgm:constr type="l" for="ch" forName="Accent1" refType="w" fact="0"/>
+              <dgm:constr type="t" for="ch" forName="Accent1" refType="h" fact="0"/>
+              <dgm:constr type="w" for="ch" forName="Accent1" refType="w" fact="0.5331"/>
+              <dgm:constr type="h" for="ch" forName="Accent1" refType="h" fact="0.3771"/>
+              <dgm:constr type="l" for="ch" forName="Accent2" refType="w" fact="0.1481"/>
+              <dgm:constr type="t" for="ch" forName="Accent2" refType="h" fact="0.2167"/>
+              <dgm:constr type="w" for="ch" forName="Accent2" refType="w" fact="0.5331"/>
+              <dgm:constr type="h" for="ch" forName="Accent2" refType="h" fact="0.3771"/>
+              <dgm:constr type="l" for="ch" forName="Accent3" refType="w" fact="0"/>
+              <dgm:constr type="t" for="ch" forName="Accent3" refType="h" fact="0.4342"/>
+              <dgm:constr type="w" for="ch" forName="Accent3" refType="w" fact="0.5331"/>
+              <dgm:constr type="h" for="ch" forName="Accent3" refType="h" fact="0.3771"/>
+              <dgm:constr type="l" for="ch" forName="Accent4" refType="w" fact="0.186"/>
+              <dgm:constr type="t" for="ch" forName="Accent4" refType="h" fact="0.6759"/>
+              <dgm:constr type="w" for="ch" forName="Accent4" refType="w" fact="0.458"/>
+              <dgm:constr type="h" for="ch" forName="Accent4" refType="h" fact="0.3241"/>
+              <dgm:constr type="l" for="ch" forName="Parent1" refType="w" fact="0.1171"/>
+              <dgm:constr type="t" for="ch" forName="Parent1" refType="h" fact="0.1365"/>
+              <dgm:constr type="w" for="ch" forName="Parent1" refType="w" fact="0.2975"/>
+              <dgm:constr type="h" for="ch" forName="Parent1" refType="h" fact="0.1052"/>
+              <dgm:constr type="l" for="ch" forName="Parent2" refType="w" fact="0.2658"/>
+              <dgm:constr type="t" for="ch" forName="Parent2" refType="h" fact="0.3536"/>
+              <dgm:constr type="w" for="ch" forName="Parent2" refType="w" fact="0.2975"/>
+              <dgm:constr type="h" for="ch" forName="Parent2" refType="h" fact="0.1052"/>
+              <dgm:constr type="l" for="ch" forName="Parent3" refType="w" fact="0.1171"/>
+              <dgm:constr type="t" for="ch" forName="Parent3" refType="h" fact="0.5707"/>
+              <dgm:constr type="w" for="ch" forName="Parent3" refType="w" fact="0.2975"/>
+              <dgm:constr type="h" for="ch" forName="Parent3" refType="h" fact="0.1052"/>
+              <dgm:constr type="l" for="ch" forName="Parent4" refType="w" fact="0.2658"/>
+              <dgm:constr type="t" for="ch" forName="Parent4" refType="h" fact="0.7878"/>
+              <dgm:constr type="w" for="ch" forName="Parent4" refType="w" fact="0.2975"/>
+              <dgm:constr type="h" for="ch" forName="Parent4" refType="h" fact="0.1052"/>
+              <dgm:constr type="l" for="ch" forName="Child1" refType="w" fact="0.5348"/>
+              <dgm:constr type="t" for="ch" forName="Child1" refType="h" fact="0.1119"/>
+              <dgm:constr type="w" for="ch" forName="Child1" refType="w" fact="0.3196"/>
+              <dgm:constr type="h" for="ch" forName="Child1" refType="h" fact="0.15"/>
+              <dgm:constr type="l" for="ch" forName="Child2" refType="w" fact="0.6804"/>
+              <dgm:constr type="t" for="ch" forName="Child2" refType="h" fact="0.3312"/>
+              <dgm:constr type="w" for="ch" forName="Child2" refType="w" fact="0.3196"/>
+              <dgm:constr type="h" for="ch" forName="Child2" refType="h" fact="0.15"/>
+              <dgm:constr type="l" for="ch" forName="Child3" refType="w" fact="0.5348"/>
+              <dgm:constr type="t" for="ch" forName="Child3" refType="h" fact="0.5461"/>
+              <dgm:constr type="w" for="ch" forName="Child3" refType="w" fact="0.3196"/>
+              <dgm:constr type="h" for="ch" forName="Child3" refType="h" fact="0.15"/>
+              <dgm:constr type="l" for="ch" forName="Child4" refType="w" fact="0.6804"/>
+              <dgm:constr type="t" for="ch" forName="Child4" refType="h" fact="0.7632"/>
+              <dgm:constr type="w" for="ch" forName="Child4" refType="w" fact="0.3196"/>
+              <dgm:constr type="h" for="ch" forName="Child4" refType="h" fact="0.15"/>
+            </dgm:constrLst>
+          </dgm:if>
+          <dgm:if name="Name17" axis="ch" ptType="node" func="cnt" op="equ" val="5">
+            <dgm:alg type="composite">
+              <dgm:param type="ar" val="0.5811"/>
+            </dgm:alg>
+            <dgm:constrLst>
+              <dgm:constr type="primFontSz" for="des" forName="Child1" val="65"/>
+              <dgm:constr type="primFontSz" for="des" forName="Parent1" val="65"/>
+              <dgm:constr type="primFontSz" for="des" forName="Child1" refType="primFontSz" refFor="des" refForName="Parent1" op="lte"/>
+              <dgm:constr type="primFontSz" for="des" forName="Child2" refType="primFontSz" refFor="des" refForName="Parent1" op="lte"/>
+              <dgm:constr type="primFontSz" for="des" forName="Child3" refType="primFontSz" refFor="des" refForName="Parent1" op="lte"/>
+              <dgm:constr type="primFontSz" for="des" forName="Child4" refType="primFontSz" refFor="des" refForName="Parent1" op="lte"/>
+              <dgm:constr type="primFontSz" for="des" forName="Child5" refType="primFontSz" refFor="des" refForName="Parent1" op="lte"/>
+              <dgm:constr type="primFontSz" for="des" forName="Child1" refType="primFontSz" refFor="des" refForName="Parent2" op="lte"/>
+              <dgm:constr type="primFontSz" for="des" forName="Child2" refType="primFontSz" refFor="des" refForName="Parent2" op="lte"/>
+              <dgm:constr type="primFontSz" for="des" forName="Child3" refType="primFontSz" refFor="des" refForName="Parent2" op="lte"/>
+              <dgm:constr type="primFontSz" for="des" forName="Child4" refType="primFontSz" refFor="des" refForName="Parent2" op="lte"/>
+              <dgm:constr type="primFontSz" for="des" forName="Child5" refType="primFontSz" refFor="des" refForName="Parent2" op="lte"/>
+              <dgm:constr type="primFontSz" for="des" forName="Child1" refType="primFontSz" refFor="des" refForName="Parent3" op="lte"/>
+              <dgm:constr type="primFontSz" for="des" forName="Child2" refType="primFontSz" refFor="des" refForName="Parent3" op="lte"/>
+              <dgm:constr type="primFontSz" for="des" forName="Child3" refType="primFontSz" refFor="des" refForName="Parent3" op="lte"/>
+              <dgm:constr type="primFontSz" for="des" forName="Child4" refType="primFontSz" refFor="des" refForName="Parent3" op="lte"/>
+              <dgm:constr type="primFontSz" for="des" forName="Child5" refType="primFontSz" refFor="des" refForName="Parent3" op="lte"/>
+              <dgm:constr type="primFontSz" for="des" forName="Child1" refType="primFontSz" refFor="des" refForName="Parent4" op="lte"/>
+              <dgm:constr type="primFontSz" for="des" forName="Child2" refType="primFontSz" refFor="des" refForName="Parent4" op="lte"/>
+              <dgm:constr type="primFontSz" for="des" forName="Child3" refType="primFontSz" refFor="des" refForName="Parent4" op="lte"/>
+              <dgm:constr type="primFontSz" for="des" forName="Child4" refType="primFontSz" refFor="des" refForName="Parent4" op="lte"/>
+              <dgm:constr type="primFontSz" for="des" forName="Child5" refType="primFontSz" refFor="des" refForName="Parent4" op="lte"/>
+              <dgm:constr type="primFontSz" for="des" forName="Child1" refType="primFontSz" refFor="des" refForName="Parent5" op="lte"/>
+              <dgm:constr type="primFontSz" for="des" forName="Child2" refType="primFontSz" refFor="des" refForName="Parent5" op="lte"/>
+              <dgm:constr type="primFontSz" for="des" forName="Child3" refType="primFontSz" refFor="des" refForName="Parent5" op="lte"/>
+              <dgm:constr type="primFontSz" for="des" forName="Child4" refType="primFontSz" refFor="des" refForName="Parent5" op="lte"/>
+              <dgm:constr type="primFontSz" for="des" forName="Child5" refType="primFontSz" refFor="des" refForName="Parent5" op="lte"/>
+              <dgm:constr type="primFontSz" for="des" forName="Parent2" refType="primFontSz" refFor="des" refForName="Parent1" op="equ"/>
+              <dgm:constr type="primFontSz" for="des" forName="Parent3" refType="primFontSz" refFor="des" refForName="Parent1" op="equ"/>
+              <dgm:constr type="primFontSz" for="des" forName="Parent4" refType="primFontSz" refFor="des" refForName="Parent1" op="equ"/>
+              <dgm:constr type="primFontSz" for="des" forName="Parent5" refType="primFontSz" refFor="des" refForName="Parent1" op="equ"/>
+              <dgm:constr type="primFontSz" for="des" forName="Child2" refType="primFontSz" refFor="des" refForName="Child1" op="equ"/>
+              <dgm:constr type="primFontSz" for="des" forName="Child3" refType="primFontSz" refFor="des" refForName="Child1" op="equ"/>
+              <dgm:constr type="primFontSz" for="des" forName="Child4" refType="primFontSz" refFor="des" refForName="Child1" op="equ"/>
+              <dgm:constr type="primFontSz" for="des" forName="Child5" refType="primFontSz" refFor="des" refForName="Child1" op="equ"/>
+              <dgm:constr type="l" for="ch" forName="Accent1" refType="w" fact="0"/>
+              <dgm:constr type="t" for="ch" forName="Accent1" refType="h" fact="0"/>
+              <dgm:constr type="w" for="ch" forName="Accent1" refType="w" fact="0.5331"/>
+              <dgm:constr type="h" for="ch" forName="Accent1" refType="h" fact="0.3098"/>
+              <dgm:constr type="l" for="ch" forName="Accent2" refType="w" fact="0.1481"/>
+              <dgm:constr type="t" for="ch" forName="Accent2" refType="h" fact="0.178"/>
+              <dgm:constr type="w" for="ch" forName="Accent2" refType="w" fact="0.5331"/>
+              <dgm:constr type="h" for="ch" forName="Accent2" refType="h" fact="0.3098"/>
+              <dgm:constr type="l" for="ch" forName="Accent3" refType="w" fact="0"/>
+              <dgm:constr type="t" for="ch" forName="Accent3" refType="h" fact="0.3568"/>
+              <dgm:constr type="w" for="ch" forName="Accent3" refType="w" fact="0.5331"/>
+              <dgm:constr type="h" for="ch" forName="Accent3" refType="h" fact="0.3098"/>
+              <dgm:constr type="l" for="ch" forName="Accent4" refType="w" fact="0.1481"/>
+              <dgm:constr type="t" for="ch" forName="Accent4" refType="h" fact="0.5351"/>
+              <dgm:constr type="w" for="ch" forName="Accent4" refType="w" fact="0.5331"/>
+              <dgm:constr type="h" for="ch" forName="Accent4" refType="h" fact="0.3098"/>
+              <dgm:constr type="l" for="ch" forName="Accent5" refType="w" fact="0.0378"/>
+              <dgm:constr type="t" for="ch" forName="Accent5" refType="h" fact="0.7337"/>
+              <dgm:constr type="w" for="ch" forName="Accent5" refType="w" fact="0.458"/>
+              <dgm:constr type="h" for="ch" forName="Accent5" refType="h" fact="0.2663"/>
+              <dgm:constr type="l" for="ch" forName="Parent1" refType="w" fact="0.1171"/>
+              <dgm:constr type="t" for="ch" forName="Parent1" refType="h" fact="0.1122"/>
+              <dgm:constr type="w" for="ch" forName="Parent1" refType="w" fact="0.2975"/>
+              <dgm:constr type="h" for="ch" forName="Parent1" refType="h" fact="0.0864"/>
+              <dgm:constr type="l" for="ch" forName="Parent2" refType="w" fact="0.2658"/>
+              <dgm:constr type="t" for="ch" forName="Parent2" refType="h" fact="0.2906"/>
+              <dgm:constr type="w" for="ch" forName="Parent2" refType="w" fact="0.2975"/>
+              <dgm:constr type="h" for="ch" forName="Parent2" refType="h" fact="0.0864"/>
+              <dgm:constr type="l" for="ch" forName="Parent3" refType="w" fact="0.1171"/>
+              <dgm:constr type="t" for="ch" forName="Parent3" refType="h" fact="0.4689"/>
+              <dgm:constr type="w" for="ch" forName="Parent3" refType="w" fact="0.2975"/>
+              <dgm:constr type="h" for="ch" forName="Parent3" refType="h" fact="0.0864"/>
+              <dgm:constr type="l" for="ch" forName="Parent4" refType="w" fact="0.2658"/>
+              <dgm:constr type="t" for="ch" forName="Parent4" refType="h" fact="0.6473"/>
+              <dgm:constr type="w" for="ch" forName="Parent4" refType="w" fact="0.2975"/>
+              <dgm:constr type="h" for="ch" forName="Parent4" refType="h" fact="0.0864"/>
+              <dgm:constr type="l" for="ch" forName="Parent5" refType="w" fact="0.1171"/>
+              <dgm:constr type="t" for="ch" forName="Parent5" refType="h" fact="0.8257"/>
+              <dgm:constr type="w" for="ch" forName="Parent5" refType="w" fact="0.2975"/>
+              <dgm:constr type="h" for="ch" forName="Parent5" refType="h" fact="0.0864"/>
+              <dgm:constr type="l" for="ch" forName="Child1" refType="w" fact="0.5348"/>
+              <dgm:constr type="t" for="ch" forName="Child1" refType="h" fact="0.0919"/>
+              <dgm:constr type="w" for="ch" forName="Child1" refType="w" fact="0.3196"/>
+              <dgm:constr type="h" for="ch" forName="Child1" refType="h" fact="0.1232"/>
+              <dgm:constr type="l" for="ch" forName="Child2" refType="w" fact="0.6804"/>
+              <dgm:constr type="t" for="ch" forName="Child2" refType="h" fact="0.2722"/>
+              <dgm:constr type="w" for="ch" forName="Child2" refType="w" fact="0.3196"/>
+              <dgm:constr type="h" for="ch" forName="Child2" refType="h" fact="0.1232"/>
+              <dgm:constr type="l" for="ch" forName="Child3" refType="w" fact="0.5348"/>
+              <dgm:constr type="t" for="ch" forName="Child3" refType="h" fact="0.4487"/>
+              <dgm:constr type="w" for="ch" forName="Child3" refType="w" fact="0.3196"/>
+              <dgm:constr type="h" for="ch" forName="Child3" refType="h" fact="0.1232"/>
+              <dgm:constr type="l" for="ch" forName="Child4" refType="w" fact="0.6804"/>
+              <dgm:constr type="t" for="ch" forName="Child4" refType="h" fact="0.6271"/>
+              <dgm:constr type="w" for="ch" forName="Child4" refType="w" fact="0.3196"/>
+              <dgm:constr type="h" for="ch" forName="Child4" refType="h" fact="0.1232"/>
+              <dgm:constr type="l" for="ch" forName="Child5" refType="w" fact="0.5348"/>
+              <dgm:constr type="t" for="ch" forName="Child5" refType="h" fact="0.8073"/>
+              <dgm:constr type="w" for="ch" forName="Child5" refType="w" fact="0.3196"/>
+              <dgm:constr type="h" for="ch" forName="Child5" refType="h" fact="0.1232"/>
+            </dgm:constrLst>
+          </dgm:if>
+          <dgm:if name="Name18" axis="ch" ptType="node" func="cnt" op="equ" val="6">
+            <dgm:alg type="composite">
+              <dgm:param type="ar" val="0.4931"/>
+            </dgm:alg>
+            <dgm:constrLst>
+              <dgm:constr type="primFontSz" for="des" forName="Child1" val="65"/>
+              <dgm:constr type="primFontSz" for="des" forName="Parent1" val="65"/>
+              <dgm:constr type="primFontSz" for="des" forName="Child1" refType="primFontSz" refFor="des" refForName="Parent1" op="lte"/>
+              <dgm:constr type="primFontSz" for="des" forName="Child2" refType="primFontSz" refFor="des" refForName="Parent1" op="lte"/>
+              <dgm:constr type="primFontSz" for="des" forName="Child3" refType="primFontSz" refFor="des" refForName="Parent1" op="lte"/>
+              <dgm:constr type="primFontSz" for="des" forName="Child4" refType="primFontSz" refFor="des" refForName="Parent1" op="lte"/>
+              <dgm:constr type="primFontSz" for="des" forName="Child5" refType="primFontSz" refFor="des" refForName="Parent1" op="lte"/>
+              <dgm:constr type="primFontSz" for="des" forName="Child6" refType="primFontSz" refFor="des" refForName="Parent1" op="lte"/>
+              <dgm:constr type="primFontSz" for="des" forName="Child1" refType="primFontSz" refFor="des" refForName="Parent2" op="lte"/>
+              <dgm:constr type="primFontSz" for="des" forName="Child2" refType="primFontSz" refFor="des" refForName="Parent2" op="lte"/>
+              <dgm:constr type="primFontSz" for="des" forName="Child3" refType="primFontSz" refFor="des" refForName="Parent2" op="lte"/>
+              <dgm:constr type="primFontSz" for="des" forName="Child4" refType="primFontSz" refFor="des" refForName="Parent2" op="lte"/>
+              <dgm:constr type="primFontSz" for="des" forName="Child5" refType="primFontSz" refFor="des" refForName="Parent2" op="lte"/>
+              <dgm:constr type="primFontSz" for="des" forName="Child6" refType="primFontSz" refFor="des" refForName="Parent2" op="lte"/>
+              <dgm:constr type="primFontSz" for="des" forName="Child1" refType="primFontSz" refFor="des" refForName="Parent3" op="lte"/>
+              <dgm:constr type="primFontSz" for="des" forName="Child2" refType="primFontSz" refFor="des" refForName="Parent3" op="lte"/>
+              <dgm:constr type="primFontSz" for="des" forName="Child3" refType="primFontSz" refFor="des" refForName="Parent3" op="lte"/>
+              <dgm:constr type="primFontSz" for="des" forName="Child4" refType="primFontSz" refFor="des" refForName="Parent3" op="lte"/>
+              <dgm:constr type="primFontSz" for="des" forName="Child5" refType="primFontSz" refFor="des" refForName="Parent3" op="lte"/>
+              <dgm:constr type="primFontSz" for="des" forName="Child6" refType="primFontSz" refFor="des" refForName="Parent3" op="lte"/>
+              <dgm:constr type="primFontSz" for="des" forName="Child1" refType="primFontSz" refFor="des" refForName="Parent4" op="lte"/>
+              <dgm:constr type="primFontSz" for="des" forName="Child2" refType="primFontSz" refFor="des" refForName="Parent4" op="lte"/>
+              <dgm:constr type="primFontSz" for="des" forName="Child3" refType="primFontSz" refFor="des" refForName="Parent4" op="lte"/>
+              <dgm:constr type="primFontSz" for="des" forName="Child4" refType="primFontSz" refFor="des" refForName="Parent4" op="lte"/>
+              <dgm:constr type="primFontSz" for="des" forName="Child5" refType="primFontSz" refFor="des" refForName="Parent4" op="lte"/>
+              <dgm:constr type="primFontSz" for="des" forName="Child6" refType="primFontSz" refFor="des" refForName="Parent4" op="lte"/>
+              <dgm:constr type="primFontSz" for="des" forName="Child1" refType="primFontSz" refFor="des" refForName="Parent5" op="lte"/>
+              <dgm:constr type="primFontSz" for="des" forName="Child2" refType="primFontSz" refFor="des" refForName="Parent5" op="lte"/>
+              <dgm:constr type="primFontSz" for="des" forName="Child3" refType="primFontSz" refFor="des" refForName="Parent5" op="lte"/>
+              <dgm:constr type="primFontSz" for="des" forName="Child4" refType="primFontSz" refFor="des" refForName="Parent5" op="lte"/>
+              <dgm:constr type="primFontSz" for="des" forName="Child5" refType="primFontSz" refFor="des" refForName="Parent5" op="lte"/>
+              <dgm:constr type="primFontSz" for="des" forName="Child6" refType="primFontSz" refFor="des" refForName="Parent5" op="lte"/>
+              <dgm:constr type="primFontSz" for="des" forName="Child1" refType="primFontSz" refFor="des" refForName="Parent6" op="lte"/>
+              <dgm:constr type="primFontSz" for="des" forName="Child2" refType="primFontSz" refFor="des" refForName="Parent6" op="lte"/>
+              <dgm:constr type="primFontSz" for="des" forName="Child3" refType="primFontSz" refFor="des" refForName="Parent6" op="lte"/>
+              <dgm:constr type="primFontSz" for="des" forName="Child4" refType="primFontSz" refFor="des" refForName="Parent6" op="lte"/>
+              <dgm:constr type="primFontSz" for="des" forName="Child5" refType="primFontSz" refFor="des" refForName="Parent6" op="lte"/>
+              <dgm:constr type="primFontSz" for="des" forName="Child6" refType="primFontSz" refFor="des" refForName="Parent6" op="lte"/>
+              <dgm:constr type="primFontSz" for="des" forName="Parent2" refType="primFontSz" refFor="des" refForName="Parent1" op="equ"/>
+              <dgm:constr type="primFontSz" for="des" forName="Parent3" refType="primFontSz" refFor="des" refForName="Parent1" op="equ"/>
+              <dgm:constr type="primFontSz" for="des" forName="Parent4" refType="primFontSz" refFor="des" refForName="Parent1" op="equ"/>
+              <dgm:constr type="primFontSz" for="des" forName="Parent5" refType="primFontSz" refFor="des" refForName="Parent1" op="equ"/>
+              <dgm:constr type="primFontSz" for="des" forName="Parent6" refType="primFontSz" refFor="des" refForName="Parent1" op="equ"/>
+              <dgm:constr type="primFontSz" for="des" forName="Child2" refType="primFontSz" refFor="des" refForName="Child1" op="equ"/>
+              <dgm:constr type="primFontSz" for="des" forName="Child3" refType="primFontSz" refFor="des" refForName="Child1" op="equ"/>
+              <dgm:constr type="primFontSz" for="des" forName="Child4" refType="primFontSz" refFor="des" refForName="Child1" op="equ"/>
+              <dgm:constr type="primFontSz" for="des" forName="Child5" refType="primFontSz" refFor="des" refForName="Child1" op="equ"/>
+              <dgm:constr type="primFontSz" for="des" forName="Child6" refType="primFontSz" refFor="des" refForName="Child1" op="equ"/>
+              <dgm:constr type="l" for="ch" forName="Accent1" refType="w" fact="0"/>
+              <dgm:constr type="t" for="ch" forName="Accent1" refType="h" fact="0"/>
+              <dgm:constr type="w" for="ch" forName="Accent1" refType="w" fact="0.5331"/>
+              <dgm:constr type="h" for="ch" forName="Accent1" refType="h" fact="0.2629"/>
+              <dgm:constr type="l" for="ch" forName="Accent2" refType="w" fact="0.1481"/>
+              <dgm:constr type="t" for="ch" forName="Accent2" refType="h" fact="0.1511"/>
+              <dgm:constr type="w" for="ch" forName="Accent2" refType="w" fact="0.5331"/>
+              <dgm:constr type="h" for="ch" forName="Accent2" refType="h" fact="0.2629"/>
+              <dgm:constr type="l" for="ch" forName="Accent3" refType="w" fact="0"/>
+              <dgm:constr type="t" for="ch" forName="Accent3" refType="h" fact="0.3027"/>
+              <dgm:constr type="w" for="ch" forName="Accent3" refType="w" fact="0.5331"/>
+              <dgm:constr type="h" for="ch" forName="Accent3" refType="h" fact="0.2629"/>
+              <dgm:constr type="l" for="ch" forName="Accent4" refType="w" fact="0.1481"/>
+              <dgm:constr type="t" for="ch" forName="Accent4" refType="h" fact="0.4541"/>
+              <dgm:constr type="w" for="ch" forName="Accent4" refType="w" fact="0.5331"/>
+              <dgm:constr type="h" for="ch" forName="Accent4" refType="h" fact="0.2629"/>
+              <dgm:constr type="l" for="ch" forName="Accent5" refType="w" fact="0"/>
+              <dgm:constr type="t" for="ch" forName="Accent5" refType="h" fact="0.6053"/>
+              <dgm:constr type="w" for="ch" forName="Accent5" refType="w" fact="0.5331"/>
+              <dgm:constr type="h" for="ch" forName="Accent5" refType="h" fact="0.2629"/>
+              <dgm:constr type="l" for="ch" forName="Accent6" refType="w" fact="0.186"/>
+              <dgm:constr type="t" for="ch" forName="Accent6" refType="h" fact="0.774"/>
+              <dgm:constr type="w" for="ch" forName="Accent6" refType="w" fact="0.458"/>
+              <dgm:constr type="h" for="ch" forName="Accent6" refType="h" fact="0.226"/>
+              <dgm:constr type="l" for="ch" forName="Parent1" refType="w" fact="0.1171"/>
+              <dgm:constr type="t" for="ch" forName="Parent1" refType="h" fact="0.0952"/>
+              <dgm:constr type="w" for="ch" forName="Parent1" refType="w" fact="0.2975"/>
+              <dgm:constr type="h" for="ch" forName="Parent1" refType="h" fact="0.0733"/>
+              <dgm:constr type="l" for="ch" forName="Parent2" refType="w" fact="0.2658"/>
+              <dgm:constr type="t" for="ch" forName="Parent2" refType="h" fact="0.2466"/>
+              <dgm:constr type="w" for="ch" forName="Parent2" refType="w" fact="0.2975"/>
+              <dgm:constr type="h" for="ch" forName="Parent2" refType="h" fact="0.0733"/>
+              <dgm:constr type="l" for="ch" forName="Parent3" refType="w" fact="0.1171"/>
+              <dgm:constr type="t" for="ch" forName="Parent3" refType="h" fact="0.3979"/>
+              <dgm:constr type="w" for="ch" forName="Parent3" refType="w" fact="0.2975"/>
+              <dgm:constr type="h" for="ch" forName="Parent3" refType="h" fact="0.0733"/>
+              <dgm:constr type="l" for="ch" forName="Parent4" refType="w" fact="0.2658"/>
+              <dgm:constr type="t" for="ch" forName="Parent4" refType="h" fact="0.5493"/>
+              <dgm:constr type="w" for="ch" forName="Parent4" refType="w" fact="0.2975"/>
+              <dgm:constr type="h" for="ch" forName="Parent4" refType="h" fact="0.0733"/>
+              <dgm:constr type="l" for="ch" forName="Parent5" refType="w" fact="0.1171"/>
+              <dgm:constr type="t" for="ch" forName="Parent5" refType="h" fact="0.7005"/>
+              <dgm:constr type="w" for="ch" forName="Parent5" refType="w" fact="0.2975"/>
+              <dgm:constr type="h" for="ch" forName="Parent5" refType="h" fact="0.0733"/>
+              <dgm:constr type="l" for="ch" forName="Parent6" refType="w" fact="0.2658"/>
+              <dgm:constr type="t" for="ch" forName="Parent6" refType="h" fact="0.8519"/>
+              <dgm:constr type="w" for="ch" forName="Parent6" refType="w" fact="0.2975"/>
+              <dgm:constr type="h" for="ch" forName="Parent6" refType="h" fact="0.0733"/>
+              <dgm:constr type="l" for="ch" forName="Child1" refType="w" fact="0.5348"/>
+              <dgm:constr type="t" for="ch" forName="Child1" refType="h" fact="0.078"/>
+              <dgm:constr type="w" for="ch" forName="Child1" refType="w" fact="0.3196"/>
+              <dgm:constr type="h" for="ch" forName="Child1" refType="h" fact="0.1046"/>
+              <dgm:constr type="l" for="ch" forName="Child2" refType="w" fact="0.6804"/>
+              <dgm:constr type="t" for="ch" forName="Child2" refType="h" fact="0.231"/>
+              <dgm:constr type="w" for="ch" forName="Child2" refType="w" fact="0.3196"/>
+              <dgm:constr type="h" for="ch" forName="Child2" refType="h" fact="0.1046"/>
+              <dgm:constr type="l" for="ch" forName="Child3" refType="w" fact="0.5348"/>
+              <dgm:constr type="t" for="ch" forName="Child3" refType="h" fact="0.3808"/>
+              <dgm:constr type="w" for="ch" forName="Child3" refType="w" fact="0.3196"/>
+              <dgm:constr type="h" for="ch" forName="Child3" refType="h" fact="0.1046"/>
+              <dgm:constr type="l" for="ch" forName="Child4" refType="w" fact="0.6804"/>
+              <dgm:constr type="t" for="ch" forName="Child4" refType="h" fact="0.5322"/>
+              <dgm:constr type="w" for="ch" forName="Child4" refType="w" fact="0.3196"/>
+              <dgm:constr type="h" for="ch" forName="Child4" refType="h" fact="0.1046"/>
+              <dgm:constr type="l" for="ch" forName="Child5" refType="w" fact="0.5348"/>
+              <dgm:constr type="t" for="ch" forName="Child5" refType="h" fact="0.6833"/>
+              <dgm:constr type="w" for="ch" forName="Child5" refType="w" fact="0.3196"/>
+              <dgm:constr type="h" for="ch" forName="Child5" refType="h" fact="0.1046"/>
+              <dgm:constr type="l" for="ch" forName="Child6" refType="w" fact="0.6804"/>
+              <dgm:constr type="t" for="ch" forName="Child6" refType="h" fact="0.8347"/>
+              <dgm:constr type="w" for="ch" forName="Child6" refType="w" fact="0.3196"/>
+              <dgm:constr type="h" for="ch" forName="Child6" refType="h" fact="0.1046"/>
+            </dgm:constrLst>
+          </dgm:if>
+          <dgm:else name="Name19">
+            <dgm:alg type="composite">
+              <dgm:param type="ar" val="0.4284"/>
+            </dgm:alg>
+            <dgm:constrLst>
+              <dgm:constr type="primFontSz" for="des" forName="Child1" val="65"/>
+              <dgm:constr type="primFontSz" for="des" forName="Parent1" val="65"/>
+              <dgm:constr type="primFontSz" for="des" forName="Child1" refType="primFontSz" refFor="des" refForName="Parent1" op="lte"/>
+              <dgm:constr type="primFontSz" for="des" forName="Child2" refType="primFontSz" refFor="des" refForName="Parent1" op="lte"/>
+              <dgm:constr type="primFontSz" for="des" forName="Child3" refType="primFontSz" refFor="des" refForName="Parent1" op="lte"/>
+              <dgm:constr type="primFontSz" for="des" forName="Child4" refType="primFontSz" refFor="des" refForName="Parent1" op="lte"/>
+              <dgm:constr type="primFontSz" for="des" forName="Child5" refType="primFontSz" refFor="des" refForName="Parent1" op="lte"/>
+              <dgm:constr type="primFontSz" for="des" forName="Child6" refType="primFontSz" refFor="des" refForName="Parent1" op="lte"/>
+              <dgm:constr type="primFontSz" for="des" forName="Child7" refType="primFontSz" refFor="des" refForName="Parent1" op="lte"/>
+              <dgm:constr type="primFontSz" for="des" forName="Child1" refType="primFontSz" refFor="des" refForName="Parent2" op="lte"/>
+              <dgm:constr type="primFontSz" for="des" forName="Child2" refType="primFontSz" refFor="des" refForName="Parent2" op="lte"/>
+              <dgm:constr type="primFontSz" for="des" forName="Child3" refType="primFontSz" refFor="des" refForName="Parent2" op="lte"/>
+              <dgm:constr type="primFontSz" for="des" forName="Child4" refType="primFontSz" refFor="des" refForName="Parent2" op="lte"/>
+              <dgm:constr type="primFontSz" for="des" forName="Child5" refType="primFontSz" refFor="des" refForName="Parent2" op="lte"/>
+              <dgm:constr type="primFontSz" for="des" forName="Child6" refType="primFontSz" refFor="des" refForName="Parent2" op="lte"/>
+              <dgm:constr type="primFontSz" for="des" forName="Child7" refType="primFontSz" refFor="des" refForName="Parent2" op="lte"/>
+              <dgm:constr type="primFontSz" for="des" forName="Child1" refType="primFontSz" refFor="des" refForName="Parent3" op="lte"/>
+              <dgm:constr type="primFontSz" for="des" forName="Child2" refType="primFontSz" refFor="des" refForName="Parent3" op="lte"/>
+              <dgm:constr type="primFontSz" for="des" forName="Child3" refType="primFontSz" refFor="des" refForName="Parent3" op="lte"/>
+              <dgm:constr type="primFontSz" for="des" forName="Child4" refType="primFontSz" refFor="des" refForName="Parent3" op="lte"/>
+              <dgm:constr type="primFontSz" for="des" forName="Child5" refType="primFontSz" refFor="des" refForName="Parent3" op="lte"/>
+              <dgm:constr type="primFontSz" for="des" forName="Child6" refType="primFontSz" refFor="des" refForName="Parent3" op="lte"/>
+              <dgm:constr type="primFontSz" for="des" forName="Child7" refType="primFontSz" refFor="des" refForName="Parent3" op="lte"/>
+              <dgm:constr type="primFontSz" for="des" forName="Child1" refType="primFontSz" refFor="des" refForName="Parent4" op="lte"/>
+              <dgm:constr type="primFontSz" for="des" forName="Child2" refType="primFontSz" refFor="des" refForName="Parent4" op="lte"/>
+              <dgm:constr type="primFontSz" for="des" forName="Child3" refType="primFontSz" refFor="des" refForName="Parent4" op="lte"/>
+              <dgm:constr type="primFontSz" for="des" forName="Child4" refType="primFontSz" refFor="des" refForName="Parent4" op="lte"/>
+              <dgm:constr type="primFontSz" for="des" forName="Child5" refType="primFontSz" refFor="des" refForName="Parent4" op="lte"/>
+              <dgm:constr type="primFontSz" for="des" forName="Child6" refType="primFontSz" refFor="des" refForName="Parent4" op="lte"/>
+              <dgm:constr type="primFontSz" for="des" forName="Child7" refType="primFontSz" refFor="des" refForName="Parent4" op="lte"/>
+              <dgm:constr type="primFontSz" for="des" forName="Child1" refType="primFontSz" refFor="des" refForName="Parent5" op="lte"/>
+              <dgm:constr type="primFontSz" for="des" forName="Child2" refType="primFontSz" refFor="des" refForName="Parent5" op="lte"/>
+              <dgm:constr type="primFontSz" for="des" forName="Child3" refType="primFontSz" refFor="des" refForName="Parent5" op="lte"/>
+              <dgm:constr type="primFontSz" for="des" forName="Child4" refType="primFontSz" refFor="des" refForName="Parent5" op="lte"/>
+              <dgm:constr type="primFontSz" for="des" forName="Child5" refType="primFontSz" refFor="des" refForName="Parent5" op="lte"/>
+              <dgm:constr type="primFontSz" for="des" forName="Child6" refType="primFontSz" refFor="des" refForName="Parent5" op="lte"/>
+              <dgm:constr type="primFontSz" for="des" forName="Child7" refType="primFontSz" refFor="des" refForName="Parent5" op="lte"/>
+              <dgm:constr type="primFontSz" for="des" forName="Child1" refType="primFontSz" refFor="des" refForName="Parent6" op="lte"/>
+              <dgm:constr type="primFontSz" for="des" forName="Child2" refType="primFontSz" refFor="des" refForName="Parent6" op="lte"/>
+              <dgm:constr type="primFontSz" for="des" forName="Child3" refType="primFontSz" refFor="des" refForName="Parent6" op="lte"/>
+              <dgm:constr type="primFontSz" for="des" forName="Child4" refType="primFontSz" refFor="des" refForName="Parent6" op="lte"/>
+              <dgm:constr type="primFontSz" for="des" forName="Child5" refType="primFontSz" refFor="des" refForName="Parent6" op="lte"/>
+              <dgm:constr type="primFontSz" for="des" forName="Child6" refType="primFontSz" refFor="des" refForName="Parent6" op="lte"/>
+              <dgm:constr type="primFontSz" for="des" forName="Child7" refType="primFontSz" refFor="des" refForName="Parent6" op="lte"/>
+              <dgm:constr type="primFontSz" for="des" forName="Child1" refType="primFontSz" refFor="des" refForName="Parent7" op="lte"/>
+              <dgm:constr type="primFontSz" for="des" forName="Child2" refType="primFontSz" refFor="des" refForName="Parent7" op="lte"/>
+              <dgm:constr type="primFontSz" for="des" forName="Child3" refType="primFontSz" refFor="des" refForName="Parent7" op="lte"/>
+              <dgm:constr type="primFontSz" for="des" forName="Child4" refType="primFontSz" refFor="des" refForName="Parent7" op="lte"/>
+              <dgm:constr type="primFontSz" for="des" forName="Child5" refType="primFontSz" refFor="des" refForName="Parent7" op="lte"/>
+              <dgm:constr type="primFontSz" for="des" forName="Child6" refType="primFontSz" refFor="des" refForName="Parent7" op="lte"/>
+              <dgm:constr type="primFontSz" for="des" forName="Child7" refType="primFontSz" refFor="des" refForName="Parent7" op="lte"/>
+              <dgm:constr type="primFontSz" for="des" forName="Parent2" refType="primFontSz" refFor="des" refForName="Parent1" op="equ"/>
+              <dgm:constr type="primFontSz" for="des" forName="Parent3" refType="primFontSz" refFor="des" refForName="Parent1" op="equ"/>
+              <dgm:constr type="primFontSz" for="des" forName="Parent4" refType="primFontSz" refFor="des" refForName="Parent1" op="equ"/>
+              <dgm:constr type="primFontSz" for="des" forName="Parent5" refType="primFontSz" refFor="des" refForName="Parent1" op="equ"/>
+              <dgm:constr type="primFontSz" for="des" forName="Parent6" refType="primFontSz" refFor="des" refForName="Parent1" op="equ"/>
+              <dgm:constr type="primFontSz" for="des" forName="Parent7" refType="primFontSz" refFor="des" refForName="Parent1" op="equ"/>
+              <dgm:constr type="primFontSz" for="des" forName="Child2" refType="primFontSz" refFor="des" refForName="Child1" op="equ"/>
+              <dgm:constr type="primFontSz" for="des" forName="Child3" refType="primFontSz" refFor="des" refForName="Child1" op="equ"/>
+              <dgm:constr type="primFontSz" for="des" forName="Child4" refType="primFontSz" refFor="des" refForName="Child1" op="equ"/>
+              <dgm:constr type="primFontSz" for="des" forName="Child5" refType="primFontSz" refFor="des" refForName="Child1" op="equ"/>
+              <dgm:constr type="primFontSz" for="des" forName="Child6" refType="primFontSz" refFor="des" refForName="Child1" op="equ"/>
+              <dgm:constr type="primFontSz" for="des" forName="Child7" refType="primFontSz" refFor="des" refForName="Child1" op="equ"/>
+              <dgm:constr type="l" for="ch" forName="Accent1" refType="w" fact="0"/>
+              <dgm:constr type="t" for="ch" forName="Accent1" refType="h" fact="0"/>
+              <dgm:constr type="w" for="ch" forName="Accent1" refType="w" fact="0.5331"/>
+              <dgm:constr type="h" for="ch" forName="Accent1" refType="h" fact="0.2284"/>
+              <dgm:constr type="l" for="ch" forName="Accent2" refType="w" fact="0.1481"/>
+              <dgm:constr type="t" for="ch" forName="Accent2" refType="h" fact="0.1312"/>
+              <dgm:constr type="w" for="ch" forName="Accent2" refType="w" fact="0.5331"/>
+              <dgm:constr type="h" for="ch" forName="Accent2" refType="h" fact="0.2284"/>
+              <dgm:constr type="l" for="ch" forName="Accent3" refType="w" fact="0"/>
+              <dgm:constr type="t" for="ch" forName="Accent3" refType="h" fact="0.263"/>
+              <dgm:constr type="w" for="ch" forName="Accent3" refType="w" fact="0.5331"/>
+              <dgm:constr type="h" for="ch" forName="Accent3" refType="h" fact="0.2284"/>
+              <dgm:constr type="l" for="ch" forName="Accent4" refType="w" fact="0.1481"/>
+              <dgm:constr type="t" for="ch" forName="Accent4" refType="h" fact="0.3945"/>
+              <dgm:constr type="w" for="ch" forName="Accent4" refType="w" fact="0.5331"/>
+              <dgm:constr type="h" for="ch" forName="Accent4" refType="h" fact="0.2284"/>
+              <dgm:constr type="l" for="ch" forName="Accent5" refType="w" fact="0"/>
+              <dgm:constr type="t" for="ch" forName="Accent5" refType="h" fact="0.5258"/>
+              <dgm:constr type="w" for="ch" forName="Accent5" refType="w" fact="0.5331"/>
+              <dgm:constr type="h" for="ch" forName="Accent5" refType="h" fact="0.2284"/>
+              <dgm:constr type="l" for="ch" forName="Accent6" refType="w" fact="0.1481"/>
+              <dgm:constr type="t" for="ch" forName="Accent6" refType="h" fact="0.6573"/>
+              <dgm:constr type="w" for="ch" forName="Accent6" refType="w" fact="0.5331"/>
+              <dgm:constr type="h" for="ch" forName="Accent6" refType="h" fact="0.2284"/>
+              <dgm:constr type="l" for="ch" forName="Accent7" refType="w" fact="0.0378"/>
+              <dgm:constr type="t" for="ch" forName="Accent7" refType="h" fact="0.8037"/>
+              <dgm:constr type="w" for="ch" forName="Accent7" refType="w" fact="0.458"/>
+              <dgm:constr type="h" for="ch" forName="Accent7" refType="h" fact="0.1963"/>
+              <dgm:constr type="l" for="ch" forName="Parent1" refType="w" fact="0.1171"/>
+              <dgm:constr type="t" for="ch" forName="Parent1" refType="h" fact="0.0827"/>
+              <dgm:constr type="w" for="ch" forName="Parent1" refType="w" fact="0.2975"/>
+              <dgm:constr type="h" for="ch" forName="Parent1" refType="h" fact="0.0637"/>
+              <dgm:constr type="l" for="ch" forName="Parent2" refType="w" fact="0.2658"/>
+              <dgm:constr type="t" for="ch" forName="Parent2" refType="h" fact="0.2142"/>
+              <dgm:constr type="w" for="ch" forName="Parent2" refType="w" fact="0.2975"/>
+              <dgm:constr type="h" for="ch" forName="Parent2" refType="h" fact="0.0637"/>
+              <dgm:constr type="l" for="ch" forName="Parent3" refType="w" fact="0.1171"/>
+              <dgm:constr type="t" for="ch" forName="Parent3" refType="h" fact="0.3457"/>
+              <dgm:constr type="w" for="ch" forName="Parent3" refType="w" fact="0.2975"/>
+              <dgm:constr type="h" for="ch" forName="Parent3" refType="h" fact="0.0637"/>
+              <dgm:constr type="l" for="ch" forName="Parent4" refType="w" fact="0.2658"/>
+              <dgm:constr type="t" for="ch" forName="Parent4" refType="h" fact="0.4772"/>
+              <dgm:constr type="w" for="ch" forName="Parent4" refType="w" fact="0.2975"/>
+              <dgm:constr type="h" for="ch" forName="Parent4" refType="h" fact="0.0637"/>
+              <dgm:constr type="l" for="ch" forName="Parent5" refType="w" fact="0.1171"/>
+              <dgm:constr type="t" for="ch" forName="Parent5" refType="h" fact="0.6085"/>
+              <dgm:constr type="w" for="ch" forName="Parent5" refType="w" fact="0.2975"/>
+              <dgm:constr type="h" for="ch" forName="Parent5" refType="h" fact="0.0637"/>
+              <dgm:constr type="l" for="ch" forName="Parent6" refType="w" fact="0.2658"/>
+              <dgm:constr type="t" for="ch" forName="Parent6" refType="h" fact="0.74"/>
+              <dgm:constr type="w" for="ch" forName="Parent6" refType="w" fact="0.2975"/>
+              <dgm:constr type="h" for="ch" forName="Parent6" refType="h" fact="0.0637"/>
+              <dgm:constr type="l" for="ch" forName="Parent7" refType="w" fact="0.1171"/>
+              <dgm:constr type="t" for="ch" forName="Parent7" refType="h" fact="0.8715"/>
+              <dgm:constr type="w" for="ch" forName="Parent7" refType="w" fact="0.2975"/>
+              <dgm:constr type="h" for="ch" forName="Parent7" refType="h" fact="0.0637"/>
+              <dgm:constr type="l" for="ch" forName="Child1" refType="w" fact="0.5348"/>
+              <dgm:constr type="t" for="ch" forName="Child1" refType="h" fact="0.0678"/>
+              <dgm:constr type="w" for="ch" forName="Child1" refType="w" fact="0.3196"/>
+              <dgm:constr type="h" for="ch" forName="Child1" refType="h" fact="0.0908"/>
+              <dgm:constr type="l" for="ch" forName="Child2" refType="w" fact="0.6804"/>
+              <dgm:constr type="t" for="ch" forName="Child2" refType="h" fact="0.2006"/>
+              <dgm:constr type="w" for="ch" forName="Child2" refType="w" fact="0.3196"/>
+              <dgm:constr type="h" for="ch" forName="Child2" refType="h" fact="0.0908"/>
+              <dgm:constr type="l" for="ch" forName="Child3" refType="w" fact="0.5348"/>
+              <dgm:constr type="t" for="ch" forName="Child3" refType="h" fact="0.3308"/>
+              <dgm:constr type="w" for="ch" forName="Child3" refType="w" fact="0.3196"/>
+              <dgm:constr type="h" for="ch" forName="Child3" refType="h" fact="0.0908"/>
+              <dgm:constr type="l" for="ch" forName="Child4" refType="w" fact="0.6804"/>
+              <dgm:constr type="t" for="ch" forName="Child4" refType="h" fact="0.4623"/>
+              <dgm:constr type="w" for="ch" forName="Child4" refType="w" fact="0.3196"/>
+              <dgm:constr type="h" for="ch" forName="Child4" refType="h" fact="0.0908"/>
+              <dgm:constr type="l" for="ch" forName="Child5" refType="w" fact="0.5348"/>
+              <dgm:constr type="t" for="ch" forName="Child5" refType="h" fact="0.5936"/>
+              <dgm:constr type="w" for="ch" forName="Child5" refType="w" fact="0.3196"/>
+              <dgm:constr type="h" for="ch" forName="Child5" refType="h" fact="0.0908"/>
+              <dgm:constr type="l" for="ch" forName="Child6" refType="w" fact="0.6804"/>
+              <dgm:constr type="t" for="ch" forName="Child6" refType="h" fact="0.7251"/>
+              <dgm:constr type="w" for="ch" forName="Child6" refType="w" fact="0.3196"/>
+              <dgm:constr type="h" for="ch" forName="Child6" refType="h" fact="0.0908"/>
+              <dgm:constr type="l" for="ch" forName="Child7" refType="w" fact="0.5348"/>
+              <dgm:constr type="t" for="ch" forName="Child7" refType="h" fact="0.8579"/>
+              <dgm:constr type="w" for="ch" forName="Child7" refType="w" fact="0.3196"/>
+              <dgm:constr type="h" for="ch" forName="Child7" refType="h" fact="0.0908"/>
+            </dgm:constrLst>
+          </dgm:else>
+        </dgm:choose>
+      </dgm:else>
+    </dgm:choose>
+    <dgm:forEach name="wrapper" axis="self" ptType="parTrans">
+      <dgm:forEach name="accentRepeat" axis="self">
+        <dgm:layoutNode name="Accent" styleLbl="node1">
+          <dgm:alg type="sp"/>
+          <dgm:choose name="Name20">
+            <dgm:if name="Name21" func="var" arg="dir" op="equ" val="norm">
+              <dgm:choose name="Name22">
+                <dgm:if name="Name23" axis="precedSib" ptType="node" func="cnt" op="equ" val="0">
+                  <dgm:choose name="Name24">
+                    <dgm:if name="Name25" axis="followSib" ptType="node" func="cnt" op="equ" val="0">
+                      <dgm:shape xmlns:r="http://schemas.openxmlformats.org/officeDocument/2006/relationships" type="circularArrow" r:blip="">
+                        <dgm:adjLst>
+                          <dgm:adj idx="1" val="0.1098"/>
+                          <dgm:adj idx="2" val="19.0387"/>
+                          <dgm:adj idx="3" val="150"/>
+                          <dgm:adj idx="4" val="180"/>
+                          <dgm:adj idx="5" val="0.125"/>
+                        </dgm:adjLst>
+                      </dgm:shape>
+                    </dgm:if>
+                    <dgm:else name="Name26">
+                      <dgm:shape xmlns:r="http://schemas.openxmlformats.org/officeDocument/2006/relationships" type="circularArrow" r:blip="">
+                        <dgm:adjLst>
+                          <dgm:adj idx="1" val="0.1098"/>
+                          <dgm:adj idx="2" val="19.0387"/>
+                          <dgm:adj idx="3" val="75"/>
+                          <dgm:adj idx="4" val="180"/>
+                          <dgm:adj idx="5" val="0.125"/>
+                        </dgm:adjLst>
+                      </dgm:shape>
+                    </dgm:else>
+                  </dgm:choose>
+                </dgm:if>
+                <dgm:else name="Name27">
+                  <dgm:choose name="Name28">
+                    <dgm:if name="Name29" axis="followSib" ptType="node" func="cnt" op="equ" val="0">
+                      <dgm:choose name="Name30">
+                        <dgm:if name="Name31" axis="precedSib" ptType="node" func="cnt" op="equ" val="1">
+                          <dgm:shape xmlns:r="http://schemas.openxmlformats.org/officeDocument/2006/relationships" type="blockArc" r:blip="">
+                            <dgm:adjLst>
+                              <dgm:adj idx="1" val="0"/>
+                              <dgm:adj idx="2" val="-45"/>
+                              <dgm:adj idx="3" val="0.1274"/>
+                            </dgm:adjLst>
+                          </dgm:shape>
+                        </dgm:if>
+                        <dgm:if name="Name32" axis="precedSib" ptType="node" func="cnt" op="equ" val="2">
+                          <dgm:shape xmlns:r="http://schemas.openxmlformats.org/officeDocument/2006/relationships" type="blockArc" r:blip="">
+                            <dgm:adjLst>
+                              <dgm:adj idx="1" val="-135"/>
+                              <dgm:adj idx="2" val="180"/>
+                              <dgm:adj idx="3" val="0.1274"/>
+                            </dgm:adjLst>
+                          </dgm:shape>
+                        </dgm:if>
+                        <dgm:if name="Name33" axis="precedSib" ptType="node" func="cnt" op="equ" val="3">
+                          <dgm:shape xmlns:r="http://schemas.openxmlformats.org/officeDocument/2006/relationships" type="blockArc" r:blip="">
+                            <dgm:adjLst>
+                              <dgm:adj idx="1" val="0"/>
+                              <dgm:adj idx="2" val="-45"/>
+                              <dgm:adj idx="3" val="0.1274"/>
+                            </dgm:adjLst>
+                          </dgm:shape>
+                        </dgm:if>
+                        <dgm:if name="Name34" axis="precedSib" ptType="node" func="cnt" op="equ" val="4">
+                          <dgm:shape xmlns:r="http://schemas.openxmlformats.org/officeDocument/2006/relationships" type="blockArc" r:blip="">
+                            <dgm:adjLst>
+                              <dgm:adj idx="1" val="-135"/>
+                              <dgm:adj idx="2" val="180"/>
+                              <dgm:adj idx="3" val="0.1274"/>
+                            </dgm:adjLst>
+                          </dgm:shape>
+                        </dgm:if>
+                        <dgm:if name="Name35" axis="precedSib" ptType="node" func="cnt" op="equ" val="5">
+                          <dgm:shape xmlns:r="http://schemas.openxmlformats.org/officeDocument/2006/relationships" type="blockArc" r:blip="">
+                            <dgm:adjLst>
+                              <dgm:adj idx="1" val="0"/>
+                              <dgm:adj idx="2" val="-45"/>
+                              <dgm:adj idx="3" val="0.1274"/>
+                            </dgm:adjLst>
+                          </dgm:shape>
+                        </dgm:if>
+                        <dgm:if name="Name36" axis="precedSib" ptType="node" func="cnt" op="equ" val="6">
+                          <dgm:shape xmlns:r="http://schemas.openxmlformats.org/officeDocument/2006/relationships" type="blockArc" r:blip="">
+                            <dgm:adjLst>
+                              <dgm:adj idx="1" val="-135"/>
+                              <dgm:adj idx="2" val="180"/>
+                              <dgm:adj idx="3" val="0.1274"/>
+                            </dgm:adjLst>
+                          </dgm:shape>
+                        </dgm:if>
+                        <dgm:else name="Name37"/>
+                      </dgm:choose>
+                    </dgm:if>
+                    <dgm:else name="Name38">
+                      <dgm:choose name="Name39">
+                        <dgm:if name="Name40" axis="precedSib" ptType="node" func="cnt" op="equ" val="0">
+                          <dgm:shape xmlns:r="http://schemas.openxmlformats.org/officeDocument/2006/relationships" type="blockArc" r:blip="">
+                            <dgm:adjLst>
+                              <dgm:adj idx="1" val="-133.1632"/>
+                              <dgm:adj idx="2" val="65"/>
+                              <dgm:adj idx="3" val="0.13"/>
+                            </dgm:adjLst>
+                          </dgm:shape>
+                        </dgm:if>
+                        <dgm:if name="Name41" axis="precedSib" ptType="node" func="cnt" op="equ" val="1">
+                          <dgm:shape xmlns:r="http://schemas.openxmlformats.org/officeDocument/2006/relationships" type="leftCircularArrow" r:blip="">
+                            <dgm:adjLst>
+                              <dgm:adj idx="1" val="0.1098"/>
+                              <dgm:adj idx="2" val="19.0387"/>
+                              <dgm:adj idx="3" val="105"/>
+                              <dgm:adj idx="4" val="-45"/>
+                              <dgm:adj idx="5" val="0.125"/>
+                            </dgm:adjLst>
+                          </dgm:shape>
+                        </dgm:if>
+                        <dgm:if name="Name42" axis="precedSib" ptType="node" func="cnt" op="equ" val="2">
+                          <dgm:shape xmlns:r="http://schemas.openxmlformats.org/officeDocument/2006/relationships" type="circularArrow" r:blip="">
+                            <dgm:adjLst>
+                              <dgm:adj idx="1" val="0.1098"/>
+                              <dgm:adj idx="2" val="19.0387"/>
+                              <dgm:adj idx="3" val="75"/>
+                              <dgm:adj idx="4" val="-135"/>
+                              <dgm:adj idx="5" val="0.125"/>
+                            </dgm:adjLst>
+                          </dgm:shape>
+                        </dgm:if>
+                        <dgm:if name="Name43" axis="precedSib" ptType="node" func="cnt" op="equ" val="3">
+                          <dgm:shape xmlns:r="http://schemas.openxmlformats.org/officeDocument/2006/relationships" type="leftCircularArrow" r:blip="">
+                            <dgm:adjLst>
+                              <dgm:adj idx="1" val="0.1098"/>
+                              <dgm:adj idx="2" val="19.0387"/>
+                              <dgm:adj idx="3" val="105"/>
+                              <dgm:adj idx="4" val="-45"/>
+                              <dgm:adj idx="5" val="0.125"/>
+                            </dgm:adjLst>
+                          </dgm:shape>
+                        </dgm:if>
+                        <dgm:if name="Name44" axis="precedSib" ptType="node" func="cnt" op="equ" val="4">
+                          <dgm:shape xmlns:r="http://schemas.openxmlformats.org/officeDocument/2006/relationships" type="circularArrow" r:blip="">
+                            <dgm:adjLst>
+                              <dgm:adj idx="1" val="0.1098"/>
+                              <dgm:adj idx="2" val="19.0387"/>
+                              <dgm:adj idx="3" val="75"/>
+                              <dgm:adj idx="4" val="-135"/>
+                              <dgm:adj idx="5" val="0.125"/>
+                            </dgm:adjLst>
+                          </dgm:shape>
+                        </dgm:if>
+                        <dgm:if name="Name45" axis="precedSib" ptType="node" func="cnt" op="equ" val="5">
+                          <dgm:shape xmlns:r="http://schemas.openxmlformats.org/officeDocument/2006/relationships" type="leftCircularArrow" r:blip="">
+                            <dgm:adjLst>
+                              <dgm:adj idx="1" val="0.1098"/>
+                              <dgm:adj idx="2" val="19.0387"/>
+                              <dgm:adj idx="3" val="105"/>
+                              <dgm:adj idx="4" val="-45"/>
+                              <dgm:adj idx="5" val="0.125"/>
+                            </dgm:adjLst>
+                          </dgm:shape>
+                        </dgm:if>
+                        <dgm:if name="Name46" axis="precedSib" ptType="node" func="cnt" op="equ" val="6">
+                          <dgm:shape xmlns:r="http://schemas.openxmlformats.org/officeDocument/2006/relationships" type="blockArc" r:blip="">
+                            <dgm:adjLst>
+                              <dgm:adj idx="1" val="-135"/>
+                              <dgm:adj idx="2" val="180"/>
+                              <dgm:adj idx="3" val="0.1274"/>
+                            </dgm:adjLst>
+                          </dgm:shape>
+                        </dgm:if>
+                        <dgm:else name="Name47"/>
+                      </dgm:choose>
+                    </dgm:else>
+                  </dgm:choose>
+                </dgm:else>
+              </dgm:choose>
+            </dgm:if>
+            <dgm:else name="Name48">
+              <dgm:choose name="Name49">
+                <dgm:if name="Name50" axis="precedSib" ptType="node" func="cnt" op="equ" val="0">
+                  <dgm:choose name="Name51">
+                    <dgm:if name="Name52" axis="followSib" ptType="node" func="cnt" op="equ" val="0">
+                      <dgm:shape xmlns:r="http://schemas.openxmlformats.org/officeDocument/2006/relationships" type="leftCircularArrow" r:blip="">
+                        <dgm:adjLst>
+                          <dgm:adj idx="1" val="0.1098"/>
+                          <dgm:adj idx="2" val="19.0387"/>
+                          <dgm:adj idx="3" val="30"/>
+                          <dgm:adj idx="4" val="0"/>
+                          <dgm:adj idx="5" val="0.125"/>
+                        </dgm:adjLst>
+                      </dgm:shape>
+                    </dgm:if>
+                    <dgm:else name="Name53">
+                      <dgm:shape xmlns:r="http://schemas.openxmlformats.org/officeDocument/2006/relationships" type="leftCircularArrow" r:blip="">
+                        <dgm:adjLst>
+                          <dgm:adj idx="1" val="0.1098"/>
+                          <dgm:adj idx="2" val="19.0387"/>
+                          <dgm:adj idx="3" val="105"/>
+                          <dgm:adj idx="4" val="0"/>
+                          <dgm:adj idx="5" val="0.125"/>
+                        </dgm:adjLst>
+                      </dgm:shape>
+                    </dgm:else>
+                  </dgm:choose>
+                </dgm:if>
+                <dgm:else name="Name54">
+                  <dgm:choose name="Name55">
+                    <dgm:if name="Name56" axis="followSib" ptType="node" func="cnt" op="equ" val="0">
+                      <dgm:choose name="Name57">
+                        <dgm:if name="Name58" axis="precedSib" ptType="node" func="cnt" op="equ" val="1">
+                          <dgm:shape xmlns:r="http://schemas.openxmlformats.org/officeDocument/2006/relationships" type="blockArc" r:blip="">
+                            <dgm:adjLst>
+                              <dgm:adj idx="1" val="-135"/>
+                              <dgm:adj idx="2" val="180"/>
+                              <dgm:adj idx="3" val="0.1274"/>
+                            </dgm:adjLst>
+                          </dgm:shape>
+                        </dgm:if>
+                        <dgm:if name="Name59" axis="precedSib" ptType="node" func="cnt" op="equ" val="2">
+                          <dgm:shape xmlns:r="http://schemas.openxmlformats.org/officeDocument/2006/relationships" type="blockArc" r:blip="">
+                            <dgm:adjLst>
+                              <dgm:adj idx="1" val="0"/>
+                              <dgm:adj idx="2" val="-45"/>
+                              <dgm:adj idx="3" val="0.1274"/>
+                            </dgm:adjLst>
+                          </dgm:shape>
+                        </dgm:if>
+                        <dgm:if name="Name60" axis="precedSib" ptType="node" func="cnt" op="equ" val="3">
+                          <dgm:shape xmlns:r="http://schemas.openxmlformats.org/officeDocument/2006/relationships" type="blockArc" r:blip="">
+                            <dgm:adjLst>
+                              <dgm:adj idx="1" val="-135"/>
+                              <dgm:adj idx="2" val="180"/>
+                              <dgm:adj idx="3" val="0.1274"/>
+                            </dgm:adjLst>
+                          </dgm:shape>
+                        </dgm:if>
+                        <dgm:if name="Name61" axis="precedSib" ptType="node" func="cnt" op="equ" val="4">
+                          <dgm:shape xmlns:r="http://schemas.openxmlformats.org/officeDocument/2006/relationships" type="blockArc" r:blip="">
+                            <dgm:adjLst>
+                              <dgm:adj idx="1" val="0"/>
+                              <dgm:adj idx="2" val="-45"/>
+                              <dgm:adj idx="3" val="0.1274"/>
+                            </dgm:adjLst>
+                          </dgm:shape>
+                        </dgm:if>
+                        <dgm:if name="Name62" axis="precedSib" ptType="node" func="cnt" op="equ" val="5">
+                          <dgm:shape xmlns:r="http://schemas.openxmlformats.org/officeDocument/2006/relationships" type="blockArc" r:blip="">
+                            <dgm:adjLst>
+                              <dgm:adj idx="1" val="-135"/>
+                              <dgm:adj idx="2" val="180"/>
+                              <dgm:adj idx="3" val="0.1274"/>
+                            </dgm:adjLst>
+                          </dgm:shape>
+                        </dgm:if>
+                        <dgm:if name="Name63" axis="precedSib" ptType="node" func="cnt" op="equ" val="6">
+                          <dgm:shape xmlns:r="http://schemas.openxmlformats.org/officeDocument/2006/relationships" type="blockArc" r:blip="">
+                            <dgm:adjLst>
+                              <dgm:adj idx="1" val="0"/>
+                              <dgm:adj idx="2" val="-45"/>
+                              <dgm:adj idx="3" val="0.1274"/>
+                            </dgm:adjLst>
+                          </dgm:shape>
+                        </dgm:if>
+                        <dgm:else name="Name64"/>
+                      </dgm:choose>
+                    </dgm:if>
+                    <dgm:else name="Name65">
+                      <dgm:choose name="Name66">
+                        <dgm:if name="Name67" axis="precedSib" ptType="node" func="cnt" op="equ" val="0">
+                          <dgm:shape xmlns:r="http://schemas.openxmlformats.org/officeDocument/2006/relationships" type="blockArc" r:blip="">
+                            <dgm:adjLst>
+                              <dgm:adj idx="1" val="-133.1632"/>
+                              <dgm:adj idx="2" val="65"/>
+                              <dgm:adj idx="3" val="0.13"/>
+                            </dgm:adjLst>
+                          </dgm:shape>
+                        </dgm:if>
+                        <dgm:if name="Name68" axis="precedSib" ptType="node" func="cnt" op="equ" val="1">
+                          <dgm:shape xmlns:r="http://schemas.openxmlformats.org/officeDocument/2006/relationships" type="circularArrow" r:blip="">
+                            <dgm:adjLst>
+                              <dgm:adj idx="1" val="0.1098"/>
+                              <dgm:adj idx="2" val="19.0387"/>
+                              <dgm:adj idx="3" val="75"/>
+                              <dgm:adj idx="4" val="-135"/>
+                              <dgm:adj idx="5" val="0.125"/>
+                            </dgm:adjLst>
+                          </dgm:shape>
+                        </dgm:if>
+                        <dgm:if name="Name69" axis="precedSib" ptType="node" func="cnt" op="equ" val="2">
+                          <dgm:shape xmlns:r="http://schemas.openxmlformats.org/officeDocument/2006/relationships" type="leftCircularArrow" r:blip="">
+                            <dgm:adjLst>
+                              <dgm:adj idx="1" val="0.1098"/>
+                              <dgm:adj idx="2" val="19.0387"/>
+                              <dgm:adj idx="3" val="105"/>
+                              <dgm:adj idx="4" val="-45"/>
+                              <dgm:adj idx="5" val="0.125"/>
+                            </dgm:adjLst>
+                          </dgm:shape>
+                        </dgm:if>
+                        <dgm:if name="Name70" axis="precedSib" ptType="node" func="cnt" op="equ" val="3">
+                          <dgm:shape xmlns:r="http://schemas.openxmlformats.org/officeDocument/2006/relationships" type="circularArrow" r:blip="">
+                            <dgm:adjLst>
+                              <dgm:adj idx="1" val="0.1098"/>
+                              <dgm:adj idx="2" val="19.0387"/>
+                              <dgm:adj idx="3" val="75"/>
+                              <dgm:adj idx="4" val="-135"/>
+                              <dgm:adj idx="5" val="0.125"/>
+                            </dgm:adjLst>
+                          </dgm:shape>
+                        </dgm:if>
+                        <dgm:if name="Name71" axis="precedSib" ptType="node" func="cnt" op="equ" val="4">
+                          <dgm:shape xmlns:r="http://schemas.openxmlformats.org/officeDocument/2006/relationships" type="leftCircularArrow" r:blip="">
+                            <dgm:adjLst>
+                              <dgm:adj idx="1" val="0.1098"/>
+                              <dgm:adj idx="2" val="19.0387"/>
+                              <dgm:adj idx="3" val="105"/>
+                              <dgm:adj idx="4" val="-45"/>
+                              <dgm:adj idx="5" val="0.125"/>
+                            </dgm:adjLst>
+                          </dgm:shape>
+                        </dgm:if>
+                        <dgm:if name="Name72" axis="precedSib" ptType="node" func="cnt" op="equ" val="5">
+                          <dgm:shape xmlns:r="http://schemas.openxmlformats.org/officeDocument/2006/relationships" type="circularArrow" r:blip="">
+                            <dgm:adjLst>
+                              <dgm:adj idx="1" val="0.1098"/>
+                              <dgm:adj idx="2" val="19.0387"/>
+                              <dgm:adj idx="3" val="75"/>
+                              <dgm:adj idx="4" val="-135"/>
+                              <dgm:adj idx="5" val="0.125"/>
+                            </dgm:adjLst>
+                          </dgm:shape>
+                        </dgm:if>
+                        <dgm:if name="Name73" axis="precedSib" ptType="node" func="cnt" op="equ" val="6">
+                          <dgm:shape xmlns:r="http://schemas.openxmlformats.org/officeDocument/2006/relationships" type="blockArc" r:blip="">
+                            <dgm:adjLst>
+                              <dgm:adj idx="1" val="0"/>
+                              <dgm:adj idx="2" val="-45"/>
+                              <dgm:adj idx="3" val="0.1274"/>
+                            </dgm:adjLst>
+                          </dgm:shape>
+                        </dgm:if>
+                        <dgm:else name="Name74"/>
+                      </dgm:choose>
+                    </dgm:else>
+                  </dgm:choose>
+                </dgm:else>
+              </dgm:choose>
+            </dgm:else>
+          </dgm:choose>
+          <dgm:presOf/>
+        </dgm:layoutNode>
+      </dgm:forEach>
+    </dgm:forEach>
+    <dgm:forEach name="Name75" axis="ch" ptType="node" cnt="1">
+      <dgm:layoutNode name="Accent1">
+        <dgm:alg type="sp"/>
+        <dgm:shape xmlns:r="http://schemas.openxmlformats.org/officeDocument/2006/relationships" r:blip="">
+          <dgm:adjLst/>
+        </dgm:shape>
+        <dgm:presOf/>
+        <dgm:constrLst/>
+        <dgm:forEach name="Name76" ref="accentRepeat"/>
+      </dgm:layoutNode>
+      <dgm:choose name="Name77">
+        <dgm:if name="Name78" axis="ch" ptType="node" func="cnt" op="gte" val="1">
+          <dgm:layoutNode name="Child1" styleLbl="revTx">
+            <dgm:varLst>
+              <dgm:chMax val="0"/>
+              <dgm:chPref val="0"/>
+              <dgm:bulletEnabled val="1"/>
+            </dgm:varLst>
+            <dgm:alg type="tx">
+              <dgm:param type="stBulletLvl" val="1"/>
+              <dgm:param type="parTxLTRAlign" val="l"/>
+              <dgm:param type="txAnchorVertCh" val="mid"/>
+            </dgm:alg>
+            <dgm:shape xmlns:r="http://schemas.openxmlformats.org/officeDocument/2006/relationships" type="rect" r:blip="">
+              <dgm:adjLst/>
+            </dgm:shape>
+            <dgm:presOf axis="des" ptType="node"/>
+            <dgm:constrLst>
+              <dgm:constr type="lMarg" refType="primFontSz" fact="0.05"/>
+              <dgm:constr type="rMarg" refType="primFontSz" fact="0.05"/>
+              <dgm:constr type="tMarg" refType="primFontSz" fact="0.05"/>
+              <dgm:constr type="bMarg" refType="primFontSz" fact="0.05"/>
+            </dgm:constrLst>
+            <dgm:ruleLst>
+              <dgm:rule type="primFontSz" val="5" fact="NaN" max="NaN"/>
+            </dgm:ruleLst>
+          </dgm:layoutNode>
+        </dgm:if>
+        <dgm:else name="Name79"/>
+      </dgm:choose>
+      <dgm:layoutNode name="Parent1" styleLbl="revTx">
+        <dgm:varLst>
+          <dgm:chMax val="1"/>
+          <dgm:chPref val="1"/>
+          <dgm:bulletEnabled val="1"/>
+        </dgm:varLst>
+        <dgm:alg type="tx">
+          <dgm:param type="shpTxLTRAlignCh" val="ctr"/>
+          <dgm:param type="txAnchorVertCh" val="mid"/>
+        </dgm:alg>
+        <dgm:shape xmlns:r="http://schemas.openxmlformats.org/officeDocument/2006/relationships" type="rect" r:blip="">
+          <dgm:adjLst/>
+        </dgm:shape>
+        <dgm:presOf axis="self" ptType="node"/>
+        <dgm:constrLst>
+          <dgm:constr type="lMarg" refType="primFontSz" fact="0.05"/>
+          <dgm:constr type="rMarg" refType="primFontSz" fact="0.05"/>
+          <dgm:constr type="tMarg" refType="primFontSz" fact="0.05"/>
+          <dgm:constr type="bMarg" refType="primFontSz" fact="0.05"/>
+        </dgm:constrLst>
+        <dgm:ruleLst>
+          <dgm:rule type="primFontSz" val="5" fact="NaN" max="NaN"/>
+        </dgm:ruleLst>
+      </dgm:layoutNode>
+    </dgm:forEach>
+    <dgm:forEach name="Name80" axis="ch" ptType="node" st="2" cnt="1">
+      <dgm:layoutNode name="Accent2">
+        <dgm:alg type="sp"/>
+        <dgm:shape xmlns:r="http://schemas.openxmlformats.org/officeDocument/2006/relationships" r:blip="">
+          <dgm:adjLst/>
+        </dgm:shape>
+        <dgm:presOf/>
+        <dgm:constrLst/>
+        <dgm:forEach name="Name81" ref="accentRepeat"/>
+      </dgm:layoutNode>
+      <dgm:choose name="Name82">
+        <dgm:if name="Name83" axis="ch" ptType="node" func="cnt" op="gte" val="1">
+          <dgm:layoutNode name="Child2" styleLbl="revTx">
+            <dgm:varLst>
+              <dgm:chMax val="0"/>
+              <dgm:chPref val="0"/>
+              <dgm:bulletEnabled val="1"/>
+            </dgm:varLst>
+            <dgm:alg type="tx">
+              <dgm:param type="stBulletLvl" val="1"/>
+              <dgm:param type="parTxLTRAlign" val="l"/>
+              <dgm:param type="txAnchorVertCh" val="mid"/>
+            </dgm:alg>
+            <dgm:shape xmlns:r="http://schemas.openxmlformats.org/officeDocument/2006/relationships" type="rect" r:blip="">
+              <dgm:adjLst/>
+            </dgm:shape>
+            <dgm:presOf axis="des" ptType="node"/>
+            <dgm:constrLst>
+              <dgm:constr type="lMarg" refType="primFontSz" fact="0.05"/>
+              <dgm:constr type="rMarg" refType="primFontSz" fact="0.05"/>
+              <dgm:constr type="tMarg" refType="primFontSz" fact="0.05"/>
+              <dgm:constr type="bMarg" refType="primFontSz" fact="0.05"/>
+            </dgm:constrLst>
+            <dgm:ruleLst>
+              <dgm:rule type="primFontSz" val="5" fact="NaN" max="NaN"/>
+            </dgm:ruleLst>
+          </dgm:layoutNode>
+        </dgm:if>
+        <dgm:else name="Name84"/>
+      </dgm:choose>
+      <dgm:layoutNode name="Parent2" styleLbl="revTx">
+        <dgm:varLst>
+          <dgm:chMax val="1"/>
+          <dgm:chPref val="1"/>
+          <dgm:bulletEnabled val="1"/>
+        </dgm:varLst>
+        <dgm:alg type="tx">
+          <dgm:param type="shpTxLTRAlignCh" val="ctr"/>
+          <dgm:param type="txAnchorVertCh" val="mid"/>
+        </dgm:alg>
+        <dgm:shape xmlns:r="http://schemas.openxmlformats.org/officeDocument/2006/relationships" type="rect" r:blip="">
+          <dgm:adjLst/>
+        </dgm:shape>
+        <dgm:presOf axis="self" ptType="node"/>
+        <dgm:constrLst>
+          <dgm:constr type="lMarg" refType="primFontSz" fact="0.05"/>
+          <dgm:constr type="rMarg" refType="primFontSz" fact="0.05"/>
+          <dgm:constr type="tMarg" refType="primFontSz" fact="0.05"/>
+          <dgm:constr type="bMarg" refType="primFontSz" fact="0.05"/>
+        </dgm:constrLst>
+        <dgm:ruleLst>
+          <dgm:rule type="primFontSz" val="5" fact="NaN" max="NaN"/>
+        </dgm:ruleLst>
+      </dgm:layoutNode>
+    </dgm:forEach>
+    <dgm:forEach name="Name85" axis="ch" ptType="node" st="3" cnt="1">
+      <dgm:layoutNode name="Accent3">
+        <dgm:alg type="sp"/>
+        <dgm:shape xmlns:r="http://schemas.openxmlformats.org/officeDocument/2006/relationships" r:blip="">
+          <dgm:adjLst/>
+        </dgm:shape>
+        <dgm:presOf/>
+        <dgm:constrLst/>
+        <dgm:forEach name="Name86" ref="accentRepeat"/>
+      </dgm:layoutNode>
+      <dgm:choose name="Name87">
+        <dgm:if name="Name88" axis="ch" ptType="node" func="cnt" op="gte" val="1">
+          <dgm:layoutNode name="Child3" styleLbl="revTx">
+            <dgm:varLst>
+              <dgm:chMax val="0"/>
+              <dgm:chPref val="0"/>
+              <dgm:bulletEnabled val="1"/>
+            </dgm:varLst>
+            <dgm:alg type="tx">
+              <dgm:param type="stBulletLvl" val="1"/>
+              <dgm:param type="parTxLTRAlign" val="l"/>
+              <dgm:param type="txAnchorVertCh" val="mid"/>
+            </dgm:alg>
+            <dgm:shape xmlns:r="http://schemas.openxmlformats.org/officeDocument/2006/relationships" type="rect" r:blip="">
+              <dgm:adjLst/>
+            </dgm:shape>
+            <dgm:presOf axis="des" ptType="node"/>
+            <dgm:constrLst>
+              <dgm:constr type="lMarg" refType="primFontSz" fact="0.05"/>
+              <dgm:constr type="rMarg" refType="primFontSz" fact="0.05"/>
+              <dgm:constr type="tMarg" refType="primFontSz" fact="0.05"/>
+              <dgm:constr type="bMarg" refType="primFontSz" fact="0.05"/>
+            </dgm:constrLst>
+            <dgm:ruleLst>
+              <dgm:rule type="primFontSz" val="5" fact="NaN" max="NaN"/>
+            </dgm:ruleLst>
+          </dgm:layoutNode>
+        </dgm:if>
+        <dgm:else name="Name89"/>
+      </dgm:choose>
+      <dgm:layoutNode name="Parent3" styleLbl="revTx">
+        <dgm:varLst>
+          <dgm:chMax val="1"/>
+          <dgm:chPref val="1"/>
+          <dgm:bulletEnabled val="1"/>
+        </dgm:varLst>
+        <dgm:alg type="tx">
+          <dgm:param type="shpTxLTRAlignCh" val="ctr"/>
+          <dgm:param type="txAnchorVertCh" val="mid"/>
+        </dgm:alg>
+        <dgm:shape xmlns:r="http://schemas.openxmlformats.org/officeDocument/2006/relationships" type="rect" r:blip="">
+          <dgm:adjLst/>
+        </dgm:shape>
+        <dgm:presOf axis="self" ptType="node"/>
+        <dgm:constrLst>
+          <dgm:constr type="lMarg" refType="primFontSz" fact="0.05"/>
+          <dgm:constr type="rMarg" refType="primFontSz" fact="0.05"/>
+          <dgm:constr type="tMarg" refType="primFontSz" fact="0.05"/>
+          <dgm:constr type="bMarg" refType="primFontSz" fact="0.05"/>
+        </dgm:constrLst>
+        <dgm:ruleLst>
+          <dgm:rule type="primFontSz" val="5" fact="NaN" max="NaN"/>
+        </dgm:ruleLst>
+      </dgm:layoutNode>
+    </dgm:forEach>
+    <dgm:forEach name="Name90" axis="ch" ptType="node" st="4" cnt="1">
+      <dgm:layoutNode name="Accent4">
+        <dgm:alg type="sp"/>
+        <dgm:shape xmlns:r="http://schemas.openxmlformats.org/officeDocument/2006/relationships" r:blip="">
+          <dgm:adjLst/>
+        </dgm:shape>
+        <dgm:presOf/>
+        <dgm:constrLst/>
+        <dgm:forEach name="Name91" ref="accentRepeat"/>
+      </dgm:layoutNode>
+      <dgm:choose name="Name92">
+        <dgm:if name="Name93" axis="ch" ptType="node" func="cnt" op="gte" val="1">
+          <dgm:layoutNode name="Child4" styleLbl="revTx">
+            <dgm:varLst>
+              <dgm:chMax val="0"/>
+              <dgm:chPref val="0"/>
+              <dgm:bulletEnabled val="1"/>
+            </dgm:varLst>
+            <dgm:alg type="tx">
+              <dgm:param type="stBulletLvl" val="1"/>
+              <dgm:param type="parTxLTRAlign" val="l"/>
+              <dgm:param type="txAnchorVertCh" val="mid"/>
+            </dgm:alg>
+            <dgm:shape xmlns:r="http://schemas.openxmlformats.org/officeDocument/2006/relationships" type="rect" r:blip="">
+              <dgm:adjLst/>
+            </dgm:shape>
+            <dgm:presOf axis="des" ptType="node"/>
+            <dgm:constrLst>
+              <dgm:constr type="lMarg" refType="primFontSz" fact="0.05"/>
+              <dgm:constr type="rMarg" refType="primFontSz" fact="0.05"/>
+              <dgm:constr type="tMarg" refType="primFontSz" fact="0.05"/>
+              <dgm:constr type="bMarg" refType="primFontSz" fact="0.05"/>
+            </dgm:constrLst>
+            <dgm:ruleLst>
+              <dgm:rule type="primFontSz" val="5" fact="NaN" max="NaN"/>
+            </dgm:ruleLst>
+          </dgm:layoutNode>
+        </dgm:if>
+        <dgm:else name="Name94"/>
+      </dgm:choose>
+      <dgm:layoutNode name="Parent4" styleLbl="revTx">
+        <dgm:varLst>
+          <dgm:chMax val="1"/>
+          <dgm:chPref val="1"/>
+          <dgm:bulletEnabled val="1"/>
+        </dgm:varLst>
+        <dgm:alg type="tx">
+          <dgm:param type="shpTxLTRAlignCh" val="ctr"/>
+          <dgm:param type="txAnchorVertCh" val="mid"/>
+        </dgm:alg>
+        <dgm:shape xmlns:r="http://schemas.openxmlformats.org/officeDocument/2006/relationships" type="rect" r:blip="">
+          <dgm:adjLst/>
+        </dgm:shape>
+        <dgm:presOf axis="self" ptType="node"/>
+        <dgm:constrLst>
+          <dgm:constr type="lMarg" refType="primFontSz" fact="0.05"/>
+          <dgm:constr type="rMarg" refType="primFontSz" fact="0.05"/>
+          <dgm:constr type="tMarg" refType="primFontSz" fact="0.05"/>
+          <dgm:constr type="bMarg" refType="primFontSz" fact="0.05"/>
+        </dgm:constrLst>
+        <dgm:ruleLst>
+          <dgm:rule type="primFontSz" val="5" fact="NaN" max="NaN"/>
+        </dgm:ruleLst>
+      </dgm:layoutNode>
+    </dgm:forEach>
+    <dgm:forEach name="Name95" axis="ch" ptType="node" st="5" cnt="1">
+      <dgm:layoutNode name="Accent5">
+        <dgm:alg type="sp"/>
+        <dgm:shape xmlns:r="http://schemas.openxmlformats.org/officeDocument/2006/relationships" r:blip="">
+          <dgm:adjLst/>
+        </dgm:shape>
+        <dgm:presOf/>
+        <dgm:constrLst/>
+        <dgm:forEach name="Name96" ref="accentRepeat"/>
+      </dgm:layoutNode>
+      <dgm:choose name="Name97">
+        <dgm:if name="Name98" axis="ch" ptType="node" func="cnt" op="gte" val="1">
+          <dgm:layoutNode name="Child5" styleLbl="revTx">
+            <dgm:varLst>
+              <dgm:chMax val="0"/>
+              <dgm:chPref val="0"/>
+              <dgm:bulletEnabled val="1"/>
+            </dgm:varLst>
+            <dgm:alg type="tx">
+              <dgm:param type="stBulletLvl" val="1"/>
+              <dgm:param type="parTxLTRAlign" val="l"/>
+              <dgm:param type="txAnchorVertCh" val="mid"/>
+            </dgm:alg>
+            <dgm:shape xmlns:r="http://schemas.openxmlformats.org/officeDocument/2006/relationships" type="rect" r:blip="">
+              <dgm:adjLst/>
+            </dgm:shape>
+            <dgm:presOf axis="des" ptType="node"/>
+            <dgm:constrLst>
+              <dgm:constr type="lMarg" refType="primFontSz" fact="0.05"/>
+              <dgm:constr type="rMarg" refType="primFontSz" fact="0.05"/>
+              <dgm:constr type="tMarg" refType="primFontSz" fact="0.05"/>
+              <dgm:constr type="bMarg" refType="primFontSz" fact="0.05"/>
+            </dgm:constrLst>
+            <dgm:ruleLst>
+              <dgm:rule type="primFontSz" val="5" fact="NaN" max="NaN"/>
+            </dgm:ruleLst>
+          </dgm:layoutNode>
+        </dgm:if>
+        <dgm:else name="Name99"/>
+      </dgm:choose>
+      <dgm:layoutNode name="Parent5" styleLbl="revTx">
+        <dgm:varLst>
+          <dgm:chMax val="1"/>
+          <dgm:chPref val="1"/>
+          <dgm:bulletEnabled val="1"/>
+        </dgm:varLst>
+        <dgm:alg type="tx">
+          <dgm:param type="shpTxLTRAlignCh" val="ctr"/>
+          <dgm:param type="txAnchorVertCh" val="mid"/>
+        </dgm:alg>
+        <dgm:shape xmlns:r="http://schemas.openxmlformats.org/officeDocument/2006/relationships" type="rect" r:blip="">
+          <dgm:adjLst/>
+        </dgm:shape>
+        <dgm:presOf axis="self" ptType="node"/>
+        <dgm:constrLst>
+          <dgm:constr type="lMarg" refType="primFontSz" fact="0.05"/>
+          <dgm:constr type="rMarg" refType="primFontSz" fact="0.05"/>
+          <dgm:constr type="tMarg" refType="primFontSz" fact="0.05"/>
+          <dgm:constr type="bMarg" refType="primFontSz" fact="0.05"/>
+        </dgm:constrLst>
+        <dgm:ruleLst>
+          <dgm:rule type="primFontSz" val="5" fact="NaN" max="NaN"/>
+        </dgm:ruleLst>
+      </dgm:layoutNode>
+    </dgm:forEach>
+    <dgm:forEach name="Name100" axis="ch" ptType="node" st="6" cnt="1">
+      <dgm:layoutNode name="Accent6">
+        <dgm:alg type="sp"/>
+        <dgm:shape xmlns:r="http://schemas.openxmlformats.org/officeDocument/2006/relationships" r:blip="">
+          <dgm:adjLst/>
+        </dgm:shape>
+        <dgm:presOf/>
+        <dgm:constrLst/>
+        <dgm:forEach name="Name101" ref="accentRepeat"/>
+      </dgm:layoutNode>
+      <dgm:choose name="Name102">
+        <dgm:if name="Name103" axis="ch" ptType="node" func="cnt" op="gte" val="1">
+          <dgm:layoutNode name="Child6" styleLbl="revTx">
+            <dgm:varLst>
+              <dgm:chMax val="0"/>
+              <dgm:chPref val="0"/>
+              <dgm:bulletEnabled val="1"/>
+            </dgm:varLst>
+            <dgm:alg type="tx">
+              <dgm:param type="stBulletLvl" val="1"/>
+              <dgm:param type="parTxLTRAlign" val="l"/>
+              <dgm:param type="txAnchorVertCh" val="mid"/>
+            </dgm:alg>
+            <dgm:shape xmlns:r="http://schemas.openxmlformats.org/officeDocument/2006/relationships" type="rect" r:blip="">
+              <dgm:adjLst/>
+            </dgm:shape>
+            <dgm:presOf axis="des" ptType="node"/>
+            <dgm:constrLst>
+              <dgm:constr type="lMarg" refType="primFontSz" fact="0.05"/>
+              <dgm:constr type="rMarg" refType="primFontSz" fact="0.05"/>
+              <dgm:constr type="tMarg" refType="primFontSz" fact="0.05"/>
+              <dgm:constr type="bMarg" refType="primFontSz" fact="0.05"/>
+            </dgm:constrLst>
+            <dgm:ruleLst>
+              <dgm:rule type="primFontSz" val="5" fact="NaN" max="NaN"/>
+            </dgm:ruleLst>
+          </dgm:layoutNode>
+        </dgm:if>
+        <dgm:else name="Name104"/>
+      </dgm:choose>
+      <dgm:layoutNode name="Parent6" styleLbl="revTx">
+        <dgm:varLst>
+          <dgm:chMax val="1"/>
+          <dgm:chPref val="1"/>
+          <dgm:bulletEnabled val="1"/>
+        </dgm:varLst>
+        <dgm:alg type="tx">
+          <dgm:param type="shpTxLTRAlignCh" val="ctr"/>
+          <dgm:param type="txAnchorVertCh" val="mid"/>
+        </dgm:alg>
+        <dgm:shape xmlns:r="http://schemas.openxmlformats.org/officeDocument/2006/relationships" type="rect" r:blip="">
+          <dgm:adjLst/>
+        </dgm:shape>
+        <dgm:presOf axis="self" ptType="node"/>
+        <dgm:constrLst>
+          <dgm:constr type="lMarg" refType="primFontSz" fact="0.05"/>
+          <dgm:constr type="rMarg" refType="primFontSz" fact="0.05"/>
+          <dgm:constr type="tMarg" refType="primFontSz" fact="0.05"/>
+          <dgm:constr type="bMarg" refType="primFontSz" fact="0.05"/>
+        </dgm:constrLst>
+        <dgm:ruleLst>
+          <dgm:rule type="primFontSz" val="5" fact="NaN" max="NaN"/>
+        </dgm:ruleLst>
+      </dgm:layoutNode>
+    </dgm:forEach>
+    <dgm:forEach name="Name105" axis="ch" ptType="node" st="7" cnt="1">
+      <dgm:layoutNode name="Accent7">
+        <dgm:alg type="sp"/>
+        <dgm:shape xmlns:r="http://schemas.openxmlformats.org/officeDocument/2006/relationships" r:blip="">
+          <dgm:adjLst/>
+        </dgm:shape>
+        <dgm:presOf/>
+        <dgm:constrLst/>
+        <dgm:forEach name="Name106" ref="accentRepeat"/>
+      </dgm:layoutNode>
+      <dgm:choose name="Name107">
+        <dgm:if name="Name108" axis="ch" ptType="node" func="cnt" op="gte" val="1">
+          <dgm:layoutNode name="Child7" styleLbl="revTx">
+            <dgm:varLst>
+              <dgm:chMax val="0"/>
+              <dgm:chPref val="0"/>
+              <dgm:bulletEnabled val="1"/>
+            </dgm:varLst>
+            <dgm:alg type="tx">
+              <dgm:param type="stBulletLvl" val="1"/>
+              <dgm:param type="parTxLTRAlign" val="l"/>
+              <dgm:param type="txAnchorVertCh" val="mid"/>
+            </dgm:alg>
+            <dgm:shape xmlns:r="http://schemas.openxmlformats.org/officeDocument/2006/relationships" type="rect" r:blip="">
+              <dgm:adjLst/>
+            </dgm:shape>
+            <dgm:presOf axis="des" ptType="node"/>
+            <dgm:constrLst>
+              <dgm:constr type="lMarg" refType="primFontSz" fact="0.05"/>
+              <dgm:constr type="rMarg" refType="primFontSz" fact="0.05"/>
+              <dgm:constr type="tMarg" refType="primFontSz" fact="0.05"/>
+              <dgm:constr type="bMarg" refType="primFontSz" fact="0.05"/>
+            </dgm:constrLst>
+            <dgm:ruleLst>
+              <dgm:rule type="primFontSz" val="5" fact="NaN" max="NaN"/>
+            </dgm:ruleLst>
+          </dgm:layoutNode>
+        </dgm:if>
+        <dgm:else name="Name109"/>
+      </dgm:choose>
+      <dgm:layoutNode name="Parent7" styleLbl="revTx">
+        <dgm:varLst>
+          <dgm:chMax val="1"/>
+          <dgm:chPref val="1"/>
+          <dgm:bulletEnabled val="1"/>
+        </dgm:varLst>
+        <dgm:alg type="tx">
+          <dgm:param type="shpTxLTRAlignCh" val="ctr"/>
+          <dgm:param type="txAnchorVertCh" val="mid"/>
+        </dgm:alg>
+        <dgm:shape xmlns:r="http://schemas.openxmlformats.org/officeDocument/2006/relationships" type="rect" r:blip="">
+          <dgm:adjLst/>
+        </dgm:shape>
+        <dgm:presOf axis="self" ptType="node"/>
+        <dgm:constrLst>
+          <dgm:constr type="lMarg" refType="primFontSz" fact="0.05"/>
+          <dgm:constr type="rMarg" refType="primFontSz" fact="0.05"/>
+          <dgm:constr type="tMarg" refType="primFontSz" fact="0.05"/>
+          <dgm:constr type="bMarg" refType="primFontSz" fact="0.05"/>
+        </dgm:constrLst>
+        <dgm:ruleLst>
+          <dgm:rule type="primFontSz" val="5" fact="NaN" max="NaN"/>
+        </dgm:ruleLst>
+      </dgm:layoutNode>
+    </dgm:forEach>
+  </dgm:layoutNode>
+</dgm:layoutDef>
+</file>
+
 <file path=ppt/diagrams/quickStyle1.xml><?xml version="1.0" encoding="utf-8"?>
 <dgm:styleDef xmlns:dgm="http://schemas.openxmlformats.org/drawingml/2006/diagram" xmlns:a="http://schemas.openxmlformats.org/drawingml/2006/main" uniqueId="urn:microsoft.com/office/officeart/2005/8/quickstyle/simple1">
   <dgm:title val=""/>
@@ -6395,6 +9927,1040 @@
         <a:scrgbClr r="0" g="0" b="0"/>
       </a:fillRef>
       <a:effectRef idx="1">
+        <a:scrgbClr r="0" g="0" b="0"/>
+      </a:effectRef>
+      <a:fontRef idx="minor"/>
+    </dgm:style>
+  </dgm:styleLbl>
+  <dgm:styleLbl name="revTx">
+    <dgm:scene3d>
+      <a:camera prst="orthographicFront"/>
+      <a:lightRig rig="threePt" dir="t"/>
+    </dgm:scene3d>
+    <dgm:sp3d/>
+    <dgm:txPr/>
+    <dgm:style>
+      <a:lnRef idx="0">
+        <a:scrgbClr r="0" g="0" b="0"/>
+      </a:lnRef>
+      <a:fillRef idx="0">
+        <a:scrgbClr r="0" g="0" b="0"/>
+      </a:fillRef>
+      <a:effectRef idx="0">
+        <a:scrgbClr r="0" g="0" b="0"/>
+      </a:effectRef>
+      <a:fontRef idx="minor"/>
+    </dgm:style>
+  </dgm:styleLbl>
+</dgm:styleDef>
+</file>
+
+<file path=ppt/diagrams/quickStyle3.xml><?xml version="1.0" encoding="utf-8"?>
+<dgm:styleDef xmlns:dgm="http://schemas.openxmlformats.org/drawingml/2006/diagram" xmlns:a="http://schemas.openxmlformats.org/drawingml/2006/main" uniqueId="urn:microsoft.com/office/officeart/2005/8/quickstyle/simple1">
+  <dgm:title val=""/>
+  <dgm:desc val=""/>
+  <dgm:catLst>
+    <dgm:cat type="simple" pri="10100"/>
+  </dgm:catLst>
+  <dgm:scene3d>
+    <a:camera prst="orthographicFront"/>
+    <a:lightRig rig="threePt" dir="t"/>
+  </dgm:scene3d>
+  <dgm:styleLbl name="node0">
+    <dgm:scene3d>
+      <a:camera prst="orthographicFront"/>
+      <a:lightRig rig="threePt" dir="t"/>
+    </dgm:scene3d>
+    <dgm:sp3d/>
+    <dgm:txPr/>
+    <dgm:style>
+      <a:lnRef idx="2">
+        <a:scrgbClr r="0" g="0" b="0"/>
+      </a:lnRef>
+      <a:fillRef idx="1">
+        <a:scrgbClr r="0" g="0" b="0"/>
+      </a:fillRef>
+      <a:effectRef idx="0">
+        <a:scrgbClr r="0" g="0" b="0"/>
+      </a:effectRef>
+      <a:fontRef idx="minor">
+        <a:schemeClr val="lt1"/>
+      </a:fontRef>
+    </dgm:style>
+  </dgm:styleLbl>
+  <dgm:styleLbl name="lnNode1">
+    <dgm:scene3d>
+      <a:camera prst="orthographicFront"/>
+      <a:lightRig rig="threePt" dir="t"/>
+    </dgm:scene3d>
+    <dgm:sp3d/>
+    <dgm:txPr/>
+    <dgm:style>
+      <a:lnRef idx="2">
+        <a:scrgbClr r="0" g="0" b="0"/>
+      </a:lnRef>
+      <a:fillRef idx="1">
+        <a:scrgbClr r="0" g="0" b="0"/>
+      </a:fillRef>
+      <a:effectRef idx="0">
+        <a:scrgbClr r="0" g="0" b="0"/>
+      </a:effectRef>
+      <a:fontRef idx="minor">
+        <a:schemeClr val="lt1"/>
+      </a:fontRef>
+    </dgm:style>
+  </dgm:styleLbl>
+  <dgm:styleLbl name="vennNode1">
+    <dgm:scene3d>
+      <a:camera prst="orthographicFront"/>
+      <a:lightRig rig="threePt" dir="t"/>
+    </dgm:scene3d>
+    <dgm:sp3d/>
+    <dgm:txPr/>
+    <dgm:style>
+      <a:lnRef idx="2">
+        <a:scrgbClr r="0" g="0" b="0"/>
+      </a:lnRef>
+      <a:fillRef idx="1">
+        <a:scrgbClr r="0" g="0" b="0"/>
+      </a:fillRef>
+      <a:effectRef idx="0">
+        <a:scrgbClr r="0" g="0" b="0"/>
+      </a:effectRef>
+      <a:fontRef idx="minor">
+        <a:schemeClr val="tx1"/>
+      </a:fontRef>
+    </dgm:style>
+  </dgm:styleLbl>
+  <dgm:styleLbl name="alignNode1">
+    <dgm:scene3d>
+      <a:camera prst="orthographicFront"/>
+      <a:lightRig rig="threePt" dir="t"/>
+    </dgm:scene3d>
+    <dgm:sp3d/>
+    <dgm:txPr/>
+    <dgm:style>
+      <a:lnRef idx="2">
+        <a:scrgbClr r="0" g="0" b="0"/>
+      </a:lnRef>
+      <a:fillRef idx="1">
+        <a:scrgbClr r="0" g="0" b="0"/>
+      </a:fillRef>
+      <a:effectRef idx="0">
+        <a:scrgbClr r="0" g="0" b="0"/>
+      </a:effectRef>
+      <a:fontRef idx="minor">
+        <a:schemeClr val="lt1"/>
+      </a:fontRef>
+    </dgm:style>
+  </dgm:styleLbl>
+  <dgm:styleLbl name="node1">
+    <dgm:scene3d>
+      <a:camera prst="orthographicFront"/>
+      <a:lightRig rig="threePt" dir="t"/>
+    </dgm:scene3d>
+    <dgm:sp3d/>
+    <dgm:txPr/>
+    <dgm:style>
+      <a:lnRef idx="2">
+        <a:scrgbClr r="0" g="0" b="0"/>
+      </a:lnRef>
+      <a:fillRef idx="1">
+        <a:scrgbClr r="0" g="0" b="0"/>
+      </a:fillRef>
+      <a:effectRef idx="0">
+        <a:scrgbClr r="0" g="0" b="0"/>
+      </a:effectRef>
+      <a:fontRef idx="minor">
+        <a:schemeClr val="lt1"/>
+      </a:fontRef>
+    </dgm:style>
+  </dgm:styleLbl>
+  <dgm:styleLbl name="node2">
+    <dgm:scene3d>
+      <a:camera prst="orthographicFront"/>
+      <a:lightRig rig="threePt" dir="t"/>
+    </dgm:scene3d>
+    <dgm:sp3d/>
+    <dgm:txPr/>
+    <dgm:style>
+      <a:lnRef idx="2">
+        <a:scrgbClr r="0" g="0" b="0"/>
+      </a:lnRef>
+      <a:fillRef idx="1">
+        <a:scrgbClr r="0" g="0" b="0"/>
+      </a:fillRef>
+      <a:effectRef idx="0">
+        <a:scrgbClr r="0" g="0" b="0"/>
+      </a:effectRef>
+      <a:fontRef idx="minor">
+        <a:schemeClr val="lt1"/>
+      </a:fontRef>
+    </dgm:style>
+  </dgm:styleLbl>
+  <dgm:styleLbl name="node3">
+    <dgm:scene3d>
+      <a:camera prst="orthographicFront"/>
+      <a:lightRig rig="threePt" dir="t"/>
+    </dgm:scene3d>
+    <dgm:sp3d/>
+    <dgm:txPr/>
+    <dgm:style>
+      <a:lnRef idx="2">
+        <a:scrgbClr r="0" g="0" b="0"/>
+      </a:lnRef>
+      <a:fillRef idx="1">
+        <a:scrgbClr r="0" g="0" b="0"/>
+      </a:fillRef>
+      <a:effectRef idx="0">
+        <a:scrgbClr r="0" g="0" b="0"/>
+      </a:effectRef>
+      <a:fontRef idx="minor">
+        <a:schemeClr val="lt1"/>
+      </a:fontRef>
+    </dgm:style>
+  </dgm:styleLbl>
+  <dgm:styleLbl name="node4">
+    <dgm:scene3d>
+      <a:camera prst="orthographicFront"/>
+      <a:lightRig rig="threePt" dir="t"/>
+    </dgm:scene3d>
+    <dgm:sp3d/>
+    <dgm:txPr/>
+    <dgm:style>
+      <a:lnRef idx="2">
+        <a:scrgbClr r="0" g="0" b="0"/>
+      </a:lnRef>
+      <a:fillRef idx="1">
+        <a:scrgbClr r="0" g="0" b="0"/>
+      </a:fillRef>
+      <a:effectRef idx="0">
+        <a:scrgbClr r="0" g="0" b="0"/>
+      </a:effectRef>
+      <a:fontRef idx="minor">
+        <a:schemeClr val="lt1"/>
+      </a:fontRef>
+    </dgm:style>
+  </dgm:styleLbl>
+  <dgm:styleLbl name="fgImgPlace1">
+    <dgm:scene3d>
+      <a:camera prst="orthographicFront"/>
+      <a:lightRig rig="threePt" dir="t"/>
+    </dgm:scene3d>
+    <dgm:sp3d/>
+    <dgm:txPr/>
+    <dgm:style>
+      <a:lnRef idx="2">
+        <a:scrgbClr r="0" g="0" b="0"/>
+      </a:lnRef>
+      <a:fillRef idx="1">
+        <a:scrgbClr r="0" g="0" b="0"/>
+      </a:fillRef>
+      <a:effectRef idx="0">
+        <a:scrgbClr r="0" g="0" b="0"/>
+      </a:effectRef>
+      <a:fontRef idx="minor"/>
+    </dgm:style>
+  </dgm:styleLbl>
+  <dgm:styleLbl name="alignImgPlace1">
+    <dgm:scene3d>
+      <a:camera prst="orthographicFront"/>
+      <a:lightRig rig="threePt" dir="t"/>
+    </dgm:scene3d>
+    <dgm:sp3d/>
+    <dgm:txPr/>
+    <dgm:style>
+      <a:lnRef idx="2">
+        <a:scrgbClr r="0" g="0" b="0"/>
+      </a:lnRef>
+      <a:fillRef idx="1">
+        <a:scrgbClr r="0" g="0" b="0"/>
+      </a:fillRef>
+      <a:effectRef idx="0">
+        <a:scrgbClr r="0" g="0" b="0"/>
+      </a:effectRef>
+      <a:fontRef idx="minor"/>
+    </dgm:style>
+  </dgm:styleLbl>
+  <dgm:styleLbl name="bgImgPlace1">
+    <dgm:scene3d>
+      <a:camera prst="orthographicFront"/>
+      <a:lightRig rig="threePt" dir="t"/>
+    </dgm:scene3d>
+    <dgm:sp3d/>
+    <dgm:txPr/>
+    <dgm:style>
+      <a:lnRef idx="2">
+        <a:scrgbClr r="0" g="0" b="0"/>
+      </a:lnRef>
+      <a:fillRef idx="1">
+        <a:scrgbClr r="0" g="0" b="0"/>
+      </a:fillRef>
+      <a:effectRef idx="0">
+        <a:scrgbClr r="0" g="0" b="0"/>
+      </a:effectRef>
+      <a:fontRef idx="minor"/>
+    </dgm:style>
+  </dgm:styleLbl>
+  <dgm:styleLbl name="sibTrans2D1">
+    <dgm:scene3d>
+      <a:camera prst="orthographicFront"/>
+      <a:lightRig rig="threePt" dir="t"/>
+    </dgm:scene3d>
+    <dgm:sp3d/>
+    <dgm:txPr/>
+    <dgm:style>
+      <a:lnRef idx="0">
+        <a:scrgbClr r="0" g="0" b="0"/>
+      </a:lnRef>
+      <a:fillRef idx="1">
+        <a:scrgbClr r="0" g="0" b="0"/>
+      </a:fillRef>
+      <a:effectRef idx="0">
+        <a:scrgbClr r="0" g="0" b="0"/>
+      </a:effectRef>
+      <a:fontRef idx="minor">
+        <a:schemeClr val="lt1"/>
+      </a:fontRef>
+    </dgm:style>
+  </dgm:styleLbl>
+  <dgm:styleLbl name="fgSibTrans2D1">
+    <dgm:scene3d>
+      <a:camera prst="orthographicFront"/>
+      <a:lightRig rig="threePt" dir="t"/>
+    </dgm:scene3d>
+    <dgm:sp3d/>
+    <dgm:txPr/>
+    <dgm:style>
+      <a:lnRef idx="0">
+        <a:scrgbClr r="0" g="0" b="0"/>
+      </a:lnRef>
+      <a:fillRef idx="1">
+        <a:scrgbClr r="0" g="0" b="0"/>
+      </a:fillRef>
+      <a:effectRef idx="0">
+        <a:scrgbClr r="0" g="0" b="0"/>
+      </a:effectRef>
+      <a:fontRef idx="minor">
+        <a:schemeClr val="lt1"/>
+      </a:fontRef>
+    </dgm:style>
+  </dgm:styleLbl>
+  <dgm:styleLbl name="bgSibTrans2D1">
+    <dgm:scene3d>
+      <a:camera prst="orthographicFront"/>
+      <a:lightRig rig="threePt" dir="t"/>
+    </dgm:scene3d>
+    <dgm:sp3d/>
+    <dgm:txPr/>
+    <dgm:style>
+      <a:lnRef idx="0">
+        <a:scrgbClr r="0" g="0" b="0"/>
+      </a:lnRef>
+      <a:fillRef idx="1">
+        <a:scrgbClr r="0" g="0" b="0"/>
+      </a:fillRef>
+      <a:effectRef idx="0">
+        <a:scrgbClr r="0" g="0" b="0"/>
+      </a:effectRef>
+      <a:fontRef idx="minor">
+        <a:schemeClr val="lt1"/>
+      </a:fontRef>
+    </dgm:style>
+  </dgm:styleLbl>
+  <dgm:styleLbl name="sibTrans1D1">
+    <dgm:scene3d>
+      <a:camera prst="orthographicFront"/>
+      <a:lightRig rig="threePt" dir="t"/>
+    </dgm:scene3d>
+    <dgm:sp3d/>
+    <dgm:txPr/>
+    <dgm:style>
+      <a:lnRef idx="1">
+        <a:scrgbClr r="0" g="0" b="0"/>
+      </a:lnRef>
+      <a:fillRef idx="0">
+        <a:scrgbClr r="0" g="0" b="0"/>
+      </a:fillRef>
+      <a:effectRef idx="0">
+        <a:scrgbClr r="0" g="0" b="0"/>
+      </a:effectRef>
+      <a:fontRef idx="minor"/>
+    </dgm:style>
+  </dgm:styleLbl>
+  <dgm:styleLbl name="callout">
+    <dgm:scene3d>
+      <a:camera prst="orthographicFront"/>
+      <a:lightRig rig="threePt" dir="t"/>
+    </dgm:scene3d>
+    <dgm:sp3d/>
+    <dgm:txPr/>
+    <dgm:style>
+      <a:lnRef idx="2">
+        <a:scrgbClr r="0" g="0" b="0"/>
+      </a:lnRef>
+      <a:fillRef idx="1">
+        <a:scrgbClr r="0" g="0" b="0"/>
+      </a:fillRef>
+      <a:effectRef idx="0">
+        <a:scrgbClr r="0" g="0" b="0"/>
+      </a:effectRef>
+      <a:fontRef idx="minor"/>
+    </dgm:style>
+  </dgm:styleLbl>
+  <dgm:styleLbl name="asst0">
+    <dgm:scene3d>
+      <a:camera prst="orthographicFront"/>
+      <a:lightRig rig="threePt" dir="t"/>
+    </dgm:scene3d>
+    <dgm:sp3d/>
+    <dgm:txPr/>
+    <dgm:style>
+      <a:lnRef idx="2">
+        <a:scrgbClr r="0" g="0" b="0"/>
+      </a:lnRef>
+      <a:fillRef idx="1">
+        <a:scrgbClr r="0" g="0" b="0"/>
+      </a:fillRef>
+      <a:effectRef idx="0">
+        <a:scrgbClr r="0" g="0" b="0"/>
+      </a:effectRef>
+      <a:fontRef idx="minor">
+        <a:schemeClr val="lt1"/>
+      </a:fontRef>
+    </dgm:style>
+  </dgm:styleLbl>
+  <dgm:styleLbl name="asst1">
+    <dgm:scene3d>
+      <a:camera prst="orthographicFront"/>
+      <a:lightRig rig="threePt" dir="t"/>
+    </dgm:scene3d>
+    <dgm:sp3d/>
+    <dgm:txPr/>
+    <dgm:style>
+      <a:lnRef idx="2">
+        <a:scrgbClr r="0" g="0" b="0"/>
+      </a:lnRef>
+      <a:fillRef idx="1">
+        <a:scrgbClr r="0" g="0" b="0"/>
+      </a:fillRef>
+      <a:effectRef idx="0">
+        <a:scrgbClr r="0" g="0" b="0"/>
+      </a:effectRef>
+      <a:fontRef idx="minor">
+        <a:schemeClr val="lt1"/>
+      </a:fontRef>
+    </dgm:style>
+  </dgm:styleLbl>
+  <dgm:styleLbl name="asst2">
+    <dgm:scene3d>
+      <a:camera prst="orthographicFront"/>
+      <a:lightRig rig="threePt" dir="t"/>
+    </dgm:scene3d>
+    <dgm:sp3d/>
+    <dgm:txPr/>
+    <dgm:style>
+      <a:lnRef idx="2">
+        <a:scrgbClr r="0" g="0" b="0"/>
+      </a:lnRef>
+      <a:fillRef idx="1">
+        <a:scrgbClr r="0" g="0" b="0"/>
+      </a:fillRef>
+      <a:effectRef idx="0">
+        <a:scrgbClr r="0" g="0" b="0"/>
+      </a:effectRef>
+      <a:fontRef idx="minor">
+        <a:schemeClr val="lt1"/>
+      </a:fontRef>
+    </dgm:style>
+  </dgm:styleLbl>
+  <dgm:styleLbl name="asst3">
+    <dgm:scene3d>
+      <a:camera prst="orthographicFront"/>
+      <a:lightRig rig="threePt" dir="t"/>
+    </dgm:scene3d>
+    <dgm:sp3d/>
+    <dgm:txPr/>
+    <dgm:style>
+      <a:lnRef idx="2">
+        <a:scrgbClr r="0" g="0" b="0"/>
+      </a:lnRef>
+      <a:fillRef idx="1">
+        <a:scrgbClr r="0" g="0" b="0"/>
+      </a:fillRef>
+      <a:effectRef idx="0">
+        <a:scrgbClr r="0" g="0" b="0"/>
+      </a:effectRef>
+      <a:fontRef idx="minor">
+        <a:schemeClr val="lt1"/>
+      </a:fontRef>
+    </dgm:style>
+  </dgm:styleLbl>
+  <dgm:styleLbl name="asst4">
+    <dgm:scene3d>
+      <a:camera prst="orthographicFront"/>
+      <a:lightRig rig="threePt" dir="t"/>
+    </dgm:scene3d>
+    <dgm:sp3d/>
+    <dgm:txPr/>
+    <dgm:style>
+      <a:lnRef idx="2">
+        <a:scrgbClr r="0" g="0" b="0"/>
+      </a:lnRef>
+      <a:fillRef idx="1">
+        <a:scrgbClr r="0" g="0" b="0"/>
+      </a:fillRef>
+      <a:effectRef idx="0">
+        <a:scrgbClr r="0" g="0" b="0"/>
+      </a:effectRef>
+      <a:fontRef idx="minor">
+        <a:schemeClr val="lt1"/>
+      </a:fontRef>
+    </dgm:style>
+  </dgm:styleLbl>
+  <dgm:styleLbl name="parChTrans2D1">
+    <dgm:scene3d>
+      <a:camera prst="orthographicFront"/>
+      <a:lightRig rig="threePt" dir="t"/>
+    </dgm:scene3d>
+    <dgm:sp3d/>
+    <dgm:txPr/>
+    <dgm:style>
+      <a:lnRef idx="2">
+        <a:scrgbClr r="0" g="0" b="0"/>
+      </a:lnRef>
+      <a:fillRef idx="1">
+        <a:scrgbClr r="0" g="0" b="0"/>
+      </a:fillRef>
+      <a:effectRef idx="0">
+        <a:scrgbClr r="0" g="0" b="0"/>
+      </a:effectRef>
+      <a:fontRef idx="minor">
+        <a:schemeClr val="lt1"/>
+      </a:fontRef>
+    </dgm:style>
+  </dgm:styleLbl>
+  <dgm:styleLbl name="parChTrans2D2">
+    <dgm:scene3d>
+      <a:camera prst="orthographicFront"/>
+      <a:lightRig rig="threePt" dir="t"/>
+    </dgm:scene3d>
+    <dgm:sp3d/>
+    <dgm:txPr/>
+    <dgm:style>
+      <a:lnRef idx="2">
+        <a:scrgbClr r="0" g="0" b="0"/>
+      </a:lnRef>
+      <a:fillRef idx="1">
+        <a:scrgbClr r="0" g="0" b="0"/>
+      </a:fillRef>
+      <a:effectRef idx="0">
+        <a:scrgbClr r="0" g="0" b="0"/>
+      </a:effectRef>
+      <a:fontRef idx="minor">
+        <a:schemeClr val="lt1"/>
+      </a:fontRef>
+    </dgm:style>
+  </dgm:styleLbl>
+  <dgm:styleLbl name="parChTrans2D3">
+    <dgm:scene3d>
+      <a:camera prst="orthographicFront"/>
+      <a:lightRig rig="threePt" dir="t"/>
+    </dgm:scene3d>
+    <dgm:sp3d/>
+    <dgm:txPr/>
+    <dgm:style>
+      <a:lnRef idx="2">
+        <a:scrgbClr r="0" g="0" b="0"/>
+      </a:lnRef>
+      <a:fillRef idx="1">
+        <a:scrgbClr r="0" g="0" b="0"/>
+      </a:fillRef>
+      <a:effectRef idx="0">
+        <a:scrgbClr r="0" g="0" b="0"/>
+      </a:effectRef>
+      <a:fontRef idx="minor">
+        <a:schemeClr val="lt1"/>
+      </a:fontRef>
+    </dgm:style>
+  </dgm:styleLbl>
+  <dgm:styleLbl name="parChTrans2D4">
+    <dgm:scene3d>
+      <a:camera prst="orthographicFront"/>
+      <a:lightRig rig="threePt" dir="t"/>
+    </dgm:scene3d>
+    <dgm:sp3d/>
+    <dgm:txPr/>
+    <dgm:style>
+      <a:lnRef idx="2">
+        <a:scrgbClr r="0" g="0" b="0"/>
+      </a:lnRef>
+      <a:fillRef idx="1">
+        <a:scrgbClr r="0" g="0" b="0"/>
+      </a:fillRef>
+      <a:effectRef idx="0">
+        <a:scrgbClr r="0" g="0" b="0"/>
+      </a:effectRef>
+      <a:fontRef idx="minor">
+        <a:schemeClr val="lt1"/>
+      </a:fontRef>
+    </dgm:style>
+  </dgm:styleLbl>
+  <dgm:styleLbl name="parChTrans1D1">
+    <dgm:scene3d>
+      <a:camera prst="orthographicFront"/>
+      <a:lightRig rig="threePt" dir="t"/>
+    </dgm:scene3d>
+    <dgm:sp3d/>
+    <dgm:txPr/>
+    <dgm:style>
+      <a:lnRef idx="2">
+        <a:scrgbClr r="0" g="0" b="0"/>
+      </a:lnRef>
+      <a:fillRef idx="0">
+        <a:scrgbClr r="0" g="0" b="0"/>
+      </a:fillRef>
+      <a:effectRef idx="0">
+        <a:scrgbClr r="0" g="0" b="0"/>
+      </a:effectRef>
+      <a:fontRef idx="minor"/>
+    </dgm:style>
+  </dgm:styleLbl>
+  <dgm:styleLbl name="parChTrans1D2">
+    <dgm:scene3d>
+      <a:camera prst="orthographicFront"/>
+      <a:lightRig rig="threePt" dir="t"/>
+    </dgm:scene3d>
+    <dgm:sp3d/>
+    <dgm:txPr/>
+    <dgm:style>
+      <a:lnRef idx="2">
+        <a:scrgbClr r="0" g="0" b="0"/>
+      </a:lnRef>
+      <a:fillRef idx="0">
+        <a:scrgbClr r="0" g="0" b="0"/>
+      </a:fillRef>
+      <a:effectRef idx="0">
+        <a:scrgbClr r="0" g="0" b="0"/>
+      </a:effectRef>
+      <a:fontRef idx="minor"/>
+    </dgm:style>
+  </dgm:styleLbl>
+  <dgm:styleLbl name="parChTrans1D3">
+    <dgm:scene3d>
+      <a:camera prst="orthographicFront"/>
+      <a:lightRig rig="threePt" dir="t"/>
+    </dgm:scene3d>
+    <dgm:sp3d/>
+    <dgm:txPr/>
+    <dgm:style>
+      <a:lnRef idx="2">
+        <a:scrgbClr r="0" g="0" b="0"/>
+      </a:lnRef>
+      <a:fillRef idx="0">
+        <a:scrgbClr r="0" g="0" b="0"/>
+      </a:fillRef>
+      <a:effectRef idx="0">
+        <a:scrgbClr r="0" g="0" b="0"/>
+      </a:effectRef>
+      <a:fontRef idx="minor"/>
+    </dgm:style>
+  </dgm:styleLbl>
+  <dgm:styleLbl name="parChTrans1D4">
+    <dgm:scene3d>
+      <a:camera prst="orthographicFront"/>
+      <a:lightRig rig="threePt" dir="t"/>
+    </dgm:scene3d>
+    <dgm:sp3d/>
+    <dgm:txPr/>
+    <dgm:style>
+      <a:lnRef idx="2">
+        <a:scrgbClr r="0" g="0" b="0"/>
+      </a:lnRef>
+      <a:fillRef idx="0">
+        <a:scrgbClr r="0" g="0" b="0"/>
+      </a:fillRef>
+      <a:effectRef idx="0">
+        <a:scrgbClr r="0" g="0" b="0"/>
+      </a:effectRef>
+      <a:fontRef idx="minor"/>
+    </dgm:style>
+  </dgm:styleLbl>
+  <dgm:styleLbl name="fgAcc1">
+    <dgm:scene3d>
+      <a:camera prst="orthographicFront"/>
+      <a:lightRig rig="threePt" dir="t"/>
+    </dgm:scene3d>
+    <dgm:sp3d/>
+    <dgm:txPr/>
+    <dgm:style>
+      <a:lnRef idx="2">
+        <a:scrgbClr r="0" g="0" b="0"/>
+      </a:lnRef>
+      <a:fillRef idx="1">
+        <a:scrgbClr r="0" g="0" b="0"/>
+      </a:fillRef>
+      <a:effectRef idx="0">
+        <a:scrgbClr r="0" g="0" b="0"/>
+      </a:effectRef>
+      <a:fontRef idx="minor"/>
+    </dgm:style>
+  </dgm:styleLbl>
+  <dgm:styleLbl name="conFgAcc1">
+    <dgm:scene3d>
+      <a:camera prst="orthographicFront"/>
+      <a:lightRig rig="threePt" dir="t"/>
+    </dgm:scene3d>
+    <dgm:sp3d/>
+    <dgm:txPr/>
+    <dgm:style>
+      <a:lnRef idx="2">
+        <a:scrgbClr r="0" g="0" b="0"/>
+      </a:lnRef>
+      <a:fillRef idx="1">
+        <a:scrgbClr r="0" g="0" b="0"/>
+      </a:fillRef>
+      <a:effectRef idx="0">
+        <a:scrgbClr r="0" g="0" b="0"/>
+      </a:effectRef>
+      <a:fontRef idx="minor"/>
+    </dgm:style>
+  </dgm:styleLbl>
+  <dgm:styleLbl name="alignAcc1">
+    <dgm:scene3d>
+      <a:camera prst="orthographicFront"/>
+      <a:lightRig rig="threePt" dir="t"/>
+    </dgm:scene3d>
+    <dgm:sp3d/>
+    <dgm:txPr/>
+    <dgm:style>
+      <a:lnRef idx="2">
+        <a:scrgbClr r="0" g="0" b="0"/>
+      </a:lnRef>
+      <a:fillRef idx="1">
+        <a:scrgbClr r="0" g="0" b="0"/>
+      </a:fillRef>
+      <a:effectRef idx="0">
+        <a:scrgbClr r="0" g="0" b="0"/>
+      </a:effectRef>
+      <a:fontRef idx="minor"/>
+    </dgm:style>
+  </dgm:styleLbl>
+  <dgm:styleLbl name="trAlignAcc1">
+    <dgm:scene3d>
+      <a:camera prst="orthographicFront"/>
+      <a:lightRig rig="threePt" dir="t"/>
+    </dgm:scene3d>
+    <dgm:sp3d/>
+    <dgm:txPr/>
+    <dgm:style>
+      <a:lnRef idx="1">
+        <a:scrgbClr r="0" g="0" b="0"/>
+      </a:lnRef>
+      <a:fillRef idx="1">
+        <a:scrgbClr r="0" g="0" b="0"/>
+      </a:fillRef>
+      <a:effectRef idx="0">
+        <a:scrgbClr r="0" g="0" b="0"/>
+      </a:effectRef>
+      <a:fontRef idx="minor"/>
+    </dgm:style>
+  </dgm:styleLbl>
+  <dgm:styleLbl name="bgAcc1">
+    <dgm:scene3d>
+      <a:camera prst="orthographicFront"/>
+      <a:lightRig rig="threePt" dir="t"/>
+    </dgm:scene3d>
+    <dgm:sp3d/>
+    <dgm:txPr/>
+    <dgm:style>
+      <a:lnRef idx="2">
+        <a:scrgbClr r="0" g="0" b="0"/>
+      </a:lnRef>
+      <a:fillRef idx="1">
+        <a:scrgbClr r="0" g="0" b="0"/>
+      </a:fillRef>
+      <a:effectRef idx="0">
+        <a:scrgbClr r="0" g="0" b="0"/>
+      </a:effectRef>
+      <a:fontRef idx="minor"/>
+    </dgm:style>
+  </dgm:styleLbl>
+  <dgm:styleLbl name="solidFgAcc1">
+    <dgm:scene3d>
+      <a:camera prst="orthographicFront"/>
+      <a:lightRig rig="threePt" dir="t"/>
+    </dgm:scene3d>
+    <dgm:sp3d/>
+    <dgm:txPr/>
+    <dgm:style>
+      <a:lnRef idx="2">
+        <a:scrgbClr r="0" g="0" b="0"/>
+      </a:lnRef>
+      <a:fillRef idx="1">
+        <a:scrgbClr r="0" g="0" b="0"/>
+      </a:fillRef>
+      <a:effectRef idx="0">
+        <a:scrgbClr r="0" g="0" b="0"/>
+      </a:effectRef>
+      <a:fontRef idx="minor"/>
+    </dgm:style>
+  </dgm:styleLbl>
+  <dgm:styleLbl name="solidAlignAcc1">
+    <dgm:scene3d>
+      <a:camera prst="orthographicFront"/>
+      <a:lightRig rig="threePt" dir="t"/>
+    </dgm:scene3d>
+    <dgm:sp3d/>
+    <dgm:txPr/>
+    <dgm:style>
+      <a:lnRef idx="2">
+        <a:scrgbClr r="0" g="0" b="0"/>
+      </a:lnRef>
+      <a:fillRef idx="1">
+        <a:scrgbClr r="0" g="0" b="0"/>
+      </a:fillRef>
+      <a:effectRef idx="0">
+        <a:scrgbClr r="0" g="0" b="0"/>
+      </a:effectRef>
+      <a:fontRef idx="minor"/>
+    </dgm:style>
+  </dgm:styleLbl>
+  <dgm:styleLbl name="solidBgAcc1">
+    <dgm:scene3d>
+      <a:camera prst="orthographicFront"/>
+      <a:lightRig rig="threePt" dir="t"/>
+    </dgm:scene3d>
+    <dgm:sp3d/>
+    <dgm:txPr/>
+    <dgm:style>
+      <a:lnRef idx="2">
+        <a:scrgbClr r="0" g="0" b="0"/>
+      </a:lnRef>
+      <a:fillRef idx="1">
+        <a:scrgbClr r="0" g="0" b="0"/>
+      </a:fillRef>
+      <a:effectRef idx="0">
+        <a:scrgbClr r="0" g="0" b="0"/>
+      </a:effectRef>
+      <a:fontRef idx="minor"/>
+    </dgm:style>
+  </dgm:styleLbl>
+  <dgm:styleLbl name="fgAccFollowNode1">
+    <dgm:scene3d>
+      <a:camera prst="orthographicFront"/>
+      <a:lightRig rig="threePt" dir="t"/>
+    </dgm:scene3d>
+    <dgm:sp3d/>
+    <dgm:txPr/>
+    <dgm:style>
+      <a:lnRef idx="2">
+        <a:scrgbClr r="0" g="0" b="0"/>
+      </a:lnRef>
+      <a:fillRef idx="1">
+        <a:scrgbClr r="0" g="0" b="0"/>
+      </a:fillRef>
+      <a:effectRef idx="0">
+        <a:scrgbClr r="0" g="0" b="0"/>
+      </a:effectRef>
+      <a:fontRef idx="minor"/>
+    </dgm:style>
+  </dgm:styleLbl>
+  <dgm:styleLbl name="alignAccFollowNode1">
+    <dgm:scene3d>
+      <a:camera prst="orthographicFront"/>
+      <a:lightRig rig="threePt" dir="t"/>
+    </dgm:scene3d>
+    <dgm:sp3d/>
+    <dgm:txPr/>
+    <dgm:style>
+      <a:lnRef idx="2">
+        <a:scrgbClr r="0" g="0" b="0"/>
+      </a:lnRef>
+      <a:fillRef idx="1">
+        <a:scrgbClr r="0" g="0" b="0"/>
+      </a:fillRef>
+      <a:effectRef idx="0">
+        <a:scrgbClr r="0" g="0" b="0"/>
+      </a:effectRef>
+      <a:fontRef idx="minor"/>
+    </dgm:style>
+  </dgm:styleLbl>
+  <dgm:styleLbl name="bgAccFollowNode1">
+    <dgm:scene3d>
+      <a:camera prst="orthographicFront"/>
+      <a:lightRig rig="threePt" dir="t"/>
+    </dgm:scene3d>
+    <dgm:sp3d/>
+    <dgm:txPr/>
+    <dgm:style>
+      <a:lnRef idx="2">
+        <a:scrgbClr r="0" g="0" b="0"/>
+      </a:lnRef>
+      <a:fillRef idx="1">
+        <a:scrgbClr r="0" g="0" b="0"/>
+      </a:fillRef>
+      <a:effectRef idx="0">
+        <a:scrgbClr r="0" g="0" b="0"/>
+      </a:effectRef>
+      <a:fontRef idx="minor"/>
+    </dgm:style>
+  </dgm:styleLbl>
+  <dgm:styleLbl name="fgAcc0">
+    <dgm:scene3d>
+      <a:camera prst="orthographicFront"/>
+      <a:lightRig rig="threePt" dir="t"/>
+    </dgm:scene3d>
+    <dgm:sp3d/>
+    <dgm:txPr/>
+    <dgm:style>
+      <a:lnRef idx="2">
+        <a:scrgbClr r="0" g="0" b="0"/>
+      </a:lnRef>
+      <a:fillRef idx="1">
+        <a:scrgbClr r="0" g="0" b="0"/>
+      </a:fillRef>
+      <a:effectRef idx="0">
+        <a:scrgbClr r="0" g="0" b="0"/>
+      </a:effectRef>
+      <a:fontRef idx="minor"/>
+    </dgm:style>
+  </dgm:styleLbl>
+  <dgm:styleLbl name="fgAcc2">
+    <dgm:scene3d>
+      <a:camera prst="orthographicFront"/>
+      <a:lightRig rig="threePt" dir="t"/>
+    </dgm:scene3d>
+    <dgm:sp3d/>
+    <dgm:txPr/>
+    <dgm:style>
+      <a:lnRef idx="2">
+        <a:scrgbClr r="0" g="0" b="0"/>
+      </a:lnRef>
+      <a:fillRef idx="1">
+        <a:scrgbClr r="0" g="0" b="0"/>
+      </a:fillRef>
+      <a:effectRef idx="0">
+        <a:scrgbClr r="0" g="0" b="0"/>
+      </a:effectRef>
+      <a:fontRef idx="minor"/>
+    </dgm:style>
+  </dgm:styleLbl>
+  <dgm:styleLbl name="fgAcc3">
+    <dgm:scene3d>
+      <a:camera prst="orthographicFront"/>
+      <a:lightRig rig="threePt" dir="t"/>
+    </dgm:scene3d>
+    <dgm:sp3d/>
+    <dgm:txPr/>
+    <dgm:style>
+      <a:lnRef idx="2">
+        <a:scrgbClr r="0" g="0" b="0"/>
+      </a:lnRef>
+      <a:fillRef idx="1">
+        <a:scrgbClr r="0" g="0" b="0"/>
+      </a:fillRef>
+      <a:effectRef idx="0">
+        <a:scrgbClr r="0" g="0" b="0"/>
+      </a:effectRef>
+      <a:fontRef idx="minor"/>
+    </dgm:style>
+  </dgm:styleLbl>
+  <dgm:styleLbl name="fgAcc4">
+    <dgm:scene3d>
+      <a:camera prst="orthographicFront"/>
+      <a:lightRig rig="threePt" dir="t"/>
+    </dgm:scene3d>
+    <dgm:sp3d/>
+    <dgm:txPr/>
+    <dgm:style>
+      <a:lnRef idx="2">
+        <a:scrgbClr r="0" g="0" b="0"/>
+      </a:lnRef>
+      <a:fillRef idx="1">
+        <a:scrgbClr r="0" g="0" b="0"/>
+      </a:fillRef>
+      <a:effectRef idx="0">
+        <a:scrgbClr r="0" g="0" b="0"/>
+      </a:effectRef>
+      <a:fontRef idx="minor"/>
+    </dgm:style>
+  </dgm:styleLbl>
+  <dgm:styleLbl name="bgShp">
+    <dgm:scene3d>
+      <a:camera prst="orthographicFront"/>
+      <a:lightRig rig="threePt" dir="t"/>
+    </dgm:scene3d>
+    <dgm:sp3d/>
+    <dgm:txPr/>
+    <dgm:style>
+      <a:lnRef idx="0">
+        <a:scrgbClr r="0" g="0" b="0"/>
+      </a:lnRef>
+      <a:fillRef idx="1">
+        <a:scrgbClr r="0" g="0" b="0"/>
+      </a:fillRef>
+      <a:effectRef idx="0">
+        <a:scrgbClr r="0" g="0" b="0"/>
+      </a:effectRef>
+      <a:fontRef idx="minor"/>
+    </dgm:style>
+  </dgm:styleLbl>
+  <dgm:styleLbl name="dkBgShp">
+    <dgm:scene3d>
+      <a:camera prst="orthographicFront"/>
+      <a:lightRig rig="threePt" dir="t"/>
+    </dgm:scene3d>
+    <dgm:sp3d/>
+    <dgm:txPr/>
+    <dgm:style>
+      <a:lnRef idx="0">
+        <a:scrgbClr r="0" g="0" b="0"/>
+      </a:lnRef>
+      <a:fillRef idx="1">
+        <a:scrgbClr r="0" g="0" b="0"/>
+      </a:fillRef>
+      <a:effectRef idx="0">
+        <a:scrgbClr r="0" g="0" b="0"/>
+      </a:effectRef>
+      <a:fontRef idx="minor"/>
+    </dgm:style>
+  </dgm:styleLbl>
+  <dgm:styleLbl name="trBgShp">
+    <dgm:scene3d>
+      <a:camera prst="orthographicFront"/>
+      <a:lightRig rig="threePt" dir="t"/>
+    </dgm:scene3d>
+    <dgm:sp3d/>
+    <dgm:txPr/>
+    <dgm:style>
+      <a:lnRef idx="0">
+        <a:scrgbClr r="0" g="0" b="0"/>
+      </a:lnRef>
+      <a:fillRef idx="1">
+        <a:scrgbClr r="0" g="0" b="0"/>
+      </a:fillRef>
+      <a:effectRef idx="0">
+        <a:scrgbClr r="0" g="0" b="0"/>
+      </a:effectRef>
+      <a:fontRef idx="minor"/>
+    </dgm:style>
+  </dgm:styleLbl>
+  <dgm:styleLbl name="fgShp">
+    <dgm:scene3d>
+      <a:camera prst="orthographicFront"/>
+      <a:lightRig rig="threePt" dir="t"/>
+    </dgm:scene3d>
+    <dgm:sp3d/>
+    <dgm:txPr/>
+    <dgm:style>
+      <a:lnRef idx="2">
+        <a:scrgbClr r="0" g="0" b="0"/>
+      </a:lnRef>
+      <a:fillRef idx="1">
+        <a:scrgbClr r="0" g="0" b="0"/>
+      </a:fillRef>
+      <a:effectRef idx="0">
         <a:scrgbClr r="0" g="0" b="0"/>
       </a:effectRef>
       <a:fontRef idx="minor"/>
@@ -6874,7 +11440,7 @@
           <a:p>
             <a:fld id="{E19E8DFC-DE97-490B-8572-C8B1A4CD170F}" type="slidenum">
               <a:rPr lang="en-US" smtClean="0"/>
-              <a:t>1</a:t>
+              <a:t>2</a:t>
             </a:fld>
             <a:endParaRPr lang="en-US"/>
           </a:p>
@@ -6958,7 +11524,7 @@
           <a:p>
             <a:fld id="{E19E8DFC-DE97-490B-8572-C8B1A4CD170F}" type="slidenum">
               <a:rPr lang="en-US" smtClean="0"/>
-              <a:t>2</a:t>
+              <a:t>3</a:t>
             </a:fld>
             <a:endParaRPr lang="en-US"/>
           </a:p>
@@ -7050,7 +11616,7 @@
           <a:p>
             <a:fld id="{E19E8DFC-DE97-490B-8572-C8B1A4CD170F}" type="slidenum">
               <a:rPr lang="en-US" smtClean="0"/>
-              <a:t>4</a:t>
+              <a:t>5</a:t>
             </a:fld>
             <a:endParaRPr lang="en-US"/>
           </a:p>
@@ -7142,7 +11708,7 @@
           <a:p>
             <a:fld id="{E19E8DFC-DE97-490B-8572-C8B1A4CD170F}" type="slidenum">
               <a:rPr lang="en-US" smtClean="0"/>
-              <a:t>5</a:t>
+              <a:t>6</a:t>
             </a:fld>
             <a:endParaRPr lang="en-US"/>
           </a:p>
@@ -7343,7 +11909,7 @@
             <a:fld id="{1D8BD707-D9CF-40AE-B4C6-C98DA3205C09}" type="datetimeFigureOut">
               <a:rPr lang="en-US" smtClean="0"/>
               <a:pPr/>
-              <a:t>11/19/2012</a:t>
+              <a:t>11/20/2012</a:t>
             </a:fld>
             <a:endParaRPr lang="en-US"/>
           </a:p>
@@ -7515,7 +12081,7 @@
             <a:fld id="{1D8BD707-D9CF-40AE-B4C6-C98DA3205C09}" type="datetimeFigureOut">
               <a:rPr lang="en-US" smtClean="0"/>
               <a:pPr/>
-              <a:t>11/19/2012</a:t>
+              <a:t>11/20/2012</a:t>
             </a:fld>
             <a:endParaRPr lang="en-US"/>
           </a:p>
@@ -7697,7 +12263,7 @@
             <a:fld id="{1D8BD707-D9CF-40AE-B4C6-C98DA3205C09}" type="datetimeFigureOut">
               <a:rPr lang="en-US" smtClean="0"/>
               <a:pPr/>
-              <a:t>11/19/2012</a:t>
+              <a:t>11/20/2012</a:t>
             </a:fld>
             <a:endParaRPr lang="en-US"/>
           </a:p>
@@ -7869,7 +12435,7 @@
             <a:fld id="{1D8BD707-D9CF-40AE-B4C6-C98DA3205C09}" type="datetimeFigureOut">
               <a:rPr lang="en-US" smtClean="0"/>
               <a:pPr/>
-              <a:t>11/19/2012</a:t>
+              <a:t>11/20/2012</a:t>
             </a:fld>
             <a:endParaRPr lang="en-US"/>
           </a:p>
@@ -8124,7 +12690,7 @@
             <a:fld id="{1D8BD707-D9CF-40AE-B4C6-C98DA3205C09}" type="datetimeFigureOut">
               <a:rPr lang="en-US" smtClean="0"/>
               <a:pPr/>
-              <a:t>11/19/2012</a:t>
+              <a:t>11/20/2012</a:t>
             </a:fld>
             <a:endParaRPr lang="en-US"/>
           </a:p>
@@ -8414,7 +12980,7 @@
             <a:fld id="{1D8BD707-D9CF-40AE-B4C6-C98DA3205C09}" type="datetimeFigureOut">
               <a:rPr lang="en-US" smtClean="0"/>
               <a:pPr/>
-              <a:t>11/19/2012</a:t>
+              <a:t>11/20/2012</a:t>
             </a:fld>
             <a:endParaRPr lang="en-US"/>
           </a:p>
@@ -8838,7 +13404,7 @@
             <a:fld id="{1D8BD707-D9CF-40AE-B4C6-C98DA3205C09}" type="datetimeFigureOut">
               <a:rPr lang="en-US" smtClean="0"/>
               <a:pPr/>
-              <a:t>11/19/2012</a:t>
+              <a:t>11/20/2012</a:t>
             </a:fld>
             <a:endParaRPr lang="en-US"/>
           </a:p>
@@ -8958,7 +13524,7 @@
             <a:fld id="{1D8BD707-D9CF-40AE-B4C6-C98DA3205C09}" type="datetimeFigureOut">
               <a:rPr lang="en-US" smtClean="0"/>
               <a:pPr/>
-              <a:t>11/19/2012</a:t>
+              <a:t>11/20/2012</a:t>
             </a:fld>
             <a:endParaRPr lang="en-US"/>
           </a:p>
@@ -9055,7 +13621,7 @@
             <a:fld id="{1D8BD707-D9CF-40AE-B4C6-C98DA3205C09}" type="datetimeFigureOut">
               <a:rPr lang="en-US" smtClean="0"/>
               <a:pPr/>
-              <a:t>11/19/2012</a:t>
+              <a:t>11/20/2012</a:t>
             </a:fld>
             <a:endParaRPr lang="en-US"/>
           </a:p>
@@ -9334,7 +13900,7 @@
             <a:fld id="{1D8BD707-D9CF-40AE-B4C6-C98DA3205C09}" type="datetimeFigureOut">
               <a:rPr lang="en-US" smtClean="0"/>
               <a:pPr/>
-              <a:t>11/19/2012</a:t>
+              <a:t>11/20/2012</a:t>
             </a:fld>
             <a:endParaRPr lang="en-US"/>
           </a:p>
@@ -9589,7 +14155,7 @@
             <a:fld id="{1D8BD707-D9CF-40AE-B4C6-C98DA3205C09}" type="datetimeFigureOut">
               <a:rPr lang="en-US" smtClean="0"/>
               <a:pPr/>
-              <a:t>11/19/2012</a:t>
+              <a:t>11/20/2012</a:t>
             </a:fld>
             <a:endParaRPr lang="en-US"/>
           </a:p>
@@ -9828,7 +14394,7 @@
             <a:fld id="{1D8BD707-D9CF-40AE-B4C6-C98DA3205C09}" type="datetimeFigureOut">
               <a:rPr lang="en-US" smtClean="0"/>
               <a:pPr/>
-              <a:t>11/19/2012</a:t>
+              <a:t>11/20/2012</a:t>
             </a:fld>
             <a:endParaRPr lang="en-US"/>
           </a:p>
@@ -10204,6 +14770,153 @@
           <a:chExt cx="0" cy="0"/>
         </a:xfrm>
       </p:grpSpPr>
+    </p:spTree>
+    <p:extLst>
+      <p:ext uri="{BB962C8B-B14F-4D97-AF65-F5344CB8AC3E}">
+        <p14:creationId xmlns:p14="http://schemas.microsoft.com/office/powerpoint/2010/main" val="359168663"/>
+      </p:ext>
+    </p:extLst>
+  </p:cSld>
+  <p:clrMapOvr>
+    <a:masterClrMapping/>
+  </p:clrMapOvr>
+  <p:timing>
+    <p:tnLst>
+      <p:par>
+        <p:cTn id="1" dur="indefinite" restart="never" nodeType="tmRoot"/>
+      </p:par>
+    </p:tnLst>
+  </p:timing>
+</p:sld>
+</file>
+
+<file path=ppt/slides/slide10.xml><?xml version="1.0" encoding="utf-8"?>
+<p:sld xmlns:a="http://schemas.openxmlformats.org/drawingml/2006/main" xmlns:r="http://schemas.openxmlformats.org/officeDocument/2006/relationships" xmlns:p="http://schemas.openxmlformats.org/presentationml/2006/main">
+  <p:cSld>
+    <p:spTree>
+      <p:nvGrpSpPr>
+        <p:cNvPr id="1" name=""/>
+        <p:cNvGrpSpPr/>
+        <p:nvPr/>
+      </p:nvGrpSpPr>
+      <p:grpSpPr>
+        <a:xfrm>
+          <a:off x="0" y="0"/>
+          <a:ext cx="0" cy="0"/>
+          <a:chOff x="0" y="0"/>
+          <a:chExt cx="0" cy="0"/>
+        </a:xfrm>
+      </p:grpSpPr>
+      <p:graphicFrame>
+        <p:nvGraphicFramePr>
+          <p:cNvPr id="7" name="Diagram 6"/>
+          <p:cNvGraphicFramePr/>
+          <p:nvPr>
+            <p:extLst>
+              <p:ext uri="{D42A27DB-BD31-4B8C-83A1-F6EECF244321}">
+                <p14:modId xmlns:p14="http://schemas.microsoft.com/office/powerpoint/2010/main" val="3766894526"/>
+              </p:ext>
+            </p:extLst>
+          </p:nvPr>
+        </p:nvGraphicFramePr>
+        <p:xfrm>
+          <a:off x="1225257" y="231438"/>
+          <a:ext cx="6693486" cy="4462324"/>
+        </p:xfrm>
+        <a:graphic>
+          <a:graphicData uri="http://schemas.openxmlformats.org/drawingml/2006/diagram">
+            <dgm:relIds xmlns:dgm="http://schemas.openxmlformats.org/drawingml/2006/diagram" xmlns:r="http://schemas.openxmlformats.org/officeDocument/2006/relationships" r:dm="rId2" r:lo="rId3" r:qs="rId4" r:cs="rId5"/>
+          </a:graphicData>
+        </a:graphic>
+      </p:graphicFrame>
+      <p:sp>
+        <p:nvSpPr>
+          <p:cNvPr id="8" name="TextBox 7"/>
+          <p:cNvSpPr txBox="1"/>
+          <p:nvPr/>
+        </p:nvSpPr>
+        <p:spPr>
+          <a:xfrm>
+            <a:off x="431448" y="591486"/>
+            <a:ext cx="2430324" cy="830997"/>
+          </a:xfrm>
+          <a:prstGeom prst="rect">
+            <a:avLst/>
+          </a:prstGeom>
+        </p:spPr>
+        <p:style>
+          <a:lnRef idx="3">
+            <a:schemeClr val="lt1"/>
+          </a:lnRef>
+          <a:fillRef idx="1">
+            <a:schemeClr val="accent3"/>
+          </a:fillRef>
+          <a:effectRef idx="1">
+            <a:schemeClr val="accent3"/>
+          </a:effectRef>
+          <a:fontRef idx="minor">
+            <a:schemeClr val="lt1"/>
+          </a:fontRef>
+        </p:style>
+        <p:txBody>
+          <a:bodyPr wrap="square" rtlCol="0">
+            <a:spAutoFit/>
+          </a:bodyPr>
+          <a:lstStyle/>
+          <a:p>
+            <a:pPr algn="ctr"/>
+            <a:r>
+              <a:rPr lang="de-AT" sz="4800" dirty="0" err="1" smtClean="0"/>
+              <a:t>Results</a:t>
+            </a:r>
+            <a:r>
+              <a:rPr lang="de-AT" sz="4800" dirty="0" smtClean="0"/>
+              <a:t>?</a:t>
+            </a:r>
+            <a:endParaRPr lang="en-US" sz="4800" dirty="0"/>
+          </a:p>
+        </p:txBody>
+      </p:sp>
+    </p:spTree>
+    <p:extLst>
+      <p:ext uri="{BB962C8B-B14F-4D97-AF65-F5344CB8AC3E}">
+        <p14:creationId xmlns:p14="http://schemas.microsoft.com/office/powerpoint/2010/main" val="3825253278"/>
+      </p:ext>
+    </p:extLst>
+  </p:cSld>
+  <p:clrMapOvr>
+    <a:masterClrMapping/>
+  </p:clrMapOvr>
+  <p:transition spd="slow">
+    <p:push dir="u"/>
+  </p:transition>
+  <p:timing>
+    <p:tnLst>
+      <p:par>
+        <p:cTn id="1" dur="indefinite" restart="never" nodeType="tmRoot"/>
+      </p:par>
+    </p:tnLst>
+  </p:timing>
+</p:sld>
+</file>
+
+<file path=ppt/slides/slide2.xml><?xml version="1.0" encoding="utf-8"?>
+<p:sld xmlns:a="http://schemas.openxmlformats.org/drawingml/2006/main" xmlns:r="http://schemas.openxmlformats.org/officeDocument/2006/relationships" xmlns:p="http://schemas.openxmlformats.org/presentationml/2006/main">
+  <p:cSld>
+    <p:spTree>
+      <p:nvGrpSpPr>
+        <p:cNvPr id="1" name=""/>
+        <p:cNvGrpSpPr/>
+        <p:nvPr/>
+      </p:nvGrpSpPr>
+      <p:grpSpPr>
+        <a:xfrm>
+          <a:off x="0" y="0"/>
+          <a:ext cx="0" cy="0"/>
+          <a:chOff x="0" y="0"/>
+          <a:chExt cx="0" cy="0"/>
+        </a:xfrm>
+      </p:grpSpPr>
       <p:pic>
         <p:nvPicPr>
           <p:cNvPr id="1026" name="Picture 2" descr="D:\data\FH\Bachelorarbeit\svnroot\presentations\BAS_1\Chassis_Intenal-Components.jpg"/>
@@ -10244,15 +14957,7 @@
             <a:noFill/>
           </a:ln>
           <a:effectLst/>
-          <a:extLst>
-            <a:ext uri="{909E8E84-426E-40DD-AFC4-6F175D3DCCD1}">
-              <a14:hiddenFill xmlns:a14="http://schemas.microsoft.com/office/drawing/2010/main">
-                <a:solidFill>
-                  <a:srgbClr val="FFFFFF"/>
-                </a:solidFill>
-              </a14:hiddenFill>
-            </a:ext>
-          </a:extLst>
+          <a:extLst/>
         </p:spPr>
       </p:pic>
       <p:sp>
@@ -10482,6 +15187,9 @@
   <p:clrMapOvr>
     <a:masterClrMapping/>
   </p:clrMapOvr>
+  <p:transition spd="slow">
+    <p:push dir="u"/>
+  </p:transition>
   <p:timing>
     <p:tnLst>
       <p:par>
@@ -10578,6 +15286,94 @@
                       </p:childTnLst>
                     </p:cTn>
                   </p:par>
+                  <p:par>
+                    <p:cTn id="11" fill="hold">
+                      <p:stCondLst>
+                        <p:cond delay="indefinite"/>
+                      </p:stCondLst>
+                      <p:childTnLst>
+                        <p:par>
+                          <p:cTn id="12" fill="hold">
+                            <p:stCondLst>
+                              <p:cond delay="0"/>
+                            </p:stCondLst>
+                            <p:childTnLst>
+                              <p:par>
+                                <p:cTn id="13" presetID="10" presetClass="entr" presetSubtype="0" fill="hold" grpId="0" nodeType="clickEffect">
+                                  <p:stCondLst>
+                                    <p:cond delay="0"/>
+                                  </p:stCondLst>
+                                  <p:childTnLst>
+                                    <p:set>
+                                      <p:cBhvr>
+                                        <p:cTn id="14" dur="1" fill="hold">
+                                          <p:stCondLst>
+                                            <p:cond delay="0"/>
+                                          </p:stCondLst>
+                                        </p:cTn>
+                                        <p:tgtEl>
+                                          <p:spTgt spid="8"/>
+                                        </p:tgtEl>
+                                        <p:attrNameLst>
+                                          <p:attrName>style.visibility</p:attrName>
+                                        </p:attrNameLst>
+                                      </p:cBhvr>
+                                      <p:to>
+                                        <p:strVal val="visible"/>
+                                      </p:to>
+                                    </p:set>
+                                    <p:animEffect transition="in" filter="fade">
+                                      <p:cBhvr>
+                                        <p:cTn id="15" dur="500"/>
+                                        <p:tgtEl>
+                                          <p:spTgt spid="8"/>
+                                        </p:tgtEl>
+                                      </p:cBhvr>
+                                    </p:animEffect>
+                                  </p:childTnLst>
+                                </p:cTn>
+                              </p:par>
+                              <p:par>
+                                <p:cTn id="16" presetID="10" presetClass="entr" presetSubtype="0" fill="hold" grpId="0" nodeType="withEffect">
+                                  <p:stCondLst>
+                                    <p:cond delay="0"/>
+                                  </p:stCondLst>
+                                  <p:childTnLst>
+                                    <p:set>
+                                      <p:cBhvr>
+                                        <p:cTn id="17" dur="1" fill="hold">
+                                          <p:stCondLst>
+                                            <p:cond delay="0"/>
+                                          </p:stCondLst>
+                                        </p:cTn>
+                                        <p:tgtEl>
+                                          <p:spTgt spid="10"/>
+                                        </p:tgtEl>
+                                        <p:attrNameLst>
+                                          <p:attrName>style.visibility</p:attrName>
+                                        </p:attrNameLst>
+                                      </p:cBhvr>
+                                      <p:to>
+                                        <p:strVal val="visible"/>
+                                      </p:to>
+                                    </p:set>
+                                    <p:animEffect transition="in" filter="fade">
+                                      <p:cBhvr>
+                                        <p:cTn id="18" dur="500"/>
+                                        <p:tgtEl>
+                                          <p:spTgt spid="10"/>
+                                        </p:tgtEl>
+                                      </p:cBhvr>
+                                    </p:animEffect>
+                                  </p:childTnLst>
+                                </p:cTn>
+                              </p:par>
+                            </p:childTnLst>
+                          </p:cTn>
+                        </p:par>
+                      </p:childTnLst>
+                    </p:cTn>
+                  </p:par>
                 </p:childTnLst>
               </p:cTn>
               <p:prevCondLst>
@@ -10602,12 +15398,14 @@
     <p:bldLst>
       <p:bldP spid="5" grpId="0" animBg="1"/>
       <p:bldP spid="7" grpId="0" animBg="1"/>
+      <p:bldP spid="8" grpId="0" animBg="1"/>
+      <p:bldP spid="10" grpId="0" animBg="1"/>
     </p:bldLst>
   </p:timing>
 </p:sld>
 </file>
 
-<file path=ppt/slides/slide2.xml><?xml version="1.0" encoding="utf-8"?>
+<file path=ppt/slides/slide3.xml><?xml version="1.0" encoding="utf-8"?>
 <p:sld xmlns:a="http://schemas.openxmlformats.org/drawingml/2006/main" xmlns:r="http://schemas.openxmlformats.org/officeDocument/2006/relationships" xmlns:p="http://schemas.openxmlformats.org/presentationml/2006/main">
   <p:cSld>
     <p:spTree>
@@ -10774,15 +15572,7 @@
               <a:srgbClr val="FFFFFF"/>
             </a:contourClr>
           </a:sp3d>
-          <a:extLst>
-            <a:ext uri="{909E8E84-426E-40DD-AFC4-6F175D3DCCD1}">
-              <a14:hiddenFill xmlns:a14="http://schemas.microsoft.com/office/drawing/2010/main">
-                <a:solidFill>
-                  <a:srgbClr val="FFFFFF"/>
-                </a:solidFill>
-              </a14:hiddenFill>
-            </a:ext>
-          </a:extLst>
+          <a:extLst/>
         </p:spPr>
       </p:pic>
       <p:pic>
@@ -10844,15 +15634,7 @@
               <a:srgbClr val="FFFFFF"/>
             </a:contourClr>
           </a:sp3d>
-          <a:extLst>
-            <a:ext uri="{909E8E84-426E-40DD-AFC4-6F175D3DCCD1}">
-              <a14:hiddenFill xmlns:a14="http://schemas.microsoft.com/office/drawing/2010/main">
-                <a:solidFill>
-                  <a:srgbClr val="FFFFFF"/>
-                </a:solidFill>
-              </a14:hiddenFill>
-            </a:ext>
-          </a:extLst>
+          <a:extLst/>
         </p:spPr>
       </p:pic>
       <p:sp>
@@ -10966,15 +15748,7 @@
               <a:srgbClr val="FFFFFF"/>
             </a:contourClr>
           </a:sp3d>
-          <a:extLst>
-            <a:ext uri="{909E8E84-426E-40DD-AFC4-6F175D3DCCD1}">
-              <a14:hiddenFill xmlns:a14="http://schemas.microsoft.com/office/drawing/2010/main">
-                <a:solidFill>
-                  <a:srgbClr val="FFFFFF"/>
-                </a:solidFill>
-              </a14:hiddenFill>
-            </a:ext>
-          </a:extLst>
+          <a:extLst/>
         </p:spPr>
       </p:pic>
       <p:pic>
@@ -11034,15 +15808,7 @@
               <a:srgbClr val="FFFFFF"/>
             </a:contourClr>
           </a:sp3d>
-          <a:extLst>
-            <a:ext uri="{909E8E84-426E-40DD-AFC4-6F175D3DCCD1}">
-              <a14:hiddenFill xmlns:a14="http://schemas.microsoft.com/office/drawing/2010/main">
-                <a:solidFill>
-                  <a:srgbClr val="FFFFFF"/>
-                </a:solidFill>
-              </a14:hiddenFill>
-            </a:ext>
-          </a:extLst>
+          <a:extLst/>
         </p:spPr>
       </p:pic>
       <p:pic>
@@ -11167,7 +15933,6 @@
               <a:rPr lang="en-US" sz="4800" dirty="0"/>
               <a:t>GPGPU</a:t>
             </a:r>
-            <a:endParaRPr lang="en-US" sz="4800" dirty="0"/>
           </a:p>
         </p:txBody>
       </p:sp>
@@ -11181,6 +15946,9 @@
   <p:clrMapOvr>
     <a:masterClrMapping/>
   </p:clrMapOvr>
+  <p:transition spd="slow">
+    <p:push dir="u"/>
+  </p:transition>
   <p:timing>
     <p:tnLst>
       <p:par>
@@ -11429,7 +16197,7 @@
 </p:sld>
 </file>
 
-<file path=ppt/slides/slide3.xml><?xml version="1.0" encoding="utf-8"?>
+<file path=ppt/slides/slide4.xml><?xml version="1.0" encoding="utf-8"?>
 <p:sld xmlns:a="http://schemas.openxmlformats.org/drawingml/2006/main" xmlns:r="http://schemas.openxmlformats.org/officeDocument/2006/relationships" xmlns:p="http://schemas.openxmlformats.org/presentationml/2006/main">
   <p:cSld>
     <p:spTree>
@@ -11505,15 +16273,7 @@
               <a:srgbClr val="FFFFFF"/>
             </a:contourClr>
           </a:sp3d>
-          <a:extLst>
-            <a:ext uri="{909E8E84-426E-40DD-AFC4-6F175D3DCCD1}">
-              <a14:hiddenFill xmlns:a14="http://schemas.microsoft.com/office/drawing/2010/main">
-                <a:solidFill>
-                  <a:srgbClr val="FFFFFF"/>
-                </a:solidFill>
-              </a14:hiddenFill>
-            </a:ext>
-          </a:extLst>
+          <a:extLst/>
         </p:spPr>
       </p:pic>
       <p:graphicFrame>
@@ -11523,14 +16283,14 @@
           <p:nvPr>
             <p:extLst>
               <p:ext uri="{D42A27DB-BD31-4B8C-83A1-F6EECF244321}">
-                <p14:modId xmlns:p14="http://schemas.microsoft.com/office/powerpoint/2010/main" val="83880676"/>
+                <p14:modId xmlns:p14="http://schemas.microsoft.com/office/powerpoint/2010/main" val="649804066"/>
               </p:ext>
             </p:extLst>
           </p:nvPr>
         </p:nvGraphicFramePr>
         <p:xfrm>
-          <a:off x="1524000" y="539750"/>
-          <a:ext cx="6096000" cy="4064000"/>
+          <a:off x="4752024" y="771510"/>
+          <a:ext cx="3248596" cy="3240519"/>
         </p:xfrm>
         <a:graphic>
           <a:graphicData uri="http://schemas.openxmlformats.org/drawingml/2006/diagram">
@@ -11548,6 +16308,9 @@
   <p:clrMapOvr>
     <a:masterClrMapping/>
   </p:clrMapOvr>
+  <p:transition spd="slow">
+    <p:push dir="u"/>
+  </p:transition>
   <p:timing>
     <p:tnLst>
       <p:par>
@@ -11569,14 +16332,45 @@
                             </p:stCondLst>
                             <p:childTnLst>
                               <p:par>
-                                <p:cTn id="5" presetID="10" presetClass="entr" presetSubtype="0" fill="hold" grpId="0" nodeType="clickEffect">
+                                <p:cTn id="5" presetID="42" presetClass="path" presetSubtype="0" accel="50000" decel="50000" fill="hold" nodeType="clickEffect">
+                                  <p:stCondLst>
+                                    <p:cond delay="0"/>
+                                  </p:stCondLst>
+                                  <p:childTnLst>
+                                    <p:animMotion origin="layout" path="M -4.16667E-6 1.93091E-6 L -0.19687 0.00031 " pathEditMode="relative" rAng="0" ptsTypes="AA">
+                                      <p:cBhvr>
+                                        <p:cTn id="6" dur="1000" fill="hold"/>
+                                        <p:tgtEl>
+                                          <p:spTgt spid="3074"/>
+                                        </p:tgtEl>
+                                        <p:attrNameLst>
+                                          <p:attrName>ppt_x</p:attrName>
+                                          <p:attrName>ppt_y</p:attrName>
+                                        </p:attrNameLst>
+                                      </p:cBhvr>
+                                      <p:rCtr x="-9844" y="0"/>
+                                    </p:animMotion>
+                                  </p:childTnLst>
+                                </p:cTn>
+                              </p:par>
+                            </p:childTnLst>
+                          </p:cTn>
+                        </p:par>
+                        <p:par>
+                          <p:cTn id="7" fill="hold">
+                            <p:stCondLst>
+                              <p:cond delay="1000"/>
+                            </p:stCondLst>
+                            <p:childTnLst>
+                              <p:par>
+                                <p:cTn id="8" presetID="10" presetClass="entr" presetSubtype="0" fill="hold" grpId="0" nodeType="afterEffect">
                                   <p:stCondLst>
                                     <p:cond delay="0"/>
                                   </p:stCondLst>
                                   <p:childTnLst>
                                     <p:set>
                                       <p:cBhvr>
-                                        <p:cTn id="6" dur="1" fill="hold">
+                                        <p:cTn id="9" dur="1" fill="hold">
                                           <p:stCondLst>
                                             <p:cond delay="0"/>
                                           </p:stCondLst>
@@ -11594,7 +16388,7 @@
                                     </p:set>
                                     <p:animEffect transition="in" filter="fade">
                                       <p:cBhvr>
-                                        <p:cTn id="7" dur="500"/>
+                                        <p:cTn id="10" dur="500"/>
                                         <p:tgtEl>
                                           <p:spTgt spid="8"/>
                                         </p:tgtEl>
@@ -11639,7 +16433,7 @@
 </p:sld>
 </file>
 
-<file path=ppt/slides/slide4.xml><?xml version="1.0" encoding="utf-8"?>
+<file path=ppt/slides/slide5.xml><?xml version="1.0" encoding="utf-8"?>
 <p:sld xmlns:a="http://schemas.openxmlformats.org/drawingml/2006/main" xmlns:r="http://schemas.openxmlformats.org/officeDocument/2006/relationships" xmlns:p="http://schemas.openxmlformats.org/presentationml/2006/main">
   <p:cSld>
     <p:spTree>
@@ -11787,34 +16581,7 @@
               <a:srgbClr val="FFFFFF"/>
             </a:contourClr>
           </a:sp3d>
-          <a:extLst>
-            <a:ext uri="{909E8E84-426E-40DD-AFC4-6F175D3DCCD1}">
-              <a14:hiddenFill xmlns:a14="http://schemas.microsoft.com/office/drawing/2010/main">
-                <a:solidFill>
-                  <a:schemeClr val="accent1"/>
-                </a:solidFill>
-              </a14:hiddenFill>
-            </a:ext>
-            <a:ext uri="{91240B29-F687-4F45-9708-019B960494DF}">
-              <a14:hiddenLine xmlns:a14="http://schemas.microsoft.com/office/drawing/2010/main" w="9525">
-                <a:solidFill>
-                  <a:schemeClr val="tx1"/>
-                </a:solidFill>
-                <a:miter lim="800000"/>
-                <a:headEnd/>
-                <a:tailEnd/>
-              </a14:hiddenLine>
-            </a:ext>
-            <a:ext uri="{AF507438-7753-43E0-B8FC-AC1667EBCBE1}">
-              <a14:hiddenEffects xmlns:a14="http://schemas.microsoft.com/office/drawing/2010/main">
-                <a:effectLst>
-                  <a:outerShdw dist="35921" dir="2700000" algn="ctr" rotWithShape="0">
-                    <a:schemeClr val="bg2"/>
-                  </a:outerShdw>
-                </a:effectLst>
-              </a14:hiddenEffects>
-            </a:ext>
-          </a:extLst>
+          <a:extLst/>
         </p:spPr>
       </p:pic>
     </p:spTree>
@@ -11827,6 +16594,9 @@
   <p:clrMapOvr>
     <a:masterClrMapping/>
   </p:clrMapOvr>
+  <p:transition spd="slow">
+    <p:push dir="u"/>
+  </p:transition>
   <p:timing>
     <p:tnLst>
       <p:par>
@@ -11837,7 +16607,7 @@
 </p:sld>
 </file>
 
-<file path=ppt/slides/slide5.xml><?xml version="1.0" encoding="utf-8"?>
+<file path=ppt/slides/slide6.xml><?xml version="1.0" encoding="utf-8"?>
 <p:sld xmlns:a="http://schemas.openxmlformats.org/drawingml/2006/main" xmlns:r="http://schemas.openxmlformats.org/officeDocument/2006/relationships" xmlns:p="http://schemas.openxmlformats.org/presentationml/2006/main">
   <p:cSld>
     <p:spTree>
@@ -11930,6 +16700,9 @@
   <p:clrMapOvr>
     <a:masterClrMapping/>
   </p:clrMapOvr>
+  <p:transition spd="slow">
+    <p:push dir="u"/>
+  </p:transition>
   <p:timing>
     <p:tnLst>
       <p:par>
@@ -11940,7 +16713,7 @@
 </p:sld>
 </file>
 
-<file path=ppt/slides/slide6.xml><?xml version="1.0" encoding="utf-8"?>
+<file path=ppt/slides/slide7.xml><?xml version="1.0" encoding="utf-8"?>
 <p:sld xmlns:a="http://schemas.openxmlformats.org/drawingml/2006/main" xmlns:r="http://schemas.openxmlformats.org/officeDocument/2006/relationships" xmlns:p="http://schemas.openxmlformats.org/presentationml/2006/main">
   <p:cSld>
     <p:spTree>
@@ -12579,15 +17352,7 @@
               <a:srgbClr val="FFFFFF"/>
             </a:contourClr>
           </a:sp3d>
-          <a:extLst>
-            <a:ext uri="{909E8E84-426E-40DD-AFC4-6F175D3DCCD1}">
-              <a14:hiddenFill xmlns:a14="http://schemas.microsoft.com/office/drawing/2010/main">
-                <a:solidFill>
-                  <a:srgbClr val="FFFFFF"/>
-                </a:solidFill>
-              </a14:hiddenFill>
-            </a:ext>
-          </a:extLst>
+          <a:extLst/>
         </p:spPr>
       </p:pic>
     </p:spTree>
@@ -12600,6 +17365,9 @@
   <p:clrMapOvr>
     <a:masterClrMapping/>
   </p:clrMapOvr>
+  <p:transition spd="slow">
+    <p:push dir="u"/>
+  </p:transition>
   <p:timing>
     <p:tnLst>
       <p:par>
@@ -12610,7 +17378,7 @@
 </p:sld>
 </file>
 
-<file path=ppt/slides/slide7.xml><?xml version="1.0" encoding="utf-8"?>
+<file path=ppt/slides/slide8.xml><?xml version="1.0" encoding="utf-8"?>
 <p:sld xmlns:a="http://schemas.openxmlformats.org/drawingml/2006/main" xmlns:r="http://schemas.openxmlformats.org/officeDocument/2006/relationships" xmlns:p="http://schemas.openxmlformats.org/presentationml/2006/main">
   <p:cSld>
     <p:spTree>
@@ -13800,6 +18568,9 @@
   <p:clrMapOvr>
     <a:masterClrMapping/>
   </p:clrMapOvr>
+  <p:transition spd="slow">
+    <p:push dir="u"/>
+  </p:transition>
   <p:timing>
     <p:tnLst>
       <p:par>
@@ -13810,7 +18581,7 @@
 </p:sld>
 </file>
 
-<file path=ppt/slides/slide8.xml><?xml version="1.0" encoding="utf-8"?>
+<file path=ppt/slides/slide9.xml><?xml version="1.0" encoding="utf-8"?>
 <p:sld xmlns:a="http://schemas.openxmlformats.org/drawingml/2006/main" xmlns:r="http://schemas.openxmlformats.org/officeDocument/2006/relationships" xmlns:p="http://schemas.openxmlformats.org/presentationml/2006/main">
   <p:cSld>
     <p:spTree>
@@ -14147,6 +18918,9 @@
   <p:clrMapOvr>
     <a:masterClrMapping/>
   </p:clrMapOvr>
+  <p:transition spd="slow">
+    <p:push dir="u"/>
+  </p:transition>
   <p:timing>
     <p:tnLst>
       <p:par>

--- a/presentations/BAS_1/OpenCL.pptx
+++ b/presentations/BAS_1/OpenCL.pptx
@@ -2451,10 +2451,10 @@
             <a:schemeClr val="lt1"/>
           </a:lnRef>
           <a:fillRef idx="1">
-            <a:schemeClr val="accent6"/>
+            <a:schemeClr val="accent3"/>
           </a:fillRef>
           <a:effectRef idx="1">
-            <a:schemeClr val="accent6"/>
+            <a:schemeClr val="accent3"/>
           </a:effectRef>
           <a:fontRef idx="minor">
             <a:schemeClr val="lt1"/>
@@ -2519,12 +2519,8 @@
         <a:lstStyle/>
         <a:p>
           <a:r>
-            <a:rPr lang="en-US" dirty="0" err="1" smtClean="0"/>
-            <a:t>OpenCL</a:t>
-          </a:r>
-          <a:r>
             <a:rPr lang="en-US" dirty="0" smtClean="0"/>
-            <a:t> Driver</a:t>
+            <a:t>OpenCL Driver</a:t>
           </a:r>
           <a:endParaRPr lang="en-US" dirty="0"/>
         </a:p>
@@ -2559,10 +2555,10 @@
             <a:schemeClr val="lt1"/>
           </a:lnRef>
           <a:fillRef idx="1">
-            <a:schemeClr val="accent3"/>
+            <a:schemeClr val="accent4"/>
           </a:fillRef>
           <a:effectRef idx="1">
-            <a:schemeClr val="accent3"/>
+            <a:schemeClr val="accent4"/>
           </a:effectRef>
           <a:fontRef idx="minor">
             <a:schemeClr val="lt1"/>
@@ -2575,12 +2571,8 @@
         <a:lstStyle/>
         <a:p>
           <a:r>
-            <a:rPr lang="en-US" dirty="0" err="1" smtClean="0"/>
-            <a:t>OpenCL</a:t>
-          </a:r>
-          <a:r>
             <a:rPr lang="en-US" dirty="0" smtClean="0"/>
-            <a:t> API</a:t>
+            <a:t>OpenCL API</a:t>
           </a:r>
           <a:endParaRPr lang="en-US" dirty="0"/>
         </a:p>
@@ -2631,12 +2623,8 @@
         <a:lstStyle/>
         <a:p>
           <a:r>
-            <a:rPr lang="en-US" dirty="0" err="1" smtClean="0"/>
-            <a:t>OpenCL</a:t>
-          </a:r>
-          <a:r>
             <a:rPr lang="en-US" dirty="0" smtClean="0"/>
-            <a:t> C Compiler</a:t>
+            <a:t>OpenCL C Compiler</a:t>
           </a:r>
           <a:endParaRPr lang="en-US" dirty="0"/>
         </a:p>
@@ -2671,10 +2659,10 @@
             <a:schemeClr val="lt1"/>
           </a:lnRef>
           <a:fillRef idx="1">
-            <a:schemeClr val="accent5"/>
+            <a:schemeClr val="accent6"/>
           </a:fillRef>
           <a:effectRef idx="1">
-            <a:schemeClr val="accent5"/>
+            <a:schemeClr val="accent6"/>
           </a:effectRef>
           <a:fontRef idx="minor">
             <a:schemeClr val="lt1"/>
@@ -2723,10 +2711,10 @@
             <a:schemeClr val="lt1"/>
           </a:lnRef>
           <a:fillRef idx="1">
-            <a:schemeClr val="accent1"/>
+            <a:schemeClr val="accent6"/>
           </a:fillRef>
           <a:effectRef idx="1">
-            <a:schemeClr val="accent1"/>
+            <a:schemeClr val="accent6"/>
           </a:effectRef>
           <a:fontRef idx="minor">
             <a:schemeClr val="lt1"/>
@@ -2739,12 +2727,8 @@
         <a:lstStyle/>
         <a:p>
           <a:r>
-            <a:rPr lang="en-US" dirty="0" err="1" smtClean="0"/>
-            <a:t>OpenCL</a:t>
-          </a:r>
-          <a:r>
             <a:rPr lang="en-US" dirty="0" smtClean="0"/>
-            <a:t> Kernels</a:t>
+            <a:t>OpenCL Kernels</a:t>
           </a:r>
           <a:endParaRPr lang="en-US" dirty="0"/>
         </a:p>
@@ -3000,7 +2984,7 @@
   <dgm:whole/>
   <dgm:extLst>
     <a:ext uri="http://schemas.microsoft.com/office/drawing/2008/diagram">
-      <dsp:dataModelExt xmlns:dsp="http://schemas.microsoft.com/office/drawing/2008/diagram" relId="rId7" minVer="http://schemas.openxmlformats.org/drawingml/2006/diagram"/>
+      <dsp:dataModelExt xmlns:dsp="http://schemas.microsoft.com/office/drawing/2008/diagram" relId="rId8" minVer="http://schemas.openxmlformats.org/drawingml/2006/diagram"/>
     </a:ext>
   </dgm:extLst>
 </dgm:dataModel>
@@ -3489,6 +3473,13 @@
         </dgm:presLayoutVars>
       </dgm:prSet>
       <dgm:spPr/>
+      <dgm:t>
+        <a:bodyPr/>
+        <a:lstStyle/>
+        <a:p>
+          <a:endParaRPr lang="en-US"/>
+        </a:p>
+      </dgm:t>
     </dgm:pt>
     <dgm:pt modelId="{CA4E46A2-7984-40C8-B9D5-65E5094C7022}" type="pres">
       <dgm:prSet presAssocID="{2FC93E6D-CE85-423D-B821-3E0EBEB6883B}" presName="Accent2" presStyleCnt="0"/>
@@ -3507,6 +3498,13 @@
         </dgm:presLayoutVars>
       </dgm:prSet>
       <dgm:spPr/>
+      <dgm:t>
+        <a:bodyPr/>
+        <a:lstStyle/>
+        <a:p>
+          <a:endParaRPr lang="en-US"/>
+        </a:p>
+      </dgm:t>
     </dgm:pt>
     <dgm:pt modelId="{B1EC30EC-6B67-4DD0-803F-02091C695D2F}" type="pres">
       <dgm:prSet presAssocID="{6170F9BC-A939-44B3-AD8A-FBA10CCE3037}" presName="Accent3" presStyleCnt="0"/>
@@ -3525,6 +3523,13 @@
         </dgm:presLayoutVars>
       </dgm:prSet>
       <dgm:spPr/>
+      <dgm:t>
+        <a:bodyPr/>
+        <a:lstStyle/>
+        <a:p>
+          <a:endParaRPr lang="en-US"/>
+        </a:p>
+      </dgm:t>
     </dgm:pt>
   </dgm:ptLst>
   <dgm:cxnLst>
@@ -3533,8 +3538,8 @@
     <dgm:cxn modelId="{D90C8446-DE61-46C7-9ADB-A2AFD64BC077}" srcId="{3641C281-B84B-41AA-BF3C-FC38CA2820DB}" destId="{2FC93E6D-CE85-423D-B821-3E0EBEB6883B}" srcOrd="1" destOrd="0" parTransId="{A0E96022-18A1-4900-A43E-32B9A0844B1D}" sibTransId="{67ABD75D-4F2D-48F4-B00D-CBE87C74253D}"/>
     <dgm:cxn modelId="{4FEA4C12-B33E-487B-9975-1439085288ED}" srcId="{3641C281-B84B-41AA-BF3C-FC38CA2820DB}" destId="{6170F9BC-A939-44B3-AD8A-FBA10CCE3037}" srcOrd="2" destOrd="0" parTransId="{D7DB0869-4DDC-4C0E-BC38-85563BC78E64}" sibTransId="{4DE7F452-68C8-48F9-8DD1-A2E3FAC9817D}"/>
     <dgm:cxn modelId="{485BDBF3-D8C0-4DB6-94D4-59A2B610403D}" type="presOf" srcId="{6170F9BC-A939-44B3-AD8A-FBA10CCE3037}" destId="{0528A936-3559-4B27-89F2-0EC4544A63EC}" srcOrd="0" destOrd="0" presId="urn:microsoft.com/office/officeart/2009/layout/CircleArrowProcess"/>
+    <dgm:cxn modelId="{25ECC1CD-867D-4D42-8B9D-2FBD5C6BDE20}" type="presOf" srcId="{2FC93E6D-CE85-423D-B821-3E0EBEB6883B}" destId="{4C9189C0-B4F2-47D5-8547-C29DDCBFDCF6}" srcOrd="0" destOrd="0" presId="urn:microsoft.com/office/officeart/2009/layout/CircleArrowProcess"/>
     <dgm:cxn modelId="{D91DC3FD-AFE9-43CE-B95A-CD459B22F276}" srcId="{3641C281-B84B-41AA-BF3C-FC38CA2820DB}" destId="{5B84C4CA-7D9B-4F18-A34A-67D93C0CB7CA}" srcOrd="0" destOrd="0" parTransId="{A3F6544F-C569-4F50-B675-60F8A0ECE2AF}" sibTransId="{4747D2DD-6192-491A-B149-FD23808E8AEF}"/>
-    <dgm:cxn modelId="{25ECC1CD-867D-4D42-8B9D-2FBD5C6BDE20}" type="presOf" srcId="{2FC93E6D-CE85-423D-B821-3E0EBEB6883B}" destId="{4C9189C0-B4F2-47D5-8547-C29DDCBFDCF6}" srcOrd="0" destOrd="0" presId="urn:microsoft.com/office/officeart/2009/layout/CircleArrowProcess"/>
     <dgm:cxn modelId="{37664AA0-E585-4425-8661-B3CD19013914}" type="presParOf" srcId="{5BA6A6F9-389F-447E-ACE8-E96AB7E52F5C}" destId="{B762E3DF-F437-47DC-82F6-D5E38A806AD8}" srcOrd="0" destOrd="0" presId="urn:microsoft.com/office/officeart/2009/layout/CircleArrowProcess"/>
     <dgm:cxn modelId="{465E6D67-3899-4A48-8684-31BDA657C6C6}" type="presParOf" srcId="{B762E3DF-F437-47DC-82F6-D5E38A806AD8}" destId="{9F6D928F-326D-44A3-BBFF-E871DAE748D7}" srcOrd="0" destOrd="0" presId="urn:microsoft.com/office/officeart/2009/layout/CircleArrowProcess"/>
     <dgm:cxn modelId="{F6E6E89B-F59F-4DFD-833E-22F34769F31E}" type="presParOf" srcId="{5BA6A6F9-389F-447E-ACE8-E96AB7E52F5C}" destId="{93F4FA67-5CAE-43CA-B731-5A4E44AEA011}" srcOrd="1" destOrd="0" presId="urn:microsoft.com/office/officeart/2009/layout/CircleArrowProcess"/>
@@ -3549,7 +3554,7 @@
   <dgm:whole/>
   <dgm:extLst>
     <a:ext uri="http://schemas.microsoft.com/office/drawing/2008/diagram">
-      <dsp:dataModelExt xmlns:dsp="http://schemas.microsoft.com/office/drawing/2008/diagram" relId="rId6" minVer="http://schemas.openxmlformats.org/drawingml/2006/diagram"/>
+      <dsp:dataModelExt xmlns:dsp="http://schemas.microsoft.com/office/drawing/2008/diagram" relId="rId7" minVer="http://schemas.openxmlformats.org/drawingml/2006/diagram"/>
     </a:ext>
   </dgm:extLst>
 </dgm:dataModel>
@@ -3579,7 +3584,7 @@
           </a:avLst>
         </a:prstGeom>
         <a:solidFill>
-          <a:schemeClr val="accent6"/>
+          <a:schemeClr val="accent3"/>
         </a:solidFill>
         <a:ln w="38100" cap="flat" cmpd="sng" algn="ctr">
           <a:solidFill>
@@ -3600,10 +3605,10 @@
           <a:schemeClr val="lt1"/>
         </a:lnRef>
         <a:fillRef idx="1">
-          <a:schemeClr val="accent6"/>
+          <a:schemeClr val="accent3"/>
         </a:fillRef>
         <a:effectRef idx="1">
-          <a:schemeClr val="accent6"/>
+          <a:schemeClr val="accent3"/>
         </a:effectRef>
         <a:fontRef idx="minor">
           <a:schemeClr val="lt1"/>
@@ -3702,12 +3707,8 @@
             </a:spcAft>
           </a:pPr>
           <a:r>
-            <a:rPr lang="en-US" sz="3300" kern="1200" dirty="0" err="1" smtClean="0"/>
-            <a:t>OpenCL</a:t>
-          </a:r>
-          <a:r>
             <a:rPr lang="en-US" sz="3300" kern="1200" dirty="0" smtClean="0"/>
-            <a:t> Driver</a:t>
+            <a:t>OpenCL Driver</a:t>
           </a:r>
           <a:endParaRPr lang="en-US" sz="3300" kern="1200" dirty="0"/>
         </a:p>
@@ -3733,7 +3734,7 @@
           </a:avLst>
         </a:prstGeom>
         <a:solidFill>
-          <a:schemeClr val="accent3"/>
+          <a:schemeClr val="accent4"/>
         </a:solidFill>
         <a:ln w="38100" cap="flat" cmpd="sng" algn="ctr">
           <a:solidFill>
@@ -3754,10 +3755,10 @@
           <a:schemeClr val="lt1"/>
         </a:lnRef>
         <a:fillRef idx="1">
-          <a:schemeClr val="accent3"/>
+          <a:schemeClr val="accent4"/>
         </a:fillRef>
         <a:effectRef idx="1">
-          <a:schemeClr val="accent3"/>
+          <a:schemeClr val="accent4"/>
         </a:effectRef>
         <a:fontRef idx="minor">
           <a:schemeClr val="lt1"/>
@@ -3781,12 +3782,8 @@
             </a:spcAft>
           </a:pPr>
           <a:r>
-            <a:rPr lang="en-US" sz="2000" kern="1200" dirty="0" err="1" smtClean="0"/>
-            <a:t>OpenCL</a:t>
-          </a:r>
-          <a:r>
             <a:rPr lang="en-US" sz="2000" kern="1200" dirty="0" smtClean="0"/>
-            <a:t> API</a:t>
+            <a:t>OpenCL API</a:t>
           </a:r>
           <a:endParaRPr lang="en-US" sz="2000" kern="1200" dirty="0"/>
         </a:p>
@@ -3812,7 +3809,7 @@
           </a:avLst>
         </a:prstGeom>
         <a:solidFill>
-          <a:schemeClr val="accent5"/>
+          <a:schemeClr val="accent6"/>
         </a:solidFill>
         <a:ln w="38100" cap="flat" cmpd="sng" algn="ctr">
           <a:solidFill>
@@ -3833,10 +3830,10 @@
           <a:schemeClr val="lt1"/>
         </a:lnRef>
         <a:fillRef idx="1">
-          <a:schemeClr val="accent5"/>
+          <a:schemeClr val="accent6"/>
         </a:fillRef>
         <a:effectRef idx="1">
-          <a:schemeClr val="accent5"/>
+          <a:schemeClr val="accent6"/>
         </a:effectRef>
         <a:fontRef idx="minor">
           <a:schemeClr val="lt1"/>
@@ -3935,12 +3932,8 @@
             </a:spcAft>
           </a:pPr>
           <a:r>
-            <a:rPr lang="en-US" sz="2000" kern="1200" dirty="0" err="1" smtClean="0"/>
-            <a:t>OpenCL</a:t>
-          </a:r>
-          <a:r>
             <a:rPr lang="en-US" sz="2000" kern="1200" dirty="0" smtClean="0"/>
-            <a:t> C Compiler</a:t>
+            <a:t>OpenCL C Compiler</a:t>
           </a:r>
           <a:endParaRPr lang="en-US" sz="2000" kern="1200" dirty="0"/>
         </a:p>
@@ -3966,7 +3959,7 @@
           </a:avLst>
         </a:prstGeom>
         <a:solidFill>
-          <a:schemeClr val="accent1"/>
+          <a:schemeClr val="accent6"/>
         </a:solidFill>
         <a:ln w="38100" cap="flat" cmpd="sng" algn="ctr">
           <a:solidFill>
@@ -3987,10 +3980,10 @@
           <a:schemeClr val="lt1"/>
         </a:lnRef>
         <a:fillRef idx="1">
-          <a:schemeClr val="accent1"/>
+          <a:schemeClr val="accent6"/>
         </a:fillRef>
         <a:effectRef idx="1">
-          <a:schemeClr val="accent1"/>
+          <a:schemeClr val="accent6"/>
         </a:effectRef>
         <a:fontRef idx="minor">
           <a:schemeClr val="lt1"/>
@@ -4014,12 +4007,8 @@
             </a:spcAft>
           </a:pPr>
           <a:r>
-            <a:rPr lang="en-US" sz="2000" kern="1200" dirty="0" err="1" smtClean="0"/>
-            <a:t>OpenCL</a:t>
-          </a:r>
-          <a:r>
             <a:rPr lang="en-US" sz="2000" kern="1200" dirty="0" smtClean="0"/>
-            <a:t> Kernels</a:t>
+            <a:t>OpenCL Kernels</a:t>
           </a:r>
           <a:endParaRPr lang="en-US" sz="2000" kern="1200" dirty="0"/>
         </a:p>
@@ -11503,7 +11492,508 @@
           <a:bodyPr/>
           <a:lstStyle/>
           <a:p>
-            <a:endParaRPr lang="en-US" dirty="0"/>
+            <a:r>
+              <a:rPr lang="de-AT" dirty="0" smtClean="0"/>
+              <a:t>The GPU, </a:t>
+            </a:r>
+            <a:r>
+              <a:rPr lang="de-AT" dirty="0" err="1" smtClean="0"/>
+              <a:t>the</a:t>
+            </a:r>
+            <a:r>
+              <a:rPr lang="de-AT" dirty="0" smtClean="0"/>
+              <a:t> Graphics Processing</a:t>
+            </a:r>
+            <a:r>
+              <a:rPr lang="de-AT" baseline="0" dirty="0" smtClean="0"/>
+              <a:t> Unit, </a:t>
+            </a:r>
+            <a:r>
+              <a:rPr lang="de-AT" baseline="0" dirty="0" err="1" smtClean="0"/>
+              <a:t>is</a:t>
+            </a:r>
+            <a:r>
+              <a:rPr lang="de-AT" baseline="0" dirty="0" smtClean="0"/>
+              <a:t> </a:t>
+            </a:r>
+            <a:r>
+              <a:rPr lang="de-AT" baseline="0" dirty="0" err="1" smtClean="0"/>
+              <a:t>usually</a:t>
+            </a:r>
+            <a:r>
+              <a:rPr lang="de-AT" baseline="0" dirty="0" smtClean="0"/>
+              <a:t> </a:t>
+            </a:r>
+            <a:r>
+              <a:rPr lang="de-AT" baseline="0" dirty="0" err="1" smtClean="0"/>
+              <a:t>used</a:t>
+            </a:r>
+            <a:r>
+              <a:rPr lang="de-AT" baseline="0" dirty="0" smtClean="0"/>
+              <a:t> </a:t>
+            </a:r>
+            <a:r>
+              <a:rPr lang="de-AT" baseline="0" dirty="0" err="1" smtClean="0"/>
+              <a:t>to</a:t>
+            </a:r>
+            <a:r>
+              <a:rPr lang="de-AT" baseline="0" dirty="0" smtClean="0"/>
+              <a:t> </a:t>
+            </a:r>
+            <a:r>
+              <a:rPr lang="de-AT" baseline="0" dirty="0" err="1" smtClean="0"/>
+              <a:t>process</a:t>
+            </a:r>
+            <a:r>
+              <a:rPr lang="de-AT" baseline="0" dirty="0" smtClean="0"/>
+              <a:t> </a:t>
+            </a:r>
+            <a:r>
+              <a:rPr lang="de-AT" baseline="0" dirty="0" err="1" smtClean="0"/>
+              <a:t>graphics</a:t>
+            </a:r>
+            <a:r>
+              <a:rPr lang="de-AT" baseline="0" dirty="0" smtClean="0"/>
+              <a:t> </a:t>
+            </a:r>
+            <a:r>
+              <a:rPr lang="de-AT" baseline="0" dirty="0" err="1" smtClean="0"/>
+              <a:t>and</a:t>
+            </a:r>
+            <a:r>
+              <a:rPr lang="de-AT" baseline="0" dirty="0" smtClean="0"/>
+              <a:t> </a:t>
+            </a:r>
+            <a:r>
+              <a:rPr lang="de-AT" baseline="0" dirty="0" err="1" smtClean="0"/>
+              <a:t>calculate</a:t>
+            </a:r>
+            <a:r>
+              <a:rPr lang="de-AT" baseline="0" dirty="0" smtClean="0"/>
+              <a:t> </a:t>
+            </a:r>
+            <a:r>
+              <a:rPr lang="de-AT" baseline="0" dirty="0" err="1" smtClean="0"/>
+              <a:t>geometry</a:t>
+            </a:r>
+            <a:r>
+              <a:rPr lang="de-AT" baseline="0" dirty="0" smtClean="0"/>
+              <a:t>. </a:t>
+            </a:r>
+          </a:p>
+          <a:p>
+            <a:r>
+              <a:rPr lang="de-AT" baseline="0" dirty="0" err="1" smtClean="0"/>
+              <a:t>Favourite</a:t>
+            </a:r>
+            <a:r>
+              <a:rPr lang="de-AT" baseline="0" dirty="0" smtClean="0"/>
+              <a:t> </a:t>
+            </a:r>
+            <a:r>
+              <a:rPr lang="de-AT" baseline="0" dirty="0" err="1" smtClean="0"/>
+              <a:t>game</a:t>
+            </a:r>
+            <a:r>
+              <a:rPr lang="de-AT" baseline="0" dirty="0" smtClean="0"/>
+              <a:t>, </a:t>
+            </a:r>
+            <a:r>
+              <a:rPr lang="de-AT" baseline="0" dirty="0" err="1" smtClean="0"/>
+              <a:t>shadows</a:t>
+            </a:r>
+            <a:r>
+              <a:rPr lang="de-AT" baseline="0" dirty="0" smtClean="0"/>
+              <a:t>, </a:t>
+            </a:r>
+            <a:r>
+              <a:rPr lang="de-AT" baseline="0" dirty="0" err="1" smtClean="0"/>
+              <a:t>textures</a:t>
+            </a:r>
+            <a:r>
+              <a:rPr lang="de-AT" baseline="0" dirty="0" smtClean="0"/>
+              <a:t>, </a:t>
+            </a:r>
+            <a:r>
+              <a:rPr lang="de-AT" baseline="0" dirty="0" err="1" smtClean="0"/>
+              <a:t>lot's</a:t>
+            </a:r>
+            <a:r>
+              <a:rPr lang="de-AT" baseline="0" dirty="0" smtClean="0"/>
+              <a:t> </a:t>
+            </a:r>
+            <a:r>
+              <a:rPr lang="de-AT" baseline="0" dirty="0" err="1" smtClean="0"/>
+              <a:t>of</a:t>
+            </a:r>
+            <a:r>
+              <a:rPr lang="de-AT" baseline="0" dirty="0" smtClean="0"/>
+              <a:t> </a:t>
+            </a:r>
+            <a:r>
+              <a:rPr lang="de-AT" baseline="0" dirty="0" err="1" smtClean="0"/>
+              <a:t>triangles</a:t>
+            </a:r>
+            <a:endParaRPr lang="de-AT" baseline="0" dirty="0" smtClean="0"/>
+          </a:p>
+          <a:p>
+            <a:r>
+              <a:rPr lang="de-AT" dirty="0" smtClean="0"/>
+              <a:t>BUT:</a:t>
+            </a:r>
+            <a:r>
+              <a:rPr lang="de-AT" baseline="0" dirty="0" smtClean="0"/>
+              <a:t> The GPU </a:t>
+            </a:r>
+            <a:r>
+              <a:rPr lang="de-AT" baseline="0" dirty="0" err="1" smtClean="0"/>
+              <a:t>can</a:t>
+            </a:r>
+            <a:r>
+              <a:rPr lang="de-AT" baseline="0" dirty="0" smtClean="0"/>
+              <a:t> </a:t>
+            </a:r>
+            <a:r>
+              <a:rPr lang="de-AT" baseline="0" dirty="0" err="1" smtClean="0"/>
+              <a:t>nowadays</a:t>
+            </a:r>
+            <a:r>
+              <a:rPr lang="de-AT" baseline="0" dirty="0" smtClean="0"/>
+              <a:t> not </a:t>
+            </a:r>
+            <a:r>
+              <a:rPr lang="de-AT" baseline="0" dirty="0" err="1" smtClean="0"/>
+              <a:t>only</a:t>
+            </a:r>
+            <a:r>
+              <a:rPr lang="de-AT" baseline="0" dirty="0" smtClean="0"/>
+              <a:t> </a:t>
+            </a:r>
+            <a:r>
+              <a:rPr lang="de-AT" baseline="0" dirty="0" err="1" smtClean="0"/>
+              <a:t>be</a:t>
+            </a:r>
+            <a:r>
+              <a:rPr lang="de-AT" baseline="0" dirty="0" smtClean="0"/>
+              <a:t> </a:t>
+            </a:r>
+            <a:r>
+              <a:rPr lang="de-AT" baseline="0" dirty="0" err="1" smtClean="0"/>
+              <a:t>used</a:t>
+            </a:r>
+            <a:r>
+              <a:rPr lang="de-AT" baseline="0" dirty="0" smtClean="0"/>
+              <a:t> </a:t>
+            </a:r>
+            <a:r>
+              <a:rPr lang="de-AT" baseline="0" dirty="0" err="1" smtClean="0"/>
+              <a:t>for</a:t>
+            </a:r>
+            <a:r>
+              <a:rPr lang="de-AT" baseline="0" dirty="0" smtClean="0"/>
+              <a:t> </a:t>
+            </a:r>
+            <a:r>
+              <a:rPr lang="de-AT" baseline="0" dirty="0" err="1" smtClean="0"/>
+              <a:t>graphics</a:t>
+            </a:r>
+            <a:r>
+              <a:rPr lang="de-AT" baseline="0" dirty="0" smtClean="0"/>
+              <a:t>. In </a:t>
+            </a:r>
+            <a:r>
+              <a:rPr lang="de-AT" baseline="0" dirty="0" err="1" smtClean="0"/>
+              <a:t>fact</a:t>
+            </a:r>
+            <a:r>
+              <a:rPr lang="de-AT" baseline="0" dirty="0" smtClean="0"/>
+              <a:t> </a:t>
+            </a:r>
+            <a:r>
+              <a:rPr lang="de-AT" baseline="0" dirty="0" err="1" smtClean="0"/>
+              <a:t>it</a:t>
+            </a:r>
+            <a:r>
+              <a:rPr lang="de-AT" baseline="0" dirty="0" smtClean="0"/>
+              <a:t> </a:t>
+            </a:r>
+            <a:r>
+              <a:rPr lang="de-AT" baseline="0" dirty="0" err="1" smtClean="0"/>
+              <a:t>is</a:t>
+            </a:r>
+            <a:r>
+              <a:rPr lang="de-AT" baseline="0" dirty="0" smtClean="0"/>
+              <a:t> </a:t>
+            </a:r>
+            <a:r>
+              <a:rPr lang="de-AT" baseline="0" dirty="0" err="1" smtClean="0"/>
+              <a:t>sometimes</a:t>
+            </a:r>
+            <a:r>
+              <a:rPr lang="de-AT" baseline="0" dirty="0" smtClean="0"/>
+              <a:t> </a:t>
+            </a:r>
+            <a:r>
+              <a:rPr lang="de-AT" baseline="0" dirty="0" err="1" smtClean="0"/>
+              <a:t>very</a:t>
+            </a:r>
+            <a:r>
+              <a:rPr lang="de-AT" baseline="0" dirty="0" smtClean="0"/>
+              <a:t> </a:t>
+            </a:r>
+            <a:r>
+              <a:rPr lang="de-AT" baseline="0" dirty="0" err="1" smtClean="0"/>
+              <a:t>suitable</a:t>
+            </a:r>
+            <a:r>
+              <a:rPr lang="de-AT" baseline="0" dirty="0" smtClean="0"/>
+              <a:t> </a:t>
+            </a:r>
+            <a:r>
+              <a:rPr lang="de-AT" baseline="0" dirty="0" err="1" smtClean="0"/>
+              <a:t>for</a:t>
+            </a:r>
+            <a:r>
+              <a:rPr lang="de-AT" baseline="0" dirty="0" smtClean="0"/>
+              <a:t> </a:t>
+            </a:r>
+            <a:r>
+              <a:rPr lang="de-AT" baseline="0" dirty="0" err="1" smtClean="0"/>
+              <a:t>boring</a:t>
+            </a:r>
+            <a:r>
+              <a:rPr lang="de-AT" baseline="0" dirty="0" smtClean="0"/>
+              <a:t> [CLICK] </a:t>
+            </a:r>
+            <a:r>
+              <a:rPr lang="de-AT" baseline="0" dirty="0" err="1" smtClean="0"/>
+              <a:t>general</a:t>
+            </a:r>
+            <a:r>
+              <a:rPr lang="de-AT" baseline="0" dirty="0" smtClean="0"/>
+              <a:t> </a:t>
+            </a:r>
+            <a:r>
+              <a:rPr lang="de-AT" baseline="0" dirty="0" err="1" smtClean="0"/>
+              <a:t>purpose</a:t>
+            </a:r>
+            <a:r>
+              <a:rPr lang="de-AT" baseline="0" dirty="0" smtClean="0"/>
+              <a:t> </a:t>
+            </a:r>
+            <a:r>
+              <a:rPr lang="de-AT" baseline="0" dirty="0" err="1" smtClean="0"/>
+              <a:t>calculations</a:t>
+            </a:r>
+            <a:r>
+              <a:rPr lang="de-AT" baseline="0" dirty="0" smtClean="0"/>
+              <a:t>, </a:t>
+            </a:r>
+            <a:r>
+              <a:rPr lang="de-AT" baseline="0" dirty="0" err="1" smtClean="0"/>
+              <a:t>like</a:t>
+            </a:r>
+            <a:r>
+              <a:rPr lang="de-AT" baseline="0" dirty="0" smtClean="0"/>
+              <a:t> </a:t>
+            </a:r>
+            <a:r>
+              <a:rPr lang="de-AT" baseline="0" dirty="0" err="1" smtClean="0"/>
+              <a:t>sorting</a:t>
+            </a:r>
+            <a:r>
+              <a:rPr lang="de-AT" baseline="0" dirty="0" smtClean="0"/>
+              <a:t> </a:t>
+            </a:r>
+            <a:r>
+              <a:rPr lang="de-AT" baseline="0" dirty="0" err="1" smtClean="0"/>
+              <a:t>arrays</a:t>
+            </a:r>
+            <a:r>
+              <a:rPr lang="de-AT" baseline="0" dirty="0" smtClean="0"/>
+              <a:t> </a:t>
+            </a:r>
+            <a:r>
+              <a:rPr lang="de-AT" baseline="0" dirty="0" err="1" smtClean="0"/>
+              <a:t>or</a:t>
+            </a:r>
+            <a:r>
+              <a:rPr lang="de-AT" baseline="0" dirty="0" smtClean="0"/>
+              <a:t> </a:t>
+            </a:r>
+            <a:r>
+              <a:rPr lang="de-AT" baseline="0" dirty="0" err="1" smtClean="0"/>
+              <a:t>multiplying</a:t>
+            </a:r>
+            <a:r>
+              <a:rPr lang="de-AT" baseline="0" dirty="0" smtClean="0"/>
+              <a:t> </a:t>
+            </a:r>
+            <a:r>
+              <a:rPr lang="de-AT" baseline="0" dirty="0" err="1" smtClean="0"/>
+              <a:t>matrixes</a:t>
+            </a:r>
+            <a:r>
+              <a:rPr lang="de-AT" baseline="0" dirty="0" smtClean="0"/>
+              <a:t>. </a:t>
+            </a:r>
+            <a:r>
+              <a:rPr lang="de-AT" baseline="0" dirty="0" smtClean="0"/>
+              <a:t>But </a:t>
+            </a:r>
+            <a:r>
+              <a:rPr lang="de-AT" baseline="0" dirty="0" err="1" smtClean="0"/>
+              <a:t>the</a:t>
+            </a:r>
+            <a:r>
+              <a:rPr lang="de-AT" baseline="0" dirty="0" smtClean="0"/>
+              <a:t> </a:t>
+            </a:r>
+            <a:r>
+              <a:rPr lang="de-AT" baseline="0" dirty="0" err="1" smtClean="0"/>
+              <a:t>question</a:t>
+            </a:r>
+            <a:r>
+              <a:rPr lang="de-AT" baseline="0" dirty="0" smtClean="0"/>
+              <a:t> </a:t>
+            </a:r>
+            <a:r>
+              <a:rPr lang="de-AT" baseline="0" dirty="0" err="1" smtClean="0"/>
+              <a:t>is</a:t>
+            </a:r>
+            <a:r>
+              <a:rPr lang="de-AT" baseline="0" dirty="0" smtClean="0"/>
+              <a:t> not </a:t>
+            </a:r>
+            <a:r>
+              <a:rPr lang="de-AT" baseline="0" dirty="0" err="1" smtClean="0"/>
+              <a:t>only</a:t>
+            </a:r>
+            <a:r>
+              <a:rPr lang="de-AT" baseline="0" dirty="0" smtClean="0"/>
+              <a:t> </a:t>
+            </a:r>
+            <a:r>
+              <a:rPr lang="de-AT" baseline="0" dirty="0" err="1" smtClean="0"/>
+              <a:t>about</a:t>
+            </a:r>
+            <a:r>
+              <a:rPr lang="de-AT" baseline="0" dirty="0" smtClean="0"/>
+              <a:t> </a:t>
+            </a:r>
+            <a:r>
+              <a:rPr lang="de-AT" baseline="0" dirty="0" err="1" smtClean="0"/>
+              <a:t>what</a:t>
+            </a:r>
+            <a:r>
+              <a:rPr lang="de-AT" baseline="0" dirty="0" smtClean="0"/>
+              <a:t> </a:t>
+            </a:r>
+            <a:r>
+              <a:rPr lang="de-AT" baseline="0" dirty="0" err="1" smtClean="0"/>
+              <a:t>boring</a:t>
+            </a:r>
+            <a:r>
+              <a:rPr lang="de-AT" baseline="0" dirty="0" smtClean="0"/>
+              <a:t> </a:t>
+            </a:r>
+            <a:r>
+              <a:rPr lang="de-AT" baseline="0" dirty="0" err="1" smtClean="0"/>
+              <a:t>things</a:t>
+            </a:r>
+            <a:r>
+              <a:rPr lang="de-AT" baseline="0" dirty="0" smtClean="0"/>
+              <a:t> I </a:t>
+            </a:r>
+            <a:r>
+              <a:rPr lang="de-AT" baseline="0" dirty="0" err="1" smtClean="0"/>
+              <a:t>can</a:t>
+            </a:r>
+            <a:r>
+              <a:rPr lang="de-AT" baseline="0" dirty="0" smtClean="0"/>
+              <a:t> do </a:t>
+            </a:r>
+            <a:r>
+              <a:rPr lang="de-AT" baseline="0" dirty="0" err="1" smtClean="0"/>
+              <a:t>with</a:t>
+            </a:r>
+            <a:r>
+              <a:rPr lang="de-AT" baseline="0" dirty="0" smtClean="0"/>
+              <a:t> </a:t>
+            </a:r>
+            <a:r>
+              <a:rPr lang="de-AT" baseline="0" dirty="0" err="1" smtClean="0"/>
+              <a:t>my</a:t>
+            </a:r>
+            <a:r>
+              <a:rPr lang="de-AT" baseline="0" dirty="0" smtClean="0"/>
+              <a:t> </a:t>
+            </a:r>
+            <a:r>
+              <a:rPr lang="de-AT" baseline="0" dirty="0" err="1" smtClean="0"/>
+              <a:t>graphics</a:t>
+            </a:r>
+            <a:r>
+              <a:rPr lang="de-AT" baseline="0" dirty="0" smtClean="0"/>
+              <a:t> </a:t>
+            </a:r>
+            <a:r>
+              <a:rPr lang="de-AT" baseline="0" dirty="0" err="1" smtClean="0"/>
+              <a:t>card</a:t>
+            </a:r>
+            <a:r>
+              <a:rPr lang="de-AT" baseline="0" dirty="0" smtClean="0"/>
+              <a:t>, </a:t>
+            </a:r>
+            <a:r>
+              <a:rPr lang="de-AT" baseline="0" dirty="0" err="1" smtClean="0"/>
+              <a:t>the</a:t>
+            </a:r>
+            <a:r>
+              <a:rPr lang="de-AT" baseline="0" dirty="0" smtClean="0"/>
+              <a:t> </a:t>
+            </a:r>
+            <a:r>
+              <a:rPr lang="de-AT" baseline="0" dirty="0" err="1" smtClean="0"/>
+              <a:t>question</a:t>
+            </a:r>
+            <a:r>
+              <a:rPr lang="de-AT" baseline="0" dirty="0" smtClean="0"/>
+              <a:t> </a:t>
+            </a:r>
+            <a:r>
+              <a:rPr lang="de-AT" baseline="0" dirty="0" err="1" smtClean="0"/>
+              <a:t>is</a:t>
+            </a:r>
+            <a:r>
+              <a:rPr lang="de-AT" baseline="0" dirty="0" smtClean="0"/>
+              <a:t> </a:t>
+            </a:r>
+            <a:r>
+              <a:rPr lang="de-AT" baseline="0" dirty="0" err="1" smtClean="0"/>
+              <a:t>how</a:t>
+            </a:r>
+            <a:r>
+              <a:rPr lang="de-AT" baseline="0" dirty="0" smtClean="0"/>
+              <a:t> i </a:t>
+            </a:r>
+            <a:r>
+              <a:rPr lang="de-AT" baseline="0" dirty="0" err="1" smtClean="0"/>
+              <a:t>can</a:t>
+            </a:r>
+            <a:r>
+              <a:rPr lang="de-AT" baseline="0" dirty="0" smtClean="0"/>
+              <a:t> </a:t>
+            </a:r>
+            <a:r>
+              <a:rPr lang="de-AT" baseline="0" dirty="0" smtClean="0"/>
+              <a:t>do it</a:t>
+            </a:r>
+            <a:r>
+              <a:rPr lang="de-AT" baseline="0" dirty="0" smtClean="0"/>
+              <a:t>.</a:t>
+            </a:r>
+            <a:endParaRPr lang="de-AT" dirty="0" smtClean="0"/>
           </a:p>
         </p:txBody>
       </p:sp>
@@ -11588,14 +12078,450 @@
           <a:lstStyle/>
           <a:p>
             <a:r>
-              <a:rPr lang="en-US" dirty="0" smtClean="0"/>
-              <a:t>This is a very</a:t>
-            </a:r>
-            <a:r>
-              <a:rPr lang="en-US" baseline="0" dirty="0" smtClean="0"/>
-              <a:t>, very abstract view of a CPU and a GPU. </a:t>
-            </a:r>
-            <a:endParaRPr lang="en-US" dirty="0"/>
+              <a:rPr lang="en-US" noProof="0" dirty="0" smtClean="0"/>
+              <a:t>And this is where</a:t>
+            </a:r>
+            <a:r>
+              <a:rPr lang="en-US" baseline="0" noProof="0" dirty="0" smtClean="0"/>
+              <a:t> OpenCL comes into play. OpenCL will form the first part of my bachelor thesis, because building an application for the GPU using OpenCL is not as straightforward as writing an application for the CPU. Let's look what is different [CLICK].</a:t>
+            </a:r>
+          </a:p>
+          <a:p>
+            <a:r>
+              <a:rPr lang="en-US" baseline="0" noProof="0" dirty="0" smtClean="0"/>
+              <a:t>Like most other languages OpenCL has a compiler, that compiles OpenCL programs, the kernels. But the difference is, that is program cannot be run. It needs a so called host application, that moves this OpenCL program through the driver to the GPU. The host application running on the CPU then communicates with the OpenCL kernel through the OpenCL API and driver.</a:t>
+            </a:r>
+          </a:p>
+          <a:p>
+            <a:pPr marL="0" marR="0" indent="0" algn="l" defTabSz="914400" rtl="0" eaLnBrk="1" fontAlgn="auto" latinLnBrk="0" hangingPunct="1">
+              <a:lnSpc>
+                <a:spcPct val="100000"/>
+              </a:lnSpc>
+              <a:spcBef>
+                <a:spcPts val="0"/>
+              </a:spcBef>
+              <a:spcAft>
+                <a:spcPts val="0"/>
+              </a:spcAft>
+              <a:buClrTx/>
+              <a:buSzTx/>
+              <a:buFontTx/>
+              <a:buNone/>
+              <a:tabLst/>
+              <a:defRPr/>
+            </a:pPr>
+            <a:r>
+              <a:rPr lang="en-US" baseline="0" noProof="0" dirty="0" smtClean="0"/>
+              <a:t>But OpenCL is not only </a:t>
+            </a:r>
+            <a:r>
+              <a:rPr lang="en-US" baseline="0" noProof="0" dirty="0" err="1" smtClean="0"/>
+              <a:t>limitted</a:t>
+            </a:r>
+            <a:r>
+              <a:rPr lang="en-US" baseline="0" noProof="0" dirty="0" smtClean="0"/>
+              <a:t> to GPUs.</a:t>
+            </a:r>
+            <a:r>
+              <a:rPr lang="de-AT" dirty="0" smtClean="0"/>
+              <a:t> OpenCL </a:t>
+            </a:r>
+            <a:r>
+              <a:rPr lang="de-AT" dirty="0" err="1" smtClean="0"/>
+              <a:t>runs</a:t>
+            </a:r>
+            <a:r>
+              <a:rPr lang="de-AT" dirty="0" smtClean="0"/>
+              <a:t> on </a:t>
+            </a:r>
+            <a:r>
+              <a:rPr lang="de-AT" dirty="0" err="1" smtClean="0"/>
+              <a:t>the</a:t>
+            </a:r>
+            <a:r>
+              <a:rPr lang="de-AT" dirty="0" smtClean="0"/>
+              <a:t> CPU </a:t>
+            </a:r>
+            <a:r>
+              <a:rPr lang="de-AT" dirty="0" err="1" smtClean="0"/>
+              <a:t>as</a:t>
+            </a:r>
+            <a:r>
+              <a:rPr lang="de-AT" dirty="0" smtClean="0"/>
+              <a:t> </a:t>
+            </a:r>
+            <a:r>
+              <a:rPr lang="de-AT" dirty="0" err="1" smtClean="0"/>
+              <a:t>well</a:t>
+            </a:r>
+            <a:r>
+              <a:rPr lang="de-AT" dirty="0" smtClean="0"/>
+              <a:t> </a:t>
+            </a:r>
+            <a:r>
+              <a:rPr lang="de-AT" baseline="0" dirty="0" smtClean="0"/>
+              <a:t>[CLICK]</a:t>
+            </a:r>
+            <a:r>
+              <a:rPr lang="de-AT" dirty="0" smtClean="0"/>
+              <a:t>. (</a:t>
+            </a:r>
+            <a:r>
+              <a:rPr lang="de-AT" dirty="0" err="1" smtClean="0"/>
+              <a:t>Why</a:t>
+            </a:r>
+            <a:r>
+              <a:rPr lang="de-AT" dirty="0" smtClean="0"/>
+              <a:t> </a:t>
+            </a:r>
+            <a:r>
+              <a:rPr lang="de-AT" dirty="0" err="1" smtClean="0"/>
+              <a:t>should</a:t>
+            </a:r>
+            <a:r>
+              <a:rPr lang="de-AT" dirty="0" smtClean="0"/>
+              <a:t> </a:t>
+            </a:r>
+            <a:r>
+              <a:rPr lang="de-AT" dirty="0" err="1" smtClean="0"/>
+              <a:t>we</a:t>
+            </a:r>
+            <a:r>
+              <a:rPr lang="de-AT" baseline="0" dirty="0" smtClean="0"/>
+              <a:t> do </a:t>
+            </a:r>
+            <a:r>
+              <a:rPr lang="de-AT" baseline="0" dirty="0" err="1" smtClean="0"/>
+              <a:t>that</a:t>
+            </a:r>
+            <a:r>
+              <a:rPr lang="de-AT" baseline="0" dirty="0" smtClean="0"/>
+              <a:t>? </a:t>
+            </a:r>
+            <a:r>
+              <a:rPr lang="de-AT" baseline="0" dirty="0" err="1" smtClean="0"/>
+              <a:t>Because</a:t>
+            </a:r>
+            <a:r>
+              <a:rPr lang="de-AT" baseline="0" dirty="0" smtClean="0"/>
+              <a:t> OpenCL </a:t>
+            </a:r>
+            <a:r>
+              <a:rPr lang="de-AT" baseline="0" dirty="0" err="1" smtClean="0"/>
+              <a:t>does</a:t>
+            </a:r>
+            <a:r>
+              <a:rPr lang="de-AT" baseline="0" dirty="0" smtClean="0"/>
+              <a:t> also do a </a:t>
+            </a:r>
+            <a:r>
+              <a:rPr lang="de-AT" baseline="0" dirty="0" err="1" smtClean="0"/>
+              <a:t>great</a:t>
+            </a:r>
+            <a:r>
+              <a:rPr lang="de-AT" baseline="0" dirty="0" smtClean="0"/>
+              <a:t> </a:t>
+            </a:r>
+            <a:r>
+              <a:rPr lang="de-AT" baseline="0" dirty="0" err="1" smtClean="0"/>
+              <a:t>job</a:t>
+            </a:r>
+            <a:r>
+              <a:rPr lang="de-AT" baseline="0" dirty="0" smtClean="0"/>
+              <a:t> </a:t>
+            </a:r>
+            <a:r>
+              <a:rPr lang="de-AT" baseline="0" dirty="0" err="1" smtClean="0"/>
+              <a:t>utilizing</a:t>
+            </a:r>
+            <a:r>
+              <a:rPr lang="de-AT" baseline="0" dirty="0" smtClean="0"/>
+              <a:t> </a:t>
+            </a:r>
+            <a:r>
+              <a:rPr lang="de-AT" baseline="0" dirty="0" err="1" smtClean="0"/>
+              <a:t>multicore</a:t>
+            </a:r>
+            <a:r>
+              <a:rPr lang="de-AT" baseline="0" dirty="0" smtClean="0"/>
+              <a:t> CPUs. In </a:t>
+            </a:r>
+            <a:r>
+              <a:rPr lang="de-AT" baseline="0" dirty="0" err="1" smtClean="0"/>
+              <a:t>fact</a:t>
+            </a:r>
+            <a:r>
+              <a:rPr lang="de-AT" baseline="0" dirty="0" smtClean="0"/>
+              <a:t>, </a:t>
+            </a:r>
+            <a:r>
+              <a:rPr lang="de-AT" baseline="0" dirty="0" err="1" smtClean="0"/>
+              <a:t>it</a:t>
+            </a:r>
+            <a:r>
+              <a:rPr lang="de-AT" baseline="0" dirty="0" smtClean="0"/>
+              <a:t> </a:t>
+            </a:r>
+            <a:r>
+              <a:rPr lang="de-AT" baseline="0" dirty="0" err="1" smtClean="0"/>
+              <a:t>can</a:t>
+            </a:r>
+            <a:r>
+              <a:rPr lang="de-AT" baseline="0" dirty="0" smtClean="0"/>
+              <a:t> </a:t>
+            </a:r>
+            <a:r>
+              <a:rPr lang="de-AT" baseline="0" dirty="0" err="1" smtClean="0"/>
+              <a:t>even</a:t>
+            </a:r>
+            <a:r>
+              <a:rPr lang="de-AT" baseline="0" dirty="0" smtClean="0"/>
+              <a:t> </a:t>
+            </a:r>
+            <a:r>
+              <a:rPr lang="de-AT" baseline="0" dirty="0" err="1" smtClean="0"/>
+              <a:t>run</a:t>
+            </a:r>
+            <a:r>
+              <a:rPr lang="de-AT" baseline="0" dirty="0" smtClean="0"/>
+              <a:t> a </a:t>
+            </a:r>
+            <a:r>
+              <a:rPr lang="de-AT" baseline="0" dirty="0" err="1" smtClean="0"/>
+              <a:t>program</a:t>
+            </a:r>
+            <a:r>
+              <a:rPr lang="de-AT" baseline="0" dirty="0" smtClean="0"/>
+              <a:t> on </a:t>
+            </a:r>
+            <a:r>
+              <a:rPr lang="de-AT" baseline="0" dirty="0" err="1" smtClean="0"/>
+              <a:t>the</a:t>
+            </a:r>
+            <a:r>
+              <a:rPr lang="de-AT" baseline="0" dirty="0" smtClean="0"/>
+              <a:t> CPU </a:t>
+            </a:r>
+            <a:r>
+              <a:rPr lang="de-AT" baseline="0" dirty="0" err="1" smtClean="0"/>
+              <a:t>and</a:t>
+            </a:r>
+            <a:r>
+              <a:rPr lang="de-AT" baseline="0" dirty="0" smtClean="0"/>
+              <a:t> GPU </a:t>
+            </a:r>
+            <a:r>
+              <a:rPr lang="de-AT" baseline="0" dirty="0" err="1" smtClean="0"/>
+              <a:t>at</a:t>
+            </a:r>
+            <a:r>
+              <a:rPr lang="de-AT" baseline="0" dirty="0" smtClean="0"/>
+              <a:t> </a:t>
+            </a:r>
+            <a:r>
+              <a:rPr lang="de-AT" baseline="0" dirty="0" err="1" smtClean="0"/>
+              <a:t>the</a:t>
+            </a:r>
+            <a:r>
+              <a:rPr lang="de-AT" baseline="0" dirty="0" smtClean="0"/>
+              <a:t> same time.) </a:t>
+            </a:r>
+            <a:r>
+              <a:rPr lang="de-AT" baseline="0" dirty="0" err="1" smtClean="0"/>
+              <a:t>Therefore</a:t>
+            </a:r>
+            <a:r>
+              <a:rPr lang="de-AT" baseline="0" dirty="0" smtClean="0"/>
+              <a:t>, </a:t>
+            </a:r>
+            <a:r>
+              <a:rPr lang="de-AT" baseline="0" dirty="0" smtClean="0"/>
+              <a:t>OpenCL </a:t>
+            </a:r>
+            <a:r>
+              <a:rPr lang="de-AT" baseline="0" dirty="0" err="1" smtClean="0"/>
+              <a:t>has</a:t>
+            </a:r>
+            <a:r>
+              <a:rPr lang="de-AT" baseline="0" dirty="0" smtClean="0"/>
+              <a:t> </a:t>
+            </a:r>
+            <a:r>
+              <a:rPr lang="de-AT" baseline="0" dirty="0" err="1" smtClean="0"/>
+              <a:t>several</a:t>
+            </a:r>
+            <a:r>
+              <a:rPr lang="de-AT" baseline="0" dirty="0" smtClean="0"/>
+              <a:t> </a:t>
+            </a:r>
+            <a:r>
+              <a:rPr lang="de-AT" baseline="0" dirty="0" err="1" smtClean="0"/>
+              <a:t>concepts</a:t>
+            </a:r>
+            <a:r>
+              <a:rPr lang="de-AT" baseline="0" dirty="0" smtClean="0"/>
+              <a:t> </a:t>
+            </a:r>
+            <a:r>
+              <a:rPr lang="de-AT" baseline="0" dirty="0" err="1" smtClean="0"/>
+              <a:t>to</a:t>
+            </a:r>
+            <a:r>
+              <a:rPr lang="de-AT" baseline="0" dirty="0" smtClean="0"/>
+              <a:t> </a:t>
+            </a:r>
+            <a:r>
+              <a:rPr lang="de-AT" baseline="0" dirty="0" err="1" smtClean="0"/>
+              <a:t>abstract</a:t>
+            </a:r>
+            <a:r>
+              <a:rPr lang="de-AT" baseline="0" dirty="0" smtClean="0"/>
+              <a:t> </a:t>
+            </a:r>
+            <a:r>
+              <a:rPr lang="de-AT" baseline="0" dirty="0" err="1" smtClean="0"/>
+              <a:t>the</a:t>
+            </a:r>
+            <a:r>
+              <a:rPr lang="de-AT" baseline="0" dirty="0" smtClean="0"/>
+              <a:t> </a:t>
+            </a:r>
+            <a:r>
+              <a:rPr lang="de-AT" baseline="0" dirty="0" err="1" smtClean="0"/>
+              <a:t>hardware</a:t>
+            </a:r>
+            <a:r>
+              <a:rPr lang="de-AT" baseline="0" dirty="0" smtClean="0"/>
+              <a:t> </a:t>
+            </a:r>
+            <a:r>
+              <a:rPr lang="de-AT" baseline="0" dirty="0" err="1" smtClean="0"/>
+              <a:t>to</a:t>
+            </a:r>
+            <a:r>
+              <a:rPr lang="de-AT" baseline="0" dirty="0" smtClean="0"/>
+              <a:t> </a:t>
+            </a:r>
+            <a:r>
+              <a:rPr lang="de-AT" baseline="0" dirty="0" err="1" smtClean="0"/>
+              <a:t>the</a:t>
+            </a:r>
+            <a:r>
+              <a:rPr lang="de-AT" baseline="0" dirty="0" smtClean="0"/>
+              <a:t> </a:t>
+            </a:r>
+            <a:r>
+              <a:rPr lang="de-AT" baseline="0" dirty="0" err="1" smtClean="0"/>
+              <a:t>programmer</a:t>
+            </a:r>
+            <a:r>
+              <a:rPr lang="de-AT" baseline="0" dirty="0" smtClean="0"/>
+              <a:t> </a:t>
+            </a:r>
+            <a:r>
+              <a:rPr lang="de-AT" baseline="0" dirty="0" err="1" smtClean="0"/>
+              <a:t>and</a:t>
+            </a:r>
+            <a:r>
+              <a:rPr lang="de-AT" baseline="0" dirty="0" smtClean="0"/>
+              <a:t> </a:t>
+            </a:r>
+            <a:r>
+              <a:rPr lang="de-AT" baseline="0" dirty="0" err="1" smtClean="0"/>
+              <a:t>these</a:t>
+            </a:r>
+            <a:r>
+              <a:rPr lang="de-AT" baseline="0" dirty="0" smtClean="0"/>
+              <a:t> </a:t>
+            </a:r>
+            <a:r>
+              <a:rPr lang="de-AT" baseline="0" dirty="0" err="1" smtClean="0"/>
+              <a:t>concepts</a:t>
+            </a:r>
+            <a:r>
+              <a:rPr lang="de-AT" baseline="0" dirty="0" smtClean="0"/>
+              <a:t> </a:t>
+            </a:r>
+            <a:r>
+              <a:rPr lang="de-AT" baseline="0" dirty="0" err="1" smtClean="0"/>
+              <a:t>and</a:t>
+            </a:r>
+            <a:r>
+              <a:rPr lang="de-AT" baseline="0" dirty="0" smtClean="0"/>
+              <a:t> </a:t>
+            </a:r>
+            <a:r>
+              <a:rPr lang="de-AT" baseline="0" dirty="0" err="1" smtClean="0"/>
+              <a:t>the</a:t>
+            </a:r>
+            <a:r>
+              <a:rPr lang="de-AT" baseline="0" dirty="0" smtClean="0"/>
+              <a:t> </a:t>
+            </a:r>
+            <a:r>
+              <a:rPr lang="de-AT" baseline="0" dirty="0" err="1" smtClean="0"/>
+              <a:t>corresponding</a:t>
+            </a:r>
+            <a:r>
+              <a:rPr lang="de-AT" baseline="0" dirty="0" smtClean="0"/>
+              <a:t> APIs form </a:t>
+            </a:r>
+            <a:r>
+              <a:rPr lang="de-AT" baseline="0" dirty="0" smtClean="0"/>
+              <a:t>a </a:t>
+            </a:r>
+            <a:r>
+              <a:rPr lang="de-AT" baseline="0" dirty="0" err="1" smtClean="0"/>
+              <a:t>main</a:t>
+            </a:r>
+            <a:r>
+              <a:rPr lang="de-AT" baseline="0" dirty="0" smtClean="0"/>
+              <a:t> </a:t>
+            </a:r>
+            <a:r>
+              <a:rPr lang="de-AT" baseline="0" dirty="0" err="1" smtClean="0"/>
+              <a:t>part</a:t>
+            </a:r>
+            <a:r>
+              <a:rPr lang="de-AT" baseline="0" dirty="0" smtClean="0"/>
+              <a:t> </a:t>
+            </a:r>
+            <a:r>
+              <a:rPr lang="de-AT" baseline="0" dirty="0" err="1" smtClean="0"/>
+              <a:t>of</a:t>
+            </a:r>
+            <a:r>
+              <a:rPr lang="de-AT" baseline="0" dirty="0" smtClean="0"/>
+              <a:t> </a:t>
+            </a:r>
+            <a:r>
+              <a:rPr lang="de-AT" baseline="0" dirty="0" err="1" smtClean="0"/>
+              <a:t>my</a:t>
+            </a:r>
+            <a:r>
+              <a:rPr lang="de-AT" baseline="0" dirty="0" smtClean="0"/>
+              <a:t> </a:t>
+            </a:r>
+            <a:r>
+              <a:rPr lang="de-AT" baseline="0" dirty="0" err="1" smtClean="0"/>
+              <a:t>bachelor</a:t>
+            </a:r>
+            <a:r>
+              <a:rPr lang="de-AT" baseline="0" dirty="0" smtClean="0"/>
+              <a:t> </a:t>
+            </a:r>
+            <a:r>
+              <a:rPr lang="de-AT" baseline="0" dirty="0" err="1" smtClean="0"/>
+              <a:t>thesis</a:t>
+            </a:r>
+            <a:r>
+              <a:rPr lang="de-AT" baseline="0" dirty="0" smtClean="0"/>
+              <a:t>.</a:t>
+            </a:r>
+            <a:endParaRPr lang="en-US" dirty="0" smtClean="0"/>
+          </a:p>
+          <a:p>
+            <a:endParaRPr lang="en-US" baseline="0" noProof="0" dirty="0" smtClean="0"/>
           </a:p>
         </p:txBody>
       </p:sp>
@@ -11616,7 +12542,7 @@
           <a:p>
             <a:fld id="{E19E8DFC-DE97-490B-8572-C8B1A4CD170F}" type="slidenum">
               <a:rPr lang="en-US" smtClean="0"/>
-              <a:t>5</a:t>
+              <a:t>4</a:t>
             </a:fld>
             <a:endParaRPr lang="en-US"/>
           </a:p>
@@ -11625,7 +12551,7 @@
     </p:spTree>
     <p:extLst>
       <p:ext uri="{BB962C8B-B14F-4D97-AF65-F5344CB8AC3E}">
-        <p14:creationId xmlns:p14="http://schemas.microsoft.com/office/powerpoint/2010/main" val="829777646"/>
+        <p14:creationId xmlns:p14="http://schemas.microsoft.com/office/powerpoint/2010/main" val="441294791"/>
       </p:ext>
     </p:extLst>
   </p:cSld>
@@ -11680,12 +12606,236 @@
           <a:lstStyle/>
           <a:p>
             <a:r>
+              <a:rPr lang="de-AT" dirty="0" smtClean="0"/>
+              <a:t>As </a:t>
+            </a:r>
+            <a:r>
+              <a:rPr lang="de-AT" dirty="0" err="1" smtClean="0"/>
+              <a:t>important</a:t>
+            </a:r>
+            <a:r>
+              <a:rPr lang="de-AT" dirty="0" smtClean="0"/>
+              <a:t> </a:t>
+            </a:r>
+            <a:r>
+              <a:rPr lang="de-AT" dirty="0" err="1" smtClean="0"/>
+              <a:t>as</a:t>
+            </a:r>
+            <a:r>
+              <a:rPr lang="de-AT" dirty="0" smtClean="0"/>
+              <a:t> </a:t>
+            </a:r>
+            <a:r>
+              <a:rPr lang="de-AT" dirty="0" err="1" smtClean="0"/>
+              <a:t>how</a:t>
+            </a:r>
+            <a:r>
+              <a:rPr lang="de-AT" dirty="0" smtClean="0"/>
+              <a:t> OpenCL </a:t>
+            </a:r>
+            <a:r>
+              <a:rPr lang="de-AT" dirty="0" err="1" smtClean="0"/>
+              <a:t>handles</a:t>
+            </a:r>
+            <a:r>
+              <a:rPr lang="de-AT" dirty="0" smtClean="0"/>
+              <a:t> </a:t>
+            </a:r>
+            <a:r>
+              <a:rPr lang="de-AT" dirty="0" err="1" smtClean="0"/>
+              <a:t>the</a:t>
+            </a:r>
+            <a:r>
+              <a:rPr lang="de-AT" dirty="0" smtClean="0"/>
+              <a:t> </a:t>
+            </a:r>
+            <a:r>
+              <a:rPr lang="de-AT" dirty="0" err="1" smtClean="0"/>
+              <a:t>hardware</a:t>
+            </a:r>
+            <a:r>
+              <a:rPr lang="de-AT" baseline="0" dirty="0" smtClean="0"/>
+              <a:t> </a:t>
+            </a:r>
+            <a:r>
+              <a:rPr lang="de-AT" baseline="0" dirty="0" err="1" smtClean="0"/>
+              <a:t>is</a:t>
+            </a:r>
+            <a:r>
+              <a:rPr lang="de-AT" baseline="0" dirty="0" smtClean="0"/>
+              <a:t> </a:t>
+            </a:r>
+            <a:r>
+              <a:rPr lang="de-AT" baseline="0" dirty="0" err="1" smtClean="0"/>
+              <a:t>how</a:t>
+            </a:r>
+            <a:r>
+              <a:rPr lang="de-AT" baseline="0" dirty="0" smtClean="0"/>
+              <a:t> </a:t>
+            </a:r>
+            <a:r>
+              <a:rPr lang="de-AT" baseline="0" dirty="0" err="1" smtClean="0"/>
+              <a:t>the</a:t>
+            </a:r>
+            <a:r>
+              <a:rPr lang="de-AT" baseline="0" dirty="0" smtClean="0"/>
+              <a:t> </a:t>
+            </a:r>
+            <a:r>
+              <a:rPr lang="de-AT" baseline="0" dirty="0" err="1" smtClean="0"/>
+              <a:t>hardware</a:t>
+            </a:r>
+            <a:r>
+              <a:rPr lang="de-AT" baseline="0" dirty="0" smtClean="0"/>
+              <a:t> </a:t>
+            </a:r>
+            <a:r>
+              <a:rPr lang="de-AT" baseline="0" dirty="0" err="1" smtClean="0"/>
+              <a:t>actually</a:t>
+            </a:r>
+            <a:r>
+              <a:rPr lang="de-AT" baseline="0" dirty="0" smtClean="0"/>
+              <a:t> </a:t>
+            </a:r>
+            <a:r>
+              <a:rPr lang="de-AT" baseline="0" dirty="0" err="1" smtClean="0"/>
+              <a:t>looks</a:t>
+            </a:r>
+            <a:r>
+              <a:rPr lang="de-AT" baseline="0" dirty="0" smtClean="0"/>
+              <a:t> </a:t>
+            </a:r>
+            <a:r>
+              <a:rPr lang="de-AT" baseline="0" dirty="0" err="1" smtClean="0"/>
+              <a:t>like</a:t>
+            </a:r>
+            <a:r>
+              <a:rPr lang="de-AT" baseline="0" dirty="0" smtClean="0"/>
+              <a:t>. So </a:t>
+            </a:r>
+            <a:r>
+              <a:rPr lang="de-AT" baseline="0" dirty="0" err="1" smtClean="0"/>
+              <a:t>here</a:t>
+            </a:r>
+            <a:r>
+              <a:rPr lang="de-AT" baseline="0" dirty="0" smtClean="0"/>
+              <a:t> </a:t>
+            </a:r>
+            <a:r>
               <a:rPr lang="en-US" dirty="0" smtClean="0"/>
-              <a:t>The</a:t>
+              <a:t>is a very</a:t>
             </a:r>
             <a:r>
               <a:rPr lang="en-US" baseline="0" dirty="0" smtClean="0"/>
-              <a:t> major focus of my bachelor thesis will be the implementation and benchmark of several standard algorithms. These include algorithms for sorting, scanning and matrix multiplication. I have chosen this algorithms because they often form fundamental blocks for various applications. </a:t>
+              <a:t>, very abstract view of a CPU and a GPU. The obvious difference is the number of cores. A typical CPU has around 4 independent cores while a typical GPU has several hundreds of cores grouped together in so-called multi processors. This difference in hardware architecture has a huge impact on the kind of algorithms that can be run efficiently on the GPU and on the problems we will encounter during </a:t>
+            </a:r>
+            <a:r>
+              <a:rPr lang="en-US" baseline="0" dirty="0" smtClean="0"/>
+              <a:t>the implementation</a:t>
+            </a:r>
+            <a:r>
+              <a:rPr lang="en-US" baseline="0" dirty="0" smtClean="0"/>
+              <a:t>. So the second big chapter in my thesis will be about the hardware architectures OpenCL supports.</a:t>
+            </a:r>
+            <a:endParaRPr lang="en-US" dirty="0"/>
+          </a:p>
+        </p:txBody>
+      </p:sp>
+      <p:sp>
+        <p:nvSpPr>
+          <p:cNvPr id="4" name="Slide Number Placeholder 3"/>
+          <p:cNvSpPr>
+            <a:spLocks noGrp="1"/>
+          </p:cNvSpPr>
+          <p:nvPr>
+            <p:ph type="sldNum" sz="quarter" idx="10"/>
+          </p:nvPr>
+        </p:nvSpPr>
+        <p:spPr/>
+        <p:txBody>
+          <a:bodyPr/>
+          <a:lstStyle/>
+          <a:p>
+            <a:fld id="{E19E8DFC-DE97-490B-8572-C8B1A4CD170F}" type="slidenum">
+              <a:rPr lang="en-US" smtClean="0"/>
+              <a:t>5</a:t>
+            </a:fld>
+            <a:endParaRPr lang="en-US"/>
+          </a:p>
+        </p:txBody>
+      </p:sp>
+    </p:spTree>
+    <p:extLst>
+      <p:ext uri="{BB962C8B-B14F-4D97-AF65-F5344CB8AC3E}">
+        <p14:creationId xmlns:p14="http://schemas.microsoft.com/office/powerpoint/2010/main" val="829777646"/>
+      </p:ext>
+    </p:extLst>
+  </p:cSld>
+  <p:clrMapOvr>
+    <a:masterClrMapping/>
+  </p:clrMapOvr>
+</p:notes>
+</file>
+
+<file path=ppt/notesSlides/notesSlide5.xml><?xml version="1.0" encoding="utf-8"?>
+<p:notes xmlns:a="http://schemas.openxmlformats.org/drawingml/2006/main" xmlns:r="http://schemas.openxmlformats.org/officeDocument/2006/relationships" xmlns:p="http://schemas.openxmlformats.org/presentationml/2006/main">
+  <p:cSld>
+    <p:spTree>
+      <p:nvGrpSpPr>
+        <p:cNvPr id="1" name=""/>
+        <p:cNvGrpSpPr/>
+        <p:nvPr/>
+      </p:nvGrpSpPr>
+      <p:grpSpPr>
+        <a:xfrm>
+          <a:off x="0" y="0"/>
+          <a:ext cx="0" cy="0"/>
+          <a:chOff x="0" y="0"/>
+          <a:chExt cx="0" cy="0"/>
+        </a:xfrm>
+      </p:grpSpPr>
+      <p:sp>
+        <p:nvSpPr>
+          <p:cNvPr id="2" name="Slide Image Placeholder 1"/>
+          <p:cNvSpPr>
+            <a:spLocks noGrp="1" noRot="1" noChangeAspect="1"/>
+          </p:cNvSpPr>
+          <p:nvPr>
+            <p:ph type="sldImg"/>
+          </p:nvPr>
+        </p:nvSpPr>
+        <p:spPr/>
+      </p:sp>
+      <p:sp>
+        <p:nvSpPr>
+          <p:cNvPr id="3" name="Notes Placeholder 2"/>
+          <p:cNvSpPr>
+            <a:spLocks noGrp="1"/>
+          </p:cNvSpPr>
+          <p:nvPr>
+            <p:ph type="body" idx="1"/>
+          </p:nvPr>
+        </p:nvSpPr>
+        <p:spPr/>
+        <p:txBody>
+          <a:bodyPr/>
+          <a:lstStyle/>
+          <a:p>
+            <a:r>
+              <a:rPr lang="en-US" dirty="0" smtClean="0"/>
+              <a:t>After</a:t>
+            </a:r>
+            <a:r>
+              <a:rPr lang="en-US" baseline="0" dirty="0" smtClean="0"/>
+              <a:t> a profound introduction to OpenCL and hardware, t</a:t>
+            </a:r>
+            <a:r>
+              <a:rPr lang="en-US" dirty="0" smtClean="0"/>
+              <a:t>he</a:t>
+            </a:r>
+            <a:r>
+              <a:rPr lang="en-US" baseline="0" dirty="0" smtClean="0"/>
+              <a:t> second focus of my bachelor thesis will be the implementation and benchmark of several standard algorithms. These include algorithms for sorting, scanning and matrix multiplication. I have chosen this algorithms because they often form fundamental blocks for various applications.</a:t>
             </a:r>
             <a:endParaRPr lang="en-US" dirty="0"/>
           </a:p>
@@ -11718,6 +12868,1276 @@
     <p:extLst>
       <p:ext uri="{BB962C8B-B14F-4D97-AF65-F5344CB8AC3E}">
         <p14:creationId xmlns:p14="http://schemas.microsoft.com/office/powerpoint/2010/main" val="3393549385"/>
+      </p:ext>
+    </p:extLst>
+  </p:cSld>
+  <p:clrMapOvr>
+    <a:masterClrMapping/>
+  </p:clrMapOvr>
+</p:notes>
+</file>
+
+<file path=ppt/notesSlides/notesSlide6.xml><?xml version="1.0" encoding="utf-8"?>
+<p:notes xmlns:a="http://schemas.openxmlformats.org/drawingml/2006/main" xmlns:r="http://schemas.openxmlformats.org/officeDocument/2006/relationships" xmlns:p="http://schemas.openxmlformats.org/presentationml/2006/main">
+  <p:cSld>
+    <p:spTree>
+      <p:nvGrpSpPr>
+        <p:cNvPr id="1" name=""/>
+        <p:cNvGrpSpPr/>
+        <p:nvPr/>
+      </p:nvGrpSpPr>
+      <p:grpSpPr>
+        <a:xfrm>
+          <a:off x="0" y="0"/>
+          <a:ext cx="0" cy="0"/>
+          <a:chOff x="0" y="0"/>
+          <a:chExt cx="0" cy="0"/>
+        </a:xfrm>
+      </p:grpSpPr>
+      <p:sp>
+        <p:nvSpPr>
+          <p:cNvPr id="2" name="Slide Image Placeholder 1"/>
+          <p:cNvSpPr>
+            <a:spLocks noGrp="1" noRot="1" noChangeAspect="1"/>
+          </p:cNvSpPr>
+          <p:nvPr>
+            <p:ph type="sldImg"/>
+          </p:nvPr>
+        </p:nvSpPr>
+        <p:spPr/>
+      </p:sp>
+      <p:sp>
+        <p:nvSpPr>
+          <p:cNvPr id="3" name="Notes Placeholder 2"/>
+          <p:cNvSpPr>
+            <a:spLocks noGrp="1"/>
+          </p:cNvSpPr>
+          <p:nvPr>
+            <p:ph type="body" idx="1"/>
+          </p:nvPr>
+        </p:nvSpPr>
+        <p:spPr/>
+        <p:txBody>
+          <a:bodyPr/>
+          <a:lstStyle/>
+          <a:p>
+            <a:r>
+              <a:rPr lang="en-US" noProof="0" dirty="0" smtClean="0"/>
+              <a:t>The first and probably</a:t>
+            </a:r>
+            <a:r>
+              <a:rPr lang="en-US" baseline="0" noProof="0" dirty="0" smtClean="0"/>
+              <a:t> my most complex class of algorithms are sorting algorithms. Everybody </a:t>
+            </a:r>
+            <a:r>
+              <a:rPr lang="en-US" baseline="0" noProof="0" dirty="0" smtClean="0"/>
+              <a:t>knows </a:t>
+            </a:r>
+            <a:r>
+              <a:rPr lang="en-US" baseline="0" noProof="0" dirty="0" smtClean="0"/>
+              <a:t>sorting algorithms, like quicksort. Most sorting algorithms rely on some kind of comparing and swapping of two elements one after each other. This works perfectly on a single core, but on several hundred cores only one core would be used at a time. Therefore different approaches are necessary like the </a:t>
+            </a:r>
+            <a:r>
+              <a:rPr lang="en-US" baseline="0" noProof="0" dirty="0" err="1" smtClean="0"/>
+              <a:t>bitonic</a:t>
+            </a:r>
+            <a:r>
+              <a:rPr lang="en-US" baseline="0" noProof="0" dirty="0" smtClean="0"/>
+              <a:t> sorting network, which has a worse runtime complexity than a quicksort, but allows many operations to run parallel.</a:t>
+            </a:r>
+            <a:endParaRPr lang="en-US" noProof="0" dirty="0"/>
+          </a:p>
+        </p:txBody>
+      </p:sp>
+      <p:sp>
+        <p:nvSpPr>
+          <p:cNvPr id="4" name="Slide Number Placeholder 3"/>
+          <p:cNvSpPr>
+            <a:spLocks noGrp="1"/>
+          </p:cNvSpPr>
+          <p:nvPr>
+            <p:ph type="sldNum" sz="quarter" idx="10"/>
+          </p:nvPr>
+        </p:nvSpPr>
+        <p:spPr/>
+        <p:txBody>
+          <a:bodyPr/>
+          <a:lstStyle/>
+          <a:p>
+            <a:fld id="{E19E8DFC-DE97-490B-8572-C8B1A4CD170F}" type="slidenum">
+              <a:rPr lang="en-US" smtClean="0"/>
+              <a:t>7</a:t>
+            </a:fld>
+            <a:endParaRPr lang="en-US"/>
+          </a:p>
+        </p:txBody>
+      </p:sp>
+    </p:spTree>
+    <p:extLst>
+      <p:ext uri="{BB962C8B-B14F-4D97-AF65-F5344CB8AC3E}">
+        <p14:creationId xmlns:p14="http://schemas.microsoft.com/office/powerpoint/2010/main" val="28195266"/>
+      </p:ext>
+    </p:extLst>
+  </p:cSld>
+  <p:clrMapOvr>
+    <a:masterClrMapping/>
+  </p:clrMapOvr>
+</p:notes>
+</file>
+
+<file path=ppt/notesSlides/notesSlide7.xml><?xml version="1.0" encoding="utf-8"?>
+<p:notes xmlns:a="http://schemas.openxmlformats.org/drawingml/2006/main" xmlns:r="http://schemas.openxmlformats.org/officeDocument/2006/relationships" xmlns:p="http://schemas.openxmlformats.org/presentationml/2006/main">
+  <p:cSld>
+    <p:spTree>
+      <p:nvGrpSpPr>
+        <p:cNvPr id="1" name=""/>
+        <p:cNvGrpSpPr/>
+        <p:nvPr/>
+      </p:nvGrpSpPr>
+      <p:grpSpPr>
+        <a:xfrm>
+          <a:off x="0" y="0"/>
+          <a:ext cx="0" cy="0"/>
+          <a:chOff x="0" y="0"/>
+          <a:chExt cx="0" cy="0"/>
+        </a:xfrm>
+      </p:grpSpPr>
+      <p:sp>
+        <p:nvSpPr>
+          <p:cNvPr id="2" name="Slide Image Placeholder 1"/>
+          <p:cNvSpPr>
+            <a:spLocks noGrp="1" noRot="1" noChangeAspect="1"/>
+          </p:cNvSpPr>
+          <p:nvPr>
+            <p:ph type="sldImg"/>
+          </p:nvPr>
+        </p:nvSpPr>
+        <p:spPr/>
+      </p:sp>
+      <p:sp>
+        <p:nvSpPr>
+          <p:cNvPr id="3" name="Notes Placeholder 2"/>
+          <p:cNvSpPr>
+            <a:spLocks noGrp="1"/>
+          </p:cNvSpPr>
+          <p:nvPr>
+            <p:ph type="body" idx="1"/>
+          </p:nvPr>
+        </p:nvSpPr>
+        <p:spPr/>
+        <p:txBody>
+          <a:bodyPr/>
+          <a:lstStyle/>
+          <a:p>
+            <a:r>
+              <a:rPr lang="de-AT" dirty="0" err="1" smtClean="0"/>
+              <a:t>Another</a:t>
+            </a:r>
+            <a:r>
+              <a:rPr lang="de-AT" dirty="0" smtClean="0"/>
+              <a:t> </a:t>
+            </a:r>
+            <a:r>
+              <a:rPr lang="de-AT" dirty="0" err="1" smtClean="0"/>
+              <a:t>basic</a:t>
+            </a:r>
+            <a:r>
+              <a:rPr lang="de-AT" dirty="0" smtClean="0"/>
+              <a:t> </a:t>
+            </a:r>
+            <a:r>
+              <a:rPr lang="de-AT" dirty="0" err="1" smtClean="0"/>
+              <a:t>algorithm</a:t>
+            </a:r>
+            <a:r>
+              <a:rPr lang="de-AT" dirty="0" smtClean="0"/>
+              <a:t> </a:t>
+            </a:r>
+            <a:r>
+              <a:rPr lang="de-AT" dirty="0" err="1" smtClean="0"/>
+              <a:t>is</a:t>
+            </a:r>
+            <a:r>
+              <a:rPr lang="de-AT" dirty="0" smtClean="0"/>
+              <a:t> </a:t>
+            </a:r>
+            <a:r>
+              <a:rPr lang="de-AT" dirty="0" err="1" smtClean="0"/>
+              <a:t>the</a:t>
+            </a:r>
+            <a:r>
+              <a:rPr lang="de-AT" dirty="0" smtClean="0"/>
+              <a:t> so-</a:t>
+            </a:r>
+            <a:r>
+              <a:rPr lang="de-AT" dirty="0" err="1" smtClean="0"/>
+              <a:t>called</a:t>
+            </a:r>
+            <a:r>
+              <a:rPr lang="de-AT" dirty="0" smtClean="0"/>
+              <a:t> </a:t>
+            </a:r>
+            <a:r>
+              <a:rPr lang="de-AT" dirty="0" err="1" smtClean="0"/>
+              <a:t>scan</a:t>
+            </a:r>
+            <a:r>
+              <a:rPr lang="de-AT" dirty="0" smtClean="0"/>
+              <a:t>.</a:t>
+            </a:r>
+            <a:r>
+              <a:rPr lang="de-AT" baseline="0" dirty="0" smtClean="0"/>
+              <a:t> The </a:t>
+            </a:r>
+            <a:r>
+              <a:rPr lang="de-AT" baseline="0" dirty="0" err="1" smtClean="0"/>
+              <a:t>scan</a:t>
+            </a:r>
+            <a:r>
+              <a:rPr lang="de-AT" baseline="0" dirty="0" smtClean="0"/>
+              <a:t> </a:t>
+            </a:r>
+            <a:r>
+              <a:rPr lang="de-AT" baseline="0" dirty="0" err="1" smtClean="0"/>
+              <a:t>operation</a:t>
+            </a:r>
+            <a:r>
+              <a:rPr lang="de-AT" baseline="0" dirty="0" smtClean="0"/>
+              <a:t> </a:t>
+            </a:r>
+            <a:r>
+              <a:rPr lang="de-AT" baseline="0" dirty="0" err="1" smtClean="0"/>
+              <a:t>simply</a:t>
+            </a:r>
+            <a:r>
+              <a:rPr lang="de-AT" baseline="0" dirty="0" smtClean="0"/>
+              <a:t> </a:t>
+            </a:r>
+            <a:r>
+              <a:rPr lang="de-AT" baseline="0" dirty="0" err="1" smtClean="0"/>
+              <a:t>loops</a:t>
+            </a:r>
+            <a:r>
+              <a:rPr lang="de-AT" baseline="0" dirty="0" smtClean="0"/>
+              <a:t> </a:t>
+            </a:r>
+            <a:r>
+              <a:rPr lang="de-AT" baseline="0" dirty="0" err="1" smtClean="0"/>
+              <a:t>over</a:t>
+            </a:r>
+            <a:r>
+              <a:rPr lang="de-AT" baseline="0" dirty="0" smtClean="0"/>
+              <a:t> an </a:t>
+            </a:r>
+            <a:r>
+              <a:rPr lang="de-AT" baseline="0" dirty="0" err="1" smtClean="0"/>
+              <a:t>array</a:t>
+            </a:r>
+            <a:r>
+              <a:rPr lang="de-AT" baseline="0" dirty="0" smtClean="0"/>
+              <a:t> </a:t>
+            </a:r>
+            <a:r>
+              <a:rPr lang="de-AT" baseline="0" dirty="0" err="1" smtClean="0"/>
+              <a:t>and</a:t>
+            </a:r>
+            <a:r>
+              <a:rPr lang="de-AT" baseline="0" dirty="0" smtClean="0"/>
+              <a:t> sums </a:t>
+            </a:r>
+            <a:r>
+              <a:rPr lang="de-AT" baseline="0" dirty="0" err="1" smtClean="0"/>
+              <a:t>up</a:t>
+            </a:r>
+            <a:r>
+              <a:rPr lang="de-AT" baseline="0" dirty="0" smtClean="0"/>
+              <a:t> </a:t>
+            </a:r>
+            <a:r>
+              <a:rPr lang="de-AT" baseline="0" dirty="0" err="1" smtClean="0"/>
+              <a:t>the</a:t>
+            </a:r>
+            <a:r>
+              <a:rPr lang="de-AT" baseline="0" dirty="0" smtClean="0"/>
+              <a:t> </a:t>
+            </a:r>
+            <a:r>
+              <a:rPr lang="de-AT" baseline="0" dirty="0" err="1" smtClean="0"/>
+              <a:t>previous</a:t>
+            </a:r>
+            <a:r>
+              <a:rPr lang="de-AT" baseline="0" dirty="0" smtClean="0"/>
+              <a:t> </a:t>
+            </a:r>
+            <a:r>
+              <a:rPr lang="de-AT" baseline="0" dirty="0" err="1" smtClean="0"/>
+              <a:t>values</a:t>
+            </a:r>
+            <a:r>
+              <a:rPr lang="de-AT" baseline="0" dirty="0" smtClean="0"/>
+              <a:t> plus </a:t>
+            </a:r>
+            <a:r>
+              <a:rPr lang="de-AT" baseline="0" dirty="0" err="1" smtClean="0"/>
+              <a:t>the</a:t>
+            </a:r>
+            <a:r>
+              <a:rPr lang="de-AT" baseline="0" dirty="0" smtClean="0"/>
+              <a:t> </a:t>
+            </a:r>
+            <a:r>
+              <a:rPr lang="de-AT" baseline="0" dirty="0" err="1" smtClean="0"/>
+              <a:t>current</a:t>
+            </a:r>
+            <a:r>
+              <a:rPr lang="de-AT" baseline="0" dirty="0" smtClean="0"/>
+              <a:t> </a:t>
+            </a:r>
+            <a:r>
+              <a:rPr lang="de-AT" baseline="0" dirty="0" err="1" smtClean="0"/>
+              <a:t>value</a:t>
+            </a:r>
+            <a:r>
+              <a:rPr lang="de-AT" baseline="0" dirty="0" smtClean="0"/>
+              <a:t>. The </a:t>
+            </a:r>
+            <a:r>
+              <a:rPr lang="de-AT" baseline="0" dirty="0" err="1" smtClean="0"/>
+              <a:t>implementation</a:t>
+            </a:r>
+            <a:r>
+              <a:rPr lang="de-AT" baseline="0" dirty="0" smtClean="0"/>
+              <a:t> </a:t>
+            </a:r>
+            <a:r>
+              <a:rPr lang="de-AT" baseline="0" dirty="0" err="1" smtClean="0"/>
+              <a:t>for</a:t>
+            </a:r>
+            <a:r>
+              <a:rPr lang="de-AT" baseline="0" dirty="0" smtClean="0"/>
+              <a:t> a CPU </a:t>
+            </a:r>
+            <a:r>
+              <a:rPr lang="de-AT" baseline="0" dirty="0" err="1" smtClean="0"/>
+              <a:t>looks</a:t>
+            </a:r>
+            <a:r>
+              <a:rPr lang="de-AT" baseline="0" dirty="0" smtClean="0"/>
+              <a:t> </a:t>
+            </a:r>
+            <a:r>
+              <a:rPr lang="de-AT" baseline="0" dirty="0" err="1" smtClean="0"/>
+              <a:t>very</a:t>
+            </a:r>
+            <a:r>
+              <a:rPr lang="de-AT" baseline="0" dirty="0" smtClean="0"/>
+              <a:t> simple. But </a:t>
+            </a:r>
+            <a:r>
+              <a:rPr lang="de-AT" baseline="0" dirty="0" err="1" smtClean="0"/>
+              <a:t>as</a:t>
+            </a:r>
+            <a:r>
+              <a:rPr lang="de-AT" baseline="0" dirty="0" smtClean="0"/>
+              <a:t> </a:t>
+            </a:r>
+            <a:r>
+              <a:rPr lang="de-AT" baseline="0" dirty="0" err="1" smtClean="0"/>
+              <a:t>the</a:t>
+            </a:r>
+            <a:r>
+              <a:rPr lang="de-AT" baseline="0" dirty="0" smtClean="0"/>
+              <a:t> </a:t>
+            </a:r>
+            <a:r>
+              <a:rPr lang="de-AT" baseline="0" dirty="0" err="1" smtClean="0"/>
+              <a:t>algorithm</a:t>
+            </a:r>
+            <a:r>
+              <a:rPr lang="de-AT" baseline="0" dirty="0" smtClean="0"/>
+              <a:t> </a:t>
+            </a:r>
+            <a:r>
+              <a:rPr lang="de-AT" baseline="0" dirty="0" err="1" smtClean="0"/>
+              <a:t>is</a:t>
+            </a:r>
+            <a:r>
+              <a:rPr lang="de-AT" baseline="0" dirty="0" smtClean="0"/>
+              <a:t> linear, </a:t>
+            </a:r>
+            <a:r>
+              <a:rPr lang="de-AT" baseline="0" dirty="0" err="1" smtClean="0"/>
+              <a:t>it</a:t>
+            </a:r>
+            <a:r>
+              <a:rPr lang="de-AT" baseline="0" dirty="0" smtClean="0"/>
+              <a:t> </a:t>
+            </a:r>
+            <a:r>
+              <a:rPr lang="de-AT" baseline="0" dirty="0" err="1" smtClean="0"/>
+              <a:t>is</a:t>
+            </a:r>
+            <a:r>
+              <a:rPr lang="de-AT" baseline="0" dirty="0" smtClean="0"/>
+              <a:t> </a:t>
+            </a:r>
+            <a:r>
+              <a:rPr lang="de-AT" baseline="0" dirty="0" err="1" smtClean="0"/>
+              <a:t>very</a:t>
+            </a:r>
+            <a:r>
+              <a:rPr lang="de-AT" baseline="0" dirty="0" smtClean="0"/>
+              <a:t> </a:t>
+            </a:r>
+            <a:r>
+              <a:rPr lang="de-AT" baseline="0" dirty="0" err="1" smtClean="0"/>
+              <a:t>hard</a:t>
+            </a:r>
+            <a:r>
+              <a:rPr lang="de-AT" baseline="0" dirty="0" smtClean="0"/>
+              <a:t> </a:t>
+            </a:r>
+            <a:r>
+              <a:rPr lang="de-AT" baseline="0" dirty="0" err="1" smtClean="0"/>
+              <a:t>to</a:t>
+            </a:r>
+            <a:r>
+              <a:rPr lang="de-AT" baseline="0" dirty="0" smtClean="0"/>
+              <a:t> </a:t>
+            </a:r>
+            <a:r>
+              <a:rPr lang="de-AT" baseline="0" dirty="0" err="1" smtClean="0"/>
+              <a:t>be</a:t>
+            </a:r>
+            <a:r>
+              <a:rPr lang="de-AT" baseline="0" dirty="0" smtClean="0"/>
+              <a:t> </a:t>
+            </a:r>
+            <a:r>
+              <a:rPr lang="de-AT" baseline="0" dirty="0" err="1" smtClean="0"/>
+              <a:t>ported</a:t>
+            </a:r>
+            <a:r>
+              <a:rPr lang="de-AT" baseline="0" dirty="0" smtClean="0"/>
+              <a:t> </a:t>
+            </a:r>
+            <a:r>
+              <a:rPr lang="de-AT" baseline="0" dirty="0" err="1" smtClean="0"/>
+              <a:t>to</a:t>
+            </a:r>
+            <a:r>
+              <a:rPr lang="de-AT" baseline="0" dirty="0" smtClean="0"/>
+              <a:t> a GPU. </a:t>
+            </a:r>
+            <a:r>
+              <a:rPr lang="de-AT" baseline="0" dirty="0" err="1" smtClean="0"/>
+              <a:t>One</a:t>
+            </a:r>
+            <a:r>
+              <a:rPr lang="de-AT" baseline="0" dirty="0" smtClean="0"/>
+              <a:t> </a:t>
+            </a:r>
+            <a:r>
+              <a:rPr lang="de-AT" baseline="0" dirty="0" err="1" smtClean="0"/>
+              <a:t>method</a:t>
+            </a:r>
+            <a:r>
+              <a:rPr lang="de-AT" baseline="0" dirty="0" smtClean="0"/>
+              <a:t> </a:t>
+            </a:r>
+            <a:r>
+              <a:rPr lang="de-AT" baseline="0" dirty="0" err="1" smtClean="0"/>
+              <a:t>would</a:t>
+            </a:r>
+            <a:r>
+              <a:rPr lang="de-AT" baseline="0" dirty="0" smtClean="0"/>
+              <a:t> </a:t>
+            </a:r>
+            <a:r>
+              <a:rPr lang="de-AT" baseline="0" dirty="0" err="1" smtClean="0"/>
+              <a:t>be</a:t>
+            </a:r>
+            <a:r>
+              <a:rPr lang="de-AT" baseline="0" dirty="0" smtClean="0"/>
+              <a:t> </a:t>
+            </a:r>
+            <a:r>
+              <a:rPr lang="de-AT" baseline="0" dirty="0" err="1" smtClean="0"/>
+              <a:t>to</a:t>
+            </a:r>
+            <a:r>
+              <a:rPr lang="de-AT" baseline="0" dirty="0" smtClean="0"/>
+              <a:t> </a:t>
+            </a:r>
+            <a:r>
+              <a:rPr lang="de-AT" baseline="0" dirty="0" err="1" smtClean="0"/>
+              <a:t>use</a:t>
+            </a:r>
+            <a:r>
+              <a:rPr lang="de-AT" baseline="0" dirty="0" smtClean="0"/>
+              <a:t> such a </a:t>
+            </a:r>
+            <a:r>
+              <a:rPr lang="de-AT" baseline="0" dirty="0" err="1" smtClean="0"/>
+              <a:t>tree</a:t>
+            </a:r>
+            <a:r>
+              <a:rPr lang="de-AT" baseline="0" dirty="0" smtClean="0"/>
+              <a:t> </a:t>
+            </a:r>
+            <a:r>
+              <a:rPr lang="de-AT" baseline="0" dirty="0" err="1" smtClean="0"/>
+              <a:t>based</a:t>
+            </a:r>
+            <a:r>
+              <a:rPr lang="de-AT" baseline="0" dirty="0" smtClean="0"/>
+              <a:t> </a:t>
+            </a:r>
+            <a:r>
+              <a:rPr lang="de-AT" baseline="0" dirty="0" err="1" smtClean="0"/>
+              <a:t>addition</a:t>
+            </a:r>
+            <a:r>
+              <a:rPr lang="de-AT" baseline="0" dirty="0" smtClean="0"/>
+              <a:t> </a:t>
+            </a:r>
+            <a:r>
+              <a:rPr lang="de-AT" baseline="0" dirty="0" err="1" smtClean="0"/>
+              <a:t>system</a:t>
+            </a:r>
+            <a:r>
+              <a:rPr lang="de-AT" baseline="0" dirty="0" smtClean="0"/>
+              <a:t>.</a:t>
+            </a:r>
+            <a:endParaRPr lang="en-US" dirty="0"/>
+          </a:p>
+        </p:txBody>
+      </p:sp>
+      <p:sp>
+        <p:nvSpPr>
+          <p:cNvPr id="4" name="Slide Number Placeholder 3"/>
+          <p:cNvSpPr>
+            <a:spLocks noGrp="1"/>
+          </p:cNvSpPr>
+          <p:nvPr>
+            <p:ph type="sldNum" sz="quarter" idx="10"/>
+          </p:nvPr>
+        </p:nvSpPr>
+        <p:spPr/>
+        <p:txBody>
+          <a:bodyPr/>
+          <a:lstStyle/>
+          <a:p>
+            <a:fld id="{E19E8DFC-DE97-490B-8572-C8B1A4CD170F}" type="slidenum">
+              <a:rPr lang="en-US" smtClean="0"/>
+              <a:t>8</a:t>
+            </a:fld>
+            <a:endParaRPr lang="en-US"/>
+          </a:p>
+        </p:txBody>
+      </p:sp>
+    </p:spTree>
+    <p:extLst>
+      <p:ext uri="{BB962C8B-B14F-4D97-AF65-F5344CB8AC3E}">
+        <p14:creationId xmlns:p14="http://schemas.microsoft.com/office/powerpoint/2010/main" val="297160392"/>
+      </p:ext>
+    </p:extLst>
+  </p:cSld>
+  <p:clrMapOvr>
+    <a:masterClrMapping/>
+  </p:clrMapOvr>
+</p:notes>
+</file>
+
+<file path=ppt/notesSlides/notesSlide8.xml><?xml version="1.0" encoding="utf-8"?>
+<p:notes xmlns:a="http://schemas.openxmlformats.org/drawingml/2006/main" xmlns:r="http://schemas.openxmlformats.org/officeDocument/2006/relationships" xmlns:p="http://schemas.openxmlformats.org/presentationml/2006/main">
+  <p:cSld>
+    <p:spTree>
+      <p:nvGrpSpPr>
+        <p:cNvPr id="1" name=""/>
+        <p:cNvGrpSpPr/>
+        <p:nvPr/>
+      </p:nvGrpSpPr>
+      <p:grpSpPr>
+        <a:xfrm>
+          <a:off x="0" y="0"/>
+          <a:ext cx="0" cy="0"/>
+          <a:chOff x="0" y="0"/>
+          <a:chExt cx="0" cy="0"/>
+        </a:xfrm>
+      </p:grpSpPr>
+      <p:sp>
+        <p:nvSpPr>
+          <p:cNvPr id="2" name="Slide Image Placeholder 1"/>
+          <p:cNvSpPr>
+            <a:spLocks noGrp="1" noRot="1" noChangeAspect="1"/>
+          </p:cNvSpPr>
+          <p:nvPr>
+            <p:ph type="sldImg"/>
+          </p:nvPr>
+        </p:nvSpPr>
+        <p:spPr/>
+      </p:sp>
+      <p:sp>
+        <p:nvSpPr>
+          <p:cNvPr id="3" name="Notes Placeholder 2"/>
+          <p:cNvSpPr>
+            <a:spLocks noGrp="1"/>
+          </p:cNvSpPr>
+          <p:nvPr>
+            <p:ph type="body" idx="1"/>
+          </p:nvPr>
+        </p:nvSpPr>
+        <p:spPr/>
+        <p:txBody>
+          <a:bodyPr/>
+          <a:lstStyle/>
+          <a:p>
+            <a:r>
+              <a:rPr lang="en-US" noProof="0" dirty="0" smtClean="0"/>
+              <a:t>The final algorithm I want to cover</a:t>
+            </a:r>
+            <a:r>
+              <a:rPr lang="en-US" baseline="0" noProof="0" dirty="0" smtClean="0"/>
+              <a:t> in my bachelor thesis is the matrix multiplication. It has a very bad runtime complexity, needs a lot of floating point operations and is highly parallelizable. As a result the matrix multiplication, at least for large matrixes, should perform a lot better on a GPU. The question will be how large has the matrix to be for the GPU to be faster than the CPU and how much faster will the GPU be?</a:t>
+            </a:r>
+            <a:endParaRPr lang="en-US" noProof="0" dirty="0"/>
+          </a:p>
+        </p:txBody>
+      </p:sp>
+      <p:sp>
+        <p:nvSpPr>
+          <p:cNvPr id="4" name="Slide Number Placeholder 3"/>
+          <p:cNvSpPr>
+            <a:spLocks noGrp="1"/>
+          </p:cNvSpPr>
+          <p:nvPr>
+            <p:ph type="sldNum" sz="quarter" idx="10"/>
+          </p:nvPr>
+        </p:nvSpPr>
+        <p:spPr/>
+        <p:txBody>
+          <a:bodyPr/>
+          <a:lstStyle/>
+          <a:p>
+            <a:fld id="{E19E8DFC-DE97-490B-8572-C8B1A4CD170F}" type="slidenum">
+              <a:rPr lang="en-US" smtClean="0"/>
+              <a:t>9</a:t>
+            </a:fld>
+            <a:endParaRPr lang="en-US"/>
+          </a:p>
+        </p:txBody>
+      </p:sp>
+    </p:spTree>
+    <p:extLst>
+      <p:ext uri="{BB962C8B-B14F-4D97-AF65-F5344CB8AC3E}">
+        <p14:creationId xmlns:p14="http://schemas.microsoft.com/office/powerpoint/2010/main" val="3530741468"/>
+      </p:ext>
+    </p:extLst>
+  </p:cSld>
+  <p:clrMapOvr>
+    <a:masterClrMapping/>
+  </p:clrMapOvr>
+</p:notes>
+</file>
+
+<file path=ppt/notesSlides/notesSlide9.xml><?xml version="1.0" encoding="utf-8"?>
+<p:notes xmlns:a="http://schemas.openxmlformats.org/drawingml/2006/main" xmlns:r="http://schemas.openxmlformats.org/officeDocument/2006/relationships" xmlns:p="http://schemas.openxmlformats.org/presentationml/2006/main">
+  <p:cSld>
+    <p:spTree>
+      <p:nvGrpSpPr>
+        <p:cNvPr id="1" name=""/>
+        <p:cNvGrpSpPr/>
+        <p:nvPr/>
+      </p:nvGrpSpPr>
+      <p:grpSpPr>
+        <a:xfrm>
+          <a:off x="0" y="0"/>
+          <a:ext cx="0" cy="0"/>
+          <a:chOff x="0" y="0"/>
+          <a:chExt cx="0" cy="0"/>
+        </a:xfrm>
+      </p:grpSpPr>
+      <p:sp>
+        <p:nvSpPr>
+          <p:cNvPr id="2" name="Slide Image Placeholder 1"/>
+          <p:cNvSpPr>
+            <a:spLocks noGrp="1" noRot="1" noChangeAspect="1"/>
+          </p:cNvSpPr>
+          <p:nvPr>
+            <p:ph type="sldImg"/>
+          </p:nvPr>
+        </p:nvSpPr>
+        <p:spPr/>
+      </p:sp>
+      <p:sp>
+        <p:nvSpPr>
+          <p:cNvPr id="3" name="Notes Placeholder 2"/>
+          <p:cNvSpPr>
+            <a:spLocks noGrp="1"/>
+          </p:cNvSpPr>
+          <p:nvPr>
+            <p:ph type="body" idx="1"/>
+          </p:nvPr>
+        </p:nvSpPr>
+        <p:spPr/>
+        <p:txBody>
+          <a:bodyPr/>
+          <a:lstStyle/>
+          <a:p>
+            <a:r>
+              <a:rPr lang="de-AT" dirty="0" smtClean="0"/>
+              <a:t>So</a:t>
+            </a:r>
+            <a:r>
+              <a:rPr lang="de-AT" baseline="0" dirty="0" smtClean="0"/>
+              <a:t> </a:t>
+            </a:r>
+            <a:r>
+              <a:rPr lang="de-AT" baseline="0" dirty="0" err="1" smtClean="0"/>
+              <a:t>what</a:t>
+            </a:r>
+            <a:r>
+              <a:rPr lang="de-AT" baseline="0" dirty="0" smtClean="0"/>
+              <a:t> </a:t>
+            </a:r>
+            <a:r>
+              <a:rPr lang="de-AT" baseline="0" dirty="0" err="1" smtClean="0"/>
+              <a:t>are</a:t>
+            </a:r>
+            <a:r>
+              <a:rPr lang="de-AT" baseline="0" dirty="0" smtClean="0"/>
+              <a:t> </a:t>
+            </a:r>
+            <a:r>
+              <a:rPr lang="de-AT" baseline="0" dirty="0" err="1" smtClean="0"/>
+              <a:t>the</a:t>
+            </a:r>
+            <a:r>
+              <a:rPr lang="de-AT" baseline="0" dirty="0" smtClean="0"/>
+              <a:t> final </a:t>
+            </a:r>
+            <a:r>
+              <a:rPr lang="de-AT" baseline="0" dirty="0" err="1" smtClean="0"/>
+              <a:t>results</a:t>
+            </a:r>
+            <a:r>
+              <a:rPr lang="de-AT" baseline="0" dirty="0" smtClean="0"/>
+              <a:t> </a:t>
+            </a:r>
+            <a:r>
+              <a:rPr lang="de-AT" baseline="0" dirty="0" err="1" smtClean="0"/>
+              <a:t>of</a:t>
+            </a:r>
+            <a:r>
+              <a:rPr lang="de-AT" baseline="0" dirty="0" smtClean="0"/>
+              <a:t> </a:t>
+            </a:r>
+            <a:r>
+              <a:rPr lang="de-AT" baseline="0" dirty="0" err="1" smtClean="0"/>
+              <a:t>my</a:t>
+            </a:r>
+            <a:r>
+              <a:rPr lang="de-AT" baseline="0" dirty="0" smtClean="0"/>
+              <a:t> </a:t>
+            </a:r>
+            <a:r>
+              <a:rPr lang="de-AT" baseline="0" dirty="0" err="1" smtClean="0"/>
+              <a:t>bachelor</a:t>
+            </a:r>
+            <a:r>
+              <a:rPr lang="de-AT" baseline="0" dirty="0" smtClean="0"/>
+              <a:t> </a:t>
+            </a:r>
+            <a:r>
+              <a:rPr lang="de-AT" baseline="0" dirty="0" err="1" smtClean="0"/>
+              <a:t>thesis</a:t>
+            </a:r>
+            <a:r>
+              <a:rPr lang="de-AT" baseline="0" dirty="0" smtClean="0"/>
+              <a:t>? The </a:t>
+            </a:r>
+            <a:r>
+              <a:rPr lang="de-AT" baseline="0" dirty="0" err="1" smtClean="0"/>
+              <a:t>first</a:t>
+            </a:r>
+            <a:r>
+              <a:rPr lang="de-AT" baseline="0" dirty="0" smtClean="0"/>
+              <a:t> </a:t>
+            </a:r>
+            <a:r>
+              <a:rPr lang="de-AT" baseline="0" dirty="0" err="1" smtClean="0"/>
+              <a:t>step</a:t>
+            </a:r>
+            <a:r>
+              <a:rPr lang="de-AT" baseline="0" dirty="0" smtClean="0"/>
+              <a:t> after </a:t>
+            </a:r>
+            <a:r>
+              <a:rPr lang="de-AT" baseline="0" dirty="0" err="1" smtClean="0"/>
+              <a:t>the</a:t>
+            </a:r>
+            <a:r>
+              <a:rPr lang="de-AT" baseline="0" dirty="0" smtClean="0"/>
+              <a:t> </a:t>
+            </a:r>
+            <a:r>
+              <a:rPr lang="de-AT" baseline="0" dirty="0" err="1" smtClean="0"/>
+              <a:t>theoretical</a:t>
+            </a:r>
+            <a:r>
+              <a:rPr lang="de-AT" baseline="0" dirty="0" smtClean="0"/>
+              <a:t> </a:t>
+            </a:r>
+            <a:r>
+              <a:rPr lang="de-AT" baseline="0" dirty="0" err="1" smtClean="0"/>
+              <a:t>part</a:t>
+            </a:r>
+            <a:r>
+              <a:rPr lang="de-AT" baseline="0" dirty="0" smtClean="0"/>
+              <a:t> will </a:t>
+            </a:r>
+            <a:r>
+              <a:rPr lang="de-AT" baseline="0" dirty="0" err="1" smtClean="0"/>
+              <a:t>be</a:t>
+            </a:r>
+            <a:r>
+              <a:rPr lang="de-AT" baseline="0" dirty="0" smtClean="0"/>
+              <a:t> </a:t>
+            </a:r>
+            <a:r>
+              <a:rPr lang="de-AT" baseline="0" dirty="0" err="1" smtClean="0"/>
+              <a:t>the</a:t>
+            </a:r>
+            <a:r>
+              <a:rPr lang="de-AT" baseline="0" dirty="0" smtClean="0"/>
+              <a:t> </a:t>
+            </a:r>
+            <a:r>
+              <a:rPr lang="de-AT" baseline="0" dirty="0" err="1" smtClean="0"/>
+              <a:t>implementation</a:t>
+            </a:r>
+            <a:r>
+              <a:rPr lang="de-AT" baseline="0" dirty="0" smtClean="0"/>
+              <a:t> </a:t>
+            </a:r>
+            <a:r>
+              <a:rPr lang="de-AT" baseline="0" dirty="0" err="1" smtClean="0"/>
+              <a:t>of</a:t>
+            </a:r>
+            <a:r>
+              <a:rPr lang="de-AT" baseline="0" dirty="0" smtClean="0"/>
+              <a:t> </a:t>
+            </a:r>
+            <a:r>
+              <a:rPr lang="de-AT" baseline="0" dirty="0" err="1" smtClean="0"/>
+              <a:t>these</a:t>
+            </a:r>
+            <a:r>
+              <a:rPr lang="de-AT" baseline="0" dirty="0" smtClean="0"/>
+              <a:t> </a:t>
+            </a:r>
+            <a:r>
+              <a:rPr lang="de-AT" baseline="0" dirty="0" err="1" smtClean="0"/>
+              <a:t>three</a:t>
+            </a:r>
+            <a:r>
+              <a:rPr lang="de-AT" baseline="0" dirty="0" smtClean="0"/>
+              <a:t> </a:t>
+            </a:r>
+            <a:r>
+              <a:rPr lang="de-AT" baseline="0" dirty="0" err="1" smtClean="0"/>
+              <a:t>kinds</a:t>
+            </a:r>
+            <a:r>
+              <a:rPr lang="de-AT" baseline="0" dirty="0" smtClean="0"/>
+              <a:t> </a:t>
+            </a:r>
+            <a:r>
+              <a:rPr lang="de-AT" baseline="0" dirty="0" err="1" smtClean="0"/>
+              <a:t>of</a:t>
+            </a:r>
+            <a:r>
+              <a:rPr lang="de-AT" baseline="0" dirty="0" smtClean="0"/>
+              <a:t> </a:t>
+            </a:r>
+            <a:r>
+              <a:rPr lang="de-AT" baseline="0" dirty="0" err="1" smtClean="0"/>
+              <a:t>algorithms</a:t>
+            </a:r>
+            <a:r>
+              <a:rPr lang="de-AT" baseline="0" dirty="0" smtClean="0"/>
+              <a:t> I </a:t>
+            </a:r>
+            <a:r>
+              <a:rPr lang="de-AT" baseline="0" dirty="0" err="1" smtClean="0"/>
+              <a:t>have</a:t>
+            </a:r>
+            <a:r>
+              <a:rPr lang="de-AT" baseline="0" dirty="0" smtClean="0"/>
+              <a:t> </a:t>
+            </a:r>
+            <a:r>
+              <a:rPr lang="de-AT" baseline="0" dirty="0" err="1" smtClean="0"/>
+              <a:t>shown</a:t>
+            </a:r>
+            <a:r>
+              <a:rPr lang="de-AT" baseline="0" dirty="0" smtClean="0"/>
+              <a:t> </a:t>
+            </a:r>
+            <a:r>
+              <a:rPr lang="de-AT" baseline="0" dirty="0" err="1" smtClean="0"/>
+              <a:t>you</a:t>
+            </a:r>
+            <a:r>
+              <a:rPr lang="de-AT" baseline="0" dirty="0" smtClean="0"/>
+              <a:t>. </a:t>
+            </a:r>
+            <a:r>
+              <a:rPr lang="de-AT" baseline="0" dirty="0" err="1" smtClean="0"/>
+              <a:t>Then</a:t>
+            </a:r>
+            <a:r>
+              <a:rPr lang="de-AT" baseline="0" dirty="0" smtClean="0"/>
+              <a:t> I will </a:t>
+            </a:r>
+            <a:r>
+              <a:rPr lang="de-AT" baseline="0" dirty="0" err="1" smtClean="0"/>
+              <a:t>run</a:t>
+            </a:r>
+            <a:r>
+              <a:rPr lang="de-AT" baseline="0" dirty="0" smtClean="0"/>
+              <a:t> </a:t>
+            </a:r>
+            <a:r>
+              <a:rPr lang="de-AT" baseline="0" dirty="0" err="1" smtClean="0"/>
+              <a:t>some</a:t>
+            </a:r>
+            <a:r>
+              <a:rPr lang="de-AT" baseline="0" dirty="0" smtClean="0"/>
+              <a:t> </a:t>
+            </a:r>
+            <a:r>
+              <a:rPr lang="de-AT" baseline="0" dirty="0" err="1" smtClean="0"/>
+              <a:t>benchmarks</a:t>
+            </a:r>
+            <a:r>
+              <a:rPr lang="de-AT" baseline="0" dirty="0" smtClean="0"/>
+              <a:t> </a:t>
+            </a:r>
+            <a:r>
+              <a:rPr lang="de-AT" baseline="0" dirty="0" err="1" smtClean="0"/>
+              <a:t>and</a:t>
+            </a:r>
+            <a:r>
+              <a:rPr lang="de-AT" baseline="0" dirty="0" smtClean="0"/>
+              <a:t> </a:t>
+            </a:r>
+            <a:r>
+              <a:rPr lang="de-AT" baseline="0" dirty="0" err="1" smtClean="0"/>
+              <a:t>create</a:t>
+            </a:r>
+            <a:r>
+              <a:rPr lang="de-AT" baseline="0" dirty="0" smtClean="0"/>
+              <a:t> </a:t>
+            </a:r>
+            <a:r>
+              <a:rPr lang="de-AT" baseline="0" dirty="0" err="1" smtClean="0"/>
+              <a:t>statistics</a:t>
+            </a:r>
+            <a:r>
+              <a:rPr lang="de-AT" baseline="0" dirty="0" smtClean="0"/>
+              <a:t>. </a:t>
+            </a:r>
+            <a:r>
+              <a:rPr lang="de-AT" baseline="0" dirty="0" err="1" smtClean="0"/>
+              <a:t>And</a:t>
+            </a:r>
+            <a:r>
+              <a:rPr lang="de-AT" baseline="0" dirty="0" smtClean="0"/>
+              <a:t> </a:t>
+            </a:r>
+            <a:r>
+              <a:rPr lang="de-AT" baseline="0" dirty="0" err="1" smtClean="0"/>
+              <a:t>from</a:t>
+            </a:r>
+            <a:r>
+              <a:rPr lang="de-AT" baseline="0" dirty="0" smtClean="0"/>
+              <a:t> </a:t>
+            </a:r>
+            <a:r>
+              <a:rPr lang="de-AT" baseline="0" dirty="0" err="1" smtClean="0"/>
+              <a:t>this</a:t>
+            </a:r>
+            <a:r>
+              <a:rPr lang="de-AT" baseline="0" dirty="0" smtClean="0"/>
+              <a:t> </a:t>
+            </a:r>
+            <a:r>
+              <a:rPr lang="de-AT" baseline="0" dirty="0" err="1" smtClean="0"/>
+              <a:t>statistics</a:t>
+            </a:r>
+            <a:r>
+              <a:rPr lang="de-AT" baseline="0" dirty="0" smtClean="0"/>
+              <a:t> I will </a:t>
+            </a:r>
+            <a:r>
+              <a:rPr lang="de-AT" baseline="0" dirty="0" err="1" smtClean="0"/>
+              <a:t>try</a:t>
+            </a:r>
+            <a:r>
+              <a:rPr lang="de-AT" baseline="0" dirty="0" smtClean="0"/>
+              <a:t> </a:t>
+            </a:r>
+            <a:r>
+              <a:rPr lang="de-AT" baseline="0" dirty="0" err="1" smtClean="0"/>
+              <a:t>to</a:t>
+            </a:r>
+            <a:r>
+              <a:rPr lang="de-AT" baseline="0" dirty="0" smtClean="0"/>
+              <a:t> </a:t>
+            </a:r>
+            <a:r>
+              <a:rPr lang="de-AT" baseline="0" dirty="0" err="1" smtClean="0"/>
+              <a:t>draw</a:t>
+            </a:r>
+            <a:r>
+              <a:rPr lang="de-AT" baseline="0" dirty="0" smtClean="0"/>
+              <a:t> </a:t>
+            </a:r>
+            <a:r>
+              <a:rPr lang="de-AT" baseline="0" dirty="0" err="1" smtClean="0"/>
+              <a:t>some</a:t>
+            </a:r>
+            <a:r>
+              <a:rPr lang="de-AT" baseline="0" dirty="0" smtClean="0"/>
+              <a:t> </a:t>
+            </a:r>
+            <a:r>
+              <a:rPr lang="de-AT" baseline="0" dirty="0" err="1" smtClean="0"/>
+              <a:t>conclusions</a:t>
+            </a:r>
+            <a:r>
+              <a:rPr lang="de-AT" baseline="0" dirty="0" smtClean="0"/>
+              <a:t> </a:t>
+            </a:r>
+            <a:r>
+              <a:rPr lang="de-AT" baseline="0" dirty="0" err="1" smtClean="0"/>
+              <a:t>to</a:t>
+            </a:r>
+            <a:r>
+              <a:rPr lang="de-AT" baseline="0" dirty="0" smtClean="0"/>
+              <a:t> </a:t>
+            </a:r>
+            <a:r>
+              <a:rPr lang="de-AT" baseline="0" dirty="0" err="1" smtClean="0"/>
+              <a:t>answere</a:t>
+            </a:r>
+            <a:r>
+              <a:rPr lang="de-AT" baseline="0" dirty="0" smtClean="0"/>
+              <a:t> </a:t>
+            </a:r>
+            <a:r>
+              <a:rPr lang="de-AT" baseline="0" dirty="0" err="1" smtClean="0"/>
+              <a:t>the</a:t>
+            </a:r>
+            <a:r>
+              <a:rPr lang="de-AT" baseline="0" dirty="0" smtClean="0"/>
+              <a:t> final </a:t>
+            </a:r>
+            <a:r>
+              <a:rPr lang="de-AT" baseline="0" dirty="0" err="1" smtClean="0"/>
+              <a:t>question</a:t>
+            </a:r>
+            <a:r>
+              <a:rPr lang="de-AT" baseline="0" dirty="0" smtClean="0"/>
+              <a:t> "</a:t>
+            </a:r>
+            <a:r>
+              <a:rPr lang="de-AT" baseline="0" dirty="0" err="1" smtClean="0"/>
+              <a:t>Is</a:t>
+            </a:r>
+            <a:r>
+              <a:rPr lang="de-AT" baseline="0" dirty="0" smtClean="0"/>
+              <a:t> </a:t>
+            </a:r>
+            <a:r>
+              <a:rPr lang="de-AT" baseline="0" dirty="0" err="1" smtClean="0"/>
+              <a:t>it</a:t>
+            </a:r>
+            <a:r>
+              <a:rPr lang="de-AT" baseline="0" dirty="0" smtClean="0"/>
+              <a:t> profitable </a:t>
+            </a:r>
+            <a:r>
+              <a:rPr lang="de-AT" baseline="0" dirty="0" err="1" smtClean="0"/>
+              <a:t>to</a:t>
+            </a:r>
+            <a:r>
+              <a:rPr lang="de-AT" baseline="0" dirty="0" smtClean="0"/>
+              <a:t> </a:t>
+            </a:r>
+            <a:r>
+              <a:rPr lang="de-AT" baseline="0" dirty="0" err="1" smtClean="0"/>
+              <a:t>use</a:t>
+            </a:r>
+            <a:r>
+              <a:rPr lang="de-AT" baseline="0" dirty="0" smtClean="0"/>
+              <a:t> OpenCL </a:t>
+            </a:r>
+            <a:r>
+              <a:rPr lang="de-AT" baseline="0" dirty="0" err="1" smtClean="0"/>
+              <a:t>for</a:t>
+            </a:r>
+            <a:r>
+              <a:rPr lang="de-AT" baseline="0" dirty="0" smtClean="0"/>
+              <a:t> </a:t>
+            </a:r>
+            <a:r>
+              <a:rPr lang="de-AT" baseline="0" dirty="0" err="1" smtClean="0"/>
+              <a:t>my</a:t>
+            </a:r>
+            <a:r>
+              <a:rPr lang="de-AT" baseline="0" dirty="0" smtClean="0"/>
+              <a:t> </a:t>
+            </a:r>
+            <a:r>
+              <a:rPr lang="de-AT" baseline="0" dirty="0" err="1" smtClean="0"/>
+              <a:t>application</a:t>
+            </a:r>
+            <a:r>
+              <a:rPr lang="de-AT" baseline="0" dirty="0" smtClean="0"/>
+              <a:t> </a:t>
+            </a:r>
+            <a:r>
+              <a:rPr lang="de-AT" baseline="0" dirty="0" err="1" smtClean="0"/>
+              <a:t>or</a:t>
+            </a:r>
+            <a:r>
+              <a:rPr lang="de-AT" baseline="0" dirty="0" smtClean="0"/>
+              <a:t> not?"</a:t>
+            </a:r>
+          </a:p>
+          <a:p>
+            <a:r>
+              <a:rPr lang="de-AT" baseline="0" dirty="0" err="1" smtClean="0"/>
+              <a:t>Thanks</a:t>
+            </a:r>
+            <a:r>
+              <a:rPr lang="de-AT" baseline="0" dirty="0" smtClean="0"/>
+              <a:t> </a:t>
+            </a:r>
+            <a:r>
+              <a:rPr lang="de-AT" baseline="0" dirty="0" err="1" smtClean="0"/>
+              <a:t>for</a:t>
+            </a:r>
+            <a:r>
+              <a:rPr lang="de-AT" baseline="0" dirty="0" smtClean="0"/>
+              <a:t> </a:t>
+            </a:r>
+            <a:r>
+              <a:rPr lang="de-AT" baseline="0" dirty="0" err="1" smtClean="0"/>
+              <a:t>listening</a:t>
+            </a:r>
+            <a:r>
+              <a:rPr lang="de-AT" baseline="0" dirty="0" smtClean="0"/>
+              <a:t> </a:t>
+            </a:r>
+            <a:r>
+              <a:rPr lang="de-AT" baseline="0" dirty="0" err="1" smtClean="0"/>
+              <a:t>and</a:t>
+            </a:r>
+            <a:r>
+              <a:rPr lang="de-AT" baseline="0" dirty="0" smtClean="0"/>
+              <a:t> </a:t>
+            </a:r>
+            <a:r>
+              <a:rPr lang="de-AT" baseline="0" dirty="0" err="1" smtClean="0"/>
+              <a:t>see</a:t>
+            </a:r>
+            <a:r>
+              <a:rPr lang="de-AT" baseline="0" dirty="0" smtClean="0"/>
+              <a:t> </a:t>
+            </a:r>
+            <a:r>
+              <a:rPr lang="de-AT" baseline="0" dirty="0" err="1" smtClean="0"/>
+              <a:t>you</a:t>
+            </a:r>
+            <a:r>
+              <a:rPr lang="de-AT" baseline="0" dirty="0" smtClean="0"/>
+              <a:t> </a:t>
+            </a:r>
+            <a:r>
+              <a:rPr lang="de-AT" baseline="0" dirty="0" err="1" smtClean="0"/>
+              <a:t>guys</a:t>
+            </a:r>
+            <a:r>
+              <a:rPr lang="de-AT" baseline="0" dirty="0" smtClean="0"/>
+              <a:t> in </a:t>
+            </a:r>
+            <a:r>
+              <a:rPr lang="de-AT" baseline="0" dirty="0" err="1" smtClean="0"/>
+              <a:t>January</a:t>
+            </a:r>
+            <a:r>
+              <a:rPr lang="de-AT" baseline="0" dirty="0" smtClean="0"/>
+              <a:t> </a:t>
+            </a:r>
+            <a:r>
+              <a:rPr lang="de-AT" baseline="0" dirty="0" err="1" smtClean="0"/>
+              <a:t>with</a:t>
+            </a:r>
+            <a:r>
+              <a:rPr lang="de-AT" baseline="0" dirty="0" smtClean="0"/>
+              <a:t> </a:t>
+            </a:r>
+            <a:r>
+              <a:rPr lang="de-AT" baseline="0" dirty="0" err="1" smtClean="0"/>
+              <a:t>some</a:t>
+            </a:r>
+            <a:r>
+              <a:rPr lang="de-AT" baseline="0" dirty="0" smtClean="0"/>
+              <a:t> </a:t>
+            </a:r>
+            <a:r>
+              <a:rPr lang="de-AT" baseline="0" dirty="0" err="1" smtClean="0"/>
+              <a:t>results</a:t>
+            </a:r>
+            <a:r>
+              <a:rPr lang="de-AT" baseline="0" smtClean="0"/>
+              <a:t>.</a:t>
+            </a:r>
+            <a:endParaRPr lang="en-US" dirty="0"/>
+          </a:p>
+        </p:txBody>
+      </p:sp>
+      <p:sp>
+        <p:nvSpPr>
+          <p:cNvPr id="4" name="Slide Number Placeholder 3"/>
+          <p:cNvSpPr>
+            <a:spLocks noGrp="1"/>
+          </p:cNvSpPr>
+          <p:nvPr>
+            <p:ph type="sldNum" sz="quarter" idx="10"/>
+          </p:nvPr>
+        </p:nvSpPr>
+        <p:spPr/>
+        <p:txBody>
+          <a:bodyPr/>
+          <a:lstStyle/>
+          <a:p>
+            <a:fld id="{E19E8DFC-DE97-490B-8572-C8B1A4CD170F}" type="slidenum">
+              <a:rPr lang="en-US" smtClean="0"/>
+              <a:t>10</a:t>
+            </a:fld>
+            <a:endParaRPr lang="en-US"/>
+          </a:p>
+        </p:txBody>
+      </p:sp>
+    </p:spTree>
+    <p:extLst>
+      <p:ext uri="{BB962C8B-B14F-4D97-AF65-F5344CB8AC3E}">
+        <p14:creationId xmlns:p14="http://schemas.microsoft.com/office/powerpoint/2010/main" val="270916133"/>
       </p:ext>
     </p:extLst>
   </p:cSld>
@@ -14825,7 +17245,7 @@
         </p:xfrm>
         <a:graphic>
           <a:graphicData uri="http://schemas.openxmlformats.org/drawingml/2006/diagram">
-            <dgm:relIds xmlns:dgm="http://schemas.openxmlformats.org/drawingml/2006/diagram" xmlns:r="http://schemas.openxmlformats.org/officeDocument/2006/relationships" r:dm="rId2" r:lo="rId3" r:qs="rId4" r:cs="rId5"/>
+            <dgm:relIds xmlns:dgm="http://schemas.openxmlformats.org/drawingml/2006/diagram" xmlns:r="http://schemas.openxmlformats.org/officeDocument/2006/relationships" r:dm="rId3" r:lo="rId4" r:qs="rId5" r:cs="rId6"/>
           </a:graphicData>
         </a:graphic>
       </p:graphicFrame>
@@ -16223,7 +18643,7 @@
           <p:nvPr/>
         </p:nvPicPr>
         <p:blipFill>
-          <a:blip r:embed="rId2">
+          <a:blip r:embed="rId3">
             <a:extLst>
               <a:ext uri="{28A0092B-C50C-407E-A947-70E740481C1C}">
                 <a14:useLocalDpi xmlns:a14="http://schemas.microsoft.com/office/drawing/2010/main" val="0"/>
@@ -16283,7 +18703,7 @@
           <p:nvPr>
             <p:extLst>
               <p:ext uri="{D42A27DB-BD31-4B8C-83A1-F6EECF244321}">
-                <p14:modId xmlns:p14="http://schemas.microsoft.com/office/powerpoint/2010/main" val="649804066"/>
+                <p14:modId xmlns:p14="http://schemas.microsoft.com/office/powerpoint/2010/main" val="3963198737"/>
               </p:ext>
             </p:extLst>
           </p:nvPr>
@@ -16294,10 +18714,114 @@
         </p:xfrm>
         <a:graphic>
           <a:graphicData uri="http://schemas.openxmlformats.org/drawingml/2006/diagram">
-            <dgm:relIds xmlns:dgm="http://schemas.openxmlformats.org/drawingml/2006/diagram" xmlns:r="http://schemas.openxmlformats.org/officeDocument/2006/relationships" r:dm="rId3" r:lo="rId4" r:qs="rId5" r:cs="rId6"/>
+            <dgm:relIds xmlns:dgm="http://schemas.openxmlformats.org/drawingml/2006/diagram" xmlns:r="http://schemas.openxmlformats.org/officeDocument/2006/relationships" r:dm="rId4" r:lo="rId5" r:qs="rId6" r:cs="rId7"/>
           </a:graphicData>
         </a:graphic>
       </p:graphicFrame>
+      <p:grpSp>
+        <p:nvGrpSpPr>
+          <p:cNvPr id="5" name="Group 4"/>
+          <p:cNvGrpSpPr/>
+          <p:nvPr/>
+        </p:nvGrpSpPr>
+        <p:grpSpPr>
+          <a:xfrm>
+            <a:off x="5332271" y="3831918"/>
+            <a:ext cx="3245556" cy="776901"/>
+            <a:chOff x="0" y="2463617"/>
+            <a:chExt cx="3245556" cy="776901"/>
+          </a:xfrm>
+        </p:grpSpPr>
+        <p:sp>
+          <p:nvSpPr>
+            <p:cNvPr id="6" name="Rounded Rectangle 5"/>
+            <p:cNvSpPr/>
+            <p:nvPr/>
+          </p:nvSpPr>
+          <p:spPr>
+            <a:xfrm>
+              <a:off x="0" y="2463617"/>
+              <a:ext cx="3245556" cy="776901"/>
+            </a:xfrm>
+            <a:prstGeom prst="roundRect">
+              <a:avLst>
+                <a:gd name="adj" fmla="val 10000"/>
+              </a:avLst>
+            </a:prstGeom>
+          </p:spPr>
+          <p:style>
+            <a:lnRef idx="3">
+              <a:schemeClr val="lt1"/>
+            </a:lnRef>
+            <a:fillRef idx="1">
+              <a:schemeClr val="accent3"/>
+            </a:fillRef>
+            <a:effectRef idx="1">
+              <a:schemeClr val="accent3"/>
+            </a:effectRef>
+            <a:fontRef idx="minor">
+              <a:schemeClr val="lt1"/>
+            </a:fontRef>
+          </p:style>
+        </p:sp>
+        <p:sp>
+          <p:nvSpPr>
+            <p:cNvPr id="7" name="Rounded Rectangle 4"/>
+            <p:cNvSpPr/>
+            <p:nvPr/>
+          </p:nvSpPr>
+          <p:spPr>
+            <a:xfrm>
+              <a:off x="22755" y="2486372"/>
+              <a:ext cx="3200046" cy="731391"/>
+            </a:xfrm>
+            <a:prstGeom prst="rect">
+              <a:avLst/>
+            </a:prstGeom>
+            <a:solidFill>
+              <a:schemeClr val="accent1"/>
+            </a:solidFill>
+          </p:spPr>
+          <p:style>
+            <a:lnRef idx="0">
+              <a:scrgbClr r="0" g="0" b="0"/>
+            </a:lnRef>
+            <a:fillRef idx="0">
+              <a:scrgbClr r="0" g="0" b="0"/>
+            </a:fillRef>
+            <a:effectRef idx="0">
+              <a:scrgbClr r="0" g="0" b="0"/>
+            </a:effectRef>
+            <a:fontRef idx="minor">
+              <a:schemeClr val="lt1"/>
+            </a:fontRef>
+          </p:style>
+          <p:txBody>
+            <a:bodyPr spcFirstLastPara="0" vert="horz" wrap="square" lIns="125730" tIns="125730" rIns="125730" bIns="125730" numCol="1" spcCol="1270" anchor="ctr" anchorCtr="0">
+              <a:noAutofit/>
+            </a:bodyPr>
+            <a:lstStyle/>
+            <a:p>
+              <a:pPr lvl="0" algn="ctr" defTabSz="1466850">
+                <a:lnSpc>
+                  <a:spcPct val="90000"/>
+                </a:lnSpc>
+                <a:spcBef>
+                  <a:spcPct val="0"/>
+                </a:spcBef>
+                <a:spcAft>
+                  <a:spcPct val="35000"/>
+                </a:spcAft>
+              </a:pPr>
+              <a:r>
+                <a:rPr lang="en-US" sz="3300" kern="1200" dirty="0" smtClean="0"/>
+                <a:t>CPU Hardware</a:t>
+              </a:r>
+              <a:endParaRPr lang="en-US" sz="3300" kern="1200" dirty="0"/>
+            </a:p>
+          </p:txBody>
+        </p:sp>
+      </p:grpSp>
     </p:spTree>
     <p:extLst>
       <p:ext uri="{BB962C8B-B14F-4D97-AF65-F5344CB8AC3E}">
@@ -16391,6 +18915,59 @@
                                         <p:cTn id="10" dur="500"/>
                                         <p:tgtEl>
                                           <p:spTgt spid="8"/>
+                                        </p:tgtEl>
+                                      </p:cBhvr>
+                                    </p:animEffect>
+                                  </p:childTnLst>
+                                </p:cTn>
+                              </p:par>
+                            </p:childTnLst>
+                          </p:cTn>
+                        </p:par>
+                      </p:childTnLst>
+                    </p:cTn>
+                  </p:par>
+                  <p:par>
+                    <p:cTn id="11" fill="hold">
+                      <p:stCondLst>
+                        <p:cond delay="indefinite"/>
+                      </p:stCondLst>
+                      <p:childTnLst>
+                        <p:par>
+                          <p:cTn id="12" fill="hold">
+                            <p:stCondLst>
+                              <p:cond delay="0"/>
+                            </p:stCondLst>
+                            <p:childTnLst>
+                              <p:par>
+                                <p:cTn id="13" presetID="10" presetClass="entr" presetSubtype="0" fill="hold" nodeType="clickEffect">
+                                  <p:stCondLst>
+                                    <p:cond delay="0"/>
+                                  </p:stCondLst>
+                                  <p:childTnLst>
+                                    <p:set>
+                                      <p:cBhvr>
+                                        <p:cTn id="14" dur="1" fill="hold">
+                                          <p:stCondLst>
+                                            <p:cond delay="0"/>
+                                          </p:stCondLst>
+                                        </p:cTn>
+                                        <p:tgtEl>
+                                          <p:spTgt spid="5"/>
+                                        </p:tgtEl>
+                                        <p:attrNameLst>
+                                          <p:attrName>style.visibility</p:attrName>
+                                        </p:attrNameLst>
+                                      </p:cBhvr>
+                                      <p:to>
+                                        <p:strVal val="visible"/>
+                                      </p:to>
+                                    </p:set>
+                                    <p:animEffect transition="in" filter="fade">
+                                      <p:cBhvr>
+                                        <p:cTn id="15" dur="500"/>
+                                        <p:tgtEl>
+                                          <p:spTgt spid="5"/>
                                         </p:tgtEl>
                                       </p:cBhvr>
                                     </p:animEffect>
@@ -17025,8 +19602,8 @@
           </p:nvSpPr>
           <p:spPr>
             <a:xfrm rot="20415401">
-              <a:off x="3041792" y="1971992"/>
-              <a:ext cx="929561" cy="923863"/>
+              <a:off x="2854909" y="1963584"/>
+              <a:ext cx="1350180" cy="923863"/>
             </a:xfrm>
             <a:prstGeom prst="rect">
               <a:avLst/>
@@ -17064,14 +19641,17 @@
                 </a:spcAft>
               </a:pPr>
               <a:r>
-                <a:rPr lang="en-US" sz="3900" dirty="0"/>
-                <a:t>n</a:t>
+                <a:rPr lang="en-US" sz="2800" dirty="0"/>
+                <a:t>n </a:t>
               </a:r>
               <a:r>
-                <a:rPr lang="en-US" sz="3900" kern="1200" dirty="0" smtClean="0"/>
-                <a:t>²</a:t>
+                <a:rPr lang="en-US" sz="2800" dirty="0" smtClean="0"/>
+                <a:t>log²(n</a:t>
               </a:r>
-              <a:endParaRPr lang="en-US" sz="3900" kern="1200" dirty="0"/>
+              <a:r>
+                <a:rPr lang="en-US" sz="2800" dirty="0"/>
+                <a:t>)</a:t>
+              </a:r>
             </a:p>
           </p:txBody>
         </p:sp>
@@ -17085,7 +19665,7 @@
           <p:nvPr/>
         </p:nvPicPr>
         <p:blipFill>
-          <a:blip r:embed="rId2">
+          <a:blip r:embed="rId3">
             <a:extLst>
               <a:ext uri="{28A0092B-C50C-407E-A947-70E740481C1C}">
                 <a14:useLocalDpi xmlns:a14="http://schemas.microsoft.com/office/drawing/2010/main" val="0"/>
@@ -17217,7 +19797,7 @@
           <p:nvPr/>
         </p:nvPicPr>
         <p:blipFill>
-          <a:blip r:embed="rId3" cstate="print">
+          <a:blip r:embed="rId4" cstate="print">
             <a:extLst>
               <a:ext uri="{28A0092B-C50C-407E-A947-70E740481C1C}">
                 <a14:useLocalDpi xmlns:a14="http://schemas.microsoft.com/office/drawing/2010/main" val="0"/>
@@ -17302,7 +19882,7 @@
           <p:nvPr/>
         </p:nvPicPr>
         <p:blipFill>
-          <a:blip r:embed="rId4" cstate="print">
+          <a:blip r:embed="rId5" cstate="print">
             <a:extLst>
               <a:ext uri="{28A0092B-C50C-407E-A947-70E740481C1C}">
                 <a14:useLocalDpi xmlns:a14="http://schemas.microsoft.com/office/drawing/2010/main" val="0"/>
@@ -17632,7 +20212,7 @@
           <p:nvPr/>
         </p:nvPicPr>
         <p:blipFill>
-          <a:blip r:embed="rId2">
+          <a:blip r:embed="rId3">
             <a:extLst>
               <a:ext uri="{28A0092B-C50C-407E-A947-70E740481C1C}">
                 <a14:useLocalDpi xmlns:a14="http://schemas.microsoft.com/office/drawing/2010/main" val="0"/>
@@ -18846,7 +21426,7 @@
           <p:nvPr/>
         </p:nvPicPr>
         <p:blipFill>
-          <a:blip r:embed="rId2">
+          <a:blip r:embed="rId3">
             <a:extLst>
               <a:ext uri="{28A0092B-C50C-407E-A947-70E740481C1C}">
                 <a14:useLocalDpi xmlns:a14="http://schemas.microsoft.com/office/drawing/2010/main" val="0"/>

--- a/presentations/BAS_1/OpenCL.pptx
+++ b/presentations/BAS_1/OpenCL.pptx
@@ -11389,19 +11389,59 @@
           <a:p>
             <a:r>
               <a:rPr lang="en-US" baseline="0" dirty="0" smtClean="0"/>
-              <a:t>Ok, first things first: This presentation will be in English, because this is also the language I have chosen for my bachelor thesis.</a:t>
+              <a:t>Ok, first things first: This presentation will be </a:t>
+            </a:r>
+            <a:r>
+              <a:rPr lang="en-US" b="1" baseline="0" dirty="0" smtClean="0"/>
+              <a:t>in English</a:t>
+            </a:r>
+            <a:r>
+              <a:rPr lang="en-US" baseline="0" dirty="0" smtClean="0"/>
+              <a:t>, because this is also the language I have chosen for my bachelor thesis.</a:t>
             </a:r>
           </a:p>
           <a:p>
             <a:r>
               <a:rPr lang="en-US" baseline="0" dirty="0" smtClean="0"/>
-              <a:t>The topic description of my bachelor thesis is actually quite long, as most of you know probably know from the topic catalogue we got last year. Therefore I'll start with a simple picture.</a:t>
+              <a:t>The </a:t>
+            </a:r>
+            <a:r>
+              <a:rPr lang="en-US" b="1" baseline="0" dirty="0" smtClean="0"/>
+              <a:t>topic</a:t>
+            </a:r>
+            <a:r>
+              <a:rPr lang="en-US" baseline="0" dirty="0" smtClean="0"/>
+              <a:t> description of my bachelor thesis is actually quite long, as most of you know probably know from the topic catalogue we got last year. Therefore I'll </a:t>
+            </a:r>
+            <a:r>
+              <a:rPr lang="en-US" b="1" baseline="0" dirty="0" smtClean="0"/>
+              <a:t>start </a:t>
+            </a:r>
+            <a:r>
+              <a:rPr lang="en-US" b="0" baseline="0" dirty="0" smtClean="0"/>
+              <a:t>with a</a:t>
+            </a:r>
+            <a:r>
+              <a:rPr lang="en-US" b="1" baseline="0" dirty="0" smtClean="0"/>
+              <a:t> simple picture</a:t>
+            </a:r>
+            <a:r>
+              <a:rPr lang="en-US" baseline="0" dirty="0" smtClean="0"/>
+              <a:t>.</a:t>
             </a:r>
           </a:p>
           <a:p>
             <a:r>
               <a:rPr lang="en-US" baseline="0" dirty="0" smtClean="0"/>
-              <a:t>This picture shows the major components of a computer but the two most important ones [CLICK] are the CPU and the GPU.</a:t>
+              <a:t>This picture shows </a:t>
+            </a:r>
+            <a:r>
+              <a:rPr lang="en-US" b="1" baseline="0" dirty="0" smtClean="0"/>
+              <a:t>the major components </a:t>
+            </a:r>
+            <a:r>
+              <a:rPr lang="en-US" baseline="0" dirty="0" smtClean="0"/>
+              <a:t>of a computer but the two most important ones [CLICK] are the CPU and the GPU.</a:t>
             </a:r>
           </a:p>
           <a:p>
@@ -11541,8 +11581,16 @@
               <a:t> </a:t>
             </a:r>
             <a:r>
-              <a:rPr lang="de-AT" baseline="0" dirty="0" err="1" smtClean="0"/>
+              <a:rPr lang="de-AT" b="1" baseline="0" dirty="0" err="1" smtClean="0"/>
               <a:t>process</a:t>
+            </a:r>
+            <a:r>
+              <a:rPr lang="de-AT" b="1" baseline="0" dirty="0" smtClean="0"/>
+              <a:t> </a:t>
+            </a:r>
+            <a:r>
+              <a:rPr lang="de-AT" b="1" baseline="0" dirty="0" err="1" smtClean="0"/>
+              <a:t>graphics</a:t>
             </a:r>
             <a:r>
               <a:rPr lang="de-AT" baseline="0" dirty="0" smtClean="0"/>
@@ -11550,30 +11598,22 @@
             </a:r>
             <a:r>
               <a:rPr lang="de-AT" baseline="0" dirty="0" err="1" smtClean="0"/>
-              <a:t>graphics</a:t>
+              <a:t>and</a:t>
             </a:r>
             <a:r>
               <a:rPr lang="de-AT" baseline="0" dirty="0" smtClean="0"/>
               <a:t> </a:t>
             </a:r>
             <a:r>
-              <a:rPr lang="de-AT" baseline="0" dirty="0" err="1" smtClean="0"/>
-              <a:t>and</a:t>
-            </a:r>
-            <a:r>
-              <a:rPr lang="de-AT" baseline="0" dirty="0" smtClean="0"/>
+              <a:rPr lang="de-AT" b="1" baseline="0" dirty="0" err="1" smtClean="0"/>
+              <a:t>calculate</a:t>
+            </a:r>
+            <a:r>
+              <a:rPr lang="de-AT" b="1" baseline="0" dirty="0" smtClean="0"/>
               <a:t> </a:t>
             </a:r>
             <a:r>
-              <a:rPr lang="de-AT" baseline="0" dirty="0" err="1" smtClean="0"/>
-              <a:t>calculate</a:t>
-            </a:r>
-            <a:r>
-              <a:rPr lang="de-AT" baseline="0" dirty="0" smtClean="0"/>
-              <a:t> </a:t>
-            </a:r>
-            <a:r>
-              <a:rPr lang="de-AT" baseline="0" dirty="0" err="1" smtClean="0"/>
+              <a:rPr lang="de-AT" b="1" baseline="0" dirty="0" err="1" smtClean="0"/>
               <a:t>geometry</a:t>
             </a:r>
             <a:r>
@@ -11654,8 +11694,208 @@
               <a:t> </a:t>
             </a:r>
             <a:r>
+              <a:rPr lang="de-AT" b="1" baseline="0" dirty="0" err="1" smtClean="0"/>
+              <a:t>nowadays</a:t>
+            </a:r>
+            <a:r>
+              <a:rPr lang="de-AT" b="1" baseline="0" dirty="0" smtClean="0"/>
+              <a:t> not </a:t>
+            </a:r>
+            <a:r>
+              <a:rPr lang="de-AT" b="1" baseline="0" dirty="0" err="1" smtClean="0"/>
+              <a:t>only</a:t>
+            </a:r>
+            <a:r>
+              <a:rPr lang="de-AT" baseline="0" dirty="0" smtClean="0"/>
+              <a:t> </a:t>
+            </a:r>
+            <a:r>
               <a:rPr lang="de-AT" baseline="0" dirty="0" err="1" smtClean="0"/>
-              <a:t>nowadays</a:t>
+              <a:t>be</a:t>
+            </a:r>
+            <a:r>
+              <a:rPr lang="de-AT" baseline="0" dirty="0" smtClean="0"/>
+              <a:t> </a:t>
+            </a:r>
+            <a:r>
+              <a:rPr lang="de-AT" baseline="0" dirty="0" err="1" smtClean="0"/>
+              <a:t>used</a:t>
+            </a:r>
+            <a:r>
+              <a:rPr lang="de-AT" baseline="0" dirty="0" smtClean="0"/>
+              <a:t> </a:t>
+            </a:r>
+            <a:r>
+              <a:rPr lang="de-AT" b="1" baseline="0" dirty="0" err="1" smtClean="0"/>
+              <a:t>for</a:t>
+            </a:r>
+            <a:r>
+              <a:rPr lang="de-AT" b="1" baseline="0" dirty="0" smtClean="0"/>
+              <a:t> </a:t>
+            </a:r>
+            <a:r>
+              <a:rPr lang="de-AT" b="1" baseline="0" dirty="0" err="1" smtClean="0"/>
+              <a:t>graphics</a:t>
+            </a:r>
+            <a:r>
+              <a:rPr lang="de-AT" baseline="0" dirty="0" smtClean="0"/>
+              <a:t>. In </a:t>
+            </a:r>
+            <a:r>
+              <a:rPr lang="de-AT" baseline="0" dirty="0" err="1" smtClean="0"/>
+              <a:t>fact</a:t>
+            </a:r>
+            <a:r>
+              <a:rPr lang="de-AT" baseline="0" dirty="0" smtClean="0"/>
+              <a:t> </a:t>
+            </a:r>
+            <a:r>
+              <a:rPr lang="de-AT" baseline="0" dirty="0" err="1" smtClean="0"/>
+              <a:t>it</a:t>
+            </a:r>
+            <a:r>
+              <a:rPr lang="de-AT" baseline="0" dirty="0" smtClean="0"/>
+              <a:t> </a:t>
+            </a:r>
+            <a:r>
+              <a:rPr lang="de-AT" baseline="0" dirty="0" err="1" smtClean="0"/>
+              <a:t>is</a:t>
+            </a:r>
+            <a:r>
+              <a:rPr lang="de-AT" baseline="0" dirty="0" smtClean="0"/>
+              <a:t> </a:t>
+            </a:r>
+            <a:r>
+              <a:rPr lang="de-AT" baseline="0" dirty="0" err="1" smtClean="0"/>
+              <a:t>sometimes</a:t>
+            </a:r>
+            <a:r>
+              <a:rPr lang="de-AT" baseline="0" dirty="0" smtClean="0"/>
+              <a:t> </a:t>
+            </a:r>
+            <a:r>
+              <a:rPr lang="de-AT" baseline="0" dirty="0" err="1" smtClean="0"/>
+              <a:t>very</a:t>
+            </a:r>
+            <a:r>
+              <a:rPr lang="de-AT" baseline="0" dirty="0" smtClean="0"/>
+              <a:t> </a:t>
+            </a:r>
+            <a:r>
+              <a:rPr lang="de-AT" b="1" baseline="0" dirty="0" err="1" smtClean="0"/>
+              <a:t>suitable</a:t>
+            </a:r>
+            <a:r>
+              <a:rPr lang="de-AT" b="1" baseline="0" dirty="0" smtClean="0"/>
+              <a:t> </a:t>
+            </a:r>
+            <a:r>
+              <a:rPr lang="de-AT" b="1" baseline="0" dirty="0" err="1" smtClean="0"/>
+              <a:t>for</a:t>
+            </a:r>
+            <a:r>
+              <a:rPr lang="de-AT" baseline="0" dirty="0" smtClean="0"/>
+              <a:t> </a:t>
+            </a:r>
+            <a:r>
+              <a:rPr lang="de-AT" baseline="0" dirty="0" err="1" smtClean="0"/>
+              <a:t>boring</a:t>
+            </a:r>
+            <a:r>
+              <a:rPr lang="de-AT" baseline="0" dirty="0" smtClean="0"/>
+              <a:t> [CLICK] </a:t>
+            </a:r>
+            <a:r>
+              <a:rPr lang="de-AT" b="1" baseline="0" dirty="0" err="1" smtClean="0"/>
+              <a:t>general</a:t>
+            </a:r>
+            <a:r>
+              <a:rPr lang="de-AT" b="1" baseline="0" dirty="0" smtClean="0"/>
+              <a:t> </a:t>
+            </a:r>
+            <a:r>
+              <a:rPr lang="de-AT" b="1" baseline="0" dirty="0" err="1" smtClean="0"/>
+              <a:t>purpose</a:t>
+            </a:r>
+            <a:r>
+              <a:rPr lang="de-AT" b="1" baseline="0" dirty="0" smtClean="0"/>
+              <a:t> </a:t>
+            </a:r>
+            <a:r>
+              <a:rPr lang="de-AT" b="1" baseline="0" dirty="0" err="1" smtClean="0"/>
+              <a:t>calculations</a:t>
+            </a:r>
+            <a:r>
+              <a:rPr lang="de-AT" baseline="0" dirty="0" smtClean="0"/>
+              <a:t>, </a:t>
+            </a:r>
+            <a:r>
+              <a:rPr lang="de-AT" baseline="0" dirty="0" err="1" smtClean="0"/>
+              <a:t>like</a:t>
+            </a:r>
+            <a:r>
+              <a:rPr lang="de-AT" baseline="0" dirty="0" smtClean="0"/>
+              <a:t> </a:t>
+            </a:r>
+            <a:r>
+              <a:rPr lang="de-AT" baseline="0" dirty="0" err="1" smtClean="0"/>
+              <a:t>sorting</a:t>
+            </a:r>
+            <a:r>
+              <a:rPr lang="de-AT" baseline="0" dirty="0" smtClean="0"/>
+              <a:t> </a:t>
+            </a:r>
+            <a:r>
+              <a:rPr lang="de-AT" baseline="0" dirty="0" err="1" smtClean="0"/>
+              <a:t>arrays</a:t>
+            </a:r>
+            <a:r>
+              <a:rPr lang="de-AT" baseline="0" dirty="0" smtClean="0"/>
+              <a:t> </a:t>
+            </a:r>
+            <a:r>
+              <a:rPr lang="de-AT" baseline="0" dirty="0" err="1" smtClean="0"/>
+              <a:t>or</a:t>
+            </a:r>
+            <a:r>
+              <a:rPr lang="de-AT" baseline="0" dirty="0" smtClean="0"/>
+              <a:t> </a:t>
+            </a:r>
+            <a:r>
+              <a:rPr lang="de-AT" baseline="0" dirty="0" err="1" smtClean="0"/>
+              <a:t>multiplying</a:t>
+            </a:r>
+            <a:r>
+              <a:rPr lang="de-AT" baseline="0" dirty="0" smtClean="0"/>
+              <a:t> </a:t>
+            </a:r>
+            <a:r>
+              <a:rPr lang="de-AT" baseline="0" dirty="0" err="1" smtClean="0"/>
+              <a:t>matrixes</a:t>
+            </a:r>
+            <a:r>
+              <a:rPr lang="de-AT" baseline="0" dirty="0" smtClean="0"/>
+              <a:t>. But </a:t>
+            </a:r>
+            <a:r>
+              <a:rPr lang="de-AT" baseline="0" dirty="0" err="1" smtClean="0"/>
+              <a:t>the</a:t>
+            </a:r>
+            <a:r>
+              <a:rPr lang="de-AT" baseline="0" dirty="0" smtClean="0"/>
+              <a:t> </a:t>
+            </a:r>
+            <a:r>
+              <a:rPr lang="de-AT" baseline="0" dirty="0" err="1" smtClean="0"/>
+              <a:t>question</a:t>
+            </a:r>
+            <a:r>
+              <a:rPr lang="de-AT" baseline="0" dirty="0" smtClean="0"/>
+              <a:t> </a:t>
+            </a:r>
+            <a:r>
+              <a:rPr lang="de-AT" baseline="0" dirty="0" err="1" smtClean="0"/>
+              <a:t>is</a:t>
             </a:r>
             <a:r>
               <a:rPr lang="de-AT" baseline="0" dirty="0" smtClean="0"/>
@@ -11671,7 +11911,7 @@
             </a:r>
             <a:r>
               <a:rPr lang="de-AT" baseline="0" dirty="0" err="1" smtClean="0"/>
-              <a:t>be</a:t>
+              <a:t>about</a:t>
             </a:r>
             <a:r>
               <a:rPr lang="de-AT" baseline="0" dirty="0" smtClean="0"/>
@@ -11679,7 +11919,7 @@
             </a:r>
             <a:r>
               <a:rPr lang="de-AT" baseline="0" dirty="0" err="1" smtClean="0"/>
-              <a:t>used</a:t>
+              <a:t>what</a:t>
             </a:r>
             <a:r>
               <a:rPr lang="de-AT" baseline="0" dirty="0" smtClean="0"/>
@@ -11687,7 +11927,7 @@
             </a:r>
             <a:r>
               <a:rPr lang="de-AT" baseline="0" dirty="0" err="1" smtClean="0"/>
-              <a:t>for</a:t>
+              <a:t>boring</a:t>
             </a:r>
             <a:r>
               <a:rPr lang="de-AT" baseline="0" dirty="0" smtClean="0"/>
@@ -11695,15 +11935,23 @@
             </a:r>
             <a:r>
               <a:rPr lang="de-AT" baseline="0" dirty="0" err="1" smtClean="0"/>
-              <a:t>graphics</a:t>
+              <a:t>things</a:t>
             </a:r>
             <a:r>
               <a:rPr lang="de-AT" baseline="0" dirty="0" smtClean="0"/>
-              <a:t>. In </a:t>
+              <a:t> I </a:t>
             </a:r>
             <a:r>
               <a:rPr lang="de-AT" baseline="0" dirty="0" err="1" smtClean="0"/>
-              <a:t>fact</a:t>
+              <a:t>can</a:t>
+            </a:r>
+            <a:r>
+              <a:rPr lang="de-AT" baseline="0" dirty="0" smtClean="0"/>
+              <a:t> do </a:t>
+            </a:r>
+            <a:r>
+              <a:rPr lang="de-AT" baseline="0" dirty="0" err="1" smtClean="0"/>
+              <a:t>with</a:t>
             </a:r>
             <a:r>
               <a:rPr lang="de-AT" baseline="0" dirty="0" smtClean="0"/>
@@ -11711,7 +11959,7 @@
             </a:r>
             <a:r>
               <a:rPr lang="de-AT" baseline="0" dirty="0" err="1" smtClean="0"/>
-              <a:t>it</a:t>
+              <a:t>my</a:t>
             </a:r>
             <a:r>
               <a:rPr lang="de-AT" baseline="0" dirty="0" smtClean="0"/>
@@ -11719,7 +11967,7 @@
             </a:r>
             <a:r>
               <a:rPr lang="de-AT" baseline="0" dirty="0" err="1" smtClean="0"/>
-              <a:t>is</a:t>
+              <a:t>graphics</a:t>
             </a:r>
             <a:r>
               <a:rPr lang="de-AT" baseline="0" dirty="0" smtClean="0"/>
@@ -11727,7 +11975,15 @@
             </a:r>
             <a:r>
               <a:rPr lang="de-AT" baseline="0" dirty="0" err="1" smtClean="0"/>
-              <a:t>sometimes</a:t>
+              <a:t>card</a:t>
+            </a:r>
+            <a:r>
+              <a:rPr lang="de-AT" baseline="0" dirty="0" smtClean="0"/>
+              <a:t>, </a:t>
+            </a:r>
+            <a:r>
+              <a:rPr lang="de-AT" baseline="0" dirty="0" err="1" smtClean="0"/>
+              <a:t>the</a:t>
             </a:r>
             <a:r>
               <a:rPr lang="de-AT" baseline="0" dirty="0" smtClean="0"/>
@@ -11735,7 +11991,7 @@
             </a:r>
             <a:r>
               <a:rPr lang="de-AT" baseline="0" dirty="0" err="1" smtClean="0"/>
-              <a:t>very</a:t>
+              <a:t>question</a:t>
             </a:r>
             <a:r>
               <a:rPr lang="de-AT" baseline="0" dirty="0" smtClean="0"/>
@@ -11743,255 +11999,31 @@
             </a:r>
             <a:r>
               <a:rPr lang="de-AT" baseline="0" dirty="0" err="1" smtClean="0"/>
-              <a:t>suitable</a:t>
+              <a:t>is</a:t>
             </a:r>
             <a:r>
               <a:rPr lang="de-AT" baseline="0" dirty="0" smtClean="0"/>
               <a:t> </a:t>
             </a:r>
             <a:r>
-              <a:rPr lang="de-AT" baseline="0" dirty="0" err="1" smtClean="0"/>
-              <a:t>for</a:t>
+              <a:rPr lang="de-AT" b="1" baseline="0" dirty="0" err="1" smtClean="0"/>
+              <a:t>how</a:t>
+            </a:r>
+            <a:r>
+              <a:rPr lang="de-AT" b="1" baseline="0" dirty="0" smtClean="0"/>
+              <a:t> i </a:t>
+            </a:r>
+            <a:r>
+              <a:rPr lang="de-AT" b="1" baseline="0" dirty="0" err="1" smtClean="0"/>
+              <a:t>can</a:t>
+            </a:r>
+            <a:r>
+              <a:rPr lang="de-AT" b="1" baseline="0" dirty="0" smtClean="0"/>
+              <a:t> do</a:t>
             </a:r>
             <a:r>
               <a:rPr lang="de-AT" baseline="0" dirty="0" smtClean="0"/>
-              <a:t> </a:t>
-            </a:r>
-            <a:r>
-              <a:rPr lang="de-AT" baseline="0" dirty="0" err="1" smtClean="0"/>
-              <a:t>boring</a:t>
-            </a:r>
-            <a:r>
-              <a:rPr lang="de-AT" baseline="0" dirty="0" smtClean="0"/>
-              <a:t> [CLICK] </a:t>
-            </a:r>
-            <a:r>
-              <a:rPr lang="de-AT" baseline="0" dirty="0" err="1" smtClean="0"/>
-              <a:t>general</a:t>
-            </a:r>
-            <a:r>
-              <a:rPr lang="de-AT" baseline="0" dirty="0" smtClean="0"/>
-              <a:t> </a:t>
-            </a:r>
-            <a:r>
-              <a:rPr lang="de-AT" baseline="0" dirty="0" err="1" smtClean="0"/>
-              <a:t>purpose</a:t>
-            </a:r>
-            <a:r>
-              <a:rPr lang="de-AT" baseline="0" dirty="0" smtClean="0"/>
-              <a:t> </a:t>
-            </a:r>
-            <a:r>
-              <a:rPr lang="de-AT" baseline="0" dirty="0" err="1" smtClean="0"/>
-              <a:t>calculations</a:t>
-            </a:r>
-            <a:r>
-              <a:rPr lang="de-AT" baseline="0" dirty="0" smtClean="0"/>
-              <a:t>, </a:t>
-            </a:r>
-            <a:r>
-              <a:rPr lang="de-AT" baseline="0" dirty="0" err="1" smtClean="0"/>
-              <a:t>like</a:t>
-            </a:r>
-            <a:r>
-              <a:rPr lang="de-AT" baseline="0" dirty="0" smtClean="0"/>
-              <a:t> </a:t>
-            </a:r>
-            <a:r>
-              <a:rPr lang="de-AT" baseline="0" dirty="0" err="1" smtClean="0"/>
-              <a:t>sorting</a:t>
-            </a:r>
-            <a:r>
-              <a:rPr lang="de-AT" baseline="0" dirty="0" smtClean="0"/>
-              <a:t> </a:t>
-            </a:r>
-            <a:r>
-              <a:rPr lang="de-AT" baseline="0" dirty="0" err="1" smtClean="0"/>
-              <a:t>arrays</a:t>
-            </a:r>
-            <a:r>
-              <a:rPr lang="de-AT" baseline="0" dirty="0" smtClean="0"/>
-              <a:t> </a:t>
-            </a:r>
-            <a:r>
-              <a:rPr lang="de-AT" baseline="0" dirty="0" err="1" smtClean="0"/>
-              <a:t>or</a:t>
-            </a:r>
-            <a:r>
-              <a:rPr lang="de-AT" baseline="0" dirty="0" smtClean="0"/>
-              <a:t> </a:t>
-            </a:r>
-            <a:r>
-              <a:rPr lang="de-AT" baseline="0" dirty="0" err="1" smtClean="0"/>
-              <a:t>multiplying</a:t>
-            </a:r>
-            <a:r>
-              <a:rPr lang="de-AT" baseline="0" dirty="0" smtClean="0"/>
-              <a:t> </a:t>
-            </a:r>
-            <a:r>
-              <a:rPr lang="de-AT" baseline="0" dirty="0" err="1" smtClean="0"/>
-              <a:t>matrixes</a:t>
-            </a:r>
-            <a:r>
-              <a:rPr lang="de-AT" baseline="0" dirty="0" smtClean="0"/>
-              <a:t>. </a:t>
-            </a:r>
-            <a:r>
-              <a:rPr lang="de-AT" baseline="0" dirty="0" smtClean="0"/>
-              <a:t>But </a:t>
-            </a:r>
-            <a:r>
-              <a:rPr lang="de-AT" baseline="0" dirty="0" err="1" smtClean="0"/>
-              <a:t>the</a:t>
-            </a:r>
-            <a:r>
-              <a:rPr lang="de-AT" baseline="0" dirty="0" smtClean="0"/>
-              <a:t> </a:t>
-            </a:r>
-            <a:r>
-              <a:rPr lang="de-AT" baseline="0" dirty="0" err="1" smtClean="0"/>
-              <a:t>question</a:t>
-            </a:r>
-            <a:r>
-              <a:rPr lang="de-AT" baseline="0" dirty="0" smtClean="0"/>
-              <a:t> </a:t>
-            </a:r>
-            <a:r>
-              <a:rPr lang="de-AT" baseline="0" dirty="0" err="1" smtClean="0"/>
-              <a:t>is</a:t>
-            </a:r>
-            <a:r>
-              <a:rPr lang="de-AT" baseline="0" dirty="0" smtClean="0"/>
-              <a:t> not </a:t>
-            </a:r>
-            <a:r>
-              <a:rPr lang="de-AT" baseline="0" dirty="0" err="1" smtClean="0"/>
-              <a:t>only</a:t>
-            </a:r>
-            <a:r>
-              <a:rPr lang="de-AT" baseline="0" dirty="0" smtClean="0"/>
-              <a:t> </a:t>
-            </a:r>
-            <a:r>
-              <a:rPr lang="de-AT" baseline="0" dirty="0" err="1" smtClean="0"/>
-              <a:t>about</a:t>
-            </a:r>
-            <a:r>
-              <a:rPr lang="de-AT" baseline="0" dirty="0" smtClean="0"/>
-              <a:t> </a:t>
-            </a:r>
-            <a:r>
-              <a:rPr lang="de-AT" baseline="0" dirty="0" err="1" smtClean="0"/>
-              <a:t>what</a:t>
-            </a:r>
-            <a:r>
-              <a:rPr lang="de-AT" baseline="0" dirty="0" smtClean="0"/>
-              <a:t> </a:t>
-            </a:r>
-            <a:r>
-              <a:rPr lang="de-AT" baseline="0" dirty="0" err="1" smtClean="0"/>
-              <a:t>boring</a:t>
-            </a:r>
-            <a:r>
-              <a:rPr lang="de-AT" baseline="0" dirty="0" smtClean="0"/>
-              <a:t> </a:t>
-            </a:r>
-            <a:r>
-              <a:rPr lang="de-AT" baseline="0" dirty="0" err="1" smtClean="0"/>
-              <a:t>things</a:t>
-            </a:r>
-            <a:r>
-              <a:rPr lang="de-AT" baseline="0" dirty="0" smtClean="0"/>
-              <a:t> I </a:t>
-            </a:r>
-            <a:r>
-              <a:rPr lang="de-AT" baseline="0" dirty="0" err="1" smtClean="0"/>
-              <a:t>can</a:t>
-            </a:r>
-            <a:r>
-              <a:rPr lang="de-AT" baseline="0" dirty="0" smtClean="0"/>
-              <a:t> do </a:t>
-            </a:r>
-            <a:r>
-              <a:rPr lang="de-AT" baseline="0" dirty="0" err="1" smtClean="0"/>
-              <a:t>with</a:t>
-            </a:r>
-            <a:r>
-              <a:rPr lang="de-AT" baseline="0" dirty="0" smtClean="0"/>
-              <a:t> </a:t>
-            </a:r>
-            <a:r>
-              <a:rPr lang="de-AT" baseline="0" dirty="0" err="1" smtClean="0"/>
-              <a:t>my</a:t>
-            </a:r>
-            <a:r>
-              <a:rPr lang="de-AT" baseline="0" dirty="0" smtClean="0"/>
-              <a:t> </a:t>
-            </a:r>
-            <a:r>
-              <a:rPr lang="de-AT" baseline="0" dirty="0" err="1" smtClean="0"/>
-              <a:t>graphics</a:t>
-            </a:r>
-            <a:r>
-              <a:rPr lang="de-AT" baseline="0" dirty="0" smtClean="0"/>
-              <a:t> </a:t>
-            </a:r>
-            <a:r>
-              <a:rPr lang="de-AT" baseline="0" dirty="0" err="1" smtClean="0"/>
-              <a:t>card</a:t>
-            </a:r>
-            <a:r>
-              <a:rPr lang="de-AT" baseline="0" dirty="0" smtClean="0"/>
-              <a:t>, </a:t>
-            </a:r>
-            <a:r>
-              <a:rPr lang="de-AT" baseline="0" dirty="0" err="1" smtClean="0"/>
-              <a:t>the</a:t>
-            </a:r>
-            <a:r>
-              <a:rPr lang="de-AT" baseline="0" dirty="0" smtClean="0"/>
-              <a:t> </a:t>
-            </a:r>
-            <a:r>
-              <a:rPr lang="de-AT" baseline="0" dirty="0" err="1" smtClean="0"/>
-              <a:t>question</a:t>
-            </a:r>
-            <a:r>
-              <a:rPr lang="de-AT" baseline="0" dirty="0" smtClean="0"/>
-              <a:t> </a:t>
-            </a:r>
-            <a:r>
-              <a:rPr lang="de-AT" baseline="0" dirty="0" err="1" smtClean="0"/>
-              <a:t>is</a:t>
-            </a:r>
-            <a:r>
-              <a:rPr lang="de-AT" baseline="0" dirty="0" smtClean="0"/>
-              <a:t> </a:t>
-            </a:r>
-            <a:r>
-              <a:rPr lang="de-AT" baseline="0" dirty="0" err="1" smtClean="0"/>
-              <a:t>how</a:t>
-            </a:r>
-            <a:r>
-              <a:rPr lang="de-AT" baseline="0" dirty="0" smtClean="0"/>
-              <a:t> i </a:t>
-            </a:r>
-            <a:r>
-              <a:rPr lang="de-AT" baseline="0" dirty="0" err="1" smtClean="0"/>
-              <a:t>can</a:t>
-            </a:r>
-            <a:r>
-              <a:rPr lang="de-AT" baseline="0" dirty="0" smtClean="0"/>
-              <a:t> </a:t>
-            </a:r>
-            <a:r>
-              <a:rPr lang="de-AT" baseline="0" dirty="0" smtClean="0"/>
-              <a:t>do it</a:t>
-            </a:r>
-            <a:r>
-              <a:rPr lang="de-AT" baseline="0" dirty="0" smtClean="0"/>
-              <a:t>.</a:t>
+              <a:t> it.</a:t>
             </a:r>
             <a:endParaRPr lang="de-AT" dirty="0" smtClean="0"/>
           </a:p>
@@ -12083,13 +12115,69 @@
             </a:r>
             <a:r>
               <a:rPr lang="en-US" baseline="0" noProof="0" dirty="0" smtClean="0"/>
-              <a:t> OpenCL comes into play. OpenCL will form the first part of my bachelor thesis, because building an application for the GPU using OpenCL is not as straightforward as writing an application for the CPU. Let's look what is different [CLICK].</a:t>
+              <a:t> OpenCL comes into play. OpenCL will form the </a:t>
+            </a:r>
+            <a:r>
+              <a:rPr lang="en-US" b="1" baseline="0" noProof="0" dirty="0" smtClean="0"/>
+              <a:t>first part</a:t>
+            </a:r>
+            <a:r>
+              <a:rPr lang="en-US" baseline="0" noProof="0" dirty="0" smtClean="0"/>
+              <a:t> of my bachelor thesis, because building an application for the GPU using OpenCL is </a:t>
+            </a:r>
+            <a:r>
+              <a:rPr lang="en-US" b="1" baseline="0" noProof="0" dirty="0" smtClean="0"/>
+              <a:t>not as straightforward</a:t>
+            </a:r>
+            <a:r>
+              <a:rPr lang="en-US" baseline="0" noProof="0" dirty="0" smtClean="0"/>
+              <a:t> as writing an application for the CPU. Let's look what is different [CLICK].</a:t>
             </a:r>
           </a:p>
           <a:p>
             <a:r>
               <a:rPr lang="en-US" baseline="0" noProof="0" dirty="0" smtClean="0"/>
-              <a:t>Like most other languages OpenCL has a compiler, that compiles OpenCL programs, the kernels. But the difference is, that is program cannot be run. It needs a so called host application, that moves this OpenCL program through the driver to the GPU. The host application running on the CPU then communicates with the OpenCL kernel through the OpenCL API and driver.</a:t>
+              <a:t>Like most other languages OpenCL has a </a:t>
+            </a:r>
+            <a:r>
+              <a:rPr lang="en-US" b="1" baseline="0" noProof="0" dirty="0" smtClean="0"/>
+              <a:t>compiler</a:t>
+            </a:r>
+            <a:r>
+              <a:rPr lang="en-US" baseline="0" noProof="0" dirty="0" smtClean="0"/>
+              <a:t>, that compiles OpenCL programs, the kernels. But the difference is, that is program </a:t>
+            </a:r>
+            <a:r>
+              <a:rPr lang="en-US" b="1" baseline="0" noProof="0" dirty="0" smtClean="0"/>
+              <a:t>cannot be run</a:t>
+            </a:r>
+            <a:r>
+              <a:rPr lang="en-US" baseline="0" noProof="0" dirty="0" smtClean="0"/>
+              <a:t>. It needs a so called </a:t>
+            </a:r>
+            <a:r>
+              <a:rPr lang="en-US" b="1" baseline="0" noProof="0" dirty="0" smtClean="0"/>
+              <a:t>host application</a:t>
+            </a:r>
+            <a:r>
+              <a:rPr lang="en-US" baseline="0" noProof="0" dirty="0" smtClean="0"/>
+              <a:t>, that moves this OpenCL program through the driver to the GPU. The host application running on the CPU then </a:t>
+            </a:r>
+            <a:r>
+              <a:rPr lang="en-US" b="1" baseline="0" noProof="0" dirty="0" smtClean="0"/>
+              <a:t>communicates</a:t>
+            </a:r>
+            <a:r>
+              <a:rPr lang="en-US" baseline="0" noProof="0" dirty="0" smtClean="0"/>
+              <a:t> with the OpenCL kernel through the </a:t>
+            </a:r>
+            <a:r>
+              <a:rPr lang="en-US" b="1" baseline="0" noProof="0" dirty="0" smtClean="0"/>
+              <a:t>OpenCL API</a:t>
+            </a:r>
+            <a:r>
+              <a:rPr lang="en-US" baseline="0" noProof="0" dirty="0" smtClean="0"/>
+              <a:t> and driver.</a:t>
             </a:r>
           </a:p>
           <a:p>
@@ -12112,15 +12200,27 @@
             </a:pPr>
             <a:r>
               <a:rPr lang="en-US" baseline="0" noProof="0" dirty="0" smtClean="0"/>
-              <a:t>But OpenCL is not only </a:t>
-            </a:r>
-            <a:r>
-              <a:rPr lang="en-US" baseline="0" noProof="0" dirty="0" err="1" smtClean="0"/>
+              <a:t>But OpenCL is </a:t>
+            </a:r>
+            <a:r>
+              <a:rPr lang="en-US" b="1" baseline="0" noProof="0" dirty="0" smtClean="0"/>
+              <a:t>not </a:t>
+            </a:r>
+            <a:r>
+              <a:rPr lang="en-US" b="1" baseline="0" noProof="0" dirty="0" err="1" smtClean="0"/>
               <a:t>limitted</a:t>
             </a:r>
             <a:r>
+              <a:rPr lang="en-US" b="1" baseline="0" noProof="0" dirty="0" smtClean="0"/>
+              <a:t> </a:t>
+            </a:r>
+            <a:r>
+              <a:rPr lang="en-US" b="1" baseline="0" noProof="0" dirty="0" smtClean="0"/>
+              <a:t>to GPUs</a:t>
+            </a:r>
+            <a:r>
               <a:rPr lang="en-US" baseline="0" noProof="0" dirty="0" smtClean="0"/>
-              <a:t> to GPUs.</a:t>
+              <a:t>.</a:t>
             </a:r>
             <a:r>
               <a:rPr lang="de-AT" dirty="0" smtClean="0"/>
@@ -12164,59 +12264,19 @@
             </a:r>
             <a:r>
               <a:rPr lang="de-AT" dirty="0" smtClean="0"/>
-              <a:t>. (</a:t>
-            </a:r>
-            <a:r>
-              <a:rPr lang="de-AT" dirty="0" err="1" smtClean="0"/>
-              <a:t>Why</a:t>
-            </a:r>
-            <a:r>
-              <a:rPr lang="de-AT" dirty="0" smtClean="0"/>
-              <a:t> </a:t>
-            </a:r>
-            <a:r>
-              <a:rPr lang="de-AT" dirty="0" err="1" smtClean="0"/>
-              <a:t>should</a:t>
-            </a:r>
-            <a:r>
-              <a:rPr lang="de-AT" dirty="0" smtClean="0"/>
-              <a:t> </a:t>
-            </a:r>
-            <a:r>
-              <a:rPr lang="de-AT" dirty="0" err="1" smtClean="0"/>
-              <a:t>we</a:t>
+              <a:t>. </a:t>
+            </a:r>
+            <a:r>
+              <a:rPr lang="de-AT" baseline="0" dirty="0" err="1" smtClean="0"/>
+              <a:t>Therefore</a:t>
             </a:r>
             <a:r>
               <a:rPr lang="de-AT" baseline="0" dirty="0" smtClean="0"/>
-              <a:t> do </a:t>
+              <a:t>, OpenCL </a:t>
             </a:r>
             <a:r>
               <a:rPr lang="de-AT" baseline="0" dirty="0" err="1" smtClean="0"/>
-              <a:t>that</a:t>
-            </a:r>
-            <a:r>
-              <a:rPr lang="de-AT" baseline="0" dirty="0" smtClean="0"/>
-              <a:t>? </a:t>
-            </a:r>
-            <a:r>
-              <a:rPr lang="de-AT" baseline="0" dirty="0" err="1" smtClean="0"/>
-              <a:t>Because</a:t>
-            </a:r>
-            <a:r>
-              <a:rPr lang="de-AT" baseline="0" dirty="0" smtClean="0"/>
-              <a:t> OpenCL </a:t>
-            </a:r>
-            <a:r>
-              <a:rPr lang="de-AT" baseline="0" dirty="0" err="1" smtClean="0"/>
-              <a:t>does</a:t>
-            </a:r>
-            <a:r>
-              <a:rPr lang="de-AT" baseline="0" dirty="0" smtClean="0"/>
-              <a:t> also do a </a:t>
-            </a:r>
-            <a:r>
-              <a:rPr lang="de-AT" baseline="0" dirty="0" err="1" smtClean="0"/>
-              <a:t>great</a:t>
+              <a:t>has</a:t>
             </a:r>
             <a:r>
               <a:rPr lang="de-AT" baseline="0" dirty="0" smtClean="0"/>
@@ -12224,15 +12284,47 @@
             </a:r>
             <a:r>
               <a:rPr lang="de-AT" baseline="0" dirty="0" err="1" smtClean="0"/>
-              <a:t>job</a:t>
+              <a:t>several</a:t>
             </a:r>
             <a:r>
               <a:rPr lang="de-AT" baseline="0" dirty="0" smtClean="0"/>
               <a:t> </a:t>
             </a:r>
             <a:r>
-              <a:rPr lang="de-AT" baseline="0" dirty="0" err="1" smtClean="0"/>
-              <a:t>utilizing</a:t>
+              <a:rPr lang="de-AT" b="1" baseline="0" dirty="0" err="1" smtClean="0"/>
+              <a:t>concepts</a:t>
+            </a:r>
+            <a:r>
+              <a:rPr lang="de-AT" b="1" baseline="0" dirty="0" smtClean="0"/>
+              <a:t> </a:t>
+            </a:r>
+            <a:r>
+              <a:rPr lang="de-AT" b="1" baseline="0" dirty="0" err="1" smtClean="0"/>
+              <a:t>to</a:t>
+            </a:r>
+            <a:r>
+              <a:rPr lang="de-AT" b="1" baseline="0" dirty="0" smtClean="0"/>
+              <a:t> </a:t>
+            </a:r>
+            <a:r>
+              <a:rPr lang="de-AT" b="1" baseline="0" dirty="0" err="1" smtClean="0"/>
+              <a:t>abstract</a:t>
+            </a:r>
+            <a:r>
+              <a:rPr lang="de-AT" b="1" baseline="0" dirty="0" smtClean="0"/>
+              <a:t> </a:t>
+            </a:r>
+            <a:r>
+              <a:rPr lang="de-AT" b="1" baseline="0" dirty="0" err="1" smtClean="0"/>
+              <a:t>the</a:t>
+            </a:r>
+            <a:r>
+              <a:rPr lang="de-AT" b="1" baseline="0" dirty="0" smtClean="0"/>
+              <a:t> </a:t>
+            </a:r>
+            <a:r>
+              <a:rPr lang="de-AT" b="1" baseline="0" dirty="0" err="1" smtClean="0"/>
+              <a:t>hardware</a:t>
             </a:r>
             <a:r>
               <a:rPr lang="de-AT" baseline="0" dirty="0" smtClean="0"/>
@@ -12240,23 +12332,7 @@
             </a:r>
             <a:r>
               <a:rPr lang="de-AT" baseline="0" dirty="0" err="1" smtClean="0"/>
-              <a:t>multicore</a:t>
-            </a:r>
-            <a:r>
-              <a:rPr lang="de-AT" baseline="0" dirty="0" smtClean="0"/>
-              <a:t> CPUs. In </a:t>
-            </a:r>
-            <a:r>
-              <a:rPr lang="de-AT" baseline="0" dirty="0" err="1" smtClean="0"/>
-              <a:t>fact</a:t>
-            </a:r>
-            <a:r>
-              <a:rPr lang="de-AT" baseline="0" dirty="0" smtClean="0"/>
-              <a:t>, </a:t>
-            </a:r>
-            <a:r>
-              <a:rPr lang="de-AT" baseline="0" dirty="0" err="1" smtClean="0"/>
-              <a:t>it</a:t>
+              <a:t>to</a:t>
             </a:r>
             <a:r>
               <a:rPr lang="de-AT" baseline="0" dirty="0" smtClean="0"/>
@@ -12264,7 +12340,7 @@
             </a:r>
             <a:r>
               <a:rPr lang="de-AT" baseline="0" dirty="0" err="1" smtClean="0"/>
-              <a:t>can</a:t>
+              <a:t>the</a:t>
             </a:r>
             <a:r>
               <a:rPr lang="de-AT" baseline="0" dirty="0" smtClean="0"/>
@@ -12272,7 +12348,7 @@
             </a:r>
             <a:r>
               <a:rPr lang="de-AT" baseline="0" dirty="0" err="1" smtClean="0"/>
-              <a:t>even</a:t>
+              <a:t>programmer</a:t>
             </a:r>
             <a:r>
               <a:rPr lang="de-AT" baseline="0" dirty="0" smtClean="0"/>
@@ -12280,19 +12356,35 @@
             </a:r>
             <a:r>
               <a:rPr lang="de-AT" baseline="0" dirty="0" err="1" smtClean="0"/>
-              <a:t>run</a:t>
+              <a:t>and</a:t>
             </a:r>
             <a:r>
               <a:rPr lang="de-AT" baseline="0" dirty="0" smtClean="0"/>
-              <a:t> a </a:t>
+              <a:t> </a:t>
             </a:r>
             <a:r>
               <a:rPr lang="de-AT" baseline="0" dirty="0" err="1" smtClean="0"/>
-              <a:t>program</a:t>
+              <a:t>these</a:t>
             </a:r>
             <a:r>
               <a:rPr lang="de-AT" baseline="0" dirty="0" smtClean="0"/>
-              <a:t> on </a:t>
+              <a:t> </a:t>
+            </a:r>
+            <a:r>
+              <a:rPr lang="de-AT" baseline="0" dirty="0" err="1" smtClean="0"/>
+              <a:t>concepts</a:t>
+            </a:r>
+            <a:r>
+              <a:rPr lang="de-AT" baseline="0" dirty="0" smtClean="0"/>
+              <a:t> </a:t>
+            </a:r>
+            <a:r>
+              <a:rPr lang="de-AT" baseline="0" dirty="0" err="1" smtClean="0"/>
+              <a:t>and</a:t>
+            </a:r>
+            <a:r>
+              <a:rPr lang="de-AT" baseline="0" dirty="0" smtClean="0"/>
+              <a:t> </a:t>
             </a:r>
             <a:r>
               <a:rPr lang="de-AT" baseline="0" dirty="0" err="1" smtClean="0"/>
@@ -12300,162 +12392,6 @@
             </a:r>
             <a:r>
               <a:rPr lang="de-AT" baseline="0" dirty="0" smtClean="0"/>
-              <a:t> CPU </a:t>
-            </a:r>
-            <a:r>
-              <a:rPr lang="de-AT" baseline="0" dirty="0" err="1" smtClean="0"/>
-              <a:t>and</a:t>
-            </a:r>
-            <a:r>
-              <a:rPr lang="de-AT" baseline="0" dirty="0" smtClean="0"/>
-              <a:t> GPU </a:t>
-            </a:r>
-            <a:r>
-              <a:rPr lang="de-AT" baseline="0" dirty="0" err="1" smtClean="0"/>
-              <a:t>at</a:t>
-            </a:r>
-            <a:r>
-              <a:rPr lang="de-AT" baseline="0" dirty="0" smtClean="0"/>
-              <a:t> </a:t>
-            </a:r>
-            <a:r>
-              <a:rPr lang="de-AT" baseline="0" dirty="0" err="1" smtClean="0"/>
-              <a:t>the</a:t>
-            </a:r>
-            <a:r>
-              <a:rPr lang="de-AT" baseline="0" dirty="0" smtClean="0"/>
-              <a:t> same time.) </a:t>
-            </a:r>
-            <a:r>
-              <a:rPr lang="de-AT" baseline="0" dirty="0" err="1" smtClean="0"/>
-              <a:t>Therefore</a:t>
-            </a:r>
-            <a:r>
-              <a:rPr lang="de-AT" baseline="0" dirty="0" smtClean="0"/>
-              <a:t>, </a:t>
-            </a:r>
-            <a:r>
-              <a:rPr lang="de-AT" baseline="0" dirty="0" smtClean="0"/>
-              <a:t>OpenCL </a:t>
-            </a:r>
-            <a:r>
-              <a:rPr lang="de-AT" baseline="0" dirty="0" err="1" smtClean="0"/>
-              <a:t>has</a:t>
-            </a:r>
-            <a:r>
-              <a:rPr lang="de-AT" baseline="0" dirty="0" smtClean="0"/>
-              <a:t> </a:t>
-            </a:r>
-            <a:r>
-              <a:rPr lang="de-AT" baseline="0" dirty="0" err="1" smtClean="0"/>
-              <a:t>several</a:t>
-            </a:r>
-            <a:r>
-              <a:rPr lang="de-AT" baseline="0" dirty="0" smtClean="0"/>
-              <a:t> </a:t>
-            </a:r>
-            <a:r>
-              <a:rPr lang="de-AT" baseline="0" dirty="0" err="1" smtClean="0"/>
-              <a:t>concepts</a:t>
-            </a:r>
-            <a:r>
-              <a:rPr lang="de-AT" baseline="0" dirty="0" smtClean="0"/>
-              <a:t> </a:t>
-            </a:r>
-            <a:r>
-              <a:rPr lang="de-AT" baseline="0" dirty="0" err="1" smtClean="0"/>
-              <a:t>to</a:t>
-            </a:r>
-            <a:r>
-              <a:rPr lang="de-AT" baseline="0" dirty="0" smtClean="0"/>
-              <a:t> </a:t>
-            </a:r>
-            <a:r>
-              <a:rPr lang="de-AT" baseline="0" dirty="0" err="1" smtClean="0"/>
-              <a:t>abstract</a:t>
-            </a:r>
-            <a:r>
-              <a:rPr lang="de-AT" baseline="0" dirty="0" smtClean="0"/>
-              <a:t> </a:t>
-            </a:r>
-            <a:r>
-              <a:rPr lang="de-AT" baseline="0" dirty="0" err="1" smtClean="0"/>
-              <a:t>the</a:t>
-            </a:r>
-            <a:r>
-              <a:rPr lang="de-AT" baseline="0" dirty="0" smtClean="0"/>
-              <a:t> </a:t>
-            </a:r>
-            <a:r>
-              <a:rPr lang="de-AT" baseline="0" dirty="0" err="1" smtClean="0"/>
-              <a:t>hardware</a:t>
-            </a:r>
-            <a:r>
-              <a:rPr lang="de-AT" baseline="0" dirty="0" smtClean="0"/>
-              <a:t> </a:t>
-            </a:r>
-            <a:r>
-              <a:rPr lang="de-AT" baseline="0" dirty="0" err="1" smtClean="0"/>
-              <a:t>to</a:t>
-            </a:r>
-            <a:r>
-              <a:rPr lang="de-AT" baseline="0" dirty="0" smtClean="0"/>
-              <a:t> </a:t>
-            </a:r>
-            <a:r>
-              <a:rPr lang="de-AT" baseline="0" dirty="0" err="1" smtClean="0"/>
-              <a:t>the</a:t>
-            </a:r>
-            <a:r>
-              <a:rPr lang="de-AT" baseline="0" dirty="0" smtClean="0"/>
-              <a:t> </a:t>
-            </a:r>
-            <a:r>
-              <a:rPr lang="de-AT" baseline="0" dirty="0" err="1" smtClean="0"/>
-              <a:t>programmer</a:t>
-            </a:r>
-            <a:r>
-              <a:rPr lang="de-AT" baseline="0" dirty="0" smtClean="0"/>
-              <a:t> </a:t>
-            </a:r>
-            <a:r>
-              <a:rPr lang="de-AT" baseline="0" dirty="0" err="1" smtClean="0"/>
-              <a:t>and</a:t>
-            </a:r>
-            <a:r>
-              <a:rPr lang="de-AT" baseline="0" dirty="0" smtClean="0"/>
-              <a:t> </a:t>
-            </a:r>
-            <a:r>
-              <a:rPr lang="de-AT" baseline="0" dirty="0" err="1" smtClean="0"/>
-              <a:t>these</a:t>
-            </a:r>
-            <a:r>
-              <a:rPr lang="de-AT" baseline="0" dirty="0" smtClean="0"/>
-              <a:t> </a:t>
-            </a:r>
-            <a:r>
-              <a:rPr lang="de-AT" baseline="0" dirty="0" err="1" smtClean="0"/>
-              <a:t>concepts</a:t>
-            </a:r>
-            <a:r>
-              <a:rPr lang="de-AT" baseline="0" dirty="0" smtClean="0"/>
-              <a:t> </a:t>
-            </a:r>
-            <a:r>
-              <a:rPr lang="de-AT" baseline="0" dirty="0" err="1" smtClean="0"/>
-              <a:t>and</a:t>
-            </a:r>
-            <a:r>
-              <a:rPr lang="de-AT" baseline="0" dirty="0" smtClean="0"/>
-              <a:t> </a:t>
-            </a:r>
-            <a:r>
-              <a:rPr lang="de-AT" baseline="0" dirty="0" err="1" smtClean="0"/>
-              <a:t>the</a:t>
-            </a:r>
-            <a:r>
-              <a:rPr lang="de-AT" baseline="0" dirty="0" smtClean="0"/>
               <a:t> </a:t>
             </a:r>
             <a:r>
@@ -12464,11 +12400,7 @@
             </a:r>
             <a:r>
               <a:rPr lang="de-AT" baseline="0" dirty="0" smtClean="0"/>
-              <a:t> APIs form </a:t>
-            </a:r>
-            <a:r>
-              <a:rPr lang="de-AT" baseline="0" dirty="0" smtClean="0"/>
-              <a:t>a </a:t>
+              <a:t> APIs form a </a:t>
             </a:r>
             <a:r>
               <a:rPr lang="de-AT" baseline="0" dirty="0" err="1" smtClean="0"/>
@@ -12606,12 +12538,20 @@
           <a:lstStyle/>
           <a:p>
             <a:r>
-              <a:rPr lang="de-AT" dirty="0" smtClean="0"/>
+              <a:rPr lang="de-AT" b="1" dirty="0" smtClean="0"/>
               <a:t>As </a:t>
             </a:r>
             <a:r>
-              <a:rPr lang="de-AT" dirty="0" err="1" smtClean="0"/>
+              <a:rPr lang="de-AT" b="1" dirty="0" err="1" smtClean="0"/>
               <a:t>important</a:t>
+            </a:r>
+            <a:r>
+              <a:rPr lang="de-AT" b="1" dirty="0" smtClean="0"/>
+              <a:t> </a:t>
+            </a:r>
+            <a:r>
+              <a:rPr lang="de-AT" b="1" dirty="0" err="1" smtClean="0"/>
+              <a:t>as</a:t>
             </a:r>
             <a:r>
               <a:rPr lang="de-AT" dirty="0" smtClean="0"/>
@@ -12619,7 +12559,15 @@
             </a:r>
             <a:r>
               <a:rPr lang="de-AT" dirty="0" err="1" smtClean="0"/>
-              <a:t>as</a:t>
+              <a:t>how</a:t>
+            </a:r>
+            <a:r>
+              <a:rPr lang="de-AT" dirty="0" smtClean="0"/>
+              <a:t> OpenCL </a:t>
+            </a:r>
+            <a:r>
+              <a:rPr lang="de-AT" dirty="0" err="1" smtClean="0"/>
+              <a:t>handles</a:t>
             </a:r>
             <a:r>
               <a:rPr lang="de-AT" dirty="0" smtClean="0"/>
@@ -12627,15 +12575,7 @@
             </a:r>
             <a:r>
               <a:rPr lang="de-AT" dirty="0" err="1" smtClean="0"/>
-              <a:t>how</a:t>
-            </a:r>
-            <a:r>
-              <a:rPr lang="de-AT" dirty="0" smtClean="0"/>
-              <a:t> OpenCL </a:t>
-            </a:r>
-            <a:r>
-              <a:rPr lang="de-AT" dirty="0" err="1" smtClean="0"/>
-              <a:t>handles</a:t>
+              <a:t>the</a:t>
             </a:r>
             <a:r>
               <a:rPr lang="de-AT" dirty="0" smtClean="0"/>
@@ -12643,14 +12583,6 @@
             </a:r>
             <a:r>
               <a:rPr lang="de-AT" dirty="0" err="1" smtClean="0"/>
-              <a:t>the</a:t>
-            </a:r>
-            <a:r>
-              <a:rPr lang="de-AT" dirty="0" smtClean="0"/>
-              <a:t> </a:t>
-            </a:r>
-            <a:r>
-              <a:rPr lang="de-AT" dirty="0" err="1" smtClean="0"/>
               <a:t>hardware</a:t>
             </a:r>
             <a:r>
@@ -12682,7 +12614,7 @@
               <a:t> </a:t>
             </a:r>
             <a:r>
-              <a:rPr lang="de-AT" baseline="0" dirty="0" err="1" smtClean="0"/>
+              <a:rPr lang="de-AT" b="1" baseline="0" dirty="0" err="1" smtClean="0"/>
               <a:t>hardware</a:t>
             </a:r>
             <a:r>
@@ -12727,11 +12659,59 @@
             </a:r>
             <a:r>
               <a:rPr lang="en-US" baseline="0" dirty="0" smtClean="0"/>
-              <a:t>, very abstract view of a CPU and a GPU. The obvious difference is the number of cores. A typical CPU has around 4 independent cores while a typical GPU has several hundreds of cores grouped together in so-called multi processors. This difference in hardware architecture has a huge impact on the kind of algorithms that can be run efficiently on the GPU and on the problems we will encounter during </a:t>
+              <a:t>, very abstract view of a CPU and a GPU. The obvious </a:t>
+            </a:r>
+            <a:r>
+              <a:rPr lang="en-US" b="1" baseline="0" dirty="0" smtClean="0"/>
+              <a:t>difference</a:t>
             </a:r>
             <a:r>
               <a:rPr lang="en-US" baseline="0" dirty="0" smtClean="0"/>
-              <a:t>the implementation</a:t>
+              <a:t> is the </a:t>
+            </a:r>
+            <a:r>
+              <a:rPr lang="en-US" b="1" baseline="0" dirty="0" smtClean="0"/>
+              <a:t>number of cores</a:t>
+            </a:r>
+            <a:r>
+              <a:rPr lang="en-US" baseline="0" dirty="0" smtClean="0"/>
+              <a:t>. A typical CPU has around 4 independent cores while a typical GPU has several hundreds of cores grouped together in so-called multi processors. This difference in hardware architecture has a </a:t>
+            </a:r>
+            <a:r>
+              <a:rPr lang="en-US" b="1" baseline="0" dirty="0" smtClean="0"/>
+              <a:t>huge impact</a:t>
+            </a:r>
+            <a:r>
+              <a:rPr lang="en-US" baseline="0" dirty="0" smtClean="0"/>
+              <a:t> on the </a:t>
+            </a:r>
+            <a:r>
+              <a:rPr lang="en-US" b="1" baseline="0" dirty="0" smtClean="0"/>
+              <a:t>kind of algorithms</a:t>
+            </a:r>
+            <a:r>
+              <a:rPr lang="en-US" baseline="0" dirty="0" smtClean="0"/>
+              <a:t> that can be </a:t>
+            </a:r>
+            <a:r>
+              <a:rPr lang="en-US" b="1" baseline="0" dirty="0" smtClean="0"/>
+              <a:t>run efficiently</a:t>
+            </a:r>
+            <a:r>
+              <a:rPr lang="en-US" baseline="0" dirty="0" smtClean="0"/>
+              <a:t> on the GPU and on the </a:t>
+            </a:r>
+            <a:r>
+              <a:rPr lang="en-US" b="1" baseline="0" dirty="0" smtClean="0"/>
+              <a:t>problems</a:t>
+            </a:r>
+            <a:r>
+              <a:rPr lang="en-US" baseline="0" dirty="0" smtClean="0"/>
+              <a:t> we will encounter </a:t>
+            </a:r>
+            <a:r>
+              <a:rPr lang="en-US" b="1" baseline="0" dirty="0" smtClean="0"/>
+              <a:t>during the implementation</a:t>
             </a:r>
             <a:r>
               <a:rPr lang="en-US" baseline="0" dirty="0" smtClean="0"/>
@@ -12822,12 +12802,16 @@
           <a:lstStyle/>
           <a:p>
             <a:r>
-              <a:rPr lang="en-US" dirty="0" smtClean="0"/>
+              <a:rPr lang="en-US" b="1" dirty="0" smtClean="0"/>
               <a:t>After</a:t>
             </a:r>
             <a:r>
+              <a:rPr lang="en-US" b="1" baseline="0" dirty="0" smtClean="0"/>
+              <a:t> a profound introduction</a:t>
+            </a:r>
+            <a:r>
               <a:rPr lang="en-US" baseline="0" dirty="0" smtClean="0"/>
-              <a:t> a profound introduction to OpenCL and hardware, t</a:t>
+              <a:t> to OpenCL and hardware, t</a:t>
             </a:r>
             <a:r>
               <a:rPr lang="en-US" dirty="0" smtClean="0"/>
@@ -12835,7 +12819,23 @@
             </a:r>
             <a:r>
               <a:rPr lang="en-US" baseline="0" dirty="0" smtClean="0"/>
-              <a:t> second focus of my bachelor thesis will be the implementation and benchmark of several standard algorithms. These include algorithms for sorting, scanning and matrix multiplication. I have chosen this algorithms because they often form fundamental blocks for various applications.</a:t>
+              <a:t> second focus of my bachelor thesis will be the </a:t>
+            </a:r>
+            <a:r>
+              <a:rPr lang="en-US" b="1" baseline="0" dirty="0" smtClean="0"/>
+              <a:t>implementation and benchmark</a:t>
+            </a:r>
+            <a:r>
+              <a:rPr lang="en-US" baseline="0" dirty="0" smtClean="0"/>
+              <a:t> of several standard algorithms. These include algorithms for sorting, scanning and matrix multiplication. I have chosen this algorithms because they often form </a:t>
+            </a:r>
+            <a:r>
+              <a:rPr lang="en-US" b="1" baseline="0" dirty="0" smtClean="0"/>
+              <a:t>fundamental blocks</a:t>
+            </a:r>
+            <a:r>
+              <a:rPr lang="en-US" baseline="0" dirty="0" smtClean="0"/>
+              <a:t> for various applications.</a:t>
             </a:r>
             <a:endParaRPr lang="en-US" dirty="0"/>
           </a:p>
@@ -12927,15 +12927,23 @@
             </a:r>
             <a:r>
               <a:rPr lang="en-US" baseline="0" noProof="0" dirty="0" smtClean="0"/>
-              <a:t> my most complex class of algorithms are sorting algorithms. Everybody </a:t>
+              <a:t> my </a:t>
+            </a:r>
+            <a:r>
+              <a:rPr lang="en-US" b="1" baseline="0" noProof="0" dirty="0" smtClean="0"/>
+              <a:t>most complex</a:t>
             </a:r>
             <a:r>
               <a:rPr lang="en-US" baseline="0" noProof="0" dirty="0" smtClean="0"/>
-              <a:t>knows </a:t>
+              <a:t> class of algorithms are sorting algorithms. Everybody knows sorting algorithms, like quicksort. Most sorting algorithms rely on some kind of </a:t>
+            </a:r>
+            <a:r>
+              <a:rPr lang="en-US" b="1" baseline="0" noProof="0" dirty="0" smtClean="0"/>
+              <a:t>comparing and swapping</a:t>
             </a:r>
             <a:r>
               <a:rPr lang="en-US" baseline="0" noProof="0" dirty="0" smtClean="0"/>
-              <a:t>sorting algorithms, like quicksort. Most sorting algorithms rely on some kind of comparing and swapping of two elements one after each other. This works perfectly on a single core, but on several hundred cores only one core would be used at a time. Therefore different approaches are necessary like the </a:t>
+              <a:t> of two elements one after each other. This works perfectly on a single core, but on several hundred cores only one core would be used at a time. Therefore different approaches are necessary like the </a:t>
             </a:r>
             <a:r>
               <a:rPr lang="en-US" baseline="0" noProof="0" dirty="0" err="1" smtClean="0"/>
@@ -13263,7 +13271,15 @@
             </a:r>
             <a:r>
               <a:rPr lang="de-AT" baseline="0" dirty="0" smtClean="0"/>
-              <a:t> linear, </a:t>
+              <a:t> </a:t>
+            </a:r>
+            <a:r>
+              <a:rPr lang="de-AT" b="1" baseline="0" dirty="0" smtClean="0"/>
+              <a:t>linear</a:t>
+            </a:r>
+            <a:r>
+              <a:rPr lang="de-AT" baseline="0" dirty="0" smtClean="0"/>
+              <a:t>, </a:t>
             </a:r>
             <a:r>
               <a:rPr lang="de-AT" baseline="0" dirty="0" err="1" smtClean="0"/>
@@ -13290,31 +13306,31 @@
               <a:t> </a:t>
             </a:r>
             <a:r>
-              <a:rPr lang="de-AT" baseline="0" dirty="0" err="1" smtClean="0"/>
+              <a:rPr lang="de-AT" b="1" baseline="0" dirty="0" err="1" smtClean="0"/>
               <a:t>hard</a:t>
             </a:r>
             <a:r>
-              <a:rPr lang="de-AT" baseline="0" dirty="0" smtClean="0"/>
+              <a:rPr lang="de-AT" b="1" baseline="0" dirty="0" smtClean="0"/>
               <a:t> </a:t>
             </a:r>
             <a:r>
-              <a:rPr lang="de-AT" baseline="0" dirty="0" err="1" smtClean="0"/>
+              <a:rPr lang="de-AT" b="1" baseline="0" dirty="0" err="1" smtClean="0"/>
               <a:t>to</a:t>
             </a:r>
             <a:r>
-              <a:rPr lang="de-AT" baseline="0" dirty="0" smtClean="0"/>
+              <a:rPr lang="de-AT" b="1" baseline="0" dirty="0" smtClean="0"/>
               <a:t> </a:t>
             </a:r>
             <a:r>
-              <a:rPr lang="de-AT" baseline="0" dirty="0" err="1" smtClean="0"/>
+              <a:rPr lang="de-AT" b="1" baseline="0" dirty="0" err="1" smtClean="0"/>
               <a:t>be</a:t>
             </a:r>
             <a:r>
-              <a:rPr lang="de-AT" baseline="0" dirty="0" smtClean="0"/>
+              <a:rPr lang="de-AT" b="1" baseline="0" dirty="0" smtClean="0"/>
               <a:t> </a:t>
             </a:r>
             <a:r>
-              <a:rPr lang="de-AT" baseline="0" dirty="0" err="1" smtClean="0"/>
+              <a:rPr lang="de-AT" b="1" baseline="0" dirty="0" err="1" smtClean="0"/>
               <a:t>ported</a:t>
             </a:r>
             <a:r>
@@ -13494,12 +13510,64 @@
           <a:lstStyle/>
           <a:p>
             <a:r>
+              <a:rPr lang="en-US" b="1" noProof="0" dirty="0" smtClean="0"/>
+              <a:t>The final algorithm</a:t>
+            </a:r>
+            <a:r>
               <a:rPr lang="en-US" noProof="0" dirty="0" smtClean="0"/>
-              <a:t>The final algorithm I want to cover</a:t>
+              <a:t> I want to cover</a:t>
             </a:r>
             <a:r>
               <a:rPr lang="en-US" baseline="0" noProof="0" dirty="0" smtClean="0"/>
-              <a:t> in my bachelor thesis is the matrix multiplication. It has a very bad runtime complexity, needs a lot of floating point operations and is highly parallelizable. As a result the matrix multiplication, at least for large matrixes, should perform a lot better on a GPU. The question will be how large has the matrix to be for the GPU to be faster than the CPU and how much faster will the GPU be?</a:t>
+              <a:t> in my bachelor thesis is the matrix multiplication. It has a very </a:t>
+            </a:r>
+            <a:r>
+              <a:rPr lang="en-US" b="1" baseline="0" noProof="0" dirty="0" smtClean="0"/>
+              <a:t>bad runtime complexity</a:t>
+            </a:r>
+            <a:r>
+              <a:rPr lang="en-US" baseline="0" noProof="0" dirty="0" smtClean="0"/>
+              <a:t>, needs a lot of floating point operations and is </a:t>
+            </a:r>
+            <a:r>
+              <a:rPr lang="en-US" b="1" baseline="0" noProof="0" dirty="0" smtClean="0"/>
+              <a:t>highly parallelizable</a:t>
+            </a:r>
+            <a:r>
+              <a:rPr lang="en-US" baseline="0" noProof="0" dirty="0" smtClean="0"/>
+              <a:t>. As a result the matrix multiplication, at least for </a:t>
+            </a:r>
+            <a:r>
+              <a:rPr lang="en-US" b="1" baseline="0" noProof="0" dirty="0" smtClean="0"/>
+              <a:t>large matrixes</a:t>
+            </a:r>
+            <a:r>
+              <a:rPr lang="en-US" baseline="0" noProof="0" dirty="0" smtClean="0"/>
+              <a:t>, should perform a lot better on a GPU. The </a:t>
+            </a:r>
+            <a:r>
+              <a:rPr lang="en-US" b="1" baseline="0" noProof="0" dirty="0" smtClean="0"/>
+              <a:t>question</a:t>
+            </a:r>
+            <a:r>
+              <a:rPr lang="en-US" baseline="0" noProof="0" dirty="0" smtClean="0"/>
+              <a:t> will be </a:t>
+            </a:r>
+            <a:r>
+              <a:rPr lang="en-US" b="1" baseline="0" noProof="0" dirty="0" smtClean="0"/>
+              <a:t>how large</a:t>
+            </a:r>
+            <a:r>
+              <a:rPr lang="en-US" baseline="0" noProof="0" dirty="0" smtClean="0"/>
+              <a:t> has the matrix to be for the GPU </a:t>
+            </a:r>
+            <a:r>
+              <a:rPr lang="en-US" b="1" baseline="0" noProof="0" dirty="0" smtClean="0"/>
+              <a:t>to be faster</a:t>
+            </a:r>
+            <a:r>
+              <a:rPr lang="en-US" baseline="0" noProof="0" dirty="0" smtClean="0"/>
+              <a:t> than the CPU and how much faster will the GPU be?</a:t>
             </a:r>
             <a:endParaRPr lang="en-US" noProof="0" dirty="0"/>
           </a:p>
@@ -13615,7 +13683,497 @@
             </a:r>
             <a:r>
               <a:rPr lang="de-AT" baseline="0" dirty="0" smtClean="0"/>
+              <a:t> </a:t>
+            </a:r>
+            <a:r>
+              <a:rPr lang="de-AT" b="1" baseline="0" dirty="0" smtClean="0"/>
+              <a:t>final </a:t>
+            </a:r>
+            <a:r>
+              <a:rPr lang="de-AT" b="1" baseline="0" dirty="0" err="1" smtClean="0"/>
+              <a:t>results</a:t>
+            </a:r>
+            <a:r>
+              <a:rPr lang="de-AT" baseline="0" dirty="0" smtClean="0"/>
+              <a:t> </a:t>
+            </a:r>
+            <a:r>
+              <a:rPr lang="de-AT" baseline="0" dirty="0" err="1" smtClean="0"/>
+              <a:t>of</a:t>
+            </a:r>
+            <a:r>
+              <a:rPr lang="de-AT" baseline="0" dirty="0" smtClean="0"/>
+              <a:t> </a:t>
+            </a:r>
+            <a:r>
+              <a:rPr lang="de-AT" baseline="0" dirty="0" err="1" smtClean="0"/>
+              <a:t>my</a:t>
+            </a:r>
+            <a:r>
+              <a:rPr lang="de-AT" baseline="0" dirty="0" smtClean="0"/>
+              <a:t> </a:t>
+            </a:r>
+            <a:r>
+              <a:rPr lang="de-AT" baseline="0" dirty="0" err="1" smtClean="0"/>
+              <a:t>bachelor</a:t>
+            </a:r>
+            <a:r>
+              <a:rPr lang="de-AT" baseline="0" dirty="0" smtClean="0"/>
+              <a:t> </a:t>
+            </a:r>
+            <a:r>
+              <a:rPr lang="de-AT" baseline="0" dirty="0" err="1" smtClean="0"/>
+              <a:t>thesis</a:t>
+            </a:r>
+            <a:r>
+              <a:rPr lang="de-AT" baseline="0" dirty="0" smtClean="0"/>
+              <a:t>? The </a:t>
+            </a:r>
+            <a:r>
+              <a:rPr lang="de-AT" baseline="0" dirty="0" err="1" smtClean="0"/>
+              <a:t>first</a:t>
+            </a:r>
+            <a:r>
+              <a:rPr lang="de-AT" baseline="0" dirty="0" smtClean="0"/>
+              <a:t> </a:t>
+            </a:r>
+            <a:r>
+              <a:rPr lang="de-AT" baseline="0" dirty="0" err="1" smtClean="0"/>
+              <a:t>step</a:t>
+            </a:r>
+            <a:r>
+              <a:rPr lang="de-AT" baseline="0" dirty="0" smtClean="0"/>
+              <a:t> after </a:t>
+            </a:r>
+            <a:r>
+              <a:rPr lang="de-AT" b="1" baseline="0" dirty="0" err="1" smtClean="0"/>
+              <a:t>the</a:t>
+            </a:r>
+            <a:r>
+              <a:rPr lang="de-AT" b="1" baseline="0" dirty="0" smtClean="0"/>
+              <a:t> </a:t>
+            </a:r>
+            <a:r>
+              <a:rPr lang="de-AT" b="1" baseline="0" dirty="0" err="1" smtClean="0"/>
+              <a:t>theoretical</a:t>
+            </a:r>
+            <a:r>
+              <a:rPr lang="de-AT" b="1" baseline="0" dirty="0" smtClean="0"/>
+              <a:t> </a:t>
+            </a:r>
+            <a:r>
+              <a:rPr lang="de-AT" b="1" baseline="0" dirty="0" err="1" smtClean="0"/>
+              <a:t>part</a:t>
+            </a:r>
+            <a:r>
+              <a:rPr lang="de-AT" baseline="0" dirty="0" smtClean="0"/>
+              <a:t> will </a:t>
+            </a:r>
+            <a:r>
+              <a:rPr lang="de-AT" baseline="0" dirty="0" err="1" smtClean="0"/>
+              <a:t>be</a:t>
+            </a:r>
+            <a:r>
+              <a:rPr lang="de-AT" baseline="0" dirty="0" smtClean="0"/>
+              <a:t> </a:t>
+            </a:r>
+            <a:r>
+              <a:rPr lang="de-AT" baseline="0" dirty="0" err="1" smtClean="0"/>
+              <a:t>the</a:t>
+            </a:r>
+            <a:r>
+              <a:rPr lang="de-AT" baseline="0" dirty="0" smtClean="0"/>
+              <a:t> </a:t>
+            </a:r>
+            <a:r>
+              <a:rPr lang="de-AT" b="1" baseline="0" dirty="0" err="1" smtClean="0"/>
+              <a:t>implementation</a:t>
+            </a:r>
+            <a:r>
+              <a:rPr lang="de-AT" baseline="0" dirty="0" smtClean="0"/>
+              <a:t> </a:t>
+            </a:r>
+            <a:r>
+              <a:rPr lang="de-AT" baseline="0" dirty="0" err="1" smtClean="0"/>
+              <a:t>of</a:t>
+            </a:r>
+            <a:r>
+              <a:rPr lang="de-AT" baseline="0" dirty="0" smtClean="0"/>
+              <a:t> </a:t>
+            </a:r>
+            <a:r>
+              <a:rPr lang="de-AT" baseline="0" dirty="0" err="1" smtClean="0"/>
+              <a:t>these</a:t>
+            </a:r>
+            <a:r>
+              <a:rPr lang="de-AT" baseline="0" dirty="0" smtClean="0"/>
+              <a:t> </a:t>
+            </a:r>
+            <a:r>
+              <a:rPr lang="de-AT" baseline="0" dirty="0" err="1" smtClean="0"/>
+              <a:t>three</a:t>
+            </a:r>
+            <a:r>
+              <a:rPr lang="de-AT" baseline="0" dirty="0" smtClean="0"/>
+              <a:t> </a:t>
+            </a:r>
+            <a:r>
+              <a:rPr lang="de-AT" baseline="0" dirty="0" err="1" smtClean="0"/>
+              <a:t>kinds</a:t>
+            </a:r>
+            <a:r>
+              <a:rPr lang="de-AT" baseline="0" dirty="0" smtClean="0"/>
+              <a:t> </a:t>
+            </a:r>
+            <a:r>
+              <a:rPr lang="de-AT" baseline="0" dirty="0" err="1" smtClean="0"/>
+              <a:t>of</a:t>
+            </a:r>
+            <a:r>
+              <a:rPr lang="de-AT" baseline="0" dirty="0" smtClean="0"/>
+              <a:t> </a:t>
+            </a:r>
+            <a:r>
+              <a:rPr lang="de-AT" baseline="0" dirty="0" err="1" smtClean="0"/>
+              <a:t>algorithms</a:t>
+            </a:r>
+            <a:r>
+              <a:rPr lang="de-AT" baseline="0" dirty="0" smtClean="0"/>
+              <a:t> I </a:t>
+            </a:r>
+            <a:r>
+              <a:rPr lang="de-AT" baseline="0" dirty="0" err="1" smtClean="0"/>
+              <a:t>have</a:t>
+            </a:r>
+            <a:r>
+              <a:rPr lang="de-AT" baseline="0" dirty="0" smtClean="0"/>
+              <a:t> </a:t>
+            </a:r>
+            <a:r>
+              <a:rPr lang="de-AT" baseline="0" dirty="0" err="1" smtClean="0"/>
+              <a:t>shown</a:t>
+            </a:r>
+            <a:r>
+              <a:rPr lang="de-AT" baseline="0" dirty="0" smtClean="0"/>
+              <a:t> </a:t>
+            </a:r>
+            <a:r>
+              <a:rPr lang="de-AT" baseline="0" dirty="0" err="1" smtClean="0"/>
+              <a:t>you</a:t>
+            </a:r>
+            <a:r>
+              <a:rPr lang="de-AT" baseline="0" dirty="0" smtClean="0"/>
+              <a:t>. </a:t>
+            </a:r>
+            <a:r>
+              <a:rPr lang="de-AT" baseline="0" dirty="0" err="1" smtClean="0"/>
+              <a:t>Then</a:t>
+            </a:r>
+            <a:r>
+              <a:rPr lang="de-AT" baseline="0" dirty="0" smtClean="0"/>
+              <a:t> I will </a:t>
+            </a:r>
+            <a:r>
+              <a:rPr lang="de-AT" baseline="0" dirty="0" err="1" smtClean="0"/>
+              <a:t>run</a:t>
+            </a:r>
+            <a:r>
+              <a:rPr lang="de-AT" baseline="0" dirty="0" smtClean="0"/>
+              <a:t> </a:t>
+            </a:r>
+            <a:r>
+              <a:rPr lang="de-AT" baseline="0" dirty="0" err="1" smtClean="0"/>
+              <a:t>some</a:t>
+            </a:r>
+            <a:r>
+              <a:rPr lang="de-AT" baseline="0" dirty="0" smtClean="0"/>
+              <a:t> </a:t>
+            </a:r>
+            <a:r>
+              <a:rPr lang="de-AT" b="1" baseline="0" dirty="0" err="1" smtClean="0"/>
+              <a:t>benchmarks</a:t>
+            </a:r>
+            <a:r>
+              <a:rPr lang="de-AT" baseline="0" dirty="0" smtClean="0"/>
+              <a:t> </a:t>
+            </a:r>
+            <a:r>
+              <a:rPr lang="de-AT" baseline="0" dirty="0" err="1" smtClean="0"/>
+              <a:t>and</a:t>
+            </a:r>
+            <a:r>
+              <a:rPr lang="de-AT" baseline="0" dirty="0" smtClean="0"/>
+              <a:t> </a:t>
+            </a:r>
+            <a:r>
+              <a:rPr lang="de-AT" baseline="0" dirty="0" err="1" smtClean="0"/>
+              <a:t>create</a:t>
+            </a:r>
+            <a:r>
+              <a:rPr lang="de-AT" baseline="0" dirty="0" smtClean="0"/>
+              <a:t> </a:t>
+            </a:r>
+            <a:r>
+              <a:rPr lang="de-AT" b="1" baseline="0" dirty="0" err="1" smtClean="0"/>
+              <a:t>statistics</a:t>
+            </a:r>
+            <a:r>
+              <a:rPr lang="de-AT" baseline="0" dirty="0" smtClean="0"/>
+              <a:t>. </a:t>
+            </a:r>
+            <a:r>
+              <a:rPr lang="de-AT" baseline="0" dirty="0" err="1" smtClean="0"/>
+              <a:t>And</a:t>
+            </a:r>
+            <a:r>
+              <a:rPr lang="de-AT" baseline="0" dirty="0" smtClean="0"/>
+              <a:t> </a:t>
+            </a:r>
+            <a:r>
+              <a:rPr lang="de-AT" baseline="0" dirty="0" err="1" smtClean="0"/>
+              <a:t>from</a:t>
+            </a:r>
+            <a:r>
+              <a:rPr lang="de-AT" baseline="0" dirty="0" smtClean="0"/>
+              <a:t> </a:t>
+            </a:r>
+            <a:r>
+              <a:rPr lang="de-AT" baseline="0" dirty="0" err="1" smtClean="0"/>
+              <a:t>this</a:t>
+            </a:r>
+            <a:r>
+              <a:rPr lang="de-AT" baseline="0" dirty="0" smtClean="0"/>
+              <a:t> </a:t>
+            </a:r>
+            <a:r>
+              <a:rPr lang="de-AT" baseline="0" dirty="0" err="1" smtClean="0"/>
+              <a:t>statistics</a:t>
+            </a:r>
+            <a:r>
+              <a:rPr lang="de-AT" baseline="0" dirty="0" smtClean="0"/>
+              <a:t> I will </a:t>
+            </a:r>
+            <a:r>
+              <a:rPr lang="de-AT" baseline="0" dirty="0" err="1" smtClean="0"/>
+              <a:t>try</a:t>
+            </a:r>
+            <a:r>
+              <a:rPr lang="de-AT" baseline="0" dirty="0" smtClean="0"/>
+              <a:t> </a:t>
+            </a:r>
+            <a:r>
+              <a:rPr lang="de-AT" baseline="0" dirty="0" err="1" smtClean="0"/>
+              <a:t>to</a:t>
+            </a:r>
+            <a:r>
+              <a:rPr lang="de-AT" baseline="0" dirty="0" smtClean="0"/>
+              <a:t> </a:t>
+            </a:r>
+            <a:r>
+              <a:rPr lang="de-AT" b="1" baseline="0" dirty="0" err="1" smtClean="0"/>
+              <a:t>draw</a:t>
+            </a:r>
+            <a:r>
+              <a:rPr lang="de-AT" b="1" baseline="0" dirty="0" smtClean="0"/>
+              <a:t> </a:t>
+            </a:r>
+            <a:r>
+              <a:rPr lang="de-AT" b="1" baseline="0" dirty="0" err="1" smtClean="0"/>
+              <a:t>some</a:t>
+            </a:r>
+            <a:r>
+              <a:rPr lang="de-AT" b="1" baseline="0" dirty="0" smtClean="0"/>
+              <a:t> </a:t>
+            </a:r>
+            <a:r>
+              <a:rPr lang="de-AT" b="1" baseline="0" dirty="0" err="1" smtClean="0"/>
+              <a:t>conclusions</a:t>
+            </a:r>
+            <a:r>
+              <a:rPr lang="de-AT" baseline="0" dirty="0" smtClean="0"/>
+              <a:t> </a:t>
+            </a:r>
+            <a:r>
+              <a:rPr lang="de-AT" baseline="0" dirty="0" err="1" smtClean="0"/>
+              <a:t>to</a:t>
+            </a:r>
+            <a:r>
+              <a:rPr lang="de-AT" baseline="0" dirty="0" smtClean="0"/>
+              <a:t> </a:t>
+            </a:r>
+            <a:r>
+              <a:rPr lang="de-AT" baseline="0" dirty="0" err="1" smtClean="0"/>
+              <a:t>answere</a:t>
+            </a:r>
+            <a:r>
+              <a:rPr lang="de-AT" baseline="0" dirty="0" smtClean="0"/>
+              <a:t> </a:t>
+            </a:r>
+            <a:r>
+              <a:rPr lang="de-AT" baseline="0" dirty="0" err="1" smtClean="0"/>
+              <a:t>the</a:t>
+            </a:r>
+            <a:r>
+              <a:rPr lang="de-AT" baseline="0" dirty="0" smtClean="0"/>
               <a:t> final </a:t>
+            </a:r>
+            <a:r>
+              <a:rPr lang="de-AT" baseline="0" dirty="0" err="1" smtClean="0"/>
+              <a:t>question</a:t>
+            </a:r>
+            <a:r>
+              <a:rPr lang="de-AT" baseline="0" dirty="0" smtClean="0"/>
+              <a:t> "</a:t>
+            </a:r>
+            <a:r>
+              <a:rPr lang="de-AT" b="1" baseline="0" dirty="0" err="1" smtClean="0"/>
+              <a:t>Is</a:t>
+            </a:r>
+            <a:r>
+              <a:rPr lang="de-AT" b="1" baseline="0" dirty="0" smtClean="0"/>
+              <a:t> </a:t>
+            </a:r>
+            <a:r>
+              <a:rPr lang="de-AT" b="1" baseline="0" dirty="0" err="1" smtClean="0"/>
+              <a:t>it</a:t>
+            </a:r>
+            <a:r>
+              <a:rPr lang="de-AT" b="1" baseline="0" dirty="0" smtClean="0"/>
+              <a:t> profitable</a:t>
+            </a:r>
+            <a:r>
+              <a:rPr lang="de-AT" baseline="0" dirty="0" smtClean="0"/>
+              <a:t> </a:t>
+            </a:r>
+            <a:r>
+              <a:rPr lang="de-AT" baseline="0" dirty="0" err="1" smtClean="0"/>
+              <a:t>to</a:t>
+            </a:r>
+            <a:r>
+              <a:rPr lang="de-AT" baseline="0" dirty="0" smtClean="0"/>
+              <a:t> </a:t>
+            </a:r>
+            <a:r>
+              <a:rPr lang="de-AT" baseline="0" dirty="0" err="1" smtClean="0"/>
+              <a:t>use</a:t>
+            </a:r>
+            <a:r>
+              <a:rPr lang="de-AT" baseline="0" dirty="0" smtClean="0"/>
+              <a:t> OpenCL </a:t>
+            </a:r>
+            <a:r>
+              <a:rPr lang="de-AT" baseline="0" dirty="0" err="1" smtClean="0"/>
+              <a:t>for</a:t>
+            </a:r>
+            <a:r>
+              <a:rPr lang="de-AT" baseline="0" dirty="0" smtClean="0"/>
+              <a:t> </a:t>
+            </a:r>
+            <a:r>
+              <a:rPr lang="de-AT" baseline="0" dirty="0" err="1" smtClean="0"/>
+              <a:t>my</a:t>
+            </a:r>
+            <a:r>
+              <a:rPr lang="de-AT" baseline="0" dirty="0" smtClean="0"/>
+              <a:t> </a:t>
+            </a:r>
+            <a:r>
+              <a:rPr lang="de-AT" baseline="0" dirty="0" err="1" smtClean="0"/>
+              <a:t>application</a:t>
+            </a:r>
+            <a:r>
+              <a:rPr lang="de-AT" baseline="0" dirty="0" smtClean="0"/>
+              <a:t> </a:t>
+            </a:r>
+            <a:r>
+              <a:rPr lang="de-AT" baseline="0" dirty="0" err="1" smtClean="0"/>
+              <a:t>or</a:t>
+            </a:r>
+            <a:r>
+              <a:rPr lang="de-AT" baseline="0" dirty="0" smtClean="0"/>
+              <a:t> not?"</a:t>
+            </a:r>
+          </a:p>
+          <a:p>
+            <a:r>
+              <a:rPr lang="de-AT" baseline="0" dirty="0" err="1" smtClean="0"/>
+              <a:t>Thanks</a:t>
+            </a:r>
+            <a:r>
+              <a:rPr lang="de-AT" baseline="0" dirty="0" smtClean="0"/>
+              <a:t> </a:t>
+            </a:r>
+            <a:r>
+              <a:rPr lang="de-AT" baseline="0" dirty="0" err="1" smtClean="0"/>
+              <a:t>for</a:t>
+            </a:r>
+            <a:r>
+              <a:rPr lang="de-AT" baseline="0" dirty="0" smtClean="0"/>
+              <a:t> </a:t>
+            </a:r>
+            <a:r>
+              <a:rPr lang="de-AT" baseline="0" dirty="0" err="1" smtClean="0"/>
+              <a:t>listening</a:t>
+            </a:r>
+            <a:r>
+              <a:rPr lang="de-AT" baseline="0" dirty="0" smtClean="0"/>
+              <a:t> </a:t>
+            </a:r>
+            <a:r>
+              <a:rPr lang="de-AT" baseline="0" dirty="0" err="1" smtClean="0"/>
+              <a:t>and</a:t>
+            </a:r>
+            <a:r>
+              <a:rPr lang="de-AT" baseline="0" dirty="0" smtClean="0"/>
+              <a:t> </a:t>
+            </a:r>
+            <a:r>
+              <a:rPr lang="de-AT" baseline="0" dirty="0" err="1" smtClean="0"/>
+              <a:t>see</a:t>
+            </a:r>
+            <a:r>
+              <a:rPr lang="de-AT" baseline="0" dirty="0" smtClean="0"/>
+              <a:t> </a:t>
+            </a:r>
+            <a:r>
+              <a:rPr lang="de-AT" baseline="0" dirty="0" err="1" smtClean="0"/>
+              <a:t>you</a:t>
+            </a:r>
+            <a:r>
+              <a:rPr lang="de-AT" baseline="0" dirty="0" smtClean="0"/>
+              <a:t> </a:t>
+            </a:r>
+            <a:r>
+              <a:rPr lang="de-AT" baseline="0" dirty="0" err="1" smtClean="0"/>
+              <a:t>guys</a:t>
+            </a:r>
+            <a:r>
+              <a:rPr lang="de-AT" baseline="0" dirty="0" smtClean="0"/>
+              <a:t> in </a:t>
+            </a:r>
+            <a:r>
+              <a:rPr lang="de-AT" baseline="0" dirty="0" err="1" smtClean="0"/>
+              <a:t>January</a:t>
+            </a:r>
+            <a:r>
+              <a:rPr lang="de-AT" baseline="0" dirty="0" smtClean="0"/>
+              <a:t> </a:t>
+            </a:r>
+            <a:r>
+              <a:rPr lang="de-AT" baseline="0" dirty="0" err="1" smtClean="0"/>
+              <a:t>with</a:t>
+            </a:r>
+            <a:r>
+              <a:rPr lang="de-AT" baseline="0" dirty="0" smtClean="0"/>
+              <a:t> </a:t>
+            </a:r>
+            <a:r>
+              <a:rPr lang="de-AT" baseline="0" dirty="0" err="1" smtClean="0"/>
+              <a:t>some</a:t>
+            </a:r>
+            <a:r>
+              <a:rPr lang="de-AT" baseline="0" dirty="0" smtClean="0"/>
+              <a:t> </a:t>
             </a:r>
             <a:r>
               <a:rPr lang="de-AT" baseline="0" dirty="0" err="1" smtClean="0"/>
@@ -13623,488 +14181,6 @@
             </a:r>
             <a:r>
               <a:rPr lang="de-AT" baseline="0" dirty="0" smtClean="0"/>
-              <a:t> </a:t>
-            </a:r>
-            <a:r>
-              <a:rPr lang="de-AT" baseline="0" dirty="0" err="1" smtClean="0"/>
-              <a:t>of</a:t>
-            </a:r>
-            <a:r>
-              <a:rPr lang="de-AT" baseline="0" dirty="0" smtClean="0"/>
-              <a:t> </a:t>
-            </a:r>
-            <a:r>
-              <a:rPr lang="de-AT" baseline="0" dirty="0" err="1" smtClean="0"/>
-              <a:t>my</a:t>
-            </a:r>
-            <a:r>
-              <a:rPr lang="de-AT" baseline="0" dirty="0" smtClean="0"/>
-              <a:t> </a:t>
-            </a:r>
-            <a:r>
-              <a:rPr lang="de-AT" baseline="0" dirty="0" err="1" smtClean="0"/>
-              <a:t>bachelor</a:t>
-            </a:r>
-            <a:r>
-              <a:rPr lang="de-AT" baseline="0" dirty="0" smtClean="0"/>
-              <a:t> </a:t>
-            </a:r>
-            <a:r>
-              <a:rPr lang="de-AT" baseline="0" dirty="0" err="1" smtClean="0"/>
-              <a:t>thesis</a:t>
-            </a:r>
-            <a:r>
-              <a:rPr lang="de-AT" baseline="0" dirty="0" smtClean="0"/>
-              <a:t>? The </a:t>
-            </a:r>
-            <a:r>
-              <a:rPr lang="de-AT" baseline="0" dirty="0" err="1" smtClean="0"/>
-              <a:t>first</a:t>
-            </a:r>
-            <a:r>
-              <a:rPr lang="de-AT" baseline="0" dirty="0" smtClean="0"/>
-              <a:t> </a:t>
-            </a:r>
-            <a:r>
-              <a:rPr lang="de-AT" baseline="0" dirty="0" err="1" smtClean="0"/>
-              <a:t>step</a:t>
-            </a:r>
-            <a:r>
-              <a:rPr lang="de-AT" baseline="0" dirty="0" smtClean="0"/>
-              <a:t> after </a:t>
-            </a:r>
-            <a:r>
-              <a:rPr lang="de-AT" baseline="0" dirty="0" err="1" smtClean="0"/>
-              <a:t>the</a:t>
-            </a:r>
-            <a:r>
-              <a:rPr lang="de-AT" baseline="0" dirty="0" smtClean="0"/>
-              <a:t> </a:t>
-            </a:r>
-            <a:r>
-              <a:rPr lang="de-AT" baseline="0" dirty="0" err="1" smtClean="0"/>
-              <a:t>theoretical</a:t>
-            </a:r>
-            <a:r>
-              <a:rPr lang="de-AT" baseline="0" dirty="0" smtClean="0"/>
-              <a:t> </a:t>
-            </a:r>
-            <a:r>
-              <a:rPr lang="de-AT" baseline="0" dirty="0" err="1" smtClean="0"/>
-              <a:t>part</a:t>
-            </a:r>
-            <a:r>
-              <a:rPr lang="de-AT" baseline="0" dirty="0" smtClean="0"/>
-              <a:t> will </a:t>
-            </a:r>
-            <a:r>
-              <a:rPr lang="de-AT" baseline="0" dirty="0" err="1" smtClean="0"/>
-              <a:t>be</a:t>
-            </a:r>
-            <a:r>
-              <a:rPr lang="de-AT" baseline="0" dirty="0" smtClean="0"/>
-              <a:t> </a:t>
-            </a:r>
-            <a:r>
-              <a:rPr lang="de-AT" baseline="0" dirty="0" err="1" smtClean="0"/>
-              <a:t>the</a:t>
-            </a:r>
-            <a:r>
-              <a:rPr lang="de-AT" baseline="0" dirty="0" smtClean="0"/>
-              <a:t> </a:t>
-            </a:r>
-            <a:r>
-              <a:rPr lang="de-AT" baseline="0" dirty="0" err="1" smtClean="0"/>
-              <a:t>implementation</a:t>
-            </a:r>
-            <a:r>
-              <a:rPr lang="de-AT" baseline="0" dirty="0" smtClean="0"/>
-              <a:t> </a:t>
-            </a:r>
-            <a:r>
-              <a:rPr lang="de-AT" baseline="0" dirty="0" err="1" smtClean="0"/>
-              <a:t>of</a:t>
-            </a:r>
-            <a:r>
-              <a:rPr lang="de-AT" baseline="0" dirty="0" smtClean="0"/>
-              <a:t> </a:t>
-            </a:r>
-            <a:r>
-              <a:rPr lang="de-AT" baseline="0" dirty="0" err="1" smtClean="0"/>
-              <a:t>these</a:t>
-            </a:r>
-            <a:r>
-              <a:rPr lang="de-AT" baseline="0" dirty="0" smtClean="0"/>
-              <a:t> </a:t>
-            </a:r>
-            <a:r>
-              <a:rPr lang="de-AT" baseline="0" dirty="0" err="1" smtClean="0"/>
-              <a:t>three</a:t>
-            </a:r>
-            <a:r>
-              <a:rPr lang="de-AT" baseline="0" dirty="0" smtClean="0"/>
-              <a:t> </a:t>
-            </a:r>
-            <a:r>
-              <a:rPr lang="de-AT" baseline="0" dirty="0" err="1" smtClean="0"/>
-              <a:t>kinds</a:t>
-            </a:r>
-            <a:r>
-              <a:rPr lang="de-AT" baseline="0" dirty="0" smtClean="0"/>
-              <a:t> </a:t>
-            </a:r>
-            <a:r>
-              <a:rPr lang="de-AT" baseline="0" dirty="0" err="1" smtClean="0"/>
-              <a:t>of</a:t>
-            </a:r>
-            <a:r>
-              <a:rPr lang="de-AT" baseline="0" dirty="0" smtClean="0"/>
-              <a:t> </a:t>
-            </a:r>
-            <a:r>
-              <a:rPr lang="de-AT" baseline="0" dirty="0" err="1" smtClean="0"/>
-              <a:t>algorithms</a:t>
-            </a:r>
-            <a:r>
-              <a:rPr lang="de-AT" baseline="0" dirty="0" smtClean="0"/>
-              <a:t> I </a:t>
-            </a:r>
-            <a:r>
-              <a:rPr lang="de-AT" baseline="0" dirty="0" err="1" smtClean="0"/>
-              <a:t>have</a:t>
-            </a:r>
-            <a:r>
-              <a:rPr lang="de-AT" baseline="0" dirty="0" smtClean="0"/>
-              <a:t> </a:t>
-            </a:r>
-            <a:r>
-              <a:rPr lang="de-AT" baseline="0" dirty="0" err="1" smtClean="0"/>
-              <a:t>shown</a:t>
-            </a:r>
-            <a:r>
-              <a:rPr lang="de-AT" baseline="0" dirty="0" smtClean="0"/>
-              <a:t> </a:t>
-            </a:r>
-            <a:r>
-              <a:rPr lang="de-AT" baseline="0" dirty="0" err="1" smtClean="0"/>
-              <a:t>you</a:t>
-            </a:r>
-            <a:r>
-              <a:rPr lang="de-AT" baseline="0" dirty="0" smtClean="0"/>
-              <a:t>. </a:t>
-            </a:r>
-            <a:r>
-              <a:rPr lang="de-AT" baseline="0" dirty="0" err="1" smtClean="0"/>
-              <a:t>Then</a:t>
-            </a:r>
-            <a:r>
-              <a:rPr lang="de-AT" baseline="0" dirty="0" smtClean="0"/>
-              <a:t> I will </a:t>
-            </a:r>
-            <a:r>
-              <a:rPr lang="de-AT" baseline="0" dirty="0" err="1" smtClean="0"/>
-              <a:t>run</a:t>
-            </a:r>
-            <a:r>
-              <a:rPr lang="de-AT" baseline="0" dirty="0" smtClean="0"/>
-              <a:t> </a:t>
-            </a:r>
-            <a:r>
-              <a:rPr lang="de-AT" baseline="0" dirty="0" err="1" smtClean="0"/>
-              <a:t>some</a:t>
-            </a:r>
-            <a:r>
-              <a:rPr lang="de-AT" baseline="0" dirty="0" smtClean="0"/>
-              <a:t> </a:t>
-            </a:r>
-            <a:r>
-              <a:rPr lang="de-AT" baseline="0" dirty="0" err="1" smtClean="0"/>
-              <a:t>benchmarks</a:t>
-            </a:r>
-            <a:r>
-              <a:rPr lang="de-AT" baseline="0" dirty="0" smtClean="0"/>
-              <a:t> </a:t>
-            </a:r>
-            <a:r>
-              <a:rPr lang="de-AT" baseline="0" dirty="0" err="1" smtClean="0"/>
-              <a:t>and</a:t>
-            </a:r>
-            <a:r>
-              <a:rPr lang="de-AT" baseline="0" dirty="0" smtClean="0"/>
-              <a:t> </a:t>
-            </a:r>
-            <a:r>
-              <a:rPr lang="de-AT" baseline="0" dirty="0" err="1" smtClean="0"/>
-              <a:t>create</a:t>
-            </a:r>
-            <a:r>
-              <a:rPr lang="de-AT" baseline="0" dirty="0" smtClean="0"/>
-              <a:t> </a:t>
-            </a:r>
-            <a:r>
-              <a:rPr lang="de-AT" baseline="0" dirty="0" err="1" smtClean="0"/>
-              <a:t>statistics</a:t>
-            </a:r>
-            <a:r>
-              <a:rPr lang="de-AT" baseline="0" dirty="0" smtClean="0"/>
-              <a:t>. </a:t>
-            </a:r>
-            <a:r>
-              <a:rPr lang="de-AT" baseline="0" dirty="0" err="1" smtClean="0"/>
-              <a:t>And</a:t>
-            </a:r>
-            <a:r>
-              <a:rPr lang="de-AT" baseline="0" dirty="0" smtClean="0"/>
-              <a:t> </a:t>
-            </a:r>
-            <a:r>
-              <a:rPr lang="de-AT" baseline="0" dirty="0" err="1" smtClean="0"/>
-              <a:t>from</a:t>
-            </a:r>
-            <a:r>
-              <a:rPr lang="de-AT" baseline="0" dirty="0" smtClean="0"/>
-              <a:t> </a:t>
-            </a:r>
-            <a:r>
-              <a:rPr lang="de-AT" baseline="0" dirty="0" err="1" smtClean="0"/>
-              <a:t>this</a:t>
-            </a:r>
-            <a:r>
-              <a:rPr lang="de-AT" baseline="0" dirty="0" smtClean="0"/>
-              <a:t> </a:t>
-            </a:r>
-            <a:r>
-              <a:rPr lang="de-AT" baseline="0" dirty="0" err="1" smtClean="0"/>
-              <a:t>statistics</a:t>
-            </a:r>
-            <a:r>
-              <a:rPr lang="de-AT" baseline="0" dirty="0" smtClean="0"/>
-              <a:t> I will </a:t>
-            </a:r>
-            <a:r>
-              <a:rPr lang="de-AT" baseline="0" dirty="0" err="1" smtClean="0"/>
-              <a:t>try</a:t>
-            </a:r>
-            <a:r>
-              <a:rPr lang="de-AT" baseline="0" dirty="0" smtClean="0"/>
-              <a:t> </a:t>
-            </a:r>
-            <a:r>
-              <a:rPr lang="de-AT" baseline="0" dirty="0" err="1" smtClean="0"/>
-              <a:t>to</a:t>
-            </a:r>
-            <a:r>
-              <a:rPr lang="de-AT" baseline="0" dirty="0" smtClean="0"/>
-              <a:t> </a:t>
-            </a:r>
-            <a:r>
-              <a:rPr lang="de-AT" baseline="0" dirty="0" err="1" smtClean="0"/>
-              <a:t>draw</a:t>
-            </a:r>
-            <a:r>
-              <a:rPr lang="de-AT" baseline="0" dirty="0" smtClean="0"/>
-              <a:t> </a:t>
-            </a:r>
-            <a:r>
-              <a:rPr lang="de-AT" baseline="0" dirty="0" err="1" smtClean="0"/>
-              <a:t>some</a:t>
-            </a:r>
-            <a:r>
-              <a:rPr lang="de-AT" baseline="0" dirty="0" smtClean="0"/>
-              <a:t> </a:t>
-            </a:r>
-            <a:r>
-              <a:rPr lang="de-AT" baseline="0" dirty="0" err="1" smtClean="0"/>
-              <a:t>conclusions</a:t>
-            </a:r>
-            <a:r>
-              <a:rPr lang="de-AT" baseline="0" dirty="0" smtClean="0"/>
-              <a:t> </a:t>
-            </a:r>
-            <a:r>
-              <a:rPr lang="de-AT" baseline="0" dirty="0" err="1" smtClean="0"/>
-              <a:t>to</a:t>
-            </a:r>
-            <a:r>
-              <a:rPr lang="de-AT" baseline="0" dirty="0" smtClean="0"/>
-              <a:t> </a:t>
-            </a:r>
-            <a:r>
-              <a:rPr lang="de-AT" baseline="0" dirty="0" err="1" smtClean="0"/>
-              <a:t>answere</a:t>
-            </a:r>
-            <a:r>
-              <a:rPr lang="de-AT" baseline="0" dirty="0" smtClean="0"/>
-              <a:t> </a:t>
-            </a:r>
-            <a:r>
-              <a:rPr lang="de-AT" baseline="0" dirty="0" err="1" smtClean="0"/>
-              <a:t>the</a:t>
-            </a:r>
-            <a:r>
-              <a:rPr lang="de-AT" baseline="0" dirty="0" smtClean="0"/>
-              <a:t> final </a:t>
-            </a:r>
-            <a:r>
-              <a:rPr lang="de-AT" baseline="0" dirty="0" err="1" smtClean="0"/>
-              <a:t>question</a:t>
-            </a:r>
-            <a:r>
-              <a:rPr lang="de-AT" baseline="0" dirty="0" smtClean="0"/>
-              <a:t> "</a:t>
-            </a:r>
-            <a:r>
-              <a:rPr lang="de-AT" baseline="0" dirty="0" err="1" smtClean="0"/>
-              <a:t>Is</a:t>
-            </a:r>
-            <a:r>
-              <a:rPr lang="de-AT" baseline="0" dirty="0" smtClean="0"/>
-              <a:t> </a:t>
-            </a:r>
-            <a:r>
-              <a:rPr lang="de-AT" baseline="0" dirty="0" err="1" smtClean="0"/>
-              <a:t>it</a:t>
-            </a:r>
-            <a:r>
-              <a:rPr lang="de-AT" baseline="0" dirty="0" smtClean="0"/>
-              <a:t> profitable </a:t>
-            </a:r>
-            <a:r>
-              <a:rPr lang="de-AT" baseline="0" dirty="0" err="1" smtClean="0"/>
-              <a:t>to</a:t>
-            </a:r>
-            <a:r>
-              <a:rPr lang="de-AT" baseline="0" dirty="0" smtClean="0"/>
-              <a:t> </a:t>
-            </a:r>
-            <a:r>
-              <a:rPr lang="de-AT" baseline="0" dirty="0" err="1" smtClean="0"/>
-              <a:t>use</a:t>
-            </a:r>
-            <a:r>
-              <a:rPr lang="de-AT" baseline="0" dirty="0" smtClean="0"/>
-              <a:t> OpenCL </a:t>
-            </a:r>
-            <a:r>
-              <a:rPr lang="de-AT" baseline="0" dirty="0" err="1" smtClean="0"/>
-              <a:t>for</a:t>
-            </a:r>
-            <a:r>
-              <a:rPr lang="de-AT" baseline="0" dirty="0" smtClean="0"/>
-              <a:t> </a:t>
-            </a:r>
-            <a:r>
-              <a:rPr lang="de-AT" baseline="0" dirty="0" err="1" smtClean="0"/>
-              <a:t>my</a:t>
-            </a:r>
-            <a:r>
-              <a:rPr lang="de-AT" baseline="0" dirty="0" smtClean="0"/>
-              <a:t> </a:t>
-            </a:r>
-            <a:r>
-              <a:rPr lang="de-AT" baseline="0" dirty="0" err="1" smtClean="0"/>
-              <a:t>application</a:t>
-            </a:r>
-            <a:r>
-              <a:rPr lang="de-AT" baseline="0" dirty="0" smtClean="0"/>
-              <a:t> </a:t>
-            </a:r>
-            <a:r>
-              <a:rPr lang="de-AT" baseline="0" dirty="0" err="1" smtClean="0"/>
-              <a:t>or</a:t>
-            </a:r>
-            <a:r>
-              <a:rPr lang="de-AT" baseline="0" dirty="0" smtClean="0"/>
-              <a:t> not?"</a:t>
-            </a:r>
-          </a:p>
-          <a:p>
-            <a:r>
-              <a:rPr lang="de-AT" baseline="0" dirty="0" err="1" smtClean="0"/>
-              <a:t>Thanks</a:t>
-            </a:r>
-            <a:r>
-              <a:rPr lang="de-AT" baseline="0" dirty="0" smtClean="0"/>
-              <a:t> </a:t>
-            </a:r>
-            <a:r>
-              <a:rPr lang="de-AT" baseline="0" dirty="0" err="1" smtClean="0"/>
-              <a:t>for</a:t>
-            </a:r>
-            <a:r>
-              <a:rPr lang="de-AT" baseline="0" dirty="0" smtClean="0"/>
-              <a:t> </a:t>
-            </a:r>
-            <a:r>
-              <a:rPr lang="de-AT" baseline="0" dirty="0" err="1" smtClean="0"/>
-              <a:t>listening</a:t>
-            </a:r>
-            <a:r>
-              <a:rPr lang="de-AT" baseline="0" dirty="0" smtClean="0"/>
-              <a:t> </a:t>
-            </a:r>
-            <a:r>
-              <a:rPr lang="de-AT" baseline="0" dirty="0" err="1" smtClean="0"/>
-              <a:t>and</a:t>
-            </a:r>
-            <a:r>
-              <a:rPr lang="de-AT" baseline="0" dirty="0" smtClean="0"/>
-              <a:t> </a:t>
-            </a:r>
-            <a:r>
-              <a:rPr lang="de-AT" baseline="0" dirty="0" err="1" smtClean="0"/>
-              <a:t>see</a:t>
-            </a:r>
-            <a:r>
-              <a:rPr lang="de-AT" baseline="0" dirty="0" smtClean="0"/>
-              <a:t> </a:t>
-            </a:r>
-            <a:r>
-              <a:rPr lang="de-AT" baseline="0" dirty="0" err="1" smtClean="0"/>
-              <a:t>you</a:t>
-            </a:r>
-            <a:r>
-              <a:rPr lang="de-AT" baseline="0" dirty="0" smtClean="0"/>
-              <a:t> </a:t>
-            </a:r>
-            <a:r>
-              <a:rPr lang="de-AT" baseline="0" dirty="0" err="1" smtClean="0"/>
-              <a:t>guys</a:t>
-            </a:r>
-            <a:r>
-              <a:rPr lang="de-AT" baseline="0" dirty="0" smtClean="0"/>
-              <a:t> in </a:t>
-            </a:r>
-            <a:r>
-              <a:rPr lang="de-AT" baseline="0" dirty="0" err="1" smtClean="0"/>
-              <a:t>January</a:t>
-            </a:r>
-            <a:r>
-              <a:rPr lang="de-AT" baseline="0" dirty="0" smtClean="0"/>
-              <a:t> </a:t>
-            </a:r>
-            <a:r>
-              <a:rPr lang="de-AT" baseline="0" dirty="0" err="1" smtClean="0"/>
-              <a:t>with</a:t>
-            </a:r>
-            <a:r>
-              <a:rPr lang="de-AT" baseline="0" dirty="0" smtClean="0"/>
-              <a:t> </a:t>
-            </a:r>
-            <a:r>
-              <a:rPr lang="de-AT" baseline="0" dirty="0" err="1" smtClean="0"/>
-              <a:t>some</a:t>
-            </a:r>
-            <a:r>
-              <a:rPr lang="de-AT" baseline="0" dirty="0" smtClean="0"/>
-              <a:t> </a:t>
-            </a:r>
-            <a:r>
-              <a:rPr lang="de-AT" baseline="0" dirty="0" err="1" smtClean="0"/>
-              <a:t>results</a:t>
-            </a:r>
-            <a:r>
-              <a:rPr lang="de-AT" baseline="0" smtClean="0"/>
               <a:t>.</a:t>
             </a:r>
             <a:endParaRPr lang="en-US" dirty="0"/>
@@ -17190,6 +17266,111 @@
           <a:chExt cx="0" cy="0"/>
         </a:xfrm>
       </p:grpSpPr>
+      <p:pic>
+        <p:nvPicPr>
+          <p:cNvPr id="1026" name="Picture 2"/>
+          <p:cNvPicPr>
+            <a:picLocks noChangeAspect="1" noChangeArrowheads="1"/>
+          </p:cNvPicPr>
+          <p:nvPr/>
+        </p:nvPicPr>
+        <p:blipFill>
+          <a:blip r:embed="rId2">
+            <a:extLst>
+              <a:ext uri="{28A0092B-C50C-407E-A947-70E740481C1C}">
+                <a14:useLocalDpi xmlns:a14="http://schemas.microsoft.com/office/drawing/2010/main" val="0"/>
+              </a:ext>
+            </a:extLst>
+          </a:blip>
+          <a:srcRect/>
+          <a:stretch>
+            <a:fillRect/>
+          </a:stretch>
+        </p:blipFill>
+        <p:spPr bwMode="auto">
+          <a:xfrm>
+            <a:off x="613167" y="918861"/>
+            <a:ext cx="7917667" cy="3305778"/>
+          </a:xfrm>
+          <a:prstGeom prst="rect">
+            <a:avLst/>
+          </a:prstGeom>
+          <a:noFill/>
+          <a:ln>
+            <a:noFill/>
+          </a:ln>
+          <a:effectLst/>
+          <a:extLst>
+            <a:ext uri="{909E8E84-426E-40DD-AFC4-6F175D3DCCD1}">
+              <a14:hiddenFill xmlns:a14="http://schemas.microsoft.com/office/drawing/2010/main">
+                <a:solidFill>
+                  <a:schemeClr val="accent1"/>
+                </a:solidFill>
+              </a14:hiddenFill>
+            </a:ext>
+            <a:ext uri="{91240B29-F687-4F45-9708-019B960494DF}">
+              <a14:hiddenLine xmlns:a14="http://schemas.microsoft.com/office/drawing/2010/main" w="9525">
+                <a:solidFill>
+                  <a:schemeClr val="tx1"/>
+                </a:solidFill>
+                <a:miter lim="800000"/>
+                <a:headEnd/>
+                <a:tailEnd/>
+              </a14:hiddenLine>
+            </a:ext>
+            <a:ext uri="{AF507438-7753-43E0-B8FC-AC1667EBCBE1}">
+              <a14:hiddenEffects xmlns:a14="http://schemas.microsoft.com/office/drawing/2010/main">
+                <a:effectLst>
+                  <a:outerShdw dist="35921" dir="2700000" algn="ctr" rotWithShape="0">
+                    <a:schemeClr val="bg2"/>
+                  </a:outerShdw>
+                </a:effectLst>
+              </a14:hiddenEffects>
+            </a:ext>
+          </a:extLst>
+        </p:spPr>
+      </p:pic>
+      <p:pic>
+        <p:nvPicPr>
+          <p:cNvPr id="1028" name="Picture 4" descr="D:\data\FH\Bachelorarbeit\svnroot\presentations\BAS_1\ohgodwhy.png"/>
+          <p:cNvPicPr>
+            <a:picLocks noChangeAspect="1" noChangeArrowheads="1"/>
+          </p:cNvPicPr>
+          <p:nvPr/>
+        </p:nvPicPr>
+        <p:blipFill>
+          <a:blip r:embed="rId3">
+            <a:extLst>
+              <a:ext uri="{28A0092B-C50C-407E-A947-70E740481C1C}">
+                <a14:useLocalDpi xmlns:a14="http://schemas.microsoft.com/office/drawing/2010/main" val="0"/>
+              </a:ext>
+            </a:extLst>
+          </a:blip>
+          <a:srcRect/>
+          <a:stretch>
+            <a:fillRect/>
+          </a:stretch>
+        </p:blipFill>
+        <p:spPr bwMode="auto">
+          <a:xfrm>
+            <a:off x="5382108" y="2772493"/>
+            <a:ext cx="1820724" cy="2409605"/>
+          </a:xfrm>
+          <a:prstGeom prst="rect">
+            <a:avLst/>
+          </a:prstGeom>
+          <a:noFill/>
+          <a:extLst>
+            <a:ext uri="{909E8E84-426E-40DD-AFC4-6F175D3DCCD1}">
+              <a14:hiddenFill xmlns:a14="http://schemas.microsoft.com/office/drawing/2010/main">
+                <a:solidFill>
+                  <a:srgbClr val="FFFFFF"/>
+                </a:solidFill>
+              </a14:hiddenFill>
+            </a:ext>
+          </a:extLst>
+        </p:spPr>
+      </p:pic>
     </p:spTree>
     <p:extLst>
       <p:ext uri="{BB962C8B-B14F-4D97-AF65-F5344CB8AC3E}">
@@ -17203,7 +17384,83 @@
   <p:timing>
     <p:tnLst>
       <p:par>
-        <p:cTn id="1" dur="indefinite" restart="never" nodeType="tmRoot"/>
+        <p:cTn id="1" dur="indefinite" restart="never" nodeType="tmRoot">
+          <p:childTnLst>
+            <p:seq concurrent="1" nextAc="seek">
+              <p:cTn id="2" dur="indefinite" nodeType="mainSeq">
+                <p:childTnLst>
+                  <p:par>
+                    <p:cTn id="3" fill="hold">
+                      <p:stCondLst>
+                        <p:cond delay="indefinite"/>
+                      </p:stCondLst>
+                      <p:childTnLst>
+                        <p:par>
+                          <p:cTn id="4" fill="hold">
+                            <p:stCondLst>
+                              <p:cond delay="0"/>
+                            </p:stCondLst>
+                            <p:childTnLst>
+                              <p:par>
+                                <p:cTn id="5" presetID="10" presetClass="entr" presetSubtype="0" fill="hold" nodeType="clickEffect">
+                                  <p:stCondLst>
+                                    <p:cond delay="0"/>
+                                  </p:stCondLst>
+                                  <p:childTnLst>
+                                    <p:set>
+                                      <p:cBhvr>
+                                        <p:cTn id="6" dur="1" fill="hold">
+                                          <p:stCondLst>
+                                            <p:cond delay="0"/>
+                                          </p:stCondLst>
+                                        </p:cTn>
+                                        <p:tgtEl>
+                                          <p:spTgt spid="1028"/>
+                                        </p:tgtEl>
+                                        <p:attrNameLst>
+                                          <p:attrName>style.visibility</p:attrName>
+                                        </p:attrNameLst>
+                                      </p:cBhvr>
+                                      <p:to>
+                                        <p:strVal val="visible"/>
+                                      </p:to>
+                                    </p:set>
+                                    <p:animEffect transition="in" filter="fade">
+                                      <p:cBhvr>
+                                        <p:cTn id="7" dur="250"/>
+                                        <p:tgtEl>
+                                          <p:spTgt spid="1028"/>
+                                        </p:tgtEl>
+                                      </p:cBhvr>
+                                    </p:animEffect>
+                                  </p:childTnLst>
+                                </p:cTn>
+                              </p:par>
+                            </p:childTnLst>
+                          </p:cTn>
+                        </p:par>
+                      </p:childTnLst>
+                    </p:cTn>
+                  </p:par>
+                </p:childTnLst>
+              </p:cTn>
+              <p:prevCondLst>
+                <p:cond evt="onPrev" delay="0">
+                  <p:tgtEl>
+                    <p:sldTgt/>
+                  </p:tgtEl>
+                </p:cond>
+              </p:prevCondLst>
+              <p:nextCondLst>
+                <p:cond evt="onNext" delay="0">
+                  <p:tgtEl>
+                    <p:sldTgt/>
+                  </p:tgtEl>
+                </p:cond>
+              </p:nextCondLst>
+            </p:seq>
+          </p:childTnLst>
+        </p:cTn>
       </p:par>
     </p:tnLst>
   </p:timing>
@@ -17700,33 +17957,15 @@
                                   </p:childTnLst>
                                 </p:cTn>
                               </p:par>
-                            </p:childTnLst>
-                          </p:cTn>
-                        </p:par>
-                      </p:childTnLst>
-                    </p:cTn>
-                  </p:par>
-                  <p:par>
-                    <p:cTn id="11" fill="hold">
-                      <p:stCondLst>
-                        <p:cond delay="indefinite"/>
-                      </p:stCondLst>
-                      <p:childTnLst>
-                        <p:par>
-                          <p:cTn id="12" fill="hold">
-                            <p:stCondLst>
-                              <p:cond delay="0"/>
-                            </p:stCondLst>
-                            <p:childTnLst>
                               <p:par>
-                                <p:cTn id="13" presetID="10" presetClass="entr" presetSubtype="0" fill="hold" grpId="0" nodeType="clickEffect">
+                                <p:cTn id="11" presetID="10" presetClass="entr" presetSubtype="0" fill="hold" grpId="0" nodeType="withEffect">
                                   <p:stCondLst>
                                     <p:cond delay="0"/>
                                   </p:stCondLst>
                                   <p:childTnLst>
                                     <p:set>
                                       <p:cBhvr>
-                                        <p:cTn id="14" dur="1" fill="hold">
+                                        <p:cTn id="12" dur="1" fill="hold">
                                           <p:stCondLst>
                                             <p:cond delay="0"/>
                                           </p:stCondLst>
@@ -17744,7 +17983,7 @@
                                     </p:set>
                                     <p:animEffect transition="in" filter="fade">
                                       <p:cBhvr>
-                                        <p:cTn id="15" dur="500"/>
+                                        <p:cTn id="13" dur="500"/>
                                         <p:tgtEl>
                                           <p:spTgt spid="8"/>
                                         </p:tgtEl>
@@ -17754,14 +17993,14 @@
                                 </p:cTn>
                               </p:par>
                               <p:par>
-                                <p:cTn id="16" presetID="10" presetClass="entr" presetSubtype="0" fill="hold" grpId="0" nodeType="withEffect">
+                                <p:cTn id="14" presetID="10" presetClass="entr" presetSubtype="0" fill="hold" grpId="0" nodeType="withEffect">
                                   <p:stCondLst>
                                     <p:cond delay="0"/>
                                   </p:stCondLst>
                                   <p:childTnLst>
                                     <p:set>
                                       <p:cBhvr>
-                                        <p:cTn id="17" dur="1" fill="hold">
+                                        <p:cTn id="15" dur="1" fill="hold">
                                           <p:stCondLst>
                                             <p:cond delay="0"/>
                                           </p:stCondLst>
@@ -17779,7 +18018,7 @@
                                     </p:set>
                                     <p:animEffect transition="in" filter="fade">
                                       <p:cBhvr>
-                                        <p:cTn id="18" dur="500"/>
+                                        <p:cTn id="16" dur="500"/>
                                         <p:tgtEl>
                                           <p:spTgt spid="10"/>
                                         </p:tgtEl>
@@ -17944,6 +18183,15 @@
         <p:blipFill>
           <a:blip r:embed="rId3" cstate="print">
             <a:extLst>
+              <a:ext uri="{BEBA8EAE-BF5A-486C-A8C5-ECC9F3942E4B}">
+                <a14:imgProps xmlns:a14="http://schemas.microsoft.com/office/drawing/2010/main">
+                  <a14:imgLayer r:embed="rId4">
+                    <a14:imgEffect>
+                      <a14:brightnessContrast bright="20000"/>
+                    </a14:imgEffect>
+                  </a14:imgLayer>
+                </a14:imgProps>
+              </a:ext>
               <a:ext uri="{28A0092B-C50C-407E-A947-70E740481C1C}">
                 <a14:useLocalDpi xmlns:a14="http://schemas.microsoft.com/office/drawing/2010/main" val="0"/>
               </a:ext>
@@ -18004,8 +18252,17 @@
           <p:nvPr/>
         </p:nvPicPr>
         <p:blipFill>
-          <a:blip r:embed="rId4" cstate="print">
+          <a:blip r:embed="rId5" cstate="print">
             <a:extLst>
+              <a:ext uri="{BEBA8EAE-BF5A-486C-A8C5-ECC9F3942E4B}">
+                <a14:imgProps xmlns:a14="http://schemas.microsoft.com/office/drawing/2010/main">
+                  <a14:imgLayer r:embed="rId6">
+                    <a14:imgEffect>
+                      <a14:brightnessContrast bright="20000"/>
+                    </a14:imgEffect>
+                  </a14:imgLayer>
+                </a14:imgProps>
+              </a:ext>
               <a:ext uri="{28A0092B-C50C-407E-A947-70E740481C1C}">
                 <a14:useLocalDpi xmlns:a14="http://schemas.microsoft.com/office/drawing/2010/main" val="0"/>
               </a:ext>
@@ -18120,7 +18377,7 @@
           <p:nvPr/>
         </p:nvPicPr>
         <p:blipFill rotWithShape="1">
-          <a:blip r:embed="rId5">
+          <a:blip r:embed="rId7">
             <a:extLst>
               <a:ext uri="{28A0092B-C50C-407E-A947-70E740481C1C}">
                 <a14:useLocalDpi xmlns:a14="http://schemas.microsoft.com/office/drawing/2010/main" val="0"/>
@@ -18180,7 +18437,7 @@
           <p:nvPr/>
         </p:nvPicPr>
         <p:blipFill rotWithShape="1">
-          <a:blip r:embed="rId6">
+          <a:blip r:embed="rId8">
             <a:extLst>
               <a:ext uri="{28A0092B-C50C-407E-A947-70E740481C1C}">
                 <a14:useLocalDpi xmlns:a14="http://schemas.microsoft.com/office/drawing/2010/main" val="0"/>
@@ -18240,7 +18497,7 @@
           <p:nvPr/>
         </p:nvPicPr>
         <p:blipFill>
-          <a:blip r:embed="rId7" cstate="print">
+          <a:blip r:embed="rId9" cstate="print">
             <a:extLst>
               <a:ext uri="{28A0092B-C50C-407E-A947-70E740481C1C}">
                 <a14:useLocalDpi xmlns:a14="http://schemas.microsoft.com/office/drawing/2010/main" val="0"/>
@@ -18281,7 +18538,7 @@
           <p:nvPr/>
         </p:nvPicPr>
         <p:blipFill>
-          <a:blip r:embed="rId8" cstate="print">
+          <a:blip r:embed="rId10" cstate="print">
             <a:extLst>
               <a:ext uri="{28A0092B-C50C-407E-A947-70E740481C1C}">
                 <a14:useLocalDpi xmlns:a14="http://schemas.microsoft.com/office/drawing/2010/main" val="0"/>
@@ -19110,6 +19367,15 @@
         <p:blipFill>
           <a:blip r:embed="rId3">
             <a:extLst>
+              <a:ext uri="{BEBA8EAE-BF5A-486C-A8C5-ECC9F3942E4B}">
+                <a14:imgProps xmlns:a14="http://schemas.microsoft.com/office/drawing/2010/main">
+                  <a14:imgLayer r:embed="rId4">
+                    <a14:imgEffect>
+                      <a14:brightnessContrast bright="20000"/>
+                    </a14:imgEffect>
+                  </a14:imgLayer>
+                </a14:imgProps>
+              </a:ext>
               <a:ext uri="{28A0092B-C50C-407E-A947-70E740481C1C}">
                 <a14:useLocalDpi xmlns:a14="http://schemas.microsoft.com/office/drawing/2010/main" val="0"/>
               </a:ext>
@@ -19656,16 +19922,59 @@
           </p:txBody>
         </p:sp>
       </p:grpSp>
+      <p:sp>
+        <p:nvSpPr>
+          <p:cNvPr id="19" name="TextBox 18"/>
+          <p:cNvSpPr txBox="1"/>
+          <p:nvPr/>
+        </p:nvSpPr>
+        <p:spPr>
+          <a:xfrm>
+            <a:off x="2681748" y="4958834"/>
+            <a:ext cx="6462252" cy="184666"/>
+          </a:xfrm>
+          <a:prstGeom prst="rect">
+            <a:avLst/>
+          </a:prstGeom>
+          <a:noFill/>
+        </p:spPr>
+        <p:txBody>
+          <a:bodyPr wrap="square" rtlCol="0">
+            <a:spAutoFit/>
+          </a:bodyPr>
+          <a:lstStyle/>
+          <a:p>
+            <a:pPr algn="r"/>
+            <a:r>
+              <a:rPr lang="en-US" sz="600" dirty="0"/>
+              <a:t>http://</a:t>
+            </a:r>
+            <a:r>
+              <a:rPr lang="en-US" sz="600" dirty="0" smtClean="0"/>
+              <a:t>en.wikipedia.org/wiki/File:Partition_example.svg     http</a:t>
+            </a:r>
+            <a:r>
+              <a:rPr lang="en-US" sz="600" dirty="0"/>
+              <a:t>://</a:t>
+            </a:r>
+            <a:r>
+              <a:rPr lang="en-US" sz="600" dirty="0" smtClean="0"/>
+              <a:t>en.wikipedia.org/wiki/File:Quicksort.gif</a:t>
+            </a:r>
+            <a:endParaRPr lang="en-US" sz="600" dirty="0"/>
+          </a:p>
+        </p:txBody>
+      </p:sp>
       <p:pic>
         <p:nvPicPr>
-          <p:cNvPr id="4098" name="Picture 2" descr="D:\data\FH\Bachelorarbeit\svnroot\presentations\BAS_1\bitonic.png"/>
+          <p:cNvPr id="4100" name="Picture 4" descr="D:\data\FH\Bachelorarbeit\svnroot\presentations\BAS_1\quicksort_first_pass.png"/>
           <p:cNvPicPr>
             <a:picLocks noChangeAspect="1" noChangeArrowheads="1"/>
           </p:cNvPicPr>
           <p:nvPr/>
         </p:nvPicPr>
         <p:blipFill>
-          <a:blip r:embed="rId3">
+          <a:blip r:embed="rId3" cstate="print">
             <a:extLst>
               <a:ext uri="{28A0092B-C50C-407E-A947-70E740481C1C}">
                 <a14:useLocalDpi xmlns:a14="http://schemas.microsoft.com/office/drawing/2010/main" val="0"/>
@@ -19679,8 +19988,8 @@
         </p:blipFill>
         <p:spPr bwMode="auto">
           <a:xfrm>
-            <a:off x="2785791" y="2715453"/>
-            <a:ext cx="5316867" cy="1626766"/>
+            <a:off x="6898804" y="494782"/>
+            <a:ext cx="1779856" cy="2167298"/>
           </a:xfrm>
           <a:prstGeom prst="rect">
             <a:avLst/>
@@ -19699,14 +20008,14 @@
       </p:pic>
       <p:sp>
         <p:nvSpPr>
-          <p:cNvPr id="18" name="TextBox 17"/>
+          <p:cNvPr id="23" name="TextBox 22"/>
           <p:cNvSpPr txBox="1"/>
           <p:nvPr/>
         </p:nvSpPr>
         <p:spPr>
           <a:xfrm>
-            <a:off x="5049406" y="4281978"/>
-            <a:ext cx="3600480" cy="523220"/>
+            <a:off x="3311832" y="1418405"/>
+            <a:ext cx="3071977" cy="830997"/>
           </a:xfrm>
           <a:prstGeom prst="rect">
             <a:avLst/>
@@ -19734,63 +20043,16 @@
           <a:p>
             <a:pPr algn="ctr"/>
             <a:r>
-              <a:rPr lang="en-US" sz="2800" dirty="0" err="1" smtClean="0"/>
-              <a:t>Bitonic</a:t>
-            </a:r>
-            <a:r>
-              <a:rPr lang="en-US" sz="2800" dirty="0" smtClean="0"/>
-              <a:t> sorting network</a:t>
-            </a:r>
-            <a:endParaRPr lang="en-US" sz="2800" dirty="0"/>
-          </a:p>
-        </p:txBody>
-      </p:sp>
-      <p:sp>
-        <p:nvSpPr>
-          <p:cNvPr id="19" name="TextBox 18"/>
-          <p:cNvSpPr txBox="1"/>
-          <p:nvPr/>
-        </p:nvSpPr>
-        <p:spPr>
-          <a:xfrm>
-            <a:off x="2681748" y="4958834"/>
-            <a:ext cx="6462252" cy="184666"/>
-          </a:xfrm>
-          <a:prstGeom prst="rect">
-            <a:avLst/>
-          </a:prstGeom>
-          <a:noFill/>
-        </p:spPr>
-        <p:txBody>
-          <a:bodyPr wrap="square" rtlCol="0">
-            <a:spAutoFit/>
-          </a:bodyPr>
-          <a:lstStyle/>
-          <a:p>
-            <a:pPr algn="r"/>
-            <a:r>
-              <a:rPr lang="en-US" sz="600" dirty="0"/>
-              <a:t>http://</a:t>
-            </a:r>
-            <a:r>
-              <a:rPr lang="en-US" sz="600" dirty="0" smtClean="0"/>
-              <a:t>en.wikipedia.org/wiki/File:Partition_example.svg     http</a:t>
-            </a:r>
-            <a:r>
-              <a:rPr lang="en-US" sz="600" dirty="0"/>
-              <a:t>://en.wikipedia.org/wiki/File:Quicksort.gif     http://</a:t>
-            </a:r>
-            <a:r>
-              <a:rPr lang="en-US" sz="600" dirty="0" smtClean="0"/>
-              <a:t>en.wikipedia.org/w/index.php?title=File:BitonicSort1.svg&amp;page=1</a:t>
-            </a:r>
-            <a:endParaRPr lang="en-US" sz="600" dirty="0"/>
+              <a:rPr lang="en-US" sz="4800" dirty="0" smtClean="0"/>
+              <a:t>Quicksort</a:t>
+            </a:r>
+            <a:endParaRPr lang="en-US" sz="4800" dirty="0"/>
           </a:p>
         </p:txBody>
       </p:sp>
       <p:pic>
         <p:nvPicPr>
-          <p:cNvPr id="4100" name="Picture 4" descr="D:\data\FH\Bachelorarbeit\svnroot\presentations\BAS_1\quicksort_first_pass.png"/>
+          <p:cNvPr id="4101" name="Picture 5" descr="D:\data\FH\Bachelorarbeit\svnroot\presentations\BAS_1\quicksort.gif"/>
           <p:cNvPicPr>
             <a:picLocks noChangeAspect="1" noChangeArrowheads="1"/>
           </p:cNvPicPr>
@@ -19811,93 +20073,8 @@
         </p:blipFill>
         <p:spPr bwMode="auto">
           <a:xfrm>
-            <a:off x="6898804" y="314440"/>
-            <a:ext cx="1779856" cy="2167298"/>
-          </a:xfrm>
-          <a:prstGeom prst="rect">
-            <a:avLst/>
-          </a:prstGeom>
-          <a:noFill/>
-          <a:extLst>
-            <a:ext uri="{909E8E84-426E-40DD-AFC4-6F175D3DCCD1}">
-              <a14:hiddenFill xmlns:a14="http://schemas.microsoft.com/office/drawing/2010/main">
-                <a:solidFill>
-                  <a:srgbClr val="FFFFFF"/>
-                </a:solidFill>
-              </a14:hiddenFill>
-            </a:ext>
-          </a:extLst>
-        </p:spPr>
-      </p:pic>
-      <p:sp>
-        <p:nvSpPr>
-          <p:cNvPr id="23" name="TextBox 22"/>
-          <p:cNvSpPr txBox="1"/>
-          <p:nvPr/>
-        </p:nvSpPr>
-        <p:spPr>
-          <a:xfrm>
-            <a:off x="4031928" y="591486"/>
-            <a:ext cx="2160288" cy="646331"/>
-          </a:xfrm>
-          <a:prstGeom prst="rect">
-            <a:avLst/>
-          </a:prstGeom>
-        </p:spPr>
-        <p:style>
-          <a:lnRef idx="3">
-            <a:schemeClr val="lt1"/>
-          </a:lnRef>
-          <a:fillRef idx="1">
-            <a:schemeClr val="accent3"/>
-          </a:fillRef>
-          <a:effectRef idx="1">
-            <a:schemeClr val="accent3"/>
-          </a:effectRef>
-          <a:fontRef idx="minor">
-            <a:schemeClr val="lt1"/>
-          </a:fontRef>
-        </p:style>
-        <p:txBody>
-          <a:bodyPr wrap="square" rtlCol="0">
-            <a:spAutoFit/>
-          </a:bodyPr>
-          <a:lstStyle/>
-          <a:p>
-            <a:pPr algn="ctr"/>
-            <a:r>
-              <a:rPr lang="en-US" sz="3600" dirty="0" smtClean="0"/>
-              <a:t>Quicksort</a:t>
-            </a:r>
-            <a:endParaRPr lang="en-US" sz="3600" dirty="0"/>
-          </a:p>
-        </p:txBody>
-      </p:sp>
-      <p:pic>
-        <p:nvPicPr>
-          <p:cNvPr id="4101" name="Picture 5" descr="D:\data\FH\Bachelorarbeit\svnroot\presentations\BAS_1\quicksort.gif"/>
-          <p:cNvPicPr>
-            <a:picLocks noChangeAspect="1" noChangeArrowheads="1"/>
-          </p:cNvPicPr>
-          <p:nvPr/>
-        </p:nvPicPr>
-        <p:blipFill>
-          <a:blip r:embed="rId5" cstate="print">
-            <a:extLst>
-              <a:ext uri="{28A0092B-C50C-407E-A947-70E740481C1C}">
-                <a14:useLocalDpi xmlns:a14="http://schemas.microsoft.com/office/drawing/2010/main" val="0"/>
-              </a:ext>
-            </a:extLst>
-          </a:blip>
-          <a:srcRect/>
-          <a:stretch>
-            <a:fillRect/>
-          </a:stretch>
-        </p:blipFill>
-        <p:spPr bwMode="auto">
-          <a:xfrm>
-            <a:off x="3311832" y="1435050"/>
-            <a:ext cx="3286157" cy="915576"/>
+            <a:off x="2774808" y="3021809"/>
+            <a:ext cx="5757720" cy="1604193"/>
           </a:xfrm>
           <a:prstGeom prst="rect">
             <a:avLst/>
@@ -20203,47 +20380,6 @@
           </p:txBody>
         </p:sp>
       </p:grpSp>
-      <p:pic>
-        <p:nvPicPr>
-          <p:cNvPr id="6146" name="Picture 2" descr="D:\data\FH\Bachelorarbeit\svnroot\presentations\BAS_1\prefix_sum.png"/>
-          <p:cNvPicPr>
-            <a:picLocks noChangeAspect="1" noChangeArrowheads="1"/>
-          </p:cNvPicPr>
-          <p:nvPr/>
-        </p:nvPicPr>
-        <p:blipFill>
-          <a:blip r:embed="rId3">
-            <a:extLst>
-              <a:ext uri="{28A0092B-C50C-407E-A947-70E740481C1C}">
-                <a14:useLocalDpi xmlns:a14="http://schemas.microsoft.com/office/drawing/2010/main" val="0"/>
-              </a:ext>
-            </a:extLst>
-          </a:blip>
-          <a:srcRect/>
-          <a:stretch>
-            <a:fillRect/>
-          </a:stretch>
-        </p:blipFill>
-        <p:spPr bwMode="auto">
-          <a:xfrm>
-            <a:off x="5292096" y="231438"/>
-            <a:ext cx="3422770" cy="3477444"/>
-          </a:xfrm>
-          <a:prstGeom prst="rect">
-            <a:avLst/>
-          </a:prstGeom>
-          <a:noFill/>
-          <a:extLst>
-            <a:ext uri="{909E8E84-426E-40DD-AFC4-6F175D3DCCD1}">
-              <a14:hiddenFill xmlns:a14="http://schemas.microsoft.com/office/drawing/2010/main">
-                <a:solidFill>
-                  <a:srgbClr val="FFFFFF"/>
-                </a:solidFill>
-              </a14:hiddenFill>
-            </a:ext>
-          </a:extLst>
-        </p:spPr>
-      </p:pic>
       <p:sp>
         <p:nvSpPr>
           <p:cNvPr id="12" name="Rectangle 11"/>
@@ -20252,22 +20388,27 @@
         </p:nvSpPr>
         <p:spPr>
           <a:xfrm>
-            <a:off x="2709752" y="1738065"/>
-            <a:ext cx="3745843" cy="835613"/>
+            <a:off x="3538911" y="1401594"/>
+            <a:ext cx="4500600" cy="941796"/>
           </a:xfrm>
           <a:prstGeom prst="rect">
             <a:avLst/>
           </a:prstGeom>
+          <a:solidFill>
+            <a:schemeClr val="bg1">
+              <a:lumMod val="95000"/>
+            </a:schemeClr>
+          </a:solidFill>
         </p:spPr>
         <p:style>
           <a:lnRef idx="2">
-            <a:schemeClr val="accent2"/>
+            <a:schemeClr val="accent1"/>
           </a:lnRef>
           <a:fillRef idx="1">
             <a:schemeClr val="lt1"/>
           </a:fillRef>
           <a:effectRef idx="0">
-            <a:schemeClr val="accent2"/>
+            <a:schemeClr val="accent1"/>
           </a:effectRef>
           <a:fontRef idx="minor">
             <a:schemeClr val="dk1"/>
@@ -20288,7 +20429,7 @@
               </a:spcAft>
             </a:pPr>
             <a:r>
-              <a:rPr lang="en-US" sz="1400" dirty="0">
+              <a:rPr lang="en-US" sz="1600" dirty="0">
                 <a:solidFill>
                   <a:srgbClr val="000000"/>
                 </a:solidFill>
@@ -20299,7 +20440,7 @@
               <a:t>sum</a:t>
             </a:r>
             <a:r>
-              <a:rPr lang="en-US" sz="1400" dirty="0">
+              <a:rPr lang="en-US" sz="1600" dirty="0">
                 <a:solidFill>
                   <a:srgbClr val="FF0000"/>
                 </a:solidFill>
@@ -20310,7 +20451,7 @@
               <a:t>[</a:t>
             </a:r>
             <a:r>
-              <a:rPr lang="en-US" sz="1400" dirty="0">
+              <a:rPr lang="en-US" sz="1600" dirty="0">
                 <a:solidFill>
                   <a:srgbClr val="F000F0"/>
                 </a:solidFill>
@@ -20321,7 +20462,7 @@
               <a:t>0</a:t>
             </a:r>
             <a:r>
-              <a:rPr lang="en-US" sz="1400" dirty="0">
+              <a:rPr lang="en-US" sz="1600" dirty="0">
                 <a:solidFill>
                   <a:srgbClr val="FF0000"/>
                 </a:solidFill>
@@ -20332,7 +20473,7 @@
               <a:t>] = </a:t>
             </a:r>
             <a:r>
-              <a:rPr lang="en-US" sz="1400" dirty="0" err="1">
+              <a:rPr lang="en-US" sz="1600" dirty="0" err="1">
                 <a:solidFill>
                   <a:srgbClr val="000000"/>
                 </a:solidFill>
@@ -20343,7 +20484,7 @@
               <a:t>arr</a:t>
             </a:r>
             <a:r>
-              <a:rPr lang="en-US" sz="1400" dirty="0">
+              <a:rPr lang="en-US" sz="1600" dirty="0">
                 <a:solidFill>
                   <a:srgbClr val="FF0000"/>
                 </a:solidFill>
@@ -20354,7 +20495,7 @@
               <a:t>[</a:t>
             </a:r>
             <a:r>
-              <a:rPr lang="en-US" sz="1400" dirty="0">
+              <a:rPr lang="en-US" sz="1600" dirty="0">
                 <a:solidFill>
                   <a:srgbClr val="F000F0"/>
                 </a:solidFill>
@@ -20365,7 +20506,7 @@
               <a:t>0</a:t>
             </a:r>
             <a:r>
-              <a:rPr lang="en-US" sz="1400" dirty="0">
+              <a:rPr lang="en-US" sz="1600" dirty="0">
                 <a:solidFill>
                   <a:srgbClr val="FF0000"/>
                 </a:solidFill>
@@ -20375,7 +20516,7 @@
               </a:rPr>
               <a:t>];</a:t>
             </a:r>
-            <a:endParaRPr lang="en-US" sz="1400" dirty="0">
+            <a:endParaRPr lang="en-US" sz="1600" dirty="0">
               <a:ea typeface="Times New Roman"/>
               <a:cs typeface="Times New Roman"/>
             </a:endParaRPr>
@@ -20390,7 +20531,7 @@
               </a:spcAft>
             </a:pPr>
             <a:r>
-              <a:rPr lang="en-US" sz="1400" b="1" dirty="0">
+              <a:rPr lang="en-US" sz="1600" b="1" dirty="0">
                 <a:solidFill>
                   <a:srgbClr val="0000A0"/>
                 </a:solidFill>
@@ -20401,7 +20542,7 @@
               <a:t>for</a:t>
             </a:r>
             <a:r>
-              <a:rPr lang="en-US" sz="1400" dirty="0">
+              <a:rPr lang="en-US" sz="1600" dirty="0">
                 <a:solidFill>
                   <a:srgbClr val="FF0000"/>
                 </a:solidFill>
@@ -20412,7 +20553,7 @@
               <a:t>(</a:t>
             </a:r>
             <a:r>
-              <a:rPr lang="en-US" sz="1400" b="1" dirty="0" err="1">
+              <a:rPr lang="en-US" sz="1600" b="1" dirty="0" err="1">
                 <a:solidFill>
                   <a:srgbClr val="0000A0"/>
                 </a:solidFill>
@@ -20423,7 +20564,7 @@
               <a:t>int</a:t>
             </a:r>
             <a:r>
-              <a:rPr lang="en-US" sz="1400" b="1" dirty="0">
+              <a:rPr lang="en-US" sz="1600" b="1" dirty="0">
                 <a:solidFill>
                   <a:srgbClr val="0000A0"/>
                 </a:solidFill>
@@ -20434,7 +20575,7 @@
               <a:t> </a:t>
             </a:r>
             <a:r>
-              <a:rPr lang="en-US" sz="1400" dirty="0" err="1">
+              <a:rPr lang="en-US" sz="1600" dirty="0" err="1">
                 <a:solidFill>
                   <a:srgbClr val="000000"/>
                 </a:solidFill>
@@ -20445,7 +20586,7 @@
               <a:t>i</a:t>
             </a:r>
             <a:r>
-              <a:rPr lang="en-US" sz="1400" dirty="0">
+              <a:rPr lang="en-US" sz="1600" dirty="0">
                 <a:solidFill>
                   <a:srgbClr val="000000"/>
                 </a:solidFill>
@@ -20456,7 +20597,7 @@
               <a:t> </a:t>
             </a:r>
             <a:r>
-              <a:rPr lang="en-US" sz="1400" dirty="0">
+              <a:rPr lang="en-US" sz="1600" dirty="0">
                 <a:solidFill>
                   <a:srgbClr val="FF0000"/>
                 </a:solidFill>
@@ -20467,7 +20608,7 @@
               <a:t>= </a:t>
             </a:r>
             <a:r>
-              <a:rPr lang="en-US" sz="1400" dirty="0">
+              <a:rPr lang="en-US" sz="1600" dirty="0">
                 <a:solidFill>
                   <a:srgbClr val="F000F0"/>
                 </a:solidFill>
@@ -20478,7 +20619,7 @@
               <a:t>1</a:t>
             </a:r>
             <a:r>
-              <a:rPr lang="en-US" sz="1400" dirty="0">
+              <a:rPr lang="en-US" sz="1600" dirty="0">
                 <a:solidFill>
                   <a:srgbClr val="FF0000"/>
                 </a:solidFill>
@@ -20489,7 +20630,7 @@
               <a:t>; </a:t>
             </a:r>
             <a:r>
-              <a:rPr lang="en-US" sz="1400" dirty="0" err="1">
+              <a:rPr lang="en-US" sz="1600" dirty="0" err="1">
                 <a:solidFill>
                   <a:srgbClr val="000000"/>
                 </a:solidFill>
@@ -20500,7 +20641,7 @@
               <a:t>i</a:t>
             </a:r>
             <a:r>
-              <a:rPr lang="en-US" sz="1400" dirty="0">
+              <a:rPr lang="en-US" sz="1600" dirty="0">
                 <a:solidFill>
                   <a:srgbClr val="000000"/>
                 </a:solidFill>
@@ -20511,7 +20652,7 @@
               <a:t> </a:t>
             </a:r>
             <a:r>
-              <a:rPr lang="en-US" sz="1400" dirty="0">
+              <a:rPr lang="en-US" sz="1600" dirty="0">
                 <a:solidFill>
                   <a:srgbClr val="FF0000"/>
                 </a:solidFill>
@@ -20522,7 +20663,7 @@
               <a:t>&lt; </a:t>
             </a:r>
             <a:r>
-              <a:rPr lang="en-US" sz="1400" dirty="0" err="1" smtClean="0">
+              <a:rPr lang="en-US" sz="1600" dirty="0" err="1" smtClean="0">
                 <a:solidFill>
                   <a:srgbClr val="000000"/>
                 </a:solidFill>
@@ -20533,7 +20674,7 @@
               <a:t>len</a:t>
             </a:r>
             <a:r>
-              <a:rPr lang="en-US" sz="1400" dirty="0" smtClean="0">
+              <a:rPr lang="en-US" sz="1600" dirty="0" smtClean="0">
                 <a:solidFill>
                   <a:srgbClr val="FF0000"/>
                 </a:solidFill>
@@ -20544,7 +20685,7 @@
               <a:t>(</a:t>
             </a:r>
             <a:r>
-              <a:rPr lang="en-US" sz="1400" dirty="0" err="1" smtClean="0">
+              <a:rPr lang="en-US" sz="1600" dirty="0" err="1" smtClean="0">
                 <a:solidFill>
                   <a:srgbClr val="000000"/>
                 </a:solidFill>
@@ -20555,7 +20696,7 @@
               <a:t>arr</a:t>
             </a:r>
             <a:r>
-              <a:rPr lang="en-US" sz="1400" dirty="0">
+              <a:rPr lang="en-US" sz="1600" dirty="0">
                 <a:solidFill>
                   <a:srgbClr val="FF0000"/>
                 </a:solidFill>
@@ -20566,7 +20707,7 @@
               <a:t>); </a:t>
             </a:r>
             <a:r>
-              <a:rPr lang="en-US" sz="1400" dirty="0" err="1">
+              <a:rPr lang="en-US" sz="1600" dirty="0" err="1">
                 <a:solidFill>
                   <a:srgbClr val="000000"/>
                 </a:solidFill>
@@ -20577,7 +20718,7 @@
               <a:t>i</a:t>
             </a:r>
             <a:r>
-              <a:rPr lang="en-US" sz="1400" dirty="0">
+              <a:rPr lang="en-US" sz="1600" dirty="0">
                 <a:solidFill>
                   <a:srgbClr val="FF0000"/>
                 </a:solidFill>
@@ -20587,7 +20728,7 @@
               </a:rPr>
               <a:t>++)</a:t>
             </a:r>
-            <a:endParaRPr lang="en-US" sz="1400" dirty="0">
+            <a:endParaRPr lang="en-US" sz="1600" dirty="0">
               <a:ea typeface="Times New Roman"/>
               <a:cs typeface="Times New Roman"/>
             </a:endParaRPr>
@@ -20602,7 +20743,7 @@
               </a:spcAft>
             </a:pPr>
             <a:r>
-              <a:rPr lang="en-US" sz="1400" dirty="0">
+              <a:rPr lang="en-US" sz="1600" dirty="0">
                 <a:solidFill>
                   <a:srgbClr val="FF0000"/>
                 </a:solidFill>
@@ -20613,7 +20754,7 @@
               <a:t>    </a:t>
             </a:r>
             <a:r>
-              <a:rPr lang="en-US" sz="1400" dirty="0">
+              <a:rPr lang="en-US" sz="1600" dirty="0">
                 <a:solidFill>
                   <a:srgbClr val="000000"/>
                 </a:solidFill>
@@ -20624,7 +20765,7 @@
               <a:t>sum</a:t>
             </a:r>
             <a:r>
-              <a:rPr lang="en-US" sz="1400" dirty="0">
+              <a:rPr lang="en-US" sz="1600" dirty="0">
                 <a:solidFill>
                   <a:srgbClr val="FF0000"/>
                 </a:solidFill>
@@ -20635,7 +20776,7 @@
               <a:t>[</a:t>
             </a:r>
             <a:r>
-              <a:rPr lang="en-US" sz="1400" dirty="0" err="1">
+              <a:rPr lang="en-US" sz="1600" dirty="0" err="1">
                 <a:solidFill>
                   <a:srgbClr val="000000"/>
                 </a:solidFill>
@@ -20646,7 +20787,7 @@
               <a:t>i</a:t>
             </a:r>
             <a:r>
-              <a:rPr lang="en-US" sz="1400" dirty="0">
+              <a:rPr lang="en-US" sz="1600" dirty="0">
                 <a:solidFill>
                   <a:srgbClr val="FF0000"/>
                 </a:solidFill>
@@ -20657,7 +20798,7 @@
               <a:t>] = </a:t>
             </a:r>
             <a:r>
-              <a:rPr lang="en-US" sz="1400" dirty="0">
+              <a:rPr lang="en-US" sz="1600" dirty="0">
                 <a:solidFill>
                   <a:srgbClr val="000000"/>
                 </a:solidFill>
@@ -20668,7 +20809,7 @@
               <a:t>sum</a:t>
             </a:r>
             <a:r>
-              <a:rPr lang="en-US" sz="1400" dirty="0">
+              <a:rPr lang="en-US" sz="1600" dirty="0">
                 <a:solidFill>
                   <a:srgbClr val="FF0000"/>
                 </a:solidFill>
@@ -20679,7 +20820,7 @@
               <a:t>[</a:t>
             </a:r>
             <a:r>
-              <a:rPr lang="en-US" sz="1400" dirty="0" err="1">
+              <a:rPr lang="en-US" sz="1600" dirty="0" err="1">
                 <a:solidFill>
                   <a:srgbClr val="000000"/>
                 </a:solidFill>
@@ -20690,7 +20831,7 @@
               <a:t>i</a:t>
             </a:r>
             <a:r>
-              <a:rPr lang="en-US" sz="1400" dirty="0">
+              <a:rPr lang="en-US" sz="1600" dirty="0">
                 <a:solidFill>
                   <a:srgbClr val="000000"/>
                 </a:solidFill>
@@ -20701,7 +20842,7 @@
               <a:t> </a:t>
             </a:r>
             <a:r>
-              <a:rPr lang="en-US" sz="1400" dirty="0">
+              <a:rPr lang="en-US" sz="1600" dirty="0">
                 <a:solidFill>
                   <a:srgbClr val="FF0000"/>
                 </a:solidFill>
@@ -20712,7 +20853,7 @@
               <a:t>- </a:t>
             </a:r>
             <a:r>
-              <a:rPr lang="en-US" sz="1400" dirty="0">
+              <a:rPr lang="en-US" sz="1600" dirty="0">
                 <a:solidFill>
                   <a:srgbClr val="F000F0"/>
                 </a:solidFill>
@@ -20723,7 +20864,7 @@
               <a:t>1</a:t>
             </a:r>
             <a:r>
-              <a:rPr lang="en-US" sz="1400" dirty="0">
+              <a:rPr lang="en-US" sz="1600" dirty="0">
                 <a:solidFill>
                   <a:srgbClr val="FF0000"/>
                 </a:solidFill>
@@ -20734,7 +20875,7 @@
               <a:t>] + </a:t>
             </a:r>
             <a:r>
-              <a:rPr lang="en-US" sz="1400" dirty="0" err="1">
+              <a:rPr lang="en-US" sz="1600" dirty="0" err="1">
                 <a:solidFill>
                   <a:srgbClr val="000000"/>
                 </a:solidFill>
@@ -20745,7 +20886,7 @@
               <a:t>arr</a:t>
             </a:r>
             <a:r>
-              <a:rPr lang="en-US" sz="1400" dirty="0">
+              <a:rPr lang="en-US" sz="1600" dirty="0">
                 <a:solidFill>
                   <a:srgbClr val="FF0000"/>
                 </a:solidFill>
@@ -20756,7 +20897,7 @@
               <a:t>[</a:t>
             </a:r>
             <a:r>
-              <a:rPr lang="en-US" sz="1400" dirty="0" err="1">
+              <a:rPr lang="en-US" sz="1600" dirty="0" err="1">
                 <a:solidFill>
                   <a:srgbClr val="000000"/>
                 </a:solidFill>
@@ -20767,7 +20908,7 @@
               <a:t>i</a:t>
             </a:r>
             <a:r>
-              <a:rPr lang="en-US" sz="1400" dirty="0">
+              <a:rPr lang="en-US" sz="1600" dirty="0">
                 <a:solidFill>
                   <a:srgbClr val="FF0000"/>
                 </a:solidFill>
@@ -20777,7 +20918,7 @@
               </a:rPr>
               <a:t>];</a:t>
             </a:r>
-            <a:endParaRPr lang="en-US" sz="1400" dirty="0">
+            <a:endParaRPr lang="en-US" sz="1600" dirty="0">
               <a:ea typeface="Times New Roman"/>
               <a:cs typeface="Times New Roman"/>
             </a:endParaRPr>
@@ -20793,14 +20934,14 @@
           <p:nvPr>
             <p:extLst>
               <p:ext uri="{D42A27DB-BD31-4B8C-83A1-F6EECF244321}">
-                <p14:modId xmlns:p14="http://schemas.microsoft.com/office/powerpoint/2010/main" val="1124955541"/>
+                <p14:modId xmlns:p14="http://schemas.microsoft.com/office/powerpoint/2010/main" val="3073185693"/>
               </p:ext>
             </p:extLst>
           </p:nvPr>
         </p:nvGraphicFramePr>
         <p:xfrm>
-          <a:off x="1534673" y="3921930"/>
-          <a:ext cx="6096000" cy="741680"/>
+          <a:off x="2687264" y="2811080"/>
+          <a:ext cx="6096000" cy="884647"/>
         </p:xfrm>
         <a:graphic>
           <a:graphicData uri="http://schemas.openxmlformats.org/drawingml/2006/table">
@@ -20820,7 +20961,7 @@
                 <a:gridCol w="609600"/>
                 <a:gridCol w="609600"/>
               </a:tblGrid>
-              <a:tr h="370840">
+              <a:tr h="450060">
                 <a:tc>
                   <a:txBody>
                     <a:bodyPr/>
@@ -20962,7 +21103,7 @@
                   <a:tcPr/>
                 </a:tc>
               </a:tr>
-              <a:tr h="370840">
+              <a:tr h="434587">
                 <a:tc>
                   <a:txBody>
                     <a:bodyPr/>
@@ -21108,36 +21249,6 @@
           </a:graphicData>
         </a:graphic>
       </p:graphicFrame>
-      <p:sp>
-        <p:nvSpPr>
-          <p:cNvPr id="14" name="TextBox 13"/>
-          <p:cNvSpPr txBox="1"/>
-          <p:nvPr/>
-        </p:nvSpPr>
-        <p:spPr>
-          <a:xfrm>
-            <a:off x="7080381" y="4958834"/>
-            <a:ext cx="2063619" cy="184666"/>
-          </a:xfrm>
-          <a:prstGeom prst="rect">
-            <a:avLst/>
-          </a:prstGeom>
-          <a:noFill/>
-        </p:spPr>
-        <p:txBody>
-          <a:bodyPr wrap="square" rtlCol="0">
-            <a:spAutoFit/>
-          </a:bodyPr>
-          <a:lstStyle/>
-          <a:p>
-            <a:pPr algn="r"/>
-            <a:r>
-              <a:rPr lang="en-US" sz="600" dirty="0"/>
-              <a:t>http://en.wikipedia.org/wiki/File:Prefix_sum_16.svg</a:t>
-            </a:r>
-          </a:p>
-        </p:txBody>
-      </p:sp>
     </p:spTree>
     <p:extLst>
       <p:ext uri="{BB962C8B-B14F-4D97-AF65-F5344CB8AC3E}">

--- a/presentations/BAS_1/OpenCL.pptx
+++ b/presentations/BAS_1/OpenCL.pptx
@@ -11355,12 +11355,7 @@
             <p:ph type="sldImg"/>
           </p:nvPr>
         </p:nvSpPr>
-        <p:spPr>
-          <a:xfrm>
-            <a:off x="381000" y="685800"/>
-            <a:ext cx="6096000" cy="3429000"/>
-          </a:xfrm>
-        </p:spPr>
+        <p:spPr/>
       </p:sp>
       <p:sp>
         <p:nvSpPr>
@@ -11411,44 +11406,31 @@
             </a:r>
             <a:r>
               <a:rPr lang="en-US" baseline="0" dirty="0" smtClean="0"/>
-              <a:t> description of my bachelor thesis is actually quite long, as most of you know probably know from the topic catalogue we got last year. Therefore I'll </a:t>
-            </a:r>
-            <a:r>
-              <a:rPr lang="en-US" b="1" baseline="0" dirty="0" smtClean="0"/>
+              <a:t> description of my bachelor thesis is actually quite long, as most of you know probably know from the topic catalogue we got last year. </a:t>
+            </a:r>
+            <a:r>
+              <a:rPr lang="en-US" baseline="0" smtClean="0"/>
+              <a:t>Therefore I'll </a:t>
+            </a:r>
+            <a:r>
+              <a:rPr lang="en-US" b="1" baseline="0" smtClean="0"/>
               <a:t>start </a:t>
             </a:r>
             <a:r>
-              <a:rPr lang="en-US" b="0" baseline="0" dirty="0" smtClean="0"/>
+              <a:rPr lang="en-US" b="0" baseline="0" smtClean="0"/>
               <a:t>with a</a:t>
             </a:r>
             <a:r>
-              <a:rPr lang="en-US" b="1" baseline="0" dirty="0" smtClean="0"/>
+              <a:rPr lang="en-US" b="1" baseline="0" smtClean="0"/>
               <a:t> simple picture</a:t>
             </a:r>
             <a:r>
-              <a:rPr lang="en-US" baseline="0" dirty="0" smtClean="0"/>
+              <a:rPr lang="en-US" baseline="0" smtClean="0"/>
               <a:t>.</a:t>
             </a:r>
           </a:p>
           <a:p>
-            <a:r>
-              <a:rPr lang="en-US" baseline="0" dirty="0" smtClean="0"/>
-              <a:t>This picture shows </a:t>
-            </a:r>
-            <a:r>
-              <a:rPr lang="en-US" b="1" baseline="0" dirty="0" smtClean="0"/>
-              <a:t>the major components </a:t>
-            </a:r>
-            <a:r>
-              <a:rPr lang="en-US" baseline="0" dirty="0" smtClean="0"/>
-              <a:t>of a computer but the two most important ones [CLICK] are the CPU and the GPU.</a:t>
-            </a:r>
-          </a:p>
-          <a:p>
-            <a:r>
-              <a:rPr lang="en-US" baseline="0" dirty="0" smtClean="0"/>
-              <a:t>Most people know about the CPU. [CLICK] It runs basically all our applications. But what does the GPU do?</a:t>
-            </a:r>
+            <a:endParaRPr lang="en-US"/>
           </a:p>
         </p:txBody>
       </p:sp>
@@ -11469,7 +11451,7 @@
           <a:p>
             <a:fld id="{E19E8DFC-DE97-490B-8572-C8B1A4CD170F}" type="slidenum">
               <a:rPr lang="en-US" smtClean="0"/>
-              <a:t>2</a:t>
+              <a:t>1</a:t>
             </a:fld>
             <a:endParaRPr lang="en-US"/>
           </a:p>
@@ -11478,7 +11460,7 @@
     </p:spTree>
     <p:extLst>
       <p:ext uri="{BB962C8B-B14F-4D97-AF65-F5344CB8AC3E}">
-        <p14:creationId xmlns:p14="http://schemas.microsoft.com/office/powerpoint/2010/main" val="2754176817"/>
+        <p14:creationId xmlns:p14="http://schemas.microsoft.com/office/powerpoint/2010/main" val="2500981998"/>
       </p:ext>
     </p:extLst>
   </p:cSld>
@@ -11488,7 +11470,7 @@
 </p:notes>
 </file>
 
-<file path=ppt/notesSlides/notesSlide2.xml><?xml version="1.0" encoding="utf-8"?>
+<file path=ppt/notesSlides/notesSlide10.xml><?xml version="1.0" encoding="utf-8"?>
 <p:notes xmlns:a="http://schemas.openxmlformats.org/drawingml/2006/main" xmlns:r="http://schemas.openxmlformats.org/officeDocument/2006/relationships" xmlns:p="http://schemas.openxmlformats.org/presentationml/2006/main">
   <p:cSld>
     <p:spTree>
@@ -11534,23 +11516,7 @@
           <a:p>
             <a:r>
               <a:rPr lang="de-AT" dirty="0" smtClean="0"/>
-              <a:t>The GPU, </a:t>
-            </a:r>
-            <a:r>
-              <a:rPr lang="de-AT" dirty="0" err="1" smtClean="0"/>
-              <a:t>the</a:t>
-            </a:r>
-            <a:r>
-              <a:rPr lang="de-AT" dirty="0" smtClean="0"/>
-              <a:t> Graphics Processing</a:t>
-            </a:r>
-            <a:r>
-              <a:rPr lang="de-AT" baseline="0" dirty="0" smtClean="0"/>
-              <a:t> Unit, </a:t>
-            </a:r>
-            <a:r>
-              <a:rPr lang="de-AT" baseline="0" dirty="0" err="1" smtClean="0"/>
-              <a:t>is</a:t>
+              <a:t>So</a:t>
             </a:r>
             <a:r>
               <a:rPr lang="de-AT" baseline="0" dirty="0" smtClean="0"/>
@@ -11558,7 +11524,7 @@
             </a:r>
             <a:r>
               <a:rPr lang="de-AT" baseline="0" dirty="0" err="1" smtClean="0"/>
-              <a:t>usually</a:t>
+              <a:t>what</a:t>
             </a:r>
             <a:r>
               <a:rPr lang="de-AT" baseline="0" dirty="0" smtClean="0"/>
@@ -11566,7 +11532,7 @@
             </a:r>
             <a:r>
               <a:rPr lang="de-AT" baseline="0" dirty="0" err="1" smtClean="0"/>
-              <a:t>used</a:t>
+              <a:t>are</a:t>
             </a:r>
             <a:r>
               <a:rPr lang="de-AT" baseline="0" dirty="0" smtClean="0"/>
@@ -11574,15 +11540,75 @@
             </a:r>
             <a:r>
               <a:rPr lang="de-AT" baseline="0" dirty="0" err="1" smtClean="0"/>
-              <a:t>to</a:t>
+              <a:t>the</a:t>
             </a:r>
             <a:r>
               <a:rPr lang="de-AT" baseline="0" dirty="0" smtClean="0"/>
               <a:t> </a:t>
             </a:r>
             <a:r>
+              <a:rPr lang="de-AT" b="1" baseline="0" dirty="0" smtClean="0"/>
+              <a:t>final </a:t>
+            </a:r>
+            <a:r>
               <a:rPr lang="de-AT" b="1" baseline="0" dirty="0" err="1" smtClean="0"/>
-              <a:t>process</a:t>
+              <a:t>results</a:t>
+            </a:r>
+            <a:r>
+              <a:rPr lang="de-AT" baseline="0" dirty="0" smtClean="0"/>
+              <a:t> </a:t>
+            </a:r>
+            <a:r>
+              <a:rPr lang="de-AT" baseline="0" dirty="0" err="1" smtClean="0"/>
+              <a:t>of</a:t>
+            </a:r>
+            <a:r>
+              <a:rPr lang="de-AT" baseline="0" dirty="0" smtClean="0"/>
+              <a:t> </a:t>
+            </a:r>
+            <a:r>
+              <a:rPr lang="de-AT" baseline="0" dirty="0" err="1" smtClean="0"/>
+              <a:t>my</a:t>
+            </a:r>
+            <a:r>
+              <a:rPr lang="de-AT" baseline="0" dirty="0" smtClean="0"/>
+              <a:t> </a:t>
+            </a:r>
+            <a:r>
+              <a:rPr lang="de-AT" baseline="0" dirty="0" err="1" smtClean="0"/>
+              <a:t>bachelor</a:t>
+            </a:r>
+            <a:r>
+              <a:rPr lang="de-AT" baseline="0" dirty="0" smtClean="0"/>
+              <a:t> </a:t>
+            </a:r>
+            <a:r>
+              <a:rPr lang="de-AT" baseline="0" dirty="0" err="1" smtClean="0"/>
+              <a:t>thesis</a:t>
+            </a:r>
+            <a:r>
+              <a:rPr lang="de-AT" baseline="0" dirty="0" smtClean="0"/>
+              <a:t>? The </a:t>
+            </a:r>
+            <a:r>
+              <a:rPr lang="de-AT" baseline="0" dirty="0" err="1" smtClean="0"/>
+              <a:t>first</a:t>
+            </a:r>
+            <a:r>
+              <a:rPr lang="de-AT" baseline="0" dirty="0" smtClean="0"/>
+              <a:t> </a:t>
+            </a:r>
+            <a:r>
+              <a:rPr lang="de-AT" baseline="0" dirty="0" err="1" smtClean="0"/>
+              <a:t>step</a:t>
+            </a:r>
+            <a:r>
+              <a:rPr lang="de-AT" baseline="0" dirty="0" smtClean="0"/>
+              <a:t> after </a:t>
+            </a:r>
+            <a:r>
+              <a:rPr lang="de-AT" b="1" baseline="0" dirty="0" err="1" smtClean="0"/>
+              <a:t>the</a:t>
             </a:r>
             <a:r>
               <a:rPr lang="de-AT" b="1" baseline="0" dirty="0" smtClean="0"/>
@@ -11590,7 +11616,23 @@
             </a:r>
             <a:r>
               <a:rPr lang="de-AT" b="1" baseline="0" dirty="0" err="1" smtClean="0"/>
-              <a:t>graphics</a:t>
+              <a:t>theoretical</a:t>
+            </a:r>
+            <a:r>
+              <a:rPr lang="de-AT" b="1" baseline="0" dirty="0" smtClean="0"/>
+              <a:t> </a:t>
+            </a:r>
+            <a:r>
+              <a:rPr lang="de-AT" b="1" baseline="0" dirty="0" err="1" smtClean="0"/>
+              <a:t>part</a:t>
+            </a:r>
+            <a:r>
+              <a:rPr lang="de-AT" baseline="0" dirty="0" smtClean="0"/>
+              <a:t> will </a:t>
+            </a:r>
+            <a:r>
+              <a:rPr lang="de-AT" baseline="0" dirty="0" err="1" smtClean="0"/>
+              <a:t>be</a:t>
             </a:r>
             <a:r>
               <a:rPr lang="de-AT" baseline="0" dirty="0" smtClean="0"/>
@@ -11598,7 +11640,7 @@
             </a:r>
             <a:r>
               <a:rPr lang="de-AT" baseline="0" dirty="0" err="1" smtClean="0"/>
-              <a:t>and</a:t>
+              <a:t>the</a:t>
             </a:r>
             <a:r>
               <a:rPr lang="de-AT" baseline="0" dirty="0" smtClean="0"/>
@@ -11606,7 +11648,191 @@
             </a:r>
             <a:r>
               <a:rPr lang="de-AT" b="1" baseline="0" dirty="0" err="1" smtClean="0"/>
-              <a:t>calculate</a:t>
+              <a:t>implementation</a:t>
+            </a:r>
+            <a:r>
+              <a:rPr lang="de-AT" baseline="0" dirty="0" smtClean="0"/>
+              <a:t> </a:t>
+            </a:r>
+            <a:r>
+              <a:rPr lang="de-AT" baseline="0" dirty="0" err="1" smtClean="0"/>
+              <a:t>of</a:t>
+            </a:r>
+            <a:r>
+              <a:rPr lang="de-AT" baseline="0" dirty="0" smtClean="0"/>
+              <a:t> </a:t>
+            </a:r>
+            <a:r>
+              <a:rPr lang="de-AT" baseline="0" dirty="0" err="1" smtClean="0"/>
+              <a:t>these</a:t>
+            </a:r>
+            <a:r>
+              <a:rPr lang="de-AT" baseline="0" dirty="0" smtClean="0"/>
+              <a:t> </a:t>
+            </a:r>
+            <a:r>
+              <a:rPr lang="de-AT" baseline="0" dirty="0" err="1" smtClean="0"/>
+              <a:t>three</a:t>
+            </a:r>
+            <a:r>
+              <a:rPr lang="de-AT" baseline="0" dirty="0" smtClean="0"/>
+              <a:t> </a:t>
+            </a:r>
+            <a:r>
+              <a:rPr lang="de-AT" baseline="0" dirty="0" err="1" smtClean="0"/>
+              <a:t>kinds</a:t>
+            </a:r>
+            <a:r>
+              <a:rPr lang="de-AT" baseline="0" dirty="0" smtClean="0"/>
+              <a:t> </a:t>
+            </a:r>
+            <a:r>
+              <a:rPr lang="de-AT" baseline="0" dirty="0" err="1" smtClean="0"/>
+              <a:t>of</a:t>
+            </a:r>
+            <a:r>
+              <a:rPr lang="de-AT" baseline="0" dirty="0" smtClean="0"/>
+              <a:t> </a:t>
+            </a:r>
+            <a:r>
+              <a:rPr lang="de-AT" baseline="0" dirty="0" err="1" smtClean="0"/>
+              <a:t>algorithms</a:t>
+            </a:r>
+            <a:r>
+              <a:rPr lang="de-AT" baseline="0" dirty="0" smtClean="0"/>
+              <a:t> I </a:t>
+            </a:r>
+            <a:r>
+              <a:rPr lang="de-AT" baseline="0" dirty="0" err="1" smtClean="0"/>
+              <a:t>have</a:t>
+            </a:r>
+            <a:r>
+              <a:rPr lang="de-AT" baseline="0" dirty="0" smtClean="0"/>
+              <a:t> </a:t>
+            </a:r>
+            <a:r>
+              <a:rPr lang="de-AT" baseline="0" dirty="0" err="1" smtClean="0"/>
+              <a:t>shown</a:t>
+            </a:r>
+            <a:r>
+              <a:rPr lang="de-AT" baseline="0" dirty="0" smtClean="0"/>
+              <a:t> </a:t>
+            </a:r>
+            <a:r>
+              <a:rPr lang="de-AT" baseline="0" dirty="0" err="1" smtClean="0"/>
+              <a:t>you</a:t>
+            </a:r>
+            <a:r>
+              <a:rPr lang="de-AT" baseline="0" dirty="0" smtClean="0"/>
+              <a:t>. </a:t>
+            </a:r>
+            <a:r>
+              <a:rPr lang="de-AT" baseline="0" dirty="0" err="1" smtClean="0"/>
+              <a:t>Then</a:t>
+            </a:r>
+            <a:r>
+              <a:rPr lang="de-AT" baseline="0" dirty="0" smtClean="0"/>
+              <a:t> I will </a:t>
+            </a:r>
+            <a:r>
+              <a:rPr lang="de-AT" baseline="0" dirty="0" err="1" smtClean="0"/>
+              <a:t>run</a:t>
+            </a:r>
+            <a:r>
+              <a:rPr lang="de-AT" baseline="0" dirty="0" smtClean="0"/>
+              <a:t> </a:t>
+            </a:r>
+            <a:r>
+              <a:rPr lang="de-AT" baseline="0" dirty="0" err="1" smtClean="0"/>
+              <a:t>some</a:t>
+            </a:r>
+            <a:r>
+              <a:rPr lang="de-AT" baseline="0" dirty="0" smtClean="0"/>
+              <a:t> </a:t>
+            </a:r>
+            <a:r>
+              <a:rPr lang="de-AT" b="1" baseline="0" dirty="0" err="1" smtClean="0"/>
+              <a:t>benchmarks</a:t>
+            </a:r>
+            <a:r>
+              <a:rPr lang="de-AT" baseline="0" dirty="0" smtClean="0"/>
+              <a:t> </a:t>
+            </a:r>
+            <a:r>
+              <a:rPr lang="de-AT" baseline="0" dirty="0" err="1" smtClean="0"/>
+              <a:t>and</a:t>
+            </a:r>
+            <a:r>
+              <a:rPr lang="de-AT" baseline="0" dirty="0" smtClean="0"/>
+              <a:t> </a:t>
+            </a:r>
+            <a:r>
+              <a:rPr lang="de-AT" baseline="0" dirty="0" err="1" smtClean="0"/>
+              <a:t>create</a:t>
+            </a:r>
+            <a:r>
+              <a:rPr lang="de-AT" baseline="0" dirty="0" smtClean="0"/>
+              <a:t> </a:t>
+            </a:r>
+            <a:r>
+              <a:rPr lang="de-AT" b="1" baseline="0" dirty="0" err="1" smtClean="0"/>
+              <a:t>statistics</a:t>
+            </a:r>
+            <a:r>
+              <a:rPr lang="de-AT" baseline="0" dirty="0" smtClean="0"/>
+              <a:t>. </a:t>
+            </a:r>
+            <a:r>
+              <a:rPr lang="de-AT" baseline="0" dirty="0" err="1" smtClean="0"/>
+              <a:t>And</a:t>
+            </a:r>
+            <a:r>
+              <a:rPr lang="de-AT" baseline="0" dirty="0" smtClean="0"/>
+              <a:t> </a:t>
+            </a:r>
+            <a:r>
+              <a:rPr lang="de-AT" baseline="0" dirty="0" err="1" smtClean="0"/>
+              <a:t>from</a:t>
+            </a:r>
+            <a:r>
+              <a:rPr lang="de-AT" baseline="0" dirty="0" smtClean="0"/>
+              <a:t> </a:t>
+            </a:r>
+            <a:r>
+              <a:rPr lang="de-AT" baseline="0" dirty="0" err="1" smtClean="0"/>
+              <a:t>this</a:t>
+            </a:r>
+            <a:r>
+              <a:rPr lang="de-AT" baseline="0" dirty="0" smtClean="0"/>
+              <a:t> </a:t>
+            </a:r>
+            <a:r>
+              <a:rPr lang="de-AT" baseline="0" dirty="0" err="1" smtClean="0"/>
+              <a:t>statistics</a:t>
+            </a:r>
+            <a:r>
+              <a:rPr lang="de-AT" baseline="0" dirty="0" smtClean="0"/>
+              <a:t> I will </a:t>
+            </a:r>
+            <a:r>
+              <a:rPr lang="de-AT" baseline="0" dirty="0" err="1" smtClean="0"/>
+              <a:t>try</a:t>
+            </a:r>
+            <a:r>
+              <a:rPr lang="de-AT" baseline="0" dirty="0" smtClean="0"/>
+              <a:t> </a:t>
+            </a:r>
+            <a:r>
+              <a:rPr lang="de-AT" baseline="0" dirty="0" err="1" smtClean="0"/>
+              <a:t>to</a:t>
+            </a:r>
+            <a:r>
+              <a:rPr lang="de-AT" baseline="0" dirty="0" smtClean="0"/>
+              <a:t> </a:t>
+            </a:r>
+            <a:r>
+              <a:rPr lang="de-AT" b="1" baseline="0" dirty="0" err="1" smtClean="0"/>
+              <a:t>draw</a:t>
             </a:r>
             <a:r>
               <a:rPr lang="de-AT" b="1" baseline="0" dirty="0" smtClean="0"/>
@@ -11614,17 +11840,125 @@
             </a:r>
             <a:r>
               <a:rPr lang="de-AT" b="1" baseline="0" dirty="0" err="1" smtClean="0"/>
-              <a:t>geometry</a:t>
+              <a:t>some</a:t>
+            </a:r>
+            <a:r>
+              <a:rPr lang="de-AT" b="1" baseline="0" dirty="0" smtClean="0"/>
+              <a:t> </a:t>
+            </a:r>
+            <a:r>
+              <a:rPr lang="de-AT" b="1" baseline="0" dirty="0" err="1" smtClean="0"/>
+              <a:t>conclusions</a:t>
             </a:r>
             <a:r>
               <a:rPr lang="de-AT" baseline="0" dirty="0" smtClean="0"/>
-              <a:t>. </a:t>
+              <a:t> </a:t>
+            </a:r>
+            <a:r>
+              <a:rPr lang="de-AT" baseline="0" dirty="0" err="1" smtClean="0"/>
+              <a:t>to</a:t>
+            </a:r>
+            <a:r>
+              <a:rPr lang="de-AT" baseline="0" dirty="0" smtClean="0"/>
+              <a:t> </a:t>
+            </a:r>
+            <a:r>
+              <a:rPr lang="de-AT" baseline="0" dirty="0" err="1" smtClean="0"/>
+              <a:t>answere</a:t>
+            </a:r>
+            <a:r>
+              <a:rPr lang="de-AT" baseline="0" dirty="0" smtClean="0"/>
+              <a:t> </a:t>
+            </a:r>
+            <a:r>
+              <a:rPr lang="de-AT" baseline="0" dirty="0" err="1" smtClean="0"/>
+              <a:t>the</a:t>
+            </a:r>
+            <a:r>
+              <a:rPr lang="de-AT" baseline="0" dirty="0" smtClean="0"/>
+              <a:t> final </a:t>
+            </a:r>
+            <a:r>
+              <a:rPr lang="de-AT" baseline="0" dirty="0" err="1" smtClean="0"/>
+              <a:t>question</a:t>
+            </a:r>
+            <a:r>
+              <a:rPr lang="de-AT" baseline="0" dirty="0" smtClean="0"/>
+              <a:t> "</a:t>
+            </a:r>
+            <a:r>
+              <a:rPr lang="de-AT" b="1" baseline="0" dirty="0" err="1" smtClean="0"/>
+              <a:t>Is</a:t>
+            </a:r>
+            <a:r>
+              <a:rPr lang="de-AT" b="1" baseline="0" dirty="0" smtClean="0"/>
+              <a:t> </a:t>
+            </a:r>
+            <a:r>
+              <a:rPr lang="de-AT" b="1" baseline="0" dirty="0" err="1" smtClean="0"/>
+              <a:t>it</a:t>
+            </a:r>
+            <a:r>
+              <a:rPr lang="de-AT" b="1" baseline="0" dirty="0" smtClean="0"/>
+              <a:t> profitable</a:t>
+            </a:r>
+            <a:r>
+              <a:rPr lang="de-AT" baseline="0" dirty="0" smtClean="0"/>
+              <a:t> </a:t>
+            </a:r>
+            <a:r>
+              <a:rPr lang="de-AT" baseline="0" dirty="0" err="1" smtClean="0"/>
+              <a:t>to</a:t>
+            </a:r>
+            <a:r>
+              <a:rPr lang="de-AT" baseline="0" dirty="0" smtClean="0"/>
+              <a:t> </a:t>
+            </a:r>
+            <a:r>
+              <a:rPr lang="de-AT" baseline="0" dirty="0" err="1" smtClean="0"/>
+              <a:t>use</a:t>
+            </a:r>
+            <a:r>
+              <a:rPr lang="de-AT" baseline="0" dirty="0" smtClean="0"/>
+              <a:t> OpenCL </a:t>
+            </a:r>
+            <a:r>
+              <a:rPr lang="de-AT" baseline="0" dirty="0" err="1" smtClean="0"/>
+              <a:t>for</a:t>
+            </a:r>
+            <a:r>
+              <a:rPr lang="de-AT" baseline="0" dirty="0" smtClean="0"/>
+              <a:t> </a:t>
+            </a:r>
+            <a:r>
+              <a:rPr lang="de-AT" baseline="0" dirty="0" err="1" smtClean="0"/>
+              <a:t>my</a:t>
+            </a:r>
+            <a:r>
+              <a:rPr lang="de-AT" baseline="0" dirty="0" smtClean="0"/>
+              <a:t> </a:t>
+            </a:r>
+            <a:r>
+              <a:rPr lang="de-AT" baseline="0" dirty="0" err="1" smtClean="0"/>
+              <a:t>application</a:t>
+            </a:r>
+            <a:r>
+              <a:rPr lang="de-AT" baseline="0" dirty="0" smtClean="0"/>
+              <a:t> </a:t>
+            </a:r>
+            <a:r>
+              <a:rPr lang="de-AT" baseline="0" dirty="0" err="1" smtClean="0"/>
+              <a:t>or</a:t>
+            </a:r>
+            <a:r>
+              <a:rPr lang="de-AT" baseline="0" dirty="0" smtClean="0"/>
+              <a:t> not?"</a:t>
             </a:r>
           </a:p>
           <a:p>
             <a:r>
               <a:rPr lang="de-AT" baseline="0" dirty="0" err="1" smtClean="0"/>
-              <a:t>Favourite</a:t>
+              <a:t>Thanks</a:t>
             </a:r>
             <a:r>
               <a:rPr lang="de-AT" baseline="0" dirty="0" smtClean="0"/>
@@ -11632,31 +11966,7 @@
             </a:r>
             <a:r>
               <a:rPr lang="de-AT" baseline="0" dirty="0" err="1" smtClean="0"/>
-              <a:t>game</a:t>
-            </a:r>
-            <a:r>
-              <a:rPr lang="de-AT" baseline="0" dirty="0" smtClean="0"/>
-              <a:t>, </a:t>
-            </a:r>
-            <a:r>
-              <a:rPr lang="de-AT" baseline="0" dirty="0" err="1" smtClean="0"/>
-              <a:t>shadows</a:t>
-            </a:r>
-            <a:r>
-              <a:rPr lang="de-AT" baseline="0" dirty="0" smtClean="0"/>
-              <a:t>, </a:t>
-            </a:r>
-            <a:r>
-              <a:rPr lang="de-AT" baseline="0" dirty="0" err="1" smtClean="0"/>
-              <a:t>textures</a:t>
-            </a:r>
-            <a:r>
-              <a:rPr lang="de-AT" baseline="0" dirty="0" smtClean="0"/>
-              <a:t>, </a:t>
-            </a:r>
-            <a:r>
-              <a:rPr lang="de-AT" baseline="0" dirty="0" err="1" smtClean="0"/>
-              <a:t>lot's</a:t>
+              <a:t>for</a:t>
             </a:r>
             <a:r>
               <a:rPr lang="de-AT" baseline="0" dirty="0" smtClean="0"/>
@@ -11664,7 +11974,7 @@
             </a:r>
             <a:r>
               <a:rPr lang="de-AT" baseline="0" dirty="0" err="1" smtClean="0"/>
-              <a:t>of</a:t>
+              <a:t>listening</a:t>
             </a:r>
             <a:r>
               <a:rPr lang="de-AT" baseline="0" dirty="0" smtClean="0"/>
@@ -11672,38 +11982,15 @@
             </a:r>
             <a:r>
               <a:rPr lang="de-AT" baseline="0" dirty="0" err="1" smtClean="0"/>
-              <a:t>triangles</a:t>
-            </a:r>
-            <a:endParaRPr lang="de-AT" baseline="0" dirty="0" smtClean="0"/>
-          </a:p>
-          <a:p>
-            <a:r>
-              <a:rPr lang="de-AT" dirty="0" smtClean="0"/>
-              <a:t>BUT:</a:t>
-            </a:r>
-            <a:r>
-              <a:rPr lang="de-AT" baseline="0" dirty="0" smtClean="0"/>
-              <a:t> The GPU </a:t>
-            </a:r>
-            <a:r>
-              <a:rPr lang="de-AT" baseline="0" dirty="0" err="1" smtClean="0"/>
-              <a:t>can</a:t>
+              <a:t>and</a:t>
             </a:r>
             <a:r>
               <a:rPr lang="de-AT" baseline="0" dirty="0" smtClean="0"/>
               <a:t> </a:t>
             </a:r>
             <a:r>
-              <a:rPr lang="de-AT" b="1" baseline="0" dirty="0" err="1" smtClean="0"/>
-              <a:t>nowadays</a:t>
-            </a:r>
-            <a:r>
-              <a:rPr lang="de-AT" b="1" baseline="0" dirty="0" smtClean="0"/>
-              <a:t> not </a:t>
-            </a:r>
-            <a:r>
-              <a:rPr lang="de-AT" b="1" baseline="0" dirty="0" err="1" smtClean="0"/>
-              <a:t>only</a:t>
+              <a:rPr lang="de-AT" baseline="0" dirty="0" err="1" smtClean="0"/>
+              <a:t>see</a:t>
             </a:r>
             <a:r>
               <a:rPr lang="de-AT" baseline="0" dirty="0" smtClean="0"/>
@@ -11711,7 +11998,7 @@
             </a:r>
             <a:r>
               <a:rPr lang="de-AT" baseline="0" dirty="0" err="1" smtClean="0"/>
-              <a:t>be</a:t>
+              <a:t>you</a:t>
             </a:r>
             <a:r>
               <a:rPr lang="de-AT" baseline="0" dirty="0" smtClean="0"/>
@@ -11719,31 +12006,23 @@
             </a:r>
             <a:r>
               <a:rPr lang="de-AT" baseline="0" dirty="0" err="1" smtClean="0"/>
-              <a:t>used</a:t>
+              <a:t>guys</a:t>
+            </a:r>
+            <a:r>
+              <a:rPr lang="de-AT" baseline="0" dirty="0" smtClean="0"/>
+              <a:t> in </a:t>
+            </a:r>
+            <a:r>
+              <a:rPr lang="de-AT" baseline="0" dirty="0" err="1" smtClean="0"/>
+              <a:t>January</a:t>
             </a:r>
             <a:r>
               <a:rPr lang="de-AT" baseline="0" dirty="0" smtClean="0"/>
               <a:t> </a:t>
             </a:r>
             <a:r>
-              <a:rPr lang="de-AT" b="1" baseline="0" dirty="0" err="1" smtClean="0"/>
-              <a:t>for</a:t>
-            </a:r>
-            <a:r>
-              <a:rPr lang="de-AT" b="1" baseline="0" dirty="0" smtClean="0"/>
-              <a:t> </a:t>
-            </a:r>
-            <a:r>
-              <a:rPr lang="de-AT" b="1" baseline="0" dirty="0" err="1" smtClean="0"/>
-              <a:t>graphics</a:t>
-            </a:r>
-            <a:r>
-              <a:rPr lang="de-AT" baseline="0" dirty="0" smtClean="0"/>
-              <a:t>. In </a:t>
-            </a:r>
-            <a:r>
               <a:rPr lang="de-AT" baseline="0" dirty="0" err="1" smtClean="0"/>
-              <a:t>fact</a:t>
+              <a:t>with</a:t>
             </a:r>
             <a:r>
               <a:rPr lang="de-AT" baseline="0" dirty="0" smtClean="0"/>
@@ -11751,7 +12030,7 @@
             </a:r>
             <a:r>
               <a:rPr lang="de-AT" baseline="0" dirty="0" err="1" smtClean="0"/>
-              <a:t>it</a:t>
+              <a:t>some</a:t>
             </a:r>
             <a:r>
               <a:rPr lang="de-AT" baseline="0" dirty="0" smtClean="0"/>
@@ -11759,273 +12038,13 @@
             </a:r>
             <a:r>
               <a:rPr lang="de-AT" baseline="0" dirty="0" err="1" smtClean="0"/>
-              <a:t>is</a:t>
+              <a:t>results</a:t>
             </a:r>
             <a:r>
               <a:rPr lang="de-AT" baseline="0" dirty="0" smtClean="0"/>
-              <a:t> </a:t>
-            </a:r>
-            <a:r>
-              <a:rPr lang="de-AT" baseline="0" dirty="0" err="1" smtClean="0"/>
-              <a:t>sometimes</a:t>
-            </a:r>
-            <a:r>
-              <a:rPr lang="de-AT" baseline="0" dirty="0" smtClean="0"/>
-              <a:t> </a:t>
-            </a:r>
-            <a:r>
-              <a:rPr lang="de-AT" baseline="0" dirty="0" err="1" smtClean="0"/>
-              <a:t>very</a:t>
-            </a:r>
-            <a:r>
-              <a:rPr lang="de-AT" baseline="0" dirty="0" smtClean="0"/>
-              <a:t> </a:t>
-            </a:r>
-            <a:r>
-              <a:rPr lang="de-AT" b="1" baseline="0" dirty="0" err="1" smtClean="0"/>
-              <a:t>suitable</a:t>
-            </a:r>
-            <a:r>
-              <a:rPr lang="de-AT" b="1" baseline="0" dirty="0" smtClean="0"/>
-              <a:t> </a:t>
-            </a:r>
-            <a:r>
-              <a:rPr lang="de-AT" b="1" baseline="0" dirty="0" err="1" smtClean="0"/>
-              <a:t>for</a:t>
-            </a:r>
-            <a:r>
-              <a:rPr lang="de-AT" baseline="0" dirty="0" smtClean="0"/>
-              <a:t> </a:t>
-            </a:r>
-            <a:r>
-              <a:rPr lang="de-AT" baseline="0" dirty="0" err="1" smtClean="0"/>
-              <a:t>boring</a:t>
-            </a:r>
-            <a:r>
-              <a:rPr lang="de-AT" baseline="0" dirty="0" smtClean="0"/>
-              <a:t> [CLICK] </a:t>
-            </a:r>
-            <a:r>
-              <a:rPr lang="de-AT" b="1" baseline="0" dirty="0" err="1" smtClean="0"/>
-              <a:t>general</a:t>
-            </a:r>
-            <a:r>
-              <a:rPr lang="de-AT" b="1" baseline="0" dirty="0" smtClean="0"/>
-              <a:t> </a:t>
-            </a:r>
-            <a:r>
-              <a:rPr lang="de-AT" b="1" baseline="0" dirty="0" err="1" smtClean="0"/>
-              <a:t>purpose</a:t>
-            </a:r>
-            <a:r>
-              <a:rPr lang="de-AT" b="1" baseline="0" dirty="0" smtClean="0"/>
-              <a:t> </a:t>
-            </a:r>
-            <a:r>
-              <a:rPr lang="de-AT" b="1" baseline="0" dirty="0" err="1" smtClean="0"/>
-              <a:t>calculations</a:t>
-            </a:r>
-            <a:r>
-              <a:rPr lang="de-AT" baseline="0" dirty="0" smtClean="0"/>
-              <a:t>, </a:t>
-            </a:r>
-            <a:r>
-              <a:rPr lang="de-AT" baseline="0" dirty="0" err="1" smtClean="0"/>
-              <a:t>like</a:t>
-            </a:r>
-            <a:r>
-              <a:rPr lang="de-AT" baseline="0" dirty="0" smtClean="0"/>
-              <a:t> </a:t>
-            </a:r>
-            <a:r>
-              <a:rPr lang="de-AT" baseline="0" dirty="0" err="1" smtClean="0"/>
-              <a:t>sorting</a:t>
-            </a:r>
-            <a:r>
-              <a:rPr lang="de-AT" baseline="0" dirty="0" smtClean="0"/>
-              <a:t> </a:t>
-            </a:r>
-            <a:r>
-              <a:rPr lang="de-AT" baseline="0" dirty="0" err="1" smtClean="0"/>
-              <a:t>arrays</a:t>
-            </a:r>
-            <a:r>
-              <a:rPr lang="de-AT" baseline="0" dirty="0" smtClean="0"/>
-              <a:t> </a:t>
-            </a:r>
-            <a:r>
-              <a:rPr lang="de-AT" baseline="0" dirty="0" err="1" smtClean="0"/>
-              <a:t>or</a:t>
-            </a:r>
-            <a:r>
-              <a:rPr lang="de-AT" baseline="0" dirty="0" smtClean="0"/>
-              <a:t> </a:t>
-            </a:r>
-            <a:r>
-              <a:rPr lang="de-AT" baseline="0" dirty="0" err="1" smtClean="0"/>
-              <a:t>multiplying</a:t>
-            </a:r>
-            <a:r>
-              <a:rPr lang="de-AT" baseline="0" dirty="0" smtClean="0"/>
-              <a:t> </a:t>
-            </a:r>
-            <a:r>
-              <a:rPr lang="de-AT" baseline="0" dirty="0" err="1" smtClean="0"/>
-              <a:t>matrixes</a:t>
-            </a:r>
-            <a:r>
-              <a:rPr lang="de-AT" baseline="0" dirty="0" smtClean="0"/>
-              <a:t>. But </a:t>
-            </a:r>
-            <a:r>
-              <a:rPr lang="de-AT" baseline="0" dirty="0" err="1" smtClean="0"/>
-              <a:t>the</a:t>
-            </a:r>
-            <a:r>
-              <a:rPr lang="de-AT" baseline="0" dirty="0" smtClean="0"/>
-              <a:t> </a:t>
-            </a:r>
-            <a:r>
-              <a:rPr lang="de-AT" baseline="0" dirty="0" err="1" smtClean="0"/>
-              <a:t>question</a:t>
-            </a:r>
-            <a:r>
-              <a:rPr lang="de-AT" baseline="0" dirty="0" smtClean="0"/>
-              <a:t> </a:t>
-            </a:r>
-            <a:r>
-              <a:rPr lang="de-AT" baseline="0" dirty="0" err="1" smtClean="0"/>
-              <a:t>is</a:t>
-            </a:r>
-            <a:r>
-              <a:rPr lang="de-AT" baseline="0" dirty="0" smtClean="0"/>
-              <a:t> not </a:t>
-            </a:r>
-            <a:r>
-              <a:rPr lang="de-AT" baseline="0" dirty="0" err="1" smtClean="0"/>
-              <a:t>only</a:t>
-            </a:r>
-            <a:r>
-              <a:rPr lang="de-AT" baseline="0" dirty="0" smtClean="0"/>
-              <a:t> </a:t>
-            </a:r>
-            <a:r>
-              <a:rPr lang="de-AT" baseline="0" dirty="0" err="1" smtClean="0"/>
-              <a:t>about</a:t>
-            </a:r>
-            <a:r>
-              <a:rPr lang="de-AT" baseline="0" dirty="0" smtClean="0"/>
-              <a:t> </a:t>
-            </a:r>
-            <a:r>
-              <a:rPr lang="de-AT" baseline="0" dirty="0" err="1" smtClean="0"/>
-              <a:t>what</a:t>
-            </a:r>
-            <a:r>
-              <a:rPr lang="de-AT" baseline="0" dirty="0" smtClean="0"/>
-              <a:t> </a:t>
-            </a:r>
-            <a:r>
-              <a:rPr lang="de-AT" baseline="0" dirty="0" err="1" smtClean="0"/>
-              <a:t>boring</a:t>
-            </a:r>
-            <a:r>
-              <a:rPr lang="de-AT" baseline="0" dirty="0" smtClean="0"/>
-              <a:t> </a:t>
-            </a:r>
-            <a:r>
-              <a:rPr lang="de-AT" baseline="0" dirty="0" err="1" smtClean="0"/>
-              <a:t>things</a:t>
-            </a:r>
-            <a:r>
-              <a:rPr lang="de-AT" baseline="0" dirty="0" smtClean="0"/>
-              <a:t> I </a:t>
-            </a:r>
-            <a:r>
-              <a:rPr lang="de-AT" baseline="0" dirty="0" err="1" smtClean="0"/>
-              <a:t>can</a:t>
-            </a:r>
-            <a:r>
-              <a:rPr lang="de-AT" baseline="0" dirty="0" smtClean="0"/>
-              <a:t> do </a:t>
-            </a:r>
-            <a:r>
-              <a:rPr lang="de-AT" baseline="0" dirty="0" err="1" smtClean="0"/>
-              <a:t>with</a:t>
-            </a:r>
-            <a:r>
-              <a:rPr lang="de-AT" baseline="0" dirty="0" smtClean="0"/>
-              <a:t> </a:t>
-            </a:r>
-            <a:r>
-              <a:rPr lang="de-AT" baseline="0" dirty="0" err="1" smtClean="0"/>
-              <a:t>my</a:t>
-            </a:r>
-            <a:r>
-              <a:rPr lang="de-AT" baseline="0" dirty="0" smtClean="0"/>
-              <a:t> </a:t>
-            </a:r>
-            <a:r>
-              <a:rPr lang="de-AT" baseline="0" dirty="0" err="1" smtClean="0"/>
-              <a:t>graphics</a:t>
-            </a:r>
-            <a:r>
-              <a:rPr lang="de-AT" baseline="0" dirty="0" smtClean="0"/>
-              <a:t> </a:t>
-            </a:r>
-            <a:r>
-              <a:rPr lang="de-AT" baseline="0" dirty="0" err="1" smtClean="0"/>
-              <a:t>card</a:t>
-            </a:r>
-            <a:r>
-              <a:rPr lang="de-AT" baseline="0" dirty="0" smtClean="0"/>
-              <a:t>, </a:t>
-            </a:r>
-            <a:r>
-              <a:rPr lang="de-AT" baseline="0" dirty="0" err="1" smtClean="0"/>
-              <a:t>the</a:t>
-            </a:r>
-            <a:r>
-              <a:rPr lang="de-AT" baseline="0" dirty="0" smtClean="0"/>
-              <a:t> </a:t>
-            </a:r>
-            <a:r>
-              <a:rPr lang="de-AT" baseline="0" dirty="0" err="1" smtClean="0"/>
-              <a:t>question</a:t>
-            </a:r>
-            <a:r>
-              <a:rPr lang="de-AT" baseline="0" dirty="0" smtClean="0"/>
-              <a:t> </a:t>
-            </a:r>
-            <a:r>
-              <a:rPr lang="de-AT" baseline="0" dirty="0" err="1" smtClean="0"/>
-              <a:t>is</a:t>
-            </a:r>
-            <a:r>
-              <a:rPr lang="de-AT" baseline="0" dirty="0" smtClean="0"/>
-              <a:t> </a:t>
-            </a:r>
-            <a:r>
-              <a:rPr lang="de-AT" b="1" baseline="0" dirty="0" err="1" smtClean="0"/>
-              <a:t>how</a:t>
-            </a:r>
-            <a:r>
-              <a:rPr lang="de-AT" b="1" baseline="0" dirty="0" smtClean="0"/>
-              <a:t> i </a:t>
-            </a:r>
-            <a:r>
-              <a:rPr lang="de-AT" b="1" baseline="0" dirty="0" err="1" smtClean="0"/>
-              <a:t>can</a:t>
-            </a:r>
-            <a:r>
-              <a:rPr lang="de-AT" b="1" baseline="0" dirty="0" smtClean="0"/>
-              <a:t> do</a:t>
-            </a:r>
-            <a:r>
-              <a:rPr lang="de-AT" baseline="0" dirty="0" smtClean="0"/>
-              <a:t> it.</a:t>
-            </a:r>
-            <a:endParaRPr lang="de-AT" dirty="0" smtClean="0"/>
+              <a:t>.</a:t>
+            </a:r>
+            <a:endParaRPr lang="en-US" dirty="0"/>
           </a:p>
         </p:txBody>
       </p:sp>
@@ -12046,7 +12065,7 @@
           <a:p>
             <a:fld id="{E19E8DFC-DE97-490B-8572-C8B1A4CD170F}" type="slidenum">
               <a:rPr lang="en-US" smtClean="0"/>
-              <a:t>3</a:t>
+              <a:t>10</a:t>
             </a:fld>
             <a:endParaRPr lang="en-US"/>
           </a:p>
@@ -12055,7 +12074,113 @@
     </p:spTree>
     <p:extLst>
       <p:ext uri="{BB962C8B-B14F-4D97-AF65-F5344CB8AC3E}">
-        <p14:creationId xmlns:p14="http://schemas.microsoft.com/office/powerpoint/2010/main" val="123693612"/>
+        <p14:creationId xmlns:p14="http://schemas.microsoft.com/office/powerpoint/2010/main" val="270916133"/>
+      </p:ext>
+    </p:extLst>
+  </p:cSld>
+  <p:clrMapOvr>
+    <a:masterClrMapping/>
+  </p:clrMapOvr>
+</p:notes>
+</file>
+
+<file path=ppt/notesSlides/notesSlide2.xml><?xml version="1.0" encoding="utf-8"?>
+<p:notes xmlns:a="http://schemas.openxmlformats.org/drawingml/2006/main" xmlns:r="http://schemas.openxmlformats.org/officeDocument/2006/relationships" xmlns:p="http://schemas.openxmlformats.org/presentationml/2006/main">
+  <p:cSld>
+    <p:spTree>
+      <p:nvGrpSpPr>
+        <p:cNvPr id="1" name=""/>
+        <p:cNvGrpSpPr/>
+        <p:nvPr/>
+      </p:nvGrpSpPr>
+      <p:grpSpPr>
+        <a:xfrm>
+          <a:off x="0" y="0"/>
+          <a:ext cx="0" cy="0"/>
+          <a:chOff x="0" y="0"/>
+          <a:chExt cx="0" cy="0"/>
+        </a:xfrm>
+      </p:grpSpPr>
+      <p:sp>
+        <p:nvSpPr>
+          <p:cNvPr id="2" name="Slide Image Placeholder 1"/>
+          <p:cNvSpPr>
+            <a:spLocks noGrp="1" noRot="1" noChangeAspect="1"/>
+          </p:cNvSpPr>
+          <p:nvPr>
+            <p:ph type="sldImg"/>
+          </p:nvPr>
+        </p:nvSpPr>
+        <p:spPr>
+          <a:xfrm>
+            <a:off x="381000" y="685800"/>
+            <a:ext cx="6096000" cy="3429000"/>
+          </a:xfrm>
+        </p:spPr>
+      </p:sp>
+      <p:sp>
+        <p:nvSpPr>
+          <p:cNvPr id="3" name="Notes Placeholder 2"/>
+          <p:cNvSpPr>
+            <a:spLocks noGrp="1"/>
+          </p:cNvSpPr>
+          <p:nvPr>
+            <p:ph type="body" idx="1"/>
+          </p:nvPr>
+        </p:nvSpPr>
+        <p:spPr/>
+        <p:txBody>
+          <a:bodyPr/>
+          <a:lstStyle/>
+          <a:p>
+            <a:r>
+              <a:rPr lang="en-US" baseline="0" dirty="0" smtClean="0"/>
+              <a:t>This picture shows </a:t>
+            </a:r>
+            <a:r>
+              <a:rPr lang="en-US" b="1" baseline="0" dirty="0" smtClean="0"/>
+              <a:t>the major components </a:t>
+            </a:r>
+            <a:r>
+              <a:rPr lang="en-US" baseline="0" dirty="0" smtClean="0"/>
+              <a:t>of a computer but the two most important ones [CLICK] are the CPU and the GPU.</a:t>
+            </a:r>
+          </a:p>
+          <a:p>
+            <a:r>
+              <a:rPr lang="en-US" baseline="0" dirty="0" smtClean="0"/>
+              <a:t>Most people know about the CPU. [CLICK] It runs basically all our applications. But what does the GPU do?</a:t>
+            </a:r>
+          </a:p>
+        </p:txBody>
+      </p:sp>
+      <p:sp>
+        <p:nvSpPr>
+          <p:cNvPr id="4" name="Slide Number Placeholder 3"/>
+          <p:cNvSpPr>
+            <a:spLocks noGrp="1"/>
+          </p:cNvSpPr>
+          <p:nvPr>
+            <p:ph type="sldNum" sz="quarter" idx="10"/>
+          </p:nvPr>
+        </p:nvSpPr>
+        <p:spPr/>
+        <p:txBody>
+          <a:bodyPr/>
+          <a:lstStyle/>
+          <a:p>
+            <a:fld id="{E19E8DFC-DE97-490B-8572-C8B1A4CD170F}" type="slidenum">
+              <a:rPr lang="en-US" smtClean="0"/>
+              <a:t>2</a:t>
+            </a:fld>
+            <a:endParaRPr lang="en-US"/>
+          </a:p>
+        </p:txBody>
+      </p:sp>
+    </p:spTree>
+    <p:extLst>
+      <p:ext uri="{BB962C8B-B14F-4D97-AF65-F5344CB8AC3E}">
+        <p14:creationId xmlns:p14="http://schemas.microsoft.com/office/powerpoint/2010/main" val="2754176817"/>
       </p:ext>
     </p:extLst>
   </p:cSld>
@@ -12110,189 +12235,201 @@
           <a:lstStyle/>
           <a:p>
             <a:r>
-              <a:rPr lang="en-US" noProof="0" dirty="0" smtClean="0"/>
-              <a:t>And this is where</a:t>
-            </a:r>
-            <a:r>
-              <a:rPr lang="en-US" baseline="0" noProof="0" dirty="0" smtClean="0"/>
-              <a:t> OpenCL comes into play. OpenCL will form the </a:t>
-            </a:r>
-            <a:r>
-              <a:rPr lang="en-US" b="1" baseline="0" noProof="0" dirty="0" smtClean="0"/>
-              <a:t>first part</a:t>
-            </a:r>
-            <a:r>
-              <a:rPr lang="en-US" baseline="0" noProof="0" dirty="0" smtClean="0"/>
-              <a:t> of my bachelor thesis, because building an application for the GPU using OpenCL is </a:t>
-            </a:r>
-            <a:r>
-              <a:rPr lang="en-US" b="1" baseline="0" noProof="0" dirty="0" smtClean="0"/>
-              <a:t>not as straightforward</a:t>
-            </a:r>
-            <a:r>
-              <a:rPr lang="en-US" baseline="0" noProof="0" dirty="0" smtClean="0"/>
-              <a:t> as writing an application for the CPU. Let's look what is different [CLICK].</a:t>
+              <a:rPr lang="de-AT" dirty="0" smtClean="0"/>
+              <a:t>The GPU, </a:t>
+            </a:r>
+            <a:r>
+              <a:rPr lang="de-AT" dirty="0" err="1" smtClean="0"/>
+              <a:t>the</a:t>
+            </a:r>
+            <a:r>
+              <a:rPr lang="de-AT" dirty="0" smtClean="0"/>
+              <a:t> Graphics Processing</a:t>
+            </a:r>
+            <a:r>
+              <a:rPr lang="de-AT" baseline="0" dirty="0" smtClean="0"/>
+              <a:t> Unit, </a:t>
+            </a:r>
+            <a:r>
+              <a:rPr lang="de-AT" baseline="0" dirty="0" err="1" smtClean="0"/>
+              <a:t>is</a:t>
+            </a:r>
+            <a:r>
+              <a:rPr lang="de-AT" baseline="0" dirty="0" smtClean="0"/>
+              <a:t> </a:t>
+            </a:r>
+            <a:r>
+              <a:rPr lang="de-AT" baseline="0" dirty="0" err="1" smtClean="0"/>
+              <a:t>usually</a:t>
+            </a:r>
+            <a:r>
+              <a:rPr lang="de-AT" baseline="0" dirty="0" smtClean="0"/>
+              <a:t> </a:t>
+            </a:r>
+            <a:r>
+              <a:rPr lang="de-AT" baseline="0" dirty="0" err="1" smtClean="0"/>
+              <a:t>used</a:t>
+            </a:r>
+            <a:r>
+              <a:rPr lang="de-AT" baseline="0" dirty="0" smtClean="0"/>
+              <a:t> </a:t>
+            </a:r>
+            <a:r>
+              <a:rPr lang="de-AT" baseline="0" dirty="0" err="1" smtClean="0"/>
+              <a:t>to</a:t>
+            </a:r>
+            <a:r>
+              <a:rPr lang="de-AT" baseline="0" dirty="0" smtClean="0"/>
+              <a:t> </a:t>
+            </a:r>
+            <a:r>
+              <a:rPr lang="de-AT" b="1" baseline="0" dirty="0" err="1" smtClean="0"/>
+              <a:t>process</a:t>
+            </a:r>
+            <a:r>
+              <a:rPr lang="de-AT" b="1" baseline="0" dirty="0" smtClean="0"/>
+              <a:t> </a:t>
+            </a:r>
+            <a:r>
+              <a:rPr lang="de-AT" b="1" baseline="0" dirty="0" err="1" smtClean="0"/>
+              <a:t>graphics</a:t>
+            </a:r>
+            <a:r>
+              <a:rPr lang="de-AT" baseline="0" dirty="0" smtClean="0"/>
+              <a:t> </a:t>
+            </a:r>
+            <a:r>
+              <a:rPr lang="de-AT" baseline="0" dirty="0" err="1" smtClean="0"/>
+              <a:t>and</a:t>
+            </a:r>
+            <a:r>
+              <a:rPr lang="de-AT" baseline="0" dirty="0" smtClean="0"/>
+              <a:t> </a:t>
+            </a:r>
+            <a:r>
+              <a:rPr lang="de-AT" b="1" baseline="0" dirty="0" err="1" smtClean="0"/>
+              <a:t>calculate</a:t>
+            </a:r>
+            <a:r>
+              <a:rPr lang="de-AT" b="1" baseline="0" dirty="0" smtClean="0"/>
+              <a:t> </a:t>
+            </a:r>
+            <a:r>
+              <a:rPr lang="de-AT" b="1" baseline="0" dirty="0" err="1" smtClean="0"/>
+              <a:t>geometry</a:t>
+            </a:r>
+            <a:r>
+              <a:rPr lang="de-AT" baseline="0" dirty="0" smtClean="0"/>
+              <a:t>. </a:t>
             </a:r>
           </a:p>
           <a:p>
             <a:r>
-              <a:rPr lang="en-US" baseline="0" noProof="0" dirty="0" smtClean="0"/>
-              <a:t>Like most other languages OpenCL has a </a:t>
-            </a:r>
-            <a:r>
-              <a:rPr lang="en-US" b="1" baseline="0" noProof="0" dirty="0" smtClean="0"/>
-              <a:t>compiler</a:t>
-            </a:r>
-            <a:r>
-              <a:rPr lang="en-US" baseline="0" noProof="0" dirty="0" smtClean="0"/>
-              <a:t>, that compiles OpenCL programs, the kernels. But the difference is, that is program </a:t>
-            </a:r>
-            <a:r>
-              <a:rPr lang="en-US" b="1" baseline="0" noProof="0" dirty="0" smtClean="0"/>
-              <a:t>cannot be run</a:t>
-            </a:r>
-            <a:r>
-              <a:rPr lang="en-US" baseline="0" noProof="0" dirty="0" smtClean="0"/>
-              <a:t>. It needs a so called </a:t>
-            </a:r>
-            <a:r>
-              <a:rPr lang="en-US" b="1" baseline="0" noProof="0" dirty="0" smtClean="0"/>
-              <a:t>host application</a:t>
-            </a:r>
-            <a:r>
-              <a:rPr lang="en-US" baseline="0" noProof="0" dirty="0" smtClean="0"/>
-              <a:t>, that moves this OpenCL program through the driver to the GPU. The host application running on the CPU then </a:t>
-            </a:r>
-            <a:r>
-              <a:rPr lang="en-US" b="1" baseline="0" noProof="0" dirty="0" smtClean="0"/>
-              <a:t>communicates</a:t>
-            </a:r>
-            <a:r>
-              <a:rPr lang="en-US" baseline="0" noProof="0" dirty="0" smtClean="0"/>
-              <a:t> with the OpenCL kernel through the </a:t>
-            </a:r>
-            <a:r>
-              <a:rPr lang="en-US" b="1" baseline="0" noProof="0" dirty="0" smtClean="0"/>
-              <a:t>OpenCL API</a:t>
-            </a:r>
-            <a:r>
-              <a:rPr lang="en-US" baseline="0" noProof="0" dirty="0" smtClean="0"/>
-              <a:t> and driver.</a:t>
-            </a:r>
+              <a:rPr lang="de-AT" baseline="0" dirty="0" err="1" smtClean="0"/>
+              <a:t>Favourite</a:t>
+            </a:r>
+            <a:r>
+              <a:rPr lang="de-AT" baseline="0" dirty="0" smtClean="0"/>
+              <a:t> </a:t>
+            </a:r>
+            <a:r>
+              <a:rPr lang="de-AT" baseline="0" dirty="0" err="1" smtClean="0"/>
+              <a:t>game</a:t>
+            </a:r>
+            <a:r>
+              <a:rPr lang="de-AT" baseline="0" dirty="0" smtClean="0"/>
+              <a:t>, </a:t>
+            </a:r>
+            <a:r>
+              <a:rPr lang="de-AT" baseline="0" dirty="0" err="1" smtClean="0"/>
+              <a:t>shadows</a:t>
+            </a:r>
+            <a:r>
+              <a:rPr lang="de-AT" baseline="0" dirty="0" smtClean="0"/>
+              <a:t>, </a:t>
+            </a:r>
+            <a:r>
+              <a:rPr lang="de-AT" baseline="0" dirty="0" err="1" smtClean="0"/>
+              <a:t>textures</a:t>
+            </a:r>
+            <a:r>
+              <a:rPr lang="de-AT" baseline="0" dirty="0" smtClean="0"/>
+              <a:t>, </a:t>
+            </a:r>
+            <a:r>
+              <a:rPr lang="de-AT" baseline="0" dirty="0" err="1" smtClean="0"/>
+              <a:t>lot's</a:t>
+            </a:r>
+            <a:r>
+              <a:rPr lang="de-AT" baseline="0" dirty="0" smtClean="0"/>
+              <a:t> </a:t>
+            </a:r>
+            <a:r>
+              <a:rPr lang="de-AT" baseline="0" dirty="0" err="1" smtClean="0"/>
+              <a:t>of</a:t>
+            </a:r>
+            <a:r>
+              <a:rPr lang="de-AT" baseline="0" dirty="0" smtClean="0"/>
+              <a:t> </a:t>
+            </a:r>
+            <a:r>
+              <a:rPr lang="de-AT" baseline="0" dirty="0" err="1" smtClean="0"/>
+              <a:t>triangles</a:t>
+            </a:r>
+            <a:endParaRPr lang="de-AT" baseline="0" dirty="0" smtClean="0"/>
           </a:p>
           <a:p>
-            <a:pPr marL="0" marR="0" indent="0" algn="l" defTabSz="914400" rtl="0" eaLnBrk="1" fontAlgn="auto" latinLnBrk="0" hangingPunct="1">
-              <a:lnSpc>
-                <a:spcPct val="100000"/>
-              </a:lnSpc>
-              <a:spcBef>
-                <a:spcPts val="0"/>
-              </a:spcBef>
-              <a:spcAft>
-                <a:spcPts val="0"/>
-              </a:spcAft>
-              <a:buClrTx/>
-              <a:buSzTx/>
-              <a:buFontTx/>
-              <a:buNone/>
-              <a:tabLst/>
-              <a:defRPr/>
-            </a:pPr>
-            <a:r>
-              <a:rPr lang="en-US" baseline="0" noProof="0" dirty="0" smtClean="0"/>
-              <a:t>But OpenCL is </a:t>
-            </a:r>
-            <a:r>
-              <a:rPr lang="en-US" b="1" baseline="0" noProof="0" dirty="0" smtClean="0"/>
-              <a:t>not </a:t>
-            </a:r>
-            <a:r>
-              <a:rPr lang="en-US" b="1" baseline="0" noProof="0" dirty="0" err="1" smtClean="0"/>
-              <a:t>limitted</a:t>
-            </a:r>
-            <a:r>
-              <a:rPr lang="en-US" b="1" baseline="0" noProof="0" dirty="0" smtClean="0"/>
-              <a:t> </a:t>
-            </a:r>
-            <a:r>
-              <a:rPr lang="en-US" b="1" baseline="0" noProof="0" dirty="0" smtClean="0"/>
-              <a:t>to GPUs</a:t>
-            </a:r>
-            <a:r>
-              <a:rPr lang="en-US" baseline="0" noProof="0" dirty="0" smtClean="0"/>
-              <a:t>.</a:t>
-            </a:r>
             <a:r>
               <a:rPr lang="de-AT" dirty="0" smtClean="0"/>
-              <a:t> OpenCL </a:t>
-            </a:r>
-            <a:r>
-              <a:rPr lang="de-AT" dirty="0" err="1" smtClean="0"/>
-              <a:t>runs</a:t>
-            </a:r>
-            <a:r>
-              <a:rPr lang="de-AT" dirty="0" smtClean="0"/>
-              <a:t> on </a:t>
-            </a:r>
-            <a:r>
-              <a:rPr lang="de-AT" dirty="0" err="1" smtClean="0"/>
-              <a:t>the</a:t>
-            </a:r>
-            <a:r>
-              <a:rPr lang="de-AT" dirty="0" smtClean="0"/>
-              <a:t> CPU </a:t>
-            </a:r>
-            <a:r>
-              <a:rPr lang="de-AT" dirty="0" err="1" smtClean="0"/>
-              <a:t>as</a:t>
-            </a:r>
-            <a:r>
-              <a:rPr lang="de-AT" dirty="0" smtClean="0"/>
-              <a:t> </a:t>
-            </a:r>
-            <a:r>
-              <a:rPr lang="de-AT" dirty="0" err="1" smtClean="0"/>
-              <a:t>well</a:t>
-            </a:r>
-            <a:r>
-              <a:rPr lang="de-AT" dirty="0" smtClean="0"/>
-              <a:t> </a:t>
+              <a:t>BUT:</a:t>
             </a:r>
             <a:r>
               <a:rPr lang="de-AT" baseline="0" dirty="0" smtClean="0"/>
-              <a:t>[CLICK]</a:t>
-            </a:r>
-            <a:r>
-              <a:rPr lang="de-AT" dirty="0" smtClean="0"/>
-              <a:t>. </a:t>
+              <a:t> The GPU </a:t>
             </a:r>
             <a:r>
               <a:rPr lang="de-AT" baseline="0" dirty="0" err="1" smtClean="0"/>
-              <a:t>Therefore</a:t>
-            </a:r>
-            <a:r>
-              <a:rPr lang="de-AT" baseline="0" dirty="0" smtClean="0"/>
-              <a:t>, OpenCL </a:t>
-            </a:r>
-            <a:r>
-              <a:rPr lang="de-AT" baseline="0" dirty="0" err="1" smtClean="0"/>
-              <a:t>has</a:t>
+              <a:t>can</a:t>
             </a:r>
             <a:r>
               <a:rPr lang="de-AT" baseline="0" dirty="0" smtClean="0"/>
               <a:t> </a:t>
             </a:r>
             <a:r>
-              <a:rPr lang="de-AT" baseline="0" dirty="0" err="1" smtClean="0"/>
-              <a:t>several</a:t>
+              <a:rPr lang="de-AT" b="1" baseline="0" dirty="0" err="1" smtClean="0"/>
+              <a:t>nowadays</a:t>
+            </a:r>
+            <a:r>
+              <a:rPr lang="de-AT" b="1" baseline="0" dirty="0" smtClean="0"/>
+              <a:t> not </a:t>
+            </a:r>
+            <a:r>
+              <a:rPr lang="de-AT" b="1" baseline="0" dirty="0" err="1" smtClean="0"/>
+              <a:t>only</a:t>
             </a:r>
             <a:r>
               <a:rPr lang="de-AT" baseline="0" dirty="0" smtClean="0"/>
               <a:t> </a:t>
             </a:r>
             <a:r>
+              <a:rPr lang="de-AT" baseline="0" dirty="0" err="1" smtClean="0"/>
+              <a:t>be</a:t>
+            </a:r>
+            <a:r>
+              <a:rPr lang="de-AT" baseline="0" dirty="0" smtClean="0"/>
+              <a:t> </a:t>
+            </a:r>
+            <a:r>
+              <a:rPr lang="de-AT" baseline="0" dirty="0" err="1" smtClean="0"/>
+              <a:t>used</a:t>
+            </a:r>
+            <a:r>
+              <a:rPr lang="de-AT" baseline="0" dirty="0" smtClean="0"/>
+              <a:t> </a:t>
+            </a:r>
+            <a:r>
               <a:rPr lang="de-AT" b="1" baseline="0" dirty="0" err="1" smtClean="0"/>
-              <a:t>concepts</a:t>
+              <a:t>for</a:t>
             </a:r>
             <a:r>
               <a:rPr lang="de-AT" b="1" baseline="0" dirty="0" smtClean="0"/>
@@ -12300,7 +12437,55 @@
             </a:r>
             <a:r>
               <a:rPr lang="de-AT" b="1" baseline="0" dirty="0" err="1" smtClean="0"/>
-              <a:t>to</a:t>
+              <a:t>graphics</a:t>
+            </a:r>
+            <a:r>
+              <a:rPr lang="de-AT" baseline="0" dirty="0" smtClean="0"/>
+              <a:t>. In </a:t>
+            </a:r>
+            <a:r>
+              <a:rPr lang="de-AT" baseline="0" dirty="0" err="1" smtClean="0"/>
+              <a:t>fact</a:t>
+            </a:r>
+            <a:r>
+              <a:rPr lang="de-AT" baseline="0" dirty="0" smtClean="0"/>
+              <a:t> </a:t>
+            </a:r>
+            <a:r>
+              <a:rPr lang="de-AT" baseline="0" dirty="0" err="1" smtClean="0"/>
+              <a:t>it</a:t>
+            </a:r>
+            <a:r>
+              <a:rPr lang="de-AT" baseline="0" dirty="0" smtClean="0"/>
+              <a:t> </a:t>
+            </a:r>
+            <a:r>
+              <a:rPr lang="de-AT" baseline="0" dirty="0" err="1" smtClean="0"/>
+              <a:t>is</a:t>
+            </a:r>
+            <a:r>
+              <a:rPr lang="de-AT" baseline="0" dirty="0" smtClean="0"/>
+              <a:t> </a:t>
+            </a:r>
+            <a:r>
+              <a:rPr lang="de-AT" baseline="0" dirty="0" err="1" smtClean="0"/>
+              <a:t>sometimes</a:t>
+            </a:r>
+            <a:r>
+              <a:rPr lang="de-AT" baseline="0" dirty="0" smtClean="0"/>
+              <a:t> </a:t>
+            </a:r>
+            <a:r>
+              <a:rPr lang="de-AT" baseline="0" dirty="0" err="1" smtClean="0"/>
+              <a:t>very</a:t>
+            </a:r>
+            <a:r>
+              <a:rPr lang="de-AT" baseline="0" dirty="0" smtClean="0"/>
+              <a:t> </a:t>
+            </a:r>
+            <a:r>
+              <a:rPr lang="de-AT" b="1" baseline="0" dirty="0" err="1" smtClean="0"/>
+              <a:t>suitable</a:t>
             </a:r>
             <a:r>
               <a:rPr lang="de-AT" b="1" baseline="0" dirty="0" smtClean="0"/>
@@ -12308,7 +12493,23 @@
             </a:r>
             <a:r>
               <a:rPr lang="de-AT" b="1" baseline="0" dirty="0" err="1" smtClean="0"/>
-              <a:t>abstract</a:t>
+              <a:t>for</a:t>
+            </a:r>
+            <a:r>
+              <a:rPr lang="de-AT" baseline="0" dirty="0" smtClean="0"/>
+              <a:t> </a:t>
+            </a:r>
+            <a:r>
+              <a:rPr lang="de-AT" baseline="0" dirty="0" err="1" smtClean="0"/>
+              <a:t>boring</a:t>
+            </a:r>
+            <a:r>
+              <a:rPr lang="de-AT" baseline="0" dirty="0" smtClean="0"/>
+              <a:t> [CLICK] </a:t>
+            </a:r>
+            <a:r>
+              <a:rPr lang="de-AT" b="1" baseline="0" dirty="0" err="1" smtClean="0"/>
+              <a:t>general</a:t>
             </a:r>
             <a:r>
               <a:rPr lang="de-AT" b="1" baseline="0" dirty="0" smtClean="0"/>
@@ -12316,7 +12517,7 @@
             </a:r>
             <a:r>
               <a:rPr lang="de-AT" b="1" baseline="0" dirty="0" err="1" smtClean="0"/>
-              <a:t>the</a:t>
+              <a:t>purpose</a:t>
             </a:r>
             <a:r>
               <a:rPr lang="de-AT" b="1" baseline="0" dirty="0" smtClean="0"/>
@@ -12324,7 +12525,15 @@
             </a:r>
             <a:r>
               <a:rPr lang="de-AT" b="1" baseline="0" dirty="0" err="1" smtClean="0"/>
-              <a:t>hardware</a:t>
+              <a:t>calculations</a:t>
+            </a:r>
+            <a:r>
+              <a:rPr lang="de-AT" baseline="0" dirty="0" smtClean="0"/>
+              <a:t>, </a:t>
+            </a:r>
+            <a:r>
+              <a:rPr lang="de-AT" baseline="0" dirty="0" err="1" smtClean="0"/>
+              <a:t>like</a:t>
             </a:r>
             <a:r>
               <a:rPr lang="de-AT" baseline="0" dirty="0" smtClean="0"/>
@@ -12332,7 +12541,7 @@
             </a:r>
             <a:r>
               <a:rPr lang="de-AT" baseline="0" dirty="0" err="1" smtClean="0"/>
-              <a:t>to</a:t>
+              <a:t>sorting</a:t>
             </a:r>
             <a:r>
               <a:rPr lang="de-AT" baseline="0" dirty="0" smtClean="0"/>
@@ -12340,7 +12549,7 @@
             </a:r>
             <a:r>
               <a:rPr lang="de-AT" baseline="0" dirty="0" err="1" smtClean="0"/>
-              <a:t>the</a:t>
+              <a:t>arrays</a:t>
             </a:r>
             <a:r>
               <a:rPr lang="de-AT" baseline="0" dirty="0" smtClean="0"/>
@@ -12348,7 +12557,7 @@
             </a:r>
             <a:r>
               <a:rPr lang="de-AT" baseline="0" dirty="0" err="1" smtClean="0"/>
-              <a:t>programmer</a:t>
+              <a:t>or</a:t>
             </a:r>
             <a:r>
               <a:rPr lang="de-AT" baseline="0" dirty="0" smtClean="0"/>
@@ -12356,7 +12565,7 @@
             </a:r>
             <a:r>
               <a:rPr lang="de-AT" baseline="0" dirty="0" err="1" smtClean="0"/>
-              <a:t>and</a:t>
+              <a:t>multiplying</a:t>
             </a:r>
             <a:r>
               <a:rPr lang="de-AT" baseline="0" dirty="0" smtClean="0"/>
@@ -12364,7 +12573,15 @@
             </a:r>
             <a:r>
               <a:rPr lang="de-AT" baseline="0" dirty="0" err="1" smtClean="0"/>
-              <a:t>these</a:t>
+              <a:t>matrixes</a:t>
+            </a:r>
+            <a:r>
+              <a:rPr lang="de-AT" baseline="0" dirty="0" smtClean="0"/>
+              <a:t>. But </a:t>
+            </a:r>
+            <a:r>
+              <a:rPr lang="de-AT" baseline="0" dirty="0" err="1" smtClean="0"/>
+              <a:t>the</a:t>
             </a:r>
             <a:r>
               <a:rPr lang="de-AT" baseline="0" dirty="0" smtClean="0"/>
@@ -12372,7 +12589,7 @@
             </a:r>
             <a:r>
               <a:rPr lang="de-AT" baseline="0" dirty="0" err="1" smtClean="0"/>
-              <a:t>concepts</a:t>
+              <a:t>question</a:t>
             </a:r>
             <a:r>
               <a:rPr lang="de-AT" baseline="0" dirty="0" smtClean="0"/>
@@ -12380,7 +12597,15 @@
             </a:r>
             <a:r>
               <a:rPr lang="de-AT" baseline="0" dirty="0" err="1" smtClean="0"/>
-              <a:t>and</a:t>
+              <a:t>is</a:t>
+            </a:r>
+            <a:r>
+              <a:rPr lang="de-AT" baseline="0" dirty="0" smtClean="0"/>
+              <a:t> not </a:t>
+            </a:r>
+            <a:r>
+              <a:rPr lang="de-AT" baseline="0" dirty="0" err="1" smtClean="0"/>
+              <a:t>only</a:t>
             </a:r>
             <a:r>
               <a:rPr lang="de-AT" baseline="0" dirty="0" smtClean="0"/>
@@ -12388,7 +12613,7 @@
             </a:r>
             <a:r>
               <a:rPr lang="de-AT" baseline="0" dirty="0" err="1" smtClean="0"/>
-              <a:t>the</a:t>
+              <a:t>about</a:t>
             </a:r>
             <a:r>
               <a:rPr lang="de-AT" baseline="0" dirty="0" smtClean="0"/>
@@ -12396,15 +12621,7 @@
             </a:r>
             <a:r>
               <a:rPr lang="de-AT" baseline="0" dirty="0" err="1" smtClean="0"/>
-              <a:t>corresponding</a:t>
-            </a:r>
-            <a:r>
-              <a:rPr lang="de-AT" baseline="0" dirty="0" smtClean="0"/>
-              <a:t> APIs form a </a:t>
-            </a:r>
-            <a:r>
-              <a:rPr lang="de-AT" baseline="0" dirty="0" err="1" smtClean="0"/>
-              <a:t>main</a:t>
+              <a:t>what</a:t>
             </a:r>
             <a:r>
               <a:rPr lang="de-AT" baseline="0" dirty="0" smtClean="0"/>
@@ -12412,7 +12629,7 @@
             </a:r>
             <a:r>
               <a:rPr lang="de-AT" baseline="0" dirty="0" err="1" smtClean="0"/>
-              <a:t>part</a:t>
+              <a:t>boring</a:t>
             </a:r>
             <a:r>
               <a:rPr lang="de-AT" baseline="0" dirty="0" smtClean="0"/>
@@ -12420,7 +12637,23 @@
             </a:r>
             <a:r>
               <a:rPr lang="de-AT" baseline="0" dirty="0" err="1" smtClean="0"/>
-              <a:t>of</a:t>
+              <a:t>things</a:t>
+            </a:r>
+            <a:r>
+              <a:rPr lang="de-AT" baseline="0" dirty="0" smtClean="0"/>
+              <a:t> I </a:t>
+            </a:r>
+            <a:r>
+              <a:rPr lang="de-AT" baseline="0" dirty="0" err="1" smtClean="0"/>
+              <a:t>can</a:t>
+            </a:r>
+            <a:r>
+              <a:rPr lang="de-AT" baseline="0" dirty="0" smtClean="0"/>
+              <a:t> do </a:t>
+            </a:r>
+            <a:r>
+              <a:rPr lang="de-AT" baseline="0" dirty="0" err="1" smtClean="0"/>
+              <a:t>with</a:t>
             </a:r>
             <a:r>
               <a:rPr lang="de-AT" baseline="0" dirty="0" smtClean="0"/>
@@ -12436,7 +12669,7 @@
             </a:r>
             <a:r>
               <a:rPr lang="de-AT" baseline="0" dirty="0" err="1" smtClean="0"/>
-              <a:t>bachelor</a:t>
+              <a:t>graphics</a:t>
             </a:r>
             <a:r>
               <a:rPr lang="de-AT" baseline="0" dirty="0" smtClean="0"/>
@@ -12444,16 +12677,57 @@
             </a:r>
             <a:r>
               <a:rPr lang="de-AT" baseline="0" dirty="0" err="1" smtClean="0"/>
-              <a:t>thesis</a:t>
+              <a:t>card</a:t>
             </a:r>
             <a:r>
               <a:rPr lang="de-AT" baseline="0" dirty="0" smtClean="0"/>
-              <a:t>.</a:t>
-            </a:r>
-            <a:endParaRPr lang="en-US" dirty="0" smtClean="0"/>
-          </a:p>
-          <a:p>
-            <a:endParaRPr lang="en-US" baseline="0" noProof="0" dirty="0" smtClean="0"/>
+              <a:t>, </a:t>
+            </a:r>
+            <a:r>
+              <a:rPr lang="de-AT" baseline="0" dirty="0" err="1" smtClean="0"/>
+              <a:t>the</a:t>
+            </a:r>
+            <a:r>
+              <a:rPr lang="de-AT" baseline="0" dirty="0" smtClean="0"/>
+              <a:t> </a:t>
+            </a:r>
+            <a:r>
+              <a:rPr lang="de-AT" baseline="0" dirty="0" err="1" smtClean="0"/>
+              <a:t>question</a:t>
+            </a:r>
+            <a:r>
+              <a:rPr lang="de-AT" baseline="0" dirty="0" smtClean="0"/>
+              <a:t> </a:t>
+            </a:r>
+            <a:r>
+              <a:rPr lang="de-AT" baseline="0" dirty="0" err="1" smtClean="0"/>
+              <a:t>is</a:t>
+            </a:r>
+            <a:r>
+              <a:rPr lang="de-AT" baseline="0" dirty="0" smtClean="0"/>
+              <a:t> </a:t>
+            </a:r>
+            <a:r>
+              <a:rPr lang="de-AT" b="1" baseline="0" dirty="0" err="1" smtClean="0"/>
+              <a:t>how</a:t>
+            </a:r>
+            <a:r>
+              <a:rPr lang="de-AT" b="1" baseline="0" dirty="0" smtClean="0"/>
+              <a:t> i </a:t>
+            </a:r>
+            <a:r>
+              <a:rPr lang="de-AT" b="1" baseline="0" dirty="0" err="1" smtClean="0"/>
+              <a:t>can</a:t>
+            </a:r>
+            <a:r>
+              <a:rPr lang="de-AT" b="1" baseline="0" dirty="0" smtClean="0"/>
+              <a:t> do</a:t>
+            </a:r>
+            <a:r>
+              <a:rPr lang="de-AT" baseline="0" dirty="0" smtClean="0"/>
+              <a:t> it.</a:t>
+            </a:r>
+            <a:endParaRPr lang="de-AT" dirty="0" smtClean="0"/>
           </a:p>
         </p:txBody>
       </p:sp>
@@ -12474,7 +12748,7 @@
           <a:p>
             <a:fld id="{E19E8DFC-DE97-490B-8572-C8B1A4CD170F}" type="slidenum">
               <a:rPr lang="en-US" smtClean="0"/>
-              <a:t>4</a:t>
+              <a:t>3</a:t>
             </a:fld>
             <a:endParaRPr lang="en-US"/>
           </a:p>
@@ -12483,7 +12757,7 @@
     </p:spTree>
     <p:extLst>
       <p:ext uri="{BB962C8B-B14F-4D97-AF65-F5344CB8AC3E}">
-        <p14:creationId xmlns:p14="http://schemas.microsoft.com/office/powerpoint/2010/main" val="441294791"/>
+        <p14:creationId xmlns:p14="http://schemas.microsoft.com/office/powerpoint/2010/main" val="123693612"/>
       </p:ext>
     </p:extLst>
   </p:cSld>
@@ -12538,19 +12812,136 @@
           <a:lstStyle/>
           <a:p>
             <a:r>
-              <a:rPr lang="de-AT" b="1" dirty="0" smtClean="0"/>
-              <a:t>As </a:t>
-            </a:r>
-            <a:r>
-              <a:rPr lang="de-AT" b="1" dirty="0" err="1" smtClean="0"/>
-              <a:t>important</a:t>
-            </a:r>
-            <a:r>
-              <a:rPr lang="de-AT" b="1" dirty="0" smtClean="0"/>
-              <a:t> </a:t>
-            </a:r>
-            <a:r>
-              <a:rPr lang="de-AT" b="1" dirty="0" err="1" smtClean="0"/>
+              <a:rPr lang="en-US" noProof="0" dirty="0" smtClean="0"/>
+              <a:t>And this is where</a:t>
+            </a:r>
+            <a:r>
+              <a:rPr lang="en-US" baseline="0" noProof="0" dirty="0" smtClean="0"/>
+              <a:t> OpenCL comes into play. OpenCL will form the </a:t>
+            </a:r>
+            <a:r>
+              <a:rPr lang="en-US" b="1" baseline="0" noProof="0" dirty="0" smtClean="0"/>
+              <a:t>first part</a:t>
+            </a:r>
+            <a:r>
+              <a:rPr lang="en-US" baseline="0" noProof="0" dirty="0" smtClean="0"/>
+              <a:t> of my bachelor thesis, because building an application for the GPU using OpenCL is </a:t>
+            </a:r>
+            <a:r>
+              <a:rPr lang="en-US" b="1" baseline="0" noProof="0" dirty="0" smtClean="0"/>
+              <a:t>not as straightforward</a:t>
+            </a:r>
+            <a:r>
+              <a:rPr lang="en-US" baseline="0" noProof="0" dirty="0" smtClean="0"/>
+              <a:t> as writing an application for the CPU. Let's look what is different [CLICK].</a:t>
+            </a:r>
+          </a:p>
+          <a:p>
+            <a:r>
+              <a:rPr lang="en-US" baseline="0" noProof="0" dirty="0" smtClean="0"/>
+              <a:t>Like most other languages OpenCL has a </a:t>
+            </a:r>
+            <a:r>
+              <a:rPr lang="en-US" b="1" baseline="0" noProof="0" dirty="0" smtClean="0"/>
+              <a:t>compiler</a:t>
+            </a:r>
+            <a:r>
+              <a:rPr lang="en-US" baseline="0" noProof="0" dirty="0" smtClean="0"/>
+              <a:t>, that compiles OpenCL programs, the kernels. But the difference is, that is program </a:t>
+            </a:r>
+            <a:r>
+              <a:rPr lang="en-US" b="1" baseline="0" noProof="0" dirty="0" smtClean="0"/>
+              <a:t>cannot be run</a:t>
+            </a:r>
+            <a:r>
+              <a:rPr lang="en-US" baseline="0" noProof="0" dirty="0" smtClean="0"/>
+              <a:t>. It needs a so called </a:t>
+            </a:r>
+            <a:r>
+              <a:rPr lang="en-US" b="1" baseline="0" noProof="0" dirty="0" smtClean="0"/>
+              <a:t>host application</a:t>
+            </a:r>
+            <a:r>
+              <a:rPr lang="en-US" baseline="0" noProof="0" dirty="0" smtClean="0"/>
+              <a:t>, that moves this OpenCL program through the driver to the GPU. The host application running on the CPU then </a:t>
+            </a:r>
+            <a:r>
+              <a:rPr lang="en-US" b="1" baseline="0" noProof="0" dirty="0" smtClean="0"/>
+              <a:t>communicates</a:t>
+            </a:r>
+            <a:r>
+              <a:rPr lang="en-US" baseline="0" noProof="0" dirty="0" smtClean="0"/>
+              <a:t> with the OpenCL kernel through the </a:t>
+            </a:r>
+            <a:r>
+              <a:rPr lang="en-US" b="1" baseline="0" noProof="0" dirty="0" smtClean="0"/>
+              <a:t>OpenCL API</a:t>
+            </a:r>
+            <a:r>
+              <a:rPr lang="en-US" baseline="0" noProof="0" dirty="0" smtClean="0"/>
+              <a:t> and driver.</a:t>
+            </a:r>
+          </a:p>
+          <a:p>
+            <a:pPr marL="0" marR="0" indent="0" algn="l" defTabSz="914400" rtl="0" eaLnBrk="1" fontAlgn="auto" latinLnBrk="0" hangingPunct="1">
+              <a:lnSpc>
+                <a:spcPct val="100000"/>
+              </a:lnSpc>
+              <a:spcBef>
+                <a:spcPts val="0"/>
+              </a:spcBef>
+              <a:spcAft>
+                <a:spcPts val="0"/>
+              </a:spcAft>
+              <a:buClrTx/>
+              <a:buSzTx/>
+              <a:buFontTx/>
+              <a:buNone/>
+              <a:tabLst/>
+              <a:defRPr/>
+            </a:pPr>
+            <a:r>
+              <a:rPr lang="en-US" baseline="0" noProof="0" dirty="0" smtClean="0"/>
+              <a:t>But OpenCL is </a:t>
+            </a:r>
+            <a:r>
+              <a:rPr lang="en-US" b="1" baseline="0" noProof="0" dirty="0" smtClean="0"/>
+              <a:t>not </a:t>
+            </a:r>
+            <a:r>
+              <a:rPr lang="en-US" b="1" baseline="0" noProof="0" dirty="0" err="1" smtClean="0"/>
+              <a:t>limitted</a:t>
+            </a:r>
+            <a:r>
+              <a:rPr lang="en-US" b="1" baseline="0" noProof="0" dirty="0" smtClean="0"/>
+              <a:t> to GPUs</a:t>
+            </a:r>
+            <a:r>
+              <a:rPr lang="en-US" baseline="0" noProof="0" dirty="0" smtClean="0"/>
+              <a:t>.</a:t>
+            </a:r>
+            <a:r>
+              <a:rPr lang="de-AT" dirty="0" smtClean="0"/>
+              <a:t> OpenCL </a:t>
+            </a:r>
+            <a:r>
+              <a:rPr lang="de-AT" dirty="0" err="1" smtClean="0"/>
+              <a:t>runs</a:t>
+            </a:r>
+            <a:r>
+              <a:rPr lang="de-AT" dirty="0" smtClean="0"/>
+              <a:t> on </a:t>
+            </a:r>
+            <a:r>
+              <a:rPr lang="de-AT" dirty="0" err="1" smtClean="0"/>
+              <a:t>the</a:t>
+            </a:r>
+            <a:r>
+              <a:rPr lang="de-AT" dirty="0" smtClean="0"/>
+              <a:t> CPU </a:t>
+            </a:r>
+            <a:r>
+              <a:rPr lang="de-AT" dirty="0" err="1" smtClean="0"/>
               <a:t>as</a:t>
             </a:r>
             <a:r>
@@ -12559,31 +12950,31 @@
             </a:r>
             <a:r>
               <a:rPr lang="de-AT" dirty="0" err="1" smtClean="0"/>
-              <a:t>how</a:t>
-            </a:r>
-            <a:r>
-              <a:rPr lang="de-AT" dirty="0" smtClean="0"/>
-              <a:t> OpenCL </a:t>
-            </a:r>
-            <a:r>
-              <a:rPr lang="de-AT" dirty="0" err="1" smtClean="0"/>
-              <a:t>handles</a:t>
+              <a:t>well</a:t>
             </a:r>
             <a:r>
               <a:rPr lang="de-AT" dirty="0" smtClean="0"/>
               <a:t> </a:t>
             </a:r>
             <a:r>
-              <a:rPr lang="de-AT" dirty="0" err="1" smtClean="0"/>
-              <a:t>the</a:t>
+              <a:rPr lang="de-AT" baseline="0" dirty="0" smtClean="0"/>
+              <a:t>[CLICK]</a:t>
             </a:r>
             <a:r>
               <a:rPr lang="de-AT" dirty="0" smtClean="0"/>
-              <a:t> </a:t>
-            </a:r>
-            <a:r>
-              <a:rPr lang="de-AT" dirty="0" err="1" smtClean="0"/>
-              <a:t>hardware</a:t>
+              <a:t>. </a:t>
+            </a:r>
+            <a:r>
+              <a:rPr lang="de-AT" baseline="0" dirty="0" err="1" smtClean="0"/>
+              <a:t>Therefore</a:t>
+            </a:r>
+            <a:r>
+              <a:rPr lang="de-AT" baseline="0" dirty="0" smtClean="0"/>
+              <a:t>, OpenCL </a:t>
+            </a:r>
+            <a:r>
+              <a:rPr lang="de-AT" baseline="0" dirty="0" err="1" smtClean="0"/>
+              <a:t>has</a:t>
             </a:r>
             <a:r>
               <a:rPr lang="de-AT" baseline="0" dirty="0" smtClean="0"/>
@@ -12591,15 +12982,47 @@
             </a:r>
             <a:r>
               <a:rPr lang="de-AT" baseline="0" dirty="0" err="1" smtClean="0"/>
-              <a:t>is</a:t>
+              <a:t>several</a:t>
             </a:r>
             <a:r>
               <a:rPr lang="de-AT" baseline="0" dirty="0" smtClean="0"/>
               <a:t> </a:t>
             </a:r>
             <a:r>
-              <a:rPr lang="de-AT" baseline="0" dirty="0" err="1" smtClean="0"/>
-              <a:t>how</a:t>
+              <a:rPr lang="de-AT" b="1" baseline="0" dirty="0" err="1" smtClean="0"/>
+              <a:t>concepts</a:t>
+            </a:r>
+            <a:r>
+              <a:rPr lang="de-AT" b="1" baseline="0" dirty="0" smtClean="0"/>
+              <a:t> </a:t>
+            </a:r>
+            <a:r>
+              <a:rPr lang="de-AT" b="1" baseline="0" dirty="0" err="1" smtClean="0"/>
+              <a:t>to</a:t>
+            </a:r>
+            <a:r>
+              <a:rPr lang="de-AT" b="1" baseline="0" dirty="0" smtClean="0"/>
+              <a:t> </a:t>
+            </a:r>
+            <a:r>
+              <a:rPr lang="de-AT" b="1" baseline="0" dirty="0" err="1" smtClean="0"/>
+              <a:t>abstract</a:t>
+            </a:r>
+            <a:r>
+              <a:rPr lang="de-AT" b="1" baseline="0" dirty="0" smtClean="0"/>
+              <a:t> </a:t>
+            </a:r>
+            <a:r>
+              <a:rPr lang="de-AT" b="1" baseline="0" dirty="0" err="1" smtClean="0"/>
+              <a:t>the</a:t>
+            </a:r>
+            <a:r>
+              <a:rPr lang="de-AT" b="1" baseline="0" dirty="0" smtClean="0"/>
+              <a:t> </a:t>
+            </a:r>
+            <a:r>
+              <a:rPr lang="de-AT" b="1" baseline="0" dirty="0" err="1" smtClean="0"/>
+              <a:t>hardware</a:t>
             </a:r>
             <a:r>
               <a:rPr lang="de-AT" baseline="0" dirty="0" smtClean="0"/>
@@ -12607,15 +13030,15 @@
             </a:r>
             <a:r>
               <a:rPr lang="de-AT" baseline="0" dirty="0" err="1" smtClean="0"/>
-              <a:t>the</a:t>
+              <a:t>to</a:t>
             </a:r>
             <a:r>
               <a:rPr lang="de-AT" baseline="0" dirty="0" smtClean="0"/>
               <a:t> </a:t>
             </a:r>
             <a:r>
-              <a:rPr lang="de-AT" b="1" baseline="0" dirty="0" err="1" smtClean="0"/>
-              <a:t>hardware</a:t>
+              <a:rPr lang="de-AT" baseline="0" dirty="0" err="1" smtClean="0"/>
+              <a:t>the</a:t>
             </a:r>
             <a:r>
               <a:rPr lang="de-AT" baseline="0" dirty="0" smtClean="0"/>
@@ -12623,7 +13046,7 @@
             </a:r>
             <a:r>
               <a:rPr lang="de-AT" baseline="0" dirty="0" err="1" smtClean="0"/>
-              <a:t>actually</a:t>
+              <a:t>programmer</a:t>
             </a:r>
             <a:r>
               <a:rPr lang="de-AT" baseline="0" dirty="0" smtClean="0"/>
@@ -12631,7 +13054,7 @@
             </a:r>
             <a:r>
               <a:rPr lang="de-AT" baseline="0" dirty="0" err="1" smtClean="0"/>
-              <a:t>looks</a:t>
+              <a:t>and</a:t>
             </a:r>
             <a:r>
               <a:rPr lang="de-AT" baseline="0" dirty="0" smtClean="0"/>
@@ -12639,85 +13062,96 @@
             </a:r>
             <a:r>
               <a:rPr lang="de-AT" baseline="0" dirty="0" err="1" smtClean="0"/>
-              <a:t>like</a:t>
-            </a:r>
-            <a:r>
-              <a:rPr lang="de-AT" baseline="0" dirty="0" smtClean="0"/>
-              <a:t>. So </a:t>
-            </a:r>
-            <a:r>
-              <a:rPr lang="de-AT" baseline="0" dirty="0" err="1" smtClean="0"/>
-              <a:t>here</a:t>
+              <a:t>these</a:t>
             </a:r>
             <a:r>
               <a:rPr lang="de-AT" baseline="0" dirty="0" smtClean="0"/>
               <a:t> </a:t>
             </a:r>
             <a:r>
-              <a:rPr lang="en-US" dirty="0" smtClean="0"/>
-              <a:t>is a very</a:t>
-            </a:r>
-            <a:r>
-              <a:rPr lang="en-US" baseline="0" dirty="0" smtClean="0"/>
-              <a:t>, very abstract view of a CPU and a GPU. The obvious </a:t>
-            </a:r>
-            <a:r>
-              <a:rPr lang="en-US" b="1" baseline="0" dirty="0" smtClean="0"/>
-              <a:t>difference</a:t>
-            </a:r>
-            <a:r>
-              <a:rPr lang="en-US" baseline="0" dirty="0" smtClean="0"/>
-              <a:t> is the </a:t>
-            </a:r>
-            <a:r>
-              <a:rPr lang="en-US" b="1" baseline="0" dirty="0" smtClean="0"/>
-              <a:t>number of cores</a:t>
-            </a:r>
-            <a:r>
-              <a:rPr lang="en-US" baseline="0" dirty="0" smtClean="0"/>
-              <a:t>. A typical CPU has around 4 independent cores while a typical GPU has several hundreds of cores grouped together in so-called multi processors. This difference in hardware architecture has a </a:t>
-            </a:r>
-            <a:r>
-              <a:rPr lang="en-US" b="1" baseline="0" dirty="0" smtClean="0"/>
-              <a:t>huge impact</a:t>
-            </a:r>
-            <a:r>
-              <a:rPr lang="en-US" baseline="0" dirty="0" smtClean="0"/>
-              <a:t> on the </a:t>
-            </a:r>
-            <a:r>
-              <a:rPr lang="en-US" b="1" baseline="0" dirty="0" smtClean="0"/>
-              <a:t>kind of algorithms</a:t>
-            </a:r>
-            <a:r>
-              <a:rPr lang="en-US" baseline="0" dirty="0" smtClean="0"/>
-              <a:t> that can be </a:t>
-            </a:r>
-            <a:r>
-              <a:rPr lang="en-US" b="1" baseline="0" dirty="0" smtClean="0"/>
-              <a:t>run efficiently</a:t>
-            </a:r>
-            <a:r>
-              <a:rPr lang="en-US" baseline="0" dirty="0" smtClean="0"/>
-              <a:t> on the GPU and on the </a:t>
-            </a:r>
-            <a:r>
-              <a:rPr lang="en-US" b="1" baseline="0" dirty="0" smtClean="0"/>
-              <a:t>problems</a:t>
-            </a:r>
-            <a:r>
-              <a:rPr lang="en-US" baseline="0" dirty="0" smtClean="0"/>
-              <a:t> we will encounter </a:t>
-            </a:r>
-            <a:r>
-              <a:rPr lang="en-US" b="1" baseline="0" dirty="0" smtClean="0"/>
-              <a:t>during the implementation</a:t>
-            </a:r>
-            <a:r>
-              <a:rPr lang="en-US" baseline="0" dirty="0" smtClean="0"/>
-              <a:t>. So the second big chapter in my thesis will be about the hardware architectures OpenCL supports.</a:t>
-            </a:r>
-            <a:endParaRPr lang="en-US" dirty="0"/>
+              <a:rPr lang="de-AT" baseline="0" dirty="0" err="1" smtClean="0"/>
+              <a:t>concepts</a:t>
+            </a:r>
+            <a:r>
+              <a:rPr lang="de-AT" baseline="0" dirty="0" smtClean="0"/>
+              <a:t> </a:t>
+            </a:r>
+            <a:r>
+              <a:rPr lang="de-AT" baseline="0" dirty="0" err="1" smtClean="0"/>
+              <a:t>and</a:t>
+            </a:r>
+            <a:r>
+              <a:rPr lang="de-AT" baseline="0" dirty="0" smtClean="0"/>
+              <a:t> </a:t>
+            </a:r>
+            <a:r>
+              <a:rPr lang="de-AT" baseline="0" dirty="0" err="1" smtClean="0"/>
+              <a:t>the</a:t>
+            </a:r>
+            <a:r>
+              <a:rPr lang="de-AT" baseline="0" dirty="0" smtClean="0"/>
+              <a:t> </a:t>
+            </a:r>
+            <a:r>
+              <a:rPr lang="de-AT" baseline="0" dirty="0" err="1" smtClean="0"/>
+              <a:t>corresponding</a:t>
+            </a:r>
+            <a:r>
+              <a:rPr lang="de-AT" baseline="0" dirty="0" smtClean="0"/>
+              <a:t> APIs form a </a:t>
+            </a:r>
+            <a:r>
+              <a:rPr lang="de-AT" baseline="0" dirty="0" err="1" smtClean="0"/>
+              <a:t>main</a:t>
+            </a:r>
+            <a:r>
+              <a:rPr lang="de-AT" baseline="0" dirty="0" smtClean="0"/>
+              <a:t> </a:t>
+            </a:r>
+            <a:r>
+              <a:rPr lang="de-AT" baseline="0" dirty="0" err="1" smtClean="0"/>
+              <a:t>part</a:t>
+            </a:r>
+            <a:r>
+              <a:rPr lang="de-AT" baseline="0" dirty="0" smtClean="0"/>
+              <a:t> </a:t>
+            </a:r>
+            <a:r>
+              <a:rPr lang="de-AT" baseline="0" dirty="0" err="1" smtClean="0"/>
+              <a:t>of</a:t>
+            </a:r>
+            <a:r>
+              <a:rPr lang="de-AT" baseline="0" dirty="0" smtClean="0"/>
+              <a:t> </a:t>
+            </a:r>
+            <a:r>
+              <a:rPr lang="de-AT" baseline="0" dirty="0" err="1" smtClean="0"/>
+              <a:t>my</a:t>
+            </a:r>
+            <a:r>
+              <a:rPr lang="de-AT" baseline="0" dirty="0" smtClean="0"/>
+              <a:t> </a:t>
+            </a:r>
+            <a:r>
+              <a:rPr lang="de-AT" baseline="0" dirty="0" err="1" smtClean="0"/>
+              <a:t>bachelor</a:t>
+            </a:r>
+            <a:r>
+              <a:rPr lang="de-AT" baseline="0" dirty="0" smtClean="0"/>
+              <a:t> </a:t>
+            </a:r>
+            <a:r>
+              <a:rPr lang="de-AT" baseline="0" dirty="0" err="1" smtClean="0"/>
+              <a:t>thesis</a:t>
+            </a:r>
+            <a:r>
+              <a:rPr lang="de-AT" baseline="0" dirty="0" smtClean="0"/>
+              <a:t>.</a:t>
+            </a:r>
+            <a:endParaRPr lang="en-US" dirty="0" smtClean="0"/>
+          </a:p>
+          <a:p>
+            <a:endParaRPr lang="en-US" baseline="0" noProof="0" dirty="0" smtClean="0"/>
           </a:p>
         </p:txBody>
       </p:sp>
@@ -12738,7 +13172,7 @@
           <a:p>
             <a:fld id="{E19E8DFC-DE97-490B-8572-C8B1A4CD170F}" type="slidenum">
               <a:rPr lang="en-US" smtClean="0"/>
-              <a:t>5</a:t>
+              <a:t>4</a:t>
             </a:fld>
             <a:endParaRPr lang="en-US"/>
           </a:p>
@@ -12747,7 +13181,7 @@
     </p:spTree>
     <p:extLst>
       <p:ext uri="{BB962C8B-B14F-4D97-AF65-F5344CB8AC3E}">
-        <p14:creationId xmlns:p14="http://schemas.microsoft.com/office/powerpoint/2010/main" val="829777646"/>
+        <p14:creationId xmlns:p14="http://schemas.microsoft.com/office/powerpoint/2010/main" val="441294791"/>
       </p:ext>
     </p:extLst>
   </p:cSld>
@@ -12802,40 +13236,184 @@
           <a:lstStyle/>
           <a:p>
             <a:r>
-              <a:rPr lang="en-US" b="1" dirty="0" smtClean="0"/>
-              <a:t>After</a:t>
+              <a:rPr lang="de-AT" b="1" dirty="0" smtClean="0"/>
+              <a:t>As </a:t>
+            </a:r>
+            <a:r>
+              <a:rPr lang="de-AT" b="1" dirty="0" err="1" smtClean="0"/>
+              <a:t>important</a:t>
+            </a:r>
+            <a:r>
+              <a:rPr lang="de-AT" b="1" dirty="0" smtClean="0"/>
+              <a:t> </a:t>
+            </a:r>
+            <a:r>
+              <a:rPr lang="de-AT" b="1" dirty="0" err="1" smtClean="0"/>
+              <a:t>as</a:t>
+            </a:r>
+            <a:r>
+              <a:rPr lang="de-AT" dirty="0" smtClean="0"/>
+              <a:t> </a:t>
+            </a:r>
+            <a:r>
+              <a:rPr lang="de-AT" dirty="0" err="1" smtClean="0"/>
+              <a:t>how</a:t>
+            </a:r>
+            <a:r>
+              <a:rPr lang="de-AT" dirty="0" smtClean="0"/>
+              <a:t> OpenCL </a:t>
+            </a:r>
+            <a:r>
+              <a:rPr lang="de-AT" dirty="0" err="1" smtClean="0"/>
+              <a:t>handles</a:t>
+            </a:r>
+            <a:r>
+              <a:rPr lang="de-AT" dirty="0" smtClean="0"/>
+              <a:t> </a:t>
+            </a:r>
+            <a:r>
+              <a:rPr lang="de-AT" dirty="0" err="1" smtClean="0"/>
+              <a:t>the</a:t>
+            </a:r>
+            <a:r>
+              <a:rPr lang="de-AT" dirty="0" smtClean="0"/>
+              <a:t> </a:t>
+            </a:r>
+            <a:r>
+              <a:rPr lang="de-AT" dirty="0" err="1" smtClean="0"/>
+              <a:t>hardware</a:t>
+            </a:r>
+            <a:r>
+              <a:rPr lang="de-AT" baseline="0" dirty="0" smtClean="0"/>
+              <a:t> </a:t>
+            </a:r>
+            <a:r>
+              <a:rPr lang="de-AT" baseline="0" dirty="0" err="1" smtClean="0"/>
+              <a:t>is</a:t>
+            </a:r>
+            <a:r>
+              <a:rPr lang="de-AT" baseline="0" dirty="0" smtClean="0"/>
+              <a:t> </a:t>
+            </a:r>
+            <a:r>
+              <a:rPr lang="de-AT" baseline="0" dirty="0" err="1" smtClean="0"/>
+              <a:t>how</a:t>
+            </a:r>
+            <a:r>
+              <a:rPr lang="de-AT" baseline="0" dirty="0" smtClean="0"/>
+              <a:t> </a:t>
+            </a:r>
+            <a:r>
+              <a:rPr lang="de-AT" baseline="0" dirty="0" err="1" smtClean="0"/>
+              <a:t>the</a:t>
+            </a:r>
+            <a:r>
+              <a:rPr lang="de-AT" baseline="0" dirty="0" smtClean="0"/>
+              <a:t> </a:t>
+            </a:r>
+            <a:r>
+              <a:rPr lang="de-AT" b="1" baseline="0" dirty="0" err="1" smtClean="0"/>
+              <a:t>hardware</a:t>
+            </a:r>
+            <a:r>
+              <a:rPr lang="de-AT" baseline="0" dirty="0" smtClean="0"/>
+              <a:t> </a:t>
+            </a:r>
+            <a:r>
+              <a:rPr lang="de-AT" baseline="0" dirty="0" err="1" smtClean="0"/>
+              <a:t>actually</a:t>
+            </a:r>
+            <a:r>
+              <a:rPr lang="de-AT" baseline="0" dirty="0" smtClean="0"/>
+              <a:t> </a:t>
+            </a:r>
+            <a:r>
+              <a:rPr lang="de-AT" baseline="0" dirty="0" err="1" smtClean="0"/>
+              <a:t>looks</a:t>
+            </a:r>
+            <a:r>
+              <a:rPr lang="de-AT" baseline="0" dirty="0" smtClean="0"/>
+              <a:t> </a:t>
+            </a:r>
+            <a:r>
+              <a:rPr lang="de-AT" baseline="0" dirty="0" err="1" smtClean="0"/>
+              <a:t>like</a:t>
+            </a:r>
+            <a:r>
+              <a:rPr lang="de-AT" baseline="0" dirty="0" smtClean="0"/>
+              <a:t>. So </a:t>
+            </a:r>
+            <a:r>
+              <a:rPr lang="de-AT" baseline="0" dirty="0" err="1" smtClean="0"/>
+              <a:t>here</a:t>
+            </a:r>
+            <a:r>
+              <a:rPr lang="de-AT" baseline="0" dirty="0" smtClean="0"/>
+              <a:t> </a:t>
+            </a:r>
+            <a:r>
+              <a:rPr lang="en-US" dirty="0" smtClean="0"/>
+              <a:t>is a very</a:t>
+            </a:r>
+            <a:r>
+              <a:rPr lang="en-US" baseline="0" dirty="0" smtClean="0"/>
+              <a:t>, very abstract view of a CPU and a GPU. The obvious </a:t>
             </a:r>
             <a:r>
               <a:rPr lang="en-US" b="1" baseline="0" dirty="0" smtClean="0"/>
-              <a:t> a profound introduction</a:t>
+              <a:t>difference</a:t>
             </a:r>
             <a:r>
               <a:rPr lang="en-US" baseline="0" dirty="0" smtClean="0"/>
-              <a:t> to OpenCL and hardware, t</a:t>
-            </a:r>
-            <a:r>
-              <a:rPr lang="en-US" dirty="0" smtClean="0"/>
-              <a:t>he</a:t>
+              <a:t> is the </a:t>
+            </a:r>
+            <a:r>
+              <a:rPr lang="en-US" b="1" baseline="0" dirty="0" smtClean="0"/>
+              <a:t>number of cores</a:t>
             </a:r>
             <a:r>
               <a:rPr lang="en-US" baseline="0" dirty="0" smtClean="0"/>
-              <a:t> second focus of my bachelor thesis will be the </a:t>
+              <a:t>. A typical CPU has around 4 independent cores while a typical GPU has several hundreds of cores grouped together in so-called multi processors. This difference in hardware architecture has a </a:t>
             </a:r>
             <a:r>
               <a:rPr lang="en-US" b="1" baseline="0" dirty="0" smtClean="0"/>
-              <a:t>implementation and benchmark</a:t>
+              <a:t>huge impact</a:t>
             </a:r>
             <a:r>
               <a:rPr lang="en-US" baseline="0" dirty="0" smtClean="0"/>
-              <a:t> of several standard algorithms. These include algorithms for sorting, scanning and matrix multiplication. I have chosen this algorithms because they often form </a:t>
+              <a:t> on the </a:t>
             </a:r>
             <a:r>
               <a:rPr lang="en-US" b="1" baseline="0" dirty="0" smtClean="0"/>
-              <a:t>fundamental blocks</a:t>
+              <a:t>kind of algorithms</a:t>
             </a:r>
             <a:r>
               <a:rPr lang="en-US" baseline="0" dirty="0" smtClean="0"/>
-              <a:t> for various applications.</a:t>
+              <a:t> that can be </a:t>
+            </a:r>
+            <a:r>
+              <a:rPr lang="en-US" b="1" baseline="0" dirty="0" smtClean="0"/>
+              <a:t>run efficiently</a:t>
+            </a:r>
+            <a:r>
+              <a:rPr lang="en-US" baseline="0" dirty="0" smtClean="0"/>
+              <a:t> on the GPU and on the </a:t>
+            </a:r>
+            <a:r>
+              <a:rPr lang="en-US" b="1" baseline="0" dirty="0" smtClean="0"/>
+              <a:t>problems</a:t>
+            </a:r>
+            <a:r>
+              <a:rPr lang="en-US" baseline="0" dirty="0" smtClean="0"/>
+              <a:t> we will encounter </a:t>
+            </a:r>
+            <a:r>
+              <a:rPr lang="en-US" b="1" baseline="0" dirty="0" smtClean="0"/>
+              <a:t>during the implementation</a:t>
+            </a:r>
+            <a:r>
+              <a:rPr lang="en-US" baseline="0" dirty="0" smtClean="0"/>
+              <a:t>. So the second big chapter in my thesis will be about the hardware architectures OpenCL supports.</a:t>
             </a:r>
             <a:endParaRPr lang="en-US" dirty="0"/>
           </a:p>
@@ -12858,7 +13436,7 @@
           <a:p>
             <a:fld id="{E19E8DFC-DE97-490B-8572-C8B1A4CD170F}" type="slidenum">
               <a:rPr lang="en-US" smtClean="0"/>
-              <a:t>6</a:t>
+              <a:t>5</a:t>
             </a:fld>
             <a:endParaRPr lang="en-US"/>
           </a:p>
@@ -12867,7 +13445,7 @@
     </p:spTree>
     <p:extLst>
       <p:ext uri="{BB962C8B-B14F-4D97-AF65-F5344CB8AC3E}">
-        <p14:creationId xmlns:p14="http://schemas.microsoft.com/office/powerpoint/2010/main" val="3393549385"/>
+        <p14:creationId xmlns:p14="http://schemas.microsoft.com/office/powerpoint/2010/main" val="829777646"/>
       </p:ext>
     </p:extLst>
   </p:cSld>
@@ -12922,38 +13500,42 @@
           <a:lstStyle/>
           <a:p>
             <a:r>
-              <a:rPr lang="en-US" noProof="0" dirty="0" smtClean="0"/>
-              <a:t>The first and probably</a:t>
-            </a:r>
-            <a:r>
-              <a:rPr lang="en-US" baseline="0" noProof="0" dirty="0" smtClean="0"/>
-              <a:t> my </a:t>
-            </a:r>
-            <a:r>
-              <a:rPr lang="en-US" b="1" baseline="0" noProof="0" dirty="0" smtClean="0"/>
-              <a:t>most complex</a:t>
-            </a:r>
-            <a:r>
-              <a:rPr lang="en-US" baseline="0" noProof="0" dirty="0" smtClean="0"/>
-              <a:t> class of algorithms are sorting algorithms. Everybody knows sorting algorithms, like quicksort. Most sorting algorithms rely on some kind of </a:t>
-            </a:r>
-            <a:r>
-              <a:rPr lang="en-US" b="1" baseline="0" noProof="0" dirty="0" smtClean="0"/>
-              <a:t>comparing and swapping</a:t>
-            </a:r>
-            <a:r>
-              <a:rPr lang="en-US" baseline="0" noProof="0" dirty="0" smtClean="0"/>
-              <a:t> of two elements one after each other. This works perfectly on a single core, but on several hundred cores only one core would be used at a time. Therefore different approaches are necessary like the </a:t>
-            </a:r>
-            <a:r>
-              <a:rPr lang="en-US" baseline="0" noProof="0" dirty="0" err="1" smtClean="0"/>
-              <a:t>bitonic</a:t>
-            </a:r>
-            <a:r>
-              <a:rPr lang="en-US" baseline="0" noProof="0" dirty="0" smtClean="0"/>
-              <a:t> sorting network, which has a worse runtime complexity than a quicksort, but allows many operations to run parallel.</a:t>
-            </a:r>
-            <a:endParaRPr lang="en-US" noProof="0" dirty="0"/>
+              <a:rPr lang="en-US" b="1" dirty="0" smtClean="0"/>
+              <a:t>After</a:t>
+            </a:r>
+            <a:r>
+              <a:rPr lang="en-US" b="1" baseline="0" dirty="0" smtClean="0"/>
+              <a:t> a profound introduction</a:t>
+            </a:r>
+            <a:r>
+              <a:rPr lang="en-US" baseline="0" dirty="0" smtClean="0"/>
+              <a:t> to OpenCL and hardware, t</a:t>
+            </a:r>
+            <a:r>
+              <a:rPr lang="en-US" dirty="0" smtClean="0"/>
+              <a:t>he</a:t>
+            </a:r>
+            <a:r>
+              <a:rPr lang="en-US" baseline="0" dirty="0" smtClean="0"/>
+              <a:t> second focus of my bachelor thesis will be the </a:t>
+            </a:r>
+            <a:r>
+              <a:rPr lang="en-US" b="1" baseline="0" dirty="0" smtClean="0"/>
+              <a:t>implementation and benchmark</a:t>
+            </a:r>
+            <a:r>
+              <a:rPr lang="en-US" baseline="0" dirty="0" smtClean="0"/>
+              <a:t> of several standard algorithms. These include algorithms for sorting, scanning and matrix multiplication. I have chosen this algorithms because they often form </a:t>
+            </a:r>
+            <a:r>
+              <a:rPr lang="en-US" b="1" baseline="0" dirty="0" smtClean="0"/>
+              <a:t>fundamental blocks</a:t>
+            </a:r>
+            <a:r>
+              <a:rPr lang="en-US" baseline="0" dirty="0" smtClean="0"/>
+              <a:t> for various applications.</a:t>
+            </a:r>
+            <a:endParaRPr lang="en-US" dirty="0"/>
           </a:p>
         </p:txBody>
       </p:sp>
@@ -12974,7 +13556,7 @@
           <a:p>
             <a:fld id="{E19E8DFC-DE97-490B-8572-C8B1A4CD170F}" type="slidenum">
               <a:rPr lang="en-US" smtClean="0"/>
-              <a:t>7</a:t>
+              <a:t>6</a:t>
             </a:fld>
             <a:endParaRPr lang="en-US"/>
           </a:p>
@@ -12983,7 +13565,7 @@
     </p:spTree>
     <p:extLst>
       <p:ext uri="{BB962C8B-B14F-4D97-AF65-F5344CB8AC3E}">
-        <p14:creationId xmlns:p14="http://schemas.microsoft.com/office/powerpoint/2010/main" val="28195266"/>
+        <p14:creationId xmlns:p14="http://schemas.microsoft.com/office/powerpoint/2010/main" val="3393549385"/>
       </p:ext>
     </p:extLst>
   </p:cSld>
@@ -13038,394 +13620,38 @@
           <a:lstStyle/>
           <a:p>
             <a:r>
-              <a:rPr lang="de-AT" dirty="0" err="1" smtClean="0"/>
-              <a:t>Another</a:t>
-            </a:r>
-            <a:r>
-              <a:rPr lang="de-AT" dirty="0" smtClean="0"/>
-              <a:t> </a:t>
-            </a:r>
-            <a:r>
-              <a:rPr lang="de-AT" dirty="0" err="1" smtClean="0"/>
-              <a:t>basic</a:t>
-            </a:r>
-            <a:r>
-              <a:rPr lang="de-AT" dirty="0" smtClean="0"/>
-              <a:t> </a:t>
-            </a:r>
-            <a:r>
-              <a:rPr lang="de-AT" dirty="0" err="1" smtClean="0"/>
-              <a:t>algorithm</a:t>
-            </a:r>
-            <a:r>
-              <a:rPr lang="de-AT" dirty="0" smtClean="0"/>
-              <a:t> </a:t>
-            </a:r>
-            <a:r>
-              <a:rPr lang="de-AT" dirty="0" err="1" smtClean="0"/>
-              <a:t>is</a:t>
-            </a:r>
-            <a:r>
-              <a:rPr lang="de-AT" dirty="0" smtClean="0"/>
-              <a:t> </a:t>
-            </a:r>
-            <a:r>
-              <a:rPr lang="de-AT" dirty="0" err="1" smtClean="0"/>
-              <a:t>the</a:t>
-            </a:r>
-            <a:r>
-              <a:rPr lang="de-AT" dirty="0" smtClean="0"/>
-              <a:t> so-</a:t>
-            </a:r>
-            <a:r>
-              <a:rPr lang="de-AT" dirty="0" err="1" smtClean="0"/>
-              <a:t>called</a:t>
-            </a:r>
-            <a:r>
-              <a:rPr lang="de-AT" dirty="0" smtClean="0"/>
-              <a:t> </a:t>
-            </a:r>
-            <a:r>
-              <a:rPr lang="de-AT" dirty="0" err="1" smtClean="0"/>
-              <a:t>scan</a:t>
-            </a:r>
-            <a:r>
-              <a:rPr lang="de-AT" dirty="0" smtClean="0"/>
-              <a:t>.</a:t>
-            </a:r>
-            <a:r>
-              <a:rPr lang="de-AT" baseline="0" dirty="0" smtClean="0"/>
-              <a:t> The </a:t>
-            </a:r>
-            <a:r>
-              <a:rPr lang="de-AT" baseline="0" dirty="0" err="1" smtClean="0"/>
-              <a:t>scan</a:t>
-            </a:r>
-            <a:r>
-              <a:rPr lang="de-AT" baseline="0" dirty="0" smtClean="0"/>
-              <a:t> </a:t>
-            </a:r>
-            <a:r>
-              <a:rPr lang="de-AT" baseline="0" dirty="0" err="1" smtClean="0"/>
-              <a:t>operation</a:t>
-            </a:r>
-            <a:r>
-              <a:rPr lang="de-AT" baseline="0" dirty="0" smtClean="0"/>
-              <a:t> </a:t>
-            </a:r>
-            <a:r>
-              <a:rPr lang="de-AT" baseline="0" dirty="0" err="1" smtClean="0"/>
-              <a:t>simply</a:t>
-            </a:r>
-            <a:r>
-              <a:rPr lang="de-AT" baseline="0" dirty="0" smtClean="0"/>
-              <a:t> </a:t>
-            </a:r>
-            <a:r>
-              <a:rPr lang="de-AT" baseline="0" dirty="0" err="1" smtClean="0"/>
-              <a:t>loops</a:t>
-            </a:r>
-            <a:r>
-              <a:rPr lang="de-AT" baseline="0" dirty="0" smtClean="0"/>
-              <a:t> </a:t>
-            </a:r>
-            <a:r>
-              <a:rPr lang="de-AT" baseline="0" dirty="0" err="1" smtClean="0"/>
-              <a:t>over</a:t>
-            </a:r>
-            <a:r>
-              <a:rPr lang="de-AT" baseline="0" dirty="0" smtClean="0"/>
-              <a:t> an </a:t>
-            </a:r>
-            <a:r>
-              <a:rPr lang="de-AT" baseline="0" dirty="0" err="1" smtClean="0"/>
-              <a:t>array</a:t>
-            </a:r>
-            <a:r>
-              <a:rPr lang="de-AT" baseline="0" dirty="0" smtClean="0"/>
-              <a:t> </a:t>
-            </a:r>
-            <a:r>
-              <a:rPr lang="de-AT" baseline="0" dirty="0" err="1" smtClean="0"/>
-              <a:t>and</a:t>
-            </a:r>
-            <a:r>
-              <a:rPr lang="de-AT" baseline="0" dirty="0" smtClean="0"/>
-              <a:t> sums </a:t>
-            </a:r>
-            <a:r>
-              <a:rPr lang="de-AT" baseline="0" dirty="0" err="1" smtClean="0"/>
-              <a:t>up</a:t>
-            </a:r>
-            <a:r>
-              <a:rPr lang="de-AT" baseline="0" dirty="0" smtClean="0"/>
-              <a:t> </a:t>
-            </a:r>
-            <a:r>
-              <a:rPr lang="de-AT" baseline="0" dirty="0" err="1" smtClean="0"/>
-              <a:t>the</a:t>
-            </a:r>
-            <a:r>
-              <a:rPr lang="de-AT" baseline="0" dirty="0" smtClean="0"/>
-              <a:t> </a:t>
-            </a:r>
-            <a:r>
-              <a:rPr lang="de-AT" baseline="0" dirty="0" err="1" smtClean="0"/>
-              <a:t>previous</a:t>
-            </a:r>
-            <a:r>
-              <a:rPr lang="de-AT" baseline="0" dirty="0" smtClean="0"/>
-              <a:t> </a:t>
-            </a:r>
-            <a:r>
-              <a:rPr lang="de-AT" baseline="0" dirty="0" err="1" smtClean="0"/>
-              <a:t>values</a:t>
-            </a:r>
-            <a:r>
-              <a:rPr lang="de-AT" baseline="0" dirty="0" smtClean="0"/>
-              <a:t> plus </a:t>
-            </a:r>
-            <a:r>
-              <a:rPr lang="de-AT" baseline="0" dirty="0" err="1" smtClean="0"/>
-              <a:t>the</a:t>
-            </a:r>
-            <a:r>
-              <a:rPr lang="de-AT" baseline="0" dirty="0" smtClean="0"/>
-              <a:t> </a:t>
-            </a:r>
-            <a:r>
-              <a:rPr lang="de-AT" baseline="0" dirty="0" err="1" smtClean="0"/>
-              <a:t>current</a:t>
-            </a:r>
-            <a:r>
-              <a:rPr lang="de-AT" baseline="0" dirty="0" smtClean="0"/>
-              <a:t> </a:t>
-            </a:r>
-            <a:r>
-              <a:rPr lang="de-AT" baseline="0" dirty="0" err="1" smtClean="0"/>
-              <a:t>value</a:t>
-            </a:r>
-            <a:r>
-              <a:rPr lang="de-AT" baseline="0" dirty="0" smtClean="0"/>
-              <a:t>. The </a:t>
-            </a:r>
-            <a:r>
-              <a:rPr lang="de-AT" baseline="0" dirty="0" err="1" smtClean="0"/>
-              <a:t>implementation</a:t>
-            </a:r>
-            <a:r>
-              <a:rPr lang="de-AT" baseline="0" dirty="0" smtClean="0"/>
-              <a:t> </a:t>
-            </a:r>
-            <a:r>
-              <a:rPr lang="de-AT" baseline="0" dirty="0" err="1" smtClean="0"/>
-              <a:t>for</a:t>
-            </a:r>
-            <a:r>
-              <a:rPr lang="de-AT" baseline="0" dirty="0" smtClean="0"/>
-              <a:t> a CPU </a:t>
-            </a:r>
-            <a:r>
-              <a:rPr lang="de-AT" baseline="0" dirty="0" err="1" smtClean="0"/>
-              <a:t>looks</a:t>
-            </a:r>
-            <a:r>
-              <a:rPr lang="de-AT" baseline="0" dirty="0" smtClean="0"/>
-              <a:t> </a:t>
-            </a:r>
-            <a:r>
-              <a:rPr lang="de-AT" baseline="0" dirty="0" err="1" smtClean="0"/>
-              <a:t>very</a:t>
-            </a:r>
-            <a:r>
-              <a:rPr lang="de-AT" baseline="0" dirty="0" smtClean="0"/>
-              <a:t> simple. But </a:t>
-            </a:r>
-            <a:r>
-              <a:rPr lang="de-AT" baseline="0" dirty="0" err="1" smtClean="0"/>
-              <a:t>as</a:t>
-            </a:r>
-            <a:r>
-              <a:rPr lang="de-AT" baseline="0" dirty="0" smtClean="0"/>
-              <a:t> </a:t>
-            </a:r>
-            <a:r>
-              <a:rPr lang="de-AT" baseline="0" dirty="0" err="1" smtClean="0"/>
-              <a:t>the</a:t>
-            </a:r>
-            <a:r>
-              <a:rPr lang="de-AT" baseline="0" dirty="0" smtClean="0"/>
-              <a:t> </a:t>
-            </a:r>
-            <a:r>
-              <a:rPr lang="de-AT" baseline="0" dirty="0" err="1" smtClean="0"/>
-              <a:t>algorithm</a:t>
-            </a:r>
-            <a:r>
-              <a:rPr lang="de-AT" baseline="0" dirty="0" smtClean="0"/>
-              <a:t> </a:t>
-            </a:r>
-            <a:r>
-              <a:rPr lang="de-AT" baseline="0" dirty="0" err="1" smtClean="0"/>
-              <a:t>is</a:t>
-            </a:r>
-            <a:r>
-              <a:rPr lang="de-AT" baseline="0" dirty="0" smtClean="0"/>
-              <a:t> </a:t>
-            </a:r>
-            <a:r>
-              <a:rPr lang="de-AT" b="1" baseline="0" dirty="0" smtClean="0"/>
-              <a:t>linear</a:t>
-            </a:r>
-            <a:r>
-              <a:rPr lang="de-AT" baseline="0" dirty="0" smtClean="0"/>
-              <a:t>, </a:t>
-            </a:r>
-            <a:r>
-              <a:rPr lang="de-AT" baseline="0" dirty="0" err="1" smtClean="0"/>
-              <a:t>it</a:t>
-            </a:r>
-            <a:r>
-              <a:rPr lang="de-AT" baseline="0" dirty="0" smtClean="0"/>
-              <a:t> </a:t>
-            </a:r>
-            <a:r>
-              <a:rPr lang="de-AT" baseline="0" dirty="0" err="1" smtClean="0"/>
-              <a:t>is</a:t>
-            </a:r>
-            <a:r>
-              <a:rPr lang="de-AT" baseline="0" dirty="0" smtClean="0"/>
-              <a:t> </a:t>
-            </a:r>
-            <a:r>
-              <a:rPr lang="de-AT" baseline="0" dirty="0" err="1" smtClean="0"/>
-              <a:t>very</a:t>
-            </a:r>
-            <a:r>
-              <a:rPr lang="de-AT" baseline="0" dirty="0" smtClean="0"/>
-              <a:t> </a:t>
-            </a:r>
-            <a:r>
-              <a:rPr lang="de-AT" b="1" baseline="0" dirty="0" err="1" smtClean="0"/>
-              <a:t>hard</a:t>
-            </a:r>
-            <a:r>
-              <a:rPr lang="de-AT" b="1" baseline="0" dirty="0" smtClean="0"/>
-              <a:t> </a:t>
-            </a:r>
-            <a:r>
-              <a:rPr lang="de-AT" b="1" baseline="0" dirty="0" err="1" smtClean="0"/>
-              <a:t>to</a:t>
-            </a:r>
-            <a:r>
-              <a:rPr lang="de-AT" b="1" baseline="0" dirty="0" smtClean="0"/>
-              <a:t> </a:t>
-            </a:r>
-            <a:r>
-              <a:rPr lang="de-AT" b="1" baseline="0" dirty="0" err="1" smtClean="0"/>
-              <a:t>be</a:t>
-            </a:r>
-            <a:r>
-              <a:rPr lang="de-AT" b="1" baseline="0" dirty="0" smtClean="0"/>
-              <a:t> </a:t>
-            </a:r>
-            <a:r>
-              <a:rPr lang="de-AT" b="1" baseline="0" dirty="0" err="1" smtClean="0"/>
-              <a:t>ported</a:t>
-            </a:r>
-            <a:r>
-              <a:rPr lang="de-AT" baseline="0" dirty="0" smtClean="0"/>
-              <a:t> </a:t>
-            </a:r>
-            <a:r>
-              <a:rPr lang="de-AT" baseline="0" dirty="0" err="1" smtClean="0"/>
-              <a:t>to</a:t>
-            </a:r>
-            <a:r>
-              <a:rPr lang="de-AT" baseline="0" dirty="0" smtClean="0"/>
-              <a:t> a GPU. </a:t>
-            </a:r>
-            <a:r>
-              <a:rPr lang="de-AT" baseline="0" dirty="0" err="1" smtClean="0"/>
-              <a:t>One</a:t>
-            </a:r>
-            <a:r>
-              <a:rPr lang="de-AT" baseline="0" dirty="0" smtClean="0"/>
-              <a:t> </a:t>
-            </a:r>
-            <a:r>
-              <a:rPr lang="de-AT" baseline="0" dirty="0" err="1" smtClean="0"/>
-              <a:t>method</a:t>
-            </a:r>
-            <a:r>
-              <a:rPr lang="de-AT" baseline="0" dirty="0" smtClean="0"/>
-              <a:t> </a:t>
-            </a:r>
-            <a:r>
-              <a:rPr lang="de-AT" baseline="0" dirty="0" err="1" smtClean="0"/>
-              <a:t>would</a:t>
-            </a:r>
-            <a:r>
-              <a:rPr lang="de-AT" baseline="0" dirty="0" smtClean="0"/>
-              <a:t> </a:t>
-            </a:r>
-            <a:r>
-              <a:rPr lang="de-AT" baseline="0" dirty="0" err="1" smtClean="0"/>
-              <a:t>be</a:t>
-            </a:r>
-            <a:r>
-              <a:rPr lang="de-AT" baseline="0" dirty="0" smtClean="0"/>
-              <a:t> </a:t>
-            </a:r>
-            <a:r>
-              <a:rPr lang="de-AT" baseline="0" dirty="0" err="1" smtClean="0"/>
-              <a:t>to</a:t>
-            </a:r>
-            <a:r>
-              <a:rPr lang="de-AT" baseline="0" dirty="0" smtClean="0"/>
-              <a:t> </a:t>
-            </a:r>
-            <a:r>
-              <a:rPr lang="de-AT" baseline="0" dirty="0" err="1" smtClean="0"/>
-              <a:t>use</a:t>
-            </a:r>
-            <a:r>
-              <a:rPr lang="de-AT" baseline="0" dirty="0" smtClean="0"/>
-              <a:t> such a </a:t>
-            </a:r>
-            <a:r>
-              <a:rPr lang="de-AT" baseline="0" dirty="0" err="1" smtClean="0"/>
-              <a:t>tree</a:t>
-            </a:r>
-            <a:r>
-              <a:rPr lang="de-AT" baseline="0" dirty="0" smtClean="0"/>
-              <a:t> </a:t>
-            </a:r>
-            <a:r>
-              <a:rPr lang="de-AT" baseline="0" dirty="0" err="1" smtClean="0"/>
-              <a:t>based</a:t>
-            </a:r>
-            <a:r>
-              <a:rPr lang="de-AT" baseline="0" dirty="0" smtClean="0"/>
-              <a:t> </a:t>
-            </a:r>
-            <a:r>
-              <a:rPr lang="de-AT" baseline="0" dirty="0" err="1" smtClean="0"/>
-              <a:t>addition</a:t>
-            </a:r>
-            <a:r>
-              <a:rPr lang="de-AT" baseline="0" dirty="0" smtClean="0"/>
-              <a:t> </a:t>
-            </a:r>
-            <a:r>
-              <a:rPr lang="de-AT" baseline="0" dirty="0" err="1" smtClean="0"/>
-              <a:t>system</a:t>
-            </a:r>
-            <a:r>
-              <a:rPr lang="de-AT" baseline="0" dirty="0" smtClean="0"/>
-              <a:t>.</a:t>
-            </a:r>
-            <a:endParaRPr lang="en-US" dirty="0"/>
+              <a:rPr lang="en-US" noProof="0" dirty="0" smtClean="0"/>
+              <a:t>The first and probably</a:t>
+            </a:r>
+            <a:r>
+              <a:rPr lang="en-US" baseline="0" noProof="0" dirty="0" smtClean="0"/>
+              <a:t> my </a:t>
+            </a:r>
+            <a:r>
+              <a:rPr lang="en-US" b="1" baseline="0" noProof="0" dirty="0" smtClean="0"/>
+              <a:t>most complex</a:t>
+            </a:r>
+            <a:r>
+              <a:rPr lang="en-US" baseline="0" noProof="0" dirty="0" smtClean="0"/>
+              <a:t> class of algorithms are sorting algorithms. Everybody knows sorting algorithms, like quicksort. Most sorting algorithms rely on some kind of </a:t>
+            </a:r>
+            <a:r>
+              <a:rPr lang="en-US" b="1" baseline="0" noProof="0" dirty="0" smtClean="0"/>
+              <a:t>comparing and swapping</a:t>
+            </a:r>
+            <a:r>
+              <a:rPr lang="en-US" baseline="0" noProof="0" dirty="0" smtClean="0"/>
+              <a:t> of two elements one after each other. This works perfectly on a single core, but on several hundred cores only one core would be used at a time. Therefore different approaches are necessary like the </a:t>
+            </a:r>
+            <a:r>
+              <a:rPr lang="en-US" baseline="0" noProof="0" dirty="0" err="1" smtClean="0"/>
+              <a:t>bitonic</a:t>
+            </a:r>
+            <a:r>
+              <a:rPr lang="en-US" baseline="0" noProof="0" dirty="0" smtClean="0"/>
+              <a:t> sorting network, which has a worse runtime complexity than a quicksort, but allows many operations to run parallel.</a:t>
+            </a:r>
+            <a:endParaRPr lang="en-US" noProof="0" dirty="0"/>
           </a:p>
         </p:txBody>
       </p:sp>
@@ -13446,7 +13672,7 @@
           <a:p>
             <a:fld id="{E19E8DFC-DE97-490B-8572-C8B1A4CD170F}" type="slidenum">
               <a:rPr lang="en-US" smtClean="0"/>
-              <a:t>8</a:t>
+              <a:t>7</a:t>
             </a:fld>
             <a:endParaRPr lang="en-US"/>
           </a:p>
@@ -13455,7 +13681,7 @@
     </p:spTree>
     <p:extLst>
       <p:ext uri="{BB962C8B-B14F-4D97-AF65-F5344CB8AC3E}">
-        <p14:creationId xmlns:p14="http://schemas.microsoft.com/office/powerpoint/2010/main" val="297160392"/>
+        <p14:creationId xmlns:p14="http://schemas.microsoft.com/office/powerpoint/2010/main" val="28195266"/>
       </p:ext>
     </p:extLst>
   </p:cSld>
@@ -13510,66 +13736,394 @@
           <a:lstStyle/>
           <a:p>
             <a:r>
-              <a:rPr lang="en-US" b="1" noProof="0" dirty="0" smtClean="0"/>
-              <a:t>The final algorithm</a:t>
-            </a:r>
-            <a:r>
-              <a:rPr lang="en-US" noProof="0" dirty="0" smtClean="0"/>
-              <a:t> I want to cover</a:t>
-            </a:r>
-            <a:r>
-              <a:rPr lang="en-US" baseline="0" noProof="0" dirty="0" smtClean="0"/>
-              <a:t> in my bachelor thesis is the matrix multiplication. It has a very </a:t>
-            </a:r>
-            <a:r>
-              <a:rPr lang="en-US" b="1" baseline="0" noProof="0" dirty="0" smtClean="0"/>
-              <a:t>bad runtime complexity</a:t>
-            </a:r>
-            <a:r>
-              <a:rPr lang="en-US" baseline="0" noProof="0" dirty="0" smtClean="0"/>
-              <a:t>, needs a lot of floating point operations and is </a:t>
-            </a:r>
-            <a:r>
-              <a:rPr lang="en-US" b="1" baseline="0" noProof="0" dirty="0" smtClean="0"/>
-              <a:t>highly parallelizable</a:t>
-            </a:r>
-            <a:r>
-              <a:rPr lang="en-US" baseline="0" noProof="0" dirty="0" smtClean="0"/>
-              <a:t>. As a result the matrix multiplication, at least for </a:t>
-            </a:r>
-            <a:r>
-              <a:rPr lang="en-US" b="1" baseline="0" noProof="0" dirty="0" smtClean="0"/>
-              <a:t>large matrixes</a:t>
-            </a:r>
-            <a:r>
-              <a:rPr lang="en-US" baseline="0" noProof="0" dirty="0" smtClean="0"/>
-              <a:t>, should perform a lot better on a GPU. The </a:t>
-            </a:r>
-            <a:r>
-              <a:rPr lang="en-US" b="1" baseline="0" noProof="0" dirty="0" smtClean="0"/>
-              <a:t>question</a:t>
-            </a:r>
-            <a:r>
-              <a:rPr lang="en-US" baseline="0" noProof="0" dirty="0" smtClean="0"/>
-              <a:t> will be </a:t>
-            </a:r>
-            <a:r>
-              <a:rPr lang="en-US" b="1" baseline="0" noProof="0" dirty="0" smtClean="0"/>
-              <a:t>how large</a:t>
-            </a:r>
-            <a:r>
-              <a:rPr lang="en-US" baseline="0" noProof="0" dirty="0" smtClean="0"/>
-              <a:t> has the matrix to be for the GPU </a:t>
-            </a:r>
-            <a:r>
-              <a:rPr lang="en-US" b="1" baseline="0" noProof="0" dirty="0" smtClean="0"/>
-              <a:t>to be faster</a:t>
-            </a:r>
-            <a:r>
-              <a:rPr lang="en-US" baseline="0" noProof="0" dirty="0" smtClean="0"/>
-              <a:t> than the CPU and how much faster will the GPU be?</a:t>
-            </a:r>
-            <a:endParaRPr lang="en-US" noProof="0" dirty="0"/>
+              <a:rPr lang="de-AT" dirty="0" err="1" smtClean="0"/>
+              <a:t>Another</a:t>
+            </a:r>
+            <a:r>
+              <a:rPr lang="de-AT" dirty="0" smtClean="0"/>
+              <a:t> </a:t>
+            </a:r>
+            <a:r>
+              <a:rPr lang="de-AT" dirty="0" err="1" smtClean="0"/>
+              <a:t>basic</a:t>
+            </a:r>
+            <a:r>
+              <a:rPr lang="de-AT" dirty="0" smtClean="0"/>
+              <a:t> </a:t>
+            </a:r>
+            <a:r>
+              <a:rPr lang="de-AT" dirty="0" err="1" smtClean="0"/>
+              <a:t>algorithm</a:t>
+            </a:r>
+            <a:r>
+              <a:rPr lang="de-AT" dirty="0" smtClean="0"/>
+              <a:t> </a:t>
+            </a:r>
+            <a:r>
+              <a:rPr lang="de-AT" dirty="0" err="1" smtClean="0"/>
+              <a:t>is</a:t>
+            </a:r>
+            <a:r>
+              <a:rPr lang="de-AT" dirty="0" smtClean="0"/>
+              <a:t> </a:t>
+            </a:r>
+            <a:r>
+              <a:rPr lang="de-AT" dirty="0" err="1" smtClean="0"/>
+              <a:t>the</a:t>
+            </a:r>
+            <a:r>
+              <a:rPr lang="de-AT" dirty="0" smtClean="0"/>
+              <a:t> so-</a:t>
+            </a:r>
+            <a:r>
+              <a:rPr lang="de-AT" dirty="0" err="1" smtClean="0"/>
+              <a:t>called</a:t>
+            </a:r>
+            <a:r>
+              <a:rPr lang="de-AT" dirty="0" smtClean="0"/>
+              <a:t> </a:t>
+            </a:r>
+            <a:r>
+              <a:rPr lang="de-AT" dirty="0" err="1" smtClean="0"/>
+              <a:t>scan</a:t>
+            </a:r>
+            <a:r>
+              <a:rPr lang="de-AT" dirty="0" smtClean="0"/>
+              <a:t>.</a:t>
+            </a:r>
+            <a:r>
+              <a:rPr lang="de-AT" baseline="0" dirty="0" smtClean="0"/>
+              <a:t> The </a:t>
+            </a:r>
+            <a:r>
+              <a:rPr lang="de-AT" baseline="0" dirty="0" err="1" smtClean="0"/>
+              <a:t>scan</a:t>
+            </a:r>
+            <a:r>
+              <a:rPr lang="de-AT" baseline="0" dirty="0" smtClean="0"/>
+              <a:t> </a:t>
+            </a:r>
+            <a:r>
+              <a:rPr lang="de-AT" baseline="0" dirty="0" err="1" smtClean="0"/>
+              <a:t>operation</a:t>
+            </a:r>
+            <a:r>
+              <a:rPr lang="de-AT" baseline="0" dirty="0" smtClean="0"/>
+              <a:t> </a:t>
+            </a:r>
+            <a:r>
+              <a:rPr lang="de-AT" baseline="0" dirty="0" err="1" smtClean="0"/>
+              <a:t>simply</a:t>
+            </a:r>
+            <a:r>
+              <a:rPr lang="de-AT" baseline="0" dirty="0" smtClean="0"/>
+              <a:t> </a:t>
+            </a:r>
+            <a:r>
+              <a:rPr lang="de-AT" baseline="0" dirty="0" err="1" smtClean="0"/>
+              <a:t>loops</a:t>
+            </a:r>
+            <a:r>
+              <a:rPr lang="de-AT" baseline="0" dirty="0" smtClean="0"/>
+              <a:t> </a:t>
+            </a:r>
+            <a:r>
+              <a:rPr lang="de-AT" baseline="0" dirty="0" err="1" smtClean="0"/>
+              <a:t>over</a:t>
+            </a:r>
+            <a:r>
+              <a:rPr lang="de-AT" baseline="0" dirty="0" smtClean="0"/>
+              <a:t> an </a:t>
+            </a:r>
+            <a:r>
+              <a:rPr lang="de-AT" baseline="0" dirty="0" err="1" smtClean="0"/>
+              <a:t>array</a:t>
+            </a:r>
+            <a:r>
+              <a:rPr lang="de-AT" baseline="0" dirty="0" smtClean="0"/>
+              <a:t> </a:t>
+            </a:r>
+            <a:r>
+              <a:rPr lang="de-AT" baseline="0" dirty="0" err="1" smtClean="0"/>
+              <a:t>and</a:t>
+            </a:r>
+            <a:r>
+              <a:rPr lang="de-AT" baseline="0" dirty="0" smtClean="0"/>
+              <a:t> sums </a:t>
+            </a:r>
+            <a:r>
+              <a:rPr lang="de-AT" baseline="0" dirty="0" err="1" smtClean="0"/>
+              <a:t>up</a:t>
+            </a:r>
+            <a:r>
+              <a:rPr lang="de-AT" baseline="0" dirty="0" smtClean="0"/>
+              <a:t> </a:t>
+            </a:r>
+            <a:r>
+              <a:rPr lang="de-AT" baseline="0" dirty="0" err="1" smtClean="0"/>
+              <a:t>the</a:t>
+            </a:r>
+            <a:r>
+              <a:rPr lang="de-AT" baseline="0" dirty="0" smtClean="0"/>
+              <a:t> </a:t>
+            </a:r>
+            <a:r>
+              <a:rPr lang="de-AT" baseline="0" dirty="0" err="1" smtClean="0"/>
+              <a:t>previous</a:t>
+            </a:r>
+            <a:r>
+              <a:rPr lang="de-AT" baseline="0" dirty="0" smtClean="0"/>
+              <a:t> </a:t>
+            </a:r>
+            <a:r>
+              <a:rPr lang="de-AT" baseline="0" dirty="0" err="1" smtClean="0"/>
+              <a:t>values</a:t>
+            </a:r>
+            <a:r>
+              <a:rPr lang="de-AT" baseline="0" dirty="0" smtClean="0"/>
+              <a:t> plus </a:t>
+            </a:r>
+            <a:r>
+              <a:rPr lang="de-AT" baseline="0" dirty="0" err="1" smtClean="0"/>
+              <a:t>the</a:t>
+            </a:r>
+            <a:r>
+              <a:rPr lang="de-AT" baseline="0" dirty="0" smtClean="0"/>
+              <a:t> </a:t>
+            </a:r>
+            <a:r>
+              <a:rPr lang="de-AT" baseline="0" dirty="0" err="1" smtClean="0"/>
+              <a:t>current</a:t>
+            </a:r>
+            <a:r>
+              <a:rPr lang="de-AT" baseline="0" dirty="0" smtClean="0"/>
+              <a:t> </a:t>
+            </a:r>
+            <a:r>
+              <a:rPr lang="de-AT" baseline="0" dirty="0" err="1" smtClean="0"/>
+              <a:t>value</a:t>
+            </a:r>
+            <a:r>
+              <a:rPr lang="de-AT" baseline="0" dirty="0" smtClean="0"/>
+              <a:t>. The </a:t>
+            </a:r>
+            <a:r>
+              <a:rPr lang="de-AT" baseline="0" dirty="0" err="1" smtClean="0"/>
+              <a:t>implementation</a:t>
+            </a:r>
+            <a:r>
+              <a:rPr lang="de-AT" baseline="0" dirty="0" smtClean="0"/>
+              <a:t> </a:t>
+            </a:r>
+            <a:r>
+              <a:rPr lang="de-AT" baseline="0" dirty="0" err="1" smtClean="0"/>
+              <a:t>for</a:t>
+            </a:r>
+            <a:r>
+              <a:rPr lang="de-AT" baseline="0" dirty="0" smtClean="0"/>
+              <a:t> a CPU </a:t>
+            </a:r>
+            <a:r>
+              <a:rPr lang="de-AT" baseline="0" dirty="0" err="1" smtClean="0"/>
+              <a:t>looks</a:t>
+            </a:r>
+            <a:r>
+              <a:rPr lang="de-AT" baseline="0" dirty="0" smtClean="0"/>
+              <a:t> </a:t>
+            </a:r>
+            <a:r>
+              <a:rPr lang="de-AT" baseline="0" dirty="0" err="1" smtClean="0"/>
+              <a:t>very</a:t>
+            </a:r>
+            <a:r>
+              <a:rPr lang="de-AT" baseline="0" dirty="0" smtClean="0"/>
+              <a:t> simple. But </a:t>
+            </a:r>
+            <a:r>
+              <a:rPr lang="de-AT" baseline="0" dirty="0" err="1" smtClean="0"/>
+              <a:t>as</a:t>
+            </a:r>
+            <a:r>
+              <a:rPr lang="de-AT" baseline="0" dirty="0" smtClean="0"/>
+              <a:t> </a:t>
+            </a:r>
+            <a:r>
+              <a:rPr lang="de-AT" baseline="0" dirty="0" err="1" smtClean="0"/>
+              <a:t>the</a:t>
+            </a:r>
+            <a:r>
+              <a:rPr lang="de-AT" baseline="0" dirty="0" smtClean="0"/>
+              <a:t> </a:t>
+            </a:r>
+            <a:r>
+              <a:rPr lang="de-AT" baseline="0" dirty="0" err="1" smtClean="0"/>
+              <a:t>algorithm</a:t>
+            </a:r>
+            <a:r>
+              <a:rPr lang="de-AT" baseline="0" dirty="0" smtClean="0"/>
+              <a:t> </a:t>
+            </a:r>
+            <a:r>
+              <a:rPr lang="de-AT" baseline="0" dirty="0" err="1" smtClean="0"/>
+              <a:t>is</a:t>
+            </a:r>
+            <a:r>
+              <a:rPr lang="de-AT" baseline="0" dirty="0" smtClean="0"/>
+              <a:t> </a:t>
+            </a:r>
+            <a:r>
+              <a:rPr lang="de-AT" b="1" baseline="0" dirty="0" smtClean="0"/>
+              <a:t>linear</a:t>
+            </a:r>
+            <a:r>
+              <a:rPr lang="de-AT" baseline="0" dirty="0" smtClean="0"/>
+              <a:t>, </a:t>
+            </a:r>
+            <a:r>
+              <a:rPr lang="de-AT" baseline="0" dirty="0" err="1" smtClean="0"/>
+              <a:t>it</a:t>
+            </a:r>
+            <a:r>
+              <a:rPr lang="de-AT" baseline="0" dirty="0" smtClean="0"/>
+              <a:t> </a:t>
+            </a:r>
+            <a:r>
+              <a:rPr lang="de-AT" baseline="0" dirty="0" err="1" smtClean="0"/>
+              <a:t>is</a:t>
+            </a:r>
+            <a:r>
+              <a:rPr lang="de-AT" baseline="0" dirty="0" smtClean="0"/>
+              <a:t> </a:t>
+            </a:r>
+            <a:r>
+              <a:rPr lang="de-AT" baseline="0" dirty="0" err="1" smtClean="0"/>
+              <a:t>very</a:t>
+            </a:r>
+            <a:r>
+              <a:rPr lang="de-AT" baseline="0" dirty="0" smtClean="0"/>
+              <a:t> </a:t>
+            </a:r>
+            <a:r>
+              <a:rPr lang="de-AT" b="1" baseline="0" dirty="0" err="1" smtClean="0"/>
+              <a:t>hard</a:t>
+            </a:r>
+            <a:r>
+              <a:rPr lang="de-AT" b="1" baseline="0" dirty="0" smtClean="0"/>
+              <a:t> </a:t>
+            </a:r>
+            <a:r>
+              <a:rPr lang="de-AT" b="1" baseline="0" dirty="0" err="1" smtClean="0"/>
+              <a:t>to</a:t>
+            </a:r>
+            <a:r>
+              <a:rPr lang="de-AT" b="1" baseline="0" dirty="0" smtClean="0"/>
+              <a:t> </a:t>
+            </a:r>
+            <a:r>
+              <a:rPr lang="de-AT" b="1" baseline="0" dirty="0" err="1" smtClean="0"/>
+              <a:t>be</a:t>
+            </a:r>
+            <a:r>
+              <a:rPr lang="de-AT" b="1" baseline="0" dirty="0" smtClean="0"/>
+              <a:t> </a:t>
+            </a:r>
+            <a:r>
+              <a:rPr lang="de-AT" b="1" baseline="0" dirty="0" err="1" smtClean="0"/>
+              <a:t>ported</a:t>
+            </a:r>
+            <a:r>
+              <a:rPr lang="de-AT" baseline="0" dirty="0" smtClean="0"/>
+              <a:t> </a:t>
+            </a:r>
+            <a:r>
+              <a:rPr lang="de-AT" baseline="0" dirty="0" err="1" smtClean="0"/>
+              <a:t>to</a:t>
+            </a:r>
+            <a:r>
+              <a:rPr lang="de-AT" baseline="0" dirty="0" smtClean="0"/>
+              <a:t> a GPU. </a:t>
+            </a:r>
+            <a:r>
+              <a:rPr lang="de-AT" baseline="0" dirty="0" err="1" smtClean="0"/>
+              <a:t>One</a:t>
+            </a:r>
+            <a:r>
+              <a:rPr lang="de-AT" baseline="0" dirty="0" smtClean="0"/>
+              <a:t> </a:t>
+            </a:r>
+            <a:r>
+              <a:rPr lang="de-AT" baseline="0" dirty="0" err="1" smtClean="0"/>
+              <a:t>method</a:t>
+            </a:r>
+            <a:r>
+              <a:rPr lang="de-AT" baseline="0" dirty="0" smtClean="0"/>
+              <a:t> </a:t>
+            </a:r>
+            <a:r>
+              <a:rPr lang="de-AT" baseline="0" dirty="0" err="1" smtClean="0"/>
+              <a:t>would</a:t>
+            </a:r>
+            <a:r>
+              <a:rPr lang="de-AT" baseline="0" dirty="0" smtClean="0"/>
+              <a:t> </a:t>
+            </a:r>
+            <a:r>
+              <a:rPr lang="de-AT" baseline="0" dirty="0" err="1" smtClean="0"/>
+              <a:t>be</a:t>
+            </a:r>
+            <a:r>
+              <a:rPr lang="de-AT" baseline="0" dirty="0" smtClean="0"/>
+              <a:t> </a:t>
+            </a:r>
+            <a:r>
+              <a:rPr lang="de-AT" baseline="0" dirty="0" err="1" smtClean="0"/>
+              <a:t>to</a:t>
+            </a:r>
+            <a:r>
+              <a:rPr lang="de-AT" baseline="0" dirty="0" smtClean="0"/>
+              <a:t> </a:t>
+            </a:r>
+            <a:r>
+              <a:rPr lang="de-AT" baseline="0" dirty="0" err="1" smtClean="0"/>
+              <a:t>use</a:t>
+            </a:r>
+            <a:r>
+              <a:rPr lang="de-AT" baseline="0" dirty="0" smtClean="0"/>
+              <a:t> such a </a:t>
+            </a:r>
+            <a:r>
+              <a:rPr lang="de-AT" baseline="0" dirty="0" err="1" smtClean="0"/>
+              <a:t>tree</a:t>
+            </a:r>
+            <a:r>
+              <a:rPr lang="de-AT" baseline="0" dirty="0" smtClean="0"/>
+              <a:t> </a:t>
+            </a:r>
+            <a:r>
+              <a:rPr lang="de-AT" baseline="0" dirty="0" err="1" smtClean="0"/>
+              <a:t>based</a:t>
+            </a:r>
+            <a:r>
+              <a:rPr lang="de-AT" baseline="0" dirty="0" smtClean="0"/>
+              <a:t> </a:t>
+            </a:r>
+            <a:r>
+              <a:rPr lang="de-AT" baseline="0" dirty="0" err="1" smtClean="0"/>
+              <a:t>addition</a:t>
+            </a:r>
+            <a:r>
+              <a:rPr lang="de-AT" baseline="0" dirty="0" smtClean="0"/>
+              <a:t> </a:t>
+            </a:r>
+            <a:r>
+              <a:rPr lang="de-AT" baseline="0" dirty="0" err="1" smtClean="0"/>
+              <a:t>system</a:t>
+            </a:r>
+            <a:r>
+              <a:rPr lang="de-AT" baseline="0" dirty="0" smtClean="0"/>
+              <a:t>.</a:t>
+            </a:r>
+            <a:endParaRPr lang="en-US" dirty="0"/>
           </a:p>
         </p:txBody>
       </p:sp>
@@ -13590,7 +14144,7 @@
           <a:p>
             <a:fld id="{E19E8DFC-DE97-490B-8572-C8B1A4CD170F}" type="slidenum">
               <a:rPr lang="en-US" smtClean="0"/>
-              <a:t>9</a:t>
+              <a:t>8</a:t>
             </a:fld>
             <a:endParaRPr lang="en-US"/>
           </a:p>
@@ -13599,7 +14153,7 @@
     </p:spTree>
     <p:extLst>
       <p:ext uri="{BB962C8B-B14F-4D97-AF65-F5344CB8AC3E}">
-        <p14:creationId xmlns:p14="http://schemas.microsoft.com/office/powerpoint/2010/main" val="3530741468"/>
+        <p14:creationId xmlns:p14="http://schemas.microsoft.com/office/powerpoint/2010/main" val="297160392"/>
       </p:ext>
     </p:extLst>
   </p:cSld>
@@ -13654,536 +14208,66 @@
           <a:lstStyle/>
           <a:p>
             <a:r>
-              <a:rPr lang="de-AT" dirty="0" smtClean="0"/>
-              <a:t>So</a:t>
-            </a:r>
-            <a:r>
-              <a:rPr lang="de-AT" baseline="0" dirty="0" smtClean="0"/>
-              <a:t> </a:t>
-            </a:r>
-            <a:r>
-              <a:rPr lang="de-AT" baseline="0" dirty="0" err="1" smtClean="0"/>
-              <a:t>what</a:t>
-            </a:r>
-            <a:r>
-              <a:rPr lang="de-AT" baseline="0" dirty="0" smtClean="0"/>
-              <a:t> </a:t>
-            </a:r>
-            <a:r>
-              <a:rPr lang="de-AT" baseline="0" dirty="0" err="1" smtClean="0"/>
-              <a:t>are</a:t>
-            </a:r>
-            <a:r>
-              <a:rPr lang="de-AT" baseline="0" dirty="0" smtClean="0"/>
-              <a:t> </a:t>
-            </a:r>
-            <a:r>
-              <a:rPr lang="de-AT" baseline="0" dirty="0" err="1" smtClean="0"/>
-              <a:t>the</a:t>
-            </a:r>
-            <a:r>
-              <a:rPr lang="de-AT" baseline="0" dirty="0" smtClean="0"/>
-              <a:t> </a:t>
-            </a:r>
-            <a:r>
-              <a:rPr lang="de-AT" b="1" baseline="0" dirty="0" smtClean="0"/>
-              <a:t>final </a:t>
-            </a:r>
-            <a:r>
-              <a:rPr lang="de-AT" b="1" baseline="0" dirty="0" err="1" smtClean="0"/>
-              <a:t>results</a:t>
-            </a:r>
-            <a:r>
-              <a:rPr lang="de-AT" baseline="0" dirty="0" smtClean="0"/>
-              <a:t> </a:t>
-            </a:r>
-            <a:r>
-              <a:rPr lang="de-AT" baseline="0" dirty="0" err="1" smtClean="0"/>
-              <a:t>of</a:t>
-            </a:r>
-            <a:r>
-              <a:rPr lang="de-AT" baseline="0" dirty="0" smtClean="0"/>
-              <a:t> </a:t>
-            </a:r>
-            <a:r>
-              <a:rPr lang="de-AT" baseline="0" dirty="0" err="1" smtClean="0"/>
-              <a:t>my</a:t>
-            </a:r>
-            <a:r>
-              <a:rPr lang="de-AT" baseline="0" dirty="0" smtClean="0"/>
-              <a:t> </a:t>
-            </a:r>
-            <a:r>
-              <a:rPr lang="de-AT" baseline="0" dirty="0" err="1" smtClean="0"/>
-              <a:t>bachelor</a:t>
-            </a:r>
-            <a:r>
-              <a:rPr lang="de-AT" baseline="0" dirty="0" smtClean="0"/>
-              <a:t> </a:t>
-            </a:r>
-            <a:r>
-              <a:rPr lang="de-AT" baseline="0" dirty="0" err="1" smtClean="0"/>
-              <a:t>thesis</a:t>
-            </a:r>
-            <a:r>
-              <a:rPr lang="de-AT" baseline="0" dirty="0" smtClean="0"/>
-              <a:t>? The </a:t>
-            </a:r>
-            <a:r>
-              <a:rPr lang="de-AT" baseline="0" dirty="0" err="1" smtClean="0"/>
-              <a:t>first</a:t>
-            </a:r>
-            <a:r>
-              <a:rPr lang="de-AT" baseline="0" dirty="0" smtClean="0"/>
-              <a:t> </a:t>
-            </a:r>
-            <a:r>
-              <a:rPr lang="de-AT" baseline="0" dirty="0" err="1" smtClean="0"/>
-              <a:t>step</a:t>
-            </a:r>
-            <a:r>
-              <a:rPr lang="de-AT" baseline="0" dirty="0" smtClean="0"/>
-              <a:t> after </a:t>
-            </a:r>
-            <a:r>
-              <a:rPr lang="de-AT" b="1" baseline="0" dirty="0" err="1" smtClean="0"/>
-              <a:t>the</a:t>
-            </a:r>
-            <a:r>
-              <a:rPr lang="de-AT" b="1" baseline="0" dirty="0" smtClean="0"/>
-              <a:t> </a:t>
-            </a:r>
-            <a:r>
-              <a:rPr lang="de-AT" b="1" baseline="0" dirty="0" err="1" smtClean="0"/>
-              <a:t>theoretical</a:t>
-            </a:r>
-            <a:r>
-              <a:rPr lang="de-AT" b="1" baseline="0" dirty="0" smtClean="0"/>
-              <a:t> </a:t>
-            </a:r>
-            <a:r>
-              <a:rPr lang="de-AT" b="1" baseline="0" dirty="0" err="1" smtClean="0"/>
-              <a:t>part</a:t>
-            </a:r>
-            <a:r>
-              <a:rPr lang="de-AT" baseline="0" dirty="0" smtClean="0"/>
-              <a:t> will </a:t>
-            </a:r>
-            <a:r>
-              <a:rPr lang="de-AT" baseline="0" dirty="0" err="1" smtClean="0"/>
-              <a:t>be</a:t>
-            </a:r>
-            <a:r>
-              <a:rPr lang="de-AT" baseline="0" dirty="0" smtClean="0"/>
-              <a:t> </a:t>
-            </a:r>
-            <a:r>
-              <a:rPr lang="de-AT" baseline="0" dirty="0" err="1" smtClean="0"/>
-              <a:t>the</a:t>
-            </a:r>
-            <a:r>
-              <a:rPr lang="de-AT" baseline="0" dirty="0" smtClean="0"/>
-              <a:t> </a:t>
-            </a:r>
-            <a:r>
-              <a:rPr lang="de-AT" b="1" baseline="0" dirty="0" err="1" smtClean="0"/>
-              <a:t>implementation</a:t>
-            </a:r>
-            <a:r>
-              <a:rPr lang="de-AT" baseline="0" dirty="0" smtClean="0"/>
-              <a:t> </a:t>
-            </a:r>
-            <a:r>
-              <a:rPr lang="de-AT" baseline="0" dirty="0" err="1" smtClean="0"/>
-              <a:t>of</a:t>
-            </a:r>
-            <a:r>
-              <a:rPr lang="de-AT" baseline="0" dirty="0" smtClean="0"/>
-              <a:t> </a:t>
-            </a:r>
-            <a:r>
-              <a:rPr lang="de-AT" baseline="0" dirty="0" err="1" smtClean="0"/>
-              <a:t>these</a:t>
-            </a:r>
-            <a:r>
-              <a:rPr lang="de-AT" baseline="0" dirty="0" smtClean="0"/>
-              <a:t> </a:t>
-            </a:r>
-            <a:r>
-              <a:rPr lang="de-AT" baseline="0" dirty="0" err="1" smtClean="0"/>
-              <a:t>three</a:t>
-            </a:r>
-            <a:r>
-              <a:rPr lang="de-AT" baseline="0" dirty="0" smtClean="0"/>
-              <a:t> </a:t>
-            </a:r>
-            <a:r>
-              <a:rPr lang="de-AT" baseline="0" dirty="0" err="1" smtClean="0"/>
-              <a:t>kinds</a:t>
-            </a:r>
-            <a:r>
-              <a:rPr lang="de-AT" baseline="0" dirty="0" smtClean="0"/>
-              <a:t> </a:t>
-            </a:r>
-            <a:r>
-              <a:rPr lang="de-AT" baseline="0" dirty="0" err="1" smtClean="0"/>
-              <a:t>of</a:t>
-            </a:r>
-            <a:r>
-              <a:rPr lang="de-AT" baseline="0" dirty="0" smtClean="0"/>
-              <a:t> </a:t>
-            </a:r>
-            <a:r>
-              <a:rPr lang="de-AT" baseline="0" dirty="0" err="1" smtClean="0"/>
-              <a:t>algorithms</a:t>
-            </a:r>
-            <a:r>
-              <a:rPr lang="de-AT" baseline="0" dirty="0" smtClean="0"/>
-              <a:t> I </a:t>
-            </a:r>
-            <a:r>
-              <a:rPr lang="de-AT" baseline="0" dirty="0" err="1" smtClean="0"/>
-              <a:t>have</a:t>
-            </a:r>
-            <a:r>
-              <a:rPr lang="de-AT" baseline="0" dirty="0" smtClean="0"/>
-              <a:t> </a:t>
-            </a:r>
-            <a:r>
-              <a:rPr lang="de-AT" baseline="0" dirty="0" err="1" smtClean="0"/>
-              <a:t>shown</a:t>
-            </a:r>
-            <a:r>
-              <a:rPr lang="de-AT" baseline="0" dirty="0" smtClean="0"/>
-              <a:t> </a:t>
-            </a:r>
-            <a:r>
-              <a:rPr lang="de-AT" baseline="0" dirty="0" err="1" smtClean="0"/>
-              <a:t>you</a:t>
-            </a:r>
-            <a:r>
-              <a:rPr lang="de-AT" baseline="0" dirty="0" smtClean="0"/>
-              <a:t>. </a:t>
-            </a:r>
-            <a:r>
-              <a:rPr lang="de-AT" baseline="0" dirty="0" err="1" smtClean="0"/>
-              <a:t>Then</a:t>
-            </a:r>
-            <a:r>
-              <a:rPr lang="de-AT" baseline="0" dirty="0" smtClean="0"/>
-              <a:t> I will </a:t>
-            </a:r>
-            <a:r>
-              <a:rPr lang="de-AT" baseline="0" dirty="0" err="1" smtClean="0"/>
-              <a:t>run</a:t>
-            </a:r>
-            <a:r>
-              <a:rPr lang="de-AT" baseline="0" dirty="0" smtClean="0"/>
-              <a:t> </a:t>
-            </a:r>
-            <a:r>
-              <a:rPr lang="de-AT" baseline="0" dirty="0" err="1" smtClean="0"/>
-              <a:t>some</a:t>
-            </a:r>
-            <a:r>
-              <a:rPr lang="de-AT" baseline="0" dirty="0" smtClean="0"/>
-              <a:t> </a:t>
-            </a:r>
-            <a:r>
-              <a:rPr lang="de-AT" b="1" baseline="0" dirty="0" err="1" smtClean="0"/>
-              <a:t>benchmarks</a:t>
-            </a:r>
-            <a:r>
-              <a:rPr lang="de-AT" baseline="0" dirty="0" smtClean="0"/>
-              <a:t> </a:t>
-            </a:r>
-            <a:r>
-              <a:rPr lang="de-AT" baseline="0" dirty="0" err="1" smtClean="0"/>
-              <a:t>and</a:t>
-            </a:r>
-            <a:r>
-              <a:rPr lang="de-AT" baseline="0" dirty="0" smtClean="0"/>
-              <a:t> </a:t>
-            </a:r>
-            <a:r>
-              <a:rPr lang="de-AT" baseline="0" dirty="0" err="1" smtClean="0"/>
-              <a:t>create</a:t>
-            </a:r>
-            <a:r>
-              <a:rPr lang="de-AT" baseline="0" dirty="0" smtClean="0"/>
-              <a:t> </a:t>
-            </a:r>
-            <a:r>
-              <a:rPr lang="de-AT" b="1" baseline="0" dirty="0" err="1" smtClean="0"/>
-              <a:t>statistics</a:t>
-            </a:r>
-            <a:r>
-              <a:rPr lang="de-AT" baseline="0" dirty="0" smtClean="0"/>
-              <a:t>. </a:t>
-            </a:r>
-            <a:r>
-              <a:rPr lang="de-AT" baseline="0" dirty="0" err="1" smtClean="0"/>
-              <a:t>And</a:t>
-            </a:r>
-            <a:r>
-              <a:rPr lang="de-AT" baseline="0" dirty="0" smtClean="0"/>
-              <a:t> </a:t>
-            </a:r>
-            <a:r>
-              <a:rPr lang="de-AT" baseline="0" dirty="0" err="1" smtClean="0"/>
-              <a:t>from</a:t>
-            </a:r>
-            <a:r>
-              <a:rPr lang="de-AT" baseline="0" dirty="0" smtClean="0"/>
-              <a:t> </a:t>
-            </a:r>
-            <a:r>
-              <a:rPr lang="de-AT" baseline="0" dirty="0" err="1" smtClean="0"/>
-              <a:t>this</a:t>
-            </a:r>
-            <a:r>
-              <a:rPr lang="de-AT" baseline="0" dirty="0" smtClean="0"/>
-              <a:t> </a:t>
-            </a:r>
-            <a:r>
-              <a:rPr lang="de-AT" baseline="0" dirty="0" err="1" smtClean="0"/>
-              <a:t>statistics</a:t>
-            </a:r>
-            <a:r>
-              <a:rPr lang="de-AT" baseline="0" dirty="0" smtClean="0"/>
-              <a:t> I will </a:t>
-            </a:r>
-            <a:r>
-              <a:rPr lang="de-AT" baseline="0" dirty="0" err="1" smtClean="0"/>
-              <a:t>try</a:t>
-            </a:r>
-            <a:r>
-              <a:rPr lang="de-AT" baseline="0" dirty="0" smtClean="0"/>
-              <a:t> </a:t>
-            </a:r>
-            <a:r>
-              <a:rPr lang="de-AT" baseline="0" dirty="0" err="1" smtClean="0"/>
-              <a:t>to</a:t>
-            </a:r>
-            <a:r>
-              <a:rPr lang="de-AT" baseline="0" dirty="0" smtClean="0"/>
-              <a:t> </a:t>
-            </a:r>
-            <a:r>
-              <a:rPr lang="de-AT" b="1" baseline="0" dirty="0" err="1" smtClean="0"/>
-              <a:t>draw</a:t>
-            </a:r>
-            <a:r>
-              <a:rPr lang="de-AT" b="1" baseline="0" dirty="0" smtClean="0"/>
-              <a:t> </a:t>
-            </a:r>
-            <a:r>
-              <a:rPr lang="de-AT" b="1" baseline="0" dirty="0" err="1" smtClean="0"/>
-              <a:t>some</a:t>
-            </a:r>
-            <a:r>
-              <a:rPr lang="de-AT" b="1" baseline="0" dirty="0" smtClean="0"/>
-              <a:t> </a:t>
-            </a:r>
-            <a:r>
-              <a:rPr lang="de-AT" b="1" baseline="0" dirty="0" err="1" smtClean="0"/>
-              <a:t>conclusions</a:t>
-            </a:r>
-            <a:r>
-              <a:rPr lang="de-AT" baseline="0" dirty="0" smtClean="0"/>
-              <a:t> </a:t>
-            </a:r>
-            <a:r>
-              <a:rPr lang="de-AT" baseline="0" dirty="0" err="1" smtClean="0"/>
-              <a:t>to</a:t>
-            </a:r>
-            <a:r>
-              <a:rPr lang="de-AT" baseline="0" dirty="0" smtClean="0"/>
-              <a:t> </a:t>
-            </a:r>
-            <a:r>
-              <a:rPr lang="de-AT" baseline="0" dirty="0" err="1" smtClean="0"/>
-              <a:t>answere</a:t>
-            </a:r>
-            <a:r>
-              <a:rPr lang="de-AT" baseline="0" dirty="0" smtClean="0"/>
-              <a:t> </a:t>
-            </a:r>
-            <a:r>
-              <a:rPr lang="de-AT" baseline="0" dirty="0" err="1" smtClean="0"/>
-              <a:t>the</a:t>
-            </a:r>
-            <a:r>
-              <a:rPr lang="de-AT" baseline="0" dirty="0" smtClean="0"/>
-              <a:t> final </a:t>
-            </a:r>
-            <a:r>
-              <a:rPr lang="de-AT" baseline="0" dirty="0" err="1" smtClean="0"/>
+              <a:rPr lang="en-US" b="1" noProof="0" dirty="0" smtClean="0"/>
+              <a:t>The final algorithm</a:t>
+            </a:r>
+            <a:r>
+              <a:rPr lang="en-US" noProof="0" dirty="0" smtClean="0"/>
+              <a:t> I want to cover</a:t>
+            </a:r>
+            <a:r>
+              <a:rPr lang="en-US" baseline="0" noProof="0" dirty="0" smtClean="0"/>
+              <a:t> in my bachelor thesis is the matrix multiplication. It has a very </a:t>
+            </a:r>
+            <a:r>
+              <a:rPr lang="en-US" b="1" baseline="0" noProof="0" dirty="0" smtClean="0"/>
+              <a:t>bad runtime complexity</a:t>
+            </a:r>
+            <a:r>
+              <a:rPr lang="en-US" baseline="0" noProof="0" dirty="0" smtClean="0"/>
+              <a:t>, needs a lot of floating point operations and is </a:t>
+            </a:r>
+            <a:r>
+              <a:rPr lang="en-US" b="1" baseline="0" noProof="0" dirty="0" smtClean="0"/>
+              <a:t>highly parallelizable</a:t>
+            </a:r>
+            <a:r>
+              <a:rPr lang="en-US" baseline="0" noProof="0" dirty="0" smtClean="0"/>
+              <a:t>. As a result the matrix multiplication, at least for </a:t>
+            </a:r>
+            <a:r>
+              <a:rPr lang="en-US" b="1" baseline="0" noProof="0" dirty="0" smtClean="0"/>
+              <a:t>large matrixes</a:t>
+            </a:r>
+            <a:r>
+              <a:rPr lang="en-US" baseline="0" noProof="0" dirty="0" smtClean="0"/>
+              <a:t>, should perform a lot better on a GPU. The </a:t>
+            </a:r>
+            <a:r>
+              <a:rPr lang="en-US" b="1" baseline="0" noProof="0" dirty="0" smtClean="0"/>
               <a:t>question</a:t>
             </a:r>
             <a:r>
-              <a:rPr lang="de-AT" baseline="0" dirty="0" smtClean="0"/>
-              <a:t> "</a:t>
-            </a:r>
-            <a:r>
-              <a:rPr lang="de-AT" b="1" baseline="0" dirty="0" err="1" smtClean="0"/>
-              <a:t>Is</a:t>
-            </a:r>
-            <a:r>
-              <a:rPr lang="de-AT" b="1" baseline="0" dirty="0" smtClean="0"/>
-              <a:t> </a:t>
-            </a:r>
-            <a:r>
-              <a:rPr lang="de-AT" b="1" baseline="0" dirty="0" err="1" smtClean="0"/>
-              <a:t>it</a:t>
-            </a:r>
-            <a:r>
-              <a:rPr lang="de-AT" b="1" baseline="0" dirty="0" smtClean="0"/>
-              <a:t> profitable</a:t>
-            </a:r>
-            <a:r>
-              <a:rPr lang="de-AT" baseline="0" dirty="0" smtClean="0"/>
-              <a:t> </a:t>
-            </a:r>
-            <a:r>
-              <a:rPr lang="de-AT" baseline="0" dirty="0" err="1" smtClean="0"/>
-              <a:t>to</a:t>
-            </a:r>
-            <a:r>
-              <a:rPr lang="de-AT" baseline="0" dirty="0" smtClean="0"/>
-              <a:t> </a:t>
-            </a:r>
-            <a:r>
-              <a:rPr lang="de-AT" baseline="0" dirty="0" err="1" smtClean="0"/>
-              <a:t>use</a:t>
-            </a:r>
-            <a:r>
-              <a:rPr lang="de-AT" baseline="0" dirty="0" smtClean="0"/>
-              <a:t> OpenCL </a:t>
-            </a:r>
-            <a:r>
-              <a:rPr lang="de-AT" baseline="0" dirty="0" err="1" smtClean="0"/>
-              <a:t>for</a:t>
-            </a:r>
-            <a:r>
-              <a:rPr lang="de-AT" baseline="0" dirty="0" smtClean="0"/>
-              <a:t> </a:t>
-            </a:r>
-            <a:r>
-              <a:rPr lang="de-AT" baseline="0" dirty="0" err="1" smtClean="0"/>
-              <a:t>my</a:t>
-            </a:r>
-            <a:r>
-              <a:rPr lang="de-AT" baseline="0" dirty="0" smtClean="0"/>
-              <a:t> </a:t>
-            </a:r>
-            <a:r>
-              <a:rPr lang="de-AT" baseline="0" dirty="0" err="1" smtClean="0"/>
-              <a:t>application</a:t>
-            </a:r>
-            <a:r>
-              <a:rPr lang="de-AT" baseline="0" dirty="0" smtClean="0"/>
-              <a:t> </a:t>
-            </a:r>
-            <a:r>
-              <a:rPr lang="de-AT" baseline="0" dirty="0" err="1" smtClean="0"/>
-              <a:t>or</a:t>
-            </a:r>
-            <a:r>
-              <a:rPr lang="de-AT" baseline="0" dirty="0" smtClean="0"/>
-              <a:t> not?"</a:t>
-            </a:r>
-          </a:p>
-          <a:p>
-            <a:r>
-              <a:rPr lang="de-AT" baseline="0" dirty="0" err="1" smtClean="0"/>
-              <a:t>Thanks</a:t>
-            </a:r>
-            <a:r>
-              <a:rPr lang="de-AT" baseline="0" dirty="0" smtClean="0"/>
-              <a:t> </a:t>
-            </a:r>
-            <a:r>
-              <a:rPr lang="de-AT" baseline="0" dirty="0" err="1" smtClean="0"/>
-              <a:t>for</a:t>
-            </a:r>
-            <a:r>
-              <a:rPr lang="de-AT" baseline="0" dirty="0" smtClean="0"/>
-              <a:t> </a:t>
-            </a:r>
-            <a:r>
-              <a:rPr lang="de-AT" baseline="0" dirty="0" err="1" smtClean="0"/>
-              <a:t>listening</a:t>
-            </a:r>
-            <a:r>
-              <a:rPr lang="de-AT" baseline="0" dirty="0" smtClean="0"/>
-              <a:t> </a:t>
-            </a:r>
-            <a:r>
-              <a:rPr lang="de-AT" baseline="0" dirty="0" err="1" smtClean="0"/>
-              <a:t>and</a:t>
-            </a:r>
-            <a:r>
-              <a:rPr lang="de-AT" baseline="0" dirty="0" smtClean="0"/>
-              <a:t> </a:t>
-            </a:r>
-            <a:r>
-              <a:rPr lang="de-AT" baseline="0" dirty="0" err="1" smtClean="0"/>
-              <a:t>see</a:t>
-            </a:r>
-            <a:r>
-              <a:rPr lang="de-AT" baseline="0" dirty="0" smtClean="0"/>
-              <a:t> </a:t>
-            </a:r>
-            <a:r>
-              <a:rPr lang="de-AT" baseline="0" dirty="0" err="1" smtClean="0"/>
-              <a:t>you</a:t>
-            </a:r>
-            <a:r>
-              <a:rPr lang="de-AT" baseline="0" dirty="0" smtClean="0"/>
-              <a:t> </a:t>
-            </a:r>
-            <a:r>
-              <a:rPr lang="de-AT" baseline="0" dirty="0" err="1" smtClean="0"/>
-              <a:t>guys</a:t>
-            </a:r>
-            <a:r>
-              <a:rPr lang="de-AT" baseline="0" dirty="0" smtClean="0"/>
-              <a:t> in </a:t>
-            </a:r>
-            <a:r>
-              <a:rPr lang="de-AT" baseline="0" dirty="0" err="1" smtClean="0"/>
-              <a:t>January</a:t>
-            </a:r>
-            <a:r>
-              <a:rPr lang="de-AT" baseline="0" dirty="0" smtClean="0"/>
-              <a:t> </a:t>
-            </a:r>
-            <a:r>
-              <a:rPr lang="de-AT" baseline="0" dirty="0" err="1" smtClean="0"/>
-              <a:t>with</a:t>
-            </a:r>
-            <a:r>
-              <a:rPr lang="de-AT" baseline="0" dirty="0" smtClean="0"/>
-              <a:t> </a:t>
-            </a:r>
-            <a:r>
-              <a:rPr lang="de-AT" baseline="0" dirty="0" err="1" smtClean="0"/>
-              <a:t>some</a:t>
-            </a:r>
-            <a:r>
-              <a:rPr lang="de-AT" baseline="0" dirty="0" smtClean="0"/>
-              <a:t> </a:t>
-            </a:r>
-            <a:r>
-              <a:rPr lang="de-AT" baseline="0" dirty="0" err="1" smtClean="0"/>
-              <a:t>results</a:t>
-            </a:r>
-            <a:r>
-              <a:rPr lang="de-AT" baseline="0" dirty="0" smtClean="0"/>
-              <a:t>.</a:t>
-            </a:r>
-            <a:endParaRPr lang="en-US" dirty="0"/>
+              <a:rPr lang="en-US" baseline="0" noProof="0" dirty="0" smtClean="0"/>
+              <a:t> will be </a:t>
+            </a:r>
+            <a:r>
+              <a:rPr lang="en-US" b="1" baseline="0" noProof="0" dirty="0" smtClean="0"/>
+              <a:t>how large</a:t>
+            </a:r>
+            <a:r>
+              <a:rPr lang="en-US" baseline="0" noProof="0" dirty="0" smtClean="0"/>
+              <a:t> has the matrix to be for the GPU </a:t>
+            </a:r>
+            <a:r>
+              <a:rPr lang="en-US" b="1" baseline="0" noProof="0" dirty="0" smtClean="0"/>
+              <a:t>to be faster</a:t>
+            </a:r>
+            <a:r>
+              <a:rPr lang="en-US" baseline="0" noProof="0" dirty="0" smtClean="0"/>
+              <a:t> than the CPU and how much faster will the GPU be?</a:t>
+            </a:r>
+            <a:endParaRPr lang="en-US" noProof="0" dirty="0"/>
           </a:p>
         </p:txBody>
       </p:sp>
@@ -14204,7 +14288,7 @@
           <a:p>
             <a:fld id="{E19E8DFC-DE97-490B-8572-C8B1A4CD170F}" type="slidenum">
               <a:rPr lang="en-US" smtClean="0"/>
-              <a:t>10</a:t>
+              <a:t>9</a:t>
             </a:fld>
             <a:endParaRPr lang="en-US"/>
           </a:p>
@@ -14213,7 +14297,7 @@
     </p:spTree>
     <p:extLst>
       <p:ext uri="{BB962C8B-B14F-4D97-AF65-F5344CB8AC3E}">
-        <p14:creationId xmlns:p14="http://schemas.microsoft.com/office/powerpoint/2010/main" val="270916133"/>
+        <p14:creationId xmlns:p14="http://schemas.microsoft.com/office/powerpoint/2010/main" val="3530741468"/>
       </p:ext>
     </p:extLst>
   </p:cSld>
@@ -17275,7 +17359,7 @@
           <p:nvPr/>
         </p:nvPicPr>
         <p:blipFill>
-          <a:blip r:embed="rId2">
+          <a:blip r:embed="rId3">
             <a:extLst>
               <a:ext uri="{28A0092B-C50C-407E-A947-70E740481C1C}">
                 <a14:useLocalDpi xmlns:a14="http://schemas.microsoft.com/office/drawing/2010/main" val="0"/>
@@ -17339,7 +17423,7 @@
           <p:nvPr/>
         </p:nvPicPr>
         <p:blipFill>
-          <a:blip r:embed="rId3">
+          <a:blip r:embed="rId4">
             <a:extLst>
               <a:ext uri="{28A0092B-C50C-407E-A947-70E740481C1C}">
                 <a14:useLocalDpi xmlns:a14="http://schemas.microsoft.com/office/drawing/2010/main" val="0"/>
@@ -19367,29 +19451,19 @@
         <p:blipFill>
           <a:blip r:embed="rId3">
             <a:extLst>
-              <a:ext uri="{BEBA8EAE-BF5A-486C-A8C5-ECC9F3942E4B}">
-                <a14:imgProps xmlns:a14="http://schemas.microsoft.com/office/drawing/2010/main">
-                  <a14:imgLayer r:embed="rId4">
-                    <a14:imgEffect>
-                      <a14:brightnessContrast bright="20000"/>
-                    </a14:imgEffect>
-                  </a14:imgLayer>
-                </a14:imgProps>
-              </a:ext>
               <a:ext uri="{28A0092B-C50C-407E-A947-70E740481C1C}">
                 <a14:useLocalDpi xmlns:a14="http://schemas.microsoft.com/office/drawing/2010/main" val="0"/>
               </a:ext>
             </a:extLst>
           </a:blip>
-          <a:srcRect/>
           <a:stretch>
             <a:fillRect/>
           </a:stretch>
         </p:blipFill>
         <p:spPr bwMode="auto">
           <a:xfrm>
-            <a:off x="709359" y="1401594"/>
-            <a:ext cx="7725283" cy="3060409"/>
+            <a:off x="709359" y="1402583"/>
+            <a:ext cx="7725283" cy="3058431"/>
           </a:xfrm>
           <a:prstGeom prst="rect">
             <a:avLst/>

--- a/presentations/BAS_1/OpenCL.pptx
+++ b/presentations/BAS_1/OpenCL.pptx
@@ -11060,7 +11060,7 @@
           <a:p>
             <a:fld id="{FAF648E3-ABF5-4FCD-BDF2-371C3D165212}" type="datetimeFigureOut">
               <a:rPr lang="en-US" smtClean="0"/>
-              <a:t>11/20/2012</a:t>
+              <a:t>11/21/2012</a:t>
             </a:fld>
             <a:endParaRPr lang="en-US"/>
           </a:p>
@@ -14489,7 +14489,7 @@
             <a:fld id="{1D8BD707-D9CF-40AE-B4C6-C98DA3205C09}" type="datetimeFigureOut">
               <a:rPr lang="en-US" smtClean="0"/>
               <a:pPr/>
-              <a:t>11/20/2012</a:t>
+              <a:t>11/21/2012</a:t>
             </a:fld>
             <a:endParaRPr lang="en-US"/>
           </a:p>
@@ -14661,7 +14661,7 @@
             <a:fld id="{1D8BD707-D9CF-40AE-B4C6-C98DA3205C09}" type="datetimeFigureOut">
               <a:rPr lang="en-US" smtClean="0"/>
               <a:pPr/>
-              <a:t>11/20/2012</a:t>
+              <a:t>11/21/2012</a:t>
             </a:fld>
             <a:endParaRPr lang="en-US"/>
           </a:p>
@@ -14843,7 +14843,7 @@
             <a:fld id="{1D8BD707-D9CF-40AE-B4C6-C98DA3205C09}" type="datetimeFigureOut">
               <a:rPr lang="en-US" smtClean="0"/>
               <a:pPr/>
-              <a:t>11/20/2012</a:t>
+              <a:t>11/21/2012</a:t>
             </a:fld>
             <a:endParaRPr lang="en-US"/>
           </a:p>
@@ -15015,7 +15015,7 @@
             <a:fld id="{1D8BD707-D9CF-40AE-B4C6-C98DA3205C09}" type="datetimeFigureOut">
               <a:rPr lang="en-US" smtClean="0"/>
               <a:pPr/>
-              <a:t>11/20/2012</a:t>
+              <a:t>11/21/2012</a:t>
             </a:fld>
             <a:endParaRPr lang="en-US"/>
           </a:p>
@@ -15270,7 +15270,7 @@
             <a:fld id="{1D8BD707-D9CF-40AE-B4C6-C98DA3205C09}" type="datetimeFigureOut">
               <a:rPr lang="en-US" smtClean="0"/>
               <a:pPr/>
-              <a:t>11/20/2012</a:t>
+              <a:t>11/21/2012</a:t>
             </a:fld>
             <a:endParaRPr lang="en-US"/>
           </a:p>
@@ -15560,7 +15560,7 @@
             <a:fld id="{1D8BD707-D9CF-40AE-B4C6-C98DA3205C09}" type="datetimeFigureOut">
               <a:rPr lang="en-US" smtClean="0"/>
               <a:pPr/>
-              <a:t>11/20/2012</a:t>
+              <a:t>11/21/2012</a:t>
             </a:fld>
             <a:endParaRPr lang="en-US"/>
           </a:p>
@@ -15984,7 +15984,7 @@
             <a:fld id="{1D8BD707-D9CF-40AE-B4C6-C98DA3205C09}" type="datetimeFigureOut">
               <a:rPr lang="en-US" smtClean="0"/>
               <a:pPr/>
-              <a:t>11/20/2012</a:t>
+              <a:t>11/21/2012</a:t>
             </a:fld>
             <a:endParaRPr lang="en-US"/>
           </a:p>
@@ -16104,7 +16104,7 @@
             <a:fld id="{1D8BD707-D9CF-40AE-B4C6-C98DA3205C09}" type="datetimeFigureOut">
               <a:rPr lang="en-US" smtClean="0"/>
               <a:pPr/>
-              <a:t>11/20/2012</a:t>
+              <a:t>11/21/2012</a:t>
             </a:fld>
             <a:endParaRPr lang="en-US"/>
           </a:p>
@@ -16201,7 +16201,7 @@
             <a:fld id="{1D8BD707-D9CF-40AE-B4C6-C98DA3205C09}" type="datetimeFigureOut">
               <a:rPr lang="en-US" smtClean="0"/>
               <a:pPr/>
-              <a:t>11/20/2012</a:t>
+              <a:t>11/21/2012</a:t>
             </a:fld>
             <a:endParaRPr lang="en-US"/>
           </a:p>
@@ -16480,7 +16480,7 @@
             <a:fld id="{1D8BD707-D9CF-40AE-B4C6-C98DA3205C09}" type="datetimeFigureOut">
               <a:rPr lang="en-US" smtClean="0"/>
               <a:pPr/>
-              <a:t>11/20/2012</a:t>
+              <a:t>11/21/2012</a:t>
             </a:fld>
             <a:endParaRPr lang="en-US"/>
           </a:p>
@@ -16735,7 +16735,7 @@
             <a:fld id="{1D8BD707-D9CF-40AE-B4C6-C98DA3205C09}" type="datetimeFigureOut">
               <a:rPr lang="en-US" smtClean="0"/>
               <a:pPr/>
-              <a:t>11/20/2012</a:t>
+              <a:t>11/21/2012</a:t>
             </a:fld>
             <a:endParaRPr lang="en-US"/>
           </a:p>
@@ -16974,7 +16974,7 @@
             <a:fld id="{1D8BD707-D9CF-40AE-B4C6-C98DA3205C09}" type="datetimeFigureOut">
               <a:rPr lang="en-US" smtClean="0"/>
               <a:pPr/>
-              <a:t>11/20/2012</a:t>
+              <a:t>11/21/2012</a:t>
             </a:fld>
             <a:endParaRPr lang="en-US"/>
           </a:p>
@@ -17414,47 +17414,6 @@
           </a:extLst>
         </p:spPr>
       </p:pic>
-      <p:pic>
-        <p:nvPicPr>
-          <p:cNvPr id="1028" name="Picture 4" descr="D:\data\FH\Bachelorarbeit\svnroot\presentations\BAS_1\ohgodwhy.png"/>
-          <p:cNvPicPr>
-            <a:picLocks noChangeAspect="1" noChangeArrowheads="1"/>
-          </p:cNvPicPr>
-          <p:nvPr/>
-        </p:nvPicPr>
-        <p:blipFill>
-          <a:blip r:embed="rId4">
-            <a:extLst>
-              <a:ext uri="{28A0092B-C50C-407E-A947-70E740481C1C}">
-                <a14:useLocalDpi xmlns:a14="http://schemas.microsoft.com/office/drawing/2010/main" val="0"/>
-              </a:ext>
-            </a:extLst>
-          </a:blip>
-          <a:srcRect/>
-          <a:stretch>
-            <a:fillRect/>
-          </a:stretch>
-        </p:blipFill>
-        <p:spPr bwMode="auto">
-          <a:xfrm>
-            <a:off x="5382108" y="2772493"/>
-            <a:ext cx="1820724" cy="2409605"/>
-          </a:xfrm>
-          <a:prstGeom prst="rect">
-            <a:avLst/>
-          </a:prstGeom>
-          <a:noFill/>
-          <a:extLst>
-            <a:ext uri="{909E8E84-426E-40DD-AFC4-6F175D3DCCD1}">
-              <a14:hiddenFill xmlns:a14="http://schemas.microsoft.com/office/drawing/2010/main">
-                <a:solidFill>
-                  <a:srgbClr val="FFFFFF"/>
-                </a:solidFill>
-              </a14:hiddenFill>
-            </a:ext>
-          </a:extLst>
-        </p:spPr>
-      </p:pic>
     </p:spTree>
     <p:extLst>
       <p:ext uri="{BB962C8B-B14F-4D97-AF65-F5344CB8AC3E}">
@@ -17468,83 +17427,7 @@
   <p:timing>
     <p:tnLst>
       <p:par>
-        <p:cTn id="1" dur="indefinite" restart="never" nodeType="tmRoot">
-          <p:childTnLst>
-            <p:seq concurrent="1" nextAc="seek">
-              <p:cTn id="2" dur="indefinite" nodeType="mainSeq">
-                <p:childTnLst>
-                  <p:par>
-                    <p:cTn id="3" fill="hold">
-                      <p:stCondLst>
-                        <p:cond delay="indefinite"/>
-                      </p:stCondLst>
-                      <p:childTnLst>
-                        <p:par>
-                          <p:cTn id="4" fill="hold">
-                            <p:stCondLst>
-                              <p:cond delay="0"/>
-                            </p:stCondLst>
-                            <p:childTnLst>
-                              <p:par>
-                                <p:cTn id="5" presetID="10" presetClass="entr" presetSubtype="0" fill="hold" nodeType="clickEffect">
-                                  <p:stCondLst>
-                                    <p:cond delay="0"/>
-                                  </p:stCondLst>
-                                  <p:childTnLst>
-                                    <p:set>
-                                      <p:cBhvr>
-                                        <p:cTn id="6" dur="1" fill="hold">
-                                          <p:stCondLst>
-                                            <p:cond delay="0"/>
-                                          </p:stCondLst>
-                                        </p:cTn>
-                                        <p:tgtEl>
-                                          <p:spTgt spid="1028"/>
-                                        </p:tgtEl>
-                                        <p:attrNameLst>
-                                          <p:attrName>style.visibility</p:attrName>
-                                        </p:attrNameLst>
-                                      </p:cBhvr>
-                                      <p:to>
-                                        <p:strVal val="visible"/>
-                                      </p:to>
-                                    </p:set>
-                                    <p:animEffect transition="in" filter="fade">
-                                      <p:cBhvr>
-                                        <p:cTn id="7" dur="250"/>
-                                        <p:tgtEl>
-                                          <p:spTgt spid="1028"/>
-                                        </p:tgtEl>
-                                      </p:cBhvr>
-                                    </p:animEffect>
-                                  </p:childTnLst>
-                                </p:cTn>
-                              </p:par>
-                            </p:childTnLst>
-                          </p:cTn>
-                        </p:par>
-                      </p:childTnLst>
-                    </p:cTn>
-                  </p:par>
-                </p:childTnLst>
-              </p:cTn>
-              <p:prevCondLst>
-                <p:cond evt="onPrev" delay="0">
-                  <p:tgtEl>
-                    <p:sldTgt/>
-                  </p:tgtEl>
-                </p:cond>
-              </p:prevCondLst>
-              <p:nextCondLst>
-                <p:cond evt="onNext" delay="0">
-                  <p:tgtEl>
-                    <p:sldTgt/>
-                  </p:tgtEl>
-                </p:cond>
-              </p:nextCondLst>
-            </p:seq>
-          </p:childTnLst>
-        </p:cTn>
+        <p:cTn id="1" dur="indefinite" restart="never" nodeType="tmRoot"/>
       </p:par>
     </p:tnLst>
   </p:timing>
